--- a/notes/week5/week5.pptx
+++ b/notes/week5/week5.pptx
@@ -5,7 +5,7 @@
     <p:sldMasterId id="2147483648" r:id="rId1"/>
   </p:sldMasterIdLst>
   <p:notesMasterIdLst>
-    <p:notesMasterId r:id="rId25"/>
+    <p:notesMasterId r:id="rId37"/>
   </p:notesMasterIdLst>
   <p:sldIdLst>
     <p:sldId id="334" r:id="rId2"/>
@@ -31,6 +31,18 @@
     <p:sldId id="367" r:id="rId22"/>
     <p:sldId id="368" r:id="rId23"/>
     <p:sldId id="369" r:id="rId24"/>
+    <p:sldId id="371" r:id="rId25"/>
+    <p:sldId id="372" r:id="rId26"/>
+    <p:sldId id="373" r:id="rId27"/>
+    <p:sldId id="376" r:id="rId28"/>
+    <p:sldId id="374" r:id="rId29"/>
+    <p:sldId id="375" r:id="rId30"/>
+    <p:sldId id="377" r:id="rId31"/>
+    <p:sldId id="378" r:id="rId32"/>
+    <p:sldId id="379" r:id="rId33"/>
+    <p:sldId id="380" r:id="rId34"/>
+    <p:sldId id="381" r:id="rId35"/>
+    <p:sldId id="382" r:id="rId36"/>
   </p:sldIdLst>
   <p:sldSz cx="12192000" cy="6858000"/>
   <p:notesSz cx="6858000" cy="9144000"/>
@@ -163,6 +175,22 @@
             <p14:sldId id="369"/>
           </p14:sldIdLst>
         </p14:section>
+        <p14:section name="OOP example: Segment" id="{177F0D67-FFFE-324B-96DB-600ED5989434}">
+          <p14:sldIdLst>
+            <p14:sldId id="371"/>
+            <p14:sldId id="372"/>
+            <p14:sldId id="373"/>
+            <p14:sldId id="376"/>
+            <p14:sldId id="374"/>
+            <p14:sldId id="375"/>
+            <p14:sldId id="377"/>
+            <p14:sldId id="378"/>
+            <p14:sldId id="379"/>
+            <p14:sldId id="380"/>
+            <p14:sldId id="381"/>
+            <p14:sldId id="382"/>
+          </p14:sldIdLst>
+        </p14:section>
       </p14:sectionLst>
     </p:ext>
     <p:ext uri="{EFAFB233-063F-42B5-8137-9DF3F51BA10A}">
@@ -176,7 +204,7 @@
 <p1510:revInfo xmlns:a="http://schemas.openxmlformats.org/drawingml/2006/main" xmlns:r="http://schemas.openxmlformats.org/officeDocument/2006/relationships" xmlns:p1510="http://schemas.microsoft.com/office/powerpoint/2015/10/main">
   <p1510:revLst>
     <p1510:client id="{33A2B773-C530-684B-BED7-41E44C36EABE}" v="29" dt="2026-02-02T20:59:59.570"/>
-    <p1510:client id="{ED909D2C-6CEE-DF41-A2B1-994876E71ACE}" v="32" dt="2026-02-03T02:08:20.139"/>
+    <p1510:client id="{ED909D2C-6CEE-DF41-A2B1-994876E71ACE}" v="73" dt="2026-02-03T06:57:26.544"/>
   </p1510:revLst>
 </p1510:revInfo>
 </file>
@@ -1030,7 +1058,7 @@
   <pc:docChgLst>
     <pc:chgData name="Toby Donaldson" userId="2e6e5431-bb17-4c41-9985-d39c50d83c73" providerId="ADAL" clId="{7F9681A8-EEE2-56F4-9B39-ECCBEE0471AC}"/>
     <pc:docChg chg="undo redo custSel addSld delSld modSld sldOrd addSection delSection modSection">
-      <pc:chgData name="Toby Donaldson" userId="2e6e5431-bb17-4c41-9985-d39c50d83c73" providerId="ADAL" clId="{7F9681A8-EEE2-56F4-9B39-ECCBEE0471AC}" dt="2026-02-03T04:41:42.384" v="31596" actId="313"/>
+      <pc:chgData name="Toby Donaldson" userId="2e6e5431-bb17-4c41-9985-d39c50d83c73" providerId="ADAL" clId="{7F9681A8-EEE2-56F4-9B39-ECCBEE0471AC}" dt="2026-02-03T06:59:00.752" v="33886" actId="21"/>
       <pc:docMkLst>
         <pc:docMk/>
       </pc:docMkLst>
@@ -1569,6 +1597,752 @@
           </ac:cxnSpMkLst>
         </pc:cxnChg>
       </pc:sldChg>
+      <pc:sldChg chg="new del">
+        <pc:chgData name="Toby Donaldson" userId="2e6e5431-bb17-4c41-9985-d39c50d83c73" providerId="ADAL" clId="{7F9681A8-EEE2-56F4-9B39-ECCBEE0471AC}" dt="2026-02-03T06:05:52.745" v="31889" actId="2696"/>
+        <pc:sldMkLst>
+          <pc:docMk/>
+          <pc:sldMk cId="3846874369" sldId="370"/>
+        </pc:sldMkLst>
+      </pc:sldChg>
+      <pc:sldChg chg="addSp modSp new mod">
+        <pc:chgData name="Toby Donaldson" userId="2e6e5431-bb17-4c41-9985-d39c50d83c73" providerId="ADAL" clId="{7F9681A8-EEE2-56F4-9B39-ECCBEE0471AC}" dt="2026-02-03T06:09:09.607" v="31958" actId="1076"/>
+        <pc:sldMkLst>
+          <pc:docMk/>
+          <pc:sldMk cId="748760252" sldId="371"/>
+        </pc:sldMkLst>
+        <pc:spChg chg="mod">
+          <ac:chgData name="Toby Donaldson" userId="2e6e5431-bb17-4c41-9985-d39c50d83c73" providerId="ADAL" clId="{7F9681A8-EEE2-56F4-9B39-ECCBEE0471AC}" dt="2026-02-03T06:04:43.157" v="31651" actId="20577"/>
+          <ac:spMkLst>
+            <pc:docMk/>
+            <pc:sldMk cId="748760252" sldId="371"/>
+            <ac:spMk id="2" creationId="{2D60695C-3067-2FEB-3929-FACF02E1CA1E}"/>
+          </ac:spMkLst>
+        </pc:spChg>
+        <pc:spChg chg="mod">
+          <ac:chgData name="Toby Donaldson" userId="2e6e5431-bb17-4c41-9985-d39c50d83c73" providerId="ADAL" clId="{7F9681A8-EEE2-56F4-9B39-ECCBEE0471AC}" dt="2026-02-03T06:05:36.268" v="31887" actId="2711"/>
+          <ac:spMkLst>
+            <pc:docMk/>
+            <pc:sldMk cId="748760252" sldId="371"/>
+            <ac:spMk id="3" creationId="{6CF11C8E-2E28-3369-4C6A-D1460EAB4E90}"/>
+          </ac:spMkLst>
+        </pc:spChg>
+        <pc:spChg chg="add mod">
+          <ac:chgData name="Toby Donaldson" userId="2e6e5431-bb17-4c41-9985-d39c50d83c73" providerId="ADAL" clId="{7F9681A8-EEE2-56F4-9B39-ECCBEE0471AC}" dt="2026-02-03T06:09:09.607" v="31958" actId="1076"/>
+          <ac:spMkLst>
+            <pc:docMk/>
+            <pc:sldMk cId="748760252" sldId="371"/>
+            <ac:spMk id="6" creationId="{CFCB7F2E-BD90-F872-347E-AF0CE269182E}"/>
+          </ac:spMkLst>
+        </pc:spChg>
+        <pc:spChg chg="add mod">
+          <ac:chgData name="Toby Donaldson" userId="2e6e5431-bb17-4c41-9985-d39c50d83c73" providerId="ADAL" clId="{7F9681A8-EEE2-56F4-9B39-ECCBEE0471AC}" dt="2026-02-03T06:09:03.171" v="31957" actId="20577"/>
+          <ac:spMkLst>
+            <pc:docMk/>
+            <pc:sldMk cId="748760252" sldId="371"/>
+            <ac:spMk id="7" creationId="{FD2F20A0-8D78-9235-87ED-9976AD88B2F9}"/>
+          </ac:spMkLst>
+        </pc:spChg>
+        <pc:cxnChg chg="add">
+          <ac:chgData name="Toby Donaldson" userId="2e6e5431-bb17-4c41-9985-d39c50d83c73" providerId="ADAL" clId="{7F9681A8-EEE2-56F4-9B39-ECCBEE0471AC}" dt="2026-02-03T06:08:32.207" v="31946" actId="11529"/>
+          <ac:cxnSpMkLst>
+            <pc:docMk/>
+            <pc:sldMk cId="748760252" sldId="371"/>
+            <ac:cxnSpMk id="5" creationId="{40769BC9-B8ED-7FD7-4E4D-01993ADC770A}"/>
+          </ac:cxnSpMkLst>
+        </pc:cxnChg>
+      </pc:sldChg>
+      <pc:sldChg chg="addSp delSp modSp add mod">
+        <pc:chgData name="Toby Donaldson" userId="2e6e5431-bb17-4c41-9985-d39c50d83c73" providerId="ADAL" clId="{7F9681A8-EEE2-56F4-9B39-ECCBEE0471AC}" dt="2026-02-03T06:10:11.291" v="32000" actId="14100"/>
+        <pc:sldMkLst>
+          <pc:docMk/>
+          <pc:sldMk cId="865974016" sldId="372"/>
+        </pc:sldMkLst>
+        <pc:spChg chg="mod">
+          <ac:chgData name="Toby Donaldson" userId="2e6e5431-bb17-4c41-9985-d39c50d83c73" providerId="ADAL" clId="{7F9681A8-EEE2-56F4-9B39-ECCBEE0471AC}" dt="2026-02-03T06:07:31.923" v="31908" actId="1076"/>
+          <ac:spMkLst>
+            <pc:docMk/>
+            <pc:sldMk cId="865974016" sldId="372"/>
+            <ac:spMk id="2" creationId="{CA7807B0-0F72-38C2-5C52-939799F4ECF3}"/>
+          </ac:spMkLst>
+        </pc:spChg>
+        <pc:spChg chg="add mod">
+          <ac:chgData name="Toby Donaldson" userId="2e6e5431-bb17-4c41-9985-d39c50d83c73" providerId="ADAL" clId="{7F9681A8-EEE2-56F4-9B39-ECCBEE0471AC}" dt="2026-02-03T06:09:51.025" v="31996" actId="14100"/>
+          <ac:spMkLst>
+            <pc:docMk/>
+            <pc:sldMk cId="865974016" sldId="372"/>
+            <ac:spMk id="3" creationId="{70B57EDA-A3D1-82FD-69F6-6D5CF375FDD3}"/>
+          </ac:spMkLst>
+        </pc:spChg>
+        <pc:spChg chg="mod">
+          <ac:chgData name="Toby Donaldson" userId="2e6e5431-bb17-4c41-9985-d39c50d83c73" providerId="ADAL" clId="{7F9681A8-EEE2-56F4-9B39-ECCBEE0471AC}" dt="2026-02-03T06:08:00.817" v="31940" actId="20577"/>
+          <ac:spMkLst>
+            <pc:docMk/>
+            <pc:sldMk cId="865974016" sldId="372"/>
+            <ac:spMk id="4" creationId="{53356BB9-6FD4-FD93-2BED-BB4AC7655560}"/>
+          </ac:spMkLst>
+        </pc:spChg>
+        <pc:spChg chg="mod">
+          <ac:chgData name="Toby Donaldson" userId="2e6e5431-bb17-4c41-9985-d39c50d83c73" providerId="ADAL" clId="{7F9681A8-EEE2-56F4-9B39-ECCBEE0471AC}" dt="2026-02-03T06:08:10.507" v="31942" actId="1076"/>
+          <ac:spMkLst>
+            <pc:docMk/>
+            <pc:sldMk cId="865974016" sldId="372"/>
+            <ac:spMk id="5" creationId="{116020E3-1491-DDE2-2919-292D741D15EC}"/>
+          </ac:spMkLst>
+        </pc:spChg>
+        <pc:spChg chg="mod">
+          <ac:chgData name="Toby Donaldson" userId="2e6e5431-bb17-4c41-9985-d39c50d83c73" providerId="ADAL" clId="{7F9681A8-EEE2-56F4-9B39-ECCBEE0471AC}" dt="2026-02-03T06:08:06.196" v="31941" actId="1076"/>
+          <ac:spMkLst>
+            <pc:docMk/>
+            <pc:sldMk cId="865974016" sldId="372"/>
+            <ac:spMk id="6" creationId="{958F40DC-0801-4842-E322-2AA4F84EA8A7}"/>
+          </ac:spMkLst>
+        </pc:spChg>
+        <pc:spChg chg="del">
+          <ac:chgData name="Toby Donaldson" userId="2e6e5431-bb17-4c41-9985-d39c50d83c73" providerId="ADAL" clId="{7F9681A8-EEE2-56F4-9B39-ECCBEE0471AC}" dt="2026-02-03T06:08:15.376" v="31943" actId="21"/>
+          <ac:spMkLst>
+            <pc:docMk/>
+            <pc:sldMk cId="865974016" sldId="372"/>
+            <ac:spMk id="7" creationId="{592A9D5D-E72D-D4FF-7DEC-9CF6BE90E946}"/>
+          </ac:spMkLst>
+        </pc:spChg>
+        <pc:spChg chg="del">
+          <ac:chgData name="Toby Donaldson" userId="2e6e5431-bb17-4c41-9985-d39c50d83c73" providerId="ADAL" clId="{7F9681A8-EEE2-56F4-9B39-ECCBEE0471AC}" dt="2026-02-03T06:08:15.376" v="31943" actId="21"/>
+          <ac:spMkLst>
+            <pc:docMk/>
+            <pc:sldMk cId="865974016" sldId="372"/>
+            <ac:spMk id="8" creationId="{C6789386-384C-94C5-BAF9-9B227157E91A}"/>
+          </ac:spMkLst>
+        </pc:spChg>
+        <pc:spChg chg="del">
+          <ac:chgData name="Toby Donaldson" userId="2e6e5431-bb17-4c41-9985-d39c50d83c73" providerId="ADAL" clId="{7F9681A8-EEE2-56F4-9B39-ECCBEE0471AC}" dt="2026-02-03T06:08:15.376" v="31943" actId="21"/>
+          <ac:spMkLst>
+            <pc:docMk/>
+            <pc:sldMk cId="865974016" sldId="372"/>
+            <ac:spMk id="11" creationId="{C632033B-CBA7-E662-1894-25C6E29CE3B6}"/>
+          </ac:spMkLst>
+        </pc:spChg>
+        <pc:cxnChg chg="del">
+          <ac:chgData name="Toby Donaldson" userId="2e6e5431-bb17-4c41-9985-d39c50d83c73" providerId="ADAL" clId="{7F9681A8-EEE2-56F4-9B39-ECCBEE0471AC}" dt="2026-02-03T06:08:15.376" v="31943" actId="21"/>
+          <ac:cxnSpMkLst>
+            <pc:docMk/>
+            <pc:sldMk cId="865974016" sldId="372"/>
+            <ac:cxnSpMk id="10" creationId="{338C69AE-A230-9BAA-06FB-CC0DA582DE7E}"/>
+          </ac:cxnSpMkLst>
+        </pc:cxnChg>
+        <pc:cxnChg chg="del mod">
+          <ac:chgData name="Toby Donaldson" userId="2e6e5431-bb17-4c41-9985-d39c50d83c73" providerId="ADAL" clId="{7F9681A8-EEE2-56F4-9B39-ECCBEE0471AC}" dt="2026-02-03T06:08:17.996" v="31944" actId="21"/>
+          <ac:cxnSpMkLst>
+            <pc:docMk/>
+            <pc:sldMk cId="865974016" sldId="372"/>
+            <ac:cxnSpMk id="12" creationId="{AA679577-25C3-58D1-49CA-6F8C275C7DEE}"/>
+          </ac:cxnSpMkLst>
+        </pc:cxnChg>
+        <pc:cxnChg chg="add mod">
+          <ac:chgData name="Toby Donaldson" userId="2e6e5431-bb17-4c41-9985-d39c50d83c73" providerId="ADAL" clId="{7F9681A8-EEE2-56F4-9B39-ECCBEE0471AC}" dt="2026-02-03T06:10:11.291" v="32000" actId="14100"/>
+          <ac:cxnSpMkLst>
+            <pc:docMk/>
+            <pc:sldMk cId="865974016" sldId="372"/>
+            <ac:cxnSpMk id="13" creationId="{7FB884FC-FE8F-A79B-054C-DC9949BC58DB}"/>
+          </ac:cxnSpMkLst>
+        </pc:cxnChg>
+      </pc:sldChg>
+      <pc:sldChg chg="addSp delSp modSp add mod">
+        <pc:chgData name="Toby Donaldson" userId="2e6e5431-bb17-4c41-9985-d39c50d83c73" providerId="ADAL" clId="{7F9681A8-EEE2-56F4-9B39-ECCBEE0471AC}" dt="2026-02-03T06:45:20.985" v="33256" actId="14100"/>
+        <pc:sldMkLst>
+          <pc:docMk/>
+          <pc:sldMk cId="338792272" sldId="373"/>
+        </pc:sldMkLst>
+        <pc:spChg chg="add del mod">
+          <ac:chgData name="Toby Donaldson" userId="2e6e5431-bb17-4c41-9985-d39c50d83c73" providerId="ADAL" clId="{7F9681A8-EEE2-56F4-9B39-ECCBEE0471AC}" dt="2026-02-03T06:29:25.168" v="32588" actId="21"/>
+          <ac:spMkLst>
+            <pc:docMk/>
+            <pc:sldMk cId="338792272" sldId="373"/>
+            <ac:spMk id="3" creationId="{D1E47CF6-F84C-5DFF-1079-4BA8CBECAF2F}"/>
+          </ac:spMkLst>
+        </pc:spChg>
+        <pc:spChg chg="mod">
+          <ac:chgData name="Toby Donaldson" userId="2e6e5431-bb17-4c41-9985-d39c50d83c73" providerId="ADAL" clId="{7F9681A8-EEE2-56F4-9B39-ECCBEE0471AC}" dt="2026-02-03T06:19:14.718" v="32196" actId="20577"/>
+          <ac:spMkLst>
+            <pc:docMk/>
+            <pc:sldMk cId="338792272" sldId="373"/>
+            <ac:spMk id="4" creationId="{5E8585D7-BD52-58F4-245A-7A9CF1141CFA}"/>
+          </ac:spMkLst>
+        </pc:spChg>
+        <pc:spChg chg="mod">
+          <ac:chgData name="Toby Donaldson" userId="2e6e5431-bb17-4c41-9985-d39c50d83c73" providerId="ADAL" clId="{7F9681A8-EEE2-56F4-9B39-ECCBEE0471AC}" dt="2026-02-03T06:13:03.607" v="32121" actId="1076"/>
+          <ac:spMkLst>
+            <pc:docMk/>
+            <pc:sldMk cId="338792272" sldId="373"/>
+            <ac:spMk id="5" creationId="{70FE009F-7E76-746F-F58E-F82D528F7B3D}"/>
+          </ac:spMkLst>
+        </pc:spChg>
+        <pc:spChg chg="del">
+          <ac:chgData name="Toby Donaldson" userId="2e6e5431-bb17-4c41-9985-d39c50d83c73" providerId="ADAL" clId="{7F9681A8-EEE2-56F4-9B39-ECCBEE0471AC}" dt="2026-02-03T06:12:58.815" v="32120" actId="21"/>
+          <ac:spMkLst>
+            <pc:docMk/>
+            <pc:sldMk cId="338792272" sldId="373"/>
+            <ac:spMk id="6" creationId="{CFF312A7-DFB7-2011-9696-9E054A629734}"/>
+          </ac:spMkLst>
+        </pc:spChg>
+        <pc:spChg chg="add mod">
+          <ac:chgData name="Toby Donaldson" userId="2e6e5431-bb17-4c41-9985-d39c50d83c73" providerId="ADAL" clId="{7F9681A8-EEE2-56F4-9B39-ECCBEE0471AC}" dt="2026-02-03T06:32:42.464" v="32846" actId="1076"/>
+          <ac:spMkLst>
+            <pc:docMk/>
+            <pc:sldMk cId="338792272" sldId="373"/>
+            <ac:spMk id="7" creationId="{C1CE9D16-0204-A114-4857-FAEE9F6450AD}"/>
+          </ac:spMkLst>
+        </pc:spChg>
+        <pc:spChg chg="add del mod">
+          <ac:chgData name="Toby Donaldson" userId="2e6e5431-bb17-4c41-9985-d39c50d83c73" providerId="ADAL" clId="{7F9681A8-EEE2-56F4-9B39-ECCBEE0471AC}" dt="2026-02-03T06:44:22.336" v="33246" actId="21"/>
+          <ac:spMkLst>
+            <pc:docMk/>
+            <pc:sldMk cId="338792272" sldId="373"/>
+            <ac:spMk id="8" creationId="{362FBC94-DCBC-660B-4585-52CD5220C611}"/>
+          </ac:spMkLst>
+        </pc:spChg>
+        <pc:spChg chg="add mod">
+          <ac:chgData name="Toby Donaldson" userId="2e6e5431-bb17-4c41-9985-d39c50d83c73" providerId="ADAL" clId="{7F9681A8-EEE2-56F4-9B39-ECCBEE0471AC}" dt="2026-02-03T06:44:29.401" v="33247"/>
+          <ac:spMkLst>
+            <pc:docMk/>
+            <pc:sldMk cId="338792272" sldId="373"/>
+            <ac:spMk id="12" creationId="{C9F1C4A5-1E71-18EC-3424-11BF33D8C221}"/>
+          </ac:spMkLst>
+        </pc:spChg>
+        <pc:spChg chg="add mod">
+          <ac:chgData name="Toby Donaldson" userId="2e6e5431-bb17-4c41-9985-d39c50d83c73" providerId="ADAL" clId="{7F9681A8-EEE2-56F4-9B39-ECCBEE0471AC}" dt="2026-02-03T06:44:29.401" v="33247"/>
+          <ac:spMkLst>
+            <pc:docMk/>
+            <pc:sldMk cId="338792272" sldId="373"/>
+            <ac:spMk id="13" creationId="{808E8AE2-3F07-A23C-0A11-39F39F06C93A}"/>
+          </ac:spMkLst>
+        </pc:spChg>
+        <pc:cxnChg chg="add del mod">
+          <ac:chgData name="Toby Donaldson" userId="2e6e5431-bb17-4c41-9985-d39c50d83c73" providerId="ADAL" clId="{7F9681A8-EEE2-56F4-9B39-ECCBEE0471AC}" dt="2026-02-03T06:44:22.336" v="33246" actId="21"/>
+          <ac:cxnSpMkLst>
+            <pc:docMk/>
+            <pc:sldMk cId="338792272" sldId="373"/>
+            <ac:cxnSpMk id="10" creationId="{039E5E37-19D1-0C48-188F-99D00D275B97}"/>
+          </ac:cxnSpMkLst>
+        </pc:cxnChg>
+        <pc:cxnChg chg="add mod">
+          <ac:chgData name="Toby Donaldson" userId="2e6e5431-bb17-4c41-9985-d39c50d83c73" providerId="ADAL" clId="{7F9681A8-EEE2-56F4-9B39-ECCBEE0471AC}" dt="2026-02-03T06:45:13.043" v="33253" actId="14100"/>
+          <ac:cxnSpMkLst>
+            <pc:docMk/>
+            <pc:sldMk cId="338792272" sldId="373"/>
+            <ac:cxnSpMk id="14" creationId="{58136272-53D7-0A74-03CF-76A9520A609B}"/>
+          </ac:cxnSpMkLst>
+        </pc:cxnChg>
+        <pc:cxnChg chg="add mod">
+          <ac:chgData name="Toby Donaldson" userId="2e6e5431-bb17-4c41-9985-d39c50d83c73" providerId="ADAL" clId="{7F9681A8-EEE2-56F4-9B39-ECCBEE0471AC}" dt="2026-02-03T06:45:20.985" v="33256" actId="14100"/>
+          <ac:cxnSpMkLst>
+            <pc:docMk/>
+            <pc:sldMk cId="338792272" sldId="373"/>
+            <ac:cxnSpMk id="17" creationId="{F457D694-D4BE-FA8D-2CDB-13322AB1CD5B}"/>
+          </ac:cxnSpMkLst>
+        </pc:cxnChg>
+      </pc:sldChg>
+      <pc:sldChg chg="add del">
+        <pc:chgData name="Toby Donaldson" userId="2e6e5431-bb17-4c41-9985-d39c50d83c73" providerId="ADAL" clId="{7F9681A8-EEE2-56F4-9B39-ECCBEE0471AC}" dt="2026-02-03T06:13:14.499" v="32122" actId="2696"/>
+        <pc:sldMkLst>
+          <pc:docMk/>
+          <pc:sldMk cId="1249165324" sldId="374"/>
+        </pc:sldMkLst>
+      </pc:sldChg>
+      <pc:sldChg chg="addSp delSp modSp add mod">
+        <pc:chgData name="Toby Donaldson" userId="2e6e5431-bb17-4c41-9985-d39c50d83c73" providerId="ADAL" clId="{7F9681A8-EEE2-56F4-9B39-ECCBEE0471AC}" dt="2026-02-03T06:33:07.948" v="32848" actId="1076"/>
+        <pc:sldMkLst>
+          <pc:docMk/>
+          <pc:sldMk cId="1552982968" sldId="374"/>
+        </pc:sldMkLst>
+        <pc:spChg chg="add del mod">
+          <ac:chgData name="Toby Donaldson" userId="2e6e5431-bb17-4c41-9985-d39c50d83c73" providerId="ADAL" clId="{7F9681A8-EEE2-56F4-9B39-ECCBEE0471AC}" dt="2026-02-03T06:18:59.742" v="32192" actId="21"/>
+          <ac:spMkLst>
+            <pc:docMk/>
+            <pc:sldMk cId="1552982968" sldId="374"/>
+            <ac:spMk id="3" creationId="{BB46DF5D-F302-B47B-87FB-C286B7EFE901}"/>
+          </ac:spMkLst>
+        </pc:spChg>
+        <pc:spChg chg="mod">
+          <ac:chgData name="Toby Donaldson" userId="2e6e5431-bb17-4c41-9985-d39c50d83c73" providerId="ADAL" clId="{7F9681A8-EEE2-56F4-9B39-ECCBEE0471AC}" dt="2026-02-03T06:20:56.374" v="32295" actId="20577"/>
+          <ac:spMkLst>
+            <pc:docMk/>
+            <pc:sldMk cId="1552982968" sldId="374"/>
+            <ac:spMk id="4" creationId="{5C43963E-1D48-4223-C19B-507D4FADB6C8}"/>
+          </ac:spMkLst>
+        </pc:spChg>
+        <pc:spChg chg="mod">
+          <ac:chgData name="Toby Donaldson" userId="2e6e5431-bb17-4c41-9985-d39c50d83c73" providerId="ADAL" clId="{7F9681A8-EEE2-56F4-9B39-ECCBEE0471AC}" dt="2026-02-03T06:22:15.744" v="32395" actId="1076"/>
+          <ac:spMkLst>
+            <pc:docMk/>
+            <pc:sldMk cId="1552982968" sldId="374"/>
+            <ac:spMk id="5" creationId="{0CDE8031-B956-D248-72CC-5E6C69BF6192}"/>
+          </ac:spMkLst>
+        </pc:spChg>
+        <pc:spChg chg="add del mod">
+          <ac:chgData name="Toby Donaldson" userId="2e6e5431-bb17-4c41-9985-d39c50d83c73" providerId="ADAL" clId="{7F9681A8-EEE2-56F4-9B39-ECCBEE0471AC}" dt="2026-02-03T06:33:03.555" v="32847" actId="21"/>
+          <ac:spMkLst>
+            <pc:docMk/>
+            <pc:sldMk cId="1552982968" sldId="374"/>
+            <ac:spMk id="6" creationId="{D2C8B5B2-0194-C06A-15CF-B52A4CF82CE2}"/>
+          </ac:spMkLst>
+        </pc:spChg>
+        <pc:spChg chg="add mod">
+          <ac:chgData name="Toby Donaldson" userId="2e6e5431-bb17-4c41-9985-d39c50d83c73" providerId="ADAL" clId="{7F9681A8-EEE2-56F4-9B39-ECCBEE0471AC}" dt="2026-02-03T06:33:07.948" v="32848" actId="1076"/>
+          <ac:spMkLst>
+            <pc:docMk/>
+            <pc:sldMk cId="1552982968" sldId="374"/>
+            <ac:spMk id="7" creationId="{DB134A15-D74B-6ECC-0BE5-0C93B97F9ED2}"/>
+          </ac:spMkLst>
+        </pc:spChg>
+      </pc:sldChg>
+      <pc:sldChg chg="addSp delSp modSp add mod">
+        <pc:chgData name="Toby Donaldson" userId="2e6e5431-bb17-4c41-9985-d39c50d83c73" providerId="ADAL" clId="{7F9681A8-EEE2-56F4-9B39-ECCBEE0471AC}" dt="2026-02-03T06:33:30.616" v="32852" actId="1076"/>
+        <pc:sldMkLst>
+          <pc:docMk/>
+          <pc:sldMk cId="1692707590" sldId="375"/>
+        </pc:sldMkLst>
+        <pc:spChg chg="add mod">
+          <ac:chgData name="Toby Donaldson" userId="2e6e5431-bb17-4c41-9985-d39c50d83c73" providerId="ADAL" clId="{7F9681A8-EEE2-56F4-9B39-ECCBEE0471AC}" dt="2026-02-03T06:33:30.616" v="32852" actId="1076"/>
+          <ac:spMkLst>
+            <pc:docMk/>
+            <pc:sldMk cId="1692707590" sldId="375"/>
+            <ac:spMk id="3" creationId="{105288A8-78EB-C0E7-067B-2B2C31CF8E64}"/>
+          </ac:spMkLst>
+        </pc:spChg>
+        <pc:spChg chg="del">
+          <ac:chgData name="Toby Donaldson" userId="2e6e5431-bb17-4c41-9985-d39c50d83c73" providerId="ADAL" clId="{7F9681A8-EEE2-56F4-9B39-ECCBEE0471AC}" dt="2026-02-03T06:30:39.795" v="32655" actId="21"/>
+          <ac:spMkLst>
+            <pc:docMk/>
+            <pc:sldMk cId="1692707590" sldId="375"/>
+            <ac:spMk id="6" creationId="{5B05EC9F-057B-4100-664F-DF55C43FDB6B}"/>
+          </ac:spMkLst>
+        </pc:spChg>
+        <pc:spChg chg="del mod">
+          <ac:chgData name="Toby Donaldson" userId="2e6e5431-bb17-4c41-9985-d39c50d83c73" providerId="ADAL" clId="{7F9681A8-EEE2-56F4-9B39-ECCBEE0471AC}" dt="2026-02-03T06:33:26.144" v="32851" actId="21"/>
+          <ac:spMkLst>
+            <pc:docMk/>
+            <pc:sldMk cId="1692707590" sldId="375"/>
+            <ac:spMk id="7" creationId="{740B9F08-0373-0B65-7705-046F5F0D6E93}"/>
+          </ac:spMkLst>
+        </pc:spChg>
+        <pc:spChg chg="add mod">
+          <ac:chgData name="Toby Donaldson" userId="2e6e5431-bb17-4c41-9985-d39c50d83c73" providerId="ADAL" clId="{7F9681A8-EEE2-56F4-9B39-ECCBEE0471AC}" dt="2026-02-03T06:33:19.996" v="32849"/>
+          <ac:spMkLst>
+            <pc:docMk/>
+            <pc:sldMk cId="1692707590" sldId="375"/>
+            <ac:spMk id="8" creationId="{AF2D1DA8-531E-5D4E-933B-209CF8720454}"/>
+          </ac:spMkLst>
+        </pc:spChg>
+        <pc:spChg chg="add mod">
+          <ac:chgData name="Toby Donaldson" userId="2e6e5431-bb17-4c41-9985-d39c50d83c73" providerId="ADAL" clId="{7F9681A8-EEE2-56F4-9B39-ECCBEE0471AC}" dt="2026-02-03T06:33:22.848" v="32850"/>
+          <ac:spMkLst>
+            <pc:docMk/>
+            <pc:sldMk cId="1692707590" sldId="375"/>
+            <ac:spMk id="9" creationId="{BECE3138-2686-B58E-B90D-722DDAC9AE75}"/>
+          </ac:spMkLst>
+        </pc:spChg>
+      </pc:sldChg>
+      <pc:sldChg chg="addSp modSp add mod">
+        <pc:chgData name="Toby Donaldson" userId="2e6e5431-bb17-4c41-9985-d39c50d83c73" providerId="ADAL" clId="{7F9681A8-EEE2-56F4-9B39-ECCBEE0471AC}" dt="2026-02-03T06:44:54.300" v="33250" actId="14100"/>
+        <pc:sldMkLst>
+          <pc:docMk/>
+          <pc:sldMk cId="519182463" sldId="376"/>
+        </pc:sldMkLst>
+        <pc:spChg chg="mod">
+          <ac:chgData name="Toby Donaldson" userId="2e6e5431-bb17-4c41-9985-d39c50d83c73" providerId="ADAL" clId="{7F9681A8-EEE2-56F4-9B39-ECCBEE0471AC}" dt="2026-02-03T06:30:55.148" v="32658" actId="1076"/>
+          <ac:spMkLst>
+            <pc:docMk/>
+            <pc:sldMk cId="519182463" sldId="376"/>
+            <ac:spMk id="3" creationId="{A4AA71F3-5581-79BE-27DB-0EEF14FA3708}"/>
+          </ac:spMkLst>
+        </pc:spChg>
+        <pc:spChg chg="mod">
+          <ac:chgData name="Toby Donaldson" userId="2e6e5431-bb17-4c41-9985-d39c50d83c73" providerId="ADAL" clId="{7F9681A8-EEE2-56F4-9B39-ECCBEE0471AC}" dt="2026-02-03T06:30:28.885" v="32654" actId="6549"/>
+          <ac:spMkLst>
+            <pc:docMk/>
+            <pc:sldMk cId="519182463" sldId="376"/>
+            <ac:spMk id="4" creationId="{A048B88F-E97A-2E29-5190-21E240366DB7}"/>
+          </ac:spMkLst>
+        </pc:spChg>
+        <pc:spChg chg="mod">
+          <ac:chgData name="Toby Donaldson" userId="2e6e5431-bb17-4c41-9985-d39c50d83c73" providerId="ADAL" clId="{7F9681A8-EEE2-56F4-9B39-ECCBEE0471AC}" dt="2026-02-03T06:31:35.749" v="32745" actId="14100"/>
+          <ac:spMkLst>
+            <pc:docMk/>
+            <pc:sldMk cId="519182463" sldId="376"/>
+            <ac:spMk id="5" creationId="{D25262B1-34D8-3B09-7DDE-AE957BA9B610}"/>
+          </ac:spMkLst>
+        </pc:spChg>
+        <pc:spChg chg="add mod">
+          <ac:chgData name="Toby Donaldson" userId="2e6e5431-bb17-4c41-9985-d39c50d83c73" providerId="ADAL" clId="{7F9681A8-EEE2-56F4-9B39-ECCBEE0471AC}" dt="2026-02-03T06:29:29.739" v="32589"/>
+          <ac:spMkLst>
+            <pc:docMk/>
+            <pc:sldMk cId="519182463" sldId="376"/>
+            <ac:spMk id="6" creationId="{80B39DD5-7F52-44C1-3249-EF0D36FF0714}"/>
+          </ac:spMkLst>
+        </pc:spChg>
+        <pc:spChg chg="add mod">
+          <ac:chgData name="Toby Donaldson" userId="2e6e5431-bb17-4c41-9985-d39c50d83c73" providerId="ADAL" clId="{7F9681A8-EEE2-56F4-9B39-ECCBEE0471AC}" dt="2026-02-03T06:30:51.899" v="32657" actId="1076"/>
+          <ac:spMkLst>
+            <pc:docMk/>
+            <pc:sldMk cId="519182463" sldId="376"/>
+            <ac:spMk id="7" creationId="{4AA1023D-462C-F8CB-AEB2-6E7EB427BAB0}"/>
+          </ac:spMkLst>
+        </pc:spChg>
+        <pc:spChg chg="add mod">
+          <ac:chgData name="Toby Donaldson" userId="2e6e5431-bb17-4c41-9985-d39c50d83c73" providerId="ADAL" clId="{7F9681A8-EEE2-56F4-9B39-ECCBEE0471AC}" dt="2026-02-03T06:44:07.126" v="33244" actId="20577"/>
+          <ac:spMkLst>
+            <pc:docMk/>
+            <pc:sldMk cId="519182463" sldId="376"/>
+            <ac:spMk id="8" creationId="{F2A710EB-A4A8-162A-4893-7E887665B150}"/>
+          </ac:spMkLst>
+        </pc:spChg>
+        <pc:spChg chg="add mod">
+          <ac:chgData name="Toby Donaldson" userId="2e6e5431-bb17-4c41-9985-d39c50d83c73" providerId="ADAL" clId="{7F9681A8-EEE2-56F4-9B39-ECCBEE0471AC}" dt="2026-02-03T06:44:43.818" v="33248" actId="1076"/>
+          <ac:spMkLst>
+            <pc:docMk/>
+            <pc:sldMk cId="519182463" sldId="376"/>
+            <ac:spMk id="9" creationId="{5B2869AC-5DA9-A4EF-A185-CBF75B9644C2}"/>
+          </ac:spMkLst>
+        </pc:spChg>
+        <pc:spChg chg="add mod">
+          <ac:chgData name="Toby Donaldson" userId="2e6e5431-bb17-4c41-9985-d39c50d83c73" providerId="ADAL" clId="{7F9681A8-EEE2-56F4-9B39-ECCBEE0471AC}" dt="2026-02-03T06:43:49.268" v="33223" actId="1076"/>
+          <ac:spMkLst>
+            <pc:docMk/>
+            <pc:sldMk cId="519182463" sldId="376"/>
+            <ac:spMk id="10" creationId="{16D8E201-E519-6DDF-21BB-7A9EDACD2B2E}"/>
+          </ac:spMkLst>
+        </pc:spChg>
+        <pc:cxnChg chg="add mod">
+          <ac:chgData name="Toby Donaldson" userId="2e6e5431-bb17-4c41-9985-d39c50d83c73" providerId="ADAL" clId="{7F9681A8-EEE2-56F4-9B39-ECCBEE0471AC}" dt="2026-02-03T06:44:54.300" v="33250" actId="14100"/>
+          <ac:cxnSpMkLst>
+            <pc:docMk/>
+            <pc:sldMk cId="519182463" sldId="376"/>
+            <ac:cxnSpMk id="12" creationId="{E0C57FB2-4345-C2D9-7339-3EBDEAE82B07}"/>
+          </ac:cxnSpMkLst>
+        </pc:cxnChg>
+      </pc:sldChg>
+      <pc:sldChg chg="addSp delSp modSp add mod">
+        <pc:chgData name="Toby Donaldson" userId="2e6e5431-bb17-4c41-9985-d39c50d83c73" providerId="ADAL" clId="{7F9681A8-EEE2-56F4-9B39-ECCBEE0471AC}" dt="2026-02-03T06:36:38.499" v="32949" actId="1076"/>
+        <pc:sldMkLst>
+          <pc:docMk/>
+          <pc:sldMk cId="2393883371" sldId="377"/>
+        </pc:sldMkLst>
+        <pc:spChg chg="del">
+          <ac:chgData name="Toby Donaldson" userId="2e6e5431-bb17-4c41-9985-d39c50d83c73" providerId="ADAL" clId="{7F9681A8-EEE2-56F4-9B39-ECCBEE0471AC}" dt="2026-02-03T06:34:10.637" v="32856" actId="21"/>
+          <ac:spMkLst>
+            <pc:docMk/>
+            <pc:sldMk cId="2393883371" sldId="377"/>
+            <ac:spMk id="3" creationId="{526067A1-F0CC-E050-CC63-B9C667BF4BD9}"/>
+          </ac:spMkLst>
+        </pc:spChg>
+        <pc:spChg chg="mod">
+          <ac:chgData name="Toby Donaldson" userId="2e6e5431-bb17-4c41-9985-d39c50d83c73" providerId="ADAL" clId="{7F9681A8-EEE2-56F4-9B39-ECCBEE0471AC}" dt="2026-02-03T06:35:09.290" v="32923" actId="20577"/>
+          <ac:spMkLst>
+            <pc:docMk/>
+            <pc:sldMk cId="2393883371" sldId="377"/>
+            <ac:spMk id="4" creationId="{5F1AB250-6360-2D36-00E7-26659F42E105}"/>
+          </ac:spMkLst>
+        </pc:spChg>
+        <pc:spChg chg="mod">
+          <ac:chgData name="Toby Donaldson" userId="2e6e5431-bb17-4c41-9985-d39c50d83c73" providerId="ADAL" clId="{7F9681A8-EEE2-56F4-9B39-ECCBEE0471AC}" dt="2026-02-03T06:36:38.499" v="32949" actId="1076"/>
+          <ac:spMkLst>
+            <pc:docMk/>
+            <pc:sldMk cId="2393883371" sldId="377"/>
+            <ac:spMk id="5" creationId="{E4158BAF-98C1-6286-6618-69686F92EBD1}"/>
+          </ac:spMkLst>
+        </pc:spChg>
+        <pc:spChg chg="add mod">
+          <ac:chgData name="Toby Donaldson" userId="2e6e5431-bb17-4c41-9985-d39c50d83c73" providerId="ADAL" clId="{7F9681A8-EEE2-56F4-9B39-ECCBEE0471AC}" dt="2026-02-03T06:36:30.183" v="32948" actId="1076"/>
+          <ac:spMkLst>
+            <pc:docMk/>
+            <pc:sldMk cId="2393883371" sldId="377"/>
+            <ac:spMk id="6" creationId="{49F5EB91-F99F-2389-A3C7-7DCDA746134B}"/>
+          </ac:spMkLst>
+        </pc:spChg>
+        <pc:spChg chg="add mod">
+          <ac:chgData name="Toby Donaldson" userId="2e6e5431-bb17-4c41-9985-d39c50d83c73" providerId="ADAL" clId="{7F9681A8-EEE2-56F4-9B39-ECCBEE0471AC}" dt="2026-02-03T06:36:24.216" v="32946" actId="14100"/>
+          <ac:spMkLst>
+            <pc:docMk/>
+            <pc:sldMk cId="2393883371" sldId="377"/>
+            <ac:spMk id="7" creationId="{41EF6080-BE9C-9BF0-D589-3EFE9D9A130D}"/>
+          </ac:spMkLst>
+        </pc:spChg>
+        <pc:spChg chg="add mod">
+          <ac:chgData name="Toby Donaldson" userId="2e6e5431-bb17-4c41-9985-d39c50d83c73" providerId="ADAL" clId="{7F9681A8-EEE2-56F4-9B39-ECCBEE0471AC}" dt="2026-02-03T06:36:01.565" v="32944" actId="14100"/>
+          <ac:spMkLst>
+            <pc:docMk/>
+            <pc:sldMk cId="2393883371" sldId="377"/>
+            <ac:spMk id="8" creationId="{217F1C2C-8747-EAE0-ACEF-0E65B589FE5B}"/>
+          </ac:spMkLst>
+        </pc:spChg>
+        <pc:spChg chg="del">
+          <ac:chgData name="Toby Donaldson" userId="2e6e5431-bb17-4c41-9985-d39c50d83c73" providerId="ADAL" clId="{7F9681A8-EEE2-56F4-9B39-ECCBEE0471AC}" dt="2026-02-03T06:34:10.637" v="32856" actId="21"/>
+          <ac:spMkLst>
+            <pc:docMk/>
+            <pc:sldMk cId="2393883371" sldId="377"/>
+            <ac:spMk id="9" creationId="{B79247E2-F229-0337-0A44-818CA1CA6D5F}"/>
+          </ac:spMkLst>
+        </pc:spChg>
+      </pc:sldChg>
+      <pc:sldChg chg="addSp delSp modSp add mod">
+        <pc:chgData name="Toby Donaldson" userId="2e6e5431-bb17-4c41-9985-d39c50d83c73" providerId="ADAL" clId="{7F9681A8-EEE2-56F4-9B39-ECCBEE0471AC}" dt="2026-02-03T06:47:10.368" v="33274" actId="1076"/>
+        <pc:sldMkLst>
+          <pc:docMk/>
+          <pc:sldMk cId="4065328107" sldId="378"/>
+        </pc:sldMkLst>
+        <pc:spChg chg="add mod">
+          <ac:chgData name="Toby Donaldson" userId="2e6e5431-bb17-4c41-9985-d39c50d83c73" providerId="ADAL" clId="{7F9681A8-EEE2-56F4-9B39-ECCBEE0471AC}" dt="2026-02-03T06:40:23.818" v="33182" actId="1076"/>
+          <ac:spMkLst>
+            <pc:docMk/>
+            <pc:sldMk cId="4065328107" sldId="378"/>
+            <ac:spMk id="3" creationId="{835F98F6-BC8D-8D63-768E-73251A837251}"/>
+          </ac:spMkLst>
+        </pc:spChg>
+        <pc:spChg chg="mod">
+          <ac:chgData name="Toby Donaldson" userId="2e6e5431-bb17-4c41-9985-d39c50d83c73" providerId="ADAL" clId="{7F9681A8-EEE2-56F4-9B39-ECCBEE0471AC}" dt="2026-02-03T06:40:46.288" v="33186" actId="20577"/>
+          <ac:spMkLst>
+            <pc:docMk/>
+            <pc:sldMk cId="4065328107" sldId="378"/>
+            <ac:spMk id="4" creationId="{41996B1C-9BF9-1883-CAD5-C0A7B12F172D}"/>
+          </ac:spMkLst>
+        </pc:spChg>
+        <pc:spChg chg="mod">
+          <ac:chgData name="Toby Donaldson" userId="2e6e5431-bb17-4c41-9985-d39c50d83c73" providerId="ADAL" clId="{7F9681A8-EEE2-56F4-9B39-ECCBEE0471AC}" dt="2026-02-03T06:38:47.186" v="33024" actId="1076"/>
+          <ac:spMkLst>
+            <pc:docMk/>
+            <pc:sldMk cId="4065328107" sldId="378"/>
+            <ac:spMk id="5" creationId="{361E51F1-AC45-8722-94DB-33DFE69F6CF2}"/>
+          </ac:spMkLst>
+        </pc:spChg>
+        <pc:spChg chg="del">
+          <ac:chgData name="Toby Donaldson" userId="2e6e5431-bb17-4c41-9985-d39c50d83c73" providerId="ADAL" clId="{7F9681A8-EEE2-56F4-9B39-ECCBEE0471AC}" dt="2026-02-03T06:38:16.097" v="32998" actId="21"/>
+          <ac:spMkLst>
+            <pc:docMk/>
+            <pc:sldMk cId="4065328107" sldId="378"/>
+            <ac:spMk id="6" creationId="{E974C84C-9F6F-FA1E-2CE4-C8E44B1B20F2}"/>
+          </ac:spMkLst>
+        </pc:spChg>
+        <pc:spChg chg="del">
+          <ac:chgData name="Toby Donaldson" userId="2e6e5431-bb17-4c41-9985-d39c50d83c73" providerId="ADAL" clId="{7F9681A8-EEE2-56F4-9B39-ECCBEE0471AC}" dt="2026-02-03T06:38:09.428" v="32996" actId="21"/>
+          <ac:spMkLst>
+            <pc:docMk/>
+            <pc:sldMk cId="4065328107" sldId="378"/>
+            <ac:spMk id="7" creationId="{7AEF1816-DB6F-275A-C169-FBB9BC576748}"/>
+          </ac:spMkLst>
+        </pc:spChg>
+        <pc:spChg chg="del">
+          <ac:chgData name="Toby Donaldson" userId="2e6e5431-bb17-4c41-9985-d39c50d83c73" providerId="ADAL" clId="{7F9681A8-EEE2-56F4-9B39-ECCBEE0471AC}" dt="2026-02-03T06:38:14.293" v="32997" actId="21"/>
+          <ac:spMkLst>
+            <pc:docMk/>
+            <pc:sldMk cId="4065328107" sldId="378"/>
+            <ac:spMk id="8" creationId="{204E57D5-EF08-6C77-B16C-ED81D3B41BD3}"/>
+          </ac:spMkLst>
+        </pc:spChg>
+        <pc:spChg chg="add mod">
+          <ac:chgData name="Toby Donaldson" userId="2e6e5431-bb17-4c41-9985-d39c50d83c73" providerId="ADAL" clId="{7F9681A8-EEE2-56F4-9B39-ECCBEE0471AC}" dt="2026-02-03T06:46:40.854" v="33258" actId="1076"/>
+          <ac:spMkLst>
+            <pc:docMk/>
+            <pc:sldMk cId="4065328107" sldId="378"/>
+            <ac:spMk id="10" creationId="{82F48724-004E-E100-8BF0-59BCB5075253}"/>
+          </ac:spMkLst>
+        </pc:spChg>
+        <pc:spChg chg="add mod">
+          <ac:chgData name="Toby Donaldson" userId="2e6e5431-bb17-4c41-9985-d39c50d83c73" providerId="ADAL" clId="{7F9681A8-EEE2-56F4-9B39-ECCBEE0471AC}" dt="2026-02-03T06:46:40.854" v="33258" actId="1076"/>
+          <ac:spMkLst>
+            <pc:docMk/>
+            <pc:sldMk cId="4065328107" sldId="378"/>
+            <ac:spMk id="11" creationId="{704EC807-0532-2B1A-9FBB-AE8193F44919}"/>
+          </ac:spMkLst>
+        </pc:spChg>
+        <pc:spChg chg="add">
+          <ac:chgData name="Toby Donaldson" userId="2e6e5431-bb17-4c41-9985-d39c50d83c73" providerId="ADAL" clId="{7F9681A8-EEE2-56F4-9B39-ECCBEE0471AC}" dt="2026-02-03T06:46:48.826" v="33259" actId="11529"/>
+          <ac:spMkLst>
+            <pc:docMk/>
+            <pc:sldMk cId="4065328107" sldId="378"/>
+            <ac:spMk id="12" creationId="{EB416EBE-2345-7838-5149-103392D2F2F0}"/>
+          </ac:spMkLst>
+        </pc:spChg>
+        <pc:spChg chg="add mod">
+          <ac:chgData name="Toby Donaldson" userId="2e6e5431-bb17-4c41-9985-d39c50d83c73" providerId="ADAL" clId="{7F9681A8-EEE2-56F4-9B39-ECCBEE0471AC}" dt="2026-02-03T06:47:10.368" v="33274" actId="1076"/>
+          <ac:spMkLst>
+            <pc:docMk/>
+            <pc:sldMk cId="4065328107" sldId="378"/>
+            <ac:spMk id="13" creationId="{D3F3F131-0563-5422-85B4-D1C62B196597}"/>
+          </ac:spMkLst>
+        </pc:spChg>
+        <pc:cxnChg chg="add mod">
+          <ac:chgData name="Toby Donaldson" userId="2e6e5431-bb17-4c41-9985-d39c50d83c73" providerId="ADAL" clId="{7F9681A8-EEE2-56F4-9B39-ECCBEE0471AC}" dt="2026-02-03T06:46:40.854" v="33258" actId="1076"/>
+          <ac:cxnSpMkLst>
+            <pc:docMk/>
+            <pc:sldMk cId="4065328107" sldId="378"/>
+            <ac:cxnSpMk id="9" creationId="{786F9562-BDF4-F5A5-5709-401C6CD689CE}"/>
+          </ac:cxnSpMkLst>
+        </pc:cxnChg>
+      </pc:sldChg>
+      <pc:sldChg chg="delSp modSp add mod">
+        <pc:chgData name="Toby Donaldson" userId="2e6e5431-bb17-4c41-9985-d39c50d83c73" providerId="ADAL" clId="{7F9681A8-EEE2-56F4-9B39-ECCBEE0471AC}" dt="2026-02-03T06:50:36.920" v="33466" actId="1076"/>
+        <pc:sldMkLst>
+          <pc:docMk/>
+          <pc:sldMk cId="3126398943" sldId="379"/>
+        </pc:sldMkLst>
+        <pc:spChg chg="del">
+          <ac:chgData name="Toby Donaldson" userId="2e6e5431-bb17-4c41-9985-d39c50d83c73" providerId="ADAL" clId="{7F9681A8-EEE2-56F4-9B39-ECCBEE0471AC}" dt="2026-02-03T06:48:25.823" v="33281" actId="21"/>
+          <ac:spMkLst>
+            <pc:docMk/>
+            <pc:sldMk cId="3126398943" sldId="379"/>
+            <ac:spMk id="3" creationId="{CB90E2FD-B10D-6B86-33ED-464C0B859E65}"/>
+          </ac:spMkLst>
+        </pc:spChg>
+        <pc:spChg chg="mod">
+          <ac:chgData name="Toby Donaldson" userId="2e6e5431-bb17-4c41-9985-d39c50d83c73" providerId="ADAL" clId="{7F9681A8-EEE2-56F4-9B39-ECCBEE0471AC}" dt="2026-02-03T06:49:32.974" v="33353" actId="20577"/>
+          <ac:spMkLst>
+            <pc:docMk/>
+            <pc:sldMk cId="3126398943" sldId="379"/>
+            <ac:spMk id="4" creationId="{71047501-B1EE-AAF2-578F-52A4DBF7D74C}"/>
+          </ac:spMkLst>
+        </pc:spChg>
+        <pc:spChg chg="mod">
+          <ac:chgData name="Toby Donaldson" userId="2e6e5431-bb17-4c41-9985-d39c50d83c73" providerId="ADAL" clId="{7F9681A8-EEE2-56F4-9B39-ECCBEE0471AC}" dt="2026-02-03T06:50:36.920" v="33466" actId="1076"/>
+          <ac:spMkLst>
+            <pc:docMk/>
+            <pc:sldMk cId="3126398943" sldId="379"/>
+            <ac:spMk id="5" creationId="{9BC4DACC-A809-691B-DE05-546156032B1A}"/>
+          </ac:spMkLst>
+        </pc:spChg>
+        <pc:spChg chg="del">
+          <ac:chgData name="Toby Donaldson" userId="2e6e5431-bb17-4c41-9985-d39c50d83c73" providerId="ADAL" clId="{7F9681A8-EEE2-56F4-9B39-ECCBEE0471AC}" dt="2026-02-03T06:48:33.895" v="33282" actId="21"/>
+          <ac:spMkLst>
+            <pc:docMk/>
+            <pc:sldMk cId="3126398943" sldId="379"/>
+            <ac:spMk id="10" creationId="{6DF7C40E-E0BD-4280-6E05-0F065767BFB1}"/>
+          </ac:spMkLst>
+        </pc:spChg>
+        <pc:spChg chg="del">
+          <ac:chgData name="Toby Donaldson" userId="2e6e5431-bb17-4c41-9985-d39c50d83c73" providerId="ADAL" clId="{7F9681A8-EEE2-56F4-9B39-ECCBEE0471AC}" dt="2026-02-03T06:48:33.895" v="33282" actId="21"/>
+          <ac:spMkLst>
+            <pc:docMk/>
+            <pc:sldMk cId="3126398943" sldId="379"/>
+            <ac:spMk id="11" creationId="{CB63447F-4E3D-09BB-ED78-FBBA0B8031EE}"/>
+          </ac:spMkLst>
+        </pc:spChg>
+        <pc:spChg chg="del">
+          <ac:chgData name="Toby Donaldson" userId="2e6e5431-bb17-4c41-9985-d39c50d83c73" providerId="ADAL" clId="{7F9681A8-EEE2-56F4-9B39-ECCBEE0471AC}" dt="2026-02-03T06:48:35.753" v="33283" actId="21"/>
+          <ac:spMkLst>
+            <pc:docMk/>
+            <pc:sldMk cId="3126398943" sldId="379"/>
+            <ac:spMk id="12" creationId="{0B838ABE-3798-4DD1-6F59-C592D0F395BE}"/>
+          </ac:spMkLst>
+        </pc:spChg>
+        <pc:spChg chg="del">
+          <ac:chgData name="Toby Donaldson" userId="2e6e5431-bb17-4c41-9985-d39c50d83c73" providerId="ADAL" clId="{7F9681A8-EEE2-56F4-9B39-ECCBEE0471AC}" dt="2026-02-03T06:48:33.895" v="33282" actId="21"/>
+          <ac:spMkLst>
+            <pc:docMk/>
+            <pc:sldMk cId="3126398943" sldId="379"/>
+            <ac:spMk id="13" creationId="{FE9FC418-C302-5BA7-B620-3BF05657E23F}"/>
+          </ac:spMkLst>
+        </pc:spChg>
+        <pc:cxnChg chg="del">
+          <ac:chgData name="Toby Donaldson" userId="2e6e5431-bb17-4c41-9985-d39c50d83c73" providerId="ADAL" clId="{7F9681A8-EEE2-56F4-9B39-ECCBEE0471AC}" dt="2026-02-03T06:48:33.895" v="33282" actId="21"/>
+          <ac:cxnSpMkLst>
+            <pc:docMk/>
+            <pc:sldMk cId="3126398943" sldId="379"/>
+            <ac:cxnSpMk id="9" creationId="{BC3CCF0C-27D2-A447-803D-416461829ACC}"/>
+          </ac:cxnSpMkLst>
+        </pc:cxnChg>
+      </pc:sldChg>
+      <pc:sldChg chg="modSp add mod">
+        <pc:chgData name="Toby Donaldson" userId="2e6e5431-bb17-4c41-9985-d39c50d83c73" providerId="ADAL" clId="{7F9681A8-EEE2-56F4-9B39-ECCBEE0471AC}" dt="2026-02-03T06:52:12.512" v="33513" actId="14100"/>
+        <pc:sldMkLst>
+          <pc:docMk/>
+          <pc:sldMk cId="792308464" sldId="380"/>
+        </pc:sldMkLst>
+        <pc:spChg chg="mod">
+          <ac:chgData name="Toby Donaldson" userId="2e6e5431-bb17-4c41-9985-d39c50d83c73" providerId="ADAL" clId="{7F9681A8-EEE2-56F4-9B39-ECCBEE0471AC}" dt="2026-02-03T06:51:55.892" v="33476" actId="20577"/>
+          <ac:spMkLst>
+            <pc:docMk/>
+            <pc:sldMk cId="792308464" sldId="380"/>
+            <ac:spMk id="4" creationId="{08D63FB7-C786-A517-7FB8-189526B9A1DE}"/>
+          </ac:spMkLst>
+        </pc:spChg>
+        <pc:spChg chg="mod">
+          <ac:chgData name="Toby Donaldson" userId="2e6e5431-bb17-4c41-9985-d39c50d83c73" providerId="ADAL" clId="{7F9681A8-EEE2-56F4-9B39-ECCBEE0471AC}" dt="2026-02-03T06:52:12.512" v="33513" actId="14100"/>
+          <ac:spMkLst>
+            <pc:docMk/>
+            <pc:sldMk cId="792308464" sldId="380"/>
+            <ac:spMk id="5" creationId="{A1DEBF95-645B-62B0-D43C-A1EB8F0DF320}"/>
+          </ac:spMkLst>
+        </pc:spChg>
+      </pc:sldChg>
+      <pc:sldChg chg="addSp delSp modSp add mod">
+        <pc:chgData name="Toby Donaldson" userId="2e6e5431-bb17-4c41-9985-d39c50d83c73" providerId="ADAL" clId="{7F9681A8-EEE2-56F4-9B39-ECCBEE0471AC}" dt="2026-02-03T06:59:00.752" v="33886" actId="21"/>
+        <pc:sldMkLst>
+          <pc:docMk/>
+          <pc:sldMk cId="3350333952" sldId="381"/>
+        </pc:sldMkLst>
+        <pc:spChg chg="add del mod">
+          <ac:chgData name="Toby Donaldson" userId="2e6e5431-bb17-4c41-9985-d39c50d83c73" providerId="ADAL" clId="{7F9681A8-EEE2-56F4-9B39-ECCBEE0471AC}" dt="2026-02-03T06:59:00.752" v="33886" actId="21"/>
+          <ac:spMkLst>
+            <pc:docMk/>
+            <pc:sldMk cId="3350333952" sldId="381"/>
+            <ac:spMk id="3" creationId="{6A429EA7-75F8-79A9-1068-5E72712810E2}"/>
+          </ac:spMkLst>
+        </pc:spChg>
+        <pc:spChg chg="mod">
+          <ac:chgData name="Toby Donaldson" userId="2e6e5431-bb17-4c41-9985-d39c50d83c73" providerId="ADAL" clId="{7F9681A8-EEE2-56F4-9B39-ECCBEE0471AC}" dt="2026-02-03T06:54:43.760" v="33591" actId="20577"/>
+          <ac:spMkLst>
+            <pc:docMk/>
+            <pc:sldMk cId="3350333952" sldId="381"/>
+            <ac:spMk id="4" creationId="{79137222-DF7A-6E01-74B1-1B8526FE1979}"/>
+          </ac:spMkLst>
+        </pc:spChg>
+        <pc:spChg chg="mod">
+          <ac:chgData name="Toby Donaldson" userId="2e6e5431-bb17-4c41-9985-d39c50d83c73" providerId="ADAL" clId="{7F9681A8-EEE2-56F4-9B39-ECCBEE0471AC}" dt="2026-02-03T06:58:31.924" v="33884" actId="14100"/>
+          <ac:spMkLst>
+            <pc:docMk/>
+            <pc:sldMk cId="3350333952" sldId="381"/>
+            <ac:spMk id="5" creationId="{6030FA9D-AA3E-1E14-FF07-C7D2A21E53B4}"/>
+          </ac:spMkLst>
+        </pc:spChg>
+        <pc:spChg chg="add del mod">
+          <ac:chgData name="Toby Donaldson" userId="2e6e5431-bb17-4c41-9985-d39c50d83c73" providerId="ADAL" clId="{7F9681A8-EEE2-56F4-9B39-ECCBEE0471AC}" dt="2026-02-03T06:59:00.752" v="33886" actId="21"/>
+          <ac:spMkLst>
+            <pc:docMk/>
+            <pc:sldMk cId="3350333952" sldId="381"/>
+            <ac:spMk id="6" creationId="{C717F69F-B83A-7C56-9327-6DCC48FA03D2}"/>
+          </ac:spMkLst>
+        </pc:spChg>
+        <pc:spChg chg="add del mod">
+          <ac:chgData name="Toby Donaldson" userId="2e6e5431-bb17-4c41-9985-d39c50d83c73" providerId="ADAL" clId="{7F9681A8-EEE2-56F4-9B39-ECCBEE0471AC}" dt="2026-02-03T06:59:00.752" v="33886" actId="21"/>
+          <ac:spMkLst>
+            <pc:docMk/>
+            <pc:sldMk cId="3350333952" sldId="381"/>
+            <ac:spMk id="10" creationId="{412A67AB-05DF-3051-1757-C88AFD7859F2}"/>
+          </ac:spMkLst>
+        </pc:spChg>
+        <pc:spChg chg="add del mod">
+          <ac:chgData name="Toby Donaldson" userId="2e6e5431-bb17-4c41-9985-d39c50d83c73" providerId="ADAL" clId="{7F9681A8-EEE2-56F4-9B39-ECCBEE0471AC}" dt="2026-02-03T06:59:00.752" v="33886" actId="21"/>
+          <ac:spMkLst>
+            <pc:docMk/>
+            <pc:sldMk cId="3350333952" sldId="381"/>
+            <ac:spMk id="11" creationId="{3B1A9DD3-2D2E-A68F-C37E-330BF9C022CF}"/>
+          </ac:spMkLst>
+        </pc:spChg>
+        <pc:cxnChg chg="add del">
+          <ac:chgData name="Toby Donaldson" userId="2e6e5431-bb17-4c41-9985-d39c50d83c73" providerId="ADAL" clId="{7F9681A8-EEE2-56F4-9B39-ECCBEE0471AC}" dt="2026-02-03T06:59:00.752" v="33886" actId="21"/>
+          <ac:cxnSpMkLst>
+            <pc:docMk/>
+            <pc:sldMk cId="3350333952" sldId="381"/>
+            <ac:cxnSpMk id="8" creationId="{4735ECF2-3311-84B2-B345-F9B11BFDA599}"/>
+          </ac:cxnSpMkLst>
+        </pc:cxnChg>
+      </pc:sldChg>
+      <pc:sldChg chg="add">
+        <pc:chgData name="Toby Donaldson" userId="2e6e5431-bb17-4c41-9985-d39c50d83c73" providerId="ADAL" clId="{7F9681A8-EEE2-56F4-9B39-ECCBEE0471AC}" dt="2026-02-03T06:58:50.872" v="33885" actId="2890"/>
+        <pc:sldMkLst>
+          <pc:docMk/>
+          <pc:sldMk cId="1739201111" sldId="382"/>
+        </pc:sldMkLst>
+      </pc:sldChg>
     </pc:docChg>
   </pc:docChgLst>
 </pc:chgInfo>
@@ -11361,6 +12135,3088 @@
 </p:sld>
 </file>
 
+<file path=ppt/slides/slide24.xml><?xml version="1.0" encoding="utf-8"?>
+<p:sld xmlns:a="http://schemas.openxmlformats.org/drawingml/2006/main" xmlns:r="http://schemas.openxmlformats.org/officeDocument/2006/relationships" xmlns:p="http://schemas.openxmlformats.org/presentationml/2006/main">
+  <p:cSld>
+    <p:spTree>
+      <p:nvGrpSpPr>
+        <p:cNvPr id="1" name=""/>
+        <p:cNvGrpSpPr/>
+        <p:nvPr/>
+      </p:nvGrpSpPr>
+      <p:grpSpPr>
+        <a:xfrm>
+          <a:off x="0" y="0"/>
+          <a:ext cx="0" cy="0"/>
+          <a:chOff x="0" y="0"/>
+          <a:chExt cx="0" cy="0"/>
+        </a:xfrm>
+      </p:grpSpPr>
+      <p:sp>
+        <p:nvSpPr>
+          <p:cNvPr id="2" name="Title 1">
+            <a:extLst>
+              <a:ext uri="{FF2B5EF4-FFF2-40B4-BE49-F238E27FC236}">
+                <a16:creationId xmlns:a16="http://schemas.microsoft.com/office/drawing/2014/main" id="{2D60695C-3067-2FEB-3929-FACF02E1CA1E}"/>
+              </a:ext>
+            </a:extLst>
+          </p:cNvPr>
+          <p:cNvSpPr>
+            <a:spLocks noGrp="1"/>
+          </p:cNvSpPr>
+          <p:nvPr>
+            <p:ph type="title"/>
+          </p:nvPr>
+        </p:nvSpPr>
+        <p:spPr/>
+        <p:txBody>
+          <a:bodyPr/>
+          <a:lstStyle/>
+          <a:p>
+            <a:r>
+              <a:rPr lang="en-US" dirty="0"/>
+              <a:t>Segment Objects</a:t>
+            </a:r>
+          </a:p>
+        </p:txBody>
+      </p:sp>
+      <p:sp>
+        <p:nvSpPr>
+          <p:cNvPr id="3" name="Content Placeholder 2">
+            <a:extLst>
+              <a:ext uri="{FF2B5EF4-FFF2-40B4-BE49-F238E27FC236}">
+                <a16:creationId xmlns:a16="http://schemas.microsoft.com/office/drawing/2014/main" id="{6CF11C8E-2E28-3369-4C6A-D1460EAB4E90}"/>
+              </a:ext>
+            </a:extLst>
+          </p:cNvPr>
+          <p:cNvSpPr>
+            <a:spLocks noGrp="1"/>
+          </p:cNvSpPr>
+          <p:nvPr>
+            <p:ph idx="1"/>
+          </p:nvPr>
+        </p:nvSpPr>
+        <p:spPr/>
+        <p:txBody>
+          <a:bodyPr/>
+          <a:lstStyle/>
+          <a:p>
+            <a:r>
+              <a:rPr lang="en-US" dirty="0"/>
+              <a:t>OOP encourages you to build new objects out of previous ones</a:t>
+            </a:r>
+          </a:p>
+          <a:p>
+            <a:r>
+              <a:rPr lang="en-US" dirty="0"/>
+              <a:t>So lets make a class that uses </a:t>
+            </a:r>
+            <a:r>
+              <a:rPr lang="en-US" dirty="0">
+                <a:latin typeface="Consolas" panose="020B0609020204030204" pitchFamily="49" charset="0"/>
+                <a:cs typeface="Consolas" panose="020B0609020204030204" pitchFamily="49" charset="0"/>
+              </a:rPr>
+              <a:t>Point</a:t>
+            </a:r>
+            <a:r>
+              <a:rPr lang="en-US" dirty="0"/>
+              <a:t> to make an object to represent a line segment with a start and end …</a:t>
+            </a:r>
+          </a:p>
+        </p:txBody>
+      </p:sp>
+      <p:cxnSp>
+        <p:nvCxnSpPr>
+          <p:cNvPr id="5" name="Straight Connector 4">
+            <a:extLst>
+              <a:ext uri="{FF2B5EF4-FFF2-40B4-BE49-F238E27FC236}">
+                <a16:creationId xmlns:a16="http://schemas.microsoft.com/office/drawing/2014/main" id="{40769BC9-B8ED-7FD7-4E4D-01993ADC770A}"/>
+              </a:ext>
+            </a:extLst>
+          </p:cNvPr>
+          <p:cNvCxnSpPr/>
+          <p:nvPr/>
+        </p:nvCxnSpPr>
+        <p:spPr>
+          <a:xfrm flipV="1">
+            <a:off x="6096000" y="3938155"/>
+            <a:ext cx="3692236" cy="509154"/>
+          </a:xfrm>
+          <a:prstGeom prst="line">
+            <a:avLst/>
+          </a:prstGeom>
+        </p:spPr>
+        <p:style>
+          <a:lnRef idx="2">
+            <a:schemeClr val="accent1"/>
+          </a:lnRef>
+          <a:fillRef idx="0">
+            <a:schemeClr val="accent1"/>
+          </a:fillRef>
+          <a:effectRef idx="1">
+            <a:schemeClr val="accent1"/>
+          </a:effectRef>
+          <a:fontRef idx="minor">
+            <a:schemeClr val="tx1"/>
+          </a:fontRef>
+        </p:style>
+      </p:cxnSp>
+      <p:sp>
+        <p:nvSpPr>
+          <p:cNvPr id="6" name="TextBox 5">
+            <a:extLst>
+              <a:ext uri="{FF2B5EF4-FFF2-40B4-BE49-F238E27FC236}">
+                <a16:creationId xmlns:a16="http://schemas.microsoft.com/office/drawing/2014/main" id="{CFCB7F2E-BD90-F872-347E-AF0CE269182E}"/>
+              </a:ext>
+            </a:extLst>
+          </p:cNvPr>
+          <p:cNvSpPr txBox="1"/>
+          <p:nvPr/>
+        </p:nvSpPr>
+        <p:spPr>
+          <a:xfrm>
+            <a:off x="5450310" y="4262643"/>
+            <a:ext cx="645690" cy="369332"/>
+          </a:xfrm>
+          <a:prstGeom prst="rect">
+            <a:avLst/>
+          </a:prstGeom>
+          <a:noFill/>
+        </p:spPr>
+        <p:txBody>
+          <a:bodyPr wrap="none" rtlCol="0">
+            <a:spAutoFit/>
+          </a:bodyPr>
+          <a:lstStyle/>
+          <a:p>
+            <a:r>
+              <a:rPr lang="en-US" dirty="0"/>
+              <a:t>start</a:t>
+            </a:r>
+          </a:p>
+        </p:txBody>
+      </p:sp>
+      <p:sp>
+        <p:nvSpPr>
+          <p:cNvPr id="7" name="TextBox 6">
+            <a:extLst>
+              <a:ext uri="{FF2B5EF4-FFF2-40B4-BE49-F238E27FC236}">
+                <a16:creationId xmlns:a16="http://schemas.microsoft.com/office/drawing/2014/main" id="{FD2F20A0-8D78-9235-87ED-9976AD88B2F9}"/>
+              </a:ext>
+            </a:extLst>
+          </p:cNvPr>
+          <p:cNvSpPr txBox="1"/>
+          <p:nvPr/>
+        </p:nvSpPr>
+        <p:spPr>
+          <a:xfrm>
+            <a:off x="9788236" y="3753489"/>
+            <a:ext cx="562975" cy="369332"/>
+          </a:xfrm>
+          <a:prstGeom prst="rect">
+            <a:avLst/>
+          </a:prstGeom>
+          <a:noFill/>
+        </p:spPr>
+        <p:txBody>
+          <a:bodyPr wrap="none" rtlCol="0">
+            <a:spAutoFit/>
+          </a:bodyPr>
+          <a:lstStyle/>
+          <a:p>
+            <a:r>
+              <a:rPr lang="en-US" dirty="0"/>
+              <a:t>end</a:t>
+            </a:r>
+          </a:p>
+        </p:txBody>
+      </p:sp>
+    </p:spTree>
+    <p:extLst>
+      <p:ext uri="{BB962C8B-B14F-4D97-AF65-F5344CB8AC3E}">
+        <p14:creationId xmlns:p14="http://schemas.microsoft.com/office/powerpoint/2010/main" val="748760252"/>
+      </p:ext>
+    </p:extLst>
+  </p:cSld>
+  <p:clrMapOvr>
+    <a:masterClrMapping/>
+  </p:clrMapOvr>
+</p:sld>
+</file>
+
+<file path=ppt/slides/slide25.xml><?xml version="1.0" encoding="utf-8"?>
+<p:sld xmlns:a="http://schemas.openxmlformats.org/drawingml/2006/main" xmlns:r="http://schemas.openxmlformats.org/officeDocument/2006/relationships" xmlns:p="http://schemas.openxmlformats.org/presentationml/2006/main">
+  <p:cSld>
+    <p:spTree>
+      <p:nvGrpSpPr>
+        <p:cNvPr id="1" name="">
+          <a:extLst>
+            <a:ext uri="{FF2B5EF4-FFF2-40B4-BE49-F238E27FC236}">
+              <a16:creationId xmlns:a16="http://schemas.microsoft.com/office/drawing/2014/main" id="{710D5DE5-B72A-A2A5-F66A-74B9B9A128A2}"/>
+            </a:ext>
+          </a:extLst>
+        </p:cNvPr>
+        <p:cNvGrpSpPr/>
+        <p:nvPr/>
+      </p:nvGrpSpPr>
+      <p:grpSpPr>
+        <a:xfrm>
+          <a:off x="0" y="0"/>
+          <a:ext cx="0" cy="0"/>
+          <a:chOff x="0" y="0"/>
+          <a:chExt cx="0" cy="0"/>
+        </a:xfrm>
+      </p:grpSpPr>
+      <p:sp>
+        <p:nvSpPr>
+          <p:cNvPr id="2" name="Title 1">
+            <a:extLst>
+              <a:ext uri="{FF2B5EF4-FFF2-40B4-BE49-F238E27FC236}">
+                <a16:creationId xmlns:a16="http://schemas.microsoft.com/office/drawing/2014/main" id="{CA7807B0-0F72-38C2-5C52-939799F4ECF3}"/>
+              </a:ext>
+            </a:extLst>
+          </p:cNvPr>
+          <p:cNvSpPr>
+            <a:spLocks noGrp="1"/>
+          </p:cNvSpPr>
+          <p:nvPr>
+            <p:ph type="title"/>
+          </p:nvPr>
+        </p:nvSpPr>
+        <p:spPr>
+          <a:xfrm>
+            <a:off x="90055" y="10379"/>
+            <a:ext cx="4222173" cy="1325563"/>
+          </a:xfrm>
+        </p:spPr>
+        <p:txBody>
+          <a:bodyPr/>
+          <a:lstStyle/>
+          <a:p>
+            <a:r>
+              <a:rPr lang="en-US" dirty="0"/>
+              <a:t>Segment Objects</a:t>
+            </a:r>
+          </a:p>
+        </p:txBody>
+      </p:sp>
+      <p:sp>
+        <p:nvSpPr>
+          <p:cNvPr id="4" name="TextBox 3">
+            <a:extLst>
+              <a:ext uri="{FF2B5EF4-FFF2-40B4-BE49-F238E27FC236}">
+                <a16:creationId xmlns:a16="http://schemas.microsoft.com/office/drawing/2014/main" id="{53356BB9-6FD4-FD93-2BED-BB4AC7655560}"/>
+              </a:ext>
+            </a:extLst>
+          </p:cNvPr>
+          <p:cNvSpPr txBox="1"/>
+          <p:nvPr/>
+        </p:nvSpPr>
+        <p:spPr>
+          <a:xfrm>
+            <a:off x="911323" y="1314420"/>
+            <a:ext cx="2717411" cy="3416320"/>
+          </a:xfrm>
+          <a:prstGeom prst="rect">
+            <a:avLst/>
+          </a:prstGeom>
+          <a:noFill/>
+        </p:spPr>
+        <p:txBody>
+          <a:bodyPr wrap="none" rtlCol="0">
+            <a:spAutoFit/>
+          </a:bodyPr>
+          <a:lstStyle/>
+          <a:p>
+            <a:r>
+              <a:rPr lang="en-CA" dirty="0">
+                <a:latin typeface="Consolas" panose="020B0609020204030204" pitchFamily="49" charset="0"/>
+                <a:cs typeface="Consolas" panose="020B0609020204030204" pitchFamily="49" charset="0"/>
+              </a:rPr>
+              <a:t>struct Segment</a:t>
+            </a:r>
+          </a:p>
+          <a:p>
+            <a:r>
+              <a:rPr lang="en-CA" dirty="0">
+                <a:latin typeface="Consolas" panose="020B0609020204030204" pitchFamily="49" charset="0"/>
+                <a:cs typeface="Consolas" panose="020B0609020204030204" pitchFamily="49" charset="0"/>
+              </a:rPr>
+              <a:t>{</a:t>
+            </a:r>
+          </a:p>
+          <a:p>
+            <a:r>
+              <a:rPr lang="en-CA" dirty="0">
+                <a:latin typeface="Consolas" panose="020B0609020204030204" pitchFamily="49" charset="0"/>
+                <a:cs typeface="Consolas" panose="020B0609020204030204" pitchFamily="49" charset="0"/>
+              </a:rPr>
+              <a:t>  private:</a:t>
+            </a:r>
+          </a:p>
+          <a:p>
+            <a:r>
+              <a:rPr lang="en-CA" dirty="0">
+                <a:latin typeface="Consolas" panose="020B0609020204030204" pitchFamily="49" charset="0"/>
+                <a:cs typeface="Consolas" panose="020B0609020204030204" pitchFamily="49" charset="0"/>
+              </a:rPr>
+              <a:t>    Point start;</a:t>
+            </a:r>
+          </a:p>
+          <a:p>
+            <a:r>
+              <a:rPr lang="en-CA" dirty="0">
+                <a:latin typeface="Consolas" panose="020B0609020204030204" pitchFamily="49" charset="0"/>
+                <a:cs typeface="Consolas" panose="020B0609020204030204" pitchFamily="49" charset="0"/>
+              </a:rPr>
+              <a:t>    Point end;</a:t>
+            </a:r>
+          </a:p>
+          <a:p>
+            <a:endParaRPr lang="en-CA" dirty="0">
+              <a:latin typeface="Consolas" panose="020B0609020204030204" pitchFamily="49" charset="0"/>
+              <a:cs typeface="Consolas" panose="020B0609020204030204" pitchFamily="49" charset="0"/>
+            </a:endParaRPr>
+          </a:p>
+          <a:p>
+            <a:r>
+              <a:rPr lang="en-CA" dirty="0">
+                <a:latin typeface="Consolas" panose="020B0609020204030204" pitchFamily="49" charset="0"/>
+                <a:cs typeface="Consolas" panose="020B0609020204030204" pitchFamily="49" charset="0"/>
+              </a:rPr>
+              <a:t>  public:</a:t>
+            </a:r>
+          </a:p>
+          <a:p>
+            <a:r>
+              <a:rPr lang="en-CA" dirty="0">
+                <a:latin typeface="Consolas" panose="020B0609020204030204" pitchFamily="49" charset="0"/>
+                <a:cs typeface="Consolas" panose="020B0609020204030204" pitchFamily="49" charset="0"/>
+              </a:rPr>
+              <a:t>  </a:t>
+            </a:r>
+          </a:p>
+          <a:p>
+            <a:r>
+              <a:rPr lang="en-CA" dirty="0">
+                <a:latin typeface="Consolas" panose="020B0609020204030204" pitchFamily="49" charset="0"/>
+                <a:cs typeface="Consolas" panose="020B0609020204030204" pitchFamily="49" charset="0"/>
+              </a:rPr>
+              <a:t>  // ...</a:t>
+            </a:r>
+          </a:p>
+          <a:p>
+            <a:r>
+              <a:rPr lang="en-CA" dirty="0">
+                <a:latin typeface="Consolas" panose="020B0609020204030204" pitchFamily="49" charset="0"/>
+                <a:cs typeface="Consolas" panose="020B0609020204030204" pitchFamily="49" charset="0"/>
+              </a:rPr>
+              <a:t>}; // struct Segment</a:t>
+            </a:r>
+          </a:p>
+          <a:p>
+            <a:br>
+              <a:rPr lang="en-CA" dirty="0">
+                <a:latin typeface="Consolas" panose="020B0609020204030204" pitchFamily="49" charset="0"/>
+                <a:cs typeface="Consolas" panose="020B0609020204030204" pitchFamily="49" charset="0"/>
+              </a:rPr>
+            </a:br>
+            <a:endParaRPr lang="en-CA" dirty="0">
+              <a:latin typeface="Consolas" panose="020B0609020204030204" pitchFamily="49" charset="0"/>
+              <a:cs typeface="Consolas" panose="020B0609020204030204" pitchFamily="49" charset="0"/>
+            </a:endParaRPr>
+          </a:p>
+        </p:txBody>
+      </p:sp>
+      <p:sp>
+        <p:nvSpPr>
+          <p:cNvPr id="5" name="TextBox 4">
+            <a:extLst>
+              <a:ext uri="{FF2B5EF4-FFF2-40B4-BE49-F238E27FC236}">
+                <a16:creationId xmlns:a16="http://schemas.microsoft.com/office/drawing/2014/main" id="{116020E3-1491-DDE2-2919-292D741D15EC}"/>
+              </a:ext>
+            </a:extLst>
+          </p:cNvPr>
+          <p:cNvSpPr txBox="1"/>
+          <p:nvPr/>
+        </p:nvSpPr>
+        <p:spPr>
+          <a:xfrm>
+            <a:off x="3451214" y="2024928"/>
+            <a:ext cx="2513169" cy="646331"/>
+          </a:xfrm>
+          <a:prstGeom prst="rect">
+            <a:avLst/>
+          </a:prstGeom>
+          <a:solidFill>
+            <a:srgbClr val="FFFC00">
+              <a:alpha val="74902"/>
+            </a:srgbClr>
+          </a:solidFill>
+        </p:spPr>
+        <p:txBody>
+          <a:bodyPr wrap="square" rtlCol="0">
+            <a:spAutoFit/>
+          </a:bodyPr>
+          <a:lstStyle/>
+          <a:p>
+            <a:pPr algn="ctr"/>
+            <a:r>
+              <a:rPr lang="en-US" b="1" dirty="0"/>
+              <a:t>Rule of thumb</a:t>
+            </a:r>
+            <a:r>
+              <a:rPr lang="en-US" dirty="0"/>
+              <a:t>: make variables private.</a:t>
+            </a:r>
+          </a:p>
+        </p:txBody>
+      </p:sp>
+      <p:sp>
+        <p:nvSpPr>
+          <p:cNvPr id="6" name="Right Brace 5">
+            <a:extLst>
+              <a:ext uri="{FF2B5EF4-FFF2-40B4-BE49-F238E27FC236}">
+                <a16:creationId xmlns:a16="http://schemas.microsoft.com/office/drawing/2014/main" id="{958F40DC-0801-4842-E322-2AA4F84EA8A7}"/>
+              </a:ext>
+            </a:extLst>
+          </p:cNvPr>
+          <p:cNvSpPr/>
+          <p:nvPr/>
+        </p:nvSpPr>
+        <p:spPr>
+          <a:xfrm>
+            <a:off x="3054928" y="1984767"/>
+            <a:ext cx="249382" cy="748146"/>
+          </a:xfrm>
+          <a:prstGeom prst="rightBrace">
+            <a:avLst/>
+          </a:prstGeom>
+        </p:spPr>
+        <p:style>
+          <a:lnRef idx="2">
+            <a:schemeClr val="accent1"/>
+          </a:lnRef>
+          <a:fillRef idx="0">
+            <a:schemeClr val="accent1"/>
+          </a:fillRef>
+          <a:effectRef idx="1">
+            <a:schemeClr val="accent1"/>
+          </a:effectRef>
+          <a:fontRef idx="minor">
+            <a:schemeClr val="tx1"/>
+          </a:fontRef>
+        </p:style>
+        <p:txBody>
+          <a:bodyPr rtlCol="0" anchor="ctr"/>
+          <a:lstStyle/>
+          <a:p>
+            <a:pPr algn="ctr"/>
+            <a:endParaRPr lang="en-US"/>
+          </a:p>
+        </p:txBody>
+      </p:sp>
+      <p:sp>
+        <p:nvSpPr>
+          <p:cNvPr id="3" name="TextBox 2">
+            <a:extLst>
+              <a:ext uri="{FF2B5EF4-FFF2-40B4-BE49-F238E27FC236}">
+                <a16:creationId xmlns:a16="http://schemas.microsoft.com/office/drawing/2014/main" id="{70B57EDA-A3D1-82FD-69F6-6D5CF375FDD3}"/>
+              </a:ext>
+            </a:extLst>
+          </p:cNvPr>
+          <p:cNvSpPr txBox="1"/>
+          <p:nvPr/>
+        </p:nvSpPr>
+        <p:spPr>
+          <a:xfrm>
+            <a:off x="3628734" y="3105834"/>
+            <a:ext cx="2169393" cy="646331"/>
+          </a:xfrm>
+          <a:prstGeom prst="rect">
+            <a:avLst/>
+          </a:prstGeom>
+          <a:solidFill>
+            <a:srgbClr val="FFFC00">
+              <a:alpha val="74902"/>
+            </a:srgbClr>
+          </a:solidFill>
+        </p:spPr>
+        <p:txBody>
+          <a:bodyPr wrap="square" rtlCol="0">
+            <a:spAutoFit/>
+          </a:bodyPr>
+          <a:lstStyle/>
+          <a:p>
+            <a:pPr algn="ctr"/>
+            <a:r>
+              <a:rPr lang="en-US" dirty="0"/>
+              <a:t>We assume </a:t>
+            </a:r>
+            <a:r>
+              <a:rPr lang="en-US" dirty="0">
+                <a:latin typeface="Consolas" panose="020B0609020204030204" pitchFamily="49" charset="0"/>
+                <a:cs typeface="Consolas" panose="020B0609020204030204" pitchFamily="49" charset="0"/>
+              </a:rPr>
+              <a:t>Point</a:t>
+            </a:r>
+            <a:r>
+              <a:rPr lang="en-US" dirty="0"/>
+              <a:t> is defined above.</a:t>
+            </a:r>
+          </a:p>
+        </p:txBody>
+      </p:sp>
+      <p:cxnSp>
+        <p:nvCxnSpPr>
+          <p:cNvPr id="13" name="Straight Arrow Connector 12">
+            <a:extLst>
+              <a:ext uri="{FF2B5EF4-FFF2-40B4-BE49-F238E27FC236}">
+                <a16:creationId xmlns:a16="http://schemas.microsoft.com/office/drawing/2014/main" id="{7FB884FC-FE8F-A79B-054C-DC9949BC58DB}"/>
+              </a:ext>
+            </a:extLst>
+          </p:cNvPr>
+          <p:cNvCxnSpPr>
+            <a:cxnSpLocks/>
+          </p:cNvCxnSpPr>
+          <p:nvPr/>
+        </p:nvCxnSpPr>
+        <p:spPr>
+          <a:xfrm flipH="1" flipV="1">
+            <a:off x="2088573" y="2732913"/>
+            <a:ext cx="1540161" cy="498660"/>
+          </a:xfrm>
+          <a:prstGeom prst="straightConnector1">
+            <a:avLst/>
+          </a:prstGeom>
+          <a:ln>
+            <a:tailEnd type="triangle"/>
+          </a:ln>
+        </p:spPr>
+        <p:style>
+          <a:lnRef idx="2">
+            <a:schemeClr val="accent1"/>
+          </a:lnRef>
+          <a:fillRef idx="0">
+            <a:schemeClr val="accent1"/>
+          </a:fillRef>
+          <a:effectRef idx="1">
+            <a:schemeClr val="accent1"/>
+          </a:effectRef>
+          <a:fontRef idx="minor">
+            <a:schemeClr val="tx1"/>
+          </a:fontRef>
+        </p:style>
+      </p:cxnSp>
+    </p:spTree>
+    <p:extLst>
+      <p:ext uri="{BB962C8B-B14F-4D97-AF65-F5344CB8AC3E}">
+        <p14:creationId xmlns:p14="http://schemas.microsoft.com/office/powerpoint/2010/main" val="865974016"/>
+      </p:ext>
+    </p:extLst>
+  </p:cSld>
+  <p:clrMapOvr>
+    <a:masterClrMapping/>
+  </p:clrMapOvr>
+</p:sld>
+</file>
+
+<file path=ppt/slides/slide26.xml><?xml version="1.0" encoding="utf-8"?>
+<p:sld xmlns:a="http://schemas.openxmlformats.org/drawingml/2006/main" xmlns:r="http://schemas.openxmlformats.org/officeDocument/2006/relationships" xmlns:p="http://schemas.openxmlformats.org/presentationml/2006/main">
+  <p:cSld>
+    <p:spTree>
+      <p:nvGrpSpPr>
+        <p:cNvPr id="1" name="">
+          <a:extLst>
+            <a:ext uri="{FF2B5EF4-FFF2-40B4-BE49-F238E27FC236}">
+              <a16:creationId xmlns:a16="http://schemas.microsoft.com/office/drawing/2014/main" id="{1E8AF614-C857-CDB8-D814-CD70F27C0103}"/>
+            </a:ext>
+          </a:extLst>
+        </p:cNvPr>
+        <p:cNvGrpSpPr/>
+        <p:nvPr/>
+      </p:nvGrpSpPr>
+      <p:grpSpPr>
+        <a:xfrm>
+          <a:off x="0" y="0"/>
+          <a:ext cx="0" cy="0"/>
+          <a:chOff x="0" y="0"/>
+          <a:chExt cx="0" cy="0"/>
+        </a:xfrm>
+      </p:grpSpPr>
+      <p:sp>
+        <p:nvSpPr>
+          <p:cNvPr id="2" name="Title 1">
+            <a:extLst>
+              <a:ext uri="{FF2B5EF4-FFF2-40B4-BE49-F238E27FC236}">
+                <a16:creationId xmlns:a16="http://schemas.microsoft.com/office/drawing/2014/main" id="{78FBE32F-BDFD-7CC3-7569-5F53F104B707}"/>
+              </a:ext>
+            </a:extLst>
+          </p:cNvPr>
+          <p:cNvSpPr>
+            <a:spLocks noGrp="1"/>
+          </p:cNvSpPr>
+          <p:nvPr>
+            <p:ph type="title"/>
+          </p:nvPr>
+        </p:nvSpPr>
+        <p:spPr>
+          <a:xfrm>
+            <a:off x="90055" y="10379"/>
+            <a:ext cx="4222173" cy="1325563"/>
+          </a:xfrm>
+        </p:spPr>
+        <p:txBody>
+          <a:bodyPr/>
+          <a:lstStyle/>
+          <a:p>
+            <a:r>
+              <a:rPr lang="en-US" dirty="0"/>
+              <a:t>Segment Objects</a:t>
+            </a:r>
+          </a:p>
+        </p:txBody>
+      </p:sp>
+      <p:sp>
+        <p:nvSpPr>
+          <p:cNvPr id="4" name="TextBox 3">
+            <a:extLst>
+              <a:ext uri="{FF2B5EF4-FFF2-40B4-BE49-F238E27FC236}">
+                <a16:creationId xmlns:a16="http://schemas.microsoft.com/office/drawing/2014/main" id="{5E8585D7-BD52-58F4-245A-7A9CF1141CFA}"/>
+              </a:ext>
+            </a:extLst>
+          </p:cNvPr>
+          <p:cNvSpPr txBox="1"/>
+          <p:nvPr/>
+        </p:nvSpPr>
+        <p:spPr>
+          <a:xfrm>
+            <a:off x="911323" y="1314420"/>
+            <a:ext cx="6643165" cy="5078313"/>
+          </a:xfrm>
+          <a:prstGeom prst="rect">
+            <a:avLst/>
+          </a:prstGeom>
+          <a:noFill/>
+        </p:spPr>
+        <p:txBody>
+          <a:bodyPr wrap="none" rtlCol="0">
+            <a:spAutoFit/>
+          </a:bodyPr>
+          <a:lstStyle/>
+          <a:p>
+            <a:r>
+              <a:rPr lang="en-CA" dirty="0">
+                <a:latin typeface="Consolas" panose="020B0609020204030204" pitchFamily="49" charset="0"/>
+                <a:cs typeface="Consolas" panose="020B0609020204030204" pitchFamily="49" charset="0"/>
+              </a:rPr>
+              <a:t>struct Segment</a:t>
+            </a:r>
+          </a:p>
+          <a:p>
+            <a:r>
+              <a:rPr lang="en-CA" dirty="0">
+                <a:latin typeface="Consolas" panose="020B0609020204030204" pitchFamily="49" charset="0"/>
+                <a:cs typeface="Consolas" panose="020B0609020204030204" pitchFamily="49" charset="0"/>
+              </a:rPr>
+              <a:t>{</a:t>
+            </a:r>
+          </a:p>
+          <a:p>
+            <a:r>
+              <a:rPr lang="en-CA" dirty="0">
+                <a:latin typeface="Consolas" panose="020B0609020204030204" pitchFamily="49" charset="0"/>
+                <a:cs typeface="Consolas" panose="020B0609020204030204" pitchFamily="49" charset="0"/>
+              </a:rPr>
+              <a:t>  private:</a:t>
+            </a:r>
+          </a:p>
+          <a:p>
+            <a:r>
+              <a:rPr lang="en-CA" dirty="0">
+                <a:latin typeface="Consolas" panose="020B0609020204030204" pitchFamily="49" charset="0"/>
+                <a:cs typeface="Consolas" panose="020B0609020204030204" pitchFamily="49" charset="0"/>
+              </a:rPr>
+              <a:t>    Point start;</a:t>
+            </a:r>
+          </a:p>
+          <a:p>
+            <a:r>
+              <a:rPr lang="en-CA" dirty="0">
+                <a:latin typeface="Consolas" panose="020B0609020204030204" pitchFamily="49" charset="0"/>
+                <a:cs typeface="Consolas" panose="020B0609020204030204" pitchFamily="49" charset="0"/>
+              </a:rPr>
+              <a:t>    Point end;</a:t>
+            </a:r>
+          </a:p>
+          <a:p>
+            <a:endParaRPr lang="en-CA" dirty="0">
+              <a:latin typeface="Consolas" panose="020B0609020204030204" pitchFamily="49" charset="0"/>
+              <a:cs typeface="Consolas" panose="020B0609020204030204" pitchFamily="49" charset="0"/>
+            </a:endParaRPr>
+          </a:p>
+          <a:p>
+            <a:r>
+              <a:rPr lang="en-CA" dirty="0">
+                <a:latin typeface="Consolas" panose="020B0609020204030204" pitchFamily="49" charset="0"/>
+                <a:cs typeface="Consolas" panose="020B0609020204030204" pitchFamily="49" charset="0"/>
+              </a:rPr>
+              <a:t>  public:</a:t>
+            </a:r>
+          </a:p>
+          <a:p>
+            <a:r>
+              <a:rPr lang="en-CA" dirty="0">
+                <a:latin typeface="Consolas" panose="020B0609020204030204" pitchFamily="49" charset="0"/>
+                <a:cs typeface="Consolas" panose="020B0609020204030204" pitchFamily="49" charset="0"/>
+              </a:rPr>
+              <a:t>    Segment(const Point&amp; </a:t>
+            </a:r>
+            <a:r>
+              <a:rPr lang="en-CA" dirty="0">
+                <a:solidFill>
+                  <a:srgbClr val="FF0000"/>
+                </a:solidFill>
+                <a:latin typeface="Consolas" panose="020B0609020204030204" pitchFamily="49" charset="0"/>
+                <a:cs typeface="Consolas" panose="020B0609020204030204" pitchFamily="49" charset="0"/>
+              </a:rPr>
+              <a:t>start</a:t>
+            </a:r>
+            <a:r>
+              <a:rPr lang="en-CA" dirty="0">
+                <a:latin typeface="Consolas" panose="020B0609020204030204" pitchFamily="49" charset="0"/>
+                <a:cs typeface="Consolas" panose="020B0609020204030204" pitchFamily="49" charset="0"/>
+              </a:rPr>
+              <a:t>, const Point&amp; </a:t>
+            </a:r>
+            <a:r>
+              <a:rPr lang="en-CA" dirty="0">
+                <a:solidFill>
+                  <a:srgbClr val="FF0000"/>
+                </a:solidFill>
+                <a:latin typeface="Consolas" panose="020B0609020204030204" pitchFamily="49" charset="0"/>
+                <a:cs typeface="Consolas" panose="020B0609020204030204" pitchFamily="49" charset="0"/>
+              </a:rPr>
+              <a:t>end</a:t>
+            </a:r>
+            <a:r>
+              <a:rPr lang="en-CA" dirty="0">
+                <a:latin typeface="Consolas" panose="020B0609020204030204" pitchFamily="49" charset="0"/>
+                <a:cs typeface="Consolas" panose="020B0609020204030204" pitchFamily="49" charset="0"/>
+              </a:rPr>
+              <a:t>) {</a:t>
+            </a:r>
+          </a:p>
+          <a:p>
+            <a:r>
+              <a:rPr lang="en-CA" dirty="0">
+                <a:latin typeface="Consolas" panose="020B0609020204030204" pitchFamily="49" charset="0"/>
+                <a:cs typeface="Consolas" panose="020B0609020204030204" pitchFamily="49" charset="0"/>
+              </a:rPr>
+              <a:t>      this-&gt;</a:t>
+            </a:r>
+            <a:r>
+              <a:rPr lang="en-CA" dirty="0" err="1">
+                <a:latin typeface="Consolas" panose="020B0609020204030204" pitchFamily="49" charset="0"/>
+                <a:cs typeface="Consolas" panose="020B0609020204030204" pitchFamily="49" charset="0"/>
+              </a:rPr>
+              <a:t>start.set_x</a:t>
+            </a:r>
+            <a:r>
+              <a:rPr lang="en-CA" dirty="0">
+                <a:latin typeface="Consolas" panose="020B0609020204030204" pitchFamily="49" charset="0"/>
+                <a:cs typeface="Consolas" panose="020B0609020204030204" pitchFamily="49" charset="0"/>
+              </a:rPr>
+              <a:t>(</a:t>
+            </a:r>
+            <a:r>
+              <a:rPr lang="en-CA" dirty="0" err="1">
+                <a:solidFill>
+                  <a:srgbClr val="FF0000"/>
+                </a:solidFill>
+                <a:latin typeface="Consolas" panose="020B0609020204030204" pitchFamily="49" charset="0"/>
+                <a:cs typeface="Consolas" panose="020B0609020204030204" pitchFamily="49" charset="0"/>
+              </a:rPr>
+              <a:t>start</a:t>
+            </a:r>
+            <a:r>
+              <a:rPr lang="en-CA" dirty="0" err="1">
+                <a:latin typeface="Consolas" panose="020B0609020204030204" pitchFamily="49" charset="0"/>
+                <a:cs typeface="Consolas" panose="020B0609020204030204" pitchFamily="49" charset="0"/>
+              </a:rPr>
+              <a:t>.get_x</a:t>
+            </a:r>
+            <a:r>
+              <a:rPr lang="en-CA" dirty="0">
+                <a:latin typeface="Consolas" panose="020B0609020204030204" pitchFamily="49" charset="0"/>
+                <a:cs typeface="Consolas" panose="020B0609020204030204" pitchFamily="49" charset="0"/>
+              </a:rPr>
+              <a:t>());</a:t>
+            </a:r>
+          </a:p>
+          <a:p>
+            <a:r>
+              <a:rPr lang="en-CA" dirty="0">
+                <a:latin typeface="Consolas" panose="020B0609020204030204" pitchFamily="49" charset="0"/>
+                <a:cs typeface="Consolas" panose="020B0609020204030204" pitchFamily="49" charset="0"/>
+              </a:rPr>
+              <a:t>      this-&gt;</a:t>
+            </a:r>
+            <a:r>
+              <a:rPr lang="en-CA" dirty="0" err="1">
+                <a:latin typeface="Consolas" panose="020B0609020204030204" pitchFamily="49" charset="0"/>
+                <a:cs typeface="Consolas" panose="020B0609020204030204" pitchFamily="49" charset="0"/>
+              </a:rPr>
+              <a:t>start.set_y</a:t>
+            </a:r>
+            <a:r>
+              <a:rPr lang="en-CA" dirty="0">
+                <a:latin typeface="Consolas" panose="020B0609020204030204" pitchFamily="49" charset="0"/>
+                <a:cs typeface="Consolas" panose="020B0609020204030204" pitchFamily="49" charset="0"/>
+              </a:rPr>
+              <a:t>(</a:t>
+            </a:r>
+            <a:r>
+              <a:rPr lang="en-CA" dirty="0" err="1">
+                <a:solidFill>
+                  <a:srgbClr val="FF0000"/>
+                </a:solidFill>
+                <a:latin typeface="Consolas" panose="020B0609020204030204" pitchFamily="49" charset="0"/>
+                <a:cs typeface="Consolas" panose="020B0609020204030204" pitchFamily="49" charset="0"/>
+              </a:rPr>
+              <a:t>start</a:t>
+            </a:r>
+            <a:r>
+              <a:rPr lang="en-CA" dirty="0" err="1">
+                <a:latin typeface="Consolas" panose="020B0609020204030204" pitchFamily="49" charset="0"/>
+                <a:cs typeface="Consolas" panose="020B0609020204030204" pitchFamily="49" charset="0"/>
+              </a:rPr>
+              <a:t>.get_y</a:t>
+            </a:r>
+            <a:r>
+              <a:rPr lang="en-CA" dirty="0">
+                <a:latin typeface="Consolas" panose="020B0609020204030204" pitchFamily="49" charset="0"/>
+                <a:cs typeface="Consolas" panose="020B0609020204030204" pitchFamily="49" charset="0"/>
+              </a:rPr>
+              <a:t>());</a:t>
+            </a:r>
+          </a:p>
+          <a:p>
+            <a:r>
+              <a:rPr lang="en-CA" dirty="0">
+                <a:latin typeface="Consolas" panose="020B0609020204030204" pitchFamily="49" charset="0"/>
+                <a:cs typeface="Consolas" panose="020B0609020204030204" pitchFamily="49" charset="0"/>
+              </a:rPr>
+              <a:t>      this-&gt;</a:t>
+            </a:r>
+            <a:r>
+              <a:rPr lang="en-CA" dirty="0" err="1">
+                <a:latin typeface="Consolas" panose="020B0609020204030204" pitchFamily="49" charset="0"/>
+                <a:cs typeface="Consolas" panose="020B0609020204030204" pitchFamily="49" charset="0"/>
+              </a:rPr>
+              <a:t>end.set_x</a:t>
+            </a:r>
+            <a:r>
+              <a:rPr lang="en-CA" dirty="0">
+                <a:latin typeface="Consolas" panose="020B0609020204030204" pitchFamily="49" charset="0"/>
+                <a:cs typeface="Consolas" panose="020B0609020204030204" pitchFamily="49" charset="0"/>
+              </a:rPr>
+              <a:t>(</a:t>
+            </a:r>
+            <a:r>
+              <a:rPr lang="en-CA" dirty="0" err="1">
+                <a:solidFill>
+                  <a:srgbClr val="FF0000"/>
+                </a:solidFill>
+                <a:latin typeface="Consolas" panose="020B0609020204030204" pitchFamily="49" charset="0"/>
+                <a:cs typeface="Consolas" panose="020B0609020204030204" pitchFamily="49" charset="0"/>
+              </a:rPr>
+              <a:t>end</a:t>
+            </a:r>
+            <a:r>
+              <a:rPr lang="en-CA" dirty="0" err="1">
+                <a:latin typeface="Consolas" panose="020B0609020204030204" pitchFamily="49" charset="0"/>
+                <a:cs typeface="Consolas" panose="020B0609020204030204" pitchFamily="49" charset="0"/>
+              </a:rPr>
+              <a:t>.get_x</a:t>
+            </a:r>
+            <a:r>
+              <a:rPr lang="en-CA" dirty="0">
+                <a:latin typeface="Consolas" panose="020B0609020204030204" pitchFamily="49" charset="0"/>
+                <a:cs typeface="Consolas" panose="020B0609020204030204" pitchFamily="49" charset="0"/>
+              </a:rPr>
+              <a:t>());</a:t>
+            </a:r>
+          </a:p>
+          <a:p>
+            <a:r>
+              <a:rPr lang="en-CA" dirty="0">
+                <a:latin typeface="Consolas" panose="020B0609020204030204" pitchFamily="49" charset="0"/>
+                <a:cs typeface="Consolas" panose="020B0609020204030204" pitchFamily="49" charset="0"/>
+              </a:rPr>
+              <a:t>      this-&gt;</a:t>
+            </a:r>
+            <a:r>
+              <a:rPr lang="en-CA" dirty="0" err="1">
+                <a:latin typeface="Consolas" panose="020B0609020204030204" pitchFamily="49" charset="0"/>
+                <a:cs typeface="Consolas" panose="020B0609020204030204" pitchFamily="49" charset="0"/>
+              </a:rPr>
+              <a:t>end.set_y</a:t>
+            </a:r>
+            <a:r>
+              <a:rPr lang="en-CA" dirty="0">
+                <a:latin typeface="Consolas" panose="020B0609020204030204" pitchFamily="49" charset="0"/>
+                <a:cs typeface="Consolas" panose="020B0609020204030204" pitchFamily="49" charset="0"/>
+              </a:rPr>
+              <a:t>(</a:t>
+            </a:r>
+            <a:r>
+              <a:rPr lang="en-CA" dirty="0" err="1">
+                <a:solidFill>
+                  <a:srgbClr val="FF0000"/>
+                </a:solidFill>
+                <a:latin typeface="Consolas" panose="020B0609020204030204" pitchFamily="49" charset="0"/>
+                <a:cs typeface="Consolas" panose="020B0609020204030204" pitchFamily="49" charset="0"/>
+              </a:rPr>
+              <a:t>end</a:t>
+            </a:r>
+            <a:r>
+              <a:rPr lang="en-CA" dirty="0" err="1">
+                <a:latin typeface="Consolas" panose="020B0609020204030204" pitchFamily="49" charset="0"/>
+                <a:cs typeface="Consolas" panose="020B0609020204030204" pitchFamily="49" charset="0"/>
+              </a:rPr>
+              <a:t>.get_y</a:t>
+            </a:r>
+            <a:r>
+              <a:rPr lang="en-CA" dirty="0">
+                <a:latin typeface="Consolas" panose="020B0609020204030204" pitchFamily="49" charset="0"/>
+                <a:cs typeface="Consolas" panose="020B0609020204030204" pitchFamily="49" charset="0"/>
+              </a:rPr>
+              <a:t>());</a:t>
+            </a:r>
+          </a:p>
+          <a:p>
+            <a:r>
+              <a:rPr lang="en-CA" dirty="0">
+                <a:latin typeface="Consolas" panose="020B0609020204030204" pitchFamily="49" charset="0"/>
+                <a:cs typeface="Consolas" panose="020B0609020204030204" pitchFamily="49" charset="0"/>
+              </a:rPr>
+              <a:t>    }</a:t>
+            </a:r>
+          </a:p>
+          <a:p>
+            <a:endParaRPr lang="en-CA" dirty="0">
+              <a:latin typeface="Consolas" panose="020B0609020204030204" pitchFamily="49" charset="0"/>
+              <a:cs typeface="Consolas" panose="020B0609020204030204" pitchFamily="49" charset="0"/>
+            </a:endParaRPr>
+          </a:p>
+          <a:p>
+            <a:r>
+              <a:rPr lang="en-CA" dirty="0">
+                <a:latin typeface="Consolas" panose="020B0609020204030204" pitchFamily="49" charset="0"/>
+                <a:cs typeface="Consolas" panose="020B0609020204030204" pitchFamily="49" charset="0"/>
+              </a:rPr>
+              <a:t>    // ...</a:t>
+            </a:r>
+          </a:p>
+          <a:p>
+            <a:r>
+              <a:rPr lang="en-CA" dirty="0">
+                <a:latin typeface="Consolas" panose="020B0609020204030204" pitchFamily="49" charset="0"/>
+                <a:cs typeface="Consolas" panose="020B0609020204030204" pitchFamily="49" charset="0"/>
+              </a:rPr>
+              <a:t>}; // struct Segment</a:t>
+            </a:r>
+          </a:p>
+          <a:p>
+            <a:br>
+              <a:rPr lang="en-CA" dirty="0">
+                <a:latin typeface="Consolas" panose="020B0609020204030204" pitchFamily="49" charset="0"/>
+                <a:cs typeface="Consolas" panose="020B0609020204030204" pitchFamily="49" charset="0"/>
+              </a:rPr>
+            </a:br>
+            <a:endParaRPr lang="en-CA" dirty="0">
+              <a:latin typeface="Consolas" panose="020B0609020204030204" pitchFamily="49" charset="0"/>
+              <a:cs typeface="Consolas" panose="020B0609020204030204" pitchFamily="49" charset="0"/>
+            </a:endParaRPr>
+          </a:p>
+        </p:txBody>
+      </p:sp>
+      <p:sp>
+        <p:nvSpPr>
+          <p:cNvPr id="5" name="TextBox 4">
+            <a:extLst>
+              <a:ext uri="{FF2B5EF4-FFF2-40B4-BE49-F238E27FC236}">
+                <a16:creationId xmlns:a16="http://schemas.microsoft.com/office/drawing/2014/main" id="{70FE009F-7E76-746F-F58E-F82D528F7B3D}"/>
+              </a:ext>
+            </a:extLst>
+          </p:cNvPr>
+          <p:cNvSpPr txBox="1"/>
+          <p:nvPr/>
+        </p:nvSpPr>
+        <p:spPr>
+          <a:xfrm>
+            <a:off x="3679815" y="2178318"/>
+            <a:ext cx="2191049" cy="923330"/>
+          </a:xfrm>
+          <a:prstGeom prst="rect">
+            <a:avLst/>
+          </a:prstGeom>
+          <a:solidFill>
+            <a:srgbClr val="FFFC00">
+              <a:alpha val="74902"/>
+            </a:srgbClr>
+          </a:solidFill>
+        </p:spPr>
+        <p:txBody>
+          <a:bodyPr wrap="square" rtlCol="0">
+            <a:spAutoFit/>
+          </a:bodyPr>
+          <a:lstStyle/>
+          <a:p>
+            <a:pPr algn="ctr"/>
+            <a:r>
+              <a:rPr lang="en-US" dirty="0"/>
+              <a:t>This constructor takes two </a:t>
+            </a:r>
+            <a:r>
+              <a:rPr lang="en-US" dirty="0">
+                <a:latin typeface="Consolas" panose="020B0609020204030204" pitchFamily="49" charset="0"/>
+                <a:cs typeface="Consolas" panose="020B0609020204030204" pitchFamily="49" charset="0"/>
+              </a:rPr>
+              <a:t>Point</a:t>
+            </a:r>
+            <a:r>
+              <a:rPr lang="en-US" dirty="0"/>
+              <a:t> objects as input.</a:t>
+            </a:r>
+          </a:p>
+        </p:txBody>
+      </p:sp>
+      <p:sp>
+        <p:nvSpPr>
+          <p:cNvPr id="7" name="TextBox 6">
+            <a:extLst>
+              <a:ext uri="{FF2B5EF4-FFF2-40B4-BE49-F238E27FC236}">
+                <a16:creationId xmlns:a16="http://schemas.microsoft.com/office/drawing/2014/main" id="{C1CE9D16-0204-A114-4857-FAEE9F6450AD}"/>
+              </a:ext>
+            </a:extLst>
+          </p:cNvPr>
+          <p:cNvSpPr txBox="1"/>
+          <p:nvPr/>
+        </p:nvSpPr>
+        <p:spPr>
+          <a:xfrm>
+            <a:off x="5995852" y="4136501"/>
+            <a:ext cx="3117272" cy="923330"/>
+          </a:xfrm>
+          <a:prstGeom prst="rect">
+            <a:avLst/>
+          </a:prstGeom>
+          <a:solidFill>
+            <a:srgbClr val="FFFC00">
+              <a:alpha val="74902"/>
+            </a:srgbClr>
+          </a:solidFill>
+        </p:spPr>
+        <p:txBody>
+          <a:bodyPr wrap="square" rtlCol="0">
+            <a:spAutoFit/>
+          </a:bodyPr>
+          <a:lstStyle/>
+          <a:p>
+            <a:pPr algn="ctr"/>
+            <a:r>
+              <a:rPr lang="en-US" dirty="0">
+                <a:latin typeface="Consolas" panose="020B0609020204030204" pitchFamily="49" charset="0"/>
+                <a:cs typeface="Consolas" panose="020B0609020204030204" pitchFamily="49" charset="0"/>
+              </a:rPr>
+              <a:t>this-&gt;</a:t>
+            </a:r>
+            <a:r>
+              <a:rPr lang="en-US" dirty="0"/>
+              <a:t> is used because the parameter names are the same as the private variables.</a:t>
+            </a:r>
+          </a:p>
+        </p:txBody>
+      </p:sp>
+      <p:sp>
+        <p:nvSpPr>
+          <p:cNvPr id="12" name="TextBox 11">
+            <a:extLst>
+              <a:ext uri="{FF2B5EF4-FFF2-40B4-BE49-F238E27FC236}">
+                <a16:creationId xmlns:a16="http://schemas.microsoft.com/office/drawing/2014/main" id="{C9F1C4A5-1E71-18EC-3424-11BF33D8C221}"/>
+              </a:ext>
+            </a:extLst>
+          </p:cNvPr>
+          <p:cNvSpPr txBox="1"/>
+          <p:nvPr/>
+        </p:nvSpPr>
+        <p:spPr>
+          <a:xfrm>
+            <a:off x="7865533" y="391090"/>
+            <a:ext cx="3097323" cy="646331"/>
+          </a:xfrm>
+          <a:prstGeom prst="rect">
+            <a:avLst/>
+          </a:prstGeom>
+          <a:noFill/>
+          <a:ln>
+            <a:solidFill>
+              <a:schemeClr val="accent1"/>
+            </a:solidFill>
+          </a:ln>
+        </p:spPr>
+        <p:txBody>
+          <a:bodyPr wrap="none" rtlCol="0">
+            <a:spAutoFit/>
+          </a:bodyPr>
+          <a:lstStyle/>
+          <a:p>
+            <a:r>
+              <a:rPr lang="en-CA" dirty="0">
+                <a:latin typeface="Consolas" panose="020B0609020204030204" pitchFamily="49" charset="0"/>
+                <a:cs typeface="Consolas" panose="020B0609020204030204" pitchFamily="49" charset="0"/>
+              </a:rPr>
+              <a:t>Segment s{Point{1, 2}, </a:t>
+            </a:r>
+          </a:p>
+          <a:p>
+            <a:r>
+              <a:rPr lang="en-CA" dirty="0">
+                <a:latin typeface="Consolas" panose="020B0609020204030204" pitchFamily="49" charset="0"/>
+                <a:cs typeface="Consolas" panose="020B0609020204030204" pitchFamily="49" charset="0"/>
+              </a:rPr>
+              <a:t>          Point{3, 4}};</a:t>
+            </a:r>
+          </a:p>
+        </p:txBody>
+      </p:sp>
+      <p:sp>
+        <p:nvSpPr>
+          <p:cNvPr id="13" name="TextBox 12">
+            <a:extLst>
+              <a:ext uri="{FF2B5EF4-FFF2-40B4-BE49-F238E27FC236}">
+                <a16:creationId xmlns:a16="http://schemas.microsoft.com/office/drawing/2014/main" id="{808E8AE2-3F07-A23C-0A11-39F39F06C93A}"/>
+              </a:ext>
+            </a:extLst>
+          </p:cNvPr>
+          <p:cNvSpPr txBox="1"/>
+          <p:nvPr/>
+        </p:nvSpPr>
+        <p:spPr>
+          <a:xfrm>
+            <a:off x="4866092" y="400283"/>
+            <a:ext cx="2464136" cy="923330"/>
+          </a:xfrm>
+          <a:prstGeom prst="rect">
+            <a:avLst/>
+          </a:prstGeom>
+          <a:noFill/>
+          <a:ln>
+            <a:solidFill>
+              <a:schemeClr val="accent1"/>
+            </a:solidFill>
+          </a:ln>
+        </p:spPr>
+        <p:txBody>
+          <a:bodyPr wrap="none" rtlCol="0">
+            <a:spAutoFit/>
+          </a:bodyPr>
+          <a:lstStyle/>
+          <a:p>
+            <a:r>
+              <a:rPr lang="en-CA" dirty="0">
+                <a:latin typeface="Consolas" panose="020B0609020204030204" pitchFamily="49" charset="0"/>
+                <a:cs typeface="Consolas" panose="020B0609020204030204" pitchFamily="49" charset="0"/>
+              </a:rPr>
+              <a:t>Point p1{1, 2};</a:t>
+            </a:r>
+          </a:p>
+          <a:p>
+            <a:r>
+              <a:rPr lang="en-CA" dirty="0">
+                <a:latin typeface="Consolas" panose="020B0609020204030204" pitchFamily="49" charset="0"/>
+                <a:cs typeface="Consolas" panose="020B0609020204030204" pitchFamily="49" charset="0"/>
+              </a:rPr>
+              <a:t>Point p2{3, 4};</a:t>
+            </a:r>
+          </a:p>
+          <a:p>
+            <a:r>
+              <a:rPr lang="en-CA" dirty="0">
+                <a:latin typeface="Consolas" panose="020B0609020204030204" pitchFamily="49" charset="0"/>
+                <a:cs typeface="Consolas" panose="020B0609020204030204" pitchFamily="49" charset="0"/>
+              </a:rPr>
+              <a:t>Segment s{p1, p2};</a:t>
+            </a:r>
+          </a:p>
+        </p:txBody>
+      </p:sp>
+      <p:cxnSp>
+        <p:nvCxnSpPr>
+          <p:cNvPr id="14" name="Straight Arrow Connector 13">
+            <a:extLst>
+              <a:ext uri="{FF2B5EF4-FFF2-40B4-BE49-F238E27FC236}">
+                <a16:creationId xmlns:a16="http://schemas.microsoft.com/office/drawing/2014/main" id="{58136272-53D7-0A74-03CF-76A9520A609B}"/>
+              </a:ext>
+            </a:extLst>
+          </p:cNvPr>
+          <p:cNvCxnSpPr>
+            <a:cxnSpLocks/>
+          </p:cNvCxnSpPr>
+          <p:nvPr/>
+        </p:nvCxnSpPr>
+        <p:spPr>
+          <a:xfrm flipV="1">
+            <a:off x="6224155" y="1423555"/>
+            <a:ext cx="0" cy="1756063"/>
+          </a:xfrm>
+          <a:prstGeom prst="straightConnector1">
+            <a:avLst/>
+          </a:prstGeom>
+          <a:ln>
+            <a:tailEnd type="triangle"/>
+          </a:ln>
+        </p:spPr>
+        <p:style>
+          <a:lnRef idx="2">
+            <a:schemeClr val="accent1"/>
+          </a:lnRef>
+          <a:fillRef idx="0">
+            <a:schemeClr val="accent1"/>
+          </a:fillRef>
+          <a:effectRef idx="1">
+            <a:schemeClr val="accent1"/>
+          </a:effectRef>
+          <a:fontRef idx="minor">
+            <a:schemeClr val="tx1"/>
+          </a:fontRef>
+        </p:style>
+      </p:cxnSp>
+      <p:cxnSp>
+        <p:nvCxnSpPr>
+          <p:cNvPr id="17" name="Straight Arrow Connector 16">
+            <a:extLst>
+              <a:ext uri="{FF2B5EF4-FFF2-40B4-BE49-F238E27FC236}">
+                <a16:creationId xmlns:a16="http://schemas.microsoft.com/office/drawing/2014/main" id="{F457D694-D4BE-FA8D-2CDB-13322AB1CD5B}"/>
+              </a:ext>
+            </a:extLst>
+          </p:cNvPr>
+          <p:cNvCxnSpPr>
+            <a:cxnSpLocks/>
+          </p:cNvCxnSpPr>
+          <p:nvPr/>
+        </p:nvCxnSpPr>
+        <p:spPr>
+          <a:xfrm flipV="1">
+            <a:off x="6369627" y="1226127"/>
+            <a:ext cx="1683328" cy="1953491"/>
+          </a:xfrm>
+          <a:prstGeom prst="straightConnector1">
+            <a:avLst/>
+          </a:prstGeom>
+          <a:ln>
+            <a:tailEnd type="triangle"/>
+          </a:ln>
+        </p:spPr>
+        <p:style>
+          <a:lnRef idx="2">
+            <a:schemeClr val="accent1"/>
+          </a:lnRef>
+          <a:fillRef idx="0">
+            <a:schemeClr val="accent1"/>
+          </a:fillRef>
+          <a:effectRef idx="1">
+            <a:schemeClr val="accent1"/>
+          </a:effectRef>
+          <a:fontRef idx="minor">
+            <a:schemeClr val="tx1"/>
+          </a:fontRef>
+        </p:style>
+      </p:cxnSp>
+    </p:spTree>
+    <p:extLst>
+      <p:ext uri="{BB962C8B-B14F-4D97-AF65-F5344CB8AC3E}">
+        <p14:creationId xmlns:p14="http://schemas.microsoft.com/office/powerpoint/2010/main" val="338792272"/>
+      </p:ext>
+    </p:extLst>
+  </p:cSld>
+  <p:clrMapOvr>
+    <a:masterClrMapping/>
+  </p:clrMapOvr>
+</p:sld>
+</file>
+
+<file path=ppt/slides/slide27.xml><?xml version="1.0" encoding="utf-8"?>
+<p:sld xmlns:a="http://schemas.openxmlformats.org/drawingml/2006/main" xmlns:r="http://schemas.openxmlformats.org/officeDocument/2006/relationships" xmlns:p="http://schemas.openxmlformats.org/presentationml/2006/main">
+  <p:cSld>
+    <p:spTree>
+      <p:nvGrpSpPr>
+        <p:cNvPr id="1" name="">
+          <a:extLst>
+            <a:ext uri="{FF2B5EF4-FFF2-40B4-BE49-F238E27FC236}">
+              <a16:creationId xmlns:a16="http://schemas.microsoft.com/office/drawing/2014/main" id="{337FC2CF-6149-AFED-F111-C8227EF35274}"/>
+            </a:ext>
+          </a:extLst>
+        </p:cNvPr>
+        <p:cNvGrpSpPr/>
+        <p:nvPr/>
+      </p:nvGrpSpPr>
+      <p:grpSpPr>
+        <a:xfrm>
+          <a:off x="0" y="0"/>
+          <a:ext cx="0" cy="0"/>
+          <a:chOff x="0" y="0"/>
+          <a:chExt cx="0" cy="0"/>
+        </a:xfrm>
+      </p:grpSpPr>
+      <p:sp>
+        <p:nvSpPr>
+          <p:cNvPr id="2" name="Title 1">
+            <a:extLst>
+              <a:ext uri="{FF2B5EF4-FFF2-40B4-BE49-F238E27FC236}">
+                <a16:creationId xmlns:a16="http://schemas.microsoft.com/office/drawing/2014/main" id="{B8BDC1AE-7B24-6297-BC31-0EBCECFB67B6}"/>
+              </a:ext>
+            </a:extLst>
+          </p:cNvPr>
+          <p:cNvSpPr>
+            <a:spLocks noGrp="1"/>
+          </p:cNvSpPr>
+          <p:nvPr>
+            <p:ph type="title"/>
+          </p:nvPr>
+        </p:nvSpPr>
+        <p:spPr>
+          <a:xfrm>
+            <a:off x="90055" y="10379"/>
+            <a:ext cx="4222173" cy="1325563"/>
+          </a:xfrm>
+        </p:spPr>
+        <p:txBody>
+          <a:bodyPr/>
+          <a:lstStyle/>
+          <a:p>
+            <a:r>
+              <a:rPr lang="en-US" dirty="0"/>
+              <a:t>Segment Objects</a:t>
+            </a:r>
+          </a:p>
+        </p:txBody>
+      </p:sp>
+      <p:sp>
+        <p:nvSpPr>
+          <p:cNvPr id="4" name="TextBox 3">
+            <a:extLst>
+              <a:ext uri="{FF2B5EF4-FFF2-40B4-BE49-F238E27FC236}">
+                <a16:creationId xmlns:a16="http://schemas.microsoft.com/office/drawing/2014/main" id="{A048B88F-E97A-2E29-5190-21E240366DB7}"/>
+              </a:ext>
+            </a:extLst>
+          </p:cNvPr>
+          <p:cNvSpPr txBox="1"/>
+          <p:nvPr/>
+        </p:nvSpPr>
+        <p:spPr>
+          <a:xfrm>
+            <a:off x="911323" y="1314420"/>
+            <a:ext cx="7909538" cy="5078313"/>
+          </a:xfrm>
+          <a:prstGeom prst="rect">
+            <a:avLst/>
+          </a:prstGeom>
+          <a:noFill/>
+        </p:spPr>
+        <p:txBody>
+          <a:bodyPr wrap="none" rtlCol="0">
+            <a:spAutoFit/>
+          </a:bodyPr>
+          <a:lstStyle/>
+          <a:p>
+            <a:r>
+              <a:rPr lang="en-CA" dirty="0">
+                <a:latin typeface="Consolas" panose="020B0609020204030204" pitchFamily="49" charset="0"/>
+                <a:cs typeface="Consolas" panose="020B0609020204030204" pitchFamily="49" charset="0"/>
+              </a:rPr>
+              <a:t>struct Segment</a:t>
+            </a:r>
+          </a:p>
+          <a:p>
+            <a:r>
+              <a:rPr lang="en-CA" dirty="0">
+                <a:latin typeface="Consolas" panose="020B0609020204030204" pitchFamily="49" charset="0"/>
+                <a:cs typeface="Consolas" panose="020B0609020204030204" pitchFamily="49" charset="0"/>
+              </a:rPr>
+              <a:t>{</a:t>
+            </a:r>
+          </a:p>
+          <a:p>
+            <a:r>
+              <a:rPr lang="en-CA" dirty="0">
+                <a:latin typeface="Consolas" panose="020B0609020204030204" pitchFamily="49" charset="0"/>
+                <a:cs typeface="Consolas" panose="020B0609020204030204" pitchFamily="49" charset="0"/>
+              </a:rPr>
+              <a:t>  private:</a:t>
+            </a:r>
+          </a:p>
+          <a:p>
+            <a:r>
+              <a:rPr lang="en-CA" dirty="0">
+                <a:latin typeface="Consolas" panose="020B0609020204030204" pitchFamily="49" charset="0"/>
+                <a:cs typeface="Consolas" panose="020B0609020204030204" pitchFamily="49" charset="0"/>
+              </a:rPr>
+              <a:t>    Point start;</a:t>
+            </a:r>
+          </a:p>
+          <a:p>
+            <a:r>
+              <a:rPr lang="en-CA" dirty="0">
+                <a:latin typeface="Consolas" panose="020B0609020204030204" pitchFamily="49" charset="0"/>
+                <a:cs typeface="Consolas" panose="020B0609020204030204" pitchFamily="49" charset="0"/>
+              </a:rPr>
+              <a:t>    Point end;</a:t>
+            </a:r>
+          </a:p>
+          <a:p>
+            <a:endParaRPr lang="en-CA" dirty="0">
+              <a:latin typeface="Consolas" panose="020B0609020204030204" pitchFamily="49" charset="0"/>
+              <a:cs typeface="Consolas" panose="020B0609020204030204" pitchFamily="49" charset="0"/>
+            </a:endParaRPr>
+          </a:p>
+          <a:p>
+            <a:r>
+              <a:rPr lang="en-CA" dirty="0">
+                <a:latin typeface="Consolas" panose="020B0609020204030204" pitchFamily="49" charset="0"/>
+                <a:cs typeface="Consolas" panose="020B0609020204030204" pitchFamily="49" charset="0"/>
+              </a:rPr>
+              <a:t>  public:</a:t>
+            </a:r>
+          </a:p>
+          <a:p>
+            <a:r>
+              <a:rPr lang="en-CA" dirty="0">
+                <a:latin typeface="Consolas" panose="020B0609020204030204" pitchFamily="49" charset="0"/>
+                <a:cs typeface="Consolas" panose="020B0609020204030204" pitchFamily="49" charset="0"/>
+              </a:rPr>
+              <a:t>    Segment(int </a:t>
+            </a:r>
+            <a:r>
+              <a:rPr lang="en-CA" dirty="0" err="1">
+                <a:latin typeface="Consolas" panose="020B0609020204030204" pitchFamily="49" charset="0"/>
+                <a:cs typeface="Consolas" panose="020B0609020204030204" pitchFamily="49" charset="0"/>
+              </a:rPr>
+              <a:t>start_x</a:t>
+            </a:r>
+            <a:r>
+              <a:rPr lang="en-CA" dirty="0">
+                <a:latin typeface="Consolas" panose="020B0609020204030204" pitchFamily="49" charset="0"/>
+                <a:cs typeface="Consolas" panose="020B0609020204030204" pitchFamily="49" charset="0"/>
+              </a:rPr>
+              <a:t>, int </a:t>
+            </a:r>
+            <a:r>
+              <a:rPr lang="en-CA" dirty="0" err="1">
+                <a:latin typeface="Consolas" panose="020B0609020204030204" pitchFamily="49" charset="0"/>
+                <a:cs typeface="Consolas" panose="020B0609020204030204" pitchFamily="49" charset="0"/>
+              </a:rPr>
+              <a:t>start_y</a:t>
+            </a:r>
+            <a:r>
+              <a:rPr lang="en-CA" dirty="0">
+                <a:latin typeface="Consolas" panose="020B0609020204030204" pitchFamily="49" charset="0"/>
+                <a:cs typeface="Consolas" panose="020B0609020204030204" pitchFamily="49" charset="0"/>
+              </a:rPr>
+              <a:t>, int </a:t>
+            </a:r>
+            <a:r>
+              <a:rPr lang="en-CA" dirty="0" err="1">
+                <a:latin typeface="Consolas" panose="020B0609020204030204" pitchFamily="49" charset="0"/>
+                <a:cs typeface="Consolas" panose="020B0609020204030204" pitchFamily="49" charset="0"/>
+              </a:rPr>
+              <a:t>end_x</a:t>
+            </a:r>
+            <a:r>
+              <a:rPr lang="en-CA" dirty="0">
+                <a:latin typeface="Consolas" panose="020B0609020204030204" pitchFamily="49" charset="0"/>
+                <a:cs typeface="Consolas" panose="020B0609020204030204" pitchFamily="49" charset="0"/>
+              </a:rPr>
+              <a:t>, int </a:t>
+            </a:r>
+            <a:r>
+              <a:rPr lang="en-CA" dirty="0" err="1">
+                <a:latin typeface="Consolas" panose="020B0609020204030204" pitchFamily="49" charset="0"/>
+                <a:cs typeface="Consolas" panose="020B0609020204030204" pitchFamily="49" charset="0"/>
+              </a:rPr>
+              <a:t>end_y</a:t>
+            </a:r>
+            <a:r>
+              <a:rPr lang="en-CA" dirty="0">
+                <a:latin typeface="Consolas" panose="020B0609020204030204" pitchFamily="49" charset="0"/>
+                <a:cs typeface="Consolas" panose="020B0609020204030204" pitchFamily="49" charset="0"/>
+              </a:rPr>
+              <a:t>) {</a:t>
+            </a:r>
+          </a:p>
+          <a:p>
+            <a:r>
+              <a:rPr lang="en-CA" dirty="0">
+                <a:latin typeface="Consolas" panose="020B0609020204030204" pitchFamily="49" charset="0"/>
+                <a:cs typeface="Consolas" panose="020B0609020204030204" pitchFamily="49" charset="0"/>
+              </a:rPr>
+              <a:t>      </a:t>
+            </a:r>
+            <a:r>
+              <a:rPr lang="en-CA" dirty="0" err="1">
+                <a:latin typeface="Consolas" panose="020B0609020204030204" pitchFamily="49" charset="0"/>
+                <a:cs typeface="Consolas" panose="020B0609020204030204" pitchFamily="49" charset="0"/>
+              </a:rPr>
+              <a:t>start.set_x</a:t>
+            </a:r>
+            <a:r>
+              <a:rPr lang="en-CA" dirty="0">
+                <a:latin typeface="Consolas" panose="020B0609020204030204" pitchFamily="49" charset="0"/>
+                <a:cs typeface="Consolas" panose="020B0609020204030204" pitchFamily="49" charset="0"/>
+              </a:rPr>
+              <a:t>(</a:t>
+            </a:r>
+            <a:r>
+              <a:rPr lang="en-CA" dirty="0" err="1">
+                <a:latin typeface="Consolas" panose="020B0609020204030204" pitchFamily="49" charset="0"/>
+                <a:cs typeface="Consolas" panose="020B0609020204030204" pitchFamily="49" charset="0"/>
+              </a:rPr>
+              <a:t>start_x</a:t>
+            </a:r>
+            <a:r>
+              <a:rPr lang="en-CA" dirty="0">
+                <a:latin typeface="Consolas" panose="020B0609020204030204" pitchFamily="49" charset="0"/>
+                <a:cs typeface="Consolas" panose="020B0609020204030204" pitchFamily="49" charset="0"/>
+              </a:rPr>
+              <a:t>);</a:t>
+            </a:r>
+          </a:p>
+          <a:p>
+            <a:r>
+              <a:rPr lang="en-CA" dirty="0">
+                <a:latin typeface="Consolas" panose="020B0609020204030204" pitchFamily="49" charset="0"/>
+                <a:cs typeface="Consolas" panose="020B0609020204030204" pitchFamily="49" charset="0"/>
+              </a:rPr>
+              <a:t>      </a:t>
+            </a:r>
+            <a:r>
+              <a:rPr lang="en-CA" dirty="0" err="1">
+                <a:latin typeface="Consolas" panose="020B0609020204030204" pitchFamily="49" charset="0"/>
+                <a:cs typeface="Consolas" panose="020B0609020204030204" pitchFamily="49" charset="0"/>
+              </a:rPr>
+              <a:t>start.set_y</a:t>
+            </a:r>
+            <a:r>
+              <a:rPr lang="en-CA" dirty="0">
+                <a:latin typeface="Consolas" panose="020B0609020204030204" pitchFamily="49" charset="0"/>
+                <a:cs typeface="Consolas" panose="020B0609020204030204" pitchFamily="49" charset="0"/>
+              </a:rPr>
+              <a:t>(</a:t>
+            </a:r>
+            <a:r>
+              <a:rPr lang="en-CA" dirty="0" err="1">
+                <a:latin typeface="Consolas" panose="020B0609020204030204" pitchFamily="49" charset="0"/>
+                <a:cs typeface="Consolas" panose="020B0609020204030204" pitchFamily="49" charset="0"/>
+              </a:rPr>
+              <a:t>start_y</a:t>
+            </a:r>
+            <a:r>
+              <a:rPr lang="en-CA" dirty="0">
+                <a:latin typeface="Consolas" panose="020B0609020204030204" pitchFamily="49" charset="0"/>
+                <a:cs typeface="Consolas" panose="020B0609020204030204" pitchFamily="49" charset="0"/>
+              </a:rPr>
+              <a:t>);</a:t>
+            </a:r>
+          </a:p>
+          <a:p>
+            <a:r>
+              <a:rPr lang="en-CA" dirty="0">
+                <a:latin typeface="Consolas" panose="020B0609020204030204" pitchFamily="49" charset="0"/>
+                <a:cs typeface="Consolas" panose="020B0609020204030204" pitchFamily="49" charset="0"/>
+              </a:rPr>
+              <a:t>      </a:t>
+            </a:r>
+            <a:r>
+              <a:rPr lang="en-CA" dirty="0" err="1">
+                <a:latin typeface="Consolas" panose="020B0609020204030204" pitchFamily="49" charset="0"/>
+                <a:cs typeface="Consolas" panose="020B0609020204030204" pitchFamily="49" charset="0"/>
+              </a:rPr>
+              <a:t>end.set_x</a:t>
+            </a:r>
+            <a:r>
+              <a:rPr lang="en-CA" dirty="0">
+                <a:latin typeface="Consolas" panose="020B0609020204030204" pitchFamily="49" charset="0"/>
+                <a:cs typeface="Consolas" panose="020B0609020204030204" pitchFamily="49" charset="0"/>
+              </a:rPr>
+              <a:t>(</a:t>
+            </a:r>
+            <a:r>
+              <a:rPr lang="en-CA" dirty="0" err="1">
+                <a:latin typeface="Consolas" panose="020B0609020204030204" pitchFamily="49" charset="0"/>
+                <a:cs typeface="Consolas" panose="020B0609020204030204" pitchFamily="49" charset="0"/>
+              </a:rPr>
+              <a:t>end_x</a:t>
+            </a:r>
+            <a:r>
+              <a:rPr lang="en-CA" dirty="0">
+                <a:latin typeface="Consolas" panose="020B0609020204030204" pitchFamily="49" charset="0"/>
+                <a:cs typeface="Consolas" panose="020B0609020204030204" pitchFamily="49" charset="0"/>
+              </a:rPr>
+              <a:t>);</a:t>
+            </a:r>
+          </a:p>
+          <a:p>
+            <a:r>
+              <a:rPr lang="en-CA" dirty="0">
+                <a:latin typeface="Consolas" panose="020B0609020204030204" pitchFamily="49" charset="0"/>
+                <a:cs typeface="Consolas" panose="020B0609020204030204" pitchFamily="49" charset="0"/>
+              </a:rPr>
+              <a:t>      </a:t>
+            </a:r>
+            <a:r>
+              <a:rPr lang="en-CA" dirty="0" err="1">
+                <a:latin typeface="Consolas" panose="020B0609020204030204" pitchFamily="49" charset="0"/>
+                <a:cs typeface="Consolas" panose="020B0609020204030204" pitchFamily="49" charset="0"/>
+              </a:rPr>
+              <a:t>end.set_y</a:t>
+            </a:r>
+            <a:r>
+              <a:rPr lang="en-CA" dirty="0">
+                <a:latin typeface="Consolas" panose="020B0609020204030204" pitchFamily="49" charset="0"/>
+                <a:cs typeface="Consolas" panose="020B0609020204030204" pitchFamily="49" charset="0"/>
+              </a:rPr>
+              <a:t>(</a:t>
+            </a:r>
+            <a:r>
+              <a:rPr lang="en-CA" dirty="0" err="1">
+                <a:latin typeface="Consolas" panose="020B0609020204030204" pitchFamily="49" charset="0"/>
+                <a:cs typeface="Consolas" panose="020B0609020204030204" pitchFamily="49" charset="0"/>
+              </a:rPr>
+              <a:t>end_y</a:t>
+            </a:r>
+            <a:r>
+              <a:rPr lang="en-CA" dirty="0">
+                <a:latin typeface="Consolas" panose="020B0609020204030204" pitchFamily="49" charset="0"/>
+                <a:cs typeface="Consolas" panose="020B0609020204030204" pitchFamily="49" charset="0"/>
+              </a:rPr>
+              <a:t>);</a:t>
+            </a:r>
+          </a:p>
+          <a:p>
+            <a:r>
+              <a:rPr lang="en-CA" dirty="0">
+                <a:latin typeface="Consolas" panose="020B0609020204030204" pitchFamily="49" charset="0"/>
+                <a:cs typeface="Consolas" panose="020B0609020204030204" pitchFamily="49" charset="0"/>
+              </a:rPr>
+              <a:t>    }</a:t>
+            </a:r>
+          </a:p>
+          <a:p>
+            <a:endParaRPr lang="en-CA" dirty="0">
+              <a:latin typeface="Consolas" panose="020B0609020204030204" pitchFamily="49" charset="0"/>
+              <a:cs typeface="Consolas" panose="020B0609020204030204" pitchFamily="49" charset="0"/>
+            </a:endParaRPr>
+          </a:p>
+          <a:p>
+            <a:r>
+              <a:rPr lang="en-CA" dirty="0">
+                <a:latin typeface="Consolas" panose="020B0609020204030204" pitchFamily="49" charset="0"/>
+                <a:cs typeface="Consolas" panose="020B0609020204030204" pitchFamily="49" charset="0"/>
+              </a:rPr>
+              <a:t>    // ...</a:t>
+            </a:r>
+          </a:p>
+          <a:p>
+            <a:r>
+              <a:rPr lang="en-CA" dirty="0">
+                <a:latin typeface="Consolas" panose="020B0609020204030204" pitchFamily="49" charset="0"/>
+                <a:cs typeface="Consolas" panose="020B0609020204030204" pitchFamily="49" charset="0"/>
+              </a:rPr>
+              <a:t>}; // struct Segment</a:t>
+            </a:r>
+          </a:p>
+          <a:p>
+            <a:br>
+              <a:rPr lang="en-CA" dirty="0">
+                <a:latin typeface="Consolas" panose="020B0609020204030204" pitchFamily="49" charset="0"/>
+                <a:cs typeface="Consolas" panose="020B0609020204030204" pitchFamily="49" charset="0"/>
+              </a:rPr>
+            </a:br>
+            <a:endParaRPr lang="en-CA" dirty="0">
+              <a:latin typeface="Consolas" panose="020B0609020204030204" pitchFamily="49" charset="0"/>
+              <a:cs typeface="Consolas" panose="020B0609020204030204" pitchFamily="49" charset="0"/>
+            </a:endParaRPr>
+          </a:p>
+        </p:txBody>
+      </p:sp>
+      <p:sp>
+        <p:nvSpPr>
+          <p:cNvPr id="5" name="TextBox 4">
+            <a:extLst>
+              <a:ext uri="{FF2B5EF4-FFF2-40B4-BE49-F238E27FC236}">
+                <a16:creationId xmlns:a16="http://schemas.microsoft.com/office/drawing/2014/main" id="{D25262B1-34D8-3B09-7DDE-AE957BA9B610}"/>
+              </a:ext>
+            </a:extLst>
+          </p:cNvPr>
+          <p:cNvSpPr txBox="1"/>
+          <p:nvPr/>
+        </p:nvSpPr>
+        <p:spPr>
+          <a:xfrm>
+            <a:off x="3679815" y="2178318"/>
+            <a:ext cx="3115840" cy="923330"/>
+          </a:xfrm>
+          <a:prstGeom prst="rect">
+            <a:avLst/>
+          </a:prstGeom>
+          <a:solidFill>
+            <a:srgbClr val="FFFC00">
+              <a:alpha val="74902"/>
+            </a:srgbClr>
+          </a:solidFill>
+        </p:spPr>
+        <p:txBody>
+          <a:bodyPr wrap="square" rtlCol="0">
+            <a:spAutoFit/>
+          </a:bodyPr>
+          <a:lstStyle/>
+          <a:p>
+            <a:pPr algn="ctr"/>
+            <a:r>
+              <a:rPr lang="en-US" dirty="0"/>
+              <a:t>This constructor takes </a:t>
+            </a:r>
+            <a:r>
+              <a:rPr lang="en-US" dirty="0" err="1">
+                <a:latin typeface="Consolas" panose="020B0609020204030204" pitchFamily="49" charset="0"/>
+                <a:cs typeface="Consolas" panose="020B0609020204030204" pitchFamily="49" charset="0"/>
+              </a:rPr>
+              <a:t>int</a:t>
+            </a:r>
+            <a:r>
+              <a:rPr lang="en-US" dirty="0" err="1"/>
+              <a:t>s</a:t>
+            </a:r>
+            <a:r>
+              <a:rPr lang="en-US" dirty="0"/>
+              <a:t> as inputs, which sometimes might be more convenient.</a:t>
+            </a:r>
+          </a:p>
+        </p:txBody>
+      </p:sp>
+      <p:sp>
+        <p:nvSpPr>
+          <p:cNvPr id="3" name="TextBox 2">
+            <a:extLst>
+              <a:ext uri="{FF2B5EF4-FFF2-40B4-BE49-F238E27FC236}">
+                <a16:creationId xmlns:a16="http://schemas.microsoft.com/office/drawing/2014/main" id="{A4AA71F3-5581-79BE-27DB-0EEF14FA3708}"/>
+              </a:ext>
+            </a:extLst>
+          </p:cNvPr>
+          <p:cNvSpPr txBox="1"/>
+          <p:nvPr/>
+        </p:nvSpPr>
+        <p:spPr>
+          <a:xfrm>
+            <a:off x="9089628" y="3867122"/>
+            <a:ext cx="2191049" cy="1200329"/>
+          </a:xfrm>
+          <a:prstGeom prst="rect">
+            <a:avLst/>
+          </a:prstGeom>
+          <a:solidFill>
+            <a:srgbClr val="92D050">
+              <a:alpha val="74902"/>
+            </a:srgbClr>
+          </a:solidFill>
+        </p:spPr>
+        <p:txBody>
+          <a:bodyPr wrap="square" rtlCol="0">
+            <a:spAutoFit/>
+          </a:bodyPr>
+          <a:lstStyle/>
+          <a:p>
+            <a:pPr algn="ctr"/>
+            <a:r>
+              <a:rPr lang="en-US" b="1" dirty="0"/>
+              <a:t>Question</a:t>
+            </a:r>
+            <a:br>
+              <a:rPr lang="en-US" dirty="0"/>
+            </a:br>
+            <a:r>
+              <a:rPr lang="en-US" dirty="0"/>
+              <a:t>Would it make sense to add a </a:t>
+            </a:r>
+            <a:r>
+              <a:rPr lang="en-US" b="1" dirty="0"/>
+              <a:t>copy constructor</a:t>
+            </a:r>
+            <a:r>
+              <a:rPr lang="en-US" dirty="0"/>
+              <a:t>?</a:t>
+            </a:r>
+          </a:p>
+        </p:txBody>
+      </p:sp>
+      <p:sp>
+        <p:nvSpPr>
+          <p:cNvPr id="7" name="TextBox 6">
+            <a:extLst>
+              <a:ext uri="{FF2B5EF4-FFF2-40B4-BE49-F238E27FC236}">
+                <a16:creationId xmlns:a16="http://schemas.microsoft.com/office/drawing/2014/main" id="{4AA1023D-462C-F8CB-AEB2-6E7EB427BAB0}"/>
+              </a:ext>
+            </a:extLst>
+          </p:cNvPr>
+          <p:cNvSpPr txBox="1"/>
+          <p:nvPr/>
+        </p:nvSpPr>
+        <p:spPr>
+          <a:xfrm>
+            <a:off x="4143942" y="4261192"/>
+            <a:ext cx="2191049" cy="1200329"/>
+          </a:xfrm>
+          <a:prstGeom prst="rect">
+            <a:avLst/>
+          </a:prstGeom>
+          <a:solidFill>
+            <a:srgbClr val="FFFC00">
+              <a:alpha val="74902"/>
+            </a:srgbClr>
+          </a:solidFill>
+        </p:spPr>
+        <p:txBody>
+          <a:bodyPr wrap="square" rtlCol="0">
+            <a:spAutoFit/>
+          </a:bodyPr>
+          <a:lstStyle/>
+          <a:p>
+            <a:pPr algn="ctr"/>
+            <a:r>
+              <a:rPr lang="en-US" dirty="0"/>
+              <a:t>No need to use </a:t>
+            </a:r>
+            <a:r>
+              <a:rPr lang="en-US" dirty="0">
+                <a:latin typeface="Consolas" panose="020B0609020204030204" pitchFamily="49" charset="0"/>
+                <a:cs typeface="Consolas" panose="020B0609020204030204" pitchFamily="49" charset="0"/>
+              </a:rPr>
+              <a:t>this-&gt;</a:t>
+            </a:r>
+            <a:r>
+              <a:rPr lang="en-US" dirty="0"/>
+              <a:t> here since no parameter name conflict.</a:t>
+            </a:r>
+          </a:p>
+        </p:txBody>
+      </p:sp>
+      <p:sp>
+        <p:nvSpPr>
+          <p:cNvPr id="8" name="TextBox 7">
+            <a:extLst>
+              <a:ext uri="{FF2B5EF4-FFF2-40B4-BE49-F238E27FC236}">
+                <a16:creationId xmlns:a16="http://schemas.microsoft.com/office/drawing/2014/main" id="{F2A710EB-A4A8-162A-4893-7E887665B150}"/>
+              </a:ext>
+            </a:extLst>
+          </p:cNvPr>
+          <p:cNvSpPr txBox="1"/>
+          <p:nvPr/>
+        </p:nvSpPr>
+        <p:spPr>
+          <a:xfrm>
+            <a:off x="7865533" y="391090"/>
+            <a:ext cx="3097323" cy="646331"/>
+          </a:xfrm>
+          <a:prstGeom prst="rect">
+            <a:avLst/>
+          </a:prstGeom>
+          <a:noFill/>
+          <a:ln>
+            <a:solidFill>
+              <a:schemeClr val="accent1"/>
+            </a:solidFill>
+          </a:ln>
+        </p:spPr>
+        <p:txBody>
+          <a:bodyPr wrap="none" rtlCol="0">
+            <a:spAutoFit/>
+          </a:bodyPr>
+          <a:lstStyle/>
+          <a:p>
+            <a:r>
+              <a:rPr lang="en-CA" dirty="0">
+                <a:latin typeface="Consolas" panose="020B0609020204030204" pitchFamily="49" charset="0"/>
+                <a:cs typeface="Consolas" panose="020B0609020204030204" pitchFamily="49" charset="0"/>
+              </a:rPr>
+              <a:t>Segment s{Point{1, 2}, </a:t>
+            </a:r>
+          </a:p>
+          <a:p>
+            <a:r>
+              <a:rPr lang="en-CA" dirty="0">
+                <a:latin typeface="Consolas" panose="020B0609020204030204" pitchFamily="49" charset="0"/>
+                <a:cs typeface="Consolas" panose="020B0609020204030204" pitchFamily="49" charset="0"/>
+              </a:rPr>
+              <a:t>          Point{3, 4}};</a:t>
+            </a:r>
+          </a:p>
+        </p:txBody>
+      </p:sp>
+      <p:sp>
+        <p:nvSpPr>
+          <p:cNvPr id="9" name="TextBox 8">
+            <a:extLst>
+              <a:ext uri="{FF2B5EF4-FFF2-40B4-BE49-F238E27FC236}">
+                <a16:creationId xmlns:a16="http://schemas.microsoft.com/office/drawing/2014/main" id="{5B2869AC-5DA9-A4EF-A185-CBF75B9644C2}"/>
+              </a:ext>
+            </a:extLst>
+          </p:cNvPr>
+          <p:cNvSpPr txBox="1"/>
+          <p:nvPr/>
+        </p:nvSpPr>
+        <p:spPr>
+          <a:xfrm>
+            <a:off x="7865533" y="1716653"/>
+            <a:ext cx="2464136" cy="923330"/>
+          </a:xfrm>
+          <a:prstGeom prst="rect">
+            <a:avLst/>
+          </a:prstGeom>
+          <a:noFill/>
+          <a:ln>
+            <a:solidFill>
+              <a:schemeClr val="accent1"/>
+            </a:solidFill>
+          </a:ln>
+        </p:spPr>
+        <p:txBody>
+          <a:bodyPr wrap="none" rtlCol="0">
+            <a:spAutoFit/>
+          </a:bodyPr>
+          <a:lstStyle/>
+          <a:p>
+            <a:r>
+              <a:rPr lang="en-CA" dirty="0">
+                <a:latin typeface="Consolas" panose="020B0609020204030204" pitchFamily="49" charset="0"/>
+                <a:cs typeface="Consolas" panose="020B0609020204030204" pitchFamily="49" charset="0"/>
+              </a:rPr>
+              <a:t>Point p1{1, 2};</a:t>
+            </a:r>
+          </a:p>
+          <a:p>
+            <a:r>
+              <a:rPr lang="en-CA" dirty="0">
+                <a:latin typeface="Consolas" panose="020B0609020204030204" pitchFamily="49" charset="0"/>
+                <a:cs typeface="Consolas" panose="020B0609020204030204" pitchFamily="49" charset="0"/>
+              </a:rPr>
+              <a:t>Point p2{3, 4};</a:t>
+            </a:r>
+          </a:p>
+          <a:p>
+            <a:r>
+              <a:rPr lang="en-CA" dirty="0">
+                <a:latin typeface="Consolas" panose="020B0609020204030204" pitchFamily="49" charset="0"/>
+                <a:cs typeface="Consolas" panose="020B0609020204030204" pitchFamily="49" charset="0"/>
+              </a:rPr>
+              <a:t>Segment s{p1, p2};</a:t>
+            </a:r>
+          </a:p>
+        </p:txBody>
+      </p:sp>
+      <p:sp>
+        <p:nvSpPr>
+          <p:cNvPr id="10" name="TextBox 9">
+            <a:extLst>
+              <a:ext uri="{FF2B5EF4-FFF2-40B4-BE49-F238E27FC236}">
+                <a16:creationId xmlns:a16="http://schemas.microsoft.com/office/drawing/2014/main" id="{16D8E201-E519-6DDF-21BB-7A9EDACD2B2E}"/>
+              </a:ext>
+            </a:extLst>
+          </p:cNvPr>
+          <p:cNvSpPr txBox="1"/>
+          <p:nvPr/>
+        </p:nvSpPr>
+        <p:spPr>
+          <a:xfrm>
+            <a:off x="4866092" y="400283"/>
+            <a:ext cx="2464136" cy="923330"/>
+          </a:xfrm>
+          <a:prstGeom prst="rect">
+            <a:avLst/>
+          </a:prstGeom>
+          <a:noFill/>
+          <a:ln>
+            <a:solidFill>
+              <a:schemeClr val="accent1"/>
+            </a:solidFill>
+          </a:ln>
+        </p:spPr>
+        <p:txBody>
+          <a:bodyPr wrap="none" rtlCol="0">
+            <a:spAutoFit/>
+          </a:bodyPr>
+          <a:lstStyle/>
+          <a:p>
+            <a:r>
+              <a:rPr lang="en-CA" dirty="0">
+                <a:latin typeface="Consolas" panose="020B0609020204030204" pitchFamily="49" charset="0"/>
+                <a:cs typeface="Consolas" panose="020B0609020204030204" pitchFamily="49" charset="0"/>
+              </a:rPr>
+              <a:t>Point p1{1, 2};</a:t>
+            </a:r>
+          </a:p>
+          <a:p>
+            <a:r>
+              <a:rPr lang="en-CA" dirty="0">
+                <a:latin typeface="Consolas" panose="020B0609020204030204" pitchFamily="49" charset="0"/>
+                <a:cs typeface="Consolas" panose="020B0609020204030204" pitchFamily="49" charset="0"/>
+              </a:rPr>
+              <a:t>Point p2{3, 4};</a:t>
+            </a:r>
+          </a:p>
+          <a:p>
+            <a:r>
+              <a:rPr lang="en-CA" dirty="0">
+                <a:latin typeface="Consolas" panose="020B0609020204030204" pitchFamily="49" charset="0"/>
+                <a:cs typeface="Consolas" panose="020B0609020204030204" pitchFamily="49" charset="0"/>
+              </a:rPr>
+              <a:t>Segment s{p1, p2};</a:t>
+            </a:r>
+          </a:p>
+        </p:txBody>
+      </p:sp>
+      <p:cxnSp>
+        <p:nvCxnSpPr>
+          <p:cNvPr id="12" name="Straight Arrow Connector 11">
+            <a:extLst>
+              <a:ext uri="{FF2B5EF4-FFF2-40B4-BE49-F238E27FC236}">
+                <a16:creationId xmlns:a16="http://schemas.microsoft.com/office/drawing/2014/main" id="{E0C57FB2-4345-C2D9-7339-3EBDEAE82B07}"/>
+              </a:ext>
+            </a:extLst>
+          </p:cNvPr>
+          <p:cNvCxnSpPr>
+            <a:cxnSpLocks/>
+          </p:cNvCxnSpPr>
+          <p:nvPr/>
+        </p:nvCxnSpPr>
+        <p:spPr>
+          <a:xfrm flipV="1">
+            <a:off x="7616923" y="2743200"/>
+            <a:ext cx="248610" cy="498764"/>
+          </a:xfrm>
+          <a:prstGeom prst="straightConnector1">
+            <a:avLst/>
+          </a:prstGeom>
+          <a:ln>
+            <a:tailEnd type="triangle"/>
+          </a:ln>
+        </p:spPr>
+        <p:style>
+          <a:lnRef idx="2">
+            <a:schemeClr val="accent1"/>
+          </a:lnRef>
+          <a:fillRef idx="0">
+            <a:schemeClr val="accent1"/>
+          </a:fillRef>
+          <a:effectRef idx="1">
+            <a:schemeClr val="accent1"/>
+          </a:effectRef>
+          <a:fontRef idx="minor">
+            <a:schemeClr val="tx1"/>
+          </a:fontRef>
+        </p:style>
+      </p:cxnSp>
+    </p:spTree>
+    <p:extLst>
+      <p:ext uri="{BB962C8B-B14F-4D97-AF65-F5344CB8AC3E}">
+        <p14:creationId xmlns:p14="http://schemas.microsoft.com/office/powerpoint/2010/main" val="519182463"/>
+      </p:ext>
+    </p:extLst>
+  </p:cSld>
+  <p:clrMapOvr>
+    <a:masterClrMapping/>
+  </p:clrMapOvr>
+</p:sld>
+</file>
+
+<file path=ppt/slides/slide28.xml><?xml version="1.0" encoding="utf-8"?>
+<p:sld xmlns:a="http://schemas.openxmlformats.org/drawingml/2006/main" xmlns:r="http://schemas.openxmlformats.org/officeDocument/2006/relationships" xmlns:p="http://schemas.openxmlformats.org/presentationml/2006/main">
+  <p:cSld>
+    <p:spTree>
+      <p:nvGrpSpPr>
+        <p:cNvPr id="1" name="">
+          <a:extLst>
+            <a:ext uri="{FF2B5EF4-FFF2-40B4-BE49-F238E27FC236}">
+              <a16:creationId xmlns:a16="http://schemas.microsoft.com/office/drawing/2014/main" id="{2883ED0F-B1AD-0D37-43EA-080B5BB74BC9}"/>
+            </a:ext>
+          </a:extLst>
+        </p:cNvPr>
+        <p:cNvGrpSpPr/>
+        <p:nvPr/>
+      </p:nvGrpSpPr>
+      <p:grpSpPr>
+        <a:xfrm>
+          <a:off x="0" y="0"/>
+          <a:ext cx="0" cy="0"/>
+          <a:chOff x="0" y="0"/>
+          <a:chExt cx="0" cy="0"/>
+        </a:xfrm>
+      </p:grpSpPr>
+      <p:sp>
+        <p:nvSpPr>
+          <p:cNvPr id="2" name="Title 1">
+            <a:extLst>
+              <a:ext uri="{FF2B5EF4-FFF2-40B4-BE49-F238E27FC236}">
+                <a16:creationId xmlns:a16="http://schemas.microsoft.com/office/drawing/2014/main" id="{31B74518-F6C1-96C4-93E7-6E2E9A3472AE}"/>
+              </a:ext>
+            </a:extLst>
+          </p:cNvPr>
+          <p:cNvSpPr>
+            <a:spLocks noGrp="1"/>
+          </p:cNvSpPr>
+          <p:nvPr>
+            <p:ph type="title"/>
+          </p:nvPr>
+        </p:nvSpPr>
+        <p:spPr>
+          <a:xfrm>
+            <a:off x="90055" y="10379"/>
+            <a:ext cx="4222173" cy="1325563"/>
+          </a:xfrm>
+        </p:spPr>
+        <p:txBody>
+          <a:bodyPr/>
+          <a:lstStyle/>
+          <a:p>
+            <a:r>
+              <a:rPr lang="en-US" dirty="0"/>
+              <a:t>Segment Objects</a:t>
+            </a:r>
+          </a:p>
+        </p:txBody>
+      </p:sp>
+      <p:sp>
+        <p:nvSpPr>
+          <p:cNvPr id="4" name="TextBox 3">
+            <a:extLst>
+              <a:ext uri="{FF2B5EF4-FFF2-40B4-BE49-F238E27FC236}">
+                <a16:creationId xmlns:a16="http://schemas.microsoft.com/office/drawing/2014/main" id="{5C43963E-1D48-4223-C19B-507D4FADB6C8}"/>
+              </a:ext>
+            </a:extLst>
+          </p:cNvPr>
+          <p:cNvSpPr txBox="1"/>
+          <p:nvPr/>
+        </p:nvSpPr>
+        <p:spPr>
+          <a:xfrm>
+            <a:off x="911323" y="1314420"/>
+            <a:ext cx="5123518" cy="5355312"/>
+          </a:xfrm>
+          <a:prstGeom prst="rect">
+            <a:avLst/>
+          </a:prstGeom>
+          <a:noFill/>
+        </p:spPr>
+        <p:txBody>
+          <a:bodyPr wrap="none" rtlCol="0">
+            <a:spAutoFit/>
+          </a:bodyPr>
+          <a:lstStyle/>
+          <a:p>
+            <a:r>
+              <a:rPr lang="en-CA" dirty="0">
+                <a:latin typeface="Consolas" panose="020B0609020204030204" pitchFamily="49" charset="0"/>
+                <a:cs typeface="Consolas" panose="020B0609020204030204" pitchFamily="49" charset="0"/>
+              </a:rPr>
+              <a:t>struct Segment</a:t>
+            </a:r>
+          </a:p>
+          <a:p>
+            <a:r>
+              <a:rPr lang="en-CA" dirty="0">
+                <a:latin typeface="Consolas" panose="020B0609020204030204" pitchFamily="49" charset="0"/>
+                <a:cs typeface="Consolas" panose="020B0609020204030204" pitchFamily="49" charset="0"/>
+              </a:rPr>
+              <a:t>{</a:t>
+            </a:r>
+          </a:p>
+          <a:p>
+            <a:r>
+              <a:rPr lang="en-CA" dirty="0">
+                <a:latin typeface="Consolas" panose="020B0609020204030204" pitchFamily="49" charset="0"/>
+                <a:cs typeface="Consolas" panose="020B0609020204030204" pitchFamily="49" charset="0"/>
+              </a:rPr>
+              <a:t>  private:</a:t>
+            </a:r>
+          </a:p>
+          <a:p>
+            <a:r>
+              <a:rPr lang="en-CA" dirty="0">
+                <a:latin typeface="Consolas" panose="020B0609020204030204" pitchFamily="49" charset="0"/>
+                <a:cs typeface="Consolas" panose="020B0609020204030204" pitchFamily="49" charset="0"/>
+              </a:rPr>
+              <a:t>    Point start;</a:t>
+            </a:r>
+          </a:p>
+          <a:p>
+            <a:r>
+              <a:rPr lang="en-CA" dirty="0">
+                <a:latin typeface="Consolas" panose="020B0609020204030204" pitchFamily="49" charset="0"/>
+                <a:cs typeface="Consolas" panose="020B0609020204030204" pitchFamily="49" charset="0"/>
+              </a:rPr>
+              <a:t>    Point end;</a:t>
+            </a:r>
+          </a:p>
+          <a:p>
+            <a:endParaRPr lang="en-CA" dirty="0">
+              <a:latin typeface="Consolas" panose="020B0609020204030204" pitchFamily="49" charset="0"/>
+              <a:cs typeface="Consolas" panose="020B0609020204030204" pitchFamily="49" charset="0"/>
+            </a:endParaRPr>
+          </a:p>
+          <a:p>
+            <a:r>
+              <a:rPr lang="en-CA" dirty="0">
+                <a:latin typeface="Consolas" panose="020B0609020204030204" pitchFamily="49" charset="0"/>
+                <a:cs typeface="Consolas" panose="020B0609020204030204" pitchFamily="49" charset="0"/>
+              </a:rPr>
+              <a:t>  public:</a:t>
+            </a:r>
+          </a:p>
+          <a:p>
+            <a:r>
+              <a:rPr lang="en-CA" dirty="0">
+                <a:latin typeface="Consolas" panose="020B0609020204030204" pitchFamily="49" charset="0"/>
+                <a:cs typeface="Consolas" panose="020B0609020204030204" pitchFamily="49" charset="0"/>
+              </a:rPr>
+              <a:t>    // ...</a:t>
+            </a:r>
+          </a:p>
+          <a:p>
+            <a:r>
+              <a:rPr lang="en-CA" dirty="0">
+                <a:latin typeface="Consolas" panose="020B0609020204030204" pitchFamily="49" charset="0"/>
+                <a:cs typeface="Consolas" panose="020B0609020204030204" pitchFamily="49" charset="0"/>
+              </a:rPr>
+              <a:t>    Segment(const Segment&amp; other) {</a:t>
+            </a:r>
+          </a:p>
+          <a:p>
+            <a:r>
+              <a:rPr lang="en-CA" dirty="0">
+                <a:latin typeface="Consolas" panose="020B0609020204030204" pitchFamily="49" charset="0"/>
+                <a:cs typeface="Consolas" panose="020B0609020204030204" pitchFamily="49" charset="0"/>
+              </a:rPr>
+              <a:t>      </a:t>
+            </a:r>
+            <a:r>
+              <a:rPr lang="en-CA" dirty="0" err="1">
+                <a:latin typeface="Consolas" panose="020B0609020204030204" pitchFamily="49" charset="0"/>
+                <a:cs typeface="Consolas" panose="020B0609020204030204" pitchFamily="49" charset="0"/>
+              </a:rPr>
+              <a:t>start.set_x</a:t>
+            </a:r>
+            <a:r>
+              <a:rPr lang="en-CA" dirty="0">
+                <a:latin typeface="Consolas" panose="020B0609020204030204" pitchFamily="49" charset="0"/>
+                <a:cs typeface="Consolas" panose="020B0609020204030204" pitchFamily="49" charset="0"/>
+              </a:rPr>
+              <a:t>(</a:t>
+            </a:r>
+            <a:r>
+              <a:rPr lang="en-CA" dirty="0" err="1">
+                <a:latin typeface="Consolas" panose="020B0609020204030204" pitchFamily="49" charset="0"/>
+                <a:cs typeface="Consolas" panose="020B0609020204030204" pitchFamily="49" charset="0"/>
+              </a:rPr>
+              <a:t>other.start.get_x</a:t>
+            </a:r>
+            <a:r>
+              <a:rPr lang="en-CA" dirty="0">
+                <a:latin typeface="Consolas" panose="020B0609020204030204" pitchFamily="49" charset="0"/>
+                <a:cs typeface="Consolas" panose="020B0609020204030204" pitchFamily="49" charset="0"/>
+              </a:rPr>
+              <a:t>());</a:t>
+            </a:r>
+          </a:p>
+          <a:p>
+            <a:r>
+              <a:rPr lang="en-CA" dirty="0">
+                <a:latin typeface="Consolas" panose="020B0609020204030204" pitchFamily="49" charset="0"/>
+                <a:cs typeface="Consolas" panose="020B0609020204030204" pitchFamily="49" charset="0"/>
+              </a:rPr>
+              <a:t>      </a:t>
+            </a:r>
+            <a:r>
+              <a:rPr lang="en-CA" dirty="0" err="1">
+                <a:latin typeface="Consolas" panose="020B0609020204030204" pitchFamily="49" charset="0"/>
+                <a:cs typeface="Consolas" panose="020B0609020204030204" pitchFamily="49" charset="0"/>
+              </a:rPr>
+              <a:t>start.set_y</a:t>
+            </a:r>
+            <a:r>
+              <a:rPr lang="en-CA" dirty="0">
+                <a:latin typeface="Consolas" panose="020B0609020204030204" pitchFamily="49" charset="0"/>
+                <a:cs typeface="Consolas" panose="020B0609020204030204" pitchFamily="49" charset="0"/>
+              </a:rPr>
+              <a:t>(</a:t>
+            </a:r>
+            <a:r>
+              <a:rPr lang="en-CA" dirty="0" err="1">
+                <a:latin typeface="Consolas" panose="020B0609020204030204" pitchFamily="49" charset="0"/>
+                <a:cs typeface="Consolas" panose="020B0609020204030204" pitchFamily="49" charset="0"/>
+              </a:rPr>
+              <a:t>other.start.get_y</a:t>
+            </a:r>
+            <a:r>
+              <a:rPr lang="en-CA" dirty="0">
+                <a:latin typeface="Consolas" panose="020B0609020204030204" pitchFamily="49" charset="0"/>
+                <a:cs typeface="Consolas" panose="020B0609020204030204" pitchFamily="49" charset="0"/>
+              </a:rPr>
+              <a:t>());</a:t>
+            </a:r>
+          </a:p>
+          <a:p>
+            <a:r>
+              <a:rPr lang="en-CA" dirty="0">
+                <a:latin typeface="Consolas" panose="020B0609020204030204" pitchFamily="49" charset="0"/>
+                <a:cs typeface="Consolas" panose="020B0609020204030204" pitchFamily="49" charset="0"/>
+              </a:rPr>
+              <a:t>      </a:t>
+            </a:r>
+            <a:r>
+              <a:rPr lang="en-CA" dirty="0" err="1">
+                <a:latin typeface="Consolas" panose="020B0609020204030204" pitchFamily="49" charset="0"/>
+                <a:cs typeface="Consolas" panose="020B0609020204030204" pitchFamily="49" charset="0"/>
+              </a:rPr>
+              <a:t>end.set_x</a:t>
+            </a:r>
+            <a:r>
+              <a:rPr lang="en-CA" dirty="0">
+                <a:latin typeface="Consolas" panose="020B0609020204030204" pitchFamily="49" charset="0"/>
+                <a:cs typeface="Consolas" panose="020B0609020204030204" pitchFamily="49" charset="0"/>
+              </a:rPr>
+              <a:t>(</a:t>
+            </a:r>
+            <a:r>
+              <a:rPr lang="en-CA" dirty="0" err="1">
+                <a:latin typeface="Consolas" panose="020B0609020204030204" pitchFamily="49" charset="0"/>
+                <a:cs typeface="Consolas" panose="020B0609020204030204" pitchFamily="49" charset="0"/>
+              </a:rPr>
+              <a:t>other.end.get_x</a:t>
+            </a:r>
+            <a:r>
+              <a:rPr lang="en-CA" dirty="0">
+                <a:latin typeface="Consolas" panose="020B0609020204030204" pitchFamily="49" charset="0"/>
+                <a:cs typeface="Consolas" panose="020B0609020204030204" pitchFamily="49" charset="0"/>
+              </a:rPr>
+              <a:t>());</a:t>
+            </a:r>
+          </a:p>
+          <a:p>
+            <a:r>
+              <a:rPr lang="en-CA" dirty="0">
+                <a:latin typeface="Consolas" panose="020B0609020204030204" pitchFamily="49" charset="0"/>
+                <a:cs typeface="Consolas" panose="020B0609020204030204" pitchFamily="49" charset="0"/>
+              </a:rPr>
+              <a:t>      </a:t>
+            </a:r>
+            <a:r>
+              <a:rPr lang="en-CA" dirty="0" err="1">
+                <a:latin typeface="Consolas" panose="020B0609020204030204" pitchFamily="49" charset="0"/>
+                <a:cs typeface="Consolas" panose="020B0609020204030204" pitchFamily="49" charset="0"/>
+              </a:rPr>
+              <a:t>end.set_y</a:t>
+            </a:r>
+            <a:r>
+              <a:rPr lang="en-CA" dirty="0">
+                <a:latin typeface="Consolas" panose="020B0609020204030204" pitchFamily="49" charset="0"/>
+                <a:cs typeface="Consolas" panose="020B0609020204030204" pitchFamily="49" charset="0"/>
+              </a:rPr>
+              <a:t>(</a:t>
+            </a:r>
+            <a:r>
+              <a:rPr lang="en-CA" dirty="0" err="1">
+                <a:latin typeface="Consolas" panose="020B0609020204030204" pitchFamily="49" charset="0"/>
+                <a:cs typeface="Consolas" panose="020B0609020204030204" pitchFamily="49" charset="0"/>
+              </a:rPr>
+              <a:t>other.end.get_y</a:t>
+            </a:r>
+            <a:r>
+              <a:rPr lang="en-CA" dirty="0">
+                <a:latin typeface="Consolas" panose="020B0609020204030204" pitchFamily="49" charset="0"/>
+                <a:cs typeface="Consolas" panose="020B0609020204030204" pitchFamily="49" charset="0"/>
+              </a:rPr>
+              <a:t>());</a:t>
+            </a:r>
+          </a:p>
+          <a:p>
+            <a:r>
+              <a:rPr lang="en-CA" dirty="0">
+                <a:latin typeface="Consolas" panose="020B0609020204030204" pitchFamily="49" charset="0"/>
+                <a:cs typeface="Consolas" panose="020B0609020204030204" pitchFamily="49" charset="0"/>
+              </a:rPr>
+              <a:t>    }</a:t>
+            </a:r>
+          </a:p>
+          <a:p>
+            <a:endParaRPr lang="en-CA" dirty="0">
+              <a:latin typeface="Consolas" panose="020B0609020204030204" pitchFamily="49" charset="0"/>
+              <a:cs typeface="Consolas" panose="020B0609020204030204" pitchFamily="49" charset="0"/>
+            </a:endParaRPr>
+          </a:p>
+          <a:p>
+            <a:r>
+              <a:rPr lang="en-CA" dirty="0">
+                <a:latin typeface="Consolas" panose="020B0609020204030204" pitchFamily="49" charset="0"/>
+                <a:cs typeface="Consolas" panose="020B0609020204030204" pitchFamily="49" charset="0"/>
+              </a:rPr>
+              <a:t>    // ...</a:t>
+            </a:r>
+          </a:p>
+          <a:p>
+            <a:r>
+              <a:rPr lang="en-CA" dirty="0">
+                <a:latin typeface="Consolas" panose="020B0609020204030204" pitchFamily="49" charset="0"/>
+                <a:cs typeface="Consolas" panose="020B0609020204030204" pitchFamily="49" charset="0"/>
+              </a:rPr>
+              <a:t>}; // struct Segment</a:t>
+            </a:r>
+          </a:p>
+          <a:p>
+            <a:br>
+              <a:rPr lang="en-CA" dirty="0">
+                <a:latin typeface="Consolas" panose="020B0609020204030204" pitchFamily="49" charset="0"/>
+                <a:cs typeface="Consolas" panose="020B0609020204030204" pitchFamily="49" charset="0"/>
+              </a:rPr>
+            </a:br>
+            <a:endParaRPr lang="en-CA" dirty="0">
+              <a:latin typeface="Consolas" panose="020B0609020204030204" pitchFamily="49" charset="0"/>
+              <a:cs typeface="Consolas" panose="020B0609020204030204" pitchFamily="49" charset="0"/>
+            </a:endParaRPr>
+          </a:p>
+        </p:txBody>
+      </p:sp>
+      <p:sp>
+        <p:nvSpPr>
+          <p:cNvPr id="5" name="TextBox 4">
+            <a:extLst>
+              <a:ext uri="{FF2B5EF4-FFF2-40B4-BE49-F238E27FC236}">
+                <a16:creationId xmlns:a16="http://schemas.microsoft.com/office/drawing/2014/main" id="{0CDE8031-B956-D248-72CC-5E6C69BF6192}"/>
+              </a:ext>
+            </a:extLst>
+          </p:cNvPr>
+          <p:cNvSpPr txBox="1"/>
+          <p:nvPr/>
+        </p:nvSpPr>
+        <p:spPr>
+          <a:xfrm>
+            <a:off x="2723851" y="3045504"/>
+            <a:ext cx="2191049" cy="369332"/>
+          </a:xfrm>
+          <a:prstGeom prst="rect">
+            <a:avLst/>
+          </a:prstGeom>
+          <a:solidFill>
+            <a:srgbClr val="FFFC00">
+              <a:alpha val="74902"/>
+            </a:srgbClr>
+          </a:solidFill>
+        </p:spPr>
+        <p:txBody>
+          <a:bodyPr wrap="square" rtlCol="0">
+            <a:spAutoFit/>
+          </a:bodyPr>
+          <a:lstStyle/>
+          <a:p>
+            <a:pPr algn="ctr"/>
+            <a:r>
+              <a:rPr lang="en-US" b="1" dirty="0"/>
+              <a:t>Copy constructor</a:t>
+            </a:r>
+          </a:p>
+        </p:txBody>
+      </p:sp>
+      <p:sp>
+        <p:nvSpPr>
+          <p:cNvPr id="7" name="TextBox 6">
+            <a:extLst>
+              <a:ext uri="{FF2B5EF4-FFF2-40B4-BE49-F238E27FC236}">
+                <a16:creationId xmlns:a16="http://schemas.microsoft.com/office/drawing/2014/main" id="{DB134A15-D74B-6ECC-0BE5-0C93B97F9ED2}"/>
+              </a:ext>
+            </a:extLst>
+          </p:cNvPr>
+          <p:cNvSpPr txBox="1"/>
+          <p:nvPr/>
+        </p:nvSpPr>
+        <p:spPr>
+          <a:xfrm>
+            <a:off x="6616592" y="3590165"/>
+            <a:ext cx="2329981" cy="1200329"/>
+          </a:xfrm>
+          <a:prstGeom prst="rect">
+            <a:avLst/>
+          </a:prstGeom>
+          <a:solidFill>
+            <a:srgbClr val="92D050">
+              <a:alpha val="74902"/>
+            </a:srgbClr>
+          </a:solidFill>
+        </p:spPr>
+        <p:txBody>
+          <a:bodyPr wrap="square" rtlCol="0">
+            <a:spAutoFit/>
+          </a:bodyPr>
+          <a:lstStyle/>
+          <a:p>
+            <a:pPr algn="ctr"/>
+            <a:r>
+              <a:rPr lang="en-US" b="1" dirty="0"/>
+              <a:t>Question</a:t>
+            </a:r>
+            <a:br>
+              <a:rPr lang="en-US" dirty="0"/>
+            </a:br>
+            <a:r>
+              <a:rPr lang="en-US" dirty="0"/>
+              <a:t>Would it make sense to add a custom </a:t>
+            </a:r>
+            <a:r>
+              <a:rPr lang="en-US" b="1" dirty="0"/>
+              <a:t>default constructor</a:t>
+            </a:r>
+            <a:r>
+              <a:rPr lang="en-US" dirty="0"/>
+              <a:t>?</a:t>
+            </a:r>
+          </a:p>
+        </p:txBody>
+      </p:sp>
+    </p:spTree>
+    <p:extLst>
+      <p:ext uri="{BB962C8B-B14F-4D97-AF65-F5344CB8AC3E}">
+        <p14:creationId xmlns:p14="http://schemas.microsoft.com/office/powerpoint/2010/main" val="1552982968"/>
+      </p:ext>
+    </p:extLst>
+  </p:cSld>
+  <p:clrMapOvr>
+    <a:masterClrMapping/>
+  </p:clrMapOvr>
+</p:sld>
+</file>
+
+<file path=ppt/slides/slide29.xml><?xml version="1.0" encoding="utf-8"?>
+<p:sld xmlns:a="http://schemas.openxmlformats.org/drawingml/2006/main" xmlns:r="http://schemas.openxmlformats.org/officeDocument/2006/relationships" xmlns:p="http://schemas.openxmlformats.org/presentationml/2006/main">
+  <p:cSld>
+    <p:spTree>
+      <p:nvGrpSpPr>
+        <p:cNvPr id="1" name="">
+          <a:extLst>
+            <a:ext uri="{FF2B5EF4-FFF2-40B4-BE49-F238E27FC236}">
+              <a16:creationId xmlns:a16="http://schemas.microsoft.com/office/drawing/2014/main" id="{97FE0C12-D844-3FD8-9828-9410367CC4CB}"/>
+            </a:ext>
+          </a:extLst>
+        </p:cNvPr>
+        <p:cNvGrpSpPr/>
+        <p:nvPr/>
+      </p:nvGrpSpPr>
+      <p:grpSpPr>
+        <a:xfrm>
+          <a:off x="0" y="0"/>
+          <a:ext cx="0" cy="0"/>
+          <a:chOff x="0" y="0"/>
+          <a:chExt cx="0" cy="0"/>
+        </a:xfrm>
+      </p:grpSpPr>
+      <p:sp>
+        <p:nvSpPr>
+          <p:cNvPr id="2" name="Title 1">
+            <a:extLst>
+              <a:ext uri="{FF2B5EF4-FFF2-40B4-BE49-F238E27FC236}">
+                <a16:creationId xmlns:a16="http://schemas.microsoft.com/office/drawing/2014/main" id="{496215B1-9869-37F0-E44E-87ED17BD9E8A}"/>
+              </a:ext>
+            </a:extLst>
+          </p:cNvPr>
+          <p:cNvSpPr>
+            <a:spLocks noGrp="1"/>
+          </p:cNvSpPr>
+          <p:nvPr>
+            <p:ph type="title"/>
+          </p:nvPr>
+        </p:nvSpPr>
+        <p:spPr>
+          <a:xfrm>
+            <a:off x="90055" y="10379"/>
+            <a:ext cx="4222173" cy="1325563"/>
+          </a:xfrm>
+        </p:spPr>
+        <p:txBody>
+          <a:bodyPr/>
+          <a:lstStyle/>
+          <a:p>
+            <a:r>
+              <a:rPr lang="en-US" dirty="0"/>
+              <a:t>Segment Objects</a:t>
+            </a:r>
+          </a:p>
+        </p:txBody>
+      </p:sp>
+      <p:sp>
+        <p:nvSpPr>
+          <p:cNvPr id="4" name="TextBox 3">
+            <a:extLst>
+              <a:ext uri="{FF2B5EF4-FFF2-40B4-BE49-F238E27FC236}">
+                <a16:creationId xmlns:a16="http://schemas.microsoft.com/office/drawing/2014/main" id="{E2742D83-5415-45E6-2091-90AEC3064238}"/>
+              </a:ext>
+            </a:extLst>
+          </p:cNvPr>
+          <p:cNvSpPr txBox="1"/>
+          <p:nvPr/>
+        </p:nvSpPr>
+        <p:spPr>
+          <a:xfrm>
+            <a:off x="911323" y="1314420"/>
+            <a:ext cx="5123518" cy="5355312"/>
+          </a:xfrm>
+          <a:prstGeom prst="rect">
+            <a:avLst/>
+          </a:prstGeom>
+          <a:noFill/>
+        </p:spPr>
+        <p:txBody>
+          <a:bodyPr wrap="none" rtlCol="0">
+            <a:spAutoFit/>
+          </a:bodyPr>
+          <a:lstStyle/>
+          <a:p>
+            <a:r>
+              <a:rPr lang="en-CA" dirty="0">
+                <a:latin typeface="Consolas" panose="020B0609020204030204" pitchFamily="49" charset="0"/>
+                <a:cs typeface="Consolas" panose="020B0609020204030204" pitchFamily="49" charset="0"/>
+              </a:rPr>
+              <a:t>struct Segment</a:t>
+            </a:r>
+          </a:p>
+          <a:p>
+            <a:r>
+              <a:rPr lang="en-CA" dirty="0">
+                <a:latin typeface="Consolas" panose="020B0609020204030204" pitchFamily="49" charset="0"/>
+                <a:cs typeface="Consolas" panose="020B0609020204030204" pitchFamily="49" charset="0"/>
+              </a:rPr>
+              <a:t>{</a:t>
+            </a:r>
+          </a:p>
+          <a:p>
+            <a:r>
+              <a:rPr lang="en-CA" dirty="0">
+                <a:latin typeface="Consolas" panose="020B0609020204030204" pitchFamily="49" charset="0"/>
+                <a:cs typeface="Consolas" panose="020B0609020204030204" pitchFamily="49" charset="0"/>
+              </a:rPr>
+              <a:t>  private:</a:t>
+            </a:r>
+          </a:p>
+          <a:p>
+            <a:r>
+              <a:rPr lang="en-CA" dirty="0">
+                <a:latin typeface="Consolas" panose="020B0609020204030204" pitchFamily="49" charset="0"/>
+                <a:cs typeface="Consolas" panose="020B0609020204030204" pitchFamily="49" charset="0"/>
+              </a:rPr>
+              <a:t>    Point start;</a:t>
+            </a:r>
+          </a:p>
+          <a:p>
+            <a:r>
+              <a:rPr lang="en-CA" dirty="0">
+                <a:latin typeface="Consolas" panose="020B0609020204030204" pitchFamily="49" charset="0"/>
+                <a:cs typeface="Consolas" panose="020B0609020204030204" pitchFamily="49" charset="0"/>
+              </a:rPr>
+              <a:t>    Point end;</a:t>
+            </a:r>
+          </a:p>
+          <a:p>
+            <a:endParaRPr lang="en-CA" dirty="0">
+              <a:latin typeface="Consolas" panose="020B0609020204030204" pitchFamily="49" charset="0"/>
+              <a:cs typeface="Consolas" panose="020B0609020204030204" pitchFamily="49" charset="0"/>
+            </a:endParaRPr>
+          </a:p>
+          <a:p>
+            <a:r>
+              <a:rPr lang="en-CA" dirty="0">
+                <a:latin typeface="Consolas" panose="020B0609020204030204" pitchFamily="49" charset="0"/>
+                <a:cs typeface="Consolas" panose="020B0609020204030204" pitchFamily="49" charset="0"/>
+              </a:rPr>
+              <a:t>  public:</a:t>
+            </a:r>
+          </a:p>
+          <a:p>
+            <a:r>
+              <a:rPr lang="en-CA" dirty="0">
+                <a:latin typeface="Consolas" panose="020B0609020204030204" pitchFamily="49" charset="0"/>
+                <a:cs typeface="Consolas" panose="020B0609020204030204" pitchFamily="49" charset="0"/>
+              </a:rPr>
+              <a:t>    // ...</a:t>
+            </a:r>
+          </a:p>
+          <a:p>
+            <a:r>
+              <a:rPr lang="en-CA" dirty="0">
+                <a:latin typeface="Consolas" panose="020B0609020204030204" pitchFamily="49" charset="0"/>
+                <a:cs typeface="Consolas" panose="020B0609020204030204" pitchFamily="49" charset="0"/>
+              </a:rPr>
+              <a:t>    Segment(const Segment&amp; other) {</a:t>
+            </a:r>
+          </a:p>
+          <a:p>
+            <a:r>
+              <a:rPr lang="en-CA" dirty="0">
+                <a:latin typeface="Consolas" panose="020B0609020204030204" pitchFamily="49" charset="0"/>
+                <a:cs typeface="Consolas" panose="020B0609020204030204" pitchFamily="49" charset="0"/>
+              </a:rPr>
+              <a:t>      </a:t>
+            </a:r>
+            <a:r>
+              <a:rPr lang="en-CA" dirty="0" err="1">
+                <a:latin typeface="Consolas" panose="020B0609020204030204" pitchFamily="49" charset="0"/>
+                <a:cs typeface="Consolas" panose="020B0609020204030204" pitchFamily="49" charset="0"/>
+              </a:rPr>
+              <a:t>start.set_x</a:t>
+            </a:r>
+            <a:r>
+              <a:rPr lang="en-CA" dirty="0">
+                <a:latin typeface="Consolas" panose="020B0609020204030204" pitchFamily="49" charset="0"/>
+                <a:cs typeface="Consolas" panose="020B0609020204030204" pitchFamily="49" charset="0"/>
+              </a:rPr>
+              <a:t>(</a:t>
+            </a:r>
+            <a:r>
+              <a:rPr lang="en-CA" dirty="0" err="1">
+                <a:latin typeface="Consolas" panose="020B0609020204030204" pitchFamily="49" charset="0"/>
+                <a:cs typeface="Consolas" panose="020B0609020204030204" pitchFamily="49" charset="0"/>
+              </a:rPr>
+              <a:t>other.start.get_x</a:t>
+            </a:r>
+            <a:r>
+              <a:rPr lang="en-CA" dirty="0">
+                <a:latin typeface="Consolas" panose="020B0609020204030204" pitchFamily="49" charset="0"/>
+                <a:cs typeface="Consolas" panose="020B0609020204030204" pitchFamily="49" charset="0"/>
+              </a:rPr>
+              <a:t>());</a:t>
+            </a:r>
+          </a:p>
+          <a:p>
+            <a:r>
+              <a:rPr lang="en-CA" dirty="0">
+                <a:latin typeface="Consolas" panose="020B0609020204030204" pitchFamily="49" charset="0"/>
+                <a:cs typeface="Consolas" panose="020B0609020204030204" pitchFamily="49" charset="0"/>
+              </a:rPr>
+              <a:t>      </a:t>
+            </a:r>
+            <a:r>
+              <a:rPr lang="en-CA" dirty="0" err="1">
+                <a:latin typeface="Consolas" panose="020B0609020204030204" pitchFamily="49" charset="0"/>
+                <a:cs typeface="Consolas" panose="020B0609020204030204" pitchFamily="49" charset="0"/>
+              </a:rPr>
+              <a:t>start.set_y</a:t>
+            </a:r>
+            <a:r>
+              <a:rPr lang="en-CA" dirty="0">
+                <a:latin typeface="Consolas" panose="020B0609020204030204" pitchFamily="49" charset="0"/>
+                <a:cs typeface="Consolas" panose="020B0609020204030204" pitchFamily="49" charset="0"/>
+              </a:rPr>
+              <a:t>(</a:t>
+            </a:r>
+            <a:r>
+              <a:rPr lang="en-CA" dirty="0" err="1">
+                <a:latin typeface="Consolas" panose="020B0609020204030204" pitchFamily="49" charset="0"/>
+                <a:cs typeface="Consolas" panose="020B0609020204030204" pitchFamily="49" charset="0"/>
+              </a:rPr>
+              <a:t>other.start.get_y</a:t>
+            </a:r>
+            <a:r>
+              <a:rPr lang="en-CA" dirty="0">
+                <a:latin typeface="Consolas" panose="020B0609020204030204" pitchFamily="49" charset="0"/>
+                <a:cs typeface="Consolas" panose="020B0609020204030204" pitchFamily="49" charset="0"/>
+              </a:rPr>
+              <a:t>());</a:t>
+            </a:r>
+          </a:p>
+          <a:p>
+            <a:r>
+              <a:rPr lang="en-CA" dirty="0">
+                <a:latin typeface="Consolas" panose="020B0609020204030204" pitchFamily="49" charset="0"/>
+                <a:cs typeface="Consolas" panose="020B0609020204030204" pitchFamily="49" charset="0"/>
+              </a:rPr>
+              <a:t>      </a:t>
+            </a:r>
+            <a:r>
+              <a:rPr lang="en-CA" dirty="0" err="1">
+                <a:latin typeface="Consolas" panose="020B0609020204030204" pitchFamily="49" charset="0"/>
+                <a:cs typeface="Consolas" panose="020B0609020204030204" pitchFamily="49" charset="0"/>
+              </a:rPr>
+              <a:t>end.set_x</a:t>
+            </a:r>
+            <a:r>
+              <a:rPr lang="en-CA" dirty="0">
+                <a:latin typeface="Consolas" panose="020B0609020204030204" pitchFamily="49" charset="0"/>
+                <a:cs typeface="Consolas" panose="020B0609020204030204" pitchFamily="49" charset="0"/>
+              </a:rPr>
+              <a:t>(</a:t>
+            </a:r>
+            <a:r>
+              <a:rPr lang="en-CA" dirty="0" err="1">
+                <a:latin typeface="Consolas" panose="020B0609020204030204" pitchFamily="49" charset="0"/>
+                <a:cs typeface="Consolas" panose="020B0609020204030204" pitchFamily="49" charset="0"/>
+              </a:rPr>
+              <a:t>other.end.get_x</a:t>
+            </a:r>
+            <a:r>
+              <a:rPr lang="en-CA" dirty="0">
+                <a:latin typeface="Consolas" panose="020B0609020204030204" pitchFamily="49" charset="0"/>
+                <a:cs typeface="Consolas" panose="020B0609020204030204" pitchFamily="49" charset="0"/>
+              </a:rPr>
+              <a:t>());</a:t>
+            </a:r>
+          </a:p>
+          <a:p>
+            <a:r>
+              <a:rPr lang="en-CA" dirty="0">
+                <a:latin typeface="Consolas" panose="020B0609020204030204" pitchFamily="49" charset="0"/>
+                <a:cs typeface="Consolas" panose="020B0609020204030204" pitchFamily="49" charset="0"/>
+              </a:rPr>
+              <a:t>      </a:t>
+            </a:r>
+            <a:r>
+              <a:rPr lang="en-CA" dirty="0" err="1">
+                <a:latin typeface="Consolas" panose="020B0609020204030204" pitchFamily="49" charset="0"/>
+                <a:cs typeface="Consolas" panose="020B0609020204030204" pitchFamily="49" charset="0"/>
+              </a:rPr>
+              <a:t>end.set_y</a:t>
+            </a:r>
+            <a:r>
+              <a:rPr lang="en-CA" dirty="0">
+                <a:latin typeface="Consolas" panose="020B0609020204030204" pitchFamily="49" charset="0"/>
+                <a:cs typeface="Consolas" panose="020B0609020204030204" pitchFamily="49" charset="0"/>
+              </a:rPr>
+              <a:t>(</a:t>
+            </a:r>
+            <a:r>
+              <a:rPr lang="en-CA" dirty="0" err="1">
+                <a:latin typeface="Consolas" panose="020B0609020204030204" pitchFamily="49" charset="0"/>
+                <a:cs typeface="Consolas" panose="020B0609020204030204" pitchFamily="49" charset="0"/>
+              </a:rPr>
+              <a:t>other.end.get_y</a:t>
+            </a:r>
+            <a:r>
+              <a:rPr lang="en-CA" dirty="0">
+                <a:latin typeface="Consolas" panose="020B0609020204030204" pitchFamily="49" charset="0"/>
+                <a:cs typeface="Consolas" panose="020B0609020204030204" pitchFamily="49" charset="0"/>
+              </a:rPr>
+              <a:t>());</a:t>
+            </a:r>
+          </a:p>
+          <a:p>
+            <a:r>
+              <a:rPr lang="en-CA" dirty="0">
+                <a:latin typeface="Consolas" panose="020B0609020204030204" pitchFamily="49" charset="0"/>
+                <a:cs typeface="Consolas" panose="020B0609020204030204" pitchFamily="49" charset="0"/>
+              </a:rPr>
+              <a:t>    }</a:t>
+            </a:r>
+          </a:p>
+          <a:p>
+            <a:endParaRPr lang="en-CA" dirty="0">
+              <a:latin typeface="Consolas" panose="020B0609020204030204" pitchFamily="49" charset="0"/>
+              <a:cs typeface="Consolas" panose="020B0609020204030204" pitchFamily="49" charset="0"/>
+            </a:endParaRPr>
+          </a:p>
+          <a:p>
+            <a:r>
+              <a:rPr lang="en-CA" dirty="0">
+                <a:latin typeface="Consolas" panose="020B0609020204030204" pitchFamily="49" charset="0"/>
+                <a:cs typeface="Consolas" panose="020B0609020204030204" pitchFamily="49" charset="0"/>
+              </a:rPr>
+              <a:t>    // ...</a:t>
+            </a:r>
+          </a:p>
+          <a:p>
+            <a:r>
+              <a:rPr lang="en-CA" dirty="0">
+                <a:latin typeface="Consolas" panose="020B0609020204030204" pitchFamily="49" charset="0"/>
+                <a:cs typeface="Consolas" panose="020B0609020204030204" pitchFamily="49" charset="0"/>
+              </a:rPr>
+              <a:t>}; // struct Segment</a:t>
+            </a:r>
+          </a:p>
+          <a:p>
+            <a:br>
+              <a:rPr lang="en-CA" dirty="0">
+                <a:latin typeface="Consolas" panose="020B0609020204030204" pitchFamily="49" charset="0"/>
+                <a:cs typeface="Consolas" panose="020B0609020204030204" pitchFamily="49" charset="0"/>
+              </a:rPr>
+            </a:br>
+            <a:endParaRPr lang="en-CA" dirty="0">
+              <a:latin typeface="Consolas" panose="020B0609020204030204" pitchFamily="49" charset="0"/>
+              <a:cs typeface="Consolas" panose="020B0609020204030204" pitchFamily="49" charset="0"/>
+            </a:endParaRPr>
+          </a:p>
+        </p:txBody>
+      </p:sp>
+      <p:sp>
+        <p:nvSpPr>
+          <p:cNvPr id="5" name="TextBox 4">
+            <a:extLst>
+              <a:ext uri="{FF2B5EF4-FFF2-40B4-BE49-F238E27FC236}">
+                <a16:creationId xmlns:a16="http://schemas.microsoft.com/office/drawing/2014/main" id="{7C3E8851-8F42-D07C-644B-5CAACD222468}"/>
+              </a:ext>
+            </a:extLst>
+          </p:cNvPr>
+          <p:cNvSpPr txBox="1"/>
+          <p:nvPr/>
+        </p:nvSpPr>
+        <p:spPr>
+          <a:xfrm>
+            <a:off x="2723851" y="3045504"/>
+            <a:ext cx="2191049" cy="369332"/>
+          </a:xfrm>
+          <a:prstGeom prst="rect">
+            <a:avLst/>
+          </a:prstGeom>
+          <a:solidFill>
+            <a:srgbClr val="FFFC00">
+              <a:alpha val="74902"/>
+            </a:srgbClr>
+          </a:solidFill>
+        </p:spPr>
+        <p:txBody>
+          <a:bodyPr wrap="square" rtlCol="0">
+            <a:spAutoFit/>
+          </a:bodyPr>
+          <a:lstStyle/>
+          <a:p>
+            <a:pPr algn="ctr"/>
+            <a:r>
+              <a:rPr lang="en-US" b="1" dirty="0"/>
+              <a:t>Copy constructor</a:t>
+            </a:r>
+          </a:p>
+        </p:txBody>
+      </p:sp>
+      <p:sp>
+        <p:nvSpPr>
+          <p:cNvPr id="3" name="TextBox 2">
+            <a:extLst>
+              <a:ext uri="{FF2B5EF4-FFF2-40B4-BE49-F238E27FC236}">
+                <a16:creationId xmlns:a16="http://schemas.microsoft.com/office/drawing/2014/main" id="{105288A8-78EB-C0E7-067B-2B2C31CF8E64}"/>
+              </a:ext>
+            </a:extLst>
+          </p:cNvPr>
+          <p:cNvSpPr txBox="1"/>
+          <p:nvPr/>
+        </p:nvSpPr>
+        <p:spPr>
+          <a:xfrm>
+            <a:off x="6616592" y="5020647"/>
+            <a:ext cx="2329981" cy="1477328"/>
+          </a:xfrm>
+          <a:prstGeom prst="rect">
+            <a:avLst/>
+          </a:prstGeom>
+          <a:solidFill>
+            <a:srgbClr val="92D050">
+              <a:alpha val="74902"/>
+            </a:srgbClr>
+          </a:solidFill>
+        </p:spPr>
+        <p:txBody>
+          <a:bodyPr wrap="square" rtlCol="0">
+            <a:spAutoFit/>
+          </a:bodyPr>
+          <a:lstStyle/>
+          <a:p>
+            <a:pPr algn="ctr"/>
+            <a:r>
+              <a:rPr lang="en-US" b="1" dirty="0"/>
+              <a:t>Maybe not</a:t>
+            </a:r>
+            <a:r>
+              <a:rPr lang="en-US" dirty="0"/>
+              <a:t>: there doesn’t seem to be a good default line segment. Maybe both ends are (0, 0)?</a:t>
+            </a:r>
+            <a:r>
+              <a:rPr lang="en-US" b="1" dirty="0"/>
+              <a:t> </a:t>
+            </a:r>
+            <a:endParaRPr lang="en-US" dirty="0"/>
+          </a:p>
+        </p:txBody>
+      </p:sp>
+      <p:sp>
+        <p:nvSpPr>
+          <p:cNvPr id="9" name="TextBox 8">
+            <a:extLst>
+              <a:ext uri="{FF2B5EF4-FFF2-40B4-BE49-F238E27FC236}">
+                <a16:creationId xmlns:a16="http://schemas.microsoft.com/office/drawing/2014/main" id="{BECE3138-2686-B58E-B90D-722DDAC9AE75}"/>
+              </a:ext>
+            </a:extLst>
+          </p:cNvPr>
+          <p:cNvSpPr txBox="1"/>
+          <p:nvPr/>
+        </p:nvSpPr>
+        <p:spPr>
+          <a:xfrm>
+            <a:off x="6616592" y="3590165"/>
+            <a:ext cx="2329981" cy="1200329"/>
+          </a:xfrm>
+          <a:prstGeom prst="rect">
+            <a:avLst/>
+          </a:prstGeom>
+          <a:solidFill>
+            <a:srgbClr val="92D050">
+              <a:alpha val="74902"/>
+            </a:srgbClr>
+          </a:solidFill>
+        </p:spPr>
+        <p:txBody>
+          <a:bodyPr wrap="square" rtlCol="0">
+            <a:spAutoFit/>
+          </a:bodyPr>
+          <a:lstStyle/>
+          <a:p>
+            <a:pPr algn="ctr"/>
+            <a:r>
+              <a:rPr lang="en-US" b="1" dirty="0"/>
+              <a:t>Question</a:t>
+            </a:r>
+            <a:br>
+              <a:rPr lang="en-US" dirty="0"/>
+            </a:br>
+            <a:r>
+              <a:rPr lang="en-US" dirty="0"/>
+              <a:t>Would it make sense to add a custom </a:t>
+            </a:r>
+            <a:r>
+              <a:rPr lang="en-US" b="1" dirty="0"/>
+              <a:t>default constructor</a:t>
+            </a:r>
+            <a:r>
+              <a:rPr lang="en-US" dirty="0"/>
+              <a:t>?</a:t>
+            </a:r>
+          </a:p>
+        </p:txBody>
+      </p:sp>
+    </p:spTree>
+    <p:extLst>
+      <p:ext uri="{BB962C8B-B14F-4D97-AF65-F5344CB8AC3E}">
+        <p14:creationId xmlns:p14="http://schemas.microsoft.com/office/powerpoint/2010/main" val="1692707590"/>
+      </p:ext>
+    </p:extLst>
+  </p:cSld>
+  <p:clrMapOvr>
+    <a:masterClrMapping/>
+  </p:clrMapOvr>
+</p:sld>
+</file>
+
 <file path=ppt/slides/slide3.xml><?xml version="1.0" encoding="utf-8"?>
 <p:sld xmlns:a="http://schemas.openxmlformats.org/drawingml/2006/main" xmlns:r="http://schemas.openxmlformats.org/officeDocument/2006/relationships" xmlns:p="http://schemas.openxmlformats.org/presentationml/2006/main">
   <p:cSld>
@@ -11688,6 +15544,2771 @@
     <p:extLst>
       <p:ext uri="{BB962C8B-B14F-4D97-AF65-F5344CB8AC3E}">
         <p14:creationId xmlns:p14="http://schemas.microsoft.com/office/powerpoint/2010/main" val="4107939920"/>
+      </p:ext>
+    </p:extLst>
+  </p:cSld>
+  <p:clrMapOvr>
+    <a:masterClrMapping/>
+  </p:clrMapOvr>
+</p:sld>
+</file>
+
+<file path=ppt/slides/slide30.xml><?xml version="1.0" encoding="utf-8"?>
+<p:sld xmlns:a="http://schemas.openxmlformats.org/drawingml/2006/main" xmlns:r="http://schemas.openxmlformats.org/officeDocument/2006/relationships" xmlns:p="http://schemas.openxmlformats.org/presentationml/2006/main">
+  <p:cSld>
+    <p:spTree>
+      <p:nvGrpSpPr>
+        <p:cNvPr id="1" name="">
+          <a:extLst>
+            <a:ext uri="{FF2B5EF4-FFF2-40B4-BE49-F238E27FC236}">
+              <a16:creationId xmlns:a16="http://schemas.microsoft.com/office/drawing/2014/main" id="{EC908FFF-59A0-06B2-4385-03302716056F}"/>
+            </a:ext>
+          </a:extLst>
+        </p:cNvPr>
+        <p:cNvGrpSpPr/>
+        <p:nvPr/>
+      </p:nvGrpSpPr>
+      <p:grpSpPr>
+        <a:xfrm>
+          <a:off x="0" y="0"/>
+          <a:ext cx="0" cy="0"/>
+          <a:chOff x="0" y="0"/>
+          <a:chExt cx="0" cy="0"/>
+        </a:xfrm>
+      </p:grpSpPr>
+      <p:sp>
+        <p:nvSpPr>
+          <p:cNvPr id="2" name="Title 1">
+            <a:extLst>
+              <a:ext uri="{FF2B5EF4-FFF2-40B4-BE49-F238E27FC236}">
+                <a16:creationId xmlns:a16="http://schemas.microsoft.com/office/drawing/2014/main" id="{CD88F592-3302-7D5A-EB3E-5540DBAF0FF8}"/>
+              </a:ext>
+            </a:extLst>
+          </p:cNvPr>
+          <p:cNvSpPr>
+            <a:spLocks noGrp="1"/>
+          </p:cNvSpPr>
+          <p:nvPr>
+            <p:ph type="title"/>
+          </p:nvPr>
+        </p:nvSpPr>
+        <p:spPr>
+          <a:xfrm>
+            <a:off x="90055" y="10379"/>
+            <a:ext cx="4222173" cy="1325563"/>
+          </a:xfrm>
+        </p:spPr>
+        <p:txBody>
+          <a:bodyPr/>
+          <a:lstStyle/>
+          <a:p>
+            <a:r>
+              <a:rPr lang="en-US" dirty="0"/>
+              <a:t>Segment Objects</a:t>
+            </a:r>
+          </a:p>
+        </p:txBody>
+      </p:sp>
+      <p:sp>
+        <p:nvSpPr>
+          <p:cNvPr id="4" name="TextBox 3">
+            <a:extLst>
+              <a:ext uri="{FF2B5EF4-FFF2-40B4-BE49-F238E27FC236}">
+                <a16:creationId xmlns:a16="http://schemas.microsoft.com/office/drawing/2014/main" id="{5F1AB250-6360-2D36-00E7-26659F42E105}"/>
+              </a:ext>
+            </a:extLst>
+          </p:cNvPr>
+          <p:cNvSpPr txBox="1"/>
+          <p:nvPr/>
+        </p:nvSpPr>
+        <p:spPr>
+          <a:xfrm>
+            <a:off x="911323" y="1314420"/>
+            <a:ext cx="6643165" cy="5355312"/>
+          </a:xfrm>
+          <a:prstGeom prst="rect">
+            <a:avLst/>
+          </a:prstGeom>
+          <a:noFill/>
+        </p:spPr>
+        <p:txBody>
+          <a:bodyPr wrap="none" rtlCol="0">
+            <a:spAutoFit/>
+          </a:bodyPr>
+          <a:lstStyle/>
+          <a:p>
+            <a:r>
+              <a:rPr lang="en-CA" dirty="0">
+                <a:latin typeface="Consolas" panose="020B0609020204030204" pitchFamily="49" charset="0"/>
+                <a:cs typeface="Consolas" panose="020B0609020204030204" pitchFamily="49" charset="0"/>
+              </a:rPr>
+              <a:t>struct Segment</a:t>
+            </a:r>
+          </a:p>
+          <a:p>
+            <a:r>
+              <a:rPr lang="en-CA" dirty="0">
+                <a:latin typeface="Consolas" panose="020B0609020204030204" pitchFamily="49" charset="0"/>
+                <a:cs typeface="Consolas" panose="020B0609020204030204" pitchFamily="49" charset="0"/>
+              </a:rPr>
+              <a:t>{</a:t>
+            </a:r>
+          </a:p>
+          <a:p>
+            <a:r>
+              <a:rPr lang="en-CA" dirty="0">
+                <a:latin typeface="Consolas" panose="020B0609020204030204" pitchFamily="49" charset="0"/>
+                <a:cs typeface="Consolas" panose="020B0609020204030204" pitchFamily="49" charset="0"/>
+              </a:rPr>
+              <a:t>  // ...</a:t>
+            </a:r>
+          </a:p>
+          <a:p>
+            <a:endParaRPr lang="en-CA" dirty="0">
+              <a:latin typeface="Consolas" panose="020B0609020204030204" pitchFamily="49" charset="0"/>
+              <a:cs typeface="Consolas" panose="020B0609020204030204" pitchFamily="49" charset="0"/>
+            </a:endParaRPr>
+          </a:p>
+          <a:p>
+            <a:r>
+              <a:rPr lang="en-CA" dirty="0">
+                <a:latin typeface="Consolas" panose="020B0609020204030204" pitchFamily="49" charset="0"/>
+                <a:cs typeface="Consolas" panose="020B0609020204030204" pitchFamily="49" charset="0"/>
+              </a:rPr>
+              <a:t>  public:</a:t>
+            </a:r>
+          </a:p>
+          <a:p>
+            <a:r>
+              <a:rPr lang="en-CA" dirty="0">
+                <a:latin typeface="Consolas" panose="020B0609020204030204" pitchFamily="49" charset="0"/>
+                <a:cs typeface="Consolas" panose="020B0609020204030204" pitchFamily="49" charset="0"/>
+              </a:rPr>
+              <a:t>    // ...</a:t>
+            </a:r>
+          </a:p>
+          <a:p>
+            <a:r>
+              <a:rPr lang="en-CA" dirty="0">
+                <a:latin typeface="Consolas" panose="020B0609020204030204" pitchFamily="49" charset="0"/>
+                <a:cs typeface="Consolas" panose="020B0609020204030204" pitchFamily="49" charset="0"/>
+              </a:rPr>
+              <a:t>    void </a:t>
+            </a:r>
+            <a:r>
+              <a:rPr lang="en-CA" dirty="0" err="1">
+                <a:latin typeface="Consolas" panose="020B0609020204030204" pitchFamily="49" charset="0"/>
+                <a:cs typeface="Consolas" panose="020B0609020204030204" pitchFamily="49" charset="0"/>
+              </a:rPr>
+              <a:t>set_start</a:t>
+            </a:r>
+            <a:r>
+              <a:rPr lang="en-CA" dirty="0">
+                <a:latin typeface="Consolas" panose="020B0609020204030204" pitchFamily="49" charset="0"/>
+                <a:cs typeface="Consolas" panose="020B0609020204030204" pitchFamily="49" charset="0"/>
+              </a:rPr>
+              <a:t>(const Point&amp; start) {</a:t>
+            </a:r>
+          </a:p>
+          <a:p>
+            <a:r>
+              <a:rPr lang="en-CA" dirty="0">
+                <a:latin typeface="Consolas" panose="020B0609020204030204" pitchFamily="49" charset="0"/>
+                <a:cs typeface="Consolas" panose="020B0609020204030204" pitchFamily="49" charset="0"/>
+              </a:rPr>
+              <a:t>      this-&gt;</a:t>
+            </a:r>
+            <a:r>
+              <a:rPr lang="en-CA" dirty="0" err="1">
+                <a:latin typeface="Consolas" panose="020B0609020204030204" pitchFamily="49" charset="0"/>
+                <a:cs typeface="Consolas" panose="020B0609020204030204" pitchFamily="49" charset="0"/>
+              </a:rPr>
+              <a:t>start.set_x</a:t>
+            </a:r>
+            <a:r>
+              <a:rPr lang="en-CA" dirty="0">
+                <a:latin typeface="Consolas" panose="020B0609020204030204" pitchFamily="49" charset="0"/>
+                <a:cs typeface="Consolas" panose="020B0609020204030204" pitchFamily="49" charset="0"/>
+              </a:rPr>
+              <a:t>(</a:t>
+            </a:r>
+            <a:r>
+              <a:rPr lang="en-CA" dirty="0" err="1">
+                <a:latin typeface="Consolas" panose="020B0609020204030204" pitchFamily="49" charset="0"/>
+                <a:cs typeface="Consolas" panose="020B0609020204030204" pitchFamily="49" charset="0"/>
+              </a:rPr>
+              <a:t>start.get_x</a:t>
+            </a:r>
+            <a:r>
+              <a:rPr lang="en-CA" dirty="0">
+                <a:latin typeface="Consolas" panose="020B0609020204030204" pitchFamily="49" charset="0"/>
+                <a:cs typeface="Consolas" panose="020B0609020204030204" pitchFamily="49" charset="0"/>
+              </a:rPr>
+              <a:t>());</a:t>
+            </a:r>
+          </a:p>
+          <a:p>
+            <a:r>
+              <a:rPr lang="en-CA" dirty="0">
+                <a:latin typeface="Consolas" panose="020B0609020204030204" pitchFamily="49" charset="0"/>
+                <a:cs typeface="Consolas" panose="020B0609020204030204" pitchFamily="49" charset="0"/>
+              </a:rPr>
+              <a:t>      this-&gt;</a:t>
+            </a:r>
+            <a:r>
+              <a:rPr lang="en-CA" dirty="0" err="1">
+                <a:latin typeface="Consolas" panose="020B0609020204030204" pitchFamily="49" charset="0"/>
+                <a:cs typeface="Consolas" panose="020B0609020204030204" pitchFamily="49" charset="0"/>
+              </a:rPr>
+              <a:t>start.set_y</a:t>
+            </a:r>
+            <a:r>
+              <a:rPr lang="en-CA" dirty="0">
+                <a:latin typeface="Consolas" panose="020B0609020204030204" pitchFamily="49" charset="0"/>
+                <a:cs typeface="Consolas" panose="020B0609020204030204" pitchFamily="49" charset="0"/>
+              </a:rPr>
+              <a:t>(</a:t>
+            </a:r>
+            <a:r>
+              <a:rPr lang="en-CA" dirty="0" err="1">
+                <a:latin typeface="Consolas" panose="020B0609020204030204" pitchFamily="49" charset="0"/>
+                <a:cs typeface="Consolas" panose="020B0609020204030204" pitchFamily="49" charset="0"/>
+              </a:rPr>
+              <a:t>start.get_y</a:t>
+            </a:r>
+            <a:r>
+              <a:rPr lang="en-CA" dirty="0">
+                <a:latin typeface="Consolas" panose="020B0609020204030204" pitchFamily="49" charset="0"/>
+                <a:cs typeface="Consolas" panose="020B0609020204030204" pitchFamily="49" charset="0"/>
+              </a:rPr>
+              <a:t>());</a:t>
+            </a:r>
+          </a:p>
+          <a:p>
+            <a:r>
+              <a:rPr lang="en-CA" dirty="0">
+                <a:latin typeface="Consolas" panose="020B0609020204030204" pitchFamily="49" charset="0"/>
+                <a:cs typeface="Consolas" panose="020B0609020204030204" pitchFamily="49" charset="0"/>
+              </a:rPr>
+              <a:t>    }</a:t>
+            </a:r>
+          </a:p>
+          <a:p>
+            <a:r>
+              <a:rPr lang="en-CA" dirty="0">
+                <a:latin typeface="Consolas" panose="020B0609020204030204" pitchFamily="49" charset="0"/>
+                <a:cs typeface="Consolas" panose="020B0609020204030204" pitchFamily="49" charset="0"/>
+              </a:rPr>
+              <a:t>    void </a:t>
+            </a:r>
+            <a:r>
+              <a:rPr lang="en-CA" dirty="0" err="1">
+                <a:latin typeface="Consolas" panose="020B0609020204030204" pitchFamily="49" charset="0"/>
+                <a:cs typeface="Consolas" panose="020B0609020204030204" pitchFamily="49" charset="0"/>
+              </a:rPr>
+              <a:t>set_end</a:t>
+            </a:r>
+            <a:r>
+              <a:rPr lang="en-CA" dirty="0">
+                <a:latin typeface="Consolas" panose="020B0609020204030204" pitchFamily="49" charset="0"/>
+                <a:cs typeface="Consolas" panose="020B0609020204030204" pitchFamily="49" charset="0"/>
+              </a:rPr>
+              <a:t>(const Point&amp; end) {</a:t>
+            </a:r>
+          </a:p>
+          <a:p>
+            <a:r>
+              <a:rPr lang="en-CA" dirty="0">
+                <a:latin typeface="Consolas" panose="020B0609020204030204" pitchFamily="49" charset="0"/>
+                <a:cs typeface="Consolas" panose="020B0609020204030204" pitchFamily="49" charset="0"/>
+              </a:rPr>
+              <a:t>      this-&gt;</a:t>
+            </a:r>
+            <a:r>
+              <a:rPr lang="en-CA" dirty="0" err="1">
+                <a:latin typeface="Consolas" panose="020B0609020204030204" pitchFamily="49" charset="0"/>
+                <a:cs typeface="Consolas" panose="020B0609020204030204" pitchFamily="49" charset="0"/>
+              </a:rPr>
+              <a:t>end.set_x</a:t>
+            </a:r>
+            <a:r>
+              <a:rPr lang="en-CA" dirty="0">
+                <a:latin typeface="Consolas" panose="020B0609020204030204" pitchFamily="49" charset="0"/>
+                <a:cs typeface="Consolas" panose="020B0609020204030204" pitchFamily="49" charset="0"/>
+              </a:rPr>
+              <a:t>(</a:t>
+            </a:r>
+            <a:r>
+              <a:rPr lang="en-CA" dirty="0" err="1">
+                <a:latin typeface="Consolas" panose="020B0609020204030204" pitchFamily="49" charset="0"/>
+                <a:cs typeface="Consolas" panose="020B0609020204030204" pitchFamily="49" charset="0"/>
+              </a:rPr>
+              <a:t>end.get_x</a:t>
+            </a:r>
+            <a:r>
+              <a:rPr lang="en-CA" dirty="0">
+                <a:latin typeface="Consolas" panose="020B0609020204030204" pitchFamily="49" charset="0"/>
+                <a:cs typeface="Consolas" panose="020B0609020204030204" pitchFamily="49" charset="0"/>
+              </a:rPr>
+              <a:t>());</a:t>
+            </a:r>
+          </a:p>
+          <a:p>
+            <a:r>
+              <a:rPr lang="en-CA" dirty="0">
+                <a:latin typeface="Consolas" panose="020B0609020204030204" pitchFamily="49" charset="0"/>
+                <a:cs typeface="Consolas" panose="020B0609020204030204" pitchFamily="49" charset="0"/>
+              </a:rPr>
+              <a:t>      this-&gt;</a:t>
+            </a:r>
+            <a:r>
+              <a:rPr lang="en-CA" dirty="0" err="1">
+                <a:latin typeface="Consolas" panose="020B0609020204030204" pitchFamily="49" charset="0"/>
+                <a:cs typeface="Consolas" panose="020B0609020204030204" pitchFamily="49" charset="0"/>
+              </a:rPr>
+              <a:t>end.set_y</a:t>
+            </a:r>
+            <a:r>
+              <a:rPr lang="en-CA" dirty="0">
+                <a:latin typeface="Consolas" panose="020B0609020204030204" pitchFamily="49" charset="0"/>
+                <a:cs typeface="Consolas" panose="020B0609020204030204" pitchFamily="49" charset="0"/>
+              </a:rPr>
+              <a:t>(</a:t>
+            </a:r>
+            <a:r>
+              <a:rPr lang="en-CA" dirty="0" err="1">
+                <a:latin typeface="Consolas" panose="020B0609020204030204" pitchFamily="49" charset="0"/>
+                <a:cs typeface="Consolas" panose="020B0609020204030204" pitchFamily="49" charset="0"/>
+              </a:rPr>
+              <a:t>end.get_y</a:t>
+            </a:r>
+            <a:r>
+              <a:rPr lang="en-CA" dirty="0">
+                <a:latin typeface="Consolas" panose="020B0609020204030204" pitchFamily="49" charset="0"/>
+                <a:cs typeface="Consolas" panose="020B0609020204030204" pitchFamily="49" charset="0"/>
+              </a:rPr>
+              <a:t>());</a:t>
+            </a:r>
+          </a:p>
+          <a:p>
+            <a:r>
+              <a:rPr lang="en-CA" dirty="0">
+                <a:latin typeface="Consolas" panose="020B0609020204030204" pitchFamily="49" charset="0"/>
+                <a:cs typeface="Consolas" panose="020B0609020204030204" pitchFamily="49" charset="0"/>
+              </a:rPr>
+              <a:t>    }</a:t>
+            </a:r>
+          </a:p>
+          <a:p>
+            <a:r>
+              <a:rPr lang="en-CA" dirty="0">
+                <a:latin typeface="Consolas" panose="020B0609020204030204" pitchFamily="49" charset="0"/>
+                <a:cs typeface="Consolas" panose="020B0609020204030204" pitchFamily="49" charset="0"/>
+              </a:rPr>
+              <a:t>    Point </a:t>
+            </a:r>
+            <a:r>
+              <a:rPr lang="en-CA" dirty="0" err="1">
+                <a:latin typeface="Consolas" panose="020B0609020204030204" pitchFamily="49" charset="0"/>
+                <a:cs typeface="Consolas" panose="020B0609020204030204" pitchFamily="49" charset="0"/>
+              </a:rPr>
+              <a:t>get_start</a:t>
+            </a:r>
+            <a:r>
+              <a:rPr lang="en-CA" dirty="0">
+                <a:latin typeface="Consolas" panose="020B0609020204030204" pitchFamily="49" charset="0"/>
+                <a:cs typeface="Consolas" panose="020B0609020204030204" pitchFamily="49" charset="0"/>
+              </a:rPr>
+              <a:t>() const { return this-&gt;start; }</a:t>
+            </a:r>
+          </a:p>
+          <a:p>
+            <a:r>
+              <a:rPr lang="en-CA" dirty="0">
+                <a:latin typeface="Consolas" panose="020B0609020204030204" pitchFamily="49" charset="0"/>
+                <a:cs typeface="Consolas" panose="020B0609020204030204" pitchFamily="49" charset="0"/>
+              </a:rPr>
+              <a:t>    Point </a:t>
+            </a:r>
+            <a:r>
+              <a:rPr lang="en-CA" dirty="0" err="1">
+                <a:latin typeface="Consolas" panose="020B0609020204030204" pitchFamily="49" charset="0"/>
+                <a:cs typeface="Consolas" panose="020B0609020204030204" pitchFamily="49" charset="0"/>
+              </a:rPr>
+              <a:t>get_end</a:t>
+            </a:r>
+            <a:r>
+              <a:rPr lang="en-CA" dirty="0">
+                <a:latin typeface="Consolas" panose="020B0609020204030204" pitchFamily="49" charset="0"/>
+                <a:cs typeface="Consolas" panose="020B0609020204030204" pitchFamily="49" charset="0"/>
+              </a:rPr>
+              <a:t>() const { return this-&gt;end; }</a:t>
+            </a:r>
+          </a:p>
+          <a:p>
+            <a:endParaRPr lang="en-CA" dirty="0">
+              <a:latin typeface="Consolas" panose="020B0609020204030204" pitchFamily="49" charset="0"/>
+              <a:cs typeface="Consolas" panose="020B0609020204030204" pitchFamily="49" charset="0"/>
+            </a:endParaRPr>
+          </a:p>
+          <a:p>
+            <a:r>
+              <a:rPr lang="en-CA" dirty="0">
+                <a:latin typeface="Consolas" panose="020B0609020204030204" pitchFamily="49" charset="0"/>
+                <a:cs typeface="Consolas" panose="020B0609020204030204" pitchFamily="49" charset="0"/>
+              </a:rPr>
+              <a:t>    // ...</a:t>
+            </a:r>
+          </a:p>
+          <a:p>
+            <a:r>
+              <a:rPr lang="en-CA" dirty="0">
+                <a:latin typeface="Consolas" panose="020B0609020204030204" pitchFamily="49" charset="0"/>
+                <a:cs typeface="Consolas" panose="020B0609020204030204" pitchFamily="49" charset="0"/>
+              </a:rPr>
+              <a:t>}; // struct Segment</a:t>
+            </a:r>
+          </a:p>
+        </p:txBody>
+      </p:sp>
+      <p:sp>
+        <p:nvSpPr>
+          <p:cNvPr id="5" name="TextBox 4">
+            <a:extLst>
+              <a:ext uri="{FF2B5EF4-FFF2-40B4-BE49-F238E27FC236}">
+                <a16:creationId xmlns:a16="http://schemas.microsoft.com/office/drawing/2014/main" id="{E4158BAF-98C1-6286-6618-69686F92EBD1}"/>
+              </a:ext>
+            </a:extLst>
+          </p:cNvPr>
+          <p:cNvSpPr txBox="1"/>
+          <p:nvPr/>
+        </p:nvSpPr>
+        <p:spPr>
+          <a:xfrm>
+            <a:off x="6531551" y="3814103"/>
+            <a:ext cx="944140" cy="369332"/>
+          </a:xfrm>
+          <a:prstGeom prst="rect">
+            <a:avLst/>
+          </a:prstGeom>
+          <a:solidFill>
+            <a:srgbClr val="FFFC00">
+              <a:alpha val="74902"/>
+            </a:srgbClr>
+          </a:solidFill>
+        </p:spPr>
+        <p:txBody>
+          <a:bodyPr wrap="square" rtlCol="0">
+            <a:spAutoFit/>
+          </a:bodyPr>
+          <a:lstStyle/>
+          <a:p>
+            <a:pPr algn="ctr"/>
+            <a:r>
+              <a:rPr lang="en-US" dirty="0"/>
+              <a:t>Setters</a:t>
+            </a:r>
+          </a:p>
+        </p:txBody>
+      </p:sp>
+      <p:sp>
+        <p:nvSpPr>
+          <p:cNvPr id="6" name="TextBox 5">
+            <a:extLst>
+              <a:ext uri="{FF2B5EF4-FFF2-40B4-BE49-F238E27FC236}">
+                <a16:creationId xmlns:a16="http://schemas.microsoft.com/office/drawing/2014/main" id="{49F5EB91-F99F-2389-A3C7-7DCDA746134B}"/>
+              </a:ext>
+            </a:extLst>
+          </p:cNvPr>
+          <p:cNvSpPr txBox="1"/>
+          <p:nvPr/>
+        </p:nvSpPr>
+        <p:spPr>
+          <a:xfrm>
+            <a:off x="7903686" y="5263635"/>
+            <a:ext cx="944140" cy="369332"/>
+          </a:xfrm>
+          <a:prstGeom prst="rect">
+            <a:avLst/>
+          </a:prstGeom>
+          <a:solidFill>
+            <a:srgbClr val="FFFC00">
+              <a:alpha val="74902"/>
+            </a:srgbClr>
+          </a:solidFill>
+        </p:spPr>
+        <p:txBody>
+          <a:bodyPr wrap="square" rtlCol="0">
+            <a:spAutoFit/>
+          </a:bodyPr>
+          <a:lstStyle/>
+          <a:p>
+            <a:pPr algn="ctr"/>
+            <a:r>
+              <a:rPr lang="en-US" dirty="0"/>
+              <a:t>Getters</a:t>
+            </a:r>
+          </a:p>
+        </p:txBody>
+      </p:sp>
+      <p:sp>
+        <p:nvSpPr>
+          <p:cNvPr id="7" name="Right Brace 6">
+            <a:extLst>
+              <a:ext uri="{FF2B5EF4-FFF2-40B4-BE49-F238E27FC236}">
+                <a16:creationId xmlns:a16="http://schemas.microsoft.com/office/drawing/2014/main" id="{41EF6080-BE9C-9BF0-D589-3EFE9D9A130D}"/>
+              </a:ext>
+            </a:extLst>
+          </p:cNvPr>
+          <p:cNvSpPr/>
+          <p:nvPr/>
+        </p:nvSpPr>
+        <p:spPr>
+          <a:xfrm>
+            <a:off x="6244935" y="2878282"/>
+            <a:ext cx="207819" cy="2240974"/>
+          </a:xfrm>
+          <a:prstGeom prst="rightBrace">
+            <a:avLst/>
+          </a:prstGeom>
+        </p:spPr>
+        <p:style>
+          <a:lnRef idx="2">
+            <a:schemeClr val="accent1"/>
+          </a:lnRef>
+          <a:fillRef idx="0">
+            <a:schemeClr val="accent1"/>
+          </a:fillRef>
+          <a:effectRef idx="1">
+            <a:schemeClr val="accent1"/>
+          </a:effectRef>
+          <a:fontRef idx="minor">
+            <a:schemeClr val="tx1"/>
+          </a:fontRef>
+        </p:style>
+        <p:txBody>
+          <a:bodyPr rtlCol="0" anchor="ctr"/>
+          <a:lstStyle/>
+          <a:p>
+            <a:pPr algn="ctr"/>
+            <a:endParaRPr lang="en-US"/>
+          </a:p>
+        </p:txBody>
+      </p:sp>
+      <p:sp>
+        <p:nvSpPr>
+          <p:cNvPr id="8" name="Right Brace 7">
+            <a:extLst>
+              <a:ext uri="{FF2B5EF4-FFF2-40B4-BE49-F238E27FC236}">
+                <a16:creationId xmlns:a16="http://schemas.microsoft.com/office/drawing/2014/main" id="{217F1C2C-8747-EAE0-ACEF-0E65B589FE5B}"/>
+              </a:ext>
+            </a:extLst>
+          </p:cNvPr>
+          <p:cNvSpPr/>
+          <p:nvPr/>
+        </p:nvSpPr>
+        <p:spPr>
+          <a:xfrm>
+            <a:off x="7554488" y="5119256"/>
+            <a:ext cx="218210" cy="658090"/>
+          </a:xfrm>
+          <a:prstGeom prst="rightBrace">
+            <a:avLst/>
+          </a:prstGeom>
+        </p:spPr>
+        <p:style>
+          <a:lnRef idx="2">
+            <a:schemeClr val="accent1"/>
+          </a:lnRef>
+          <a:fillRef idx="0">
+            <a:schemeClr val="accent1"/>
+          </a:fillRef>
+          <a:effectRef idx="1">
+            <a:schemeClr val="accent1"/>
+          </a:effectRef>
+          <a:fontRef idx="minor">
+            <a:schemeClr val="tx1"/>
+          </a:fontRef>
+        </p:style>
+        <p:txBody>
+          <a:bodyPr rtlCol="0" anchor="ctr"/>
+          <a:lstStyle/>
+          <a:p>
+            <a:pPr algn="ctr"/>
+            <a:endParaRPr lang="en-US"/>
+          </a:p>
+        </p:txBody>
+      </p:sp>
+    </p:spTree>
+    <p:extLst>
+      <p:ext uri="{BB962C8B-B14F-4D97-AF65-F5344CB8AC3E}">
+        <p14:creationId xmlns:p14="http://schemas.microsoft.com/office/powerpoint/2010/main" val="2393883371"/>
+      </p:ext>
+    </p:extLst>
+  </p:cSld>
+  <p:clrMapOvr>
+    <a:masterClrMapping/>
+  </p:clrMapOvr>
+</p:sld>
+</file>
+
+<file path=ppt/slides/slide31.xml><?xml version="1.0" encoding="utf-8"?>
+<p:sld xmlns:a="http://schemas.openxmlformats.org/drawingml/2006/main" xmlns:r="http://schemas.openxmlformats.org/officeDocument/2006/relationships" xmlns:p="http://schemas.openxmlformats.org/presentationml/2006/main">
+  <p:cSld>
+    <p:spTree>
+      <p:nvGrpSpPr>
+        <p:cNvPr id="1" name="">
+          <a:extLst>
+            <a:ext uri="{FF2B5EF4-FFF2-40B4-BE49-F238E27FC236}">
+              <a16:creationId xmlns:a16="http://schemas.microsoft.com/office/drawing/2014/main" id="{961BFF9D-18CE-4D58-CAD3-D96BEB992177}"/>
+            </a:ext>
+          </a:extLst>
+        </p:cNvPr>
+        <p:cNvGrpSpPr/>
+        <p:nvPr/>
+      </p:nvGrpSpPr>
+      <p:grpSpPr>
+        <a:xfrm>
+          <a:off x="0" y="0"/>
+          <a:ext cx="0" cy="0"/>
+          <a:chOff x="0" y="0"/>
+          <a:chExt cx="0" cy="0"/>
+        </a:xfrm>
+      </p:grpSpPr>
+      <p:sp>
+        <p:nvSpPr>
+          <p:cNvPr id="2" name="Title 1">
+            <a:extLst>
+              <a:ext uri="{FF2B5EF4-FFF2-40B4-BE49-F238E27FC236}">
+                <a16:creationId xmlns:a16="http://schemas.microsoft.com/office/drawing/2014/main" id="{F2098376-3F8A-F53A-1203-75D274B5167B}"/>
+              </a:ext>
+            </a:extLst>
+          </p:cNvPr>
+          <p:cNvSpPr>
+            <a:spLocks noGrp="1"/>
+          </p:cNvSpPr>
+          <p:nvPr>
+            <p:ph type="title"/>
+          </p:nvPr>
+        </p:nvSpPr>
+        <p:spPr>
+          <a:xfrm>
+            <a:off x="90055" y="10379"/>
+            <a:ext cx="4222173" cy="1325563"/>
+          </a:xfrm>
+        </p:spPr>
+        <p:txBody>
+          <a:bodyPr/>
+          <a:lstStyle/>
+          <a:p>
+            <a:r>
+              <a:rPr lang="en-US" dirty="0"/>
+              <a:t>Segment Objects</a:t>
+            </a:r>
+          </a:p>
+        </p:txBody>
+      </p:sp>
+      <p:sp>
+        <p:nvSpPr>
+          <p:cNvPr id="4" name="TextBox 3">
+            <a:extLst>
+              <a:ext uri="{FF2B5EF4-FFF2-40B4-BE49-F238E27FC236}">
+                <a16:creationId xmlns:a16="http://schemas.microsoft.com/office/drawing/2014/main" id="{41996B1C-9BF9-1883-CAD5-C0A7B12F172D}"/>
+              </a:ext>
+            </a:extLst>
+          </p:cNvPr>
+          <p:cNvSpPr txBox="1"/>
+          <p:nvPr/>
+        </p:nvSpPr>
+        <p:spPr>
+          <a:xfrm>
+            <a:off x="911323" y="1314420"/>
+            <a:ext cx="6643165" cy="5078313"/>
+          </a:xfrm>
+          <a:prstGeom prst="rect">
+            <a:avLst/>
+          </a:prstGeom>
+          <a:noFill/>
+        </p:spPr>
+        <p:txBody>
+          <a:bodyPr wrap="none" rtlCol="0">
+            <a:spAutoFit/>
+          </a:bodyPr>
+          <a:lstStyle/>
+          <a:p>
+            <a:r>
+              <a:rPr lang="en-CA" dirty="0">
+                <a:latin typeface="Consolas" panose="020B0609020204030204" pitchFamily="49" charset="0"/>
+                <a:cs typeface="Consolas" panose="020B0609020204030204" pitchFamily="49" charset="0"/>
+              </a:rPr>
+              <a:t>struct Segment</a:t>
+            </a:r>
+          </a:p>
+          <a:p>
+            <a:r>
+              <a:rPr lang="en-CA" dirty="0">
+                <a:latin typeface="Consolas" panose="020B0609020204030204" pitchFamily="49" charset="0"/>
+                <a:cs typeface="Consolas" panose="020B0609020204030204" pitchFamily="49" charset="0"/>
+              </a:rPr>
+              <a:t>{</a:t>
+            </a:r>
+          </a:p>
+          <a:p>
+            <a:r>
+              <a:rPr lang="en-CA" dirty="0">
+                <a:latin typeface="Consolas" panose="020B0609020204030204" pitchFamily="49" charset="0"/>
+                <a:cs typeface="Consolas" panose="020B0609020204030204" pitchFamily="49" charset="0"/>
+              </a:rPr>
+              <a:t>  // ...</a:t>
+            </a:r>
+          </a:p>
+          <a:p>
+            <a:endParaRPr lang="en-CA" dirty="0">
+              <a:latin typeface="Consolas" panose="020B0609020204030204" pitchFamily="49" charset="0"/>
+              <a:cs typeface="Consolas" panose="020B0609020204030204" pitchFamily="49" charset="0"/>
+            </a:endParaRPr>
+          </a:p>
+          <a:p>
+            <a:r>
+              <a:rPr lang="en-CA" dirty="0">
+                <a:latin typeface="Consolas" panose="020B0609020204030204" pitchFamily="49" charset="0"/>
+                <a:cs typeface="Consolas" panose="020B0609020204030204" pitchFamily="49" charset="0"/>
+              </a:rPr>
+              <a:t>  public:</a:t>
+            </a:r>
+          </a:p>
+          <a:p>
+            <a:r>
+              <a:rPr lang="en-CA" dirty="0">
+                <a:latin typeface="Consolas" panose="020B0609020204030204" pitchFamily="49" charset="0"/>
+                <a:cs typeface="Consolas" panose="020B0609020204030204" pitchFamily="49" charset="0"/>
+              </a:rPr>
+              <a:t>    // ...</a:t>
+            </a:r>
+          </a:p>
+          <a:p>
+            <a:r>
+              <a:rPr lang="en-CA" dirty="0">
+                <a:latin typeface="Consolas" panose="020B0609020204030204" pitchFamily="49" charset="0"/>
+                <a:cs typeface="Consolas" panose="020B0609020204030204" pitchFamily="49" charset="0"/>
+              </a:rPr>
+              <a:t>    double length() const { </a:t>
+            </a:r>
+          </a:p>
+          <a:p>
+            <a:r>
+              <a:rPr lang="en-CA" dirty="0">
+                <a:latin typeface="Consolas" panose="020B0609020204030204" pitchFamily="49" charset="0"/>
+                <a:cs typeface="Consolas" panose="020B0609020204030204" pitchFamily="49" charset="0"/>
+              </a:rPr>
+              <a:t>      return </a:t>
+            </a:r>
+            <a:r>
+              <a:rPr lang="en-CA" dirty="0" err="1">
+                <a:solidFill>
+                  <a:srgbClr val="FF0000"/>
+                </a:solidFill>
+                <a:latin typeface="Consolas" panose="020B0609020204030204" pitchFamily="49" charset="0"/>
+                <a:cs typeface="Consolas" panose="020B0609020204030204" pitchFamily="49" charset="0"/>
+              </a:rPr>
+              <a:t>start.dist_to</a:t>
+            </a:r>
+            <a:r>
+              <a:rPr lang="en-CA" dirty="0">
+                <a:solidFill>
+                  <a:srgbClr val="FF0000"/>
+                </a:solidFill>
+                <a:latin typeface="Consolas" panose="020B0609020204030204" pitchFamily="49" charset="0"/>
+                <a:cs typeface="Consolas" panose="020B0609020204030204" pitchFamily="49" charset="0"/>
+              </a:rPr>
+              <a:t>(this-&gt;end)</a:t>
+            </a:r>
+            <a:r>
+              <a:rPr lang="en-CA" dirty="0">
+                <a:latin typeface="Consolas" panose="020B0609020204030204" pitchFamily="49" charset="0"/>
+                <a:cs typeface="Consolas" panose="020B0609020204030204" pitchFamily="49" charset="0"/>
+              </a:rPr>
+              <a:t>; </a:t>
+            </a:r>
+          </a:p>
+          <a:p>
+            <a:r>
+              <a:rPr lang="en-CA" dirty="0">
+                <a:latin typeface="Consolas" panose="020B0609020204030204" pitchFamily="49" charset="0"/>
+                <a:cs typeface="Consolas" panose="020B0609020204030204" pitchFamily="49" charset="0"/>
+              </a:rPr>
+              <a:t>    }</a:t>
+            </a:r>
+          </a:p>
+          <a:p>
+            <a:endParaRPr lang="en-CA" dirty="0">
+              <a:latin typeface="Consolas" panose="020B0609020204030204" pitchFamily="49" charset="0"/>
+              <a:cs typeface="Consolas" panose="020B0609020204030204" pitchFamily="49" charset="0"/>
+            </a:endParaRPr>
+          </a:p>
+          <a:p>
+            <a:r>
+              <a:rPr lang="en-CA" dirty="0">
+                <a:latin typeface="Consolas" panose="020B0609020204030204" pitchFamily="49" charset="0"/>
+                <a:cs typeface="Consolas" panose="020B0609020204030204" pitchFamily="49" charset="0"/>
+              </a:rPr>
+              <a:t>   Point midpoint() const {</a:t>
+            </a:r>
+          </a:p>
+          <a:p>
+            <a:r>
+              <a:rPr lang="en-CA" dirty="0">
+                <a:latin typeface="Consolas" panose="020B0609020204030204" pitchFamily="49" charset="0"/>
+                <a:cs typeface="Consolas" panose="020B0609020204030204" pitchFamily="49" charset="0"/>
+              </a:rPr>
+              <a:t>     int </a:t>
+            </a:r>
+            <a:r>
+              <a:rPr lang="en-CA" dirty="0" err="1">
+                <a:latin typeface="Consolas" panose="020B0609020204030204" pitchFamily="49" charset="0"/>
+                <a:cs typeface="Consolas" panose="020B0609020204030204" pitchFamily="49" charset="0"/>
+              </a:rPr>
+              <a:t>mid_x</a:t>
+            </a:r>
+            <a:r>
+              <a:rPr lang="en-CA" dirty="0">
+                <a:latin typeface="Consolas" panose="020B0609020204030204" pitchFamily="49" charset="0"/>
+                <a:cs typeface="Consolas" panose="020B0609020204030204" pitchFamily="49" charset="0"/>
+              </a:rPr>
+              <a:t> = (</a:t>
+            </a:r>
+            <a:r>
+              <a:rPr lang="en-CA" dirty="0" err="1">
+                <a:latin typeface="Consolas" panose="020B0609020204030204" pitchFamily="49" charset="0"/>
+                <a:cs typeface="Consolas" panose="020B0609020204030204" pitchFamily="49" charset="0"/>
+              </a:rPr>
+              <a:t>start.get_x</a:t>
+            </a:r>
+            <a:r>
+              <a:rPr lang="en-CA" dirty="0">
+                <a:latin typeface="Consolas" panose="020B0609020204030204" pitchFamily="49" charset="0"/>
+                <a:cs typeface="Consolas" panose="020B0609020204030204" pitchFamily="49" charset="0"/>
+              </a:rPr>
+              <a:t>() + </a:t>
+            </a:r>
+            <a:r>
+              <a:rPr lang="en-CA" dirty="0" err="1">
+                <a:latin typeface="Consolas" panose="020B0609020204030204" pitchFamily="49" charset="0"/>
+                <a:cs typeface="Consolas" panose="020B0609020204030204" pitchFamily="49" charset="0"/>
+              </a:rPr>
+              <a:t>end.get_x</a:t>
+            </a:r>
+            <a:r>
+              <a:rPr lang="en-CA" dirty="0">
+                <a:latin typeface="Consolas" panose="020B0609020204030204" pitchFamily="49" charset="0"/>
+                <a:cs typeface="Consolas" panose="020B0609020204030204" pitchFamily="49" charset="0"/>
+              </a:rPr>
+              <a:t>()) / 2;</a:t>
+            </a:r>
+          </a:p>
+          <a:p>
+            <a:r>
+              <a:rPr lang="en-CA" dirty="0">
+                <a:latin typeface="Consolas" panose="020B0609020204030204" pitchFamily="49" charset="0"/>
+                <a:cs typeface="Consolas" panose="020B0609020204030204" pitchFamily="49" charset="0"/>
+              </a:rPr>
+              <a:t>     int </a:t>
+            </a:r>
+            <a:r>
+              <a:rPr lang="en-CA" dirty="0" err="1">
+                <a:latin typeface="Consolas" panose="020B0609020204030204" pitchFamily="49" charset="0"/>
+                <a:cs typeface="Consolas" panose="020B0609020204030204" pitchFamily="49" charset="0"/>
+              </a:rPr>
+              <a:t>mid_y</a:t>
+            </a:r>
+            <a:r>
+              <a:rPr lang="en-CA" dirty="0">
+                <a:latin typeface="Consolas" panose="020B0609020204030204" pitchFamily="49" charset="0"/>
+                <a:cs typeface="Consolas" panose="020B0609020204030204" pitchFamily="49" charset="0"/>
+              </a:rPr>
+              <a:t> = (</a:t>
+            </a:r>
+            <a:r>
+              <a:rPr lang="en-CA" dirty="0" err="1">
+                <a:latin typeface="Consolas" panose="020B0609020204030204" pitchFamily="49" charset="0"/>
+                <a:cs typeface="Consolas" panose="020B0609020204030204" pitchFamily="49" charset="0"/>
+              </a:rPr>
+              <a:t>start.get_y</a:t>
+            </a:r>
+            <a:r>
+              <a:rPr lang="en-CA" dirty="0">
+                <a:latin typeface="Consolas" panose="020B0609020204030204" pitchFamily="49" charset="0"/>
+                <a:cs typeface="Consolas" panose="020B0609020204030204" pitchFamily="49" charset="0"/>
+              </a:rPr>
+              <a:t>() + </a:t>
+            </a:r>
+            <a:r>
+              <a:rPr lang="en-CA" dirty="0" err="1">
+                <a:latin typeface="Consolas" panose="020B0609020204030204" pitchFamily="49" charset="0"/>
+                <a:cs typeface="Consolas" panose="020B0609020204030204" pitchFamily="49" charset="0"/>
+              </a:rPr>
+              <a:t>end.get_y</a:t>
+            </a:r>
+            <a:r>
+              <a:rPr lang="en-CA" dirty="0">
+                <a:latin typeface="Consolas" panose="020B0609020204030204" pitchFamily="49" charset="0"/>
+                <a:cs typeface="Consolas" panose="020B0609020204030204" pitchFamily="49" charset="0"/>
+              </a:rPr>
+              <a:t>()) / 2;</a:t>
+            </a:r>
+          </a:p>
+          <a:p>
+            <a:r>
+              <a:rPr lang="en-CA" dirty="0">
+                <a:latin typeface="Consolas" panose="020B0609020204030204" pitchFamily="49" charset="0"/>
+                <a:cs typeface="Consolas" panose="020B0609020204030204" pitchFamily="49" charset="0"/>
+              </a:rPr>
+              <a:t>     return Point{</a:t>
+            </a:r>
+            <a:r>
+              <a:rPr lang="en-CA" dirty="0" err="1">
+                <a:latin typeface="Consolas" panose="020B0609020204030204" pitchFamily="49" charset="0"/>
+                <a:cs typeface="Consolas" panose="020B0609020204030204" pitchFamily="49" charset="0"/>
+              </a:rPr>
+              <a:t>mid_x</a:t>
+            </a:r>
+            <a:r>
+              <a:rPr lang="en-CA" dirty="0">
+                <a:latin typeface="Consolas" panose="020B0609020204030204" pitchFamily="49" charset="0"/>
+                <a:cs typeface="Consolas" panose="020B0609020204030204" pitchFamily="49" charset="0"/>
+              </a:rPr>
+              <a:t>, </a:t>
+            </a:r>
+            <a:r>
+              <a:rPr lang="en-CA" dirty="0" err="1">
+                <a:latin typeface="Consolas" panose="020B0609020204030204" pitchFamily="49" charset="0"/>
+                <a:cs typeface="Consolas" panose="020B0609020204030204" pitchFamily="49" charset="0"/>
+              </a:rPr>
+              <a:t>mid_y</a:t>
+            </a:r>
+            <a:r>
+              <a:rPr lang="en-CA" dirty="0">
+                <a:latin typeface="Consolas" panose="020B0609020204030204" pitchFamily="49" charset="0"/>
+                <a:cs typeface="Consolas" panose="020B0609020204030204" pitchFamily="49" charset="0"/>
+              </a:rPr>
+              <a:t>};</a:t>
+            </a:r>
+          </a:p>
+          <a:p>
+            <a:r>
+              <a:rPr lang="en-CA" dirty="0">
+                <a:latin typeface="Consolas" panose="020B0609020204030204" pitchFamily="49" charset="0"/>
+                <a:cs typeface="Consolas" panose="020B0609020204030204" pitchFamily="49" charset="0"/>
+              </a:rPr>
+              <a:t>   }</a:t>
+            </a:r>
+          </a:p>
+          <a:p>
+            <a:endParaRPr lang="en-CA" dirty="0">
+              <a:latin typeface="Consolas" panose="020B0609020204030204" pitchFamily="49" charset="0"/>
+              <a:cs typeface="Consolas" panose="020B0609020204030204" pitchFamily="49" charset="0"/>
+            </a:endParaRPr>
+          </a:p>
+          <a:p>
+            <a:r>
+              <a:rPr lang="en-CA" dirty="0">
+                <a:latin typeface="Consolas" panose="020B0609020204030204" pitchFamily="49" charset="0"/>
+                <a:cs typeface="Consolas" panose="020B0609020204030204" pitchFamily="49" charset="0"/>
+              </a:rPr>
+              <a:t>    // ...</a:t>
+            </a:r>
+          </a:p>
+          <a:p>
+            <a:r>
+              <a:rPr lang="en-CA" dirty="0">
+                <a:latin typeface="Consolas" panose="020B0609020204030204" pitchFamily="49" charset="0"/>
+                <a:cs typeface="Consolas" panose="020B0609020204030204" pitchFamily="49" charset="0"/>
+              </a:rPr>
+              <a:t>}; // struct Segment</a:t>
+            </a:r>
+          </a:p>
+        </p:txBody>
+      </p:sp>
+      <p:sp>
+        <p:nvSpPr>
+          <p:cNvPr id="5" name="TextBox 4">
+            <a:extLst>
+              <a:ext uri="{FF2B5EF4-FFF2-40B4-BE49-F238E27FC236}">
+                <a16:creationId xmlns:a16="http://schemas.microsoft.com/office/drawing/2014/main" id="{361E51F1-AC45-8722-94DB-33DFE69F6CF2}"/>
+              </a:ext>
+            </a:extLst>
+          </p:cNvPr>
+          <p:cNvSpPr txBox="1"/>
+          <p:nvPr/>
+        </p:nvSpPr>
+        <p:spPr>
+          <a:xfrm>
+            <a:off x="3777959" y="1496930"/>
+            <a:ext cx="1511013" cy="646331"/>
+          </a:xfrm>
+          <a:prstGeom prst="rect">
+            <a:avLst/>
+          </a:prstGeom>
+          <a:solidFill>
+            <a:srgbClr val="FFFC00">
+              <a:alpha val="74902"/>
+            </a:srgbClr>
+          </a:solidFill>
+        </p:spPr>
+        <p:txBody>
+          <a:bodyPr wrap="square" rtlCol="0">
+            <a:spAutoFit/>
+          </a:bodyPr>
+          <a:lstStyle/>
+          <a:p>
+            <a:pPr algn="ctr"/>
+            <a:r>
+              <a:rPr lang="en-US" dirty="0"/>
+              <a:t>Other useful methods.</a:t>
+            </a:r>
+          </a:p>
+        </p:txBody>
+      </p:sp>
+      <p:sp>
+        <p:nvSpPr>
+          <p:cNvPr id="3" name="TextBox 2">
+            <a:extLst>
+              <a:ext uri="{FF2B5EF4-FFF2-40B4-BE49-F238E27FC236}">
+                <a16:creationId xmlns:a16="http://schemas.microsoft.com/office/drawing/2014/main" id="{835F98F6-BC8D-8D63-768E-73251A837251}"/>
+              </a:ext>
+            </a:extLst>
+          </p:cNvPr>
+          <p:cNvSpPr txBox="1"/>
+          <p:nvPr/>
+        </p:nvSpPr>
+        <p:spPr>
+          <a:xfrm>
+            <a:off x="5821802" y="2930246"/>
+            <a:ext cx="1732686" cy="923330"/>
+          </a:xfrm>
+          <a:prstGeom prst="rect">
+            <a:avLst/>
+          </a:prstGeom>
+          <a:solidFill>
+            <a:srgbClr val="FFFC00">
+              <a:alpha val="74902"/>
+            </a:srgbClr>
+          </a:solidFill>
+        </p:spPr>
+        <p:txBody>
+          <a:bodyPr wrap="square" rtlCol="0">
+            <a:spAutoFit/>
+          </a:bodyPr>
+          <a:lstStyle/>
+          <a:p>
+            <a:pPr algn="ctr"/>
+            <a:r>
+              <a:rPr lang="en-US" dirty="0" err="1">
+                <a:latin typeface="Consolas" panose="020B0609020204030204" pitchFamily="49" charset="0"/>
+                <a:cs typeface="Consolas" panose="020B0609020204030204" pitchFamily="49" charset="0"/>
+              </a:rPr>
+              <a:t>dist_to</a:t>
+            </a:r>
+            <a:r>
+              <a:rPr lang="en-US" dirty="0"/>
+              <a:t> is one of the methods of </a:t>
+            </a:r>
+            <a:r>
+              <a:rPr lang="en-US" dirty="0">
+                <a:latin typeface="Consolas" panose="020B0609020204030204" pitchFamily="49" charset="0"/>
+                <a:cs typeface="Consolas" panose="020B0609020204030204" pitchFamily="49" charset="0"/>
+              </a:rPr>
+              <a:t>Point</a:t>
+            </a:r>
+          </a:p>
+        </p:txBody>
+      </p:sp>
+      <p:cxnSp>
+        <p:nvCxnSpPr>
+          <p:cNvPr id="9" name="Straight Connector 8">
+            <a:extLst>
+              <a:ext uri="{FF2B5EF4-FFF2-40B4-BE49-F238E27FC236}">
+                <a16:creationId xmlns:a16="http://schemas.microsoft.com/office/drawing/2014/main" id="{786F9562-BDF4-F5A5-5709-401C6CD689CE}"/>
+              </a:ext>
+            </a:extLst>
+          </p:cNvPr>
+          <p:cNvCxnSpPr/>
+          <p:nvPr/>
+        </p:nvCxnSpPr>
+        <p:spPr>
+          <a:xfrm flipV="1">
+            <a:off x="7239000" y="5289003"/>
+            <a:ext cx="3692236" cy="509154"/>
+          </a:xfrm>
+          <a:prstGeom prst="line">
+            <a:avLst/>
+          </a:prstGeom>
+        </p:spPr>
+        <p:style>
+          <a:lnRef idx="2">
+            <a:schemeClr val="accent1"/>
+          </a:lnRef>
+          <a:fillRef idx="0">
+            <a:schemeClr val="accent1"/>
+          </a:fillRef>
+          <a:effectRef idx="1">
+            <a:schemeClr val="accent1"/>
+          </a:effectRef>
+          <a:fontRef idx="minor">
+            <a:schemeClr val="tx1"/>
+          </a:fontRef>
+        </p:style>
+      </p:cxnSp>
+      <p:sp>
+        <p:nvSpPr>
+          <p:cNvPr id="10" name="TextBox 9">
+            <a:extLst>
+              <a:ext uri="{FF2B5EF4-FFF2-40B4-BE49-F238E27FC236}">
+                <a16:creationId xmlns:a16="http://schemas.microsoft.com/office/drawing/2014/main" id="{82F48724-004E-E100-8BF0-59BCB5075253}"/>
+              </a:ext>
+            </a:extLst>
+          </p:cNvPr>
+          <p:cNvSpPr txBox="1"/>
+          <p:nvPr/>
+        </p:nvSpPr>
+        <p:spPr>
+          <a:xfrm>
+            <a:off x="6593310" y="5613491"/>
+            <a:ext cx="645690" cy="369332"/>
+          </a:xfrm>
+          <a:prstGeom prst="rect">
+            <a:avLst/>
+          </a:prstGeom>
+          <a:noFill/>
+        </p:spPr>
+        <p:txBody>
+          <a:bodyPr wrap="none" rtlCol="0">
+            <a:spAutoFit/>
+          </a:bodyPr>
+          <a:lstStyle/>
+          <a:p>
+            <a:r>
+              <a:rPr lang="en-US" dirty="0"/>
+              <a:t>start</a:t>
+            </a:r>
+          </a:p>
+        </p:txBody>
+      </p:sp>
+      <p:sp>
+        <p:nvSpPr>
+          <p:cNvPr id="11" name="TextBox 10">
+            <a:extLst>
+              <a:ext uri="{FF2B5EF4-FFF2-40B4-BE49-F238E27FC236}">
+                <a16:creationId xmlns:a16="http://schemas.microsoft.com/office/drawing/2014/main" id="{704EC807-0532-2B1A-9FBB-AE8193F44919}"/>
+              </a:ext>
+            </a:extLst>
+          </p:cNvPr>
+          <p:cNvSpPr txBox="1"/>
+          <p:nvPr/>
+        </p:nvSpPr>
+        <p:spPr>
+          <a:xfrm>
+            <a:off x="10931236" y="5104337"/>
+            <a:ext cx="562975" cy="369332"/>
+          </a:xfrm>
+          <a:prstGeom prst="rect">
+            <a:avLst/>
+          </a:prstGeom>
+          <a:noFill/>
+        </p:spPr>
+        <p:txBody>
+          <a:bodyPr wrap="none" rtlCol="0">
+            <a:spAutoFit/>
+          </a:bodyPr>
+          <a:lstStyle/>
+          <a:p>
+            <a:r>
+              <a:rPr lang="en-US" dirty="0"/>
+              <a:t>end</a:t>
+            </a:r>
+          </a:p>
+        </p:txBody>
+      </p:sp>
+      <p:sp>
+        <p:nvSpPr>
+          <p:cNvPr id="12" name="Oval 11">
+            <a:extLst>
+              <a:ext uri="{FF2B5EF4-FFF2-40B4-BE49-F238E27FC236}">
+                <a16:creationId xmlns:a16="http://schemas.microsoft.com/office/drawing/2014/main" id="{EB416EBE-2345-7838-5149-103392D2F2F0}"/>
+              </a:ext>
+            </a:extLst>
+          </p:cNvPr>
+          <p:cNvSpPr/>
+          <p:nvPr/>
+        </p:nvSpPr>
+        <p:spPr>
+          <a:xfrm>
+            <a:off x="9071264" y="5473669"/>
+            <a:ext cx="124691" cy="139822"/>
+          </a:xfrm>
+          <a:prstGeom prst="ellipse">
+            <a:avLst/>
+          </a:prstGeom>
+        </p:spPr>
+        <p:style>
+          <a:lnRef idx="2">
+            <a:schemeClr val="accent1">
+              <a:shade val="15000"/>
+            </a:schemeClr>
+          </a:lnRef>
+          <a:fillRef idx="1">
+            <a:schemeClr val="accent1"/>
+          </a:fillRef>
+          <a:effectRef idx="0">
+            <a:schemeClr val="accent1"/>
+          </a:effectRef>
+          <a:fontRef idx="minor">
+            <a:schemeClr val="lt1"/>
+          </a:fontRef>
+        </p:style>
+        <p:txBody>
+          <a:bodyPr rtlCol="0" anchor="ctr"/>
+          <a:lstStyle/>
+          <a:p>
+            <a:pPr algn="ctr"/>
+            <a:endParaRPr lang="en-US"/>
+          </a:p>
+        </p:txBody>
+      </p:sp>
+      <p:sp>
+        <p:nvSpPr>
+          <p:cNvPr id="13" name="TextBox 12">
+            <a:extLst>
+              <a:ext uri="{FF2B5EF4-FFF2-40B4-BE49-F238E27FC236}">
+                <a16:creationId xmlns:a16="http://schemas.microsoft.com/office/drawing/2014/main" id="{D3F3F131-0563-5422-85B4-D1C62B196597}"/>
+              </a:ext>
+            </a:extLst>
+          </p:cNvPr>
+          <p:cNvSpPr txBox="1"/>
+          <p:nvPr/>
+        </p:nvSpPr>
+        <p:spPr>
+          <a:xfrm>
+            <a:off x="8570794" y="5705824"/>
+            <a:ext cx="1125629" cy="369332"/>
+          </a:xfrm>
+          <a:prstGeom prst="rect">
+            <a:avLst/>
+          </a:prstGeom>
+          <a:noFill/>
+        </p:spPr>
+        <p:txBody>
+          <a:bodyPr wrap="none" rtlCol="0">
+            <a:spAutoFit/>
+          </a:bodyPr>
+          <a:lstStyle/>
+          <a:p>
+            <a:r>
+              <a:rPr lang="en-US" dirty="0"/>
+              <a:t>mid point</a:t>
+            </a:r>
+          </a:p>
+        </p:txBody>
+      </p:sp>
+    </p:spTree>
+    <p:extLst>
+      <p:ext uri="{BB962C8B-B14F-4D97-AF65-F5344CB8AC3E}">
+        <p14:creationId xmlns:p14="http://schemas.microsoft.com/office/powerpoint/2010/main" val="4065328107"/>
+      </p:ext>
+    </p:extLst>
+  </p:cSld>
+  <p:clrMapOvr>
+    <a:masterClrMapping/>
+  </p:clrMapOvr>
+</p:sld>
+</file>
+
+<file path=ppt/slides/slide32.xml><?xml version="1.0" encoding="utf-8"?>
+<p:sld xmlns:a="http://schemas.openxmlformats.org/drawingml/2006/main" xmlns:r="http://schemas.openxmlformats.org/officeDocument/2006/relationships" xmlns:p="http://schemas.openxmlformats.org/presentationml/2006/main">
+  <p:cSld>
+    <p:spTree>
+      <p:nvGrpSpPr>
+        <p:cNvPr id="1" name="">
+          <a:extLst>
+            <a:ext uri="{FF2B5EF4-FFF2-40B4-BE49-F238E27FC236}">
+              <a16:creationId xmlns:a16="http://schemas.microsoft.com/office/drawing/2014/main" id="{DA7B9683-A84C-5827-90F7-FE0C2F0D3F2A}"/>
+            </a:ext>
+          </a:extLst>
+        </p:cNvPr>
+        <p:cNvGrpSpPr/>
+        <p:nvPr/>
+      </p:nvGrpSpPr>
+      <p:grpSpPr>
+        <a:xfrm>
+          <a:off x="0" y="0"/>
+          <a:ext cx="0" cy="0"/>
+          <a:chOff x="0" y="0"/>
+          <a:chExt cx="0" cy="0"/>
+        </a:xfrm>
+      </p:grpSpPr>
+      <p:sp>
+        <p:nvSpPr>
+          <p:cNvPr id="2" name="Title 1">
+            <a:extLst>
+              <a:ext uri="{FF2B5EF4-FFF2-40B4-BE49-F238E27FC236}">
+                <a16:creationId xmlns:a16="http://schemas.microsoft.com/office/drawing/2014/main" id="{4DABB975-9A1F-F6C0-853B-3640E9DE26EE}"/>
+              </a:ext>
+            </a:extLst>
+          </p:cNvPr>
+          <p:cNvSpPr>
+            <a:spLocks noGrp="1"/>
+          </p:cNvSpPr>
+          <p:nvPr>
+            <p:ph type="title"/>
+          </p:nvPr>
+        </p:nvSpPr>
+        <p:spPr>
+          <a:xfrm>
+            <a:off x="90055" y="10379"/>
+            <a:ext cx="4222173" cy="1325563"/>
+          </a:xfrm>
+        </p:spPr>
+        <p:txBody>
+          <a:bodyPr/>
+          <a:lstStyle/>
+          <a:p>
+            <a:r>
+              <a:rPr lang="en-US" dirty="0"/>
+              <a:t>Segment Objects</a:t>
+            </a:r>
+          </a:p>
+        </p:txBody>
+      </p:sp>
+      <p:sp>
+        <p:nvSpPr>
+          <p:cNvPr id="4" name="TextBox 3">
+            <a:extLst>
+              <a:ext uri="{FF2B5EF4-FFF2-40B4-BE49-F238E27FC236}">
+                <a16:creationId xmlns:a16="http://schemas.microsoft.com/office/drawing/2014/main" id="{71047501-B1EE-AAF2-578F-52A4DBF7D74C}"/>
+              </a:ext>
+            </a:extLst>
+          </p:cNvPr>
+          <p:cNvSpPr txBox="1"/>
+          <p:nvPr/>
+        </p:nvSpPr>
+        <p:spPr>
+          <a:xfrm>
+            <a:off x="911323" y="1314420"/>
+            <a:ext cx="6769802" cy="5078313"/>
+          </a:xfrm>
+          <a:prstGeom prst="rect">
+            <a:avLst/>
+          </a:prstGeom>
+          <a:noFill/>
+        </p:spPr>
+        <p:txBody>
+          <a:bodyPr wrap="none" rtlCol="0">
+            <a:spAutoFit/>
+          </a:bodyPr>
+          <a:lstStyle/>
+          <a:p>
+            <a:r>
+              <a:rPr lang="en-CA" dirty="0">
+                <a:latin typeface="Consolas" panose="020B0609020204030204" pitchFamily="49" charset="0"/>
+                <a:cs typeface="Consolas" panose="020B0609020204030204" pitchFamily="49" charset="0"/>
+              </a:rPr>
+              <a:t>struct Segment</a:t>
+            </a:r>
+          </a:p>
+          <a:p>
+            <a:r>
+              <a:rPr lang="en-CA" dirty="0">
+                <a:latin typeface="Consolas" panose="020B0609020204030204" pitchFamily="49" charset="0"/>
+                <a:cs typeface="Consolas" panose="020B0609020204030204" pitchFamily="49" charset="0"/>
+              </a:rPr>
+              <a:t>{</a:t>
+            </a:r>
+          </a:p>
+          <a:p>
+            <a:r>
+              <a:rPr lang="en-CA" dirty="0">
+                <a:latin typeface="Consolas" panose="020B0609020204030204" pitchFamily="49" charset="0"/>
+                <a:cs typeface="Consolas" panose="020B0609020204030204" pitchFamily="49" charset="0"/>
+              </a:rPr>
+              <a:t>  // ...</a:t>
+            </a:r>
+          </a:p>
+          <a:p>
+            <a:endParaRPr lang="en-CA" dirty="0">
+              <a:latin typeface="Consolas" panose="020B0609020204030204" pitchFamily="49" charset="0"/>
+              <a:cs typeface="Consolas" panose="020B0609020204030204" pitchFamily="49" charset="0"/>
+            </a:endParaRPr>
+          </a:p>
+          <a:p>
+            <a:r>
+              <a:rPr lang="en-CA" dirty="0">
+                <a:latin typeface="Consolas" panose="020B0609020204030204" pitchFamily="49" charset="0"/>
+                <a:cs typeface="Consolas" panose="020B0609020204030204" pitchFamily="49" charset="0"/>
+              </a:rPr>
+              <a:t>  public:</a:t>
+            </a:r>
+          </a:p>
+          <a:p>
+            <a:r>
+              <a:rPr lang="en-CA" dirty="0">
+                <a:latin typeface="Consolas" panose="020B0609020204030204" pitchFamily="49" charset="0"/>
+                <a:cs typeface="Consolas" panose="020B0609020204030204" pitchFamily="49" charset="0"/>
+              </a:rPr>
+              <a:t>    // ...</a:t>
+            </a:r>
+          </a:p>
+          <a:p>
+            <a:r>
+              <a:rPr lang="en-CA" dirty="0">
+                <a:latin typeface="Consolas" panose="020B0609020204030204" pitchFamily="49" charset="0"/>
+                <a:cs typeface="Consolas" panose="020B0609020204030204" pitchFamily="49" charset="0"/>
+              </a:rPr>
+              <a:t>    void print() const {</a:t>
+            </a:r>
+          </a:p>
+          <a:p>
+            <a:r>
+              <a:rPr lang="en-CA" dirty="0">
+                <a:latin typeface="Consolas" panose="020B0609020204030204" pitchFamily="49" charset="0"/>
+                <a:cs typeface="Consolas" panose="020B0609020204030204" pitchFamily="49" charset="0"/>
+              </a:rPr>
+              <a:t>      </a:t>
+            </a:r>
+            <a:r>
+              <a:rPr lang="en-CA" dirty="0" err="1">
+                <a:latin typeface="Consolas" panose="020B0609020204030204" pitchFamily="49" charset="0"/>
+                <a:cs typeface="Consolas" panose="020B0609020204030204" pitchFamily="49" charset="0"/>
+              </a:rPr>
+              <a:t>cout</a:t>
+            </a:r>
+            <a:r>
+              <a:rPr lang="en-CA" dirty="0">
+                <a:latin typeface="Consolas" panose="020B0609020204030204" pitchFamily="49" charset="0"/>
+                <a:cs typeface="Consolas" panose="020B0609020204030204" pitchFamily="49" charset="0"/>
+              </a:rPr>
+              <a:t> &lt;&lt; "Segment: start=" &lt;&lt; </a:t>
+            </a:r>
+            <a:r>
+              <a:rPr lang="en-CA" dirty="0" err="1">
+                <a:latin typeface="Consolas" panose="020B0609020204030204" pitchFamily="49" charset="0"/>
+                <a:cs typeface="Consolas" panose="020B0609020204030204" pitchFamily="49" charset="0"/>
+              </a:rPr>
+              <a:t>start.toString</a:t>
+            </a:r>
+            <a:r>
+              <a:rPr lang="en-CA" dirty="0">
+                <a:latin typeface="Consolas" panose="020B0609020204030204" pitchFamily="49" charset="0"/>
+                <a:cs typeface="Consolas" panose="020B0609020204030204" pitchFamily="49" charset="0"/>
+              </a:rPr>
+              <a:t>() </a:t>
+            </a:r>
+          </a:p>
+          <a:p>
+            <a:r>
+              <a:rPr lang="en-CA" dirty="0">
+                <a:latin typeface="Consolas" panose="020B0609020204030204" pitchFamily="49" charset="0"/>
+                <a:cs typeface="Consolas" panose="020B0609020204030204" pitchFamily="49" charset="0"/>
+              </a:rPr>
+              <a:t>           &lt;&lt; ", end=" &lt;&lt; </a:t>
+            </a:r>
+            <a:r>
+              <a:rPr lang="en-CA" dirty="0" err="1">
+                <a:latin typeface="Consolas" panose="020B0609020204030204" pitchFamily="49" charset="0"/>
+                <a:cs typeface="Consolas" panose="020B0609020204030204" pitchFamily="49" charset="0"/>
+              </a:rPr>
+              <a:t>end.toString</a:t>
+            </a:r>
+            <a:r>
+              <a:rPr lang="en-CA" dirty="0">
+                <a:latin typeface="Consolas" panose="020B0609020204030204" pitchFamily="49" charset="0"/>
+                <a:cs typeface="Consolas" panose="020B0609020204030204" pitchFamily="49" charset="0"/>
+              </a:rPr>
+              <a:t>();</a:t>
+            </a:r>
+          </a:p>
+          <a:p>
+            <a:r>
+              <a:rPr lang="en-CA" dirty="0">
+                <a:latin typeface="Consolas" panose="020B0609020204030204" pitchFamily="49" charset="0"/>
+                <a:cs typeface="Consolas" panose="020B0609020204030204" pitchFamily="49" charset="0"/>
+              </a:rPr>
+              <a:t>    }</a:t>
+            </a:r>
+          </a:p>
+          <a:p>
+            <a:endParaRPr lang="en-CA" dirty="0">
+              <a:latin typeface="Consolas" panose="020B0609020204030204" pitchFamily="49" charset="0"/>
+              <a:cs typeface="Consolas" panose="020B0609020204030204" pitchFamily="49" charset="0"/>
+            </a:endParaRPr>
+          </a:p>
+          <a:p>
+            <a:r>
+              <a:rPr lang="en-CA" dirty="0">
+                <a:latin typeface="Consolas" panose="020B0609020204030204" pitchFamily="49" charset="0"/>
+                <a:cs typeface="Consolas" panose="020B0609020204030204" pitchFamily="49" charset="0"/>
+              </a:rPr>
+              <a:t>    void </a:t>
+            </a:r>
+            <a:r>
+              <a:rPr lang="en-CA" dirty="0" err="1">
+                <a:latin typeface="Consolas" panose="020B0609020204030204" pitchFamily="49" charset="0"/>
+                <a:cs typeface="Consolas" panose="020B0609020204030204" pitchFamily="49" charset="0"/>
+              </a:rPr>
+              <a:t>println</a:t>
+            </a:r>
+            <a:r>
+              <a:rPr lang="en-CA" dirty="0">
+                <a:latin typeface="Consolas" panose="020B0609020204030204" pitchFamily="49" charset="0"/>
+                <a:cs typeface="Consolas" panose="020B0609020204030204" pitchFamily="49" charset="0"/>
+              </a:rPr>
+              <a:t>() const {</a:t>
+            </a:r>
+          </a:p>
+          <a:p>
+            <a:r>
+              <a:rPr lang="en-CA" dirty="0">
+                <a:latin typeface="Consolas" panose="020B0609020204030204" pitchFamily="49" charset="0"/>
+                <a:cs typeface="Consolas" panose="020B0609020204030204" pitchFamily="49" charset="0"/>
+              </a:rPr>
+              <a:t>      print();</a:t>
+            </a:r>
+          </a:p>
+          <a:p>
+            <a:r>
+              <a:rPr lang="en-CA" dirty="0">
+                <a:latin typeface="Consolas" panose="020B0609020204030204" pitchFamily="49" charset="0"/>
+                <a:cs typeface="Consolas" panose="020B0609020204030204" pitchFamily="49" charset="0"/>
+              </a:rPr>
+              <a:t>      </a:t>
+            </a:r>
+            <a:r>
+              <a:rPr lang="en-CA" dirty="0" err="1">
+                <a:latin typeface="Consolas" panose="020B0609020204030204" pitchFamily="49" charset="0"/>
+                <a:cs typeface="Consolas" panose="020B0609020204030204" pitchFamily="49" charset="0"/>
+              </a:rPr>
+              <a:t>cout</a:t>
+            </a:r>
+            <a:r>
+              <a:rPr lang="en-CA" dirty="0">
+                <a:latin typeface="Consolas" panose="020B0609020204030204" pitchFamily="49" charset="0"/>
+                <a:cs typeface="Consolas" panose="020B0609020204030204" pitchFamily="49" charset="0"/>
+              </a:rPr>
+              <a:t> &lt;&lt; "\n";</a:t>
+            </a:r>
+          </a:p>
+          <a:p>
+            <a:r>
+              <a:rPr lang="en-CA" dirty="0">
+                <a:latin typeface="Consolas" panose="020B0609020204030204" pitchFamily="49" charset="0"/>
+                <a:cs typeface="Consolas" panose="020B0609020204030204" pitchFamily="49" charset="0"/>
+              </a:rPr>
+              <a:t>    }</a:t>
+            </a:r>
+          </a:p>
+          <a:p>
+            <a:endParaRPr lang="en-CA" dirty="0">
+              <a:latin typeface="Consolas" panose="020B0609020204030204" pitchFamily="49" charset="0"/>
+              <a:cs typeface="Consolas" panose="020B0609020204030204" pitchFamily="49" charset="0"/>
+            </a:endParaRPr>
+          </a:p>
+          <a:p>
+            <a:r>
+              <a:rPr lang="en-CA" dirty="0">
+                <a:latin typeface="Consolas" panose="020B0609020204030204" pitchFamily="49" charset="0"/>
+                <a:cs typeface="Consolas" panose="020B0609020204030204" pitchFamily="49" charset="0"/>
+              </a:rPr>
+              <a:t>    // ...</a:t>
+            </a:r>
+          </a:p>
+          <a:p>
+            <a:r>
+              <a:rPr lang="en-CA" dirty="0">
+                <a:latin typeface="Consolas" panose="020B0609020204030204" pitchFamily="49" charset="0"/>
+                <a:cs typeface="Consolas" panose="020B0609020204030204" pitchFamily="49" charset="0"/>
+              </a:rPr>
+              <a:t>}; // struct Segment</a:t>
+            </a:r>
+          </a:p>
+        </p:txBody>
+      </p:sp>
+      <p:sp>
+        <p:nvSpPr>
+          <p:cNvPr id="5" name="TextBox 4">
+            <a:extLst>
+              <a:ext uri="{FF2B5EF4-FFF2-40B4-BE49-F238E27FC236}">
+                <a16:creationId xmlns:a16="http://schemas.microsoft.com/office/drawing/2014/main" id="{9BC4DACC-A809-691B-DE05-546156032B1A}"/>
+              </a:ext>
+            </a:extLst>
+          </p:cNvPr>
+          <p:cNvSpPr txBox="1"/>
+          <p:nvPr/>
+        </p:nvSpPr>
+        <p:spPr>
+          <a:xfrm>
+            <a:off x="3988020" y="1716653"/>
+            <a:ext cx="3693105" cy="923330"/>
+          </a:xfrm>
+          <a:prstGeom prst="rect">
+            <a:avLst/>
+          </a:prstGeom>
+          <a:solidFill>
+            <a:srgbClr val="FFFC00">
+              <a:alpha val="74902"/>
+            </a:srgbClr>
+          </a:solidFill>
+        </p:spPr>
+        <p:txBody>
+          <a:bodyPr wrap="square" rtlCol="0">
+            <a:spAutoFit/>
+          </a:bodyPr>
+          <a:lstStyle/>
+          <a:p>
+            <a:pPr algn="ctr"/>
+            <a:r>
+              <a:rPr lang="en-US" dirty="0"/>
+              <a:t>It’s usually a good idea to add a </a:t>
+            </a:r>
+            <a:r>
+              <a:rPr lang="en-US" dirty="0">
+                <a:latin typeface="Consolas" panose="020B0609020204030204" pitchFamily="49" charset="0"/>
+                <a:cs typeface="Consolas" panose="020B0609020204030204" pitchFamily="49" charset="0"/>
+              </a:rPr>
+              <a:t>print</a:t>
+            </a:r>
+            <a:r>
+              <a:rPr lang="en-US" dirty="0"/>
+              <a:t> or </a:t>
+            </a:r>
+            <a:r>
+              <a:rPr lang="en-US" dirty="0" err="1">
+                <a:latin typeface="Consolas" panose="020B0609020204030204" pitchFamily="49" charset="0"/>
+                <a:cs typeface="Consolas" panose="020B0609020204030204" pitchFamily="49" charset="0"/>
+              </a:rPr>
+              <a:t>toString</a:t>
+            </a:r>
+            <a:r>
+              <a:rPr lang="en-US" dirty="0"/>
+              <a:t> method to every object (if only for debugging).</a:t>
+            </a:r>
+          </a:p>
+        </p:txBody>
+      </p:sp>
+    </p:spTree>
+    <p:extLst>
+      <p:ext uri="{BB962C8B-B14F-4D97-AF65-F5344CB8AC3E}">
+        <p14:creationId xmlns:p14="http://schemas.microsoft.com/office/powerpoint/2010/main" val="3126398943"/>
+      </p:ext>
+    </p:extLst>
+  </p:cSld>
+  <p:clrMapOvr>
+    <a:masterClrMapping/>
+  </p:clrMapOvr>
+</p:sld>
+</file>
+
+<file path=ppt/slides/slide33.xml><?xml version="1.0" encoding="utf-8"?>
+<p:sld xmlns:a="http://schemas.openxmlformats.org/drawingml/2006/main" xmlns:r="http://schemas.openxmlformats.org/officeDocument/2006/relationships" xmlns:p="http://schemas.openxmlformats.org/presentationml/2006/main">
+  <p:cSld>
+    <p:spTree>
+      <p:nvGrpSpPr>
+        <p:cNvPr id="1" name="">
+          <a:extLst>
+            <a:ext uri="{FF2B5EF4-FFF2-40B4-BE49-F238E27FC236}">
+              <a16:creationId xmlns:a16="http://schemas.microsoft.com/office/drawing/2014/main" id="{46427633-372F-231B-DAE8-6F21C84462BF}"/>
+            </a:ext>
+          </a:extLst>
+        </p:cNvPr>
+        <p:cNvGrpSpPr/>
+        <p:nvPr/>
+      </p:nvGrpSpPr>
+      <p:grpSpPr>
+        <a:xfrm>
+          <a:off x="0" y="0"/>
+          <a:ext cx="0" cy="0"/>
+          <a:chOff x="0" y="0"/>
+          <a:chExt cx="0" cy="0"/>
+        </a:xfrm>
+      </p:grpSpPr>
+      <p:sp>
+        <p:nvSpPr>
+          <p:cNvPr id="2" name="Title 1">
+            <a:extLst>
+              <a:ext uri="{FF2B5EF4-FFF2-40B4-BE49-F238E27FC236}">
+                <a16:creationId xmlns:a16="http://schemas.microsoft.com/office/drawing/2014/main" id="{F657E0C8-B796-67F5-7538-7435E33C5A72}"/>
+              </a:ext>
+            </a:extLst>
+          </p:cNvPr>
+          <p:cNvSpPr>
+            <a:spLocks noGrp="1"/>
+          </p:cNvSpPr>
+          <p:nvPr>
+            <p:ph type="title"/>
+          </p:nvPr>
+        </p:nvSpPr>
+        <p:spPr>
+          <a:xfrm>
+            <a:off x="90055" y="10379"/>
+            <a:ext cx="4222173" cy="1325563"/>
+          </a:xfrm>
+        </p:spPr>
+        <p:txBody>
+          <a:bodyPr/>
+          <a:lstStyle/>
+          <a:p>
+            <a:r>
+              <a:rPr lang="en-US" dirty="0"/>
+              <a:t>Segment Objects</a:t>
+            </a:r>
+          </a:p>
+        </p:txBody>
+      </p:sp>
+      <p:sp>
+        <p:nvSpPr>
+          <p:cNvPr id="4" name="TextBox 3">
+            <a:extLst>
+              <a:ext uri="{FF2B5EF4-FFF2-40B4-BE49-F238E27FC236}">
+                <a16:creationId xmlns:a16="http://schemas.microsoft.com/office/drawing/2014/main" id="{08D63FB7-C786-A517-7FB8-189526B9A1DE}"/>
+              </a:ext>
+            </a:extLst>
+          </p:cNvPr>
+          <p:cNvSpPr txBox="1"/>
+          <p:nvPr/>
+        </p:nvSpPr>
+        <p:spPr>
+          <a:xfrm>
+            <a:off x="911323" y="1314420"/>
+            <a:ext cx="7276351" cy="3693319"/>
+          </a:xfrm>
+          <a:prstGeom prst="rect">
+            <a:avLst/>
+          </a:prstGeom>
+          <a:noFill/>
+        </p:spPr>
+        <p:txBody>
+          <a:bodyPr wrap="none" rtlCol="0">
+            <a:spAutoFit/>
+          </a:bodyPr>
+          <a:lstStyle/>
+          <a:p>
+            <a:r>
+              <a:rPr lang="en-CA" dirty="0">
+                <a:latin typeface="Consolas" panose="020B0609020204030204" pitchFamily="49" charset="0"/>
+                <a:cs typeface="Consolas" panose="020B0609020204030204" pitchFamily="49" charset="0"/>
+              </a:rPr>
+              <a:t>Point p1{1, 2};</a:t>
+            </a:r>
+          </a:p>
+          <a:p>
+            <a:r>
+              <a:rPr lang="en-CA" dirty="0">
+                <a:latin typeface="Consolas" panose="020B0609020204030204" pitchFamily="49" charset="0"/>
+                <a:cs typeface="Consolas" panose="020B0609020204030204" pitchFamily="49" charset="0"/>
+              </a:rPr>
+              <a:t>Point p2{3, 4};</a:t>
+            </a:r>
+          </a:p>
+          <a:p>
+            <a:endParaRPr lang="en-CA" dirty="0">
+              <a:latin typeface="Consolas" panose="020B0609020204030204" pitchFamily="49" charset="0"/>
+              <a:cs typeface="Consolas" panose="020B0609020204030204" pitchFamily="49" charset="0"/>
+            </a:endParaRPr>
+          </a:p>
+          <a:p>
+            <a:r>
+              <a:rPr lang="en-CA" dirty="0">
+                <a:latin typeface="Consolas" panose="020B0609020204030204" pitchFamily="49" charset="0"/>
+                <a:cs typeface="Consolas" panose="020B0609020204030204" pitchFamily="49" charset="0"/>
+              </a:rPr>
+              <a:t>Segment s{p1, p2};</a:t>
+            </a:r>
+          </a:p>
+          <a:p>
+            <a:r>
+              <a:rPr lang="en-CA" dirty="0" err="1">
+                <a:latin typeface="Consolas" panose="020B0609020204030204" pitchFamily="49" charset="0"/>
+                <a:cs typeface="Consolas" panose="020B0609020204030204" pitchFamily="49" charset="0"/>
+              </a:rPr>
+              <a:t>s.println</a:t>
+            </a:r>
+            <a:r>
+              <a:rPr lang="en-CA" dirty="0">
+                <a:latin typeface="Consolas" panose="020B0609020204030204" pitchFamily="49" charset="0"/>
+                <a:cs typeface="Consolas" panose="020B0609020204030204" pitchFamily="49" charset="0"/>
+              </a:rPr>
+              <a:t>();</a:t>
+            </a:r>
+          </a:p>
+          <a:p>
+            <a:r>
+              <a:rPr lang="en-CA" dirty="0" err="1">
+                <a:latin typeface="Consolas" panose="020B0609020204030204" pitchFamily="49" charset="0"/>
+                <a:cs typeface="Consolas" panose="020B0609020204030204" pitchFamily="49" charset="0"/>
+              </a:rPr>
+              <a:t>cout</a:t>
+            </a:r>
+            <a:r>
+              <a:rPr lang="en-CA" dirty="0">
+                <a:latin typeface="Consolas" panose="020B0609020204030204" pitchFamily="49" charset="0"/>
+                <a:cs typeface="Consolas" panose="020B0609020204030204" pitchFamily="49" charset="0"/>
+              </a:rPr>
+              <a:t> &lt;&lt; "  length: " &lt;&lt; </a:t>
+            </a:r>
+            <a:r>
+              <a:rPr lang="en-CA" dirty="0" err="1">
+                <a:latin typeface="Consolas" panose="020B0609020204030204" pitchFamily="49" charset="0"/>
+                <a:cs typeface="Consolas" panose="020B0609020204030204" pitchFamily="49" charset="0"/>
+              </a:rPr>
+              <a:t>s.length</a:t>
+            </a:r>
+            <a:r>
+              <a:rPr lang="en-CA" dirty="0">
+                <a:latin typeface="Consolas" panose="020B0609020204030204" pitchFamily="49" charset="0"/>
+                <a:cs typeface="Consolas" panose="020B0609020204030204" pitchFamily="49" charset="0"/>
+              </a:rPr>
+              <a:t>() &lt;&lt; "\n";</a:t>
+            </a:r>
+          </a:p>
+          <a:p>
+            <a:r>
+              <a:rPr lang="en-CA" dirty="0" err="1">
+                <a:latin typeface="Consolas" panose="020B0609020204030204" pitchFamily="49" charset="0"/>
+                <a:cs typeface="Consolas" panose="020B0609020204030204" pitchFamily="49" charset="0"/>
+              </a:rPr>
+              <a:t>cout</a:t>
+            </a:r>
+            <a:r>
+              <a:rPr lang="en-CA" dirty="0">
+                <a:latin typeface="Consolas" panose="020B0609020204030204" pitchFamily="49" charset="0"/>
+                <a:cs typeface="Consolas" panose="020B0609020204030204" pitchFamily="49" charset="0"/>
+              </a:rPr>
+              <a:t> &lt;&lt; "midpoint: " &lt;&lt; </a:t>
+            </a:r>
+            <a:r>
+              <a:rPr lang="en-CA" dirty="0" err="1">
+                <a:latin typeface="Consolas" panose="020B0609020204030204" pitchFamily="49" charset="0"/>
+                <a:cs typeface="Consolas" panose="020B0609020204030204" pitchFamily="49" charset="0"/>
+              </a:rPr>
+              <a:t>s.midpoint</a:t>
+            </a:r>
+            <a:r>
+              <a:rPr lang="en-CA" dirty="0">
+                <a:latin typeface="Consolas" panose="020B0609020204030204" pitchFamily="49" charset="0"/>
+                <a:cs typeface="Consolas" panose="020B0609020204030204" pitchFamily="49" charset="0"/>
+              </a:rPr>
+              <a:t>().</a:t>
+            </a:r>
+            <a:r>
+              <a:rPr lang="en-CA" dirty="0" err="1">
+                <a:latin typeface="Consolas" panose="020B0609020204030204" pitchFamily="49" charset="0"/>
+                <a:cs typeface="Consolas" panose="020B0609020204030204" pitchFamily="49" charset="0"/>
+              </a:rPr>
+              <a:t>toString</a:t>
+            </a:r>
+            <a:r>
+              <a:rPr lang="en-CA" dirty="0">
+                <a:latin typeface="Consolas" panose="020B0609020204030204" pitchFamily="49" charset="0"/>
+                <a:cs typeface="Consolas" panose="020B0609020204030204" pitchFamily="49" charset="0"/>
+              </a:rPr>
+              <a:t>() &lt;&lt; "\n";</a:t>
+            </a:r>
+          </a:p>
+          <a:p>
+            <a:endParaRPr lang="en-CA" dirty="0">
+              <a:latin typeface="Consolas" panose="020B0609020204030204" pitchFamily="49" charset="0"/>
+              <a:cs typeface="Consolas" panose="020B0609020204030204" pitchFamily="49" charset="0"/>
+            </a:endParaRPr>
+          </a:p>
+          <a:p>
+            <a:r>
+              <a:rPr lang="en-CA" dirty="0" err="1">
+                <a:latin typeface="Consolas" panose="020B0609020204030204" pitchFamily="49" charset="0"/>
+                <a:cs typeface="Consolas" panose="020B0609020204030204" pitchFamily="49" charset="0"/>
+              </a:rPr>
+              <a:t>s.set_start</a:t>
+            </a:r>
+            <a:r>
+              <a:rPr lang="en-CA" dirty="0">
+                <a:latin typeface="Consolas" panose="020B0609020204030204" pitchFamily="49" charset="0"/>
+                <a:cs typeface="Consolas" panose="020B0609020204030204" pitchFamily="49" charset="0"/>
+              </a:rPr>
+              <a:t>(Point(5, 6));</a:t>
+            </a:r>
+          </a:p>
+          <a:p>
+            <a:r>
+              <a:rPr lang="en-CA" dirty="0" err="1">
+                <a:latin typeface="Consolas" panose="020B0609020204030204" pitchFamily="49" charset="0"/>
+                <a:cs typeface="Consolas" panose="020B0609020204030204" pitchFamily="49" charset="0"/>
+              </a:rPr>
+              <a:t>s.println</a:t>
+            </a:r>
+            <a:r>
+              <a:rPr lang="en-CA" dirty="0">
+                <a:latin typeface="Consolas" panose="020B0609020204030204" pitchFamily="49" charset="0"/>
+                <a:cs typeface="Consolas" panose="020B0609020204030204" pitchFamily="49" charset="0"/>
+              </a:rPr>
+              <a:t>();</a:t>
+            </a:r>
+          </a:p>
+          <a:p>
+            <a:endParaRPr lang="en-CA" dirty="0">
+              <a:latin typeface="Consolas" panose="020B0609020204030204" pitchFamily="49" charset="0"/>
+              <a:cs typeface="Consolas" panose="020B0609020204030204" pitchFamily="49" charset="0"/>
+            </a:endParaRPr>
+          </a:p>
+          <a:p>
+            <a:r>
+              <a:rPr lang="en-CA" dirty="0" err="1">
+                <a:latin typeface="Consolas" panose="020B0609020204030204" pitchFamily="49" charset="0"/>
+                <a:cs typeface="Consolas" panose="020B0609020204030204" pitchFamily="49" charset="0"/>
+              </a:rPr>
+              <a:t>cout</a:t>
+            </a:r>
+            <a:r>
+              <a:rPr lang="en-CA" dirty="0">
+                <a:latin typeface="Consolas" panose="020B0609020204030204" pitchFamily="49" charset="0"/>
+                <a:cs typeface="Consolas" panose="020B0609020204030204" pitchFamily="49" charset="0"/>
+              </a:rPr>
+              <a:t> &lt;&lt; "  length: " &lt;&lt; </a:t>
+            </a:r>
+            <a:r>
+              <a:rPr lang="en-CA" dirty="0" err="1">
+                <a:latin typeface="Consolas" panose="020B0609020204030204" pitchFamily="49" charset="0"/>
+                <a:cs typeface="Consolas" panose="020B0609020204030204" pitchFamily="49" charset="0"/>
+              </a:rPr>
+              <a:t>s.length</a:t>
+            </a:r>
+            <a:r>
+              <a:rPr lang="en-CA" dirty="0">
+                <a:latin typeface="Consolas" panose="020B0609020204030204" pitchFamily="49" charset="0"/>
+                <a:cs typeface="Consolas" panose="020B0609020204030204" pitchFamily="49" charset="0"/>
+              </a:rPr>
+              <a:t>() &lt;&lt; "\n";</a:t>
+            </a:r>
+          </a:p>
+          <a:p>
+            <a:r>
+              <a:rPr lang="en-CA" dirty="0" err="1">
+                <a:latin typeface="Consolas" panose="020B0609020204030204" pitchFamily="49" charset="0"/>
+                <a:cs typeface="Consolas" panose="020B0609020204030204" pitchFamily="49" charset="0"/>
+              </a:rPr>
+              <a:t>cout</a:t>
+            </a:r>
+            <a:r>
+              <a:rPr lang="en-CA" dirty="0">
+                <a:latin typeface="Consolas" panose="020B0609020204030204" pitchFamily="49" charset="0"/>
+                <a:cs typeface="Consolas" panose="020B0609020204030204" pitchFamily="49" charset="0"/>
+              </a:rPr>
+              <a:t> &lt;&lt; "midpoint: " &lt;&lt; </a:t>
+            </a:r>
+            <a:r>
+              <a:rPr lang="en-CA" dirty="0" err="1">
+                <a:latin typeface="Consolas" panose="020B0609020204030204" pitchFamily="49" charset="0"/>
+                <a:cs typeface="Consolas" panose="020B0609020204030204" pitchFamily="49" charset="0"/>
+              </a:rPr>
+              <a:t>s.midpoint</a:t>
+            </a:r>
+            <a:r>
+              <a:rPr lang="en-CA" dirty="0">
+                <a:latin typeface="Consolas" panose="020B0609020204030204" pitchFamily="49" charset="0"/>
+                <a:cs typeface="Consolas" panose="020B0609020204030204" pitchFamily="49" charset="0"/>
+              </a:rPr>
+              <a:t>().</a:t>
+            </a:r>
+            <a:r>
+              <a:rPr lang="en-CA" dirty="0" err="1">
+                <a:latin typeface="Consolas" panose="020B0609020204030204" pitchFamily="49" charset="0"/>
+                <a:cs typeface="Consolas" panose="020B0609020204030204" pitchFamily="49" charset="0"/>
+              </a:rPr>
+              <a:t>toString</a:t>
+            </a:r>
+            <a:r>
+              <a:rPr lang="en-CA" dirty="0">
+                <a:latin typeface="Consolas" panose="020B0609020204030204" pitchFamily="49" charset="0"/>
+                <a:cs typeface="Consolas" panose="020B0609020204030204" pitchFamily="49" charset="0"/>
+              </a:rPr>
+              <a:t>() &lt;&lt; "\n";</a:t>
+            </a:r>
+          </a:p>
+        </p:txBody>
+      </p:sp>
+      <p:sp>
+        <p:nvSpPr>
+          <p:cNvPr id="5" name="TextBox 4">
+            <a:extLst>
+              <a:ext uri="{FF2B5EF4-FFF2-40B4-BE49-F238E27FC236}">
+                <a16:creationId xmlns:a16="http://schemas.microsoft.com/office/drawing/2014/main" id="{A1DEBF95-645B-62B0-D43C-A1EB8F0DF320}"/>
+              </a:ext>
+            </a:extLst>
+          </p:cNvPr>
+          <p:cNvSpPr txBox="1"/>
+          <p:nvPr/>
+        </p:nvSpPr>
+        <p:spPr>
+          <a:xfrm>
+            <a:off x="7479365" y="1335942"/>
+            <a:ext cx="3036235" cy="369332"/>
+          </a:xfrm>
+          <a:prstGeom prst="rect">
+            <a:avLst/>
+          </a:prstGeom>
+          <a:solidFill>
+            <a:srgbClr val="FFFC00">
+              <a:alpha val="74902"/>
+            </a:srgbClr>
+          </a:solidFill>
+        </p:spPr>
+        <p:txBody>
+          <a:bodyPr wrap="square" rtlCol="0">
+            <a:spAutoFit/>
+          </a:bodyPr>
+          <a:lstStyle/>
+          <a:p>
+            <a:pPr algn="ctr"/>
+            <a:r>
+              <a:rPr lang="en-US" dirty="0"/>
+              <a:t>Some sample calling code.</a:t>
+            </a:r>
+          </a:p>
+        </p:txBody>
+      </p:sp>
+    </p:spTree>
+    <p:extLst>
+      <p:ext uri="{BB962C8B-B14F-4D97-AF65-F5344CB8AC3E}">
+        <p14:creationId xmlns:p14="http://schemas.microsoft.com/office/powerpoint/2010/main" val="792308464"/>
+      </p:ext>
+    </p:extLst>
+  </p:cSld>
+  <p:clrMapOvr>
+    <a:masterClrMapping/>
+  </p:clrMapOvr>
+</p:sld>
+</file>
+
+<file path=ppt/slides/slide34.xml><?xml version="1.0" encoding="utf-8"?>
+<p:sld xmlns:a="http://schemas.openxmlformats.org/drawingml/2006/main" xmlns:r="http://schemas.openxmlformats.org/officeDocument/2006/relationships" xmlns:p="http://schemas.openxmlformats.org/presentationml/2006/main">
+  <p:cSld>
+    <p:spTree>
+      <p:nvGrpSpPr>
+        <p:cNvPr id="1" name="">
+          <a:extLst>
+            <a:ext uri="{FF2B5EF4-FFF2-40B4-BE49-F238E27FC236}">
+              <a16:creationId xmlns:a16="http://schemas.microsoft.com/office/drawing/2014/main" id="{88A48C45-E304-BA4D-9F9A-DDD6C972D4EC}"/>
+            </a:ext>
+          </a:extLst>
+        </p:cNvPr>
+        <p:cNvGrpSpPr/>
+        <p:nvPr/>
+      </p:nvGrpSpPr>
+      <p:grpSpPr>
+        <a:xfrm>
+          <a:off x="0" y="0"/>
+          <a:ext cx="0" cy="0"/>
+          <a:chOff x="0" y="0"/>
+          <a:chExt cx="0" cy="0"/>
+        </a:xfrm>
+      </p:grpSpPr>
+      <p:sp>
+        <p:nvSpPr>
+          <p:cNvPr id="2" name="Title 1">
+            <a:extLst>
+              <a:ext uri="{FF2B5EF4-FFF2-40B4-BE49-F238E27FC236}">
+                <a16:creationId xmlns:a16="http://schemas.microsoft.com/office/drawing/2014/main" id="{F5D61FDB-D1ED-A16D-B2B7-1ED445D582BB}"/>
+              </a:ext>
+            </a:extLst>
+          </p:cNvPr>
+          <p:cNvSpPr>
+            <a:spLocks noGrp="1"/>
+          </p:cNvSpPr>
+          <p:nvPr>
+            <p:ph type="title"/>
+          </p:nvPr>
+        </p:nvSpPr>
+        <p:spPr>
+          <a:xfrm>
+            <a:off x="90055" y="10379"/>
+            <a:ext cx="4222173" cy="1325563"/>
+          </a:xfrm>
+        </p:spPr>
+        <p:txBody>
+          <a:bodyPr/>
+          <a:lstStyle/>
+          <a:p>
+            <a:r>
+              <a:rPr lang="en-US" dirty="0"/>
+              <a:t>Segment Objects</a:t>
+            </a:r>
+          </a:p>
+        </p:txBody>
+      </p:sp>
+      <p:sp>
+        <p:nvSpPr>
+          <p:cNvPr id="4" name="TextBox 3">
+            <a:extLst>
+              <a:ext uri="{FF2B5EF4-FFF2-40B4-BE49-F238E27FC236}">
+                <a16:creationId xmlns:a16="http://schemas.microsoft.com/office/drawing/2014/main" id="{79137222-DF7A-6E01-74B1-1B8526FE1979}"/>
+              </a:ext>
+            </a:extLst>
+          </p:cNvPr>
+          <p:cNvSpPr txBox="1"/>
+          <p:nvPr/>
+        </p:nvSpPr>
+        <p:spPr>
+          <a:xfrm>
+            <a:off x="911323" y="1314420"/>
+            <a:ext cx="6769802" cy="2031325"/>
+          </a:xfrm>
+          <a:prstGeom prst="rect">
+            <a:avLst/>
+          </a:prstGeom>
+          <a:noFill/>
+        </p:spPr>
+        <p:txBody>
+          <a:bodyPr wrap="none" rtlCol="0">
+            <a:spAutoFit/>
+          </a:bodyPr>
+          <a:lstStyle/>
+          <a:p>
+            <a:r>
+              <a:rPr lang="en-CA" dirty="0">
+                <a:latin typeface="Consolas" panose="020B0609020204030204" pitchFamily="49" charset="0"/>
+                <a:cs typeface="Consolas" panose="020B0609020204030204" pitchFamily="49" charset="0"/>
+              </a:rPr>
+              <a:t>vector&lt;Segment&gt; segments = {Segment(1, 2, 3, 4), </a:t>
+            </a:r>
+          </a:p>
+          <a:p>
+            <a:r>
+              <a:rPr lang="en-CA" dirty="0">
+                <a:latin typeface="Consolas" panose="020B0609020204030204" pitchFamily="49" charset="0"/>
+                <a:cs typeface="Consolas" panose="020B0609020204030204" pitchFamily="49" charset="0"/>
+              </a:rPr>
+              <a:t>                            Segment(5, 6, 7, 8), </a:t>
+            </a:r>
+          </a:p>
+          <a:p>
+            <a:r>
+              <a:rPr lang="en-CA" dirty="0">
+                <a:latin typeface="Consolas" panose="020B0609020204030204" pitchFamily="49" charset="0"/>
+                <a:cs typeface="Consolas" panose="020B0609020204030204" pitchFamily="49" charset="0"/>
+              </a:rPr>
+              <a:t>                            Segment(9, 10, 11, 12)};</a:t>
+            </a:r>
+            <a:br>
+              <a:rPr lang="en-CA" dirty="0">
+                <a:latin typeface="Consolas" panose="020B0609020204030204" pitchFamily="49" charset="0"/>
+                <a:cs typeface="Consolas" panose="020B0609020204030204" pitchFamily="49" charset="0"/>
+              </a:rPr>
+            </a:br>
+            <a:endParaRPr lang="en-CA" dirty="0">
+              <a:latin typeface="Consolas" panose="020B0609020204030204" pitchFamily="49" charset="0"/>
+              <a:cs typeface="Consolas" panose="020B0609020204030204" pitchFamily="49" charset="0"/>
+            </a:endParaRPr>
+          </a:p>
+          <a:p>
+            <a:r>
+              <a:rPr lang="en-CA" dirty="0">
+                <a:latin typeface="Consolas" panose="020B0609020204030204" pitchFamily="49" charset="0"/>
+                <a:cs typeface="Consolas" panose="020B0609020204030204" pitchFamily="49" charset="0"/>
+              </a:rPr>
+              <a:t>for (const Segment&amp; s : segments) {</a:t>
+            </a:r>
+          </a:p>
+          <a:p>
+            <a:r>
+              <a:rPr lang="en-CA" dirty="0">
+                <a:latin typeface="Consolas" panose="020B0609020204030204" pitchFamily="49" charset="0"/>
+                <a:cs typeface="Consolas" panose="020B0609020204030204" pitchFamily="49" charset="0"/>
+              </a:rPr>
+              <a:t>  </a:t>
+            </a:r>
+            <a:r>
+              <a:rPr lang="en-CA" dirty="0" err="1">
+                <a:latin typeface="Consolas" panose="020B0609020204030204" pitchFamily="49" charset="0"/>
+                <a:cs typeface="Consolas" panose="020B0609020204030204" pitchFamily="49" charset="0"/>
+              </a:rPr>
+              <a:t>s.println</a:t>
+            </a:r>
+            <a:r>
+              <a:rPr lang="en-CA" dirty="0">
+                <a:latin typeface="Consolas" panose="020B0609020204030204" pitchFamily="49" charset="0"/>
+                <a:cs typeface="Consolas" panose="020B0609020204030204" pitchFamily="49" charset="0"/>
+              </a:rPr>
+              <a:t>();</a:t>
+            </a:r>
+          </a:p>
+          <a:p>
+            <a:r>
+              <a:rPr lang="en-CA" dirty="0">
+                <a:latin typeface="Consolas" panose="020B0609020204030204" pitchFamily="49" charset="0"/>
+                <a:cs typeface="Consolas" panose="020B0609020204030204" pitchFamily="49" charset="0"/>
+              </a:rPr>
+              <a:t>}</a:t>
+            </a:r>
+          </a:p>
+        </p:txBody>
+      </p:sp>
+      <p:sp>
+        <p:nvSpPr>
+          <p:cNvPr id="5" name="TextBox 4">
+            <a:extLst>
+              <a:ext uri="{FF2B5EF4-FFF2-40B4-BE49-F238E27FC236}">
+                <a16:creationId xmlns:a16="http://schemas.microsoft.com/office/drawing/2014/main" id="{6030FA9D-AA3E-1E14-FF07-C7D2A21E53B4}"/>
+              </a:ext>
+            </a:extLst>
+          </p:cNvPr>
+          <p:cNvSpPr txBox="1"/>
+          <p:nvPr/>
+        </p:nvSpPr>
+        <p:spPr>
+          <a:xfrm>
+            <a:off x="5995555" y="2422415"/>
+            <a:ext cx="1685567" cy="923330"/>
+          </a:xfrm>
+          <a:prstGeom prst="rect">
+            <a:avLst/>
+          </a:prstGeom>
+          <a:solidFill>
+            <a:srgbClr val="FFFC00">
+              <a:alpha val="74902"/>
+            </a:srgbClr>
+          </a:solidFill>
+        </p:spPr>
+        <p:txBody>
+          <a:bodyPr wrap="square" rtlCol="0">
+            <a:spAutoFit/>
+          </a:bodyPr>
+          <a:lstStyle/>
+          <a:p>
+            <a:pPr algn="ctr"/>
+            <a:r>
+              <a:rPr lang="en-US" dirty="0"/>
+              <a:t>You can store </a:t>
+            </a:r>
+            <a:r>
+              <a:rPr lang="en-US" dirty="0">
+                <a:latin typeface="Consolas" panose="020B0609020204030204" pitchFamily="49" charset="0"/>
+                <a:cs typeface="Consolas" panose="020B0609020204030204" pitchFamily="49" charset="0"/>
+              </a:rPr>
+              <a:t>Segment</a:t>
+            </a:r>
+            <a:r>
+              <a:rPr lang="en-US" dirty="0"/>
+              <a:t>s in a </a:t>
+            </a:r>
+            <a:r>
+              <a:rPr lang="en-US" dirty="0">
+                <a:latin typeface="Consolas" panose="020B0609020204030204" pitchFamily="49" charset="0"/>
+                <a:cs typeface="Consolas" panose="020B0609020204030204" pitchFamily="49" charset="0"/>
+              </a:rPr>
+              <a:t>vector</a:t>
+            </a:r>
+            <a:r>
+              <a:rPr lang="en-US" dirty="0"/>
+              <a:t>.</a:t>
+            </a:r>
+          </a:p>
+        </p:txBody>
+      </p:sp>
+    </p:spTree>
+    <p:extLst>
+      <p:ext uri="{BB962C8B-B14F-4D97-AF65-F5344CB8AC3E}">
+        <p14:creationId xmlns:p14="http://schemas.microsoft.com/office/powerpoint/2010/main" val="3350333952"/>
+      </p:ext>
+    </p:extLst>
+  </p:cSld>
+  <p:clrMapOvr>
+    <a:masterClrMapping/>
+  </p:clrMapOvr>
+</p:sld>
+</file>
+
+<file path=ppt/slides/slide35.xml><?xml version="1.0" encoding="utf-8"?>
+<p:sld xmlns:a="http://schemas.openxmlformats.org/drawingml/2006/main" xmlns:r="http://schemas.openxmlformats.org/officeDocument/2006/relationships" xmlns:p="http://schemas.openxmlformats.org/presentationml/2006/main">
+  <p:cSld>
+    <p:spTree>
+      <p:nvGrpSpPr>
+        <p:cNvPr id="1" name="">
+          <a:extLst>
+            <a:ext uri="{FF2B5EF4-FFF2-40B4-BE49-F238E27FC236}">
+              <a16:creationId xmlns:a16="http://schemas.microsoft.com/office/drawing/2014/main" id="{0121FAF3-7AB9-9620-DC44-8F717D6F0B8F}"/>
+            </a:ext>
+          </a:extLst>
+        </p:cNvPr>
+        <p:cNvGrpSpPr/>
+        <p:nvPr/>
+      </p:nvGrpSpPr>
+      <p:grpSpPr>
+        <a:xfrm>
+          <a:off x="0" y="0"/>
+          <a:ext cx="0" cy="0"/>
+          <a:chOff x="0" y="0"/>
+          <a:chExt cx="0" cy="0"/>
+        </a:xfrm>
+      </p:grpSpPr>
+      <p:sp>
+        <p:nvSpPr>
+          <p:cNvPr id="2" name="Title 1">
+            <a:extLst>
+              <a:ext uri="{FF2B5EF4-FFF2-40B4-BE49-F238E27FC236}">
+                <a16:creationId xmlns:a16="http://schemas.microsoft.com/office/drawing/2014/main" id="{674FAC3A-D1DB-11C0-28CC-6B19F7B2E251}"/>
+              </a:ext>
+            </a:extLst>
+          </p:cNvPr>
+          <p:cNvSpPr>
+            <a:spLocks noGrp="1"/>
+          </p:cNvSpPr>
+          <p:nvPr>
+            <p:ph type="title"/>
+          </p:nvPr>
+        </p:nvSpPr>
+        <p:spPr>
+          <a:xfrm>
+            <a:off x="90055" y="10379"/>
+            <a:ext cx="4222173" cy="1325563"/>
+          </a:xfrm>
+        </p:spPr>
+        <p:txBody>
+          <a:bodyPr/>
+          <a:lstStyle/>
+          <a:p>
+            <a:r>
+              <a:rPr lang="en-US" dirty="0"/>
+              <a:t>Segment Objects</a:t>
+            </a:r>
+          </a:p>
+        </p:txBody>
+      </p:sp>
+      <p:sp>
+        <p:nvSpPr>
+          <p:cNvPr id="4" name="TextBox 3">
+            <a:extLst>
+              <a:ext uri="{FF2B5EF4-FFF2-40B4-BE49-F238E27FC236}">
+                <a16:creationId xmlns:a16="http://schemas.microsoft.com/office/drawing/2014/main" id="{A6200551-602F-D471-2CEB-5B6C65DEC574}"/>
+              </a:ext>
+            </a:extLst>
+          </p:cNvPr>
+          <p:cNvSpPr txBox="1"/>
+          <p:nvPr/>
+        </p:nvSpPr>
+        <p:spPr>
+          <a:xfrm>
+            <a:off x="911323" y="1314420"/>
+            <a:ext cx="6769802" cy="2031325"/>
+          </a:xfrm>
+          <a:prstGeom prst="rect">
+            <a:avLst/>
+          </a:prstGeom>
+          <a:noFill/>
+        </p:spPr>
+        <p:txBody>
+          <a:bodyPr wrap="none" rtlCol="0">
+            <a:spAutoFit/>
+          </a:bodyPr>
+          <a:lstStyle/>
+          <a:p>
+            <a:r>
+              <a:rPr lang="en-CA" dirty="0">
+                <a:latin typeface="Consolas" panose="020B0609020204030204" pitchFamily="49" charset="0"/>
+                <a:cs typeface="Consolas" panose="020B0609020204030204" pitchFamily="49" charset="0"/>
+              </a:rPr>
+              <a:t>vector&lt;Segment&gt; segments = {Segment(1, 2, 3, 4), </a:t>
+            </a:r>
+          </a:p>
+          <a:p>
+            <a:r>
+              <a:rPr lang="en-CA" dirty="0">
+                <a:latin typeface="Consolas" panose="020B0609020204030204" pitchFamily="49" charset="0"/>
+                <a:cs typeface="Consolas" panose="020B0609020204030204" pitchFamily="49" charset="0"/>
+              </a:rPr>
+              <a:t>                            Segment(5, 6, 7, 8), </a:t>
+            </a:r>
+          </a:p>
+          <a:p>
+            <a:r>
+              <a:rPr lang="en-CA" dirty="0">
+                <a:latin typeface="Consolas" panose="020B0609020204030204" pitchFamily="49" charset="0"/>
+                <a:cs typeface="Consolas" panose="020B0609020204030204" pitchFamily="49" charset="0"/>
+              </a:rPr>
+              <a:t>                            Segment(9, 10, 11, 12)};</a:t>
+            </a:r>
+            <a:br>
+              <a:rPr lang="en-CA" dirty="0">
+                <a:latin typeface="Consolas" panose="020B0609020204030204" pitchFamily="49" charset="0"/>
+                <a:cs typeface="Consolas" panose="020B0609020204030204" pitchFamily="49" charset="0"/>
+              </a:rPr>
+            </a:br>
+            <a:endParaRPr lang="en-CA" dirty="0">
+              <a:latin typeface="Consolas" panose="020B0609020204030204" pitchFamily="49" charset="0"/>
+              <a:cs typeface="Consolas" panose="020B0609020204030204" pitchFamily="49" charset="0"/>
+            </a:endParaRPr>
+          </a:p>
+          <a:p>
+            <a:r>
+              <a:rPr lang="en-CA" dirty="0">
+                <a:latin typeface="Consolas" panose="020B0609020204030204" pitchFamily="49" charset="0"/>
+                <a:cs typeface="Consolas" panose="020B0609020204030204" pitchFamily="49" charset="0"/>
+              </a:rPr>
+              <a:t>for (const Segment&amp; s : segments) {</a:t>
+            </a:r>
+          </a:p>
+          <a:p>
+            <a:r>
+              <a:rPr lang="en-CA" dirty="0">
+                <a:latin typeface="Consolas" panose="020B0609020204030204" pitchFamily="49" charset="0"/>
+                <a:cs typeface="Consolas" panose="020B0609020204030204" pitchFamily="49" charset="0"/>
+              </a:rPr>
+              <a:t>  </a:t>
+            </a:r>
+            <a:r>
+              <a:rPr lang="en-CA" dirty="0" err="1">
+                <a:latin typeface="Consolas" panose="020B0609020204030204" pitchFamily="49" charset="0"/>
+                <a:cs typeface="Consolas" panose="020B0609020204030204" pitchFamily="49" charset="0"/>
+              </a:rPr>
+              <a:t>s.println</a:t>
+            </a:r>
+            <a:r>
+              <a:rPr lang="en-CA" dirty="0">
+                <a:latin typeface="Consolas" panose="020B0609020204030204" pitchFamily="49" charset="0"/>
+                <a:cs typeface="Consolas" panose="020B0609020204030204" pitchFamily="49" charset="0"/>
+              </a:rPr>
+              <a:t>();</a:t>
+            </a:r>
+          </a:p>
+          <a:p>
+            <a:r>
+              <a:rPr lang="en-CA" dirty="0">
+                <a:latin typeface="Consolas" panose="020B0609020204030204" pitchFamily="49" charset="0"/>
+                <a:cs typeface="Consolas" panose="020B0609020204030204" pitchFamily="49" charset="0"/>
+              </a:rPr>
+              <a:t>}</a:t>
+            </a:r>
+          </a:p>
+        </p:txBody>
+      </p:sp>
+      <p:sp>
+        <p:nvSpPr>
+          <p:cNvPr id="5" name="TextBox 4">
+            <a:extLst>
+              <a:ext uri="{FF2B5EF4-FFF2-40B4-BE49-F238E27FC236}">
+                <a16:creationId xmlns:a16="http://schemas.microsoft.com/office/drawing/2014/main" id="{34489865-CD89-EC36-97E4-07A911507735}"/>
+              </a:ext>
+            </a:extLst>
+          </p:cNvPr>
+          <p:cNvSpPr txBox="1"/>
+          <p:nvPr/>
+        </p:nvSpPr>
+        <p:spPr>
+          <a:xfrm>
+            <a:off x="5995555" y="2422415"/>
+            <a:ext cx="1685567" cy="923330"/>
+          </a:xfrm>
+          <a:prstGeom prst="rect">
+            <a:avLst/>
+          </a:prstGeom>
+          <a:solidFill>
+            <a:srgbClr val="FFFC00">
+              <a:alpha val="74902"/>
+            </a:srgbClr>
+          </a:solidFill>
+        </p:spPr>
+        <p:txBody>
+          <a:bodyPr wrap="square" rtlCol="0">
+            <a:spAutoFit/>
+          </a:bodyPr>
+          <a:lstStyle/>
+          <a:p>
+            <a:pPr algn="ctr"/>
+            <a:r>
+              <a:rPr lang="en-US" dirty="0"/>
+              <a:t>You can store </a:t>
+            </a:r>
+            <a:r>
+              <a:rPr lang="en-US" dirty="0">
+                <a:latin typeface="Consolas" panose="020B0609020204030204" pitchFamily="49" charset="0"/>
+                <a:cs typeface="Consolas" panose="020B0609020204030204" pitchFamily="49" charset="0"/>
+              </a:rPr>
+              <a:t>Segment</a:t>
+            </a:r>
+            <a:r>
+              <a:rPr lang="en-US" dirty="0"/>
+              <a:t>s in a </a:t>
+            </a:r>
+            <a:r>
+              <a:rPr lang="en-US" dirty="0">
+                <a:latin typeface="Consolas" panose="020B0609020204030204" pitchFamily="49" charset="0"/>
+                <a:cs typeface="Consolas" panose="020B0609020204030204" pitchFamily="49" charset="0"/>
+              </a:rPr>
+              <a:t>vector</a:t>
+            </a:r>
+            <a:r>
+              <a:rPr lang="en-US" dirty="0"/>
+              <a:t>.</a:t>
+            </a:r>
+          </a:p>
+        </p:txBody>
+      </p:sp>
+      <p:sp>
+        <p:nvSpPr>
+          <p:cNvPr id="3" name="Rectangle 2">
+            <a:extLst>
+              <a:ext uri="{FF2B5EF4-FFF2-40B4-BE49-F238E27FC236}">
+                <a16:creationId xmlns:a16="http://schemas.microsoft.com/office/drawing/2014/main" id="{452353D2-597E-831B-49C5-4FF339CD247C}"/>
+              </a:ext>
+            </a:extLst>
+          </p:cNvPr>
+          <p:cNvSpPr/>
+          <p:nvPr/>
+        </p:nvSpPr>
+        <p:spPr>
+          <a:xfrm>
+            <a:off x="1629641" y="2447751"/>
+            <a:ext cx="2059132" cy="285058"/>
+          </a:xfrm>
+          <a:prstGeom prst="rect">
+            <a:avLst/>
+          </a:prstGeom>
+          <a:noFill/>
+          <a:ln>
+            <a:solidFill>
+              <a:srgbClr val="FF0000"/>
+            </a:solidFill>
+          </a:ln>
+        </p:spPr>
+        <p:style>
+          <a:lnRef idx="2">
+            <a:schemeClr val="accent1">
+              <a:shade val="15000"/>
+            </a:schemeClr>
+          </a:lnRef>
+          <a:fillRef idx="1">
+            <a:schemeClr val="accent1"/>
+          </a:fillRef>
+          <a:effectRef idx="0">
+            <a:schemeClr val="accent1"/>
+          </a:effectRef>
+          <a:fontRef idx="minor">
+            <a:schemeClr val="lt1"/>
+          </a:fontRef>
+        </p:style>
+        <p:txBody>
+          <a:bodyPr rtlCol="0" anchor="ctr"/>
+          <a:lstStyle/>
+          <a:p>
+            <a:pPr algn="ctr"/>
+            <a:endParaRPr lang="en-US"/>
+          </a:p>
+        </p:txBody>
+      </p:sp>
+      <p:sp>
+        <p:nvSpPr>
+          <p:cNvPr id="6" name="TextBox 5">
+            <a:extLst>
+              <a:ext uri="{FF2B5EF4-FFF2-40B4-BE49-F238E27FC236}">
+                <a16:creationId xmlns:a16="http://schemas.microsoft.com/office/drawing/2014/main" id="{77ABD960-846E-84D2-F9FE-DC0DCCA73216}"/>
+              </a:ext>
+            </a:extLst>
+          </p:cNvPr>
+          <p:cNvSpPr txBox="1"/>
+          <p:nvPr/>
+        </p:nvSpPr>
+        <p:spPr>
+          <a:xfrm>
+            <a:off x="2648817" y="3429000"/>
+            <a:ext cx="2769593" cy="923330"/>
+          </a:xfrm>
+          <a:prstGeom prst="rect">
+            <a:avLst/>
+          </a:prstGeom>
+          <a:solidFill>
+            <a:srgbClr val="FFFC00">
+              <a:alpha val="74902"/>
+            </a:srgbClr>
+          </a:solidFill>
+        </p:spPr>
+        <p:txBody>
+          <a:bodyPr wrap="square" rtlCol="0">
+            <a:spAutoFit/>
+          </a:bodyPr>
+          <a:lstStyle/>
+          <a:p>
+            <a:pPr algn="ctr"/>
+            <a:r>
+              <a:rPr lang="en-US" dirty="0"/>
+              <a:t>Looping over a vector with constant reference ensures no copy is made.</a:t>
+            </a:r>
+          </a:p>
+        </p:txBody>
+      </p:sp>
+      <p:cxnSp>
+        <p:nvCxnSpPr>
+          <p:cNvPr id="8" name="Straight Arrow Connector 7">
+            <a:extLst>
+              <a:ext uri="{FF2B5EF4-FFF2-40B4-BE49-F238E27FC236}">
+                <a16:creationId xmlns:a16="http://schemas.microsoft.com/office/drawing/2014/main" id="{A56204D6-54E1-DD75-0D1C-785B2BFB810A}"/>
+              </a:ext>
+            </a:extLst>
+          </p:cNvPr>
+          <p:cNvCxnSpPr/>
+          <p:nvPr/>
+        </p:nvCxnSpPr>
+        <p:spPr>
+          <a:xfrm flipV="1">
+            <a:off x="3293918" y="2732809"/>
+            <a:ext cx="0" cy="696191"/>
+          </a:xfrm>
+          <a:prstGeom prst="straightConnector1">
+            <a:avLst/>
+          </a:prstGeom>
+          <a:ln>
+            <a:tailEnd type="triangle"/>
+          </a:ln>
+        </p:spPr>
+        <p:style>
+          <a:lnRef idx="2">
+            <a:schemeClr val="accent1"/>
+          </a:lnRef>
+          <a:fillRef idx="0">
+            <a:schemeClr val="accent1"/>
+          </a:fillRef>
+          <a:effectRef idx="1">
+            <a:schemeClr val="accent1"/>
+          </a:effectRef>
+          <a:fontRef idx="minor">
+            <a:schemeClr val="tx1"/>
+          </a:fontRef>
+        </p:style>
+      </p:cxnSp>
+      <p:sp>
+        <p:nvSpPr>
+          <p:cNvPr id="10" name="TextBox 9">
+            <a:extLst>
+              <a:ext uri="{FF2B5EF4-FFF2-40B4-BE49-F238E27FC236}">
+                <a16:creationId xmlns:a16="http://schemas.microsoft.com/office/drawing/2014/main" id="{626887B4-AD1C-8AE3-A857-0D4E7CC5F8AB}"/>
+              </a:ext>
+            </a:extLst>
+          </p:cNvPr>
+          <p:cNvSpPr txBox="1"/>
+          <p:nvPr/>
+        </p:nvSpPr>
+        <p:spPr>
+          <a:xfrm>
+            <a:off x="6925541" y="5160577"/>
+            <a:ext cx="3870614" cy="923330"/>
+          </a:xfrm>
+          <a:prstGeom prst="rect">
+            <a:avLst/>
+          </a:prstGeom>
+          <a:noFill/>
+          <a:ln>
+            <a:solidFill>
+              <a:schemeClr val="accent1"/>
+            </a:solidFill>
+          </a:ln>
+        </p:spPr>
+        <p:txBody>
+          <a:bodyPr wrap="square">
+            <a:spAutoFit/>
+          </a:bodyPr>
+          <a:lstStyle/>
+          <a:p>
+            <a:r>
+              <a:rPr lang="en-CA" dirty="0">
+                <a:latin typeface="Consolas" panose="020B0609020204030204" pitchFamily="49" charset="0"/>
+                <a:cs typeface="Consolas" panose="020B0609020204030204" pitchFamily="49" charset="0"/>
+              </a:rPr>
+              <a:t>for (Segment s : segments) {</a:t>
+            </a:r>
+          </a:p>
+          <a:p>
+            <a:r>
+              <a:rPr lang="en-CA" dirty="0">
+                <a:latin typeface="Consolas" panose="020B0609020204030204" pitchFamily="49" charset="0"/>
+                <a:cs typeface="Consolas" panose="020B0609020204030204" pitchFamily="49" charset="0"/>
+              </a:rPr>
+              <a:t>  </a:t>
+            </a:r>
+            <a:r>
+              <a:rPr lang="en-CA" dirty="0" err="1">
+                <a:latin typeface="Consolas" panose="020B0609020204030204" pitchFamily="49" charset="0"/>
+                <a:cs typeface="Consolas" panose="020B0609020204030204" pitchFamily="49" charset="0"/>
+              </a:rPr>
+              <a:t>s.println</a:t>
+            </a:r>
+            <a:r>
+              <a:rPr lang="en-CA" dirty="0">
+                <a:latin typeface="Consolas" panose="020B0609020204030204" pitchFamily="49" charset="0"/>
+                <a:cs typeface="Consolas" panose="020B0609020204030204" pitchFamily="49" charset="0"/>
+              </a:rPr>
+              <a:t>();</a:t>
+            </a:r>
+          </a:p>
+          <a:p>
+            <a:r>
+              <a:rPr lang="en-CA" dirty="0">
+                <a:latin typeface="Consolas" panose="020B0609020204030204" pitchFamily="49" charset="0"/>
+                <a:cs typeface="Consolas" panose="020B0609020204030204" pitchFamily="49" charset="0"/>
+              </a:rPr>
+              <a:t>}</a:t>
+            </a:r>
+          </a:p>
+        </p:txBody>
+      </p:sp>
+      <p:sp>
+        <p:nvSpPr>
+          <p:cNvPr id="11" name="TextBox 10">
+            <a:extLst>
+              <a:ext uri="{FF2B5EF4-FFF2-40B4-BE49-F238E27FC236}">
+                <a16:creationId xmlns:a16="http://schemas.microsoft.com/office/drawing/2014/main" id="{1421C892-27C8-B331-C905-1D8EABA204E8}"/>
+              </a:ext>
+            </a:extLst>
+          </p:cNvPr>
+          <p:cNvSpPr txBox="1"/>
+          <p:nvPr/>
+        </p:nvSpPr>
+        <p:spPr>
+          <a:xfrm>
+            <a:off x="3881663" y="5160577"/>
+            <a:ext cx="2769593" cy="923330"/>
+          </a:xfrm>
+          <a:prstGeom prst="rect">
+            <a:avLst/>
+          </a:prstGeom>
+          <a:solidFill>
+            <a:srgbClr val="FFFC00">
+              <a:alpha val="74902"/>
+            </a:srgbClr>
+          </a:solidFill>
+        </p:spPr>
+        <p:txBody>
+          <a:bodyPr wrap="square" rtlCol="0">
+            <a:spAutoFit/>
+          </a:bodyPr>
+          <a:lstStyle/>
+          <a:p>
+            <a:pPr algn="ctr"/>
+            <a:r>
+              <a:rPr lang="en-US" dirty="0"/>
+              <a:t>If you did it like this it then the loop would make a copy of each </a:t>
+            </a:r>
+            <a:r>
+              <a:rPr lang="en-US" dirty="0">
+                <a:latin typeface="Consolas" panose="020B0609020204030204" pitchFamily="49" charset="0"/>
+                <a:cs typeface="Consolas" panose="020B0609020204030204" pitchFamily="49" charset="0"/>
+              </a:rPr>
+              <a:t>Segment</a:t>
+            </a:r>
+            <a:r>
+              <a:rPr lang="en-US" dirty="0"/>
+              <a:t>.</a:t>
+            </a:r>
+          </a:p>
+        </p:txBody>
+      </p:sp>
+    </p:spTree>
+    <p:extLst>
+      <p:ext uri="{BB962C8B-B14F-4D97-AF65-F5344CB8AC3E}">
+        <p14:creationId xmlns:p14="http://schemas.microsoft.com/office/powerpoint/2010/main" val="1739201111"/>
       </p:ext>
     </p:extLst>
   </p:cSld>

--- a/notes/week5/week5.pptx
+++ b/notes/week5/week5.pptx
@@ -5,7 +5,7 @@
     <p:sldMasterId id="2147483648" r:id="rId1"/>
   </p:sldMasterIdLst>
   <p:notesMasterIdLst>
-    <p:notesMasterId r:id="rId37"/>
+    <p:notesMasterId r:id="rId39"/>
   </p:notesMasterIdLst>
   <p:sldIdLst>
     <p:sldId id="334" r:id="rId2"/>
@@ -23,26 +23,28 @@
     <p:sldId id="352" r:id="rId14"/>
     <p:sldId id="360" r:id="rId15"/>
     <p:sldId id="353" r:id="rId16"/>
-    <p:sldId id="362" r:id="rId17"/>
-    <p:sldId id="363" r:id="rId18"/>
-    <p:sldId id="364" r:id="rId19"/>
-    <p:sldId id="365" r:id="rId20"/>
-    <p:sldId id="366" r:id="rId21"/>
-    <p:sldId id="367" r:id="rId22"/>
-    <p:sldId id="368" r:id="rId23"/>
-    <p:sldId id="369" r:id="rId24"/>
-    <p:sldId id="371" r:id="rId25"/>
-    <p:sldId id="372" r:id="rId26"/>
-    <p:sldId id="373" r:id="rId27"/>
-    <p:sldId id="376" r:id="rId28"/>
-    <p:sldId id="374" r:id="rId29"/>
-    <p:sldId id="375" r:id="rId30"/>
-    <p:sldId id="377" r:id="rId31"/>
-    <p:sldId id="378" r:id="rId32"/>
-    <p:sldId id="379" r:id="rId33"/>
-    <p:sldId id="380" r:id="rId34"/>
-    <p:sldId id="381" r:id="rId35"/>
-    <p:sldId id="382" r:id="rId36"/>
+    <p:sldId id="383" r:id="rId17"/>
+    <p:sldId id="384" r:id="rId18"/>
+    <p:sldId id="362" r:id="rId19"/>
+    <p:sldId id="363" r:id="rId20"/>
+    <p:sldId id="364" r:id="rId21"/>
+    <p:sldId id="365" r:id="rId22"/>
+    <p:sldId id="366" r:id="rId23"/>
+    <p:sldId id="367" r:id="rId24"/>
+    <p:sldId id="368" r:id="rId25"/>
+    <p:sldId id="369" r:id="rId26"/>
+    <p:sldId id="371" r:id="rId27"/>
+    <p:sldId id="372" r:id="rId28"/>
+    <p:sldId id="373" r:id="rId29"/>
+    <p:sldId id="376" r:id="rId30"/>
+    <p:sldId id="374" r:id="rId31"/>
+    <p:sldId id="375" r:id="rId32"/>
+    <p:sldId id="377" r:id="rId33"/>
+    <p:sldId id="378" r:id="rId34"/>
+    <p:sldId id="379" r:id="rId35"/>
+    <p:sldId id="380" r:id="rId36"/>
+    <p:sldId id="381" r:id="rId37"/>
+    <p:sldId id="382" r:id="rId38"/>
   </p:sldIdLst>
   <p:sldSz cx="12192000" cy="6858000"/>
   <p:notesSz cx="6858000" cy="9144000"/>
@@ -163,7 +165,13 @@
             <p14:sldId id="353"/>
           </p14:sldIdLst>
         </p14:section>
-        <p14:section name="OOP example: shapes" id="{DEC473E5-4A53-C94F-9C26-FB38B40BCCBA}">
+        <p14:section name="Comparing Strings" id="{6CEE347D-7DFB-0F49-9808-61596FFC2954}">
+          <p14:sldIdLst>
+            <p14:sldId id="383"/>
+            <p14:sldId id="384"/>
+          </p14:sldIdLst>
+        </p14:section>
+        <p14:section name="OOP example: point" id="{DEC473E5-4A53-C94F-9C26-FB38B40BCCBA}">
           <p14:sldIdLst>
             <p14:sldId id="362"/>
             <p14:sldId id="363"/>
@@ -203,8 +211,7 @@
 <file path=ppt/revisionInfo.xml><?xml version="1.0" encoding="utf-8"?>
 <p1510:revInfo xmlns:a="http://schemas.openxmlformats.org/drawingml/2006/main" xmlns:r="http://schemas.openxmlformats.org/officeDocument/2006/relationships" xmlns:p1510="http://schemas.microsoft.com/office/powerpoint/2015/10/main">
   <p1510:revLst>
-    <p1510:client id="{33A2B773-C530-684B-BED7-41E44C36EABE}" v="29" dt="2026-02-02T20:59:59.570"/>
-    <p1510:client id="{ED909D2C-6CEE-DF41-A2B1-994876E71ACE}" v="73" dt="2026-02-03T06:57:26.544"/>
+    <p1510:client id="{ED909D2C-6CEE-DF41-A2B1-994876E71ACE}" v="92" dt="2026-02-04T00:17:50.610"/>
   </p1510:revLst>
 </p1510:revInfo>
 </file>
@@ -218,230 +225,6 @@
       <pc:docMkLst>
         <pc:docMk/>
       </pc:docMkLst>
-      <pc:sldChg chg="del">
-        <pc:chgData name="Toby Donaldson" userId="2e6e5431-bb17-4c41-9985-d39c50d83c73" providerId="ADAL" clId="{F31BC264-820E-54C4-A6D1-F92AF9CC222E}" dt="2026-02-02T08:11:36.601" v="8700" actId="2696"/>
-        <pc:sldMkLst>
-          <pc:docMk/>
-          <pc:sldMk cId="2172232019" sldId="288"/>
-        </pc:sldMkLst>
-      </pc:sldChg>
-      <pc:sldChg chg="addSp del">
-        <pc:chgData name="Toby Donaldson" userId="2e6e5431-bb17-4c41-9985-d39c50d83c73" providerId="ADAL" clId="{F31BC264-820E-54C4-A6D1-F92AF9CC222E}" dt="2026-02-02T08:11:36.601" v="8700" actId="2696"/>
-        <pc:sldMkLst>
-          <pc:docMk/>
-          <pc:sldMk cId="1236492372" sldId="290"/>
-        </pc:sldMkLst>
-      </pc:sldChg>
-      <pc:sldChg chg="addSp del">
-        <pc:chgData name="Toby Donaldson" userId="2e6e5431-bb17-4c41-9985-d39c50d83c73" providerId="ADAL" clId="{F31BC264-820E-54C4-A6D1-F92AF9CC222E}" dt="2026-02-02T08:11:36.601" v="8700" actId="2696"/>
-        <pc:sldMkLst>
-          <pc:docMk/>
-          <pc:sldMk cId="3539270219" sldId="292"/>
-        </pc:sldMkLst>
-      </pc:sldChg>
-      <pc:sldChg chg="del">
-        <pc:chgData name="Toby Donaldson" userId="2e6e5431-bb17-4c41-9985-d39c50d83c73" providerId="ADAL" clId="{F31BC264-820E-54C4-A6D1-F92AF9CC222E}" dt="2026-02-02T08:11:36.601" v="8700" actId="2696"/>
-        <pc:sldMkLst>
-          <pc:docMk/>
-          <pc:sldMk cId="3209990170" sldId="305"/>
-        </pc:sldMkLst>
-      </pc:sldChg>
-      <pc:sldChg chg="addSp del">
-        <pc:chgData name="Toby Donaldson" userId="2e6e5431-bb17-4c41-9985-d39c50d83c73" providerId="ADAL" clId="{F31BC264-820E-54C4-A6D1-F92AF9CC222E}" dt="2026-02-02T08:11:36.601" v="8700" actId="2696"/>
-        <pc:sldMkLst>
-          <pc:docMk/>
-          <pc:sldMk cId="3488239129" sldId="306"/>
-        </pc:sldMkLst>
-      </pc:sldChg>
-      <pc:sldChg chg="del">
-        <pc:chgData name="Toby Donaldson" userId="2e6e5431-bb17-4c41-9985-d39c50d83c73" providerId="ADAL" clId="{F31BC264-820E-54C4-A6D1-F92AF9CC222E}" dt="2026-02-02T08:11:36.601" v="8700" actId="2696"/>
-        <pc:sldMkLst>
-          <pc:docMk/>
-          <pc:sldMk cId="1241638584" sldId="307"/>
-        </pc:sldMkLst>
-      </pc:sldChg>
-      <pc:sldChg chg="del">
-        <pc:chgData name="Toby Donaldson" userId="2e6e5431-bb17-4c41-9985-d39c50d83c73" providerId="ADAL" clId="{F31BC264-820E-54C4-A6D1-F92AF9CC222E}" dt="2026-02-02T08:11:36.601" v="8700" actId="2696"/>
-        <pc:sldMkLst>
-          <pc:docMk/>
-          <pc:sldMk cId="2914034866" sldId="308"/>
-        </pc:sldMkLst>
-      </pc:sldChg>
-      <pc:sldChg chg="del">
-        <pc:chgData name="Toby Donaldson" userId="2e6e5431-bb17-4c41-9985-d39c50d83c73" providerId="ADAL" clId="{F31BC264-820E-54C4-A6D1-F92AF9CC222E}" dt="2026-02-02T08:11:36.601" v="8700" actId="2696"/>
-        <pc:sldMkLst>
-          <pc:docMk/>
-          <pc:sldMk cId="1839758155" sldId="309"/>
-        </pc:sldMkLst>
-      </pc:sldChg>
-      <pc:sldChg chg="del">
-        <pc:chgData name="Toby Donaldson" userId="2e6e5431-bb17-4c41-9985-d39c50d83c73" providerId="ADAL" clId="{F31BC264-820E-54C4-A6D1-F92AF9CC222E}" dt="2026-02-02T08:11:36.601" v="8700" actId="2696"/>
-        <pc:sldMkLst>
-          <pc:docMk/>
-          <pc:sldMk cId="1228447704" sldId="310"/>
-        </pc:sldMkLst>
-      </pc:sldChg>
-      <pc:sldChg chg="del">
-        <pc:chgData name="Toby Donaldson" userId="2e6e5431-bb17-4c41-9985-d39c50d83c73" providerId="ADAL" clId="{F31BC264-820E-54C4-A6D1-F92AF9CC222E}" dt="2026-02-02T08:11:36.601" v="8700" actId="2696"/>
-        <pc:sldMkLst>
-          <pc:docMk/>
-          <pc:sldMk cId="2674039296" sldId="311"/>
-        </pc:sldMkLst>
-      </pc:sldChg>
-      <pc:sldChg chg="del">
-        <pc:chgData name="Toby Donaldson" userId="2e6e5431-bb17-4c41-9985-d39c50d83c73" providerId="ADAL" clId="{F31BC264-820E-54C4-A6D1-F92AF9CC222E}" dt="2026-02-02T08:11:36.601" v="8700" actId="2696"/>
-        <pc:sldMkLst>
-          <pc:docMk/>
-          <pc:sldMk cId="688028266" sldId="312"/>
-        </pc:sldMkLst>
-      </pc:sldChg>
-      <pc:sldChg chg="del">
-        <pc:chgData name="Toby Donaldson" userId="2e6e5431-bb17-4c41-9985-d39c50d83c73" providerId="ADAL" clId="{F31BC264-820E-54C4-A6D1-F92AF9CC222E}" dt="2026-02-02T08:11:36.601" v="8700" actId="2696"/>
-        <pc:sldMkLst>
-          <pc:docMk/>
-          <pc:sldMk cId="914911993" sldId="313"/>
-        </pc:sldMkLst>
-      </pc:sldChg>
-      <pc:sldChg chg="addSp del">
-        <pc:chgData name="Toby Donaldson" userId="2e6e5431-bb17-4c41-9985-d39c50d83c73" providerId="ADAL" clId="{F31BC264-820E-54C4-A6D1-F92AF9CC222E}" dt="2026-02-02T08:11:36.601" v="8700" actId="2696"/>
-        <pc:sldMkLst>
-          <pc:docMk/>
-          <pc:sldMk cId="3537493458" sldId="314"/>
-        </pc:sldMkLst>
-      </pc:sldChg>
-      <pc:sldChg chg="addSp del">
-        <pc:chgData name="Toby Donaldson" userId="2e6e5431-bb17-4c41-9985-d39c50d83c73" providerId="ADAL" clId="{F31BC264-820E-54C4-A6D1-F92AF9CC222E}" dt="2026-02-02T08:11:36.601" v="8700" actId="2696"/>
-        <pc:sldMkLst>
-          <pc:docMk/>
-          <pc:sldMk cId="2925355879" sldId="315"/>
-        </pc:sldMkLst>
-      </pc:sldChg>
-      <pc:sldChg chg="del">
-        <pc:chgData name="Toby Donaldson" userId="2e6e5431-bb17-4c41-9985-d39c50d83c73" providerId="ADAL" clId="{F31BC264-820E-54C4-A6D1-F92AF9CC222E}" dt="2026-02-02T08:11:36.601" v="8700" actId="2696"/>
-        <pc:sldMkLst>
-          <pc:docMk/>
-          <pc:sldMk cId="184563056" sldId="316"/>
-        </pc:sldMkLst>
-      </pc:sldChg>
-      <pc:sldChg chg="del">
-        <pc:chgData name="Toby Donaldson" userId="2e6e5431-bb17-4c41-9985-d39c50d83c73" providerId="ADAL" clId="{F31BC264-820E-54C4-A6D1-F92AF9CC222E}" dt="2026-02-02T08:11:36.601" v="8700" actId="2696"/>
-        <pc:sldMkLst>
-          <pc:docMk/>
-          <pc:sldMk cId="2167339669" sldId="317"/>
-        </pc:sldMkLst>
-      </pc:sldChg>
-      <pc:sldChg chg="addSp del">
-        <pc:chgData name="Toby Donaldson" userId="2e6e5431-bb17-4c41-9985-d39c50d83c73" providerId="ADAL" clId="{F31BC264-820E-54C4-A6D1-F92AF9CC222E}" dt="2026-02-02T08:11:36.601" v="8700" actId="2696"/>
-        <pc:sldMkLst>
-          <pc:docMk/>
-          <pc:sldMk cId="2527193178" sldId="318"/>
-        </pc:sldMkLst>
-      </pc:sldChg>
-      <pc:sldChg chg="del">
-        <pc:chgData name="Toby Donaldson" userId="2e6e5431-bb17-4c41-9985-d39c50d83c73" providerId="ADAL" clId="{F31BC264-820E-54C4-A6D1-F92AF9CC222E}" dt="2026-02-02T08:11:36.601" v="8700" actId="2696"/>
-        <pc:sldMkLst>
-          <pc:docMk/>
-          <pc:sldMk cId="2938003837" sldId="319"/>
-        </pc:sldMkLst>
-      </pc:sldChg>
-      <pc:sldChg chg="addSp del">
-        <pc:chgData name="Toby Donaldson" userId="2e6e5431-bb17-4c41-9985-d39c50d83c73" providerId="ADAL" clId="{F31BC264-820E-54C4-A6D1-F92AF9CC222E}" dt="2026-02-02T08:11:36.601" v="8700" actId="2696"/>
-        <pc:sldMkLst>
-          <pc:docMk/>
-          <pc:sldMk cId="3794650716" sldId="320"/>
-        </pc:sldMkLst>
-      </pc:sldChg>
-      <pc:sldChg chg="del">
-        <pc:chgData name="Toby Donaldson" userId="2e6e5431-bb17-4c41-9985-d39c50d83c73" providerId="ADAL" clId="{F31BC264-820E-54C4-A6D1-F92AF9CC222E}" dt="2026-02-02T08:11:36.601" v="8700" actId="2696"/>
-        <pc:sldMkLst>
-          <pc:docMk/>
-          <pc:sldMk cId="723975102" sldId="321"/>
-        </pc:sldMkLst>
-      </pc:sldChg>
-      <pc:sldChg chg="addSp del">
-        <pc:chgData name="Toby Donaldson" userId="2e6e5431-bb17-4c41-9985-d39c50d83c73" providerId="ADAL" clId="{F31BC264-820E-54C4-A6D1-F92AF9CC222E}" dt="2026-02-02T08:11:36.601" v="8700" actId="2696"/>
-        <pc:sldMkLst>
-          <pc:docMk/>
-          <pc:sldMk cId="2643061498" sldId="322"/>
-        </pc:sldMkLst>
-      </pc:sldChg>
-      <pc:sldChg chg="addSp del">
-        <pc:chgData name="Toby Donaldson" userId="2e6e5431-bb17-4c41-9985-d39c50d83c73" providerId="ADAL" clId="{F31BC264-820E-54C4-A6D1-F92AF9CC222E}" dt="2026-02-02T08:11:36.601" v="8700" actId="2696"/>
-        <pc:sldMkLst>
-          <pc:docMk/>
-          <pc:sldMk cId="4123640532" sldId="323"/>
-        </pc:sldMkLst>
-      </pc:sldChg>
-      <pc:sldChg chg="del">
-        <pc:chgData name="Toby Donaldson" userId="2e6e5431-bb17-4c41-9985-d39c50d83c73" providerId="ADAL" clId="{F31BC264-820E-54C4-A6D1-F92AF9CC222E}" dt="2026-02-02T08:11:36.601" v="8700" actId="2696"/>
-        <pc:sldMkLst>
-          <pc:docMk/>
-          <pc:sldMk cId="1477188525" sldId="324"/>
-        </pc:sldMkLst>
-      </pc:sldChg>
-      <pc:sldChg chg="addSp del">
-        <pc:chgData name="Toby Donaldson" userId="2e6e5431-bb17-4c41-9985-d39c50d83c73" providerId="ADAL" clId="{F31BC264-820E-54C4-A6D1-F92AF9CC222E}" dt="2026-02-02T08:11:36.601" v="8700" actId="2696"/>
-        <pc:sldMkLst>
-          <pc:docMk/>
-          <pc:sldMk cId="3709081245" sldId="325"/>
-        </pc:sldMkLst>
-      </pc:sldChg>
-      <pc:sldChg chg="addSp del">
-        <pc:chgData name="Toby Donaldson" userId="2e6e5431-bb17-4c41-9985-d39c50d83c73" providerId="ADAL" clId="{F31BC264-820E-54C4-A6D1-F92AF9CC222E}" dt="2026-02-02T08:11:36.601" v="8700" actId="2696"/>
-        <pc:sldMkLst>
-          <pc:docMk/>
-          <pc:sldMk cId="1242246029" sldId="326"/>
-        </pc:sldMkLst>
-      </pc:sldChg>
-      <pc:sldChg chg="del">
-        <pc:chgData name="Toby Donaldson" userId="2e6e5431-bb17-4c41-9985-d39c50d83c73" providerId="ADAL" clId="{F31BC264-820E-54C4-A6D1-F92AF9CC222E}" dt="2026-02-02T08:11:36.601" v="8700" actId="2696"/>
-        <pc:sldMkLst>
-          <pc:docMk/>
-          <pc:sldMk cId="2765288981" sldId="327"/>
-        </pc:sldMkLst>
-      </pc:sldChg>
-      <pc:sldChg chg="addSp del">
-        <pc:chgData name="Toby Donaldson" userId="2e6e5431-bb17-4c41-9985-d39c50d83c73" providerId="ADAL" clId="{F31BC264-820E-54C4-A6D1-F92AF9CC222E}" dt="2026-02-02T08:11:36.601" v="8700" actId="2696"/>
-        <pc:sldMkLst>
-          <pc:docMk/>
-          <pc:sldMk cId="3813021799" sldId="328"/>
-        </pc:sldMkLst>
-      </pc:sldChg>
-      <pc:sldChg chg="addSp del">
-        <pc:chgData name="Toby Donaldson" userId="2e6e5431-bb17-4c41-9985-d39c50d83c73" providerId="ADAL" clId="{F31BC264-820E-54C4-A6D1-F92AF9CC222E}" dt="2026-02-02T08:11:36.601" v="8700" actId="2696"/>
-        <pc:sldMkLst>
-          <pc:docMk/>
-          <pc:sldMk cId="2961346413" sldId="329"/>
-        </pc:sldMkLst>
-      </pc:sldChg>
-      <pc:sldChg chg="addSp del">
-        <pc:chgData name="Toby Donaldson" userId="2e6e5431-bb17-4c41-9985-d39c50d83c73" providerId="ADAL" clId="{F31BC264-820E-54C4-A6D1-F92AF9CC222E}" dt="2026-02-02T08:11:36.601" v="8700" actId="2696"/>
-        <pc:sldMkLst>
-          <pc:docMk/>
-          <pc:sldMk cId="77597262" sldId="330"/>
-        </pc:sldMkLst>
-      </pc:sldChg>
-      <pc:sldChg chg="addSp del">
-        <pc:chgData name="Toby Donaldson" userId="2e6e5431-bb17-4c41-9985-d39c50d83c73" providerId="ADAL" clId="{F31BC264-820E-54C4-A6D1-F92AF9CC222E}" dt="2026-02-02T08:11:36.601" v="8700" actId="2696"/>
-        <pc:sldMkLst>
-          <pc:docMk/>
-          <pc:sldMk cId="2813639027" sldId="331"/>
-        </pc:sldMkLst>
-      </pc:sldChg>
-      <pc:sldChg chg="addSp del">
-        <pc:chgData name="Toby Donaldson" userId="2e6e5431-bb17-4c41-9985-d39c50d83c73" providerId="ADAL" clId="{F31BC264-820E-54C4-A6D1-F92AF9CC222E}" dt="2026-02-02T08:11:36.601" v="8700" actId="2696"/>
-        <pc:sldMkLst>
-          <pc:docMk/>
-          <pc:sldMk cId="2926935877" sldId="332"/>
-        </pc:sldMkLst>
-      </pc:sldChg>
-      <pc:sldChg chg="del">
-        <pc:chgData name="Toby Donaldson" userId="2e6e5431-bb17-4c41-9985-d39c50d83c73" providerId="ADAL" clId="{F31BC264-820E-54C4-A6D1-F92AF9CC222E}" dt="2026-02-02T08:11:36.601" v="8700" actId="2696"/>
-        <pc:sldMkLst>
-          <pc:docMk/>
-          <pc:sldMk cId="1184112150" sldId="333"/>
-        </pc:sldMkLst>
-      </pc:sldChg>
       <pc:sldChg chg="modSp new mod ord">
         <pc:chgData name="Toby Donaldson" userId="2e6e5431-bb17-4c41-9985-d39c50d83c73" providerId="ADAL" clId="{F31BC264-820E-54C4-A6D1-F92AF9CC222E}" dt="2026-02-02T07:34:50.789" v="4730" actId="20577"/>
         <pc:sldMkLst>
@@ -465,83 +248,6 @@
           </ac:spMkLst>
         </pc:spChg>
       </pc:sldChg>
-      <pc:sldChg chg="modSp del mod">
-        <pc:chgData name="Toby Donaldson" userId="2e6e5431-bb17-4c41-9985-d39c50d83c73" providerId="ADAL" clId="{F31BC264-820E-54C4-A6D1-F92AF9CC222E}" dt="2026-02-02T08:11:36.601" v="8700" actId="2696"/>
-        <pc:sldMkLst>
-          <pc:docMk/>
-          <pc:sldMk cId="1865479771" sldId="335"/>
-        </pc:sldMkLst>
-      </pc:sldChg>
-      <pc:sldChg chg="addSp del">
-        <pc:chgData name="Toby Donaldson" userId="2e6e5431-bb17-4c41-9985-d39c50d83c73" providerId="ADAL" clId="{F31BC264-820E-54C4-A6D1-F92AF9CC222E}" dt="2026-02-02T08:11:36.601" v="8700" actId="2696"/>
-        <pc:sldMkLst>
-          <pc:docMk/>
-          <pc:sldMk cId="1188422300" sldId="336"/>
-        </pc:sldMkLst>
-      </pc:sldChg>
-      <pc:sldChg chg="addSp del">
-        <pc:chgData name="Toby Donaldson" userId="2e6e5431-bb17-4c41-9985-d39c50d83c73" providerId="ADAL" clId="{F31BC264-820E-54C4-A6D1-F92AF9CC222E}" dt="2026-02-02T08:11:36.601" v="8700" actId="2696"/>
-        <pc:sldMkLst>
-          <pc:docMk/>
-          <pc:sldMk cId="3253082698" sldId="337"/>
-        </pc:sldMkLst>
-      </pc:sldChg>
-      <pc:sldChg chg="addSp del">
-        <pc:chgData name="Toby Donaldson" userId="2e6e5431-bb17-4c41-9985-d39c50d83c73" providerId="ADAL" clId="{F31BC264-820E-54C4-A6D1-F92AF9CC222E}" dt="2026-02-02T08:11:36.601" v="8700" actId="2696"/>
-        <pc:sldMkLst>
-          <pc:docMk/>
-          <pc:sldMk cId="4197681973" sldId="338"/>
-        </pc:sldMkLst>
-      </pc:sldChg>
-      <pc:sldChg chg="del">
-        <pc:chgData name="Toby Donaldson" userId="2e6e5431-bb17-4c41-9985-d39c50d83c73" providerId="ADAL" clId="{F31BC264-820E-54C4-A6D1-F92AF9CC222E}" dt="2026-02-02T08:11:36.601" v="8700" actId="2696"/>
-        <pc:sldMkLst>
-          <pc:docMk/>
-          <pc:sldMk cId="2591374707" sldId="339"/>
-        </pc:sldMkLst>
-      </pc:sldChg>
-      <pc:sldChg chg="addSp del">
-        <pc:chgData name="Toby Donaldson" userId="2e6e5431-bb17-4c41-9985-d39c50d83c73" providerId="ADAL" clId="{F31BC264-820E-54C4-A6D1-F92AF9CC222E}" dt="2026-02-02T08:11:36.601" v="8700" actId="2696"/>
-        <pc:sldMkLst>
-          <pc:docMk/>
-          <pc:sldMk cId="115139445" sldId="340"/>
-        </pc:sldMkLst>
-      </pc:sldChg>
-      <pc:sldChg chg="addSp del">
-        <pc:chgData name="Toby Donaldson" userId="2e6e5431-bb17-4c41-9985-d39c50d83c73" providerId="ADAL" clId="{F31BC264-820E-54C4-A6D1-F92AF9CC222E}" dt="2026-02-02T08:11:36.601" v="8700" actId="2696"/>
-        <pc:sldMkLst>
-          <pc:docMk/>
-          <pc:sldMk cId="2547815119" sldId="341"/>
-        </pc:sldMkLst>
-      </pc:sldChg>
-      <pc:sldChg chg="del">
-        <pc:chgData name="Toby Donaldson" userId="2e6e5431-bb17-4c41-9985-d39c50d83c73" providerId="ADAL" clId="{F31BC264-820E-54C4-A6D1-F92AF9CC222E}" dt="2026-02-02T08:13:10.514" v="8711" actId="2696"/>
-        <pc:sldMkLst>
-          <pc:docMk/>
-          <pc:sldMk cId="1607977926" sldId="342"/>
-        </pc:sldMkLst>
-      </pc:sldChg>
-      <pc:sldChg chg="addSp add del ord">
-        <pc:chgData name="Toby Donaldson" userId="2e6e5431-bb17-4c41-9985-d39c50d83c73" providerId="ADAL" clId="{F31BC264-820E-54C4-A6D1-F92AF9CC222E}" dt="2026-02-02T08:11:36.601" v="8700" actId="2696"/>
-        <pc:sldMkLst>
-          <pc:docMk/>
-          <pc:sldMk cId="2907725870" sldId="343"/>
-        </pc:sldMkLst>
-      </pc:sldChg>
-      <pc:sldChg chg="modSp add del mod">
-        <pc:chgData name="Toby Donaldson" userId="2e6e5431-bb17-4c41-9985-d39c50d83c73" providerId="ADAL" clId="{F31BC264-820E-54C4-A6D1-F92AF9CC222E}" dt="2026-02-02T08:11:36.601" v="8700" actId="2696"/>
-        <pc:sldMkLst>
-          <pc:docMk/>
-          <pc:sldMk cId="4167573808" sldId="344"/>
-        </pc:sldMkLst>
-      </pc:sldChg>
-      <pc:sldChg chg="addSp delSp modSp add del mod">
-        <pc:chgData name="Toby Donaldson" userId="2e6e5431-bb17-4c41-9985-d39c50d83c73" providerId="ADAL" clId="{F31BC264-820E-54C4-A6D1-F92AF9CC222E}" dt="2026-02-02T08:11:36.601" v="8700" actId="2696"/>
-        <pc:sldMkLst>
-          <pc:docMk/>
-          <pc:sldMk cId="3231763607" sldId="345"/>
-        </pc:sldMkLst>
-      </pc:sldChg>
       <pc:sldChg chg="addSp delSp modSp new mod">
         <pc:chgData name="Toby Donaldson" userId="2e6e5431-bb17-4c41-9985-d39c50d83c73" providerId="ADAL" clId="{F31BC264-820E-54C4-A6D1-F92AF9CC222E}" dt="2026-02-02T20:08:05.732" v="9920" actId="27636"/>
         <pc:sldMkLst>
@@ -562,45 +268,6 @@
             <pc:docMk/>
             <pc:sldMk cId="4287681926" sldId="346"/>
             <ac:spMk id="3" creationId="{24A80A95-F298-1F53-7570-B7B0CF822C0A}"/>
-          </ac:spMkLst>
-        </pc:spChg>
-        <pc:spChg chg="add del mod">
-          <ac:chgData name="Toby Donaldson" userId="2e6e5431-bb17-4c41-9985-d39c50d83c73" providerId="ADAL" clId="{F31BC264-820E-54C4-A6D1-F92AF9CC222E}" dt="2026-02-02T08:12:31.812" v="8706" actId="21"/>
-          <ac:spMkLst>
-            <pc:docMk/>
-            <pc:sldMk cId="4287681926" sldId="346"/>
-            <ac:spMk id="4" creationId="{B506D894-8753-0CFA-FB31-7683215C64C2}"/>
-          </ac:spMkLst>
-        </pc:spChg>
-        <pc:spChg chg="add del mod">
-          <ac:chgData name="Toby Donaldson" userId="2e6e5431-bb17-4c41-9985-d39c50d83c73" providerId="ADAL" clId="{F31BC264-820E-54C4-A6D1-F92AF9CC222E}" dt="2026-02-02T20:08:00.095" v="9918" actId="21"/>
-          <ac:spMkLst>
-            <pc:docMk/>
-            <pc:sldMk cId="4287681926" sldId="346"/>
-            <ac:spMk id="5" creationId="{0B8FB630-6967-6C7B-D457-27130D0B1D62}"/>
-          </ac:spMkLst>
-        </pc:spChg>
-      </pc:sldChg>
-      <pc:sldChg chg="modSp new del mod">
-        <pc:chgData name="Toby Donaldson" userId="2e6e5431-bb17-4c41-9985-d39c50d83c73" providerId="ADAL" clId="{F31BC264-820E-54C4-A6D1-F92AF9CC222E}" dt="2026-02-02T20:09:17.658" v="9923" actId="2696"/>
-        <pc:sldMkLst>
-          <pc:docMk/>
-          <pc:sldMk cId="1160559359" sldId="347"/>
-        </pc:sldMkLst>
-        <pc:spChg chg="mod">
-          <ac:chgData name="Toby Donaldson" userId="2e6e5431-bb17-4c41-9985-d39c50d83c73" providerId="ADAL" clId="{F31BC264-820E-54C4-A6D1-F92AF9CC222E}" dt="2026-02-02T08:13:21.304" v="8712" actId="20577"/>
-          <ac:spMkLst>
-            <pc:docMk/>
-            <pc:sldMk cId="1160559359" sldId="347"/>
-            <ac:spMk id="2" creationId="{17404FA9-041F-1265-644E-4CB44789EA15}"/>
-          </ac:spMkLst>
-        </pc:spChg>
-        <pc:spChg chg="mod">
-          <ac:chgData name="Toby Donaldson" userId="2e6e5431-bb17-4c41-9985-d39c50d83c73" providerId="ADAL" clId="{F31BC264-820E-54C4-A6D1-F92AF9CC222E}" dt="2026-02-02T20:08:38.793" v="9922" actId="20577"/>
-          <ac:spMkLst>
-            <pc:docMk/>
-            <pc:sldMk cId="1160559359" sldId="347"/>
-            <ac:spMk id="3" creationId="{A4F1ED77-F1B0-A534-C0AC-2EDF90F12A83}"/>
           </ac:spMkLst>
         </pc:spChg>
       </pc:sldChg>
@@ -649,54 +316,6 @@
             <ac:spMk id="3" creationId="{5C0AE271-4450-0B97-83FD-E4413DD16CEA}"/>
           </ac:spMkLst>
         </pc:spChg>
-        <pc:spChg chg="add mod">
-          <ac:chgData name="Toby Donaldson" userId="2e6e5431-bb17-4c41-9985-d39c50d83c73" providerId="ADAL" clId="{F31BC264-820E-54C4-A6D1-F92AF9CC222E}" dt="2026-02-02T08:06:21.666" v="8517" actId="122"/>
-          <ac:spMkLst>
-            <pc:docMk/>
-            <pc:sldMk cId="707129745" sldId="349"/>
-            <ac:spMk id="4" creationId="{BB364CF3-EF6F-9AE2-904B-5BFAE8A54A3B}"/>
-          </ac:spMkLst>
-        </pc:spChg>
-        <pc:spChg chg="add mod">
-          <ac:chgData name="Toby Donaldson" userId="2e6e5431-bb17-4c41-9985-d39c50d83c73" providerId="ADAL" clId="{F31BC264-820E-54C4-A6D1-F92AF9CC222E}" dt="2026-02-02T08:06:17.016" v="8516" actId="122"/>
-          <ac:spMkLst>
-            <pc:docMk/>
-            <pc:sldMk cId="707129745" sldId="349"/>
-            <ac:spMk id="5" creationId="{3A7C729A-E8B3-3E03-5333-A6A12E1DC54C}"/>
-          </ac:spMkLst>
-        </pc:spChg>
-        <pc:spChg chg="add del mod">
-          <ac:chgData name="Toby Donaldson" userId="2e6e5431-bb17-4c41-9985-d39c50d83c73" providerId="ADAL" clId="{F31BC264-820E-54C4-A6D1-F92AF9CC222E}" dt="2026-02-02T08:13:02.500" v="8710" actId="21"/>
-          <ac:spMkLst>
-            <pc:docMk/>
-            <pc:sldMk cId="707129745" sldId="349"/>
-            <ac:spMk id="7" creationId="{DC788245-F6A0-CEBF-5F8D-353FD9F590FD}"/>
-          </ac:spMkLst>
-        </pc:spChg>
-        <pc:spChg chg="add del">
-          <ac:chgData name="Toby Donaldson" userId="2e6e5431-bb17-4c41-9985-d39c50d83c73" providerId="ADAL" clId="{F31BC264-820E-54C4-A6D1-F92AF9CC222E}" dt="2026-02-02T08:15:44.747" v="8732" actId="22"/>
-          <ac:spMkLst>
-            <pc:docMk/>
-            <pc:sldMk cId="707129745" sldId="349"/>
-            <ac:spMk id="9" creationId="{19F1FB6D-4D7F-A22A-DA8C-AE3D9E89732D}"/>
-          </ac:spMkLst>
-        </pc:spChg>
-        <pc:spChg chg="add del mod">
-          <ac:chgData name="Toby Donaldson" userId="2e6e5431-bb17-4c41-9985-d39c50d83c73" providerId="ADAL" clId="{F31BC264-820E-54C4-A6D1-F92AF9CC222E}" dt="2026-02-02T20:10:54.683" v="10006" actId="21"/>
-          <ac:spMkLst>
-            <pc:docMk/>
-            <pc:sldMk cId="707129745" sldId="349"/>
-            <ac:spMk id="10" creationId="{5E54C373-ED3C-D043-6862-58948D30BDE9}"/>
-          </ac:spMkLst>
-        </pc:spChg>
-        <pc:grpChg chg="add del mod">
-          <ac:chgData name="Toby Donaldson" userId="2e6e5431-bb17-4c41-9985-d39c50d83c73" providerId="ADAL" clId="{F31BC264-820E-54C4-A6D1-F92AF9CC222E}" dt="2026-02-02T20:10:54.683" v="10006" actId="21"/>
-          <ac:grpSpMkLst>
-            <pc:docMk/>
-            <pc:sldMk cId="707129745" sldId="349"/>
-            <ac:grpSpMk id="6" creationId="{F349E00D-1FC5-F832-3650-452AD89CACAD}"/>
-          </ac:grpSpMkLst>
-        </pc:grpChg>
       </pc:sldChg>
       <pc:sldChg chg="addSp delSp modSp add mod">
         <pc:chgData name="Toby Donaldson" userId="2e6e5431-bb17-4c41-9985-d39c50d83c73" providerId="ADAL" clId="{F31BC264-820E-54C4-A6D1-F92AF9CC222E}" dt="2026-02-02T20:11:45.525" v="10015" actId="20577"/>
@@ -736,14 +355,6 @@
             <ac:spMk id="8" creationId="{37C2C4EE-F95D-C7E0-526B-738584B23AA8}"/>
           </ac:spMkLst>
         </pc:spChg>
-        <pc:grpChg chg="add del mod">
-          <ac:chgData name="Toby Donaldson" userId="2e6e5431-bb17-4c41-9985-d39c50d83c73" providerId="ADAL" clId="{F31BC264-820E-54C4-A6D1-F92AF9CC222E}" dt="2026-02-02T08:07:25.330" v="8534" actId="165"/>
-          <ac:grpSpMkLst>
-            <pc:docMk/>
-            <pc:sldMk cId="1063807749" sldId="350"/>
-            <ac:grpSpMk id="4" creationId="{76BD3F84-0524-4743-430D-0CBFFD6502AC}"/>
-          </ac:grpSpMkLst>
-        </pc:grpChg>
         <pc:grpChg chg="add mod">
           <ac:chgData name="Toby Donaldson" userId="2e6e5431-bb17-4c41-9985-d39c50d83c73" providerId="ADAL" clId="{F31BC264-820E-54C4-A6D1-F92AF9CC222E}" dt="2026-02-02T08:10:20.862" v="8636" actId="1076"/>
           <ac:grpSpMkLst>
@@ -767,28 +378,12 @@
             <ac:spMk id="3" creationId="{2B10393C-F44D-C718-571B-602D8736D05C}"/>
           </ac:spMkLst>
         </pc:spChg>
-        <pc:spChg chg="add del mod">
-          <ac:chgData name="Toby Donaldson" userId="2e6e5431-bb17-4c41-9985-d39c50d83c73" providerId="ADAL" clId="{F31BC264-820E-54C4-A6D1-F92AF9CC222E}" dt="2026-02-02T20:14:45.811" v="10048" actId="21"/>
-          <ac:spMkLst>
-            <pc:docMk/>
-            <pc:sldMk cId="12990402" sldId="351"/>
-            <ac:spMk id="4" creationId="{F77EF468-150A-67FF-1AFF-34B89EE8C388}"/>
-          </ac:spMkLst>
-        </pc:spChg>
         <pc:spChg chg="add mod">
           <ac:chgData name="Toby Donaldson" userId="2e6e5431-bb17-4c41-9985-d39c50d83c73" providerId="ADAL" clId="{F31BC264-820E-54C4-A6D1-F92AF9CC222E}" dt="2026-02-02T20:13:16.025" v="10027" actId="1076"/>
           <ac:spMkLst>
             <pc:docMk/>
             <pc:sldMk cId="12990402" sldId="351"/>
             <ac:spMk id="5" creationId="{C8E16A23-E5CE-E334-AB4A-8242BD8576F2}"/>
-          </ac:spMkLst>
-        </pc:spChg>
-        <pc:spChg chg="add del mod">
-          <ac:chgData name="Toby Donaldson" userId="2e6e5431-bb17-4c41-9985-d39c50d83c73" providerId="ADAL" clId="{F31BC264-820E-54C4-A6D1-F92AF9CC222E}" dt="2026-02-02T20:14:45.811" v="10048" actId="21"/>
-          <ac:spMkLst>
-            <pc:docMk/>
-            <pc:sldMk cId="12990402" sldId="351"/>
-            <ac:spMk id="6" creationId="{93A62540-8C80-2565-D247-5CD2353463AF}"/>
           </ac:spMkLst>
         </pc:spChg>
         <pc:inkChg chg="add">
@@ -799,13 +394,6 @@
             <ac:inkMk id="7" creationId="{46C0ADD9-61D8-FFA4-8697-1F9E6EB89232}"/>
           </ac:inkMkLst>
         </pc:inkChg>
-      </pc:sldChg>
-      <pc:sldChg chg="new del">
-        <pc:chgData name="Toby Donaldson" userId="2e6e5431-bb17-4c41-9985-d39c50d83c73" providerId="ADAL" clId="{F31BC264-820E-54C4-A6D1-F92AF9CC222E}" dt="2026-02-02T08:17:08.613" v="8742" actId="2696"/>
-        <pc:sldMkLst>
-          <pc:docMk/>
-          <pc:sldMk cId="927035794" sldId="352"/>
-        </pc:sldMkLst>
       </pc:sldChg>
       <pc:sldChg chg="addSp delSp modSp add mod">
         <pc:chgData name="Toby Donaldson" userId="2e6e5431-bb17-4c41-9985-d39c50d83c73" providerId="ADAL" clId="{F31BC264-820E-54C4-A6D1-F92AF9CC222E}" dt="2026-02-02T20:59:59.566" v="10077"/>
@@ -819,30 +407,6 @@
             <pc:docMk/>
             <pc:sldMk cId="2255238560" sldId="352"/>
             <ac:spMk id="3" creationId="{9CCF62DA-0C60-FA13-83F3-5A36C4AB12CE}"/>
-          </ac:spMkLst>
-        </pc:spChg>
-        <pc:spChg chg="del">
-          <ac:chgData name="Toby Donaldson" userId="2e6e5431-bb17-4c41-9985-d39c50d83c73" providerId="ADAL" clId="{F31BC264-820E-54C4-A6D1-F92AF9CC222E}" dt="2026-02-02T08:17:19.104" v="8744" actId="21"/>
-          <ac:spMkLst>
-            <pc:docMk/>
-            <pc:sldMk cId="2255238560" sldId="352"/>
-            <ac:spMk id="4" creationId="{61AF5457-BE15-D87A-D73D-56B57BE39A4B}"/>
-          </ac:spMkLst>
-        </pc:spChg>
-        <pc:spChg chg="add del mod">
-          <ac:chgData name="Toby Donaldson" userId="2e6e5431-bb17-4c41-9985-d39c50d83c73" providerId="ADAL" clId="{F31BC264-820E-54C4-A6D1-F92AF9CC222E}" dt="2026-02-02T08:26:00.922" v="9618" actId="21"/>
-          <ac:spMkLst>
-            <pc:docMk/>
-            <pc:sldMk cId="2255238560" sldId="352"/>
-            <ac:spMk id="5" creationId="{C6B4B794-FEB5-2544-3227-1B98189C091C}"/>
-          </ac:spMkLst>
-        </pc:spChg>
-        <pc:spChg chg="add del mod">
-          <ac:chgData name="Toby Donaldson" userId="2e6e5431-bb17-4c41-9985-d39c50d83c73" providerId="ADAL" clId="{F31BC264-820E-54C4-A6D1-F92AF9CC222E}" dt="2026-02-02T20:15:36.971" v="10054" actId="21"/>
-          <ac:spMkLst>
-            <pc:docMk/>
-            <pc:sldMk cId="2255238560" sldId="352"/>
-            <ac:spMk id="6" creationId="{52453E3F-78A8-63F0-2A24-B822CC6E5522}"/>
           </ac:spMkLst>
         </pc:spChg>
         <pc:inkChg chg="add">
@@ -884,14 +448,6 @@
             <ac:spMk id="5" creationId="{3ECC738E-3B09-9674-9132-A81E4CFD714B}"/>
           </ac:spMkLst>
         </pc:spChg>
-        <pc:spChg chg="del">
-          <ac:chgData name="Toby Donaldson" userId="2e6e5431-bb17-4c41-9985-d39c50d83c73" providerId="ADAL" clId="{F31BC264-820E-54C4-A6D1-F92AF9CC222E}" dt="2026-02-02T08:28:14.868" v="9690" actId="21"/>
-          <ac:spMkLst>
-            <pc:docMk/>
-            <pc:sldMk cId="2746955670" sldId="353"/>
-            <ac:spMk id="6" creationId="{2F41B48B-B055-49E9-A049-1DA2EC2B4CC5}"/>
-          </ac:spMkLst>
-        </pc:spChg>
         <pc:spChg chg="add mod">
           <ac:chgData name="Toby Donaldson" userId="2e6e5431-bb17-4c41-9985-d39c50d83c73" providerId="ADAL" clId="{F31BC264-820E-54C4-A6D1-F92AF9CC222E}" dt="2026-02-02T20:17:03.528" v="10076" actId="20577"/>
           <ac:spMkLst>
@@ -900,21 +456,6 @@
             <ac:spMk id="7" creationId="{189F349E-3DA4-FD48-D72D-386F04DD451E}"/>
           </ac:spMkLst>
         </pc:spChg>
-      </pc:sldChg>
-      <pc:sldChg chg="addSp modSp new del">
-        <pc:chgData name="Toby Donaldson" userId="2e6e5431-bb17-4c41-9985-d39c50d83c73" providerId="ADAL" clId="{F31BC264-820E-54C4-A6D1-F92AF9CC222E}" dt="2026-02-02T20:07:01.897" v="9899" actId="2696"/>
-        <pc:sldMkLst>
-          <pc:docMk/>
-          <pc:sldMk cId="2594384425" sldId="354"/>
-        </pc:sldMkLst>
-        <pc:picChg chg="add mod">
-          <ac:chgData name="Toby Donaldson" userId="2e6e5431-bb17-4c41-9985-d39c50d83c73" providerId="ADAL" clId="{F31BC264-820E-54C4-A6D1-F92AF9CC222E}" dt="2026-02-02T20:06:54.543" v="9898" actId="1076"/>
-          <ac:picMkLst>
-            <pc:docMk/>
-            <pc:sldMk cId="2594384425" sldId="354"/>
-            <ac:picMk id="1026" creationId="{CD4E6612-2270-8A35-3FF3-4D63CE07D257}"/>
-          </ac:picMkLst>
-        </pc:picChg>
       </pc:sldChg>
       <pc:sldChg chg="addSp add">
         <pc:chgData name="Toby Donaldson" userId="2e6e5431-bb17-4c41-9985-d39c50d83c73" providerId="ADAL" clId="{F31BC264-820E-54C4-A6D1-F92AF9CC222E}" dt="2026-02-02T20:59:59.566" v="10077"/>
@@ -998,14 +539,6 @@
             <ac:spMk id="3" creationId="{7B35CFC1-64B2-99C6-6730-A0966D893A78}"/>
           </ac:spMkLst>
         </pc:spChg>
-        <pc:spChg chg="del">
-          <ac:chgData name="Toby Donaldson" userId="2e6e5431-bb17-4c41-9985-d39c50d83c73" providerId="ADAL" clId="{F31BC264-820E-54C4-A6D1-F92AF9CC222E}" dt="2026-02-02T20:15:04.721" v="10052" actId="21"/>
-          <ac:spMkLst>
-            <pc:docMk/>
-            <pc:sldMk cId="1310954690" sldId="358"/>
-            <ac:spMk id="4" creationId="{17354FC1-291F-36D8-C509-E9CAC3560C61}"/>
-          </ac:spMkLst>
-        </pc:spChg>
         <pc:inkChg chg="add">
           <ac:chgData name="Toby Donaldson" userId="2e6e5431-bb17-4c41-9985-d39c50d83c73" providerId="ADAL" clId="{F31BC264-820E-54C4-A6D1-F92AF9CC222E}" dt="2026-02-02T20:59:59.566" v="10077"/>
           <ac:inkMkLst>
@@ -1044,21 +577,13 @@
             <ac:spMk id="4" creationId="{1A47DFCA-26CF-FE52-752D-3BCBFC7613DD}"/>
           </ac:spMkLst>
         </pc:spChg>
-        <pc:spChg chg="del">
-          <ac:chgData name="Toby Donaldson" userId="2e6e5431-bb17-4c41-9985-d39c50d83c73" providerId="ADAL" clId="{F31BC264-820E-54C4-A6D1-F92AF9CC222E}" dt="2026-02-02T20:16:18.364" v="10058" actId="21"/>
-          <ac:spMkLst>
-            <pc:docMk/>
-            <pc:sldMk cId="1611409288" sldId="360"/>
-            <ac:spMk id="6" creationId="{9F577E58-4814-71C7-87AD-D690101968FD}"/>
-          </ac:spMkLst>
-        </pc:spChg>
       </pc:sldChg>
     </pc:docChg>
   </pc:docChgLst>
   <pc:docChgLst>
     <pc:chgData name="Toby Donaldson" userId="2e6e5431-bb17-4c41-9985-d39c50d83c73" providerId="ADAL" clId="{7F9681A8-EEE2-56F4-9B39-ECCBEE0471AC}"/>
     <pc:docChg chg="undo redo custSel addSld delSld modSld sldOrd addSection delSection modSection">
-      <pc:chgData name="Toby Donaldson" userId="2e6e5431-bb17-4c41-9985-d39c50d83c73" providerId="ADAL" clId="{7F9681A8-EEE2-56F4-9B39-ECCBEE0471AC}" dt="2026-02-03T06:59:00.752" v="33886" actId="21"/>
+      <pc:chgData name="Toby Donaldson" userId="2e6e5431-bb17-4c41-9985-d39c50d83c73" providerId="ADAL" clId="{7F9681A8-EEE2-56F4-9B39-ECCBEE0471AC}" dt="2026-02-04T00:21:18.018" v="34747" actId="2696"/>
       <pc:docMkLst>
         <pc:docMk/>
       </pc:docMkLst>
@@ -2274,7 +1799,7 @@
         </pc:spChg>
       </pc:sldChg>
       <pc:sldChg chg="addSp delSp modSp add mod">
-        <pc:chgData name="Toby Donaldson" userId="2e6e5431-bb17-4c41-9985-d39c50d83c73" providerId="ADAL" clId="{7F9681A8-EEE2-56F4-9B39-ECCBEE0471AC}" dt="2026-02-03T06:59:00.752" v="33886" actId="21"/>
+        <pc:chgData name="Toby Donaldson" userId="2e6e5431-bb17-4c41-9985-d39c50d83c73" providerId="ADAL" clId="{7F9681A8-EEE2-56F4-9B39-ECCBEE0471AC}" dt="2026-02-03T23:44:15.818" v="33920"/>
         <pc:sldMkLst>
           <pc:docMk/>
           <pc:sldMk cId="3350333952" sldId="381"/>
@@ -2287,8 +1812,8 @@
             <ac:spMk id="3" creationId="{6A429EA7-75F8-79A9-1068-5E72712810E2}"/>
           </ac:spMkLst>
         </pc:spChg>
-        <pc:spChg chg="mod">
-          <ac:chgData name="Toby Donaldson" userId="2e6e5431-bb17-4c41-9985-d39c50d83c73" providerId="ADAL" clId="{7F9681A8-EEE2-56F4-9B39-ECCBEE0471AC}" dt="2026-02-03T06:54:43.760" v="33591" actId="20577"/>
+        <pc:spChg chg="del mod">
+          <ac:chgData name="Toby Donaldson" userId="2e6e5431-bb17-4c41-9985-d39c50d83c73" providerId="ADAL" clId="{7F9681A8-EEE2-56F4-9B39-ECCBEE0471AC}" dt="2026-02-03T23:44:08.440" v="33919" actId="21"/>
           <ac:spMkLst>
             <pc:docMk/>
             <pc:sldMk cId="3350333952" sldId="381"/>
@@ -2327,6 +1852,14 @@
             <ac:spMk id="11" creationId="{3B1A9DD3-2D2E-A68F-C37E-330BF9C022CF}"/>
           </ac:spMkLst>
         </pc:spChg>
+        <pc:spChg chg="add mod">
+          <ac:chgData name="Toby Donaldson" userId="2e6e5431-bb17-4c41-9985-d39c50d83c73" providerId="ADAL" clId="{7F9681A8-EEE2-56F4-9B39-ECCBEE0471AC}" dt="2026-02-03T23:44:15.818" v="33920"/>
+          <ac:spMkLst>
+            <pc:docMk/>
+            <pc:sldMk cId="3350333952" sldId="381"/>
+            <ac:spMk id="12" creationId="{B9B96161-CDCA-0258-60D2-8D728047D0AA}"/>
+          </ac:spMkLst>
+        </pc:spChg>
         <pc:cxnChg chg="add del">
           <ac:chgData name="Toby Donaldson" userId="2e6e5431-bb17-4c41-9985-d39c50d83c73" providerId="ADAL" clId="{7F9681A8-EEE2-56F4-9B39-ECCBEE0471AC}" dt="2026-02-03T06:59:00.752" v="33886" actId="21"/>
           <ac:cxnSpMkLst>
@@ -2336,12 +1869,193 @@
           </ac:cxnSpMkLst>
         </pc:cxnChg>
       </pc:sldChg>
-      <pc:sldChg chg="add">
-        <pc:chgData name="Toby Donaldson" userId="2e6e5431-bb17-4c41-9985-d39c50d83c73" providerId="ADAL" clId="{7F9681A8-EEE2-56F4-9B39-ECCBEE0471AC}" dt="2026-02-03T06:58:50.872" v="33885" actId="2890"/>
+      <pc:sldChg chg="modSp add mod">
+        <pc:chgData name="Toby Donaldson" userId="2e6e5431-bb17-4c41-9985-d39c50d83c73" providerId="ADAL" clId="{7F9681A8-EEE2-56F4-9B39-ECCBEE0471AC}" dt="2026-02-03T23:44:00.082" v="33918" actId="20577"/>
         <pc:sldMkLst>
           <pc:docMk/>
           <pc:sldMk cId="1739201111" sldId="382"/>
         </pc:sldMkLst>
+        <pc:spChg chg="mod">
+          <ac:chgData name="Toby Donaldson" userId="2e6e5431-bb17-4c41-9985-d39c50d83c73" providerId="ADAL" clId="{7F9681A8-EEE2-56F4-9B39-ECCBEE0471AC}" dt="2026-02-03T23:44:00.082" v="33918" actId="20577"/>
+          <ac:spMkLst>
+            <pc:docMk/>
+            <pc:sldMk cId="1739201111" sldId="382"/>
+            <ac:spMk id="4" creationId="{A6200551-602F-D471-2CEB-5B6C65DEC574}"/>
+          </ac:spMkLst>
+        </pc:spChg>
+      </pc:sldChg>
+      <pc:sldChg chg="addSp delSp modSp new mod">
+        <pc:chgData name="Toby Donaldson" userId="2e6e5431-bb17-4c41-9985-d39c50d83c73" providerId="ADAL" clId="{7F9681A8-EEE2-56F4-9B39-ECCBEE0471AC}" dt="2026-02-04T00:19:27.076" v="34540" actId="21"/>
+        <pc:sldMkLst>
+          <pc:docMk/>
+          <pc:sldMk cId="1778271558" sldId="383"/>
+        </pc:sldMkLst>
+        <pc:spChg chg="mod">
+          <ac:chgData name="Toby Donaldson" userId="2e6e5431-bb17-4c41-9985-d39c50d83c73" providerId="ADAL" clId="{7F9681A8-EEE2-56F4-9B39-ECCBEE0471AC}" dt="2026-02-03T23:54:03.510" v="34031" actId="1076"/>
+          <ac:spMkLst>
+            <pc:docMk/>
+            <pc:sldMk cId="1778271558" sldId="383"/>
+            <ac:spMk id="2" creationId="{DF3C2889-1E65-0808-CB04-09BCDD409A03}"/>
+          </ac:spMkLst>
+        </pc:spChg>
+        <pc:spChg chg="del">
+          <ac:chgData name="Toby Donaldson" userId="2e6e5431-bb17-4c41-9985-d39c50d83c73" providerId="ADAL" clId="{7F9681A8-EEE2-56F4-9B39-ECCBEE0471AC}" dt="2026-02-03T23:49:59.425" v="33953" actId="21"/>
+          <ac:spMkLst>
+            <pc:docMk/>
+            <pc:sldMk cId="1778271558" sldId="383"/>
+            <ac:spMk id="3" creationId="{532E30F3-62AD-8F8D-F5E7-B35E2E3207D5}"/>
+          </ac:spMkLst>
+        </pc:spChg>
+        <pc:spChg chg="add mod">
+          <ac:chgData name="Toby Donaldson" userId="2e6e5431-bb17-4c41-9985-d39c50d83c73" providerId="ADAL" clId="{7F9681A8-EEE2-56F4-9B39-ECCBEE0471AC}" dt="2026-02-04T00:11:25.554" v="34121" actId="164"/>
+          <ac:spMkLst>
+            <pc:docMk/>
+            <pc:sldMk cId="1778271558" sldId="383"/>
+            <ac:spMk id="4" creationId="{C485717B-3D08-86F6-1DFC-6CB8908F48DB}"/>
+          </ac:spMkLst>
+        </pc:spChg>
+        <pc:spChg chg="add mod">
+          <ac:chgData name="Toby Donaldson" userId="2e6e5431-bb17-4c41-9985-d39c50d83c73" providerId="ADAL" clId="{7F9681A8-EEE2-56F4-9B39-ECCBEE0471AC}" dt="2026-02-04T00:13:01.442" v="34170" actId="20577"/>
+          <ac:spMkLst>
+            <pc:docMk/>
+            <pc:sldMk cId="1778271558" sldId="383"/>
+            <ac:spMk id="5" creationId="{CBE62EE8-33A6-9F70-A0FF-3435D415BF4A}"/>
+          </ac:spMkLst>
+        </pc:spChg>
+        <pc:spChg chg="add del mod">
+          <ac:chgData name="Toby Donaldson" userId="2e6e5431-bb17-4c41-9985-d39c50d83c73" providerId="ADAL" clId="{7F9681A8-EEE2-56F4-9B39-ECCBEE0471AC}" dt="2026-02-03T23:50:19.763" v="33999" actId="21"/>
+          <ac:spMkLst>
+            <pc:docMk/>
+            <pc:sldMk cId="1778271558" sldId="383"/>
+            <ac:spMk id="6" creationId="{6D4B8E31-5945-3C2D-3F5F-EFD39416D969}"/>
+          </ac:spMkLst>
+        </pc:spChg>
+        <pc:spChg chg="add mod">
+          <ac:chgData name="Toby Donaldson" userId="2e6e5431-bb17-4c41-9985-d39c50d83c73" providerId="ADAL" clId="{7F9681A8-EEE2-56F4-9B39-ECCBEE0471AC}" dt="2026-02-04T00:12:50.627" v="34169" actId="20577"/>
+          <ac:spMkLst>
+            <pc:docMk/>
+            <pc:sldMk cId="1778271558" sldId="383"/>
+            <ac:spMk id="7" creationId="{17197FC5-147C-2C1D-4F55-813F102498A1}"/>
+          </ac:spMkLst>
+        </pc:spChg>
+        <pc:spChg chg="add mod">
+          <ac:chgData name="Toby Donaldson" userId="2e6e5431-bb17-4c41-9985-d39c50d83c73" providerId="ADAL" clId="{7F9681A8-EEE2-56F4-9B39-ECCBEE0471AC}" dt="2026-02-04T00:18:54.044" v="34536" actId="207"/>
+          <ac:spMkLst>
+            <pc:docMk/>
+            <pc:sldMk cId="1778271558" sldId="383"/>
+            <ac:spMk id="8" creationId="{63512615-B681-FD2C-2A48-6A2E6731150C}"/>
+          </ac:spMkLst>
+        </pc:spChg>
+        <pc:spChg chg="add mod">
+          <ac:chgData name="Toby Donaldson" userId="2e6e5431-bb17-4c41-9985-d39c50d83c73" providerId="ADAL" clId="{7F9681A8-EEE2-56F4-9B39-ECCBEE0471AC}" dt="2026-02-04T00:18:57.716" v="34537" actId="207"/>
+          <ac:spMkLst>
+            <pc:docMk/>
+            <pc:sldMk cId="1778271558" sldId="383"/>
+            <ac:spMk id="10" creationId="{8CCAE245-AC82-8F11-6544-9A3BED40CF07}"/>
+          </ac:spMkLst>
+        </pc:spChg>
+        <pc:spChg chg="add mod">
+          <ac:chgData name="Toby Donaldson" userId="2e6e5431-bb17-4c41-9985-d39c50d83c73" providerId="ADAL" clId="{7F9681A8-EEE2-56F4-9B39-ECCBEE0471AC}" dt="2026-02-04T00:19:01.414" v="34538" actId="207"/>
+          <ac:spMkLst>
+            <pc:docMk/>
+            <pc:sldMk cId="1778271558" sldId="383"/>
+            <ac:spMk id="11" creationId="{DD6F41E9-A162-5366-7348-B5936857DF42}"/>
+          </ac:spMkLst>
+        </pc:spChg>
+        <pc:spChg chg="add del mod">
+          <ac:chgData name="Toby Donaldson" userId="2e6e5431-bb17-4c41-9985-d39c50d83c73" providerId="ADAL" clId="{7F9681A8-EEE2-56F4-9B39-ECCBEE0471AC}" dt="2026-02-04T00:19:27.076" v="34540" actId="21"/>
+          <ac:spMkLst>
+            <pc:docMk/>
+            <pc:sldMk cId="1778271558" sldId="383"/>
+            <ac:spMk id="14" creationId="{63D6E220-84E8-44F7-FFE2-C8D1F7BB7C8B}"/>
+          </ac:spMkLst>
+        </pc:spChg>
+        <pc:spChg chg="add del mod">
+          <ac:chgData name="Toby Donaldson" userId="2e6e5431-bb17-4c41-9985-d39c50d83c73" providerId="ADAL" clId="{7F9681A8-EEE2-56F4-9B39-ECCBEE0471AC}" dt="2026-02-04T00:19:27.076" v="34540" actId="21"/>
+          <ac:spMkLst>
+            <pc:docMk/>
+            <pc:sldMk cId="1778271558" sldId="383"/>
+            <ac:spMk id="15" creationId="{CAA6E458-22EE-0B79-441C-F9FC268F4AA5}"/>
+          </ac:spMkLst>
+        </pc:spChg>
+        <pc:spChg chg="add del mod">
+          <ac:chgData name="Toby Donaldson" userId="2e6e5431-bb17-4c41-9985-d39c50d83c73" providerId="ADAL" clId="{7F9681A8-EEE2-56F4-9B39-ECCBEE0471AC}" dt="2026-02-04T00:19:27.076" v="34540" actId="21"/>
+          <ac:spMkLst>
+            <pc:docMk/>
+            <pc:sldMk cId="1778271558" sldId="383"/>
+            <ac:spMk id="16" creationId="{C58653AC-F4A4-B4E3-7C26-E2EFA3D9D713}"/>
+          </ac:spMkLst>
+        </pc:spChg>
+        <pc:spChg chg="add del mod">
+          <ac:chgData name="Toby Donaldson" userId="2e6e5431-bb17-4c41-9985-d39c50d83c73" providerId="ADAL" clId="{7F9681A8-EEE2-56F4-9B39-ECCBEE0471AC}" dt="2026-02-04T00:19:27.076" v="34540" actId="21"/>
+          <ac:spMkLst>
+            <pc:docMk/>
+            <pc:sldMk cId="1778271558" sldId="383"/>
+            <ac:spMk id="17" creationId="{6CBD2B67-A49C-A15B-B54E-DF896DA6EF9C}"/>
+          </ac:spMkLst>
+        </pc:spChg>
+        <pc:spChg chg="add del mod">
+          <ac:chgData name="Toby Donaldson" userId="2e6e5431-bb17-4c41-9985-d39c50d83c73" providerId="ADAL" clId="{7F9681A8-EEE2-56F4-9B39-ECCBEE0471AC}" dt="2026-02-04T00:19:27.076" v="34540" actId="21"/>
+          <ac:spMkLst>
+            <pc:docMk/>
+            <pc:sldMk cId="1778271558" sldId="383"/>
+            <ac:spMk id="18" creationId="{A0EBEA7F-695A-6F46-470A-6E09C3D8B9F8}"/>
+          </ac:spMkLst>
+        </pc:spChg>
+        <pc:grpChg chg="add mod">
+          <ac:chgData name="Toby Donaldson" userId="2e6e5431-bb17-4c41-9985-d39c50d83c73" providerId="ADAL" clId="{7F9681A8-EEE2-56F4-9B39-ECCBEE0471AC}" dt="2026-02-04T00:11:25.554" v="34121" actId="164"/>
+          <ac:grpSpMkLst>
+            <pc:docMk/>
+            <pc:sldMk cId="1778271558" sldId="383"/>
+            <ac:grpSpMk id="9" creationId="{3169BA0B-C57E-0B0C-7E84-AE1167769BA0}"/>
+          </ac:grpSpMkLst>
+        </pc:grpChg>
+        <pc:grpChg chg="add mod">
+          <ac:chgData name="Toby Donaldson" userId="2e6e5431-bb17-4c41-9985-d39c50d83c73" providerId="ADAL" clId="{7F9681A8-EEE2-56F4-9B39-ECCBEE0471AC}" dt="2026-02-04T00:15:16.264" v="34304" actId="1076"/>
+          <ac:grpSpMkLst>
+            <pc:docMk/>
+            <pc:sldMk cId="1778271558" sldId="383"/>
+            <ac:grpSpMk id="12" creationId="{EE04829E-FFE3-B49E-BC6D-42EC7ADE3FE0}"/>
+          </ac:grpSpMkLst>
+        </pc:grpChg>
+        <pc:grpChg chg="add mod">
+          <ac:chgData name="Toby Donaldson" userId="2e6e5431-bb17-4c41-9985-d39c50d83c73" providerId="ADAL" clId="{7F9681A8-EEE2-56F4-9B39-ECCBEE0471AC}" dt="2026-02-04T00:17:58.573" v="34473" actId="1076"/>
+          <ac:grpSpMkLst>
+            <pc:docMk/>
+            <pc:sldMk cId="1778271558" sldId="383"/>
+            <ac:grpSpMk id="13" creationId="{548E569A-6022-80FB-9CE4-3E09CC022469}"/>
+          </ac:grpSpMkLst>
+        </pc:grpChg>
+      </pc:sldChg>
+      <pc:sldChg chg="add">
+        <pc:chgData name="Toby Donaldson" userId="2e6e5431-bb17-4c41-9985-d39c50d83c73" providerId="ADAL" clId="{7F9681A8-EEE2-56F4-9B39-ECCBEE0471AC}" dt="2026-02-04T00:19:19.852" v="34539" actId="2890"/>
+        <pc:sldMkLst>
+          <pc:docMk/>
+          <pc:sldMk cId="2839545280" sldId="384"/>
+        </pc:sldMkLst>
+      </pc:sldChg>
+      <pc:sldChg chg="modSp new del mod">
+        <pc:chgData name="Toby Donaldson" userId="2e6e5431-bb17-4c41-9985-d39c50d83c73" providerId="ADAL" clId="{7F9681A8-EEE2-56F4-9B39-ECCBEE0471AC}" dt="2026-02-04T00:21:18.018" v="34747" actId="2696"/>
+        <pc:sldMkLst>
+          <pc:docMk/>
+          <pc:sldMk cId="3672346448" sldId="385"/>
+        </pc:sldMkLst>
+        <pc:spChg chg="mod">
+          <ac:chgData name="Toby Donaldson" userId="2e6e5431-bb17-4c41-9985-d39c50d83c73" providerId="ADAL" clId="{7F9681A8-EEE2-56F4-9B39-ECCBEE0471AC}" dt="2026-02-04T00:20:39.502" v="34609" actId="20577"/>
+          <ac:spMkLst>
+            <pc:docMk/>
+            <pc:sldMk cId="3672346448" sldId="385"/>
+            <ac:spMk id="2" creationId="{454E7915-4F13-70E8-3139-B7E75C4C63D9}"/>
+          </ac:spMkLst>
+        </pc:spChg>
+        <pc:spChg chg="mod">
+          <ac:chgData name="Toby Donaldson" userId="2e6e5431-bb17-4c41-9985-d39c50d83c73" providerId="ADAL" clId="{7F9681A8-EEE2-56F4-9B39-ECCBEE0471AC}" dt="2026-02-04T00:21:07.194" v="34746" actId="20577"/>
+          <ac:spMkLst>
+            <pc:docMk/>
+            <pc:sldMk cId="3672346448" sldId="385"/>
+            <ac:spMk id="3" creationId="{736AAED0-2276-A620-A912-D2ED0C3ECAF1}"/>
+          </ac:spMkLst>
+        </pc:spChg>
       </pc:sldChg>
     </pc:docChg>
   </pc:docChgLst>
@@ -8180,6 +7894,1842 @@
           <p:cNvPr id="2" name="Title 1">
             <a:extLst>
               <a:ext uri="{FF2B5EF4-FFF2-40B4-BE49-F238E27FC236}">
+                <a16:creationId xmlns:a16="http://schemas.microsoft.com/office/drawing/2014/main" id="{DF3C2889-1E65-0808-CB04-09BCDD409A03}"/>
+              </a:ext>
+            </a:extLst>
+          </p:cNvPr>
+          <p:cNvSpPr>
+            <a:spLocks noGrp="1"/>
+          </p:cNvSpPr>
+          <p:nvPr>
+            <p:ph type="title"/>
+          </p:nvPr>
+        </p:nvSpPr>
+        <p:spPr>
+          <a:xfrm>
+            <a:off x="0" y="0"/>
+            <a:ext cx="4626259" cy="1325563"/>
+          </a:xfrm>
+        </p:spPr>
+        <p:txBody>
+          <a:bodyPr/>
+          <a:lstStyle/>
+          <a:p>
+            <a:r>
+              <a:rPr lang="en-US" dirty="0"/>
+              <a:t>Comparing Strings</a:t>
+            </a:r>
+          </a:p>
+        </p:txBody>
+      </p:sp>
+      <p:grpSp>
+        <p:nvGrpSpPr>
+          <p:cNvPr id="9" name="Group 8">
+            <a:extLst>
+              <a:ext uri="{FF2B5EF4-FFF2-40B4-BE49-F238E27FC236}">
+                <a16:creationId xmlns:a16="http://schemas.microsoft.com/office/drawing/2014/main" id="{3169BA0B-C57E-0B0C-7E84-AE1167769BA0}"/>
+              </a:ext>
+            </a:extLst>
+          </p:cNvPr>
+          <p:cNvGrpSpPr/>
+          <p:nvPr/>
+        </p:nvGrpSpPr>
+        <p:grpSpPr>
+          <a:xfrm>
+            <a:off x="410716" y="1049129"/>
+            <a:ext cx="4870244" cy="4062651"/>
+            <a:chOff x="410716" y="1049129"/>
+            <a:chExt cx="4870244" cy="4062651"/>
+          </a:xfrm>
+        </p:grpSpPr>
+        <p:sp>
+          <p:nvSpPr>
+            <p:cNvPr id="4" name="TextBox 3">
+              <a:extLst>
+                <a:ext uri="{FF2B5EF4-FFF2-40B4-BE49-F238E27FC236}">
+                  <a16:creationId xmlns:a16="http://schemas.microsoft.com/office/drawing/2014/main" id="{C485717B-3D08-86F6-1DFC-6CB8908F48DB}"/>
+                </a:ext>
+              </a:extLst>
+            </p:cNvPr>
+            <p:cNvSpPr txBox="1"/>
+            <p:nvPr/>
+          </p:nvSpPr>
+          <p:spPr>
+            <a:xfrm>
+              <a:off x="410716" y="1418461"/>
+              <a:ext cx="4870244" cy="3693319"/>
+            </a:xfrm>
+            <a:prstGeom prst="rect">
+              <a:avLst/>
+            </a:prstGeom>
+            <a:noFill/>
+            <a:ln>
+              <a:solidFill>
+                <a:schemeClr val="accent1"/>
+              </a:solidFill>
+            </a:ln>
+          </p:spPr>
+          <p:txBody>
+            <a:bodyPr wrap="none" rtlCol="0">
+              <a:spAutoFit/>
+            </a:bodyPr>
+            <a:lstStyle/>
+            <a:p>
+              <a:r>
+                <a:rPr lang="en-CA" dirty="0">
+                  <a:latin typeface="Consolas" panose="020B0609020204030204" pitchFamily="49" charset="0"/>
+                  <a:cs typeface="Consolas" panose="020B0609020204030204" pitchFamily="49" charset="0"/>
+                </a:rPr>
+                <a:t>const char* a = "Hello";</a:t>
+              </a:r>
+            </a:p>
+            <a:p>
+              <a:r>
+                <a:rPr lang="en-CA" dirty="0">
+                  <a:latin typeface="Consolas" panose="020B0609020204030204" pitchFamily="49" charset="0"/>
+                  <a:cs typeface="Consolas" panose="020B0609020204030204" pitchFamily="49" charset="0"/>
+                </a:rPr>
+                <a:t>const char* b = " World!";</a:t>
+              </a:r>
+              <a:br>
+                <a:rPr lang="en-CA" dirty="0">
+                  <a:latin typeface="Consolas" panose="020B0609020204030204" pitchFamily="49" charset="0"/>
+                  <a:cs typeface="Consolas" panose="020B0609020204030204" pitchFamily="49" charset="0"/>
+                </a:rPr>
+              </a:br>
+              <a:endParaRPr lang="en-CA" dirty="0">
+                <a:latin typeface="Consolas" panose="020B0609020204030204" pitchFamily="49" charset="0"/>
+                <a:cs typeface="Consolas" panose="020B0609020204030204" pitchFamily="49" charset="0"/>
+              </a:endParaRPr>
+            </a:p>
+            <a:p>
+              <a:r>
+                <a:rPr lang="en-CA" dirty="0">
+                  <a:latin typeface="Consolas" panose="020B0609020204030204" pitchFamily="49" charset="0"/>
+                  <a:cs typeface="Consolas" panose="020B0609020204030204" pitchFamily="49" charset="0"/>
+                </a:rPr>
+                <a:t>int </a:t>
+              </a:r>
+              <a:r>
+                <a:rPr lang="en-CA" dirty="0" err="1">
+                  <a:latin typeface="Consolas" panose="020B0609020204030204" pitchFamily="49" charset="0"/>
+                  <a:cs typeface="Consolas" panose="020B0609020204030204" pitchFamily="49" charset="0"/>
+                </a:rPr>
+                <a:t>a_len</a:t>
+              </a:r>
+              <a:r>
+                <a:rPr lang="en-CA" dirty="0">
+                  <a:latin typeface="Consolas" panose="020B0609020204030204" pitchFamily="49" charset="0"/>
+                  <a:cs typeface="Consolas" panose="020B0609020204030204" pitchFamily="49" charset="0"/>
+                </a:rPr>
+                <a:t> = </a:t>
+              </a:r>
+              <a:r>
+                <a:rPr lang="en-CA" dirty="0" err="1">
+                  <a:latin typeface="Consolas" panose="020B0609020204030204" pitchFamily="49" charset="0"/>
+                  <a:cs typeface="Consolas" panose="020B0609020204030204" pitchFamily="49" charset="0"/>
+                </a:rPr>
+                <a:t>strlen</a:t>
+              </a:r>
+              <a:r>
+                <a:rPr lang="en-CA" dirty="0">
+                  <a:latin typeface="Consolas" panose="020B0609020204030204" pitchFamily="49" charset="0"/>
+                  <a:cs typeface="Consolas" panose="020B0609020204030204" pitchFamily="49" charset="0"/>
+                </a:rPr>
+                <a:t>(a); </a:t>
+              </a:r>
+            </a:p>
+            <a:p>
+              <a:r>
+                <a:rPr lang="en-CA" dirty="0">
+                  <a:latin typeface="Consolas" panose="020B0609020204030204" pitchFamily="49" charset="0"/>
+                  <a:cs typeface="Consolas" panose="020B0609020204030204" pitchFamily="49" charset="0"/>
+                </a:rPr>
+                <a:t>int </a:t>
+              </a:r>
+              <a:r>
+                <a:rPr lang="en-CA" dirty="0" err="1">
+                  <a:latin typeface="Consolas" panose="020B0609020204030204" pitchFamily="49" charset="0"/>
+                  <a:cs typeface="Consolas" panose="020B0609020204030204" pitchFamily="49" charset="0"/>
+                </a:rPr>
+                <a:t>b_len</a:t>
+              </a:r>
+              <a:r>
+                <a:rPr lang="en-CA" dirty="0">
+                  <a:latin typeface="Consolas" panose="020B0609020204030204" pitchFamily="49" charset="0"/>
+                  <a:cs typeface="Consolas" panose="020B0609020204030204" pitchFamily="49" charset="0"/>
+                </a:rPr>
+                <a:t> = </a:t>
+              </a:r>
+              <a:r>
+                <a:rPr lang="en-CA" dirty="0" err="1">
+                  <a:latin typeface="Consolas" panose="020B0609020204030204" pitchFamily="49" charset="0"/>
+                  <a:cs typeface="Consolas" panose="020B0609020204030204" pitchFamily="49" charset="0"/>
+                </a:rPr>
+                <a:t>strlen</a:t>
+              </a:r>
+              <a:r>
+                <a:rPr lang="en-CA" dirty="0">
+                  <a:latin typeface="Consolas" panose="020B0609020204030204" pitchFamily="49" charset="0"/>
+                  <a:cs typeface="Consolas" panose="020B0609020204030204" pitchFamily="49" charset="0"/>
+                </a:rPr>
+                <a:t>(b);</a:t>
+              </a:r>
+            </a:p>
+            <a:p>
+              <a:r>
+                <a:rPr lang="en-CA" dirty="0">
+                  <a:latin typeface="Consolas" panose="020B0609020204030204" pitchFamily="49" charset="0"/>
+                  <a:cs typeface="Consolas" panose="020B0609020204030204" pitchFamily="49" charset="0"/>
+                </a:rPr>
+                <a:t>int </a:t>
+              </a:r>
+              <a:r>
+                <a:rPr lang="en-CA" dirty="0" err="1">
+                  <a:latin typeface="Consolas" panose="020B0609020204030204" pitchFamily="49" charset="0"/>
+                  <a:cs typeface="Consolas" panose="020B0609020204030204" pitchFamily="49" charset="0"/>
+                </a:rPr>
+                <a:t>result_len</a:t>
+              </a:r>
+              <a:r>
+                <a:rPr lang="en-CA" dirty="0">
+                  <a:latin typeface="Consolas" panose="020B0609020204030204" pitchFamily="49" charset="0"/>
+                  <a:cs typeface="Consolas" panose="020B0609020204030204" pitchFamily="49" charset="0"/>
+                </a:rPr>
+                <a:t> = </a:t>
+              </a:r>
+              <a:r>
+                <a:rPr lang="en-CA" dirty="0" err="1">
+                  <a:latin typeface="Consolas" panose="020B0609020204030204" pitchFamily="49" charset="0"/>
+                  <a:cs typeface="Consolas" panose="020B0609020204030204" pitchFamily="49" charset="0"/>
+                </a:rPr>
+                <a:t>a_len</a:t>
+              </a:r>
+              <a:r>
+                <a:rPr lang="en-CA" dirty="0">
+                  <a:latin typeface="Consolas" panose="020B0609020204030204" pitchFamily="49" charset="0"/>
+                  <a:cs typeface="Consolas" panose="020B0609020204030204" pitchFamily="49" charset="0"/>
+                </a:rPr>
+                <a:t> + </a:t>
+              </a:r>
+              <a:r>
+                <a:rPr lang="en-CA" dirty="0" err="1">
+                  <a:latin typeface="Consolas" panose="020B0609020204030204" pitchFamily="49" charset="0"/>
+                  <a:cs typeface="Consolas" panose="020B0609020204030204" pitchFamily="49" charset="0"/>
+                </a:rPr>
+                <a:t>b_len</a:t>
+              </a:r>
+              <a:r>
+                <a:rPr lang="en-CA" dirty="0">
+                  <a:latin typeface="Consolas" panose="020B0609020204030204" pitchFamily="49" charset="0"/>
+                  <a:cs typeface="Consolas" panose="020B0609020204030204" pitchFamily="49" charset="0"/>
+                </a:rPr>
+                <a:t>;</a:t>
+              </a:r>
+            </a:p>
+            <a:p>
+              <a:r>
+                <a:rPr lang="en-CA" dirty="0">
+                  <a:latin typeface="Consolas" panose="020B0609020204030204" pitchFamily="49" charset="0"/>
+                  <a:cs typeface="Consolas" panose="020B0609020204030204" pitchFamily="49" charset="0"/>
+                </a:rPr>
+                <a:t>char* result = new char[</a:t>
+              </a:r>
+              <a:r>
+                <a:rPr lang="en-CA" dirty="0" err="1">
+                  <a:latin typeface="Consolas" panose="020B0609020204030204" pitchFamily="49" charset="0"/>
+                  <a:cs typeface="Consolas" panose="020B0609020204030204" pitchFamily="49" charset="0"/>
+                </a:rPr>
+                <a:t>new_len</a:t>
+              </a:r>
+              <a:r>
+                <a:rPr lang="en-CA" dirty="0">
+                  <a:latin typeface="Consolas" panose="020B0609020204030204" pitchFamily="49" charset="0"/>
+                  <a:cs typeface="Consolas" panose="020B0609020204030204" pitchFamily="49" charset="0"/>
+                </a:rPr>
+                <a:t> + 1];</a:t>
+              </a:r>
+            </a:p>
+            <a:p>
+              <a:r>
+                <a:rPr lang="en-CA" dirty="0" err="1">
+                  <a:latin typeface="Consolas" panose="020B0609020204030204" pitchFamily="49" charset="0"/>
+                  <a:cs typeface="Consolas" panose="020B0609020204030204" pitchFamily="49" charset="0"/>
+                </a:rPr>
+                <a:t>strcpy</a:t>
+              </a:r>
+              <a:r>
+                <a:rPr lang="en-CA" dirty="0">
+                  <a:latin typeface="Consolas" panose="020B0609020204030204" pitchFamily="49" charset="0"/>
+                  <a:cs typeface="Consolas" panose="020B0609020204030204" pitchFamily="49" charset="0"/>
+                </a:rPr>
+                <a:t>(result, a);</a:t>
+              </a:r>
+            </a:p>
+            <a:p>
+              <a:r>
+                <a:rPr lang="en-CA" dirty="0" err="1">
+                  <a:latin typeface="Consolas" panose="020B0609020204030204" pitchFamily="49" charset="0"/>
+                  <a:cs typeface="Consolas" panose="020B0609020204030204" pitchFamily="49" charset="0"/>
+                </a:rPr>
+                <a:t>strcat</a:t>
+              </a:r>
+              <a:r>
+                <a:rPr lang="en-CA" dirty="0">
+                  <a:latin typeface="Consolas" panose="020B0609020204030204" pitchFamily="49" charset="0"/>
+                  <a:cs typeface="Consolas" panose="020B0609020204030204" pitchFamily="49" charset="0"/>
+                </a:rPr>
+                <a:t>(result, b);</a:t>
+              </a:r>
+              <a:br>
+                <a:rPr lang="en-CA" dirty="0">
+                  <a:latin typeface="Consolas" panose="020B0609020204030204" pitchFamily="49" charset="0"/>
+                  <a:cs typeface="Consolas" panose="020B0609020204030204" pitchFamily="49" charset="0"/>
+                </a:rPr>
+              </a:br>
+              <a:endParaRPr lang="en-CA" dirty="0">
+                <a:latin typeface="Consolas" panose="020B0609020204030204" pitchFamily="49" charset="0"/>
+                <a:cs typeface="Consolas" panose="020B0609020204030204" pitchFamily="49" charset="0"/>
+              </a:endParaRPr>
+            </a:p>
+            <a:p>
+              <a:r>
+                <a:rPr lang="en-CA" dirty="0" err="1">
+                  <a:latin typeface="Consolas" panose="020B0609020204030204" pitchFamily="49" charset="0"/>
+                  <a:cs typeface="Consolas" panose="020B0609020204030204" pitchFamily="49" charset="0"/>
+                </a:rPr>
+                <a:t>cout</a:t>
+              </a:r>
+              <a:r>
+                <a:rPr lang="en-CA" dirty="0">
+                  <a:latin typeface="Consolas" panose="020B0609020204030204" pitchFamily="49" charset="0"/>
+                  <a:cs typeface="Consolas" panose="020B0609020204030204" pitchFamily="49" charset="0"/>
+                </a:rPr>
+                <a:t> &lt;&lt; result;</a:t>
+              </a:r>
+            </a:p>
+            <a:p>
+              <a:endParaRPr lang="en-CA" dirty="0">
+                <a:latin typeface="Consolas" panose="020B0609020204030204" pitchFamily="49" charset="0"/>
+                <a:cs typeface="Consolas" panose="020B0609020204030204" pitchFamily="49" charset="0"/>
+              </a:endParaRPr>
+            </a:p>
+            <a:p>
+              <a:r>
+                <a:rPr lang="en-CA" dirty="0">
+                  <a:latin typeface="Consolas" panose="020B0609020204030204" pitchFamily="49" charset="0"/>
+                  <a:cs typeface="Consolas" panose="020B0609020204030204" pitchFamily="49" charset="0"/>
+                </a:rPr>
+                <a:t>delete[] result;</a:t>
+              </a:r>
+            </a:p>
+          </p:txBody>
+        </p:sp>
+        <p:sp>
+          <p:nvSpPr>
+            <p:cNvPr id="8" name="TextBox 7">
+              <a:extLst>
+                <a:ext uri="{FF2B5EF4-FFF2-40B4-BE49-F238E27FC236}">
+                  <a16:creationId xmlns:a16="http://schemas.microsoft.com/office/drawing/2014/main" id="{63512615-B681-FD2C-2A48-6A2E6731150C}"/>
+                </a:ext>
+              </a:extLst>
+            </p:cNvPr>
+            <p:cNvSpPr txBox="1"/>
+            <p:nvPr/>
+          </p:nvSpPr>
+          <p:spPr>
+            <a:xfrm>
+              <a:off x="410716" y="1049129"/>
+              <a:ext cx="4870243" cy="369332"/>
+            </a:xfrm>
+            <a:prstGeom prst="rect">
+              <a:avLst/>
+            </a:prstGeom>
+            <a:noFill/>
+          </p:spPr>
+          <p:txBody>
+            <a:bodyPr wrap="square" rtlCol="0">
+              <a:spAutoFit/>
+            </a:bodyPr>
+            <a:lstStyle/>
+            <a:p>
+              <a:pPr algn="ctr"/>
+              <a:r>
+                <a:rPr lang="en-US" b="1" dirty="0">
+                  <a:solidFill>
+                    <a:srgbClr val="00B050"/>
+                  </a:solidFill>
+                </a:rPr>
+                <a:t>C-style Strings</a:t>
+              </a:r>
+            </a:p>
+          </p:txBody>
+        </p:sp>
+      </p:grpSp>
+      <p:grpSp>
+        <p:nvGrpSpPr>
+          <p:cNvPr id="12" name="Group 11">
+            <a:extLst>
+              <a:ext uri="{FF2B5EF4-FFF2-40B4-BE49-F238E27FC236}">
+                <a16:creationId xmlns:a16="http://schemas.microsoft.com/office/drawing/2014/main" id="{EE04829E-FFE3-B49E-BC6D-42EC7ADE3FE0}"/>
+              </a:ext>
+            </a:extLst>
+          </p:cNvPr>
+          <p:cNvGrpSpPr/>
+          <p:nvPr/>
+        </p:nvGrpSpPr>
+        <p:grpSpPr>
+          <a:xfrm>
+            <a:off x="6095997" y="310465"/>
+            <a:ext cx="5883344" cy="2954655"/>
+            <a:chOff x="6095998" y="918501"/>
+            <a:chExt cx="5883344" cy="2954655"/>
+          </a:xfrm>
+        </p:grpSpPr>
+        <p:sp>
+          <p:nvSpPr>
+            <p:cNvPr id="5" name="TextBox 4">
+              <a:extLst>
+                <a:ext uri="{FF2B5EF4-FFF2-40B4-BE49-F238E27FC236}">
+                  <a16:creationId xmlns:a16="http://schemas.microsoft.com/office/drawing/2014/main" id="{CBE62EE8-33A6-9F70-A0FF-3435D415BF4A}"/>
+                </a:ext>
+              </a:extLst>
+            </p:cNvPr>
+            <p:cNvSpPr txBox="1"/>
+            <p:nvPr/>
+          </p:nvSpPr>
+          <p:spPr>
+            <a:xfrm>
+              <a:off x="6096000" y="1287833"/>
+              <a:ext cx="5883342" cy="2585323"/>
+            </a:xfrm>
+            <a:prstGeom prst="rect">
+              <a:avLst/>
+            </a:prstGeom>
+            <a:noFill/>
+            <a:ln>
+              <a:solidFill>
+                <a:schemeClr val="accent1"/>
+              </a:solidFill>
+            </a:ln>
+          </p:spPr>
+          <p:txBody>
+            <a:bodyPr wrap="none" rtlCol="0">
+              <a:spAutoFit/>
+            </a:bodyPr>
+            <a:lstStyle/>
+            <a:p>
+              <a:r>
+                <a:rPr lang="en-CA" dirty="0" err="1">
+                  <a:latin typeface="Consolas" panose="020B0609020204030204" pitchFamily="49" charset="0"/>
+                  <a:cs typeface="Consolas" panose="020B0609020204030204" pitchFamily="49" charset="0"/>
+                </a:rPr>
+                <a:t>StringBuffer</a:t>
+              </a:r>
+              <a:r>
+                <a:rPr lang="en-CA" dirty="0">
+                  <a:latin typeface="Consolas" panose="020B0609020204030204" pitchFamily="49" charset="0"/>
+                  <a:cs typeface="Consolas" panose="020B0609020204030204" pitchFamily="49" charset="0"/>
+                </a:rPr>
+                <a:t> a = </a:t>
+              </a:r>
+              <a:r>
+                <a:rPr lang="en-CA" dirty="0" err="1">
+                  <a:latin typeface="Consolas" panose="020B0609020204030204" pitchFamily="49" charset="0"/>
+                  <a:cs typeface="Consolas" panose="020B0609020204030204" pitchFamily="49" charset="0"/>
+                </a:rPr>
+                <a:t>make_StringBuffer</a:t>
+              </a:r>
+              <a:r>
+                <a:rPr lang="en-CA" dirty="0">
+                  <a:latin typeface="Consolas" panose="020B0609020204030204" pitchFamily="49" charset="0"/>
+                  <a:cs typeface="Consolas" panose="020B0609020204030204" pitchFamily="49" charset="0"/>
+                </a:rPr>
+                <a:t>("Hello");</a:t>
+              </a:r>
+            </a:p>
+            <a:p>
+              <a:r>
+                <a:rPr lang="en-CA" dirty="0" err="1">
+                  <a:latin typeface="Consolas" panose="020B0609020204030204" pitchFamily="49" charset="0"/>
+                  <a:cs typeface="Consolas" panose="020B0609020204030204" pitchFamily="49" charset="0"/>
+                </a:rPr>
+                <a:t>StringBuffer</a:t>
+              </a:r>
+              <a:r>
+                <a:rPr lang="en-CA" dirty="0">
+                  <a:latin typeface="Consolas" panose="020B0609020204030204" pitchFamily="49" charset="0"/>
+                  <a:cs typeface="Consolas" panose="020B0609020204030204" pitchFamily="49" charset="0"/>
+                </a:rPr>
+                <a:t> b = </a:t>
+              </a:r>
+              <a:r>
+                <a:rPr lang="en-CA" dirty="0" err="1">
+                  <a:latin typeface="Consolas" panose="020B0609020204030204" pitchFamily="49" charset="0"/>
+                  <a:cs typeface="Consolas" panose="020B0609020204030204" pitchFamily="49" charset="0"/>
+                </a:rPr>
+                <a:t>make_StringBuffer</a:t>
+              </a:r>
+              <a:r>
+                <a:rPr lang="en-CA" dirty="0">
+                  <a:latin typeface="Consolas" panose="020B0609020204030204" pitchFamily="49" charset="0"/>
+                  <a:cs typeface="Consolas" panose="020B0609020204030204" pitchFamily="49" charset="0"/>
+                </a:rPr>
+                <a:t>(" World");</a:t>
+              </a:r>
+            </a:p>
+            <a:p>
+              <a:endParaRPr lang="en-CA" dirty="0">
+                <a:latin typeface="Consolas" panose="020B0609020204030204" pitchFamily="49" charset="0"/>
+                <a:cs typeface="Consolas" panose="020B0609020204030204" pitchFamily="49" charset="0"/>
+              </a:endParaRPr>
+            </a:p>
+            <a:p>
+              <a:r>
+                <a:rPr lang="en-CA" dirty="0">
+                  <a:latin typeface="Consolas" panose="020B0609020204030204" pitchFamily="49" charset="0"/>
+                  <a:cs typeface="Consolas" panose="020B0609020204030204" pitchFamily="49" charset="0"/>
+                </a:rPr>
+                <a:t>append(a, b);</a:t>
+              </a:r>
+            </a:p>
+            <a:p>
+              <a:endParaRPr lang="en-CA" dirty="0">
+                <a:latin typeface="Consolas" panose="020B0609020204030204" pitchFamily="49" charset="0"/>
+                <a:cs typeface="Consolas" panose="020B0609020204030204" pitchFamily="49" charset="0"/>
+              </a:endParaRPr>
+            </a:p>
+            <a:p>
+              <a:r>
+                <a:rPr lang="en-CA" dirty="0">
+                  <a:latin typeface="Consolas" panose="020B0609020204030204" pitchFamily="49" charset="0"/>
+                  <a:cs typeface="Consolas" panose="020B0609020204030204" pitchFamily="49" charset="0"/>
+                </a:rPr>
+                <a:t>print(a);</a:t>
+              </a:r>
+              <a:br>
+                <a:rPr lang="en-CA" dirty="0">
+                  <a:latin typeface="Consolas" panose="020B0609020204030204" pitchFamily="49" charset="0"/>
+                  <a:cs typeface="Consolas" panose="020B0609020204030204" pitchFamily="49" charset="0"/>
+                </a:rPr>
+              </a:br>
+              <a:endParaRPr lang="en-CA" dirty="0">
+                <a:latin typeface="Consolas" panose="020B0609020204030204" pitchFamily="49" charset="0"/>
+                <a:cs typeface="Consolas" panose="020B0609020204030204" pitchFamily="49" charset="0"/>
+              </a:endParaRPr>
+            </a:p>
+            <a:p>
+              <a:r>
+                <a:rPr lang="en-CA" dirty="0" err="1">
+                  <a:latin typeface="Consolas" panose="020B0609020204030204" pitchFamily="49" charset="0"/>
+                  <a:cs typeface="Consolas" panose="020B0609020204030204" pitchFamily="49" charset="0"/>
+                </a:rPr>
+                <a:t>destroy_StringBuffer</a:t>
+              </a:r>
+              <a:r>
+                <a:rPr lang="en-CA" dirty="0">
+                  <a:latin typeface="Consolas" panose="020B0609020204030204" pitchFamily="49" charset="0"/>
+                  <a:cs typeface="Consolas" panose="020B0609020204030204" pitchFamily="49" charset="0"/>
+                </a:rPr>
+                <a:t>(a);</a:t>
+              </a:r>
+            </a:p>
+            <a:p>
+              <a:r>
+                <a:rPr lang="en-CA" dirty="0" err="1">
+                  <a:latin typeface="Consolas" panose="020B0609020204030204" pitchFamily="49" charset="0"/>
+                  <a:cs typeface="Consolas" panose="020B0609020204030204" pitchFamily="49" charset="0"/>
+                </a:rPr>
+                <a:t>destroy_StringBuffer</a:t>
+              </a:r>
+              <a:r>
+                <a:rPr lang="en-CA" dirty="0">
+                  <a:latin typeface="Consolas" panose="020B0609020204030204" pitchFamily="49" charset="0"/>
+                  <a:cs typeface="Consolas" panose="020B0609020204030204" pitchFamily="49" charset="0"/>
+                </a:rPr>
+                <a:t>(b);</a:t>
+              </a:r>
+            </a:p>
+          </p:txBody>
+        </p:sp>
+        <p:sp>
+          <p:nvSpPr>
+            <p:cNvPr id="10" name="TextBox 9">
+              <a:extLst>
+                <a:ext uri="{FF2B5EF4-FFF2-40B4-BE49-F238E27FC236}">
+                  <a16:creationId xmlns:a16="http://schemas.microsoft.com/office/drawing/2014/main" id="{8CCAE245-AC82-8F11-6544-9A3BED40CF07}"/>
+                </a:ext>
+              </a:extLst>
+            </p:cNvPr>
+            <p:cNvSpPr txBox="1"/>
+            <p:nvPr/>
+          </p:nvSpPr>
+          <p:spPr>
+            <a:xfrm>
+              <a:off x="6095998" y="918501"/>
+              <a:ext cx="5883341" cy="369332"/>
+            </a:xfrm>
+            <a:prstGeom prst="rect">
+              <a:avLst/>
+            </a:prstGeom>
+            <a:noFill/>
+          </p:spPr>
+          <p:txBody>
+            <a:bodyPr wrap="square" rtlCol="0">
+              <a:spAutoFit/>
+            </a:bodyPr>
+            <a:lstStyle/>
+            <a:p>
+              <a:pPr algn="ctr"/>
+              <a:r>
+                <a:rPr lang="en-US" b="1" dirty="0">
+                  <a:solidFill>
+                    <a:srgbClr val="00B050"/>
+                  </a:solidFill>
+                </a:rPr>
+                <a:t>C-style + Functions</a:t>
+              </a:r>
+            </a:p>
+          </p:txBody>
+        </p:sp>
+      </p:grpSp>
+      <p:grpSp>
+        <p:nvGrpSpPr>
+          <p:cNvPr id="13" name="Group 12">
+            <a:extLst>
+              <a:ext uri="{FF2B5EF4-FFF2-40B4-BE49-F238E27FC236}">
+                <a16:creationId xmlns:a16="http://schemas.microsoft.com/office/drawing/2014/main" id="{548E569A-6022-80FB-9CE4-3E09CC022469}"/>
+              </a:ext>
+            </a:extLst>
+          </p:cNvPr>
+          <p:cNvGrpSpPr/>
+          <p:nvPr/>
+        </p:nvGrpSpPr>
+        <p:grpSpPr>
+          <a:xfrm>
+            <a:off x="8224206" y="4606314"/>
+            <a:ext cx="2717412" cy="1846660"/>
+            <a:chOff x="6911040" y="4242488"/>
+            <a:chExt cx="2717412" cy="1846660"/>
+          </a:xfrm>
+        </p:grpSpPr>
+        <p:sp>
+          <p:nvSpPr>
+            <p:cNvPr id="7" name="TextBox 6">
+              <a:extLst>
+                <a:ext uri="{FF2B5EF4-FFF2-40B4-BE49-F238E27FC236}">
+                  <a16:creationId xmlns:a16="http://schemas.microsoft.com/office/drawing/2014/main" id="{17197FC5-147C-2C1D-4F55-813F102498A1}"/>
+                </a:ext>
+              </a:extLst>
+            </p:cNvPr>
+            <p:cNvSpPr txBox="1"/>
+            <p:nvPr/>
+          </p:nvSpPr>
+          <p:spPr>
+            <a:xfrm>
+              <a:off x="6911041" y="4611820"/>
+              <a:ext cx="2717411" cy="1477328"/>
+            </a:xfrm>
+            <a:prstGeom prst="rect">
+              <a:avLst/>
+            </a:prstGeom>
+            <a:noFill/>
+            <a:ln>
+              <a:solidFill>
+                <a:schemeClr val="accent1"/>
+              </a:solidFill>
+            </a:ln>
+          </p:spPr>
+          <p:txBody>
+            <a:bodyPr wrap="none" rtlCol="0">
+              <a:spAutoFit/>
+            </a:bodyPr>
+            <a:lstStyle/>
+            <a:p>
+              <a:r>
+                <a:rPr lang="en-CA" dirty="0">
+                  <a:latin typeface="Consolas" panose="020B0609020204030204" pitchFamily="49" charset="0"/>
+                  <a:cs typeface="Consolas" panose="020B0609020204030204" pitchFamily="49" charset="0"/>
+                </a:rPr>
+                <a:t>string a = "Hello";</a:t>
+              </a:r>
+            </a:p>
+            <a:p>
+              <a:r>
+                <a:rPr lang="en-CA" dirty="0">
+                  <a:latin typeface="Consolas" panose="020B0609020204030204" pitchFamily="49" charset="0"/>
+                  <a:cs typeface="Consolas" panose="020B0609020204030204" pitchFamily="49" charset="0"/>
+                </a:rPr>
+                <a:t>string b = " World";</a:t>
+              </a:r>
+            </a:p>
+            <a:p>
+              <a:endParaRPr lang="en-CA" dirty="0">
+                <a:latin typeface="Consolas" panose="020B0609020204030204" pitchFamily="49" charset="0"/>
+                <a:cs typeface="Consolas" panose="020B0609020204030204" pitchFamily="49" charset="0"/>
+              </a:endParaRPr>
+            </a:p>
+            <a:p>
+              <a:r>
+                <a:rPr lang="en-CA" dirty="0">
+                  <a:latin typeface="Consolas" panose="020B0609020204030204" pitchFamily="49" charset="0"/>
+                  <a:cs typeface="Consolas" panose="020B0609020204030204" pitchFamily="49" charset="0"/>
+                </a:rPr>
+                <a:t>a += b;</a:t>
+              </a:r>
+            </a:p>
+            <a:p>
+              <a:r>
+                <a:rPr lang="en-CA" dirty="0" err="1">
+                  <a:latin typeface="Consolas" panose="020B0609020204030204" pitchFamily="49" charset="0"/>
+                  <a:cs typeface="Consolas" panose="020B0609020204030204" pitchFamily="49" charset="0"/>
+                </a:rPr>
+                <a:t>cout</a:t>
+              </a:r>
+              <a:r>
+                <a:rPr lang="en-CA" dirty="0">
+                  <a:latin typeface="Consolas" panose="020B0609020204030204" pitchFamily="49" charset="0"/>
+                  <a:cs typeface="Consolas" panose="020B0609020204030204" pitchFamily="49" charset="0"/>
+                </a:rPr>
+                <a:t> &lt;&lt; a;</a:t>
+              </a:r>
+            </a:p>
+          </p:txBody>
+        </p:sp>
+        <p:sp>
+          <p:nvSpPr>
+            <p:cNvPr id="11" name="TextBox 10">
+              <a:extLst>
+                <a:ext uri="{FF2B5EF4-FFF2-40B4-BE49-F238E27FC236}">
+                  <a16:creationId xmlns:a16="http://schemas.microsoft.com/office/drawing/2014/main" id="{DD6F41E9-A162-5366-7348-B5936857DF42}"/>
+                </a:ext>
+              </a:extLst>
+            </p:cNvPr>
+            <p:cNvSpPr txBox="1"/>
+            <p:nvPr/>
+          </p:nvSpPr>
+          <p:spPr>
+            <a:xfrm>
+              <a:off x="6911040" y="4242488"/>
+              <a:ext cx="2717411" cy="369332"/>
+            </a:xfrm>
+            <a:prstGeom prst="rect">
+              <a:avLst/>
+            </a:prstGeom>
+            <a:noFill/>
+          </p:spPr>
+          <p:txBody>
+            <a:bodyPr wrap="square" rtlCol="0">
+              <a:spAutoFit/>
+            </a:bodyPr>
+            <a:lstStyle/>
+            <a:p>
+              <a:pPr algn="ctr"/>
+              <a:r>
+                <a:rPr lang="en-US" b="1" dirty="0">
+                  <a:solidFill>
+                    <a:srgbClr val="00B050"/>
+                  </a:solidFill>
+                </a:rPr>
+                <a:t>C++ OOP</a:t>
+              </a:r>
+            </a:p>
+          </p:txBody>
+        </p:sp>
+      </p:grpSp>
+    </p:spTree>
+    <p:extLst>
+      <p:ext uri="{BB962C8B-B14F-4D97-AF65-F5344CB8AC3E}">
+        <p14:creationId xmlns:p14="http://schemas.microsoft.com/office/powerpoint/2010/main" val="1778271558"/>
+      </p:ext>
+    </p:extLst>
+  </p:cSld>
+  <p:clrMapOvr>
+    <a:masterClrMapping/>
+  </p:clrMapOvr>
+</p:sld>
+</file>
+
+<file path=ppt/slides/slide17.xml><?xml version="1.0" encoding="utf-8"?>
+<p:sld xmlns:a="http://schemas.openxmlformats.org/drawingml/2006/main" xmlns:r="http://schemas.openxmlformats.org/officeDocument/2006/relationships" xmlns:p="http://schemas.openxmlformats.org/presentationml/2006/main">
+  <p:cSld>
+    <p:spTree>
+      <p:nvGrpSpPr>
+        <p:cNvPr id="1" name="">
+          <a:extLst>
+            <a:ext uri="{FF2B5EF4-FFF2-40B4-BE49-F238E27FC236}">
+              <a16:creationId xmlns:a16="http://schemas.microsoft.com/office/drawing/2014/main" id="{FD1A4AB1-9DF5-230E-D7CB-825D8E11FB56}"/>
+            </a:ext>
+          </a:extLst>
+        </p:cNvPr>
+        <p:cNvGrpSpPr/>
+        <p:nvPr/>
+      </p:nvGrpSpPr>
+      <p:grpSpPr>
+        <a:xfrm>
+          <a:off x="0" y="0"/>
+          <a:ext cx="0" cy="0"/>
+          <a:chOff x="0" y="0"/>
+          <a:chExt cx="0" cy="0"/>
+        </a:xfrm>
+      </p:grpSpPr>
+      <p:sp>
+        <p:nvSpPr>
+          <p:cNvPr id="2" name="Title 1">
+            <a:extLst>
+              <a:ext uri="{FF2B5EF4-FFF2-40B4-BE49-F238E27FC236}">
+                <a16:creationId xmlns:a16="http://schemas.microsoft.com/office/drawing/2014/main" id="{913CC0EF-5112-685B-313C-0564B2D17637}"/>
+              </a:ext>
+            </a:extLst>
+          </p:cNvPr>
+          <p:cNvSpPr>
+            <a:spLocks noGrp="1"/>
+          </p:cNvSpPr>
+          <p:nvPr>
+            <p:ph type="title"/>
+          </p:nvPr>
+        </p:nvSpPr>
+        <p:spPr>
+          <a:xfrm>
+            <a:off x="0" y="0"/>
+            <a:ext cx="4626259" cy="1325563"/>
+          </a:xfrm>
+        </p:spPr>
+        <p:txBody>
+          <a:bodyPr/>
+          <a:lstStyle/>
+          <a:p>
+            <a:r>
+              <a:rPr lang="en-US" dirty="0"/>
+              <a:t>Comparing Strings</a:t>
+            </a:r>
+          </a:p>
+        </p:txBody>
+      </p:sp>
+      <p:grpSp>
+        <p:nvGrpSpPr>
+          <p:cNvPr id="9" name="Group 8">
+            <a:extLst>
+              <a:ext uri="{FF2B5EF4-FFF2-40B4-BE49-F238E27FC236}">
+                <a16:creationId xmlns:a16="http://schemas.microsoft.com/office/drawing/2014/main" id="{C4B25CA7-D63D-1973-3BE3-BD039CE16E9A}"/>
+              </a:ext>
+            </a:extLst>
+          </p:cNvPr>
+          <p:cNvGrpSpPr/>
+          <p:nvPr/>
+        </p:nvGrpSpPr>
+        <p:grpSpPr>
+          <a:xfrm>
+            <a:off x="410716" y="1049129"/>
+            <a:ext cx="4870244" cy="4062651"/>
+            <a:chOff x="410716" y="1049129"/>
+            <a:chExt cx="4870244" cy="4062651"/>
+          </a:xfrm>
+        </p:grpSpPr>
+        <p:sp>
+          <p:nvSpPr>
+            <p:cNvPr id="4" name="TextBox 3">
+              <a:extLst>
+                <a:ext uri="{FF2B5EF4-FFF2-40B4-BE49-F238E27FC236}">
+                  <a16:creationId xmlns:a16="http://schemas.microsoft.com/office/drawing/2014/main" id="{D13A9A6A-31E4-5A31-6088-7BA685523DF6}"/>
+                </a:ext>
+              </a:extLst>
+            </p:cNvPr>
+            <p:cNvSpPr txBox="1"/>
+            <p:nvPr/>
+          </p:nvSpPr>
+          <p:spPr>
+            <a:xfrm>
+              <a:off x="410716" y="1418461"/>
+              <a:ext cx="4870244" cy="3693319"/>
+            </a:xfrm>
+            <a:prstGeom prst="rect">
+              <a:avLst/>
+            </a:prstGeom>
+            <a:noFill/>
+            <a:ln>
+              <a:solidFill>
+                <a:schemeClr val="accent1"/>
+              </a:solidFill>
+            </a:ln>
+          </p:spPr>
+          <p:txBody>
+            <a:bodyPr wrap="none" rtlCol="0">
+              <a:spAutoFit/>
+            </a:bodyPr>
+            <a:lstStyle/>
+            <a:p>
+              <a:r>
+                <a:rPr lang="en-CA" dirty="0">
+                  <a:latin typeface="Consolas" panose="020B0609020204030204" pitchFamily="49" charset="0"/>
+                  <a:cs typeface="Consolas" panose="020B0609020204030204" pitchFamily="49" charset="0"/>
+                </a:rPr>
+                <a:t>const char* a = "Hello";</a:t>
+              </a:r>
+            </a:p>
+            <a:p>
+              <a:r>
+                <a:rPr lang="en-CA" dirty="0">
+                  <a:latin typeface="Consolas" panose="020B0609020204030204" pitchFamily="49" charset="0"/>
+                  <a:cs typeface="Consolas" panose="020B0609020204030204" pitchFamily="49" charset="0"/>
+                </a:rPr>
+                <a:t>const char* b = " World!";</a:t>
+              </a:r>
+              <a:br>
+                <a:rPr lang="en-CA" dirty="0">
+                  <a:latin typeface="Consolas" panose="020B0609020204030204" pitchFamily="49" charset="0"/>
+                  <a:cs typeface="Consolas" panose="020B0609020204030204" pitchFamily="49" charset="0"/>
+                </a:rPr>
+              </a:br>
+              <a:endParaRPr lang="en-CA" dirty="0">
+                <a:latin typeface="Consolas" panose="020B0609020204030204" pitchFamily="49" charset="0"/>
+                <a:cs typeface="Consolas" panose="020B0609020204030204" pitchFamily="49" charset="0"/>
+              </a:endParaRPr>
+            </a:p>
+            <a:p>
+              <a:r>
+                <a:rPr lang="en-CA" dirty="0">
+                  <a:latin typeface="Consolas" panose="020B0609020204030204" pitchFamily="49" charset="0"/>
+                  <a:cs typeface="Consolas" panose="020B0609020204030204" pitchFamily="49" charset="0"/>
+                </a:rPr>
+                <a:t>int </a:t>
+              </a:r>
+              <a:r>
+                <a:rPr lang="en-CA" dirty="0" err="1">
+                  <a:latin typeface="Consolas" panose="020B0609020204030204" pitchFamily="49" charset="0"/>
+                  <a:cs typeface="Consolas" panose="020B0609020204030204" pitchFamily="49" charset="0"/>
+                </a:rPr>
+                <a:t>a_len</a:t>
+              </a:r>
+              <a:r>
+                <a:rPr lang="en-CA" dirty="0">
+                  <a:latin typeface="Consolas" panose="020B0609020204030204" pitchFamily="49" charset="0"/>
+                  <a:cs typeface="Consolas" panose="020B0609020204030204" pitchFamily="49" charset="0"/>
+                </a:rPr>
+                <a:t> = </a:t>
+              </a:r>
+              <a:r>
+                <a:rPr lang="en-CA" dirty="0" err="1">
+                  <a:latin typeface="Consolas" panose="020B0609020204030204" pitchFamily="49" charset="0"/>
+                  <a:cs typeface="Consolas" panose="020B0609020204030204" pitchFamily="49" charset="0"/>
+                </a:rPr>
+                <a:t>strlen</a:t>
+              </a:r>
+              <a:r>
+                <a:rPr lang="en-CA" dirty="0">
+                  <a:latin typeface="Consolas" panose="020B0609020204030204" pitchFamily="49" charset="0"/>
+                  <a:cs typeface="Consolas" panose="020B0609020204030204" pitchFamily="49" charset="0"/>
+                </a:rPr>
+                <a:t>(a); </a:t>
+              </a:r>
+            </a:p>
+            <a:p>
+              <a:r>
+                <a:rPr lang="en-CA" dirty="0">
+                  <a:latin typeface="Consolas" panose="020B0609020204030204" pitchFamily="49" charset="0"/>
+                  <a:cs typeface="Consolas" panose="020B0609020204030204" pitchFamily="49" charset="0"/>
+                </a:rPr>
+                <a:t>int </a:t>
+              </a:r>
+              <a:r>
+                <a:rPr lang="en-CA" dirty="0" err="1">
+                  <a:latin typeface="Consolas" panose="020B0609020204030204" pitchFamily="49" charset="0"/>
+                  <a:cs typeface="Consolas" panose="020B0609020204030204" pitchFamily="49" charset="0"/>
+                </a:rPr>
+                <a:t>b_len</a:t>
+              </a:r>
+              <a:r>
+                <a:rPr lang="en-CA" dirty="0">
+                  <a:latin typeface="Consolas" panose="020B0609020204030204" pitchFamily="49" charset="0"/>
+                  <a:cs typeface="Consolas" panose="020B0609020204030204" pitchFamily="49" charset="0"/>
+                </a:rPr>
+                <a:t> = </a:t>
+              </a:r>
+              <a:r>
+                <a:rPr lang="en-CA" dirty="0" err="1">
+                  <a:latin typeface="Consolas" panose="020B0609020204030204" pitchFamily="49" charset="0"/>
+                  <a:cs typeface="Consolas" panose="020B0609020204030204" pitchFamily="49" charset="0"/>
+                </a:rPr>
+                <a:t>strlen</a:t>
+              </a:r>
+              <a:r>
+                <a:rPr lang="en-CA" dirty="0">
+                  <a:latin typeface="Consolas" panose="020B0609020204030204" pitchFamily="49" charset="0"/>
+                  <a:cs typeface="Consolas" panose="020B0609020204030204" pitchFamily="49" charset="0"/>
+                </a:rPr>
+                <a:t>(b);</a:t>
+              </a:r>
+            </a:p>
+            <a:p>
+              <a:r>
+                <a:rPr lang="en-CA" dirty="0">
+                  <a:latin typeface="Consolas" panose="020B0609020204030204" pitchFamily="49" charset="0"/>
+                  <a:cs typeface="Consolas" panose="020B0609020204030204" pitchFamily="49" charset="0"/>
+                </a:rPr>
+                <a:t>int </a:t>
+              </a:r>
+              <a:r>
+                <a:rPr lang="en-CA" dirty="0" err="1">
+                  <a:latin typeface="Consolas" panose="020B0609020204030204" pitchFamily="49" charset="0"/>
+                  <a:cs typeface="Consolas" panose="020B0609020204030204" pitchFamily="49" charset="0"/>
+                </a:rPr>
+                <a:t>result_len</a:t>
+              </a:r>
+              <a:r>
+                <a:rPr lang="en-CA" dirty="0">
+                  <a:latin typeface="Consolas" panose="020B0609020204030204" pitchFamily="49" charset="0"/>
+                  <a:cs typeface="Consolas" panose="020B0609020204030204" pitchFamily="49" charset="0"/>
+                </a:rPr>
+                <a:t> = </a:t>
+              </a:r>
+              <a:r>
+                <a:rPr lang="en-CA" dirty="0" err="1">
+                  <a:latin typeface="Consolas" panose="020B0609020204030204" pitchFamily="49" charset="0"/>
+                  <a:cs typeface="Consolas" panose="020B0609020204030204" pitchFamily="49" charset="0"/>
+                </a:rPr>
+                <a:t>a_len</a:t>
+              </a:r>
+              <a:r>
+                <a:rPr lang="en-CA" dirty="0">
+                  <a:latin typeface="Consolas" panose="020B0609020204030204" pitchFamily="49" charset="0"/>
+                  <a:cs typeface="Consolas" panose="020B0609020204030204" pitchFamily="49" charset="0"/>
+                </a:rPr>
+                <a:t> + </a:t>
+              </a:r>
+              <a:r>
+                <a:rPr lang="en-CA" dirty="0" err="1">
+                  <a:latin typeface="Consolas" panose="020B0609020204030204" pitchFamily="49" charset="0"/>
+                  <a:cs typeface="Consolas" panose="020B0609020204030204" pitchFamily="49" charset="0"/>
+                </a:rPr>
+                <a:t>b_len</a:t>
+              </a:r>
+              <a:r>
+                <a:rPr lang="en-CA" dirty="0">
+                  <a:latin typeface="Consolas" panose="020B0609020204030204" pitchFamily="49" charset="0"/>
+                  <a:cs typeface="Consolas" panose="020B0609020204030204" pitchFamily="49" charset="0"/>
+                </a:rPr>
+                <a:t>;</a:t>
+              </a:r>
+            </a:p>
+            <a:p>
+              <a:r>
+                <a:rPr lang="en-CA" dirty="0">
+                  <a:latin typeface="Consolas" panose="020B0609020204030204" pitchFamily="49" charset="0"/>
+                  <a:cs typeface="Consolas" panose="020B0609020204030204" pitchFamily="49" charset="0"/>
+                </a:rPr>
+                <a:t>char* result = new char[</a:t>
+              </a:r>
+              <a:r>
+                <a:rPr lang="en-CA" dirty="0" err="1">
+                  <a:latin typeface="Consolas" panose="020B0609020204030204" pitchFamily="49" charset="0"/>
+                  <a:cs typeface="Consolas" panose="020B0609020204030204" pitchFamily="49" charset="0"/>
+                </a:rPr>
+                <a:t>new_len</a:t>
+              </a:r>
+              <a:r>
+                <a:rPr lang="en-CA" dirty="0">
+                  <a:latin typeface="Consolas" panose="020B0609020204030204" pitchFamily="49" charset="0"/>
+                  <a:cs typeface="Consolas" panose="020B0609020204030204" pitchFamily="49" charset="0"/>
+                </a:rPr>
+                <a:t> + 1];</a:t>
+              </a:r>
+            </a:p>
+            <a:p>
+              <a:r>
+                <a:rPr lang="en-CA" dirty="0" err="1">
+                  <a:latin typeface="Consolas" panose="020B0609020204030204" pitchFamily="49" charset="0"/>
+                  <a:cs typeface="Consolas" panose="020B0609020204030204" pitchFamily="49" charset="0"/>
+                </a:rPr>
+                <a:t>strcpy</a:t>
+              </a:r>
+              <a:r>
+                <a:rPr lang="en-CA" dirty="0">
+                  <a:latin typeface="Consolas" panose="020B0609020204030204" pitchFamily="49" charset="0"/>
+                  <a:cs typeface="Consolas" panose="020B0609020204030204" pitchFamily="49" charset="0"/>
+                </a:rPr>
+                <a:t>(result, a);</a:t>
+              </a:r>
+            </a:p>
+            <a:p>
+              <a:r>
+                <a:rPr lang="en-CA" dirty="0" err="1">
+                  <a:latin typeface="Consolas" panose="020B0609020204030204" pitchFamily="49" charset="0"/>
+                  <a:cs typeface="Consolas" panose="020B0609020204030204" pitchFamily="49" charset="0"/>
+                </a:rPr>
+                <a:t>strcat</a:t>
+              </a:r>
+              <a:r>
+                <a:rPr lang="en-CA" dirty="0">
+                  <a:latin typeface="Consolas" panose="020B0609020204030204" pitchFamily="49" charset="0"/>
+                  <a:cs typeface="Consolas" panose="020B0609020204030204" pitchFamily="49" charset="0"/>
+                </a:rPr>
+                <a:t>(result, b);</a:t>
+              </a:r>
+              <a:br>
+                <a:rPr lang="en-CA" dirty="0">
+                  <a:latin typeface="Consolas" panose="020B0609020204030204" pitchFamily="49" charset="0"/>
+                  <a:cs typeface="Consolas" panose="020B0609020204030204" pitchFamily="49" charset="0"/>
+                </a:rPr>
+              </a:br>
+              <a:endParaRPr lang="en-CA" dirty="0">
+                <a:latin typeface="Consolas" panose="020B0609020204030204" pitchFamily="49" charset="0"/>
+                <a:cs typeface="Consolas" panose="020B0609020204030204" pitchFamily="49" charset="0"/>
+              </a:endParaRPr>
+            </a:p>
+            <a:p>
+              <a:r>
+                <a:rPr lang="en-CA" dirty="0" err="1">
+                  <a:latin typeface="Consolas" panose="020B0609020204030204" pitchFamily="49" charset="0"/>
+                  <a:cs typeface="Consolas" panose="020B0609020204030204" pitchFamily="49" charset="0"/>
+                </a:rPr>
+                <a:t>cout</a:t>
+              </a:r>
+              <a:r>
+                <a:rPr lang="en-CA" dirty="0">
+                  <a:latin typeface="Consolas" panose="020B0609020204030204" pitchFamily="49" charset="0"/>
+                  <a:cs typeface="Consolas" panose="020B0609020204030204" pitchFamily="49" charset="0"/>
+                </a:rPr>
+                <a:t> &lt;&lt; result;</a:t>
+              </a:r>
+            </a:p>
+            <a:p>
+              <a:endParaRPr lang="en-CA" dirty="0">
+                <a:latin typeface="Consolas" panose="020B0609020204030204" pitchFamily="49" charset="0"/>
+                <a:cs typeface="Consolas" panose="020B0609020204030204" pitchFamily="49" charset="0"/>
+              </a:endParaRPr>
+            </a:p>
+            <a:p>
+              <a:r>
+                <a:rPr lang="en-CA" dirty="0">
+                  <a:latin typeface="Consolas" panose="020B0609020204030204" pitchFamily="49" charset="0"/>
+                  <a:cs typeface="Consolas" panose="020B0609020204030204" pitchFamily="49" charset="0"/>
+                </a:rPr>
+                <a:t>delete[] result;</a:t>
+              </a:r>
+            </a:p>
+          </p:txBody>
+        </p:sp>
+        <p:sp>
+          <p:nvSpPr>
+            <p:cNvPr id="8" name="TextBox 7">
+              <a:extLst>
+                <a:ext uri="{FF2B5EF4-FFF2-40B4-BE49-F238E27FC236}">
+                  <a16:creationId xmlns:a16="http://schemas.microsoft.com/office/drawing/2014/main" id="{98E7BE7B-3BF2-3697-0DEA-191DE45CFAF5}"/>
+                </a:ext>
+              </a:extLst>
+            </p:cNvPr>
+            <p:cNvSpPr txBox="1"/>
+            <p:nvPr/>
+          </p:nvSpPr>
+          <p:spPr>
+            <a:xfrm>
+              <a:off x="410716" y="1049129"/>
+              <a:ext cx="4870243" cy="369332"/>
+            </a:xfrm>
+            <a:prstGeom prst="rect">
+              <a:avLst/>
+            </a:prstGeom>
+            <a:noFill/>
+          </p:spPr>
+          <p:txBody>
+            <a:bodyPr wrap="square" rtlCol="0">
+              <a:spAutoFit/>
+            </a:bodyPr>
+            <a:lstStyle/>
+            <a:p>
+              <a:pPr algn="ctr"/>
+              <a:r>
+                <a:rPr lang="en-US" b="1" dirty="0">
+                  <a:solidFill>
+                    <a:srgbClr val="00B050"/>
+                  </a:solidFill>
+                </a:rPr>
+                <a:t>C-style Strings</a:t>
+              </a:r>
+            </a:p>
+          </p:txBody>
+        </p:sp>
+      </p:grpSp>
+      <p:grpSp>
+        <p:nvGrpSpPr>
+          <p:cNvPr id="12" name="Group 11">
+            <a:extLst>
+              <a:ext uri="{FF2B5EF4-FFF2-40B4-BE49-F238E27FC236}">
+                <a16:creationId xmlns:a16="http://schemas.microsoft.com/office/drawing/2014/main" id="{D6018966-E234-2599-154B-F57118A7B987}"/>
+              </a:ext>
+            </a:extLst>
+          </p:cNvPr>
+          <p:cNvGrpSpPr/>
+          <p:nvPr/>
+        </p:nvGrpSpPr>
+        <p:grpSpPr>
+          <a:xfrm>
+            <a:off x="6095997" y="310465"/>
+            <a:ext cx="5883344" cy="2954655"/>
+            <a:chOff x="6095998" y="918501"/>
+            <a:chExt cx="5883344" cy="2954655"/>
+          </a:xfrm>
+        </p:grpSpPr>
+        <p:sp>
+          <p:nvSpPr>
+            <p:cNvPr id="5" name="TextBox 4">
+              <a:extLst>
+                <a:ext uri="{FF2B5EF4-FFF2-40B4-BE49-F238E27FC236}">
+                  <a16:creationId xmlns:a16="http://schemas.microsoft.com/office/drawing/2014/main" id="{012EED52-1A2E-FDE0-C05F-FC87FF3A5FCF}"/>
+                </a:ext>
+              </a:extLst>
+            </p:cNvPr>
+            <p:cNvSpPr txBox="1"/>
+            <p:nvPr/>
+          </p:nvSpPr>
+          <p:spPr>
+            <a:xfrm>
+              <a:off x="6096000" y="1287833"/>
+              <a:ext cx="5883342" cy="2585323"/>
+            </a:xfrm>
+            <a:prstGeom prst="rect">
+              <a:avLst/>
+            </a:prstGeom>
+            <a:noFill/>
+            <a:ln>
+              <a:solidFill>
+                <a:schemeClr val="accent1"/>
+              </a:solidFill>
+            </a:ln>
+          </p:spPr>
+          <p:txBody>
+            <a:bodyPr wrap="none" rtlCol="0">
+              <a:spAutoFit/>
+            </a:bodyPr>
+            <a:lstStyle/>
+            <a:p>
+              <a:r>
+                <a:rPr lang="en-CA" dirty="0" err="1">
+                  <a:latin typeface="Consolas" panose="020B0609020204030204" pitchFamily="49" charset="0"/>
+                  <a:cs typeface="Consolas" panose="020B0609020204030204" pitchFamily="49" charset="0"/>
+                </a:rPr>
+                <a:t>StringBuffer</a:t>
+              </a:r>
+              <a:r>
+                <a:rPr lang="en-CA" dirty="0">
+                  <a:latin typeface="Consolas" panose="020B0609020204030204" pitchFamily="49" charset="0"/>
+                  <a:cs typeface="Consolas" panose="020B0609020204030204" pitchFamily="49" charset="0"/>
+                </a:rPr>
+                <a:t> a = </a:t>
+              </a:r>
+              <a:r>
+                <a:rPr lang="en-CA" dirty="0" err="1">
+                  <a:latin typeface="Consolas" panose="020B0609020204030204" pitchFamily="49" charset="0"/>
+                  <a:cs typeface="Consolas" panose="020B0609020204030204" pitchFamily="49" charset="0"/>
+                </a:rPr>
+                <a:t>make_StringBuffer</a:t>
+              </a:r>
+              <a:r>
+                <a:rPr lang="en-CA" dirty="0">
+                  <a:latin typeface="Consolas" panose="020B0609020204030204" pitchFamily="49" charset="0"/>
+                  <a:cs typeface="Consolas" panose="020B0609020204030204" pitchFamily="49" charset="0"/>
+                </a:rPr>
+                <a:t>("Hello");</a:t>
+              </a:r>
+            </a:p>
+            <a:p>
+              <a:r>
+                <a:rPr lang="en-CA" dirty="0" err="1">
+                  <a:latin typeface="Consolas" panose="020B0609020204030204" pitchFamily="49" charset="0"/>
+                  <a:cs typeface="Consolas" panose="020B0609020204030204" pitchFamily="49" charset="0"/>
+                </a:rPr>
+                <a:t>StringBuffer</a:t>
+              </a:r>
+              <a:r>
+                <a:rPr lang="en-CA" dirty="0">
+                  <a:latin typeface="Consolas" panose="020B0609020204030204" pitchFamily="49" charset="0"/>
+                  <a:cs typeface="Consolas" panose="020B0609020204030204" pitchFamily="49" charset="0"/>
+                </a:rPr>
+                <a:t> b = </a:t>
+              </a:r>
+              <a:r>
+                <a:rPr lang="en-CA" dirty="0" err="1">
+                  <a:latin typeface="Consolas" panose="020B0609020204030204" pitchFamily="49" charset="0"/>
+                  <a:cs typeface="Consolas" panose="020B0609020204030204" pitchFamily="49" charset="0"/>
+                </a:rPr>
+                <a:t>make_StringBuffer</a:t>
+              </a:r>
+              <a:r>
+                <a:rPr lang="en-CA" dirty="0">
+                  <a:latin typeface="Consolas" panose="020B0609020204030204" pitchFamily="49" charset="0"/>
+                  <a:cs typeface="Consolas" panose="020B0609020204030204" pitchFamily="49" charset="0"/>
+                </a:rPr>
+                <a:t>(" World");</a:t>
+              </a:r>
+            </a:p>
+            <a:p>
+              <a:endParaRPr lang="en-CA" dirty="0">
+                <a:latin typeface="Consolas" panose="020B0609020204030204" pitchFamily="49" charset="0"/>
+                <a:cs typeface="Consolas" panose="020B0609020204030204" pitchFamily="49" charset="0"/>
+              </a:endParaRPr>
+            </a:p>
+            <a:p>
+              <a:r>
+                <a:rPr lang="en-CA" dirty="0">
+                  <a:latin typeface="Consolas" panose="020B0609020204030204" pitchFamily="49" charset="0"/>
+                  <a:cs typeface="Consolas" panose="020B0609020204030204" pitchFamily="49" charset="0"/>
+                </a:rPr>
+                <a:t>append(a, b);</a:t>
+              </a:r>
+            </a:p>
+            <a:p>
+              <a:endParaRPr lang="en-CA" dirty="0">
+                <a:latin typeface="Consolas" panose="020B0609020204030204" pitchFamily="49" charset="0"/>
+                <a:cs typeface="Consolas" panose="020B0609020204030204" pitchFamily="49" charset="0"/>
+              </a:endParaRPr>
+            </a:p>
+            <a:p>
+              <a:r>
+                <a:rPr lang="en-CA" dirty="0">
+                  <a:latin typeface="Consolas" panose="020B0609020204030204" pitchFamily="49" charset="0"/>
+                  <a:cs typeface="Consolas" panose="020B0609020204030204" pitchFamily="49" charset="0"/>
+                </a:rPr>
+                <a:t>print(a);</a:t>
+              </a:r>
+              <a:br>
+                <a:rPr lang="en-CA" dirty="0">
+                  <a:latin typeface="Consolas" panose="020B0609020204030204" pitchFamily="49" charset="0"/>
+                  <a:cs typeface="Consolas" panose="020B0609020204030204" pitchFamily="49" charset="0"/>
+                </a:rPr>
+              </a:br>
+              <a:endParaRPr lang="en-CA" dirty="0">
+                <a:latin typeface="Consolas" panose="020B0609020204030204" pitchFamily="49" charset="0"/>
+                <a:cs typeface="Consolas" panose="020B0609020204030204" pitchFamily="49" charset="0"/>
+              </a:endParaRPr>
+            </a:p>
+            <a:p>
+              <a:r>
+                <a:rPr lang="en-CA" dirty="0" err="1">
+                  <a:latin typeface="Consolas" panose="020B0609020204030204" pitchFamily="49" charset="0"/>
+                  <a:cs typeface="Consolas" panose="020B0609020204030204" pitchFamily="49" charset="0"/>
+                </a:rPr>
+                <a:t>destroy_StringBuffer</a:t>
+              </a:r>
+              <a:r>
+                <a:rPr lang="en-CA" dirty="0">
+                  <a:latin typeface="Consolas" panose="020B0609020204030204" pitchFamily="49" charset="0"/>
+                  <a:cs typeface="Consolas" panose="020B0609020204030204" pitchFamily="49" charset="0"/>
+                </a:rPr>
+                <a:t>(a);</a:t>
+              </a:r>
+            </a:p>
+            <a:p>
+              <a:r>
+                <a:rPr lang="en-CA" dirty="0" err="1">
+                  <a:latin typeface="Consolas" panose="020B0609020204030204" pitchFamily="49" charset="0"/>
+                  <a:cs typeface="Consolas" panose="020B0609020204030204" pitchFamily="49" charset="0"/>
+                </a:rPr>
+                <a:t>destroy_StringBuffer</a:t>
+              </a:r>
+              <a:r>
+                <a:rPr lang="en-CA" dirty="0">
+                  <a:latin typeface="Consolas" panose="020B0609020204030204" pitchFamily="49" charset="0"/>
+                  <a:cs typeface="Consolas" panose="020B0609020204030204" pitchFamily="49" charset="0"/>
+                </a:rPr>
+                <a:t>(b);</a:t>
+              </a:r>
+            </a:p>
+          </p:txBody>
+        </p:sp>
+        <p:sp>
+          <p:nvSpPr>
+            <p:cNvPr id="10" name="TextBox 9">
+              <a:extLst>
+                <a:ext uri="{FF2B5EF4-FFF2-40B4-BE49-F238E27FC236}">
+                  <a16:creationId xmlns:a16="http://schemas.microsoft.com/office/drawing/2014/main" id="{D0E07CC0-2EEB-F067-AC2F-4F6B52E8B776}"/>
+                </a:ext>
+              </a:extLst>
+            </p:cNvPr>
+            <p:cNvSpPr txBox="1"/>
+            <p:nvPr/>
+          </p:nvSpPr>
+          <p:spPr>
+            <a:xfrm>
+              <a:off x="6095998" y="918501"/>
+              <a:ext cx="5883341" cy="369332"/>
+            </a:xfrm>
+            <a:prstGeom prst="rect">
+              <a:avLst/>
+            </a:prstGeom>
+            <a:noFill/>
+          </p:spPr>
+          <p:txBody>
+            <a:bodyPr wrap="square" rtlCol="0">
+              <a:spAutoFit/>
+            </a:bodyPr>
+            <a:lstStyle/>
+            <a:p>
+              <a:pPr algn="ctr"/>
+              <a:r>
+                <a:rPr lang="en-US" b="1" dirty="0">
+                  <a:solidFill>
+                    <a:srgbClr val="00B050"/>
+                  </a:solidFill>
+                </a:rPr>
+                <a:t>C-style + Functions</a:t>
+              </a:r>
+            </a:p>
+          </p:txBody>
+        </p:sp>
+      </p:grpSp>
+      <p:grpSp>
+        <p:nvGrpSpPr>
+          <p:cNvPr id="13" name="Group 12">
+            <a:extLst>
+              <a:ext uri="{FF2B5EF4-FFF2-40B4-BE49-F238E27FC236}">
+                <a16:creationId xmlns:a16="http://schemas.microsoft.com/office/drawing/2014/main" id="{97EAA1E7-E9D7-747A-E84B-FC16A580CAA0}"/>
+              </a:ext>
+            </a:extLst>
+          </p:cNvPr>
+          <p:cNvGrpSpPr/>
+          <p:nvPr/>
+        </p:nvGrpSpPr>
+        <p:grpSpPr>
+          <a:xfrm>
+            <a:off x="8224206" y="4606314"/>
+            <a:ext cx="2717412" cy="1846660"/>
+            <a:chOff x="6911040" y="4242488"/>
+            <a:chExt cx="2717412" cy="1846660"/>
+          </a:xfrm>
+        </p:grpSpPr>
+        <p:sp>
+          <p:nvSpPr>
+            <p:cNvPr id="7" name="TextBox 6">
+              <a:extLst>
+                <a:ext uri="{FF2B5EF4-FFF2-40B4-BE49-F238E27FC236}">
+                  <a16:creationId xmlns:a16="http://schemas.microsoft.com/office/drawing/2014/main" id="{59C5A449-E9B9-A96F-87F3-DB6CFA2D0F22}"/>
+                </a:ext>
+              </a:extLst>
+            </p:cNvPr>
+            <p:cNvSpPr txBox="1"/>
+            <p:nvPr/>
+          </p:nvSpPr>
+          <p:spPr>
+            <a:xfrm>
+              <a:off x="6911041" y="4611820"/>
+              <a:ext cx="2717411" cy="1477328"/>
+            </a:xfrm>
+            <a:prstGeom prst="rect">
+              <a:avLst/>
+            </a:prstGeom>
+            <a:noFill/>
+            <a:ln>
+              <a:solidFill>
+                <a:schemeClr val="accent1"/>
+              </a:solidFill>
+            </a:ln>
+          </p:spPr>
+          <p:txBody>
+            <a:bodyPr wrap="none" rtlCol="0">
+              <a:spAutoFit/>
+            </a:bodyPr>
+            <a:lstStyle/>
+            <a:p>
+              <a:r>
+                <a:rPr lang="en-CA" dirty="0">
+                  <a:latin typeface="Consolas" panose="020B0609020204030204" pitchFamily="49" charset="0"/>
+                  <a:cs typeface="Consolas" panose="020B0609020204030204" pitchFamily="49" charset="0"/>
+                </a:rPr>
+                <a:t>string a = "Hello";</a:t>
+              </a:r>
+            </a:p>
+            <a:p>
+              <a:r>
+                <a:rPr lang="en-CA" dirty="0">
+                  <a:latin typeface="Consolas" panose="020B0609020204030204" pitchFamily="49" charset="0"/>
+                  <a:cs typeface="Consolas" panose="020B0609020204030204" pitchFamily="49" charset="0"/>
+                </a:rPr>
+                <a:t>string b = " World";</a:t>
+              </a:r>
+            </a:p>
+            <a:p>
+              <a:endParaRPr lang="en-CA" dirty="0">
+                <a:latin typeface="Consolas" panose="020B0609020204030204" pitchFamily="49" charset="0"/>
+                <a:cs typeface="Consolas" panose="020B0609020204030204" pitchFamily="49" charset="0"/>
+              </a:endParaRPr>
+            </a:p>
+            <a:p>
+              <a:r>
+                <a:rPr lang="en-CA" dirty="0">
+                  <a:latin typeface="Consolas" panose="020B0609020204030204" pitchFamily="49" charset="0"/>
+                  <a:cs typeface="Consolas" panose="020B0609020204030204" pitchFamily="49" charset="0"/>
+                </a:rPr>
+                <a:t>a += b;</a:t>
+              </a:r>
+            </a:p>
+            <a:p>
+              <a:r>
+                <a:rPr lang="en-CA" dirty="0" err="1">
+                  <a:latin typeface="Consolas" panose="020B0609020204030204" pitchFamily="49" charset="0"/>
+                  <a:cs typeface="Consolas" panose="020B0609020204030204" pitchFamily="49" charset="0"/>
+                </a:rPr>
+                <a:t>cout</a:t>
+              </a:r>
+              <a:r>
+                <a:rPr lang="en-CA" dirty="0">
+                  <a:latin typeface="Consolas" panose="020B0609020204030204" pitchFamily="49" charset="0"/>
+                  <a:cs typeface="Consolas" panose="020B0609020204030204" pitchFamily="49" charset="0"/>
+                </a:rPr>
+                <a:t> &lt;&lt; a;</a:t>
+              </a:r>
+            </a:p>
+          </p:txBody>
+        </p:sp>
+        <p:sp>
+          <p:nvSpPr>
+            <p:cNvPr id="11" name="TextBox 10">
+              <a:extLst>
+                <a:ext uri="{FF2B5EF4-FFF2-40B4-BE49-F238E27FC236}">
+                  <a16:creationId xmlns:a16="http://schemas.microsoft.com/office/drawing/2014/main" id="{CFE7457D-41EA-9A76-2F22-6B982A31E395}"/>
+                </a:ext>
+              </a:extLst>
+            </p:cNvPr>
+            <p:cNvSpPr txBox="1"/>
+            <p:nvPr/>
+          </p:nvSpPr>
+          <p:spPr>
+            <a:xfrm>
+              <a:off x="6911040" y="4242488"/>
+              <a:ext cx="2717411" cy="369332"/>
+            </a:xfrm>
+            <a:prstGeom prst="rect">
+              <a:avLst/>
+            </a:prstGeom>
+            <a:noFill/>
+          </p:spPr>
+          <p:txBody>
+            <a:bodyPr wrap="square" rtlCol="0">
+              <a:spAutoFit/>
+            </a:bodyPr>
+            <a:lstStyle/>
+            <a:p>
+              <a:pPr algn="ctr"/>
+              <a:r>
+                <a:rPr lang="en-US" b="1" dirty="0">
+                  <a:solidFill>
+                    <a:srgbClr val="00B050"/>
+                  </a:solidFill>
+                </a:rPr>
+                <a:t>C++ OOP</a:t>
+              </a:r>
+            </a:p>
+          </p:txBody>
+        </p:sp>
+      </p:grpSp>
+      <p:sp>
+        <p:nvSpPr>
+          <p:cNvPr id="14" name="TextBox 13">
+            <a:extLst>
+              <a:ext uri="{FF2B5EF4-FFF2-40B4-BE49-F238E27FC236}">
+                <a16:creationId xmlns:a16="http://schemas.microsoft.com/office/drawing/2014/main" id="{D115CABE-4A0D-3324-AD8B-EA7C22606809}"/>
+              </a:ext>
+            </a:extLst>
+          </p:cNvPr>
+          <p:cNvSpPr txBox="1"/>
+          <p:nvPr/>
+        </p:nvSpPr>
+        <p:spPr>
+          <a:xfrm>
+            <a:off x="9582912" y="3592881"/>
+            <a:ext cx="2609088" cy="646331"/>
+          </a:xfrm>
+          <a:prstGeom prst="rect">
+            <a:avLst/>
+          </a:prstGeom>
+          <a:solidFill>
+            <a:srgbClr val="FFFC00">
+              <a:alpha val="74902"/>
+            </a:srgbClr>
+          </a:solidFill>
+        </p:spPr>
+        <p:txBody>
+          <a:bodyPr wrap="square" rtlCol="0">
+            <a:spAutoFit/>
+          </a:bodyPr>
+          <a:lstStyle/>
+          <a:p>
+            <a:pPr algn="ctr"/>
+            <a:r>
+              <a:rPr lang="en-US" dirty="0">
+                <a:latin typeface="Consolas" panose="020B0609020204030204" pitchFamily="49" charset="0"/>
+                <a:cs typeface="Consolas" panose="020B0609020204030204" pitchFamily="49" charset="0"/>
+              </a:rPr>
+              <a:t>a</a:t>
+            </a:r>
+            <a:r>
+              <a:rPr lang="en-US" dirty="0"/>
+              <a:t> and </a:t>
+            </a:r>
+            <a:r>
+              <a:rPr lang="en-US" dirty="0">
+                <a:latin typeface="Consolas" panose="020B0609020204030204" pitchFamily="49" charset="0"/>
+                <a:cs typeface="Consolas" panose="020B0609020204030204" pitchFamily="49" charset="0"/>
+              </a:rPr>
+              <a:t>b</a:t>
+            </a:r>
+            <a:r>
+              <a:rPr lang="en-US" dirty="0"/>
+              <a:t> have dangling pointers at this point.</a:t>
+            </a:r>
+          </a:p>
+        </p:txBody>
+      </p:sp>
+      <p:sp>
+        <p:nvSpPr>
+          <p:cNvPr id="15" name="Oval 14">
+            <a:extLst>
+              <a:ext uri="{FF2B5EF4-FFF2-40B4-BE49-F238E27FC236}">
+                <a16:creationId xmlns:a16="http://schemas.microsoft.com/office/drawing/2014/main" id="{D19B53FD-95F8-DC7C-A3F9-F5AD016ADD54}"/>
+              </a:ext>
+            </a:extLst>
+          </p:cNvPr>
+          <p:cNvSpPr/>
+          <p:nvPr/>
+        </p:nvSpPr>
+        <p:spPr>
+          <a:xfrm>
+            <a:off x="132100" y="5052387"/>
+            <a:ext cx="3704253" cy="477257"/>
+          </a:xfrm>
+          <a:prstGeom prst="ellipse">
+            <a:avLst/>
+          </a:prstGeom>
+          <a:noFill/>
+          <a:ln>
+            <a:solidFill>
+              <a:srgbClr val="FFC000"/>
+            </a:solidFill>
+          </a:ln>
+        </p:spPr>
+        <p:style>
+          <a:lnRef idx="2">
+            <a:schemeClr val="accent1">
+              <a:shade val="15000"/>
+            </a:schemeClr>
+          </a:lnRef>
+          <a:fillRef idx="1">
+            <a:schemeClr val="accent1"/>
+          </a:fillRef>
+          <a:effectRef idx="0">
+            <a:schemeClr val="accent1"/>
+          </a:effectRef>
+          <a:fontRef idx="minor">
+            <a:schemeClr val="lt1"/>
+          </a:fontRef>
+        </p:style>
+        <p:txBody>
+          <a:bodyPr rtlCol="0" anchor="ctr"/>
+          <a:lstStyle/>
+          <a:p>
+            <a:pPr algn="ctr"/>
+            <a:endParaRPr lang="en-US"/>
+          </a:p>
+        </p:txBody>
+      </p:sp>
+      <p:sp>
+        <p:nvSpPr>
+          <p:cNvPr id="16" name="Oval 15">
+            <a:extLst>
+              <a:ext uri="{FF2B5EF4-FFF2-40B4-BE49-F238E27FC236}">
+                <a16:creationId xmlns:a16="http://schemas.microsoft.com/office/drawing/2014/main" id="{8111C7EE-16DF-1BFA-5599-0AADA73DEF30}"/>
+              </a:ext>
+            </a:extLst>
+          </p:cNvPr>
+          <p:cNvSpPr/>
+          <p:nvPr/>
+        </p:nvSpPr>
+        <p:spPr>
+          <a:xfrm>
+            <a:off x="6042155" y="3190371"/>
+            <a:ext cx="3704253" cy="477257"/>
+          </a:xfrm>
+          <a:prstGeom prst="ellipse">
+            <a:avLst/>
+          </a:prstGeom>
+          <a:noFill/>
+          <a:ln>
+            <a:solidFill>
+              <a:srgbClr val="FFC000"/>
+            </a:solidFill>
+          </a:ln>
+        </p:spPr>
+        <p:style>
+          <a:lnRef idx="2">
+            <a:schemeClr val="accent1">
+              <a:shade val="15000"/>
+            </a:schemeClr>
+          </a:lnRef>
+          <a:fillRef idx="1">
+            <a:schemeClr val="accent1"/>
+          </a:fillRef>
+          <a:effectRef idx="0">
+            <a:schemeClr val="accent1"/>
+          </a:effectRef>
+          <a:fontRef idx="minor">
+            <a:schemeClr val="lt1"/>
+          </a:fontRef>
+        </p:style>
+        <p:txBody>
+          <a:bodyPr rtlCol="0" anchor="ctr"/>
+          <a:lstStyle/>
+          <a:p>
+            <a:pPr algn="ctr"/>
+            <a:endParaRPr lang="en-US"/>
+          </a:p>
+        </p:txBody>
+      </p:sp>
+      <p:sp>
+        <p:nvSpPr>
+          <p:cNvPr id="17" name="TextBox 16">
+            <a:extLst>
+              <a:ext uri="{FF2B5EF4-FFF2-40B4-BE49-F238E27FC236}">
+                <a16:creationId xmlns:a16="http://schemas.microsoft.com/office/drawing/2014/main" id="{00DE4D92-D032-08CC-D12B-5688A57CE682}"/>
+              </a:ext>
+            </a:extLst>
+          </p:cNvPr>
+          <p:cNvSpPr txBox="1"/>
+          <p:nvPr/>
+        </p:nvSpPr>
+        <p:spPr>
+          <a:xfrm>
+            <a:off x="491080" y="5683809"/>
+            <a:ext cx="2898296" cy="923330"/>
+          </a:xfrm>
+          <a:prstGeom prst="rect">
+            <a:avLst/>
+          </a:prstGeom>
+          <a:solidFill>
+            <a:srgbClr val="FFFC00">
+              <a:alpha val="74902"/>
+            </a:srgbClr>
+          </a:solidFill>
+        </p:spPr>
+        <p:txBody>
+          <a:bodyPr wrap="square" rtlCol="0">
+            <a:spAutoFit/>
+          </a:bodyPr>
+          <a:lstStyle/>
+          <a:p>
+            <a:pPr algn="ctr"/>
+            <a:r>
+              <a:rPr lang="en-US" dirty="0">
+                <a:cs typeface="Consolas" panose="020B0609020204030204" pitchFamily="49" charset="0"/>
+              </a:rPr>
+              <a:t>No memory leaks, but after calling </a:t>
+            </a:r>
+            <a:r>
+              <a:rPr lang="en-US" dirty="0">
+                <a:latin typeface="Consolas" panose="020B0609020204030204" pitchFamily="49" charset="0"/>
+                <a:cs typeface="Consolas" panose="020B0609020204030204" pitchFamily="49" charset="0"/>
+              </a:rPr>
+              <a:t>delete[]</a:t>
+            </a:r>
+            <a:r>
+              <a:rPr lang="en-US" dirty="0">
+                <a:cs typeface="Consolas" panose="020B0609020204030204" pitchFamily="49" charset="0"/>
+              </a:rPr>
+              <a:t>, </a:t>
+            </a:r>
+            <a:r>
+              <a:rPr lang="en-US" dirty="0">
+                <a:latin typeface="Consolas" panose="020B0609020204030204" pitchFamily="49" charset="0"/>
+                <a:cs typeface="Consolas" panose="020B0609020204030204" pitchFamily="49" charset="0"/>
+              </a:rPr>
+              <a:t>result</a:t>
+            </a:r>
+            <a:r>
+              <a:rPr lang="en-US" dirty="0">
+                <a:cs typeface="Consolas" panose="020B0609020204030204" pitchFamily="49" charset="0"/>
+              </a:rPr>
+              <a:t> is a dangling pointer.</a:t>
+            </a:r>
+            <a:endParaRPr lang="en-US" dirty="0"/>
+          </a:p>
+        </p:txBody>
+      </p:sp>
+      <p:sp>
+        <p:nvSpPr>
+          <p:cNvPr id="18" name="TextBox 17">
+            <a:extLst>
+              <a:ext uri="{FF2B5EF4-FFF2-40B4-BE49-F238E27FC236}">
+                <a16:creationId xmlns:a16="http://schemas.microsoft.com/office/drawing/2014/main" id="{F6512493-E0D7-4E67-27EB-4F791D626EA1}"/>
+              </a:ext>
+            </a:extLst>
+          </p:cNvPr>
+          <p:cNvSpPr txBox="1"/>
+          <p:nvPr/>
+        </p:nvSpPr>
+        <p:spPr>
+          <a:xfrm>
+            <a:off x="5831631" y="5437797"/>
+            <a:ext cx="2280503" cy="646331"/>
+          </a:xfrm>
+          <a:prstGeom prst="rect">
+            <a:avLst/>
+          </a:prstGeom>
+          <a:solidFill>
+            <a:srgbClr val="FFFC00">
+              <a:alpha val="74902"/>
+            </a:srgbClr>
+          </a:solidFill>
+        </p:spPr>
+        <p:txBody>
+          <a:bodyPr wrap="square" rtlCol="0">
+            <a:spAutoFit/>
+          </a:bodyPr>
+          <a:lstStyle/>
+          <a:p>
+            <a:pPr algn="ctr"/>
+            <a:r>
+              <a:rPr lang="en-US" dirty="0">
+                <a:cs typeface="Consolas" panose="020B0609020204030204" pitchFamily="49" charset="0"/>
+              </a:rPr>
+              <a:t>No memory leaks, no dangling pointers.</a:t>
+            </a:r>
+            <a:endParaRPr lang="en-US" dirty="0"/>
+          </a:p>
+        </p:txBody>
+      </p:sp>
+    </p:spTree>
+    <p:extLst>
+      <p:ext uri="{BB962C8B-B14F-4D97-AF65-F5344CB8AC3E}">
+        <p14:creationId xmlns:p14="http://schemas.microsoft.com/office/powerpoint/2010/main" val="2839545280"/>
+      </p:ext>
+    </p:extLst>
+  </p:cSld>
+  <p:clrMapOvr>
+    <a:masterClrMapping/>
+  </p:clrMapOvr>
+</p:sld>
+</file>
+
+<file path=ppt/slides/slide18.xml><?xml version="1.0" encoding="utf-8"?>
+<p:sld xmlns:a="http://schemas.openxmlformats.org/drawingml/2006/main" xmlns:r="http://schemas.openxmlformats.org/officeDocument/2006/relationships" xmlns:p="http://schemas.openxmlformats.org/presentationml/2006/main">
+  <p:cSld>
+    <p:spTree>
+      <p:nvGrpSpPr>
+        <p:cNvPr id="1" name=""/>
+        <p:cNvGrpSpPr/>
+        <p:nvPr/>
+      </p:nvGrpSpPr>
+      <p:grpSpPr>
+        <a:xfrm>
+          <a:off x="0" y="0"/>
+          <a:ext cx="0" cy="0"/>
+          <a:chOff x="0" y="0"/>
+          <a:chExt cx="0" cy="0"/>
+        </a:xfrm>
+      </p:grpSpPr>
+      <p:sp>
+        <p:nvSpPr>
+          <p:cNvPr id="2" name="Title 1">
+            <a:extLst>
+              <a:ext uri="{FF2B5EF4-FFF2-40B4-BE49-F238E27FC236}">
                 <a16:creationId xmlns:a16="http://schemas.microsoft.com/office/drawing/2014/main" id="{1C1A5B53-B418-B054-64CA-7634E782A4A0}"/>
               </a:ext>
             </a:extLst>
@@ -8692,7 +10242,7 @@
 </p:sld>
 </file>
 
-<file path=ppt/slides/slide17.xml><?xml version="1.0" encoding="utf-8"?>
+<file path=ppt/slides/slide19.xml><?xml version="1.0" encoding="utf-8"?>
 <p:sld xmlns:a="http://schemas.openxmlformats.org/drawingml/2006/main" xmlns:r="http://schemas.openxmlformats.org/officeDocument/2006/relationships" xmlns:p="http://schemas.openxmlformats.org/presentationml/2006/main">
   <p:cSld>
     <p:spTree>
@@ -9143,912 +10693,6 @@
     <p:extLst>
       <p:ext uri="{BB962C8B-B14F-4D97-AF65-F5344CB8AC3E}">
         <p14:creationId xmlns:p14="http://schemas.microsoft.com/office/powerpoint/2010/main" val="3940455267"/>
-      </p:ext>
-    </p:extLst>
-  </p:cSld>
-  <p:clrMapOvr>
-    <a:masterClrMapping/>
-  </p:clrMapOvr>
-</p:sld>
-</file>
-
-<file path=ppt/slides/slide18.xml><?xml version="1.0" encoding="utf-8"?>
-<p:sld xmlns:a="http://schemas.openxmlformats.org/drawingml/2006/main" xmlns:r="http://schemas.openxmlformats.org/officeDocument/2006/relationships" xmlns:p="http://schemas.openxmlformats.org/presentationml/2006/main">
-  <p:cSld>
-    <p:spTree>
-      <p:nvGrpSpPr>
-        <p:cNvPr id="1" name="">
-          <a:extLst>
-            <a:ext uri="{FF2B5EF4-FFF2-40B4-BE49-F238E27FC236}">
-              <a16:creationId xmlns:a16="http://schemas.microsoft.com/office/drawing/2014/main" id="{6A303ABE-F6ED-8DAD-64E5-27BA728D89D2}"/>
-            </a:ext>
-          </a:extLst>
-        </p:cNvPr>
-        <p:cNvGrpSpPr/>
-        <p:nvPr/>
-      </p:nvGrpSpPr>
-      <p:grpSpPr>
-        <a:xfrm>
-          <a:off x="0" y="0"/>
-          <a:ext cx="0" cy="0"/>
-          <a:chOff x="0" y="0"/>
-          <a:chExt cx="0" cy="0"/>
-        </a:xfrm>
-      </p:grpSpPr>
-      <p:sp>
-        <p:nvSpPr>
-          <p:cNvPr id="2" name="Title 1">
-            <a:extLst>
-              <a:ext uri="{FF2B5EF4-FFF2-40B4-BE49-F238E27FC236}">
-                <a16:creationId xmlns:a16="http://schemas.microsoft.com/office/drawing/2014/main" id="{CA7EE16E-AC3E-6F52-526A-4CF37CFCD561}"/>
-              </a:ext>
-            </a:extLst>
-          </p:cNvPr>
-          <p:cNvSpPr>
-            <a:spLocks noGrp="1"/>
-          </p:cNvSpPr>
-          <p:nvPr>
-            <p:ph type="title"/>
-          </p:nvPr>
-        </p:nvSpPr>
-        <p:spPr/>
-        <p:txBody>
-          <a:bodyPr/>
-          <a:lstStyle/>
-          <a:p>
-            <a:r>
-              <a:rPr lang="en-US" dirty="0"/>
-              <a:t>A Point Object</a:t>
-            </a:r>
-          </a:p>
-        </p:txBody>
-      </p:sp>
-      <p:sp>
-        <p:nvSpPr>
-          <p:cNvPr id="4" name="TextBox 3">
-            <a:extLst>
-              <a:ext uri="{FF2B5EF4-FFF2-40B4-BE49-F238E27FC236}">
-                <a16:creationId xmlns:a16="http://schemas.microsoft.com/office/drawing/2014/main" id="{B7D64E42-B038-5BB5-6EEB-65FDE791EF29}"/>
-              </a:ext>
-            </a:extLst>
-          </p:cNvPr>
-          <p:cNvSpPr txBox="1"/>
-          <p:nvPr/>
-        </p:nvSpPr>
-        <p:spPr>
-          <a:xfrm>
-            <a:off x="1527464" y="1690688"/>
-            <a:ext cx="3857146" cy="4801314"/>
-          </a:xfrm>
-          <a:prstGeom prst="rect">
-            <a:avLst/>
-          </a:prstGeom>
-          <a:noFill/>
-        </p:spPr>
-        <p:txBody>
-          <a:bodyPr wrap="none" rtlCol="0">
-            <a:spAutoFit/>
-          </a:bodyPr>
-          <a:lstStyle/>
-          <a:p>
-            <a:r>
-              <a:rPr lang="en-CA" dirty="0">
-                <a:latin typeface="Consolas" panose="020B0609020204030204" pitchFamily="49" charset="0"/>
-                <a:cs typeface="Consolas" panose="020B0609020204030204" pitchFamily="49" charset="0"/>
-              </a:rPr>
-              <a:t>struct Point {</a:t>
-            </a:r>
-          </a:p>
-          <a:p>
-            <a:r>
-              <a:rPr lang="en-CA" dirty="0">
-                <a:latin typeface="Consolas" panose="020B0609020204030204" pitchFamily="49" charset="0"/>
-                <a:cs typeface="Consolas" panose="020B0609020204030204" pitchFamily="49" charset="0"/>
-              </a:rPr>
-              <a:t>private:</a:t>
-            </a:r>
-          </a:p>
-          <a:p>
-            <a:r>
-              <a:rPr lang="en-CA" dirty="0">
-                <a:latin typeface="Consolas" panose="020B0609020204030204" pitchFamily="49" charset="0"/>
-                <a:cs typeface="Consolas" panose="020B0609020204030204" pitchFamily="49" charset="0"/>
-              </a:rPr>
-              <a:t>  int x;</a:t>
-            </a:r>
-          </a:p>
-          <a:p>
-            <a:r>
-              <a:rPr lang="en-CA" dirty="0">
-                <a:latin typeface="Consolas" panose="020B0609020204030204" pitchFamily="49" charset="0"/>
-                <a:cs typeface="Consolas" panose="020B0609020204030204" pitchFamily="49" charset="0"/>
-              </a:rPr>
-              <a:t>  int y;</a:t>
-            </a:r>
-          </a:p>
-          <a:p>
-            <a:endParaRPr lang="en-CA" dirty="0">
-              <a:latin typeface="Consolas" panose="020B0609020204030204" pitchFamily="49" charset="0"/>
-              <a:cs typeface="Consolas" panose="020B0609020204030204" pitchFamily="49" charset="0"/>
-            </a:endParaRPr>
-          </a:p>
-          <a:p>
-            <a:r>
-              <a:rPr lang="en-CA" dirty="0">
-                <a:latin typeface="Consolas" panose="020B0609020204030204" pitchFamily="49" charset="0"/>
-                <a:cs typeface="Consolas" panose="020B0609020204030204" pitchFamily="49" charset="0"/>
-              </a:rPr>
-              <a:t>public:</a:t>
-            </a:r>
-          </a:p>
-          <a:p>
-            <a:endParaRPr lang="en-CA" dirty="0">
-              <a:latin typeface="Consolas" panose="020B0609020204030204" pitchFamily="49" charset="0"/>
-              <a:cs typeface="Consolas" panose="020B0609020204030204" pitchFamily="49" charset="0"/>
-            </a:endParaRPr>
-          </a:p>
-          <a:p>
-            <a:r>
-              <a:rPr lang="en-CA" dirty="0">
-                <a:latin typeface="Consolas" panose="020B0609020204030204" pitchFamily="49" charset="0"/>
-                <a:cs typeface="Consolas" panose="020B0609020204030204" pitchFamily="49" charset="0"/>
-              </a:rPr>
-              <a:t>  // ...</a:t>
-            </a:r>
-          </a:p>
-          <a:p>
-            <a:endParaRPr lang="en-CA" dirty="0">
-              <a:latin typeface="Consolas" panose="020B0609020204030204" pitchFamily="49" charset="0"/>
-              <a:cs typeface="Consolas" panose="020B0609020204030204" pitchFamily="49" charset="0"/>
-            </a:endParaRPr>
-          </a:p>
-          <a:p>
-            <a:r>
-              <a:rPr lang="en-CA" dirty="0">
-                <a:latin typeface="Consolas" panose="020B0609020204030204" pitchFamily="49" charset="0"/>
-                <a:cs typeface="Consolas" panose="020B0609020204030204" pitchFamily="49" charset="0"/>
-              </a:rPr>
-              <a:t>  Point(const Point&amp; other) {</a:t>
-            </a:r>
-          </a:p>
-          <a:p>
-            <a:r>
-              <a:rPr lang="en-CA" dirty="0">
-                <a:latin typeface="Consolas" panose="020B0609020204030204" pitchFamily="49" charset="0"/>
-                <a:cs typeface="Consolas" panose="020B0609020204030204" pitchFamily="49" charset="0"/>
-              </a:rPr>
-              <a:t>    this-&gt;x = </a:t>
-            </a:r>
-            <a:r>
-              <a:rPr lang="en-CA" dirty="0" err="1">
-                <a:latin typeface="Consolas" panose="020B0609020204030204" pitchFamily="49" charset="0"/>
-                <a:cs typeface="Consolas" panose="020B0609020204030204" pitchFamily="49" charset="0"/>
-              </a:rPr>
-              <a:t>other.x</a:t>
-            </a:r>
-            <a:r>
-              <a:rPr lang="en-CA" dirty="0">
-                <a:latin typeface="Consolas" panose="020B0609020204030204" pitchFamily="49" charset="0"/>
-                <a:cs typeface="Consolas" panose="020B0609020204030204" pitchFamily="49" charset="0"/>
-              </a:rPr>
-              <a:t>;</a:t>
-            </a:r>
-          </a:p>
-          <a:p>
-            <a:r>
-              <a:rPr lang="en-CA" dirty="0">
-                <a:latin typeface="Consolas" panose="020B0609020204030204" pitchFamily="49" charset="0"/>
-                <a:cs typeface="Consolas" panose="020B0609020204030204" pitchFamily="49" charset="0"/>
-              </a:rPr>
-              <a:t>    this-&gt;y = </a:t>
-            </a:r>
-            <a:r>
-              <a:rPr lang="en-CA" dirty="0" err="1">
-                <a:latin typeface="Consolas" panose="020B0609020204030204" pitchFamily="49" charset="0"/>
-                <a:cs typeface="Consolas" panose="020B0609020204030204" pitchFamily="49" charset="0"/>
-              </a:rPr>
-              <a:t>other.y</a:t>
-            </a:r>
-            <a:r>
-              <a:rPr lang="en-CA" dirty="0">
-                <a:latin typeface="Consolas" panose="020B0609020204030204" pitchFamily="49" charset="0"/>
-                <a:cs typeface="Consolas" panose="020B0609020204030204" pitchFamily="49" charset="0"/>
-              </a:rPr>
-              <a:t>;</a:t>
-            </a:r>
-          </a:p>
-          <a:p>
-            <a:r>
-              <a:rPr lang="en-CA" dirty="0">
-                <a:latin typeface="Consolas" panose="020B0609020204030204" pitchFamily="49" charset="0"/>
-                <a:cs typeface="Consolas" panose="020B0609020204030204" pitchFamily="49" charset="0"/>
-              </a:rPr>
-              <a:t>  }</a:t>
-            </a:r>
-          </a:p>
-          <a:p>
-            <a:endParaRPr lang="en-US" dirty="0">
-              <a:latin typeface="Consolas" panose="020B0609020204030204" pitchFamily="49" charset="0"/>
-              <a:cs typeface="Consolas" panose="020B0609020204030204" pitchFamily="49" charset="0"/>
-            </a:endParaRPr>
-          </a:p>
-          <a:p>
-            <a:r>
-              <a:rPr lang="en-US" dirty="0">
-                <a:latin typeface="Consolas" panose="020B0609020204030204" pitchFamily="49" charset="0"/>
-                <a:cs typeface="Consolas" panose="020B0609020204030204" pitchFamily="49" charset="0"/>
-              </a:rPr>
-              <a:t>  // ...</a:t>
-            </a:r>
-          </a:p>
-          <a:p>
-            <a:endParaRPr lang="en-US" dirty="0">
-              <a:latin typeface="Consolas" panose="020B0609020204030204" pitchFamily="49" charset="0"/>
-              <a:cs typeface="Consolas" panose="020B0609020204030204" pitchFamily="49" charset="0"/>
-            </a:endParaRPr>
-          </a:p>
-          <a:p>
-            <a:r>
-              <a:rPr lang="en-US" dirty="0">
-                <a:latin typeface="Consolas" panose="020B0609020204030204" pitchFamily="49" charset="0"/>
-                <a:cs typeface="Consolas" panose="020B0609020204030204" pitchFamily="49" charset="0"/>
-              </a:rPr>
-              <a:t>}; // Point </a:t>
-            </a:r>
-          </a:p>
-        </p:txBody>
-      </p:sp>
-      <p:sp>
-        <p:nvSpPr>
-          <p:cNvPr id="7" name="TextBox 6">
-            <a:extLst>
-              <a:ext uri="{FF2B5EF4-FFF2-40B4-BE49-F238E27FC236}">
-                <a16:creationId xmlns:a16="http://schemas.microsoft.com/office/drawing/2014/main" id="{52FF7416-D92D-5BC3-7E8A-A6582D47DA1C}"/>
-              </a:ext>
-            </a:extLst>
-          </p:cNvPr>
-          <p:cNvSpPr txBox="1"/>
-          <p:nvPr/>
-        </p:nvSpPr>
-        <p:spPr>
-          <a:xfrm>
-            <a:off x="5717062" y="4091345"/>
-            <a:ext cx="2065730" cy="923330"/>
-          </a:xfrm>
-          <a:prstGeom prst="rect">
-            <a:avLst/>
-          </a:prstGeom>
-          <a:solidFill>
-            <a:srgbClr val="FFFC00">
-              <a:alpha val="74902"/>
-            </a:srgbClr>
-          </a:solidFill>
-        </p:spPr>
-        <p:txBody>
-          <a:bodyPr wrap="square" rtlCol="0">
-            <a:spAutoFit/>
-          </a:bodyPr>
-          <a:lstStyle/>
-          <a:p>
-            <a:pPr algn="ctr"/>
-            <a:r>
-              <a:rPr lang="en-US" b="1" dirty="0"/>
-              <a:t>Copy constructor</a:t>
-            </a:r>
-            <a:r>
-              <a:rPr lang="en-US" dirty="0"/>
-              <a:t>:</a:t>
-            </a:r>
-            <a:br>
-              <a:rPr lang="en-US" dirty="0"/>
-            </a:br>
-            <a:r>
-              <a:rPr lang="en-US" dirty="0"/>
-              <a:t>Makes a copy of another </a:t>
-            </a:r>
-            <a:r>
-              <a:rPr lang="en-US" dirty="0">
-                <a:latin typeface="Consolas" panose="020B0609020204030204" pitchFamily="49" charset="0"/>
-                <a:cs typeface="Consolas" panose="020B0609020204030204" pitchFamily="49" charset="0"/>
-              </a:rPr>
-              <a:t>Point</a:t>
-            </a:r>
-            <a:r>
-              <a:rPr lang="en-US" dirty="0"/>
-              <a:t>.</a:t>
-            </a:r>
-          </a:p>
-        </p:txBody>
-      </p:sp>
-    </p:spTree>
-    <p:extLst>
-      <p:ext uri="{BB962C8B-B14F-4D97-AF65-F5344CB8AC3E}">
-        <p14:creationId xmlns:p14="http://schemas.microsoft.com/office/powerpoint/2010/main" val="737404355"/>
-      </p:ext>
-    </p:extLst>
-  </p:cSld>
-  <p:clrMapOvr>
-    <a:masterClrMapping/>
-  </p:clrMapOvr>
-</p:sld>
-</file>
-
-<file path=ppt/slides/slide19.xml><?xml version="1.0" encoding="utf-8"?>
-<p:sld xmlns:a="http://schemas.openxmlformats.org/drawingml/2006/main" xmlns:r="http://schemas.openxmlformats.org/officeDocument/2006/relationships" xmlns:p="http://schemas.openxmlformats.org/presentationml/2006/main">
-  <p:cSld>
-    <p:spTree>
-      <p:nvGrpSpPr>
-        <p:cNvPr id="1" name="">
-          <a:extLst>
-            <a:ext uri="{FF2B5EF4-FFF2-40B4-BE49-F238E27FC236}">
-              <a16:creationId xmlns:a16="http://schemas.microsoft.com/office/drawing/2014/main" id="{5E97501B-E33E-ADB2-8999-B688F18D2C30}"/>
-            </a:ext>
-          </a:extLst>
-        </p:cNvPr>
-        <p:cNvGrpSpPr/>
-        <p:nvPr/>
-      </p:nvGrpSpPr>
-      <p:grpSpPr>
-        <a:xfrm>
-          <a:off x="0" y="0"/>
-          <a:ext cx="0" cy="0"/>
-          <a:chOff x="0" y="0"/>
-          <a:chExt cx="0" cy="0"/>
-        </a:xfrm>
-      </p:grpSpPr>
-      <p:sp>
-        <p:nvSpPr>
-          <p:cNvPr id="2" name="Title 1">
-            <a:extLst>
-              <a:ext uri="{FF2B5EF4-FFF2-40B4-BE49-F238E27FC236}">
-                <a16:creationId xmlns:a16="http://schemas.microsoft.com/office/drawing/2014/main" id="{DD5D3B31-9CAD-C492-D2A2-7EFDD7306840}"/>
-              </a:ext>
-            </a:extLst>
-          </p:cNvPr>
-          <p:cNvSpPr>
-            <a:spLocks noGrp="1"/>
-          </p:cNvSpPr>
-          <p:nvPr>
-            <p:ph type="title"/>
-          </p:nvPr>
-        </p:nvSpPr>
-        <p:spPr/>
-        <p:txBody>
-          <a:bodyPr/>
-          <a:lstStyle/>
-          <a:p>
-            <a:r>
-              <a:rPr lang="en-US" dirty="0"/>
-              <a:t>A Point Object</a:t>
-            </a:r>
-          </a:p>
-        </p:txBody>
-      </p:sp>
-      <p:sp>
-        <p:nvSpPr>
-          <p:cNvPr id="4" name="TextBox 3">
-            <a:extLst>
-              <a:ext uri="{FF2B5EF4-FFF2-40B4-BE49-F238E27FC236}">
-                <a16:creationId xmlns:a16="http://schemas.microsoft.com/office/drawing/2014/main" id="{9D2C6405-8DE5-8958-6BA9-2331E51271DD}"/>
-              </a:ext>
-            </a:extLst>
-          </p:cNvPr>
-          <p:cNvSpPr txBox="1"/>
-          <p:nvPr/>
-        </p:nvSpPr>
-        <p:spPr>
-          <a:xfrm>
-            <a:off x="1527464" y="1690688"/>
-            <a:ext cx="5123518" cy="5078313"/>
-          </a:xfrm>
-          <a:prstGeom prst="rect">
-            <a:avLst/>
-          </a:prstGeom>
-          <a:noFill/>
-        </p:spPr>
-        <p:txBody>
-          <a:bodyPr wrap="none" rtlCol="0">
-            <a:spAutoFit/>
-          </a:bodyPr>
-          <a:lstStyle/>
-          <a:p>
-            <a:r>
-              <a:rPr lang="en-CA" dirty="0">
-                <a:latin typeface="Consolas" panose="020B0609020204030204" pitchFamily="49" charset="0"/>
-                <a:cs typeface="Consolas" panose="020B0609020204030204" pitchFamily="49" charset="0"/>
-              </a:rPr>
-              <a:t>struct Point {</a:t>
-            </a:r>
-          </a:p>
-          <a:p>
-            <a:r>
-              <a:rPr lang="en-CA" dirty="0">
-                <a:latin typeface="Consolas" panose="020B0609020204030204" pitchFamily="49" charset="0"/>
-                <a:cs typeface="Consolas" panose="020B0609020204030204" pitchFamily="49" charset="0"/>
-              </a:rPr>
-              <a:t>private:</a:t>
-            </a:r>
-          </a:p>
-          <a:p>
-            <a:r>
-              <a:rPr lang="en-CA" dirty="0">
-                <a:latin typeface="Consolas" panose="020B0609020204030204" pitchFamily="49" charset="0"/>
-                <a:cs typeface="Consolas" panose="020B0609020204030204" pitchFamily="49" charset="0"/>
-              </a:rPr>
-              <a:t>  int x;</a:t>
-            </a:r>
-          </a:p>
-          <a:p>
-            <a:r>
-              <a:rPr lang="en-CA" dirty="0">
-                <a:latin typeface="Consolas" panose="020B0609020204030204" pitchFamily="49" charset="0"/>
-                <a:cs typeface="Consolas" panose="020B0609020204030204" pitchFamily="49" charset="0"/>
-              </a:rPr>
-              <a:t>  int y;</a:t>
-            </a:r>
-          </a:p>
-          <a:p>
-            <a:endParaRPr lang="en-CA" dirty="0">
-              <a:latin typeface="Consolas" panose="020B0609020204030204" pitchFamily="49" charset="0"/>
-              <a:cs typeface="Consolas" panose="020B0609020204030204" pitchFamily="49" charset="0"/>
-            </a:endParaRPr>
-          </a:p>
-          <a:p>
-            <a:r>
-              <a:rPr lang="en-CA" dirty="0">
-                <a:latin typeface="Consolas" panose="020B0609020204030204" pitchFamily="49" charset="0"/>
-                <a:cs typeface="Consolas" panose="020B0609020204030204" pitchFamily="49" charset="0"/>
-              </a:rPr>
-              <a:t>public:</a:t>
-            </a:r>
-          </a:p>
-          <a:p>
-            <a:endParaRPr lang="en-CA" dirty="0">
-              <a:latin typeface="Consolas" panose="020B0609020204030204" pitchFamily="49" charset="0"/>
-              <a:cs typeface="Consolas" panose="020B0609020204030204" pitchFamily="49" charset="0"/>
-            </a:endParaRPr>
-          </a:p>
-          <a:p>
-            <a:r>
-              <a:rPr lang="en-CA" dirty="0">
-                <a:latin typeface="Consolas" panose="020B0609020204030204" pitchFamily="49" charset="0"/>
-                <a:cs typeface="Consolas" panose="020B0609020204030204" pitchFamily="49" charset="0"/>
-              </a:rPr>
-              <a:t>  // ...</a:t>
-            </a:r>
-          </a:p>
-          <a:p>
-            <a:endParaRPr lang="en-CA" dirty="0">
-              <a:latin typeface="Consolas" panose="020B0609020204030204" pitchFamily="49" charset="0"/>
-              <a:cs typeface="Consolas" panose="020B0609020204030204" pitchFamily="49" charset="0"/>
-            </a:endParaRPr>
-          </a:p>
-          <a:p>
-            <a:r>
-              <a:rPr lang="en-CA" dirty="0">
-                <a:latin typeface="Consolas" panose="020B0609020204030204" pitchFamily="49" charset="0"/>
-                <a:cs typeface="Consolas" panose="020B0609020204030204" pitchFamily="49" charset="0"/>
-              </a:rPr>
-              <a:t>  void </a:t>
-            </a:r>
-            <a:r>
-              <a:rPr lang="en-CA" dirty="0" err="1">
-                <a:latin typeface="Consolas" panose="020B0609020204030204" pitchFamily="49" charset="0"/>
-                <a:cs typeface="Consolas" panose="020B0609020204030204" pitchFamily="49" charset="0"/>
-              </a:rPr>
-              <a:t>set_x</a:t>
-            </a:r>
-            <a:r>
-              <a:rPr lang="en-CA" dirty="0">
-                <a:latin typeface="Consolas" panose="020B0609020204030204" pitchFamily="49" charset="0"/>
-                <a:cs typeface="Consolas" panose="020B0609020204030204" pitchFamily="49" charset="0"/>
-              </a:rPr>
-              <a:t>(int x) { this-&gt;x = x; }</a:t>
-            </a:r>
-          </a:p>
-          <a:p>
-            <a:r>
-              <a:rPr lang="en-CA" dirty="0">
-                <a:latin typeface="Consolas" panose="020B0609020204030204" pitchFamily="49" charset="0"/>
-                <a:cs typeface="Consolas" panose="020B0609020204030204" pitchFamily="49" charset="0"/>
-              </a:rPr>
-              <a:t>  void </a:t>
-            </a:r>
-            <a:r>
-              <a:rPr lang="en-CA" dirty="0" err="1">
-                <a:latin typeface="Consolas" panose="020B0609020204030204" pitchFamily="49" charset="0"/>
-                <a:cs typeface="Consolas" panose="020B0609020204030204" pitchFamily="49" charset="0"/>
-              </a:rPr>
-              <a:t>set_y</a:t>
-            </a:r>
-            <a:r>
-              <a:rPr lang="en-CA" dirty="0">
-                <a:latin typeface="Consolas" panose="020B0609020204030204" pitchFamily="49" charset="0"/>
-                <a:cs typeface="Consolas" panose="020B0609020204030204" pitchFamily="49" charset="0"/>
-              </a:rPr>
-              <a:t>(int y) { this-&gt;y = y; }</a:t>
-            </a:r>
-          </a:p>
-          <a:p>
-            <a:endParaRPr lang="en-CA" dirty="0">
-              <a:latin typeface="Consolas" panose="020B0609020204030204" pitchFamily="49" charset="0"/>
-              <a:cs typeface="Consolas" panose="020B0609020204030204" pitchFamily="49" charset="0"/>
-            </a:endParaRPr>
-          </a:p>
-          <a:p>
-            <a:r>
-              <a:rPr lang="en-CA" dirty="0">
-                <a:latin typeface="Consolas" panose="020B0609020204030204" pitchFamily="49" charset="0"/>
-                <a:cs typeface="Consolas" panose="020B0609020204030204" pitchFamily="49" charset="0"/>
-              </a:rPr>
-              <a:t>  int </a:t>
-            </a:r>
-            <a:r>
-              <a:rPr lang="en-CA" dirty="0" err="1">
-                <a:latin typeface="Consolas" panose="020B0609020204030204" pitchFamily="49" charset="0"/>
-                <a:cs typeface="Consolas" panose="020B0609020204030204" pitchFamily="49" charset="0"/>
-              </a:rPr>
-              <a:t>get_x</a:t>
-            </a:r>
-            <a:r>
-              <a:rPr lang="en-CA" dirty="0">
-                <a:latin typeface="Consolas" panose="020B0609020204030204" pitchFamily="49" charset="0"/>
-                <a:cs typeface="Consolas" panose="020B0609020204030204" pitchFamily="49" charset="0"/>
-              </a:rPr>
-              <a:t>() const { return this-&gt;x; }</a:t>
-            </a:r>
-          </a:p>
-          <a:p>
-            <a:r>
-              <a:rPr lang="en-CA" dirty="0">
-                <a:latin typeface="Consolas" panose="020B0609020204030204" pitchFamily="49" charset="0"/>
-                <a:cs typeface="Consolas" panose="020B0609020204030204" pitchFamily="49" charset="0"/>
-              </a:rPr>
-              <a:t>  int </a:t>
-            </a:r>
-            <a:r>
-              <a:rPr lang="en-CA" dirty="0" err="1">
-                <a:latin typeface="Consolas" panose="020B0609020204030204" pitchFamily="49" charset="0"/>
-                <a:cs typeface="Consolas" panose="020B0609020204030204" pitchFamily="49" charset="0"/>
-              </a:rPr>
-              <a:t>get_y</a:t>
-            </a:r>
-            <a:r>
-              <a:rPr lang="en-CA" dirty="0">
-                <a:latin typeface="Consolas" panose="020B0609020204030204" pitchFamily="49" charset="0"/>
-                <a:cs typeface="Consolas" panose="020B0609020204030204" pitchFamily="49" charset="0"/>
-              </a:rPr>
-              <a:t>() const { return this-&gt;y; }</a:t>
-            </a:r>
-          </a:p>
-          <a:p>
-            <a:endParaRPr lang="en-US" dirty="0">
-              <a:latin typeface="Consolas" panose="020B0609020204030204" pitchFamily="49" charset="0"/>
-              <a:cs typeface="Consolas" panose="020B0609020204030204" pitchFamily="49" charset="0"/>
-            </a:endParaRPr>
-          </a:p>
-          <a:p>
-            <a:r>
-              <a:rPr lang="en-US" dirty="0">
-                <a:latin typeface="Consolas" panose="020B0609020204030204" pitchFamily="49" charset="0"/>
-                <a:cs typeface="Consolas" panose="020B0609020204030204" pitchFamily="49" charset="0"/>
-              </a:rPr>
-              <a:t>  // ...</a:t>
-            </a:r>
-          </a:p>
-          <a:p>
-            <a:endParaRPr lang="en-US" dirty="0">
-              <a:latin typeface="Consolas" panose="020B0609020204030204" pitchFamily="49" charset="0"/>
-              <a:cs typeface="Consolas" panose="020B0609020204030204" pitchFamily="49" charset="0"/>
-            </a:endParaRPr>
-          </a:p>
-          <a:p>
-            <a:r>
-              <a:rPr lang="en-US" dirty="0">
-                <a:latin typeface="Consolas" panose="020B0609020204030204" pitchFamily="49" charset="0"/>
-                <a:cs typeface="Consolas" panose="020B0609020204030204" pitchFamily="49" charset="0"/>
-              </a:rPr>
-              <a:t>}; // Point </a:t>
-            </a:r>
-          </a:p>
-        </p:txBody>
-      </p:sp>
-      <p:sp>
-        <p:nvSpPr>
-          <p:cNvPr id="7" name="TextBox 6">
-            <a:extLst>
-              <a:ext uri="{FF2B5EF4-FFF2-40B4-BE49-F238E27FC236}">
-                <a16:creationId xmlns:a16="http://schemas.microsoft.com/office/drawing/2014/main" id="{52951DA5-29EE-687D-DAC8-2544C46F38DD}"/>
-              </a:ext>
-            </a:extLst>
-          </p:cNvPr>
-          <p:cNvSpPr txBox="1"/>
-          <p:nvPr/>
-        </p:nvSpPr>
-        <p:spPr>
-          <a:xfrm>
-            <a:off x="6650982" y="3880148"/>
-            <a:ext cx="1942300" cy="923330"/>
-          </a:xfrm>
-          <a:prstGeom prst="rect">
-            <a:avLst/>
-          </a:prstGeom>
-          <a:solidFill>
-            <a:srgbClr val="FFFC00">
-              <a:alpha val="74902"/>
-            </a:srgbClr>
-          </a:solidFill>
-        </p:spPr>
-        <p:txBody>
-          <a:bodyPr wrap="square" rtlCol="0">
-            <a:spAutoFit/>
-          </a:bodyPr>
-          <a:lstStyle/>
-          <a:p>
-            <a:pPr algn="ctr"/>
-            <a:r>
-              <a:rPr lang="en-US" b="1" dirty="0"/>
-              <a:t>Setters:</a:t>
-            </a:r>
-          </a:p>
-          <a:p>
-            <a:pPr algn="ctr"/>
-            <a:r>
-              <a:rPr lang="en-US" dirty="0"/>
-              <a:t>Methods that change an object.</a:t>
-            </a:r>
-          </a:p>
-        </p:txBody>
-      </p:sp>
-      <p:sp>
-        <p:nvSpPr>
-          <p:cNvPr id="3" name="TextBox 2">
-            <a:extLst>
-              <a:ext uri="{FF2B5EF4-FFF2-40B4-BE49-F238E27FC236}">
-                <a16:creationId xmlns:a16="http://schemas.microsoft.com/office/drawing/2014/main" id="{6005F46F-C548-4117-D386-E67268D2A793}"/>
-              </a:ext>
-            </a:extLst>
-          </p:cNvPr>
-          <p:cNvSpPr txBox="1"/>
-          <p:nvPr/>
-        </p:nvSpPr>
-        <p:spPr>
-          <a:xfrm>
-            <a:off x="6650982" y="5093742"/>
-            <a:ext cx="1942300" cy="923330"/>
-          </a:xfrm>
-          <a:prstGeom prst="rect">
-            <a:avLst/>
-          </a:prstGeom>
-          <a:solidFill>
-            <a:srgbClr val="FFFC00">
-              <a:alpha val="74902"/>
-            </a:srgbClr>
-          </a:solidFill>
-        </p:spPr>
-        <p:txBody>
-          <a:bodyPr wrap="square" rtlCol="0">
-            <a:spAutoFit/>
-          </a:bodyPr>
-          <a:lstStyle/>
-          <a:p>
-            <a:pPr algn="ctr"/>
-            <a:r>
-              <a:rPr lang="en-US" b="1" dirty="0"/>
-              <a:t>Getters:</a:t>
-            </a:r>
-          </a:p>
-          <a:p>
-            <a:pPr algn="ctr"/>
-            <a:r>
-              <a:rPr lang="en-US" dirty="0"/>
-              <a:t>Methods that read an object.</a:t>
-            </a:r>
-          </a:p>
-        </p:txBody>
-      </p:sp>
-      <p:sp>
-        <p:nvSpPr>
-          <p:cNvPr id="5" name="TextBox 4">
-            <a:extLst>
-              <a:ext uri="{FF2B5EF4-FFF2-40B4-BE49-F238E27FC236}">
-                <a16:creationId xmlns:a16="http://schemas.microsoft.com/office/drawing/2014/main" id="{2463C466-E460-6AB7-A1DA-631BFF294582}"/>
-              </a:ext>
-            </a:extLst>
-          </p:cNvPr>
-          <p:cNvSpPr txBox="1"/>
-          <p:nvPr/>
-        </p:nvSpPr>
-        <p:spPr>
-          <a:xfrm>
-            <a:off x="9052214" y="1869716"/>
-            <a:ext cx="2517264" cy="923330"/>
-          </a:xfrm>
-          <a:prstGeom prst="rect">
-            <a:avLst/>
-          </a:prstGeom>
-          <a:solidFill>
-            <a:srgbClr val="FFFC00">
-              <a:alpha val="74902"/>
-            </a:srgbClr>
-          </a:solidFill>
-        </p:spPr>
-        <p:txBody>
-          <a:bodyPr wrap="square" rtlCol="0">
-            <a:spAutoFit/>
-          </a:bodyPr>
-          <a:lstStyle/>
-          <a:p>
-            <a:pPr algn="ctr"/>
-            <a:r>
-              <a:rPr lang="en-US" dirty="0"/>
-              <a:t>It is common for setters and getters to be short functions like this.</a:t>
-            </a:r>
-          </a:p>
-        </p:txBody>
-      </p:sp>
-      <p:sp>
-        <p:nvSpPr>
-          <p:cNvPr id="6" name="TextBox 5">
-            <a:extLst>
-              <a:ext uri="{FF2B5EF4-FFF2-40B4-BE49-F238E27FC236}">
-                <a16:creationId xmlns:a16="http://schemas.microsoft.com/office/drawing/2014/main" id="{F1CD7A9C-CAA6-FC6A-38D1-7A165B6CF0CE}"/>
-              </a:ext>
-            </a:extLst>
-          </p:cNvPr>
-          <p:cNvSpPr txBox="1"/>
-          <p:nvPr/>
-        </p:nvSpPr>
-        <p:spPr>
-          <a:xfrm>
-            <a:off x="8983873" y="186097"/>
-            <a:ext cx="2653945" cy="1200329"/>
-          </a:xfrm>
-          <a:prstGeom prst="rect">
-            <a:avLst/>
-          </a:prstGeom>
-          <a:solidFill>
-            <a:srgbClr val="FFFC00">
-              <a:alpha val="74902"/>
-            </a:srgbClr>
-          </a:solidFill>
-        </p:spPr>
-        <p:txBody>
-          <a:bodyPr wrap="square" rtlCol="0">
-            <a:spAutoFit/>
-          </a:bodyPr>
-          <a:lstStyle/>
-          <a:p>
-            <a:pPr algn="ctr"/>
-            <a:r>
-              <a:rPr lang="en-US" dirty="0"/>
-              <a:t>C++ compilers can often optimize-away the function-call overhead using </a:t>
-            </a:r>
-            <a:r>
-              <a:rPr lang="en-US" b="1" dirty="0"/>
-              <a:t>inlining</a:t>
-            </a:r>
-            <a:r>
-              <a:rPr lang="en-US" dirty="0"/>
-              <a:t>.</a:t>
-            </a:r>
-          </a:p>
-        </p:txBody>
-      </p:sp>
-      <p:sp>
-        <p:nvSpPr>
-          <p:cNvPr id="9" name="TextBox 8">
-            <a:extLst>
-              <a:ext uri="{FF2B5EF4-FFF2-40B4-BE49-F238E27FC236}">
-                <a16:creationId xmlns:a16="http://schemas.microsoft.com/office/drawing/2014/main" id="{221CE505-7F4F-F11C-0F72-D57AB75E3EE1}"/>
-              </a:ext>
-            </a:extLst>
-          </p:cNvPr>
-          <p:cNvSpPr txBox="1"/>
-          <p:nvPr/>
-        </p:nvSpPr>
-        <p:spPr>
-          <a:xfrm>
-            <a:off x="8983873" y="5093742"/>
-            <a:ext cx="2784630" cy="923330"/>
-          </a:xfrm>
-          <a:prstGeom prst="rect">
-            <a:avLst/>
-          </a:prstGeom>
-          <a:solidFill>
-            <a:srgbClr val="FFFC00">
-              <a:alpha val="74902"/>
-            </a:srgbClr>
-          </a:solidFill>
-        </p:spPr>
-        <p:txBody>
-          <a:bodyPr wrap="square" rtlCol="0">
-            <a:spAutoFit/>
-          </a:bodyPr>
-          <a:lstStyle/>
-          <a:p>
-            <a:pPr algn="ctr"/>
-            <a:r>
-              <a:rPr lang="en-US" b="1" dirty="0"/>
-              <a:t>Getters</a:t>
-            </a:r>
-            <a:r>
-              <a:rPr lang="en-US" dirty="0"/>
-              <a:t> are usually </a:t>
-            </a:r>
-            <a:r>
-              <a:rPr lang="en-US" dirty="0">
-                <a:latin typeface="Consolas" panose="020B0609020204030204" pitchFamily="49" charset="0"/>
-                <a:cs typeface="Consolas" panose="020B0609020204030204" pitchFamily="49" charset="0"/>
-              </a:rPr>
-              <a:t>const</a:t>
-            </a:r>
-            <a:r>
-              <a:rPr lang="en-US" dirty="0"/>
-              <a:t> since they don’t typically change the object.</a:t>
-            </a:r>
-          </a:p>
-        </p:txBody>
-      </p:sp>
-      <p:sp>
-        <p:nvSpPr>
-          <p:cNvPr id="10" name="TextBox 9">
-            <a:extLst>
-              <a:ext uri="{FF2B5EF4-FFF2-40B4-BE49-F238E27FC236}">
-                <a16:creationId xmlns:a16="http://schemas.microsoft.com/office/drawing/2014/main" id="{25D8CEB6-B6A0-25A3-AAAE-684772897F22}"/>
-              </a:ext>
-            </a:extLst>
-          </p:cNvPr>
-          <p:cNvSpPr txBox="1"/>
-          <p:nvPr/>
-        </p:nvSpPr>
-        <p:spPr>
-          <a:xfrm>
-            <a:off x="8989870" y="3880148"/>
-            <a:ext cx="2784630" cy="923330"/>
-          </a:xfrm>
-          <a:prstGeom prst="rect">
-            <a:avLst/>
-          </a:prstGeom>
-          <a:solidFill>
-            <a:srgbClr val="FFFC00">
-              <a:alpha val="74902"/>
-            </a:srgbClr>
-          </a:solidFill>
-        </p:spPr>
-        <p:txBody>
-          <a:bodyPr wrap="square" rtlCol="0">
-            <a:spAutoFit/>
-          </a:bodyPr>
-          <a:lstStyle/>
-          <a:p>
-            <a:pPr algn="ctr"/>
-            <a:r>
-              <a:rPr lang="en-US" b="1" dirty="0"/>
-              <a:t>Setters</a:t>
-            </a:r>
-            <a:r>
-              <a:rPr lang="en-US" dirty="0"/>
-              <a:t> are not </a:t>
-            </a:r>
-            <a:r>
-              <a:rPr lang="en-US" dirty="0">
-                <a:latin typeface="Consolas" panose="020B0609020204030204" pitchFamily="49" charset="0"/>
-                <a:cs typeface="Consolas" panose="020B0609020204030204" pitchFamily="49" charset="0"/>
-              </a:rPr>
-              <a:t>const</a:t>
-            </a:r>
-            <a:r>
-              <a:rPr lang="en-US" dirty="0"/>
-              <a:t> since they change the object.</a:t>
-            </a:r>
-          </a:p>
-        </p:txBody>
-      </p:sp>
-    </p:spTree>
-    <p:extLst>
-      <p:ext uri="{BB962C8B-B14F-4D97-AF65-F5344CB8AC3E}">
-        <p14:creationId xmlns:p14="http://schemas.microsoft.com/office/powerpoint/2010/main" val="4031457995"/>
       </p:ext>
     </p:extLst>
   </p:cSld>
@@ -10161,6 +10805,912 @@
 </file>
 
 <file path=ppt/slides/slide20.xml><?xml version="1.0" encoding="utf-8"?>
+<p:sld xmlns:a="http://schemas.openxmlformats.org/drawingml/2006/main" xmlns:r="http://schemas.openxmlformats.org/officeDocument/2006/relationships" xmlns:p="http://schemas.openxmlformats.org/presentationml/2006/main">
+  <p:cSld>
+    <p:spTree>
+      <p:nvGrpSpPr>
+        <p:cNvPr id="1" name="">
+          <a:extLst>
+            <a:ext uri="{FF2B5EF4-FFF2-40B4-BE49-F238E27FC236}">
+              <a16:creationId xmlns:a16="http://schemas.microsoft.com/office/drawing/2014/main" id="{6A303ABE-F6ED-8DAD-64E5-27BA728D89D2}"/>
+            </a:ext>
+          </a:extLst>
+        </p:cNvPr>
+        <p:cNvGrpSpPr/>
+        <p:nvPr/>
+      </p:nvGrpSpPr>
+      <p:grpSpPr>
+        <a:xfrm>
+          <a:off x="0" y="0"/>
+          <a:ext cx="0" cy="0"/>
+          <a:chOff x="0" y="0"/>
+          <a:chExt cx="0" cy="0"/>
+        </a:xfrm>
+      </p:grpSpPr>
+      <p:sp>
+        <p:nvSpPr>
+          <p:cNvPr id="2" name="Title 1">
+            <a:extLst>
+              <a:ext uri="{FF2B5EF4-FFF2-40B4-BE49-F238E27FC236}">
+                <a16:creationId xmlns:a16="http://schemas.microsoft.com/office/drawing/2014/main" id="{CA7EE16E-AC3E-6F52-526A-4CF37CFCD561}"/>
+              </a:ext>
+            </a:extLst>
+          </p:cNvPr>
+          <p:cNvSpPr>
+            <a:spLocks noGrp="1"/>
+          </p:cNvSpPr>
+          <p:nvPr>
+            <p:ph type="title"/>
+          </p:nvPr>
+        </p:nvSpPr>
+        <p:spPr/>
+        <p:txBody>
+          <a:bodyPr/>
+          <a:lstStyle/>
+          <a:p>
+            <a:r>
+              <a:rPr lang="en-US" dirty="0"/>
+              <a:t>A Point Object</a:t>
+            </a:r>
+          </a:p>
+        </p:txBody>
+      </p:sp>
+      <p:sp>
+        <p:nvSpPr>
+          <p:cNvPr id="4" name="TextBox 3">
+            <a:extLst>
+              <a:ext uri="{FF2B5EF4-FFF2-40B4-BE49-F238E27FC236}">
+                <a16:creationId xmlns:a16="http://schemas.microsoft.com/office/drawing/2014/main" id="{B7D64E42-B038-5BB5-6EEB-65FDE791EF29}"/>
+              </a:ext>
+            </a:extLst>
+          </p:cNvPr>
+          <p:cNvSpPr txBox="1"/>
+          <p:nvPr/>
+        </p:nvSpPr>
+        <p:spPr>
+          <a:xfrm>
+            <a:off x="1527464" y="1690688"/>
+            <a:ext cx="3857146" cy="4801314"/>
+          </a:xfrm>
+          <a:prstGeom prst="rect">
+            <a:avLst/>
+          </a:prstGeom>
+          <a:noFill/>
+        </p:spPr>
+        <p:txBody>
+          <a:bodyPr wrap="none" rtlCol="0">
+            <a:spAutoFit/>
+          </a:bodyPr>
+          <a:lstStyle/>
+          <a:p>
+            <a:r>
+              <a:rPr lang="en-CA" dirty="0">
+                <a:latin typeface="Consolas" panose="020B0609020204030204" pitchFamily="49" charset="0"/>
+                <a:cs typeface="Consolas" panose="020B0609020204030204" pitchFamily="49" charset="0"/>
+              </a:rPr>
+              <a:t>struct Point {</a:t>
+            </a:r>
+          </a:p>
+          <a:p>
+            <a:r>
+              <a:rPr lang="en-CA" dirty="0">
+                <a:latin typeface="Consolas" panose="020B0609020204030204" pitchFamily="49" charset="0"/>
+                <a:cs typeface="Consolas" panose="020B0609020204030204" pitchFamily="49" charset="0"/>
+              </a:rPr>
+              <a:t>private:</a:t>
+            </a:r>
+          </a:p>
+          <a:p>
+            <a:r>
+              <a:rPr lang="en-CA" dirty="0">
+                <a:latin typeface="Consolas" panose="020B0609020204030204" pitchFamily="49" charset="0"/>
+                <a:cs typeface="Consolas" panose="020B0609020204030204" pitchFamily="49" charset="0"/>
+              </a:rPr>
+              <a:t>  int x;</a:t>
+            </a:r>
+          </a:p>
+          <a:p>
+            <a:r>
+              <a:rPr lang="en-CA" dirty="0">
+                <a:latin typeface="Consolas" panose="020B0609020204030204" pitchFamily="49" charset="0"/>
+                <a:cs typeface="Consolas" panose="020B0609020204030204" pitchFamily="49" charset="0"/>
+              </a:rPr>
+              <a:t>  int y;</a:t>
+            </a:r>
+          </a:p>
+          <a:p>
+            <a:endParaRPr lang="en-CA" dirty="0">
+              <a:latin typeface="Consolas" panose="020B0609020204030204" pitchFamily="49" charset="0"/>
+              <a:cs typeface="Consolas" panose="020B0609020204030204" pitchFamily="49" charset="0"/>
+            </a:endParaRPr>
+          </a:p>
+          <a:p>
+            <a:r>
+              <a:rPr lang="en-CA" dirty="0">
+                <a:latin typeface="Consolas" panose="020B0609020204030204" pitchFamily="49" charset="0"/>
+                <a:cs typeface="Consolas" panose="020B0609020204030204" pitchFamily="49" charset="0"/>
+              </a:rPr>
+              <a:t>public:</a:t>
+            </a:r>
+          </a:p>
+          <a:p>
+            <a:endParaRPr lang="en-CA" dirty="0">
+              <a:latin typeface="Consolas" panose="020B0609020204030204" pitchFamily="49" charset="0"/>
+              <a:cs typeface="Consolas" panose="020B0609020204030204" pitchFamily="49" charset="0"/>
+            </a:endParaRPr>
+          </a:p>
+          <a:p>
+            <a:r>
+              <a:rPr lang="en-CA" dirty="0">
+                <a:latin typeface="Consolas" panose="020B0609020204030204" pitchFamily="49" charset="0"/>
+                <a:cs typeface="Consolas" panose="020B0609020204030204" pitchFamily="49" charset="0"/>
+              </a:rPr>
+              <a:t>  // ...</a:t>
+            </a:r>
+          </a:p>
+          <a:p>
+            <a:endParaRPr lang="en-CA" dirty="0">
+              <a:latin typeface="Consolas" panose="020B0609020204030204" pitchFamily="49" charset="0"/>
+              <a:cs typeface="Consolas" panose="020B0609020204030204" pitchFamily="49" charset="0"/>
+            </a:endParaRPr>
+          </a:p>
+          <a:p>
+            <a:r>
+              <a:rPr lang="en-CA" dirty="0">
+                <a:latin typeface="Consolas" panose="020B0609020204030204" pitchFamily="49" charset="0"/>
+                <a:cs typeface="Consolas" panose="020B0609020204030204" pitchFamily="49" charset="0"/>
+              </a:rPr>
+              <a:t>  Point(const Point&amp; other) {</a:t>
+            </a:r>
+          </a:p>
+          <a:p>
+            <a:r>
+              <a:rPr lang="en-CA" dirty="0">
+                <a:latin typeface="Consolas" panose="020B0609020204030204" pitchFamily="49" charset="0"/>
+                <a:cs typeface="Consolas" panose="020B0609020204030204" pitchFamily="49" charset="0"/>
+              </a:rPr>
+              <a:t>    this-&gt;x = </a:t>
+            </a:r>
+            <a:r>
+              <a:rPr lang="en-CA" dirty="0" err="1">
+                <a:latin typeface="Consolas" panose="020B0609020204030204" pitchFamily="49" charset="0"/>
+                <a:cs typeface="Consolas" panose="020B0609020204030204" pitchFamily="49" charset="0"/>
+              </a:rPr>
+              <a:t>other.x</a:t>
+            </a:r>
+            <a:r>
+              <a:rPr lang="en-CA" dirty="0">
+                <a:latin typeface="Consolas" panose="020B0609020204030204" pitchFamily="49" charset="0"/>
+                <a:cs typeface="Consolas" panose="020B0609020204030204" pitchFamily="49" charset="0"/>
+              </a:rPr>
+              <a:t>;</a:t>
+            </a:r>
+          </a:p>
+          <a:p>
+            <a:r>
+              <a:rPr lang="en-CA" dirty="0">
+                <a:latin typeface="Consolas" panose="020B0609020204030204" pitchFamily="49" charset="0"/>
+                <a:cs typeface="Consolas" panose="020B0609020204030204" pitchFamily="49" charset="0"/>
+              </a:rPr>
+              <a:t>    this-&gt;y = </a:t>
+            </a:r>
+            <a:r>
+              <a:rPr lang="en-CA" dirty="0" err="1">
+                <a:latin typeface="Consolas" panose="020B0609020204030204" pitchFamily="49" charset="0"/>
+                <a:cs typeface="Consolas" panose="020B0609020204030204" pitchFamily="49" charset="0"/>
+              </a:rPr>
+              <a:t>other.y</a:t>
+            </a:r>
+            <a:r>
+              <a:rPr lang="en-CA" dirty="0">
+                <a:latin typeface="Consolas" panose="020B0609020204030204" pitchFamily="49" charset="0"/>
+                <a:cs typeface="Consolas" panose="020B0609020204030204" pitchFamily="49" charset="0"/>
+              </a:rPr>
+              <a:t>;</a:t>
+            </a:r>
+          </a:p>
+          <a:p>
+            <a:r>
+              <a:rPr lang="en-CA" dirty="0">
+                <a:latin typeface="Consolas" panose="020B0609020204030204" pitchFamily="49" charset="0"/>
+                <a:cs typeface="Consolas" panose="020B0609020204030204" pitchFamily="49" charset="0"/>
+              </a:rPr>
+              <a:t>  }</a:t>
+            </a:r>
+          </a:p>
+          <a:p>
+            <a:endParaRPr lang="en-US" dirty="0">
+              <a:latin typeface="Consolas" panose="020B0609020204030204" pitchFamily="49" charset="0"/>
+              <a:cs typeface="Consolas" panose="020B0609020204030204" pitchFamily="49" charset="0"/>
+            </a:endParaRPr>
+          </a:p>
+          <a:p>
+            <a:r>
+              <a:rPr lang="en-US" dirty="0">
+                <a:latin typeface="Consolas" panose="020B0609020204030204" pitchFamily="49" charset="0"/>
+                <a:cs typeface="Consolas" panose="020B0609020204030204" pitchFamily="49" charset="0"/>
+              </a:rPr>
+              <a:t>  // ...</a:t>
+            </a:r>
+          </a:p>
+          <a:p>
+            <a:endParaRPr lang="en-US" dirty="0">
+              <a:latin typeface="Consolas" panose="020B0609020204030204" pitchFamily="49" charset="0"/>
+              <a:cs typeface="Consolas" panose="020B0609020204030204" pitchFamily="49" charset="0"/>
+            </a:endParaRPr>
+          </a:p>
+          <a:p>
+            <a:r>
+              <a:rPr lang="en-US" dirty="0">
+                <a:latin typeface="Consolas" panose="020B0609020204030204" pitchFamily="49" charset="0"/>
+                <a:cs typeface="Consolas" panose="020B0609020204030204" pitchFamily="49" charset="0"/>
+              </a:rPr>
+              <a:t>}; // Point </a:t>
+            </a:r>
+          </a:p>
+        </p:txBody>
+      </p:sp>
+      <p:sp>
+        <p:nvSpPr>
+          <p:cNvPr id="7" name="TextBox 6">
+            <a:extLst>
+              <a:ext uri="{FF2B5EF4-FFF2-40B4-BE49-F238E27FC236}">
+                <a16:creationId xmlns:a16="http://schemas.microsoft.com/office/drawing/2014/main" id="{52FF7416-D92D-5BC3-7E8A-A6582D47DA1C}"/>
+              </a:ext>
+            </a:extLst>
+          </p:cNvPr>
+          <p:cNvSpPr txBox="1"/>
+          <p:nvPr/>
+        </p:nvSpPr>
+        <p:spPr>
+          <a:xfrm>
+            <a:off x="5717062" y="4091345"/>
+            <a:ext cx="2065730" cy="923330"/>
+          </a:xfrm>
+          <a:prstGeom prst="rect">
+            <a:avLst/>
+          </a:prstGeom>
+          <a:solidFill>
+            <a:srgbClr val="FFFC00">
+              <a:alpha val="74902"/>
+            </a:srgbClr>
+          </a:solidFill>
+        </p:spPr>
+        <p:txBody>
+          <a:bodyPr wrap="square" rtlCol="0">
+            <a:spAutoFit/>
+          </a:bodyPr>
+          <a:lstStyle/>
+          <a:p>
+            <a:pPr algn="ctr"/>
+            <a:r>
+              <a:rPr lang="en-US" b="1" dirty="0"/>
+              <a:t>Copy constructor</a:t>
+            </a:r>
+            <a:r>
+              <a:rPr lang="en-US" dirty="0"/>
+              <a:t>:</a:t>
+            </a:r>
+            <a:br>
+              <a:rPr lang="en-US" dirty="0"/>
+            </a:br>
+            <a:r>
+              <a:rPr lang="en-US" dirty="0"/>
+              <a:t>Makes a copy of another </a:t>
+            </a:r>
+            <a:r>
+              <a:rPr lang="en-US" dirty="0">
+                <a:latin typeface="Consolas" panose="020B0609020204030204" pitchFamily="49" charset="0"/>
+                <a:cs typeface="Consolas" panose="020B0609020204030204" pitchFamily="49" charset="0"/>
+              </a:rPr>
+              <a:t>Point</a:t>
+            </a:r>
+            <a:r>
+              <a:rPr lang="en-US" dirty="0"/>
+              <a:t>.</a:t>
+            </a:r>
+          </a:p>
+        </p:txBody>
+      </p:sp>
+    </p:spTree>
+    <p:extLst>
+      <p:ext uri="{BB962C8B-B14F-4D97-AF65-F5344CB8AC3E}">
+        <p14:creationId xmlns:p14="http://schemas.microsoft.com/office/powerpoint/2010/main" val="737404355"/>
+      </p:ext>
+    </p:extLst>
+  </p:cSld>
+  <p:clrMapOvr>
+    <a:masterClrMapping/>
+  </p:clrMapOvr>
+</p:sld>
+</file>
+
+<file path=ppt/slides/slide21.xml><?xml version="1.0" encoding="utf-8"?>
+<p:sld xmlns:a="http://schemas.openxmlformats.org/drawingml/2006/main" xmlns:r="http://schemas.openxmlformats.org/officeDocument/2006/relationships" xmlns:p="http://schemas.openxmlformats.org/presentationml/2006/main">
+  <p:cSld>
+    <p:spTree>
+      <p:nvGrpSpPr>
+        <p:cNvPr id="1" name="">
+          <a:extLst>
+            <a:ext uri="{FF2B5EF4-FFF2-40B4-BE49-F238E27FC236}">
+              <a16:creationId xmlns:a16="http://schemas.microsoft.com/office/drawing/2014/main" id="{5E97501B-E33E-ADB2-8999-B688F18D2C30}"/>
+            </a:ext>
+          </a:extLst>
+        </p:cNvPr>
+        <p:cNvGrpSpPr/>
+        <p:nvPr/>
+      </p:nvGrpSpPr>
+      <p:grpSpPr>
+        <a:xfrm>
+          <a:off x="0" y="0"/>
+          <a:ext cx="0" cy="0"/>
+          <a:chOff x="0" y="0"/>
+          <a:chExt cx="0" cy="0"/>
+        </a:xfrm>
+      </p:grpSpPr>
+      <p:sp>
+        <p:nvSpPr>
+          <p:cNvPr id="2" name="Title 1">
+            <a:extLst>
+              <a:ext uri="{FF2B5EF4-FFF2-40B4-BE49-F238E27FC236}">
+                <a16:creationId xmlns:a16="http://schemas.microsoft.com/office/drawing/2014/main" id="{DD5D3B31-9CAD-C492-D2A2-7EFDD7306840}"/>
+              </a:ext>
+            </a:extLst>
+          </p:cNvPr>
+          <p:cNvSpPr>
+            <a:spLocks noGrp="1"/>
+          </p:cNvSpPr>
+          <p:nvPr>
+            <p:ph type="title"/>
+          </p:nvPr>
+        </p:nvSpPr>
+        <p:spPr/>
+        <p:txBody>
+          <a:bodyPr/>
+          <a:lstStyle/>
+          <a:p>
+            <a:r>
+              <a:rPr lang="en-US" dirty="0"/>
+              <a:t>A Point Object</a:t>
+            </a:r>
+          </a:p>
+        </p:txBody>
+      </p:sp>
+      <p:sp>
+        <p:nvSpPr>
+          <p:cNvPr id="4" name="TextBox 3">
+            <a:extLst>
+              <a:ext uri="{FF2B5EF4-FFF2-40B4-BE49-F238E27FC236}">
+                <a16:creationId xmlns:a16="http://schemas.microsoft.com/office/drawing/2014/main" id="{9D2C6405-8DE5-8958-6BA9-2331E51271DD}"/>
+              </a:ext>
+            </a:extLst>
+          </p:cNvPr>
+          <p:cNvSpPr txBox="1"/>
+          <p:nvPr/>
+        </p:nvSpPr>
+        <p:spPr>
+          <a:xfrm>
+            <a:off x="1527464" y="1690688"/>
+            <a:ext cx="5123518" cy="5078313"/>
+          </a:xfrm>
+          <a:prstGeom prst="rect">
+            <a:avLst/>
+          </a:prstGeom>
+          <a:noFill/>
+        </p:spPr>
+        <p:txBody>
+          <a:bodyPr wrap="none" rtlCol="0">
+            <a:spAutoFit/>
+          </a:bodyPr>
+          <a:lstStyle/>
+          <a:p>
+            <a:r>
+              <a:rPr lang="en-CA" dirty="0">
+                <a:latin typeface="Consolas" panose="020B0609020204030204" pitchFamily="49" charset="0"/>
+                <a:cs typeface="Consolas" panose="020B0609020204030204" pitchFamily="49" charset="0"/>
+              </a:rPr>
+              <a:t>struct Point {</a:t>
+            </a:r>
+          </a:p>
+          <a:p>
+            <a:r>
+              <a:rPr lang="en-CA" dirty="0">
+                <a:latin typeface="Consolas" panose="020B0609020204030204" pitchFamily="49" charset="0"/>
+                <a:cs typeface="Consolas" panose="020B0609020204030204" pitchFamily="49" charset="0"/>
+              </a:rPr>
+              <a:t>private:</a:t>
+            </a:r>
+          </a:p>
+          <a:p>
+            <a:r>
+              <a:rPr lang="en-CA" dirty="0">
+                <a:latin typeface="Consolas" panose="020B0609020204030204" pitchFamily="49" charset="0"/>
+                <a:cs typeface="Consolas" panose="020B0609020204030204" pitchFamily="49" charset="0"/>
+              </a:rPr>
+              <a:t>  int x;</a:t>
+            </a:r>
+          </a:p>
+          <a:p>
+            <a:r>
+              <a:rPr lang="en-CA" dirty="0">
+                <a:latin typeface="Consolas" panose="020B0609020204030204" pitchFamily="49" charset="0"/>
+                <a:cs typeface="Consolas" panose="020B0609020204030204" pitchFamily="49" charset="0"/>
+              </a:rPr>
+              <a:t>  int y;</a:t>
+            </a:r>
+          </a:p>
+          <a:p>
+            <a:endParaRPr lang="en-CA" dirty="0">
+              <a:latin typeface="Consolas" panose="020B0609020204030204" pitchFamily="49" charset="0"/>
+              <a:cs typeface="Consolas" panose="020B0609020204030204" pitchFamily="49" charset="0"/>
+            </a:endParaRPr>
+          </a:p>
+          <a:p>
+            <a:r>
+              <a:rPr lang="en-CA" dirty="0">
+                <a:latin typeface="Consolas" panose="020B0609020204030204" pitchFamily="49" charset="0"/>
+                <a:cs typeface="Consolas" panose="020B0609020204030204" pitchFamily="49" charset="0"/>
+              </a:rPr>
+              <a:t>public:</a:t>
+            </a:r>
+          </a:p>
+          <a:p>
+            <a:endParaRPr lang="en-CA" dirty="0">
+              <a:latin typeface="Consolas" panose="020B0609020204030204" pitchFamily="49" charset="0"/>
+              <a:cs typeface="Consolas" panose="020B0609020204030204" pitchFamily="49" charset="0"/>
+            </a:endParaRPr>
+          </a:p>
+          <a:p>
+            <a:r>
+              <a:rPr lang="en-CA" dirty="0">
+                <a:latin typeface="Consolas" panose="020B0609020204030204" pitchFamily="49" charset="0"/>
+                <a:cs typeface="Consolas" panose="020B0609020204030204" pitchFamily="49" charset="0"/>
+              </a:rPr>
+              <a:t>  // ...</a:t>
+            </a:r>
+          </a:p>
+          <a:p>
+            <a:endParaRPr lang="en-CA" dirty="0">
+              <a:latin typeface="Consolas" panose="020B0609020204030204" pitchFamily="49" charset="0"/>
+              <a:cs typeface="Consolas" panose="020B0609020204030204" pitchFamily="49" charset="0"/>
+            </a:endParaRPr>
+          </a:p>
+          <a:p>
+            <a:r>
+              <a:rPr lang="en-CA" dirty="0">
+                <a:latin typeface="Consolas" panose="020B0609020204030204" pitchFamily="49" charset="0"/>
+                <a:cs typeface="Consolas" panose="020B0609020204030204" pitchFamily="49" charset="0"/>
+              </a:rPr>
+              <a:t>  void </a:t>
+            </a:r>
+            <a:r>
+              <a:rPr lang="en-CA" dirty="0" err="1">
+                <a:latin typeface="Consolas" panose="020B0609020204030204" pitchFamily="49" charset="0"/>
+                <a:cs typeface="Consolas" panose="020B0609020204030204" pitchFamily="49" charset="0"/>
+              </a:rPr>
+              <a:t>set_x</a:t>
+            </a:r>
+            <a:r>
+              <a:rPr lang="en-CA" dirty="0">
+                <a:latin typeface="Consolas" panose="020B0609020204030204" pitchFamily="49" charset="0"/>
+                <a:cs typeface="Consolas" panose="020B0609020204030204" pitchFamily="49" charset="0"/>
+              </a:rPr>
+              <a:t>(int x) { this-&gt;x = x; }</a:t>
+            </a:r>
+          </a:p>
+          <a:p>
+            <a:r>
+              <a:rPr lang="en-CA" dirty="0">
+                <a:latin typeface="Consolas" panose="020B0609020204030204" pitchFamily="49" charset="0"/>
+                <a:cs typeface="Consolas" panose="020B0609020204030204" pitchFamily="49" charset="0"/>
+              </a:rPr>
+              <a:t>  void </a:t>
+            </a:r>
+            <a:r>
+              <a:rPr lang="en-CA" dirty="0" err="1">
+                <a:latin typeface="Consolas" panose="020B0609020204030204" pitchFamily="49" charset="0"/>
+                <a:cs typeface="Consolas" panose="020B0609020204030204" pitchFamily="49" charset="0"/>
+              </a:rPr>
+              <a:t>set_y</a:t>
+            </a:r>
+            <a:r>
+              <a:rPr lang="en-CA" dirty="0">
+                <a:latin typeface="Consolas" panose="020B0609020204030204" pitchFamily="49" charset="0"/>
+                <a:cs typeface="Consolas" panose="020B0609020204030204" pitchFamily="49" charset="0"/>
+              </a:rPr>
+              <a:t>(int y) { this-&gt;y = y; }</a:t>
+            </a:r>
+          </a:p>
+          <a:p>
+            <a:endParaRPr lang="en-CA" dirty="0">
+              <a:latin typeface="Consolas" panose="020B0609020204030204" pitchFamily="49" charset="0"/>
+              <a:cs typeface="Consolas" panose="020B0609020204030204" pitchFamily="49" charset="0"/>
+            </a:endParaRPr>
+          </a:p>
+          <a:p>
+            <a:r>
+              <a:rPr lang="en-CA" dirty="0">
+                <a:latin typeface="Consolas" panose="020B0609020204030204" pitchFamily="49" charset="0"/>
+                <a:cs typeface="Consolas" panose="020B0609020204030204" pitchFamily="49" charset="0"/>
+              </a:rPr>
+              <a:t>  int </a:t>
+            </a:r>
+            <a:r>
+              <a:rPr lang="en-CA" dirty="0" err="1">
+                <a:latin typeface="Consolas" panose="020B0609020204030204" pitchFamily="49" charset="0"/>
+                <a:cs typeface="Consolas" panose="020B0609020204030204" pitchFamily="49" charset="0"/>
+              </a:rPr>
+              <a:t>get_x</a:t>
+            </a:r>
+            <a:r>
+              <a:rPr lang="en-CA" dirty="0">
+                <a:latin typeface="Consolas" panose="020B0609020204030204" pitchFamily="49" charset="0"/>
+                <a:cs typeface="Consolas" panose="020B0609020204030204" pitchFamily="49" charset="0"/>
+              </a:rPr>
+              <a:t>() const { return this-&gt;x; }</a:t>
+            </a:r>
+          </a:p>
+          <a:p>
+            <a:r>
+              <a:rPr lang="en-CA" dirty="0">
+                <a:latin typeface="Consolas" panose="020B0609020204030204" pitchFamily="49" charset="0"/>
+                <a:cs typeface="Consolas" panose="020B0609020204030204" pitchFamily="49" charset="0"/>
+              </a:rPr>
+              <a:t>  int </a:t>
+            </a:r>
+            <a:r>
+              <a:rPr lang="en-CA" dirty="0" err="1">
+                <a:latin typeface="Consolas" panose="020B0609020204030204" pitchFamily="49" charset="0"/>
+                <a:cs typeface="Consolas" panose="020B0609020204030204" pitchFamily="49" charset="0"/>
+              </a:rPr>
+              <a:t>get_y</a:t>
+            </a:r>
+            <a:r>
+              <a:rPr lang="en-CA" dirty="0">
+                <a:latin typeface="Consolas" panose="020B0609020204030204" pitchFamily="49" charset="0"/>
+                <a:cs typeface="Consolas" panose="020B0609020204030204" pitchFamily="49" charset="0"/>
+              </a:rPr>
+              <a:t>() const { return this-&gt;y; }</a:t>
+            </a:r>
+          </a:p>
+          <a:p>
+            <a:endParaRPr lang="en-US" dirty="0">
+              <a:latin typeface="Consolas" panose="020B0609020204030204" pitchFamily="49" charset="0"/>
+              <a:cs typeface="Consolas" panose="020B0609020204030204" pitchFamily="49" charset="0"/>
+            </a:endParaRPr>
+          </a:p>
+          <a:p>
+            <a:r>
+              <a:rPr lang="en-US" dirty="0">
+                <a:latin typeface="Consolas" panose="020B0609020204030204" pitchFamily="49" charset="0"/>
+                <a:cs typeface="Consolas" panose="020B0609020204030204" pitchFamily="49" charset="0"/>
+              </a:rPr>
+              <a:t>  // ...</a:t>
+            </a:r>
+          </a:p>
+          <a:p>
+            <a:endParaRPr lang="en-US" dirty="0">
+              <a:latin typeface="Consolas" panose="020B0609020204030204" pitchFamily="49" charset="0"/>
+              <a:cs typeface="Consolas" panose="020B0609020204030204" pitchFamily="49" charset="0"/>
+            </a:endParaRPr>
+          </a:p>
+          <a:p>
+            <a:r>
+              <a:rPr lang="en-US" dirty="0">
+                <a:latin typeface="Consolas" panose="020B0609020204030204" pitchFamily="49" charset="0"/>
+                <a:cs typeface="Consolas" panose="020B0609020204030204" pitchFamily="49" charset="0"/>
+              </a:rPr>
+              <a:t>}; // Point </a:t>
+            </a:r>
+          </a:p>
+        </p:txBody>
+      </p:sp>
+      <p:sp>
+        <p:nvSpPr>
+          <p:cNvPr id="7" name="TextBox 6">
+            <a:extLst>
+              <a:ext uri="{FF2B5EF4-FFF2-40B4-BE49-F238E27FC236}">
+                <a16:creationId xmlns:a16="http://schemas.microsoft.com/office/drawing/2014/main" id="{52951DA5-29EE-687D-DAC8-2544C46F38DD}"/>
+              </a:ext>
+            </a:extLst>
+          </p:cNvPr>
+          <p:cNvSpPr txBox="1"/>
+          <p:nvPr/>
+        </p:nvSpPr>
+        <p:spPr>
+          <a:xfrm>
+            <a:off x="6650982" y="3880148"/>
+            <a:ext cx="1942300" cy="923330"/>
+          </a:xfrm>
+          <a:prstGeom prst="rect">
+            <a:avLst/>
+          </a:prstGeom>
+          <a:solidFill>
+            <a:srgbClr val="FFFC00">
+              <a:alpha val="74902"/>
+            </a:srgbClr>
+          </a:solidFill>
+        </p:spPr>
+        <p:txBody>
+          <a:bodyPr wrap="square" rtlCol="0">
+            <a:spAutoFit/>
+          </a:bodyPr>
+          <a:lstStyle/>
+          <a:p>
+            <a:pPr algn="ctr"/>
+            <a:r>
+              <a:rPr lang="en-US" b="1" dirty="0"/>
+              <a:t>Setters:</a:t>
+            </a:r>
+          </a:p>
+          <a:p>
+            <a:pPr algn="ctr"/>
+            <a:r>
+              <a:rPr lang="en-US" dirty="0"/>
+              <a:t>Methods that change an object.</a:t>
+            </a:r>
+          </a:p>
+        </p:txBody>
+      </p:sp>
+      <p:sp>
+        <p:nvSpPr>
+          <p:cNvPr id="3" name="TextBox 2">
+            <a:extLst>
+              <a:ext uri="{FF2B5EF4-FFF2-40B4-BE49-F238E27FC236}">
+                <a16:creationId xmlns:a16="http://schemas.microsoft.com/office/drawing/2014/main" id="{6005F46F-C548-4117-D386-E67268D2A793}"/>
+              </a:ext>
+            </a:extLst>
+          </p:cNvPr>
+          <p:cNvSpPr txBox="1"/>
+          <p:nvPr/>
+        </p:nvSpPr>
+        <p:spPr>
+          <a:xfrm>
+            <a:off x="6650982" y="5093742"/>
+            <a:ext cx="1942300" cy="923330"/>
+          </a:xfrm>
+          <a:prstGeom prst="rect">
+            <a:avLst/>
+          </a:prstGeom>
+          <a:solidFill>
+            <a:srgbClr val="FFFC00">
+              <a:alpha val="74902"/>
+            </a:srgbClr>
+          </a:solidFill>
+        </p:spPr>
+        <p:txBody>
+          <a:bodyPr wrap="square" rtlCol="0">
+            <a:spAutoFit/>
+          </a:bodyPr>
+          <a:lstStyle/>
+          <a:p>
+            <a:pPr algn="ctr"/>
+            <a:r>
+              <a:rPr lang="en-US" b="1" dirty="0"/>
+              <a:t>Getters:</a:t>
+            </a:r>
+          </a:p>
+          <a:p>
+            <a:pPr algn="ctr"/>
+            <a:r>
+              <a:rPr lang="en-US" dirty="0"/>
+              <a:t>Methods that read an object.</a:t>
+            </a:r>
+          </a:p>
+        </p:txBody>
+      </p:sp>
+      <p:sp>
+        <p:nvSpPr>
+          <p:cNvPr id="5" name="TextBox 4">
+            <a:extLst>
+              <a:ext uri="{FF2B5EF4-FFF2-40B4-BE49-F238E27FC236}">
+                <a16:creationId xmlns:a16="http://schemas.microsoft.com/office/drawing/2014/main" id="{2463C466-E460-6AB7-A1DA-631BFF294582}"/>
+              </a:ext>
+            </a:extLst>
+          </p:cNvPr>
+          <p:cNvSpPr txBox="1"/>
+          <p:nvPr/>
+        </p:nvSpPr>
+        <p:spPr>
+          <a:xfrm>
+            <a:off x="9052214" y="1869716"/>
+            <a:ext cx="2517264" cy="923330"/>
+          </a:xfrm>
+          <a:prstGeom prst="rect">
+            <a:avLst/>
+          </a:prstGeom>
+          <a:solidFill>
+            <a:srgbClr val="FFFC00">
+              <a:alpha val="74902"/>
+            </a:srgbClr>
+          </a:solidFill>
+        </p:spPr>
+        <p:txBody>
+          <a:bodyPr wrap="square" rtlCol="0">
+            <a:spAutoFit/>
+          </a:bodyPr>
+          <a:lstStyle/>
+          <a:p>
+            <a:pPr algn="ctr"/>
+            <a:r>
+              <a:rPr lang="en-US" dirty="0"/>
+              <a:t>It is common for setters and getters to be short functions like this.</a:t>
+            </a:r>
+          </a:p>
+        </p:txBody>
+      </p:sp>
+      <p:sp>
+        <p:nvSpPr>
+          <p:cNvPr id="6" name="TextBox 5">
+            <a:extLst>
+              <a:ext uri="{FF2B5EF4-FFF2-40B4-BE49-F238E27FC236}">
+                <a16:creationId xmlns:a16="http://schemas.microsoft.com/office/drawing/2014/main" id="{F1CD7A9C-CAA6-FC6A-38D1-7A165B6CF0CE}"/>
+              </a:ext>
+            </a:extLst>
+          </p:cNvPr>
+          <p:cNvSpPr txBox="1"/>
+          <p:nvPr/>
+        </p:nvSpPr>
+        <p:spPr>
+          <a:xfrm>
+            <a:off x="8983873" y="186097"/>
+            <a:ext cx="2653945" cy="1200329"/>
+          </a:xfrm>
+          <a:prstGeom prst="rect">
+            <a:avLst/>
+          </a:prstGeom>
+          <a:solidFill>
+            <a:srgbClr val="FFFC00">
+              <a:alpha val="74902"/>
+            </a:srgbClr>
+          </a:solidFill>
+        </p:spPr>
+        <p:txBody>
+          <a:bodyPr wrap="square" rtlCol="0">
+            <a:spAutoFit/>
+          </a:bodyPr>
+          <a:lstStyle/>
+          <a:p>
+            <a:pPr algn="ctr"/>
+            <a:r>
+              <a:rPr lang="en-US" dirty="0"/>
+              <a:t>C++ compilers can often optimize-away the function-call overhead using </a:t>
+            </a:r>
+            <a:r>
+              <a:rPr lang="en-US" b="1" dirty="0"/>
+              <a:t>inlining</a:t>
+            </a:r>
+            <a:r>
+              <a:rPr lang="en-US" dirty="0"/>
+              <a:t>.</a:t>
+            </a:r>
+          </a:p>
+        </p:txBody>
+      </p:sp>
+      <p:sp>
+        <p:nvSpPr>
+          <p:cNvPr id="9" name="TextBox 8">
+            <a:extLst>
+              <a:ext uri="{FF2B5EF4-FFF2-40B4-BE49-F238E27FC236}">
+                <a16:creationId xmlns:a16="http://schemas.microsoft.com/office/drawing/2014/main" id="{221CE505-7F4F-F11C-0F72-D57AB75E3EE1}"/>
+              </a:ext>
+            </a:extLst>
+          </p:cNvPr>
+          <p:cNvSpPr txBox="1"/>
+          <p:nvPr/>
+        </p:nvSpPr>
+        <p:spPr>
+          <a:xfrm>
+            <a:off x="8983873" y="5093742"/>
+            <a:ext cx="2784630" cy="923330"/>
+          </a:xfrm>
+          <a:prstGeom prst="rect">
+            <a:avLst/>
+          </a:prstGeom>
+          <a:solidFill>
+            <a:srgbClr val="FFFC00">
+              <a:alpha val="74902"/>
+            </a:srgbClr>
+          </a:solidFill>
+        </p:spPr>
+        <p:txBody>
+          <a:bodyPr wrap="square" rtlCol="0">
+            <a:spAutoFit/>
+          </a:bodyPr>
+          <a:lstStyle/>
+          <a:p>
+            <a:pPr algn="ctr"/>
+            <a:r>
+              <a:rPr lang="en-US" b="1" dirty="0"/>
+              <a:t>Getters</a:t>
+            </a:r>
+            <a:r>
+              <a:rPr lang="en-US" dirty="0"/>
+              <a:t> are usually </a:t>
+            </a:r>
+            <a:r>
+              <a:rPr lang="en-US" dirty="0">
+                <a:latin typeface="Consolas" panose="020B0609020204030204" pitchFamily="49" charset="0"/>
+                <a:cs typeface="Consolas" panose="020B0609020204030204" pitchFamily="49" charset="0"/>
+              </a:rPr>
+              <a:t>const</a:t>
+            </a:r>
+            <a:r>
+              <a:rPr lang="en-US" dirty="0"/>
+              <a:t> since they don’t typically change the object.</a:t>
+            </a:r>
+          </a:p>
+        </p:txBody>
+      </p:sp>
+      <p:sp>
+        <p:nvSpPr>
+          <p:cNvPr id="10" name="TextBox 9">
+            <a:extLst>
+              <a:ext uri="{FF2B5EF4-FFF2-40B4-BE49-F238E27FC236}">
+                <a16:creationId xmlns:a16="http://schemas.microsoft.com/office/drawing/2014/main" id="{25D8CEB6-B6A0-25A3-AAAE-684772897F22}"/>
+              </a:ext>
+            </a:extLst>
+          </p:cNvPr>
+          <p:cNvSpPr txBox="1"/>
+          <p:nvPr/>
+        </p:nvSpPr>
+        <p:spPr>
+          <a:xfrm>
+            <a:off x="8989870" y="3880148"/>
+            <a:ext cx="2784630" cy="923330"/>
+          </a:xfrm>
+          <a:prstGeom prst="rect">
+            <a:avLst/>
+          </a:prstGeom>
+          <a:solidFill>
+            <a:srgbClr val="FFFC00">
+              <a:alpha val="74902"/>
+            </a:srgbClr>
+          </a:solidFill>
+        </p:spPr>
+        <p:txBody>
+          <a:bodyPr wrap="square" rtlCol="0">
+            <a:spAutoFit/>
+          </a:bodyPr>
+          <a:lstStyle/>
+          <a:p>
+            <a:pPr algn="ctr"/>
+            <a:r>
+              <a:rPr lang="en-US" b="1" dirty="0"/>
+              <a:t>Setters</a:t>
+            </a:r>
+            <a:r>
+              <a:rPr lang="en-US" dirty="0"/>
+              <a:t> are not </a:t>
+            </a:r>
+            <a:r>
+              <a:rPr lang="en-US" dirty="0">
+                <a:latin typeface="Consolas" panose="020B0609020204030204" pitchFamily="49" charset="0"/>
+                <a:cs typeface="Consolas" panose="020B0609020204030204" pitchFamily="49" charset="0"/>
+              </a:rPr>
+              <a:t>const</a:t>
+            </a:r>
+            <a:r>
+              <a:rPr lang="en-US" dirty="0"/>
+              <a:t> since they change the object.</a:t>
+            </a:r>
+          </a:p>
+        </p:txBody>
+      </p:sp>
+    </p:spTree>
+    <p:extLst>
+      <p:ext uri="{BB962C8B-B14F-4D97-AF65-F5344CB8AC3E}">
+        <p14:creationId xmlns:p14="http://schemas.microsoft.com/office/powerpoint/2010/main" val="4031457995"/>
+      </p:ext>
+    </p:extLst>
+  </p:cSld>
+  <p:clrMapOvr>
+    <a:masterClrMapping/>
+  </p:clrMapOvr>
+</p:sld>
+</file>
+
+<file path=ppt/slides/slide22.xml><?xml version="1.0" encoding="utf-8"?>
 <p:sld xmlns:a="http://schemas.openxmlformats.org/drawingml/2006/main" xmlns:r="http://schemas.openxmlformats.org/officeDocument/2006/relationships" xmlns:p="http://schemas.openxmlformats.org/presentationml/2006/main">
   <p:cSld>
     <p:spTree>
@@ -10636,7 +12186,7 @@
 </p:sld>
 </file>
 
-<file path=ppt/slides/slide21.xml><?xml version="1.0" encoding="utf-8"?>
+<file path=ppt/slides/slide23.xml><?xml version="1.0" encoding="utf-8"?>
 <p:sld xmlns:a="http://schemas.openxmlformats.org/drawingml/2006/main" xmlns:r="http://schemas.openxmlformats.org/officeDocument/2006/relationships" xmlns:p="http://schemas.openxmlformats.org/presentationml/2006/main">
   <p:cSld>
     <p:spTree>
@@ -11177,7 +12727,7 @@
 </p:sld>
 </file>
 
-<file path=ppt/slides/slide22.xml><?xml version="1.0" encoding="utf-8"?>
+<file path=ppt/slides/slide24.xml><?xml version="1.0" encoding="utf-8"?>
 <p:sld xmlns:a="http://schemas.openxmlformats.org/drawingml/2006/main" xmlns:r="http://schemas.openxmlformats.org/officeDocument/2006/relationships" xmlns:p="http://schemas.openxmlformats.org/presentationml/2006/main">
   <p:cSld>
     <p:spTree>
@@ -11662,7 +13212,7 @@
 </p:sld>
 </file>
 
-<file path=ppt/slides/slide23.xml><?xml version="1.0" encoding="utf-8"?>
+<file path=ppt/slides/slide25.xml><?xml version="1.0" encoding="utf-8"?>
 <p:sld xmlns:a="http://schemas.openxmlformats.org/drawingml/2006/main" xmlns:r="http://schemas.openxmlformats.org/officeDocument/2006/relationships" xmlns:p="http://schemas.openxmlformats.org/presentationml/2006/main">
   <p:cSld>
     <p:spTree>
@@ -12135,7 +13685,7 @@
 </p:sld>
 </file>
 
-<file path=ppt/slides/slide24.xml><?xml version="1.0" encoding="utf-8"?>
+<file path=ppt/slides/slide26.xml><?xml version="1.0" encoding="utf-8"?>
 <p:sld xmlns:a="http://schemas.openxmlformats.org/drawingml/2006/main" xmlns:r="http://schemas.openxmlformats.org/officeDocument/2006/relationships" xmlns:p="http://schemas.openxmlformats.org/presentationml/2006/main">
   <p:cSld>
     <p:spTree>
@@ -12344,7 +13894,7 @@
 </p:sld>
 </file>
 
-<file path=ppt/slides/slide25.xml><?xml version="1.0" encoding="utf-8"?>
+<file path=ppt/slides/slide27.xml><?xml version="1.0" encoding="utf-8"?>
 <p:sld xmlns:a="http://schemas.openxmlformats.org/drawingml/2006/main" xmlns:r="http://schemas.openxmlformats.org/officeDocument/2006/relationships" xmlns:p="http://schemas.openxmlformats.org/presentationml/2006/main">
   <p:cSld>
     <p:spTree>
@@ -12721,7 +14271,7 @@
 </p:sld>
 </file>
 
-<file path=ppt/slides/slide26.xml><?xml version="1.0" encoding="utf-8"?>
+<file path=ppt/slides/slide28.xml><?xml version="1.0" encoding="utf-8"?>
 <p:sld xmlns:a="http://schemas.openxmlformats.org/drawingml/2006/main" xmlns:r="http://schemas.openxmlformats.org/officeDocument/2006/relationships" xmlns:p="http://schemas.openxmlformats.org/presentationml/2006/main">
   <p:cSld>
     <p:spTree>
@@ -13448,7 +14998,7 @@
 </p:sld>
 </file>
 
-<file path=ppt/slides/slide27.xml><?xml version="1.0" encoding="utf-8"?>
+<file path=ppt/slides/slide29.xml><?xml version="1.0" encoding="utf-8"?>
 <p:sld xmlns:a="http://schemas.openxmlformats.org/drawingml/2006/main" xmlns:r="http://schemas.openxmlformats.org/officeDocument/2006/relationships" xmlns:p="http://schemas.openxmlformats.org/presentationml/2006/main">
   <p:cSld>
     <p:spTree>
@@ -14231,983 +15781,6 @@
     <p:extLst>
       <p:ext uri="{BB962C8B-B14F-4D97-AF65-F5344CB8AC3E}">
         <p14:creationId xmlns:p14="http://schemas.microsoft.com/office/powerpoint/2010/main" val="519182463"/>
-      </p:ext>
-    </p:extLst>
-  </p:cSld>
-  <p:clrMapOvr>
-    <a:masterClrMapping/>
-  </p:clrMapOvr>
-</p:sld>
-</file>
-
-<file path=ppt/slides/slide28.xml><?xml version="1.0" encoding="utf-8"?>
-<p:sld xmlns:a="http://schemas.openxmlformats.org/drawingml/2006/main" xmlns:r="http://schemas.openxmlformats.org/officeDocument/2006/relationships" xmlns:p="http://schemas.openxmlformats.org/presentationml/2006/main">
-  <p:cSld>
-    <p:spTree>
-      <p:nvGrpSpPr>
-        <p:cNvPr id="1" name="">
-          <a:extLst>
-            <a:ext uri="{FF2B5EF4-FFF2-40B4-BE49-F238E27FC236}">
-              <a16:creationId xmlns:a16="http://schemas.microsoft.com/office/drawing/2014/main" id="{2883ED0F-B1AD-0D37-43EA-080B5BB74BC9}"/>
-            </a:ext>
-          </a:extLst>
-        </p:cNvPr>
-        <p:cNvGrpSpPr/>
-        <p:nvPr/>
-      </p:nvGrpSpPr>
-      <p:grpSpPr>
-        <a:xfrm>
-          <a:off x="0" y="0"/>
-          <a:ext cx="0" cy="0"/>
-          <a:chOff x="0" y="0"/>
-          <a:chExt cx="0" cy="0"/>
-        </a:xfrm>
-      </p:grpSpPr>
-      <p:sp>
-        <p:nvSpPr>
-          <p:cNvPr id="2" name="Title 1">
-            <a:extLst>
-              <a:ext uri="{FF2B5EF4-FFF2-40B4-BE49-F238E27FC236}">
-                <a16:creationId xmlns:a16="http://schemas.microsoft.com/office/drawing/2014/main" id="{31B74518-F6C1-96C4-93E7-6E2E9A3472AE}"/>
-              </a:ext>
-            </a:extLst>
-          </p:cNvPr>
-          <p:cNvSpPr>
-            <a:spLocks noGrp="1"/>
-          </p:cNvSpPr>
-          <p:nvPr>
-            <p:ph type="title"/>
-          </p:nvPr>
-        </p:nvSpPr>
-        <p:spPr>
-          <a:xfrm>
-            <a:off x="90055" y="10379"/>
-            <a:ext cx="4222173" cy="1325563"/>
-          </a:xfrm>
-        </p:spPr>
-        <p:txBody>
-          <a:bodyPr/>
-          <a:lstStyle/>
-          <a:p>
-            <a:r>
-              <a:rPr lang="en-US" dirty="0"/>
-              <a:t>Segment Objects</a:t>
-            </a:r>
-          </a:p>
-        </p:txBody>
-      </p:sp>
-      <p:sp>
-        <p:nvSpPr>
-          <p:cNvPr id="4" name="TextBox 3">
-            <a:extLst>
-              <a:ext uri="{FF2B5EF4-FFF2-40B4-BE49-F238E27FC236}">
-                <a16:creationId xmlns:a16="http://schemas.microsoft.com/office/drawing/2014/main" id="{5C43963E-1D48-4223-C19B-507D4FADB6C8}"/>
-              </a:ext>
-            </a:extLst>
-          </p:cNvPr>
-          <p:cNvSpPr txBox="1"/>
-          <p:nvPr/>
-        </p:nvSpPr>
-        <p:spPr>
-          <a:xfrm>
-            <a:off x="911323" y="1314420"/>
-            <a:ext cx="5123518" cy="5355312"/>
-          </a:xfrm>
-          <a:prstGeom prst="rect">
-            <a:avLst/>
-          </a:prstGeom>
-          <a:noFill/>
-        </p:spPr>
-        <p:txBody>
-          <a:bodyPr wrap="none" rtlCol="0">
-            <a:spAutoFit/>
-          </a:bodyPr>
-          <a:lstStyle/>
-          <a:p>
-            <a:r>
-              <a:rPr lang="en-CA" dirty="0">
-                <a:latin typeface="Consolas" panose="020B0609020204030204" pitchFamily="49" charset="0"/>
-                <a:cs typeface="Consolas" panose="020B0609020204030204" pitchFamily="49" charset="0"/>
-              </a:rPr>
-              <a:t>struct Segment</a:t>
-            </a:r>
-          </a:p>
-          <a:p>
-            <a:r>
-              <a:rPr lang="en-CA" dirty="0">
-                <a:latin typeface="Consolas" panose="020B0609020204030204" pitchFamily="49" charset="0"/>
-                <a:cs typeface="Consolas" panose="020B0609020204030204" pitchFamily="49" charset="0"/>
-              </a:rPr>
-              <a:t>{</a:t>
-            </a:r>
-          </a:p>
-          <a:p>
-            <a:r>
-              <a:rPr lang="en-CA" dirty="0">
-                <a:latin typeface="Consolas" panose="020B0609020204030204" pitchFamily="49" charset="0"/>
-                <a:cs typeface="Consolas" panose="020B0609020204030204" pitchFamily="49" charset="0"/>
-              </a:rPr>
-              <a:t>  private:</a:t>
-            </a:r>
-          </a:p>
-          <a:p>
-            <a:r>
-              <a:rPr lang="en-CA" dirty="0">
-                <a:latin typeface="Consolas" panose="020B0609020204030204" pitchFamily="49" charset="0"/>
-                <a:cs typeface="Consolas" panose="020B0609020204030204" pitchFamily="49" charset="0"/>
-              </a:rPr>
-              <a:t>    Point start;</a:t>
-            </a:r>
-          </a:p>
-          <a:p>
-            <a:r>
-              <a:rPr lang="en-CA" dirty="0">
-                <a:latin typeface="Consolas" panose="020B0609020204030204" pitchFamily="49" charset="0"/>
-                <a:cs typeface="Consolas" panose="020B0609020204030204" pitchFamily="49" charset="0"/>
-              </a:rPr>
-              <a:t>    Point end;</a:t>
-            </a:r>
-          </a:p>
-          <a:p>
-            <a:endParaRPr lang="en-CA" dirty="0">
-              <a:latin typeface="Consolas" panose="020B0609020204030204" pitchFamily="49" charset="0"/>
-              <a:cs typeface="Consolas" panose="020B0609020204030204" pitchFamily="49" charset="0"/>
-            </a:endParaRPr>
-          </a:p>
-          <a:p>
-            <a:r>
-              <a:rPr lang="en-CA" dirty="0">
-                <a:latin typeface="Consolas" panose="020B0609020204030204" pitchFamily="49" charset="0"/>
-                <a:cs typeface="Consolas" panose="020B0609020204030204" pitchFamily="49" charset="0"/>
-              </a:rPr>
-              <a:t>  public:</a:t>
-            </a:r>
-          </a:p>
-          <a:p>
-            <a:r>
-              <a:rPr lang="en-CA" dirty="0">
-                <a:latin typeface="Consolas" panose="020B0609020204030204" pitchFamily="49" charset="0"/>
-                <a:cs typeface="Consolas" panose="020B0609020204030204" pitchFamily="49" charset="0"/>
-              </a:rPr>
-              <a:t>    // ...</a:t>
-            </a:r>
-          </a:p>
-          <a:p>
-            <a:r>
-              <a:rPr lang="en-CA" dirty="0">
-                <a:latin typeface="Consolas" panose="020B0609020204030204" pitchFamily="49" charset="0"/>
-                <a:cs typeface="Consolas" panose="020B0609020204030204" pitchFamily="49" charset="0"/>
-              </a:rPr>
-              <a:t>    Segment(const Segment&amp; other) {</a:t>
-            </a:r>
-          </a:p>
-          <a:p>
-            <a:r>
-              <a:rPr lang="en-CA" dirty="0">
-                <a:latin typeface="Consolas" panose="020B0609020204030204" pitchFamily="49" charset="0"/>
-                <a:cs typeface="Consolas" panose="020B0609020204030204" pitchFamily="49" charset="0"/>
-              </a:rPr>
-              <a:t>      </a:t>
-            </a:r>
-            <a:r>
-              <a:rPr lang="en-CA" dirty="0" err="1">
-                <a:latin typeface="Consolas" panose="020B0609020204030204" pitchFamily="49" charset="0"/>
-                <a:cs typeface="Consolas" panose="020B0609020204030204" pitchFamily="49" charset="0"/>
-              </a:rPr>
-              <a:t>start.set_x</a:t>
-            </a:r>
-            <a:r>
-              <a:rPr lang="en-CA" dirty="0">
-                <a:latin typeface="Consolas" panose="020B0609020204030204" pitchFamily="49" charset="0"/>
-                <a:cs typeface="Consolas" panose="020B0609020204030204" pitchFamily="49" charset="0"/>
-              </a:rPr>
-              <a:t>(</a:t>
-            </a:r>
-            <a:r>
-              <a:rPr lang="en-CA" dirty="0" err="1">
-                <a:latin typeface="Consolas" panose="020B0609020204030204" pitchFamily="49" charset="0"/>
-                <a:cs typeface="Consolas" panose="020B0609020204030204" pitchFamily="49" charset="0"/>
-              </a:rPr>
-              <a:t>other.start.get_x</a:t>
-            </a:r>
-            <a:r>
-              <a:rPr lang="en-CA" dirty="0">
-                <a:latin typeface="Consolas" panose="020B0609020204030204" pitchFamily="49" charset="0"/>
-                <a:cs typeface="Consolas" panose="020B0609020204030204" pitchFamily="49" charset="0"/>
-              </a:rPr>
-              <a:t>());</a:t>
-            </a:r>
-          </a:p>
-          <a:p>
-            <a:r>
-              <a:rPr lang="en-CA" dirty="0">
-                <a:latin typeface="Consolas" panose="020B0609020204030204" pitchFamily="49" charset="0"/>
-                <a:cs typeface="Consolas" panose="020B0609020204030204" pitchFamily="49" charset="0"/>
-              </a:rPr>
-              <a:t>      </a:t>
-            </a:r>
-            <a:r>
-              <a:rPr lang="en-CA" dirty="0" err="1">
-                <a:latin typeface="Consolas" panose="020B0609020204030204" pitchFamily="49" charset="0"/>
-                <a:cs typeface="Consolas" panose="020B0609020204030204" pitchFamily="49" charset="0"/>
-              </a:rPr>
-              <a:t>start.set_y</a:t>
-            </a:r>
-            <a:r>
-              <a:rPr lang="en-CA" dirty="0">
-                <a:latin typeface="Consolas" panose="020B0609020204030204" pitchFamily="49" charset="0"/>
-                <a:cs typeface="Consolas" panose="020B0609020204030204" pitchFamily="49" charset="0"/>
-              </a:rPr>
-              <a:t>(</a:t>
-            </a:r>
-            <a:r>
-              <a:rPr lang="en-CA" dirty="0" err="1">
-                <a:latin typeface="Consolas" panose="020B0609020204030204" pitchFamily="49" charset="0"/>
-                <a:cs typeface="Consolas" panose="020B0609020204030204" pitchFamily="49" charset="0"/>
-              </a:rPr>
-              <a:t>other.start.get_y</a:t>
-            </a:r>
-            <a:r>
-              <a:rPr lang="en-CA" dirty="0">
-                <a:latin typeface="Consolas" panose="020B0609020204030204" pitchFamily="49" charset="0"/>
-                <a:cs typeface="Consolas" panose="020B0609020204030204" pitchFamily="49" charset="0"/>
-              </a:rPr>
-              <a:t>());</a:t>
-            </a:r>
-          </a:p>
-          <a:p>
-            <a:r>
-              <a:rPr lang="en-CA" dirty="0">
-                <a:latin typeface="Consolas" panose="020B0609020204030204" pitchFamily="49" charset="0"/>
-                <a:cs typeface="Consolas" panose="020B0609020204030204" pitchFamily="49" charset="0"/>
-              </a:rPr>
-              <a:t>      </a:t>
-            </a:r>
-            <a:r>
-              <a:rPr lang="en-CA" dirty="0" err="1">
-                <a:latin typeface="Consolas" panose="020B0609020204030204" pitchFamily="49" charset="0"/>
-                <a:cs typeface="Consolas" panose="020B0609020204030204" pitchFamily="49" charset="0"/>
-              </a:rPr>
-              <a:t>end.set_x</a:t>
-            </a:r>
-            <a:r>
-              <a:rPr lang="en-CA" dirty="0">
-                <a:latin typeface="Consolas" panose="020B0609020204030204" pitchFamily="49" charset="0"/>
-                <a:cs typeface="Consolas" panose="020B0609020204030204" pitchFamily="49" charset="0"/>
-              </a:rPr>
-              <a:t>(</a:t>
-            </a:r>
-            <a:r>
-              <a:rPr lang="en-CA" dirty="0" err="1">
-                <a:latin typeface="Consolas" panose="020B0609020204030204" pitchFamily="49" charset="0"/>
-                <a:cs typeface="Consolas" panose="020B0609020204030204" pitchFamily="49" charset="0"/>
-              </a:rPr>
-              <a:t>other.end.get_x</a:t>
-            </a:r>
-            <a:r>
-              <a:rPr lang="en-CA" dirty="0">
-                <a:latin typeface="Consolas" panose="020B0609020204030204" pitchFamily="49" charset="0"/>
-                <a:cs typeface="Consolas" panose="020B0609020204030204" pitchFamily="49" charset="0"/>
-              </a:rPr>
-              <a:t>());</a:t>
-            </a:r>
-          </a:p>
-          <a:p>
-            <a:r>
-              <a:rPr lang="en-CA" dirty="0">
-                <a:latin typeface="Consolas" panose="020B0609020204030204" pitchFamily="49" charset="0"/>
-                <a:cs typeface="Consolas" panose="020B0609020204030204" pitchFamily="49" charset="0"/>
-              </a:rPr>
-              <a:t>      </a:t>
-            </a:r>
-            <a:r>
-              <a:rPr lang="en-CA" dirty="0" err="1">
-                <a:latin typeface="Consolas" panose="020B0609020204030204" pitchFamily="49" charset="0"/>
-                <a:cs typeface="Consolas" panose="020B0609020204030204" pitchFamily="49" charset="0"/>
-              </a:rPr>
-              <a:t>end.set_y</a:t>
-            </a:r>
-            <a:r>
-              <a:rPr lang="en-CA" dirty="0">
-                <a:latin typeface="Consolas" panose="020B0609020204030204" pitchFamily="49" charset="0"/>
-                <a:cs typeface="Consolas" panose="020B0609020204030204" pitchFamily="49" charset="0"/>
-              </a:rPr>
-              <a:t>(</a:t>
-            </a:r>
-            <a:r>
-              <a:rPr lang="en-CA" dirty="0" err="1">
-                <a:latin typeface="Consolas" panose="020B0609020204030204" pitchFamily="49" charset="0"/>
-                <a:cs typeface="Consolas" panose="020B0609020204030204" pitchFamily="49" charset="0"/>
-              </a:rPr>
-              <a:t>other.end.get_y</a:t>
-            </a:r>
-            <a:r>
-              <a:rPr lang="en-CA" dirty="0">
-                <a:latin typeface="Consolas" panose="020B0609020204030204" pitchFamily="49" charset="0"/>
-                <a:cs typeface="Consolas" panose="020B0609020204030204" pitchFamily="49" charset="0"/>
-              </a:rPr>
-              <a:t>());</a:t>
-            </a:r>
-          </a:p>
-          <a:p>
-            <a:r>
-              <a:rPr lang="en-CA" dirty="0">
-                <a:latin typeface="Consolas" panose="020B0609020204030204" pitchFamily="49" charset="0"/>
-                <a:cs typeface="Consolas" panose="020B0609020204030204" pitchFamily="49" charset="0"/>
-              </a:rPr>
-              <a:t>    }</a:t>
-            </a:r>
-          </a:p>
-          <a:p>
-            <a:endParaRPr lang="en-CA" dirty="0">
-              <a:latin typeface="Consolas" panose="020B0609020204030204" pitchFamily="49" charset="0"/>
-              <a:cs typeface="Consolas" panose="020B0609020204030204" pitchFamily="49" charset="0"/>
-            </a:endParaRPr>
-          </a:p>
-          <a:p>
-            <a:r>
-              <a:rPr lang="en-CA" dirty="0">
-                <a:latin typeface="Consolas" panose="020B0609020204030204" pitchFamily="49" charset="0"/>
-                <a:cs typeface="Consolas" panose="020B0609020204030204" pitchFamily="49" charset="0"/>
-              </a:rPr>
-              <a:t>    // ...</a:t>
-            </a:r>
-          </a:p>
-          <a:p>
-            <a:r>
-              <a:rPr lang="en-CA" dirty="0">
-                <a:latin typeface="Consolas" panose="020B0609020204030204" pitchFamily="49" charset="0"/>
-                <a:cs typeface="Consolas" panose="020B0609020204030204" pitchFamily="49" charset="0"/>
-              </a:rPr>
-              <a:t>}; // struct Segment</a:t>
-            </a:r>
-          </a:p>
-          <a:p>
-            <a:br>
-              <a:rPr lang="en-CA" dirty="0">
-                <a:latin typeface="Consolas" panose="020B0609020204030204" pitchFamily="49" charset="0"/>
-                <a:cs typeface="Consolas" panose="020B0609020204030204" pitchFamily="49" charset="0"/>
-              </a:rPr>
-            </a:br>
-            <a:endParaRPr lang="en-CA" dirty="0">
-              <a:latin typeface="Consolas" panose="020B0609020204030204" pitchFamily="49" charset="0"/>
-              <a:cs typeface="Consolas" panose="020B0609020204030204" pitchFamily="49" charset="0"/>
-            </a:endParaRPr>
-          </a:p>
-        </p:txBody>
-      </p:sp>
-      <p:sp>
-        <p:nvSpPr>
-          <p:cNvPr id="5" name="TextBox 4">
-            <a:extLst>
-              <a:ext uri="{FF2B5EF4-FFF2-40B4-BE49-F238E27FC236}">
-                <a16:creationId xmlns:a16="http://schemas.microsoft.com/office/drawing/2014/main" id="{0CDE8031-B956-D248-72CC-5E6C69BF6192}"/>
-              </a:ext>
-            </a:extLst>
-          </p:cNvPr>
-          <p:cNvSpPr txBox="1"/>
-          <p:nvPr/>
-        </p:nvSpPr>
-        <p:spPr>
-          <a:xfrm>
-            <a:off x="2723851" y="3045504"/>
-            <a:ext cx="2191049" cy="369332"/>
-          </a:xfrm>
-          <a:prstGeom prst="rect">
-            <a:avLst/>
-          </a:prstGeom>
-          <a:solidFill>
-            <a:srgbClr val="FFFC00">
-              <a:alpha val="74902"/>
-            </a:srgbClr>
-          </a:solidFill>
-        </p:spPr>
-        <p:txBody>
-          <a:bodyPr wrap="square" rtlCol="0">
-            <a:spAutoFit/>
-          </a:bodyPr>
-          <a:lstStyle/>
-          <a:p>
-            <a:pPr algn="ctr"/>
-            <a:r>
-              <a:rPr lang="en-US" b="1" dirty="0"/>
-              <a:t>Copy constructor</a:t>
-            </a:r>
-          </a:p>
-        </p:txBody>
-      </p:sp>
-      <p:sp>
-        <p:nvSpPr>
-          <p:cNvPr id="7" name="TextBox 6">
-            <a:extLst>
-              <a:ext uri="{FF2B5EF4-FFF2-40B4-BE49-F238E27FC236}">
-                <a16:creationId xmlns:a16="http://schemas.microsoft.com/office/drawing/2014/main" id="{DB134A15-D74B-6ECC-0BE5-0C93B97F9ED2}"/>
-              </a:ext>
-            </a:extLst>
-          </p:cNvPr>
-          <p:cNvSpPr txBox="1"/>
-          <p:nvPr/>
-        </p:nvSpPr>
-        <p:spPr>
-          <a:xfrm>
-            <a:off x="6616592" y="3590165"/>
-            <a:ext cx="2329981" cy="1200329"/>
-          </a:xfrm>
-          <a:prstGeom prst="rect">
-            <a:avLst/>
-          </a:prstGeom>
-          <a:solidFill>
-            <a:srgbClr val="92D050">
-              <a:alpha val="74902"/>
-            </a:srgbClr>
-          </a:solidFill>
-        </p:spPr>
-        <p:txBody>
-          <a:bodyPr wrap="square" rtlCol="0">
-            <a:spAutoFit/>
-          </a:bodyPr>
-          <a:lstStyle/>
-          <a:p>
-            <a:pPr algn="ctr"/>
-            <a:r>
-              <a:rPr lang="en-US" b="1" dirty="0"/>
-              <a:t>Question</a:t>
-            </a:r>
-            <a:br>
-              <a:rPr lang="en-US" dirty="0"/>
-            </a:br>
-            <a:r>
-              <a:rPr lang="en-US" dirty="0"/>
-              <a:t>Would it make sense to add a custom </a:t>
-            </a:r>
-            <a:r>
-              <a:rPr lang="en-US" b="1" dirty="0"/>
-              <a:t>default constructor</a:t>
-            </a:r>
-            <a:r>
-              <a:rPr lang="en-US" dirty="0"/>
-              <a:t>?</a:t>
-            </a:r>
-          </a:p>
-        </p:txBody>
-      </p:sp>
-    </p:spTree>
-    <p:extLst>
-      <p:ext uri="{BB962C8B-B14F-4D97-AF65-F5344CB8AC3E}">
-        <p14:creationId xmlns:p14="http://schemas.microsoft.com/office/powerpoint/2010/main" val="1552982968"/>
-      </p:ext>
-    </p:extLst>
-  </p:cSld>
-  <p:clrMapOvr>
-    <a:masterClrMapping/>
-  </p:clrMapOvr>
-</p:sld>
-</file>
-
-<file path=ppt/slides/slide29.xml><?xml version="1.0" encoding="utf-8"?>
-<p:sld xmlns:a="http://schemas.openxmlformats.org/drawingml/2006/main" xmlns:r="http://schemas.openxmlformats.org/officeDocument/2006/relationships" xmlns:p="http://schemas.openxmlformats.org/presentationml/2006/main">
-  <p:cSld>
-    <p:spTree>
-      <p:nvGrpSpPr>
-        <p:cNvPr id="1" name="">
-          <a:extLst>
-            <a:ext uri="{FF2B5EF4-FFF2-40B4-BE49-F238E27FC236}">
-              <a16:creationId xmlns:a16="http://schemas.microsoft.com/office/drawing/2014/main" id="{97FE0C12-D844-3FD8-9828-9410367CC4CB}"/>
-            </a:ext>
-          </a:extLst>
-        </p:cNvPr>
-        <p:cNvGrpSpPr/>
-        <p:nvPr/>
-      </p:nvGrpSpPr>
-      <p:grpSpPr>
-        <a:xfrm>
-          <a:off x="0" y="0"/>
-          <a:ext cx="0" cy="0"/>
-          <a:chOff x="0" y="0"/>
-          <a:chExt cx="0" cy="0"/>
-        </a:xfrm>
-      </p:grpSpPr>
-      <p:sp>
-        <p:nvSpPr>
-          <p:cNvPr id="2" name="Title 1">
-            <a:extLst>
-              <a:ext uri="{FF2B5EF4-FFF2-40B4-BE49-F238E27FC236}">
-                <a16:creationId xmlns:a16="http://schemas.microsoft.com/office/drawing/2014/main" id="{496215B1-9869-37F0-E44E-87ED17BD9E8A}"/>
-              </a:ext>
-            </a:extLst>
-          </p:cNvPr>
-          <p:cNvSpPr>
-            <a:spLocks noGrp="1"/>
-          </p:cNvSpPr>
-          <p:nvPr>
-            <p:ph type="title"/>
-          </p:nvPr>
-        </p:nvSpPr>
-        <p:spPr>
-          <a:xfrm>
-            <a:off x="90055" y="10379"/>
-            <a:ext cx="4222173" cy="1325563"/>
-          </a:xfrm>
-        </p:spPr>
-        <p:txBody>
-          <a:bodyPr/>
-          <a:lstStyle/>
-          <a:p>
-            <a:r>
-              <a:rPr lang="en-US" dirty="0"/>
-              <a:t>Segment Objects</a:t>
-            </a:r>
-          </a:p>
-        </p:txBody>
-      </p:sp>
-      <p:sp>
-        <p:nvSpPr>
-          <p:cNvPr id="4" name="TextBox 3">
-            <a:extLst>
-              <a:ext uri="{FF2B5EF4-FFF2-40B4-BE49-F238E27FC236}">
-                <a16:creationId xmlns:a16="http://schemas.microsoft.com/office/drawing/2014/main" id="{E2742D83-5415-45E6-2091-90AEC3064238}"/>
-              </a:ext>
-            </a:extLst>
-          </p:cNvPr>
-          <p:cNvSpPr txBox="1"/>
-          <p:nvPr/>
-        </p:nvSpPr>
-        <p:spPr>
-          <a:xfrm>
-            <a:off x="911323" y="1314420"/>
-            <a:ext cx="5123518" cy="5355312"/>
-          </a:xfrm>
-          <a:prstGeom prst="rect">
-            <a:avLst/>
-          </a:prstGeom>
-          <a:noFill/>
-        </p:spPr>
-        <p:txBody>
-          <a:bodyPr wrap="none" rtlCol="0">
-            <a:spAutoFit/>
-          </a:bodyPr>
-          <a:lstStyle/>
-          <a:p>
-            <a:r>
-              <a:rPr lang="en-CA" dirty="0">
-                <a:latin typeface="Consolas" panose="020B0609020204030204" pitchFamily="49" charset="0"/>
-                <a:cs typeface="Consolas" panose="020B0609020204030204" pitchFamily="49" charset="0"/>
-              </a:rPr>
-              <a:t>struct Segment</a:t>
-            </a:r>
-          </a:p>
-          <a:p>
-            <a:r>
-              <a:rPr lang="en-CA" dirty="0">
-                <a:latin typeface="Consolas" panose="020B0609020204030204" pitchFamily="49" charset="0"/>
-                <a:cs typeface="Consolas" panose="020B0609020204030204" pitchFamily="49" charset="0"/>
-              </a:rPr>
-              <a:t>{</a:t>
-            </a:r>
-          </a:p>
-          <a:p>
-            <a:r>
-              <a:rPr lang="en-CA" dirty="0">
-                <a:latin typeface="Consolas" panose="020B0609020204030204" pitchFamily="49" charset="0"/>
-                <a:cs typeface="Consolas" panose="020B0609020204030204" pitchFamily="49" charset="0"/>
-              </a:rPr>
-              <a:t>  private:</a:t>
-            </a:r>
-          </a:p>
-          <a:p>
-            <a:r>
-              <a:rPr lang="en-CA" dirty="0">
-                <a:latin typeface="Consolas" panose="020B0609020204030204" pitchFamily="49" charset="0"/>
-                <a:cs typeface="Consolas" panose="020B0609020204030204" pitchFamily="49" charset="0"/>
-              </a:rPr>
-              <a:t>    Point start;</a:t>
-            </a:r>
-          </a:p>
-          <a:p>
-            <a:r>
-              <a:rPr lang="en-CA" dirty="0">
-                <a:latin typeface="Consolas" panose="020B0609020204030204" pitchFamily="49" charset="0"/>
-                <a:cs typeface="Consolas" panose="020B0609020204030204" pitchFamily="49" charset="0"/>
-              </a:rPr>
-              <a:t>    Point end;</a:t>
-            </a:r>
-          </a:p>
-          <a:p>
-            <a:endParaRPr lang="en-CA" dirty="0">
-              <a:latin typeface="Consolas" panose="020B0609020204030204" pitchFamily="49" charset="0"/>
-              <a:cs typeface="Consolas" panose="020B0609020204030204" pitchFamily="49" charset="0"/>
-            </a:endParaRPr>
-          </a:p>
-          <a:p>
-            <a:r>
-              <a:rPr lang="en-CA" dirty="0">
-                <a:latin typeface="Consolas" panose="020B0609020204030204" pitchFamily="49" charset="0"/>
-                <a:cs typeface="Consolas" panose="020B0609020204030204" pitchFamily="49" charset="0"/>
-              </a:rPr>
-              <a:t>  public:</a:t>
-            </a:r>
-          </a:p>
-          <a:p>
-            <a:r>
-              <a:rPr lang="en-CA" dirty="0">
-                <a:latin typeface="Consolas" panose="020B0609020204030204" pitchFamily="49" charset="0"/>
-                <a:cs typeface="Consolas" panose="020B0609020204030204" pitchFamily="49" charset="0"/>
-              </a:rPr>
-              <a:t>    // ...</a:t>
-            </a:r>
-          </a:p>
-          <a:p>
-            <a:r>
-              <a:rPr lang="en-CA" dirty="0">
-                <a:latin typeface="Consolas" panose="020B0609020204030204" pitchFamily="49" charset="0"/>
-                <a:cs typeface="Consolas" panose="020B0609020204030204" pitchFamily="49" charset="0"/>
-              </a:rPr>
-              <a:t>    Segment(const Segment&amp; other) {</a:t>
-            </a:r>
-          </a:p>
-          <a:p>
-            <a:r>
-              <a:rPr lang="en-CA" dirty="0">
-                <a:latin typeface="Consolas" panose="020B0609020204030204" pitchFamily="49" charset="0"/>
-                <a:cs typeface="Consolas" panose="020B0609020204030204" pitchFamily="49" charset="0"/>
-              </a:rPr>
-              <a:t>      </a:t>
-            </a:r>
-            <a:r>
-              <a:rPr lang="en-CA" dirty="0" err="1">
-                <a:latin typeface="Consolas" panose="020B0609020204030204" pitchFamily="49" charset="0"/>
-                <a:cs typeface="Consolas" panose="020B0609020204030204" pitchFamily="49" charset="0"/>
-              </a:rPr>
-              <a:t>start.set_x</a:t>
-            </a:r>
-            <a:r>
-              <a:rPr lang="en-CA" dirty="0">
-                <a:latin typeface="Consolas" panose="020B0609020204030204" pitchFamily="49" charset="0"/>
-                <a:cs typeface="Consolas" panose="020B0609020204030204" pitchFamily="49" charset="0"/>
-              </a:rPr>
-              <a:t>(</a:t>
-            </a:r>
-            <a:r>
-              <a:rPr lang="en-CA" dirty="0" err="1">
-                <a:latin typeface="Consolas" panose="020B0609020204030204" pitchFamily="49" charset="0"/>
-                <a:cs typeface="Consolas" panose="020B0609020204030204" pitchFamily="49" charset="0"/>
-              </a:rPr>
-              <a:t>other.start.get_x</a:t>
-            </a:r>
-            <a:r>
-              <a:rPr lang="en-CA" dirty="0">
-                <a:latin typeface="Consolas" panose="020B0609020204030204" pitchFamily="49" charset="0"/>
-                <a:cs typeface="Consolas" panose="020B0609020204030204" pitchFamily="49" charset="0"/>
-              </a:rPr>
-              <a:t>());</a:t>
-            </a:r>
-          </a:p>
-          <a:p>
-            <a:r>
-              <a:rPr lang="en-CA" dirty="0">
-                <a:latin typeface="Consolas" panose="020B0609020204030204" pitchFamily="49" charset="0"/>
-                <a:cs typeface="Consolas" panose="020B0609020204030204" pitchFamily="49" charset="0"/>
-              </a:rPr>
-              <a:t>      </a:t>
-            </a:r>
-            <a:r>
-              <a:rPr lang="en-CA" dirty="0" err="1">
-                <a:latin typeface="Consolas" panose="020B0609020204030204" pitchFamily="49" charset="0"/>
-                <a:cs typeface="Consolas" panose="020B0609020204030204" pitchFamily="49" charset="0"/>
-              </a:rPr>
-              <a:t>start.set_y</a:t>
-            </a:r>
-            <a:r>
-              <a:rPr lang="en-CA" dirty="0">
-                <a:latin typeface="Consolas" panose="020B0609020204030204" pitchFamily="49" charset="0"/>
-                <a:cs typeface="Consolas" panose="020B0609020204030204" pitchFamily="49" charset="0"/>
-              </a:rPr>
-              <a:t>(</a:t>
-            </a:r>
-            <a:r>
-              <a:rPr lang="en-CA" dirty="0" err="1">
-                <a:latin typeface="Consolas" panose="020B0609020204030204" pitchFamily="49" charset="0"/>
-                <a:cs typeface="Consolas" panose="020B0609020204030204" pitchFamily="49" charset="0"/>
-              </a:rPr>
-              <a:t>other.start.get_y</a:t>
-            </a:r>
-            <a:r>
-              <a:rPr lang="en-CA" dirty="0">
-                <a:latin typeface="Consolas" panose="020B0609020204030204" pitchFamily="49" charset="0"/>
-                <a:cs typeface="Consolas" panose="020B0609020204030204" pitchFamily="49" charset="0"/>
-              </a:rPr>
-              <a:t>());</a:t>
-            </a:r>
-          </a:p>
-          <a:p>
-            <a:r>
-              <a:rPr lang="en-CA" dirty="0">
-                <a:latin typeface="Consolas" panose="020B0609020204030204" pitchFamily="49" charset="0"/>
-                <a:cs typeface="Consolas" panose="020B0609020204030204" pitchFamily="49" charset="0"/>
-              </a:rPr>
-              <a:t>      </a:t>
-            </a:r>
-            <a:r>
-              <a:rPr lang="en-CA" dirty="0" err="1">
-                <a:latin typeface="Consolas" panose="020B0609020204030204" pitchFamily="49" charset="0"/>
-                <a:cs typeface="Consolas" panose="020B0609020204030204" pitchFamily="49" charset="0"/>
-              </a:rPr>
-              <a:t>end.set_x</a:t>
-            </a:r>
-            <a:r>
-              <a:rPr lang="en-CA" dirty="0">
-                <a:latin typeface="Consolas" panose="020B0609020204030204" pitchFamily="49" charset="0"/>
-                <a:cs typeface="Consolas" panose="020B0609020204030204" pitchFamily="49" charset="0"/>
-              </a:rPr>
-              <a:t>(</a:t>
-            </a:r>
-            <a:r>
-              <a:rPr lang="en-CA" dirty="0" err="1">
-                <a:latin typeface="Consolas" panose="020B0609020204030204" pitchFamily="49" charset="0"/>
-                <a:cs typeface="Consolas" panose="020B0609020204030204" pitchFamily="49" charset="0"/>
-              </a:rPr>
-              <a:t>other.end.get_x</a:t>
-            </a:r>
-            <a:r>
-              <a:rPr lang="en-CA" dirty="0">
-                <a:latin typeface="Consolas" panose="020B0609020204030204" pitchFamily="49" charset="0"/>
-                <a:cs typeface="Consolas" panose="020B0609020204030204" pitchFamily="49" charset="0"/>
-              </a:rPr>
-              <a:t>());</a:t>
-            </a:r>
-          </a:p>
-          <a:p>
-            <a:r>
-              <a:rPr lang="en-CA" dirty="0">
-                <a:latin typeface="Consolas" panose="020B0609020204030204" pitchFamily="49" charset="0"/>
-                <a:cs typeface="Consolas" panose="020B0609020204030204" pitchFamily="49" charset="0"/>
-              </a:rPr>
-              <a:t>      </a:t>
-            </a:r>
-            <a:r>
-              <a:rPr lang="en-CA" dirty="0" err="1">
-                <a:latin typeface="Consolas" panose="020B0609020204030204" pitchFamily="49" charset="0"/>
-                <a:cs typeface="Consolas" panose="020B0609020204030204" pitchFamily="49" charset="0"/>
-              </a:rPr>
-              <a:t>end.set_y</a:t>
-            </a:r>
-            <a:r>
-              <a:rPr lang="en-CA" dirty="0">
-                <a:latin typeface="Consolas" panose="020B0609020204030204" pitchFamily="49" charset="0"/>
-                <a:cs typeface="Consolas" panose="020B0609020204030204" pitchFamily="49" charset="0"/>
-              </a:rPr>
-              <a:t>(</a:t>
-            </a:r>
-            <a:r>
-              <a:rPr lang="en-CA" dirty="0" err="1">
-                <a:latin typeface="Consolas" panose="020B0609020204030204" pitchFamily="49" charset="0"/>
-                <a:cs typeface="Consolas" panose="020B0609020204030204" pitchFamily="49" charset="0"/>
-              </a:rPr>
-              <a:t>other.end.get_y</a:t>
-            </a:r>
-            <a:r>
-              <a:rPr lang="en-CA" dirty="0">
-                <a:latin typeface="Consolas" panose="020B0609020204030204" pitchFamily="49" charset="0"/>
-                <a:cs typeface="Consolas" panose="020B0609020204030204" pitchFamily="49" charset="0"/>
-              </a:rPr>
-              <a:t>());</a:t>
-            </a:r>
-          </a:p>
-          <a:p>
-            <a:r>
-              <a:rPr lang="en-CA" dirty="0">
-                <a:latin typeface="Consolas" panose="020B0609020204030204" pitchFamily="49" charset="0"/>
-                <a:cs typeface="Consolas" panose="020B0609020204030204" pitchFamily="49" charset="0"/>
-              </a:rPr>
-              <a:t>    }</a:t>
-            </a:r>
-          </a:p>
-          <a:p>
-            <a:endParaRPr lang="en-CA" dirty="0">
-              <a:latin typeface="Consolas" panose="020B0609020204030204" pitchFamily="49" charset="0"/>
-              <a:cs typeface="Consolas" panose="020B0609020204030204" pitchFamily="49" charset="0"/>
-            </a:endParaRPr>
-          </a:p>
-          <a:p>
-            <a:r>
-              <a:rPr lang="en-CA" dirty="0">
-                <a:latin typeface="Consolas" panose="020B0609020204030204" pitchFamily="49" charset="0"/>
-                <a:cs typeface="Consolas" panose="020B0609020204030204" pitchFamily="49" charset="0"/>
-              </a:rPr>
-              <a:t>    // ...</a:t>
-            </a:r>
-          </a:p>
-          <a:p>
-            <a:r>
-              <a:rPr lang="en-CA" dirty="0">
-                <a:latin typeface="Consolas" panose="020B0609020204030204" pitchFamily="49" charset="0"/>
-                <a:cs typeface="Consolas" panose="020B0609020204030204" pitchFamily="49" charset="0"/>
-              </a:rPr>
-              <a:t>}; // struct Segment</a:t>
-            </a:r>
-          </a:p>
-          <a:p>
-            <a:br>
-              <a:rPr lang="en-CA" dirty="0">
-                <a:latin typeface="Consolas" panose="020B0609020204030204" pitchFamily="49" charset="0"/>
-                <a:cs typeface="Consolas" panose="020B0609020204030204" pitchFamily="49" charset="0"/>
-              </a:rPr>
-            </a:br>
-            <a:endParaRPr lang="en-CA" dirty="0">
-              <a:latin typeface="Consolas" panose="020B0609020204030204" pitchFamily="49" charset="0"/>
-              <a:cs typeface="Consolas" panose="020B0609020204030204" pitchFamily="49" charset="0"/>
-            </a:endParaRPr>
-          </a:p>
-        </p:txBody>
-      </p:sp>
-      <p:sp>
-        <p:nvSpPr>
-          <p:cNvPr id="5" name="TextBox 4">
-            <a:extLst>
-              <a:ext uri="{FF2B5EF4-FFF2-40B4-BE49-F238E27FC236}">
-                <a16:creationId xmlns:a16="http://schemas.microsoft.com/office/drawing/2014/main" id="{7C3E8851-8F42-D07C-644B-5CAACD222468}"/>
-              </a:ext>
-            </a:extLst>
-          </p:cNvPr>
-          <p:cNvSpPr txBox="1"/>
-          <p:nvPr/>
-        </p:nvSpPr>
-        <p:spPr>
-          <a:xfrm>
-            <a:off x="2723851" y="3045504"/>
-            <a:ext cx="2191049" cy="369332"/>
-          </a:xfrm>
-          <a:prstGeom prst="rect">
-            <a:avLst/>
-          </a:prstGeom>
-          <a:solidFill>
-            <a:srgbClr val="FFFC00">
-              <a:alpha val="74902"/>
-            </a:srgbClr>
-          </a:solidFill>
-        </p:spPr>
-        <p:txBody>
-          <a:bodyPr wrap="square" rtlCol="0">
-            <a:spAutoFit/>
-          </a:bodyPr>
-          <a:lstStyle/>
-          <a:p>
-            <a:pPr algn="ctr"/>
-            <a:r>
-              <a:rPr lang="en-US" b="1" dirty="0"/>
-              <a:t>Copy constructor</a:t>
-            </a:r>
-          </a:p>
-        </p:txBody>
-      </p:sp>
-      <p:sp>
-        <p:nvSpPr>
-          <p:cNvPr id="3" name="TextBox 2">
-            <a:extLst>
-              <a:ext uri="{FF2B5EF4-FFF2-40B4-BE49-F238E27FC236}">
-                <a16:creationId xmlns:a16="http://schemas.microsoft.com/office/drawing/2014/main" id="{105288A8-78EB-C0E7-067B-2B2C31CF8E64}"/>
-              </a:ext>
-            </a:extLst>
-          </p:cNvPr>
-          <p:cNvSpPr txBox="1"/>
-          <p:nvPr/>
-        </p:nvSpPr>
-        <p:spPr>
-          <a:xfrm>
-            <a:off x="6616592" y="5020647"/>
-            <a:ext cx="2329981" cy="1477328"/>
-          </a:xfrm>
-          <a:prstGeom prst="rect">
-            <a:avLst/>
-          </a:prstGeom>
-          <a:solidFill>
-            <a:srgbClr val="92D050">
-              <a:alpha val="74902"/>
-            </a:srgbClr>
-          </a:solidFill>
-        </p:spPr>
-        <p:txBody>
-          <a:bodyPr wrap="square" rtlCol="0">
-            <a:spAutoFit/>
-          </a:bodyPr>
-          <a:lstStyle/>
-          <a:p>
-            <a:pPr algn="ctr"/>
-            <a:r>
-              <a:rPr lang="en-US" b="1" dirty="0"/>
-              <a:t>Maybe not</a:t>
-            </a:r>
-            <a:r>
-              <a:rPr lang="en-US" dirty="0"/>
-              <a:t>: there doesn’t seem to be a good default line segment. Maybe both ends are (0, 0)?</a:t>
-            </a:r>
-            <a:r>
-              <a:rPr lang="en-US" b="1" dirty="0"/>
-              <a:t> </a:t>
-            </a:r>
-            <a:endParaRPr lang="en-US" dirty="0"/>
-          </a:p>
-        </p:txBody>
-      </p:sp>
-      <p:sp>
-        <p:nvSpPr>
-          <p:cNvPr id="9" name="TextBox 8">
-            <a:extLst>
-              <a:ext uri="{FF2B5EF4-FFF2-40B4-BE49-F238E27FC236}">
-                <a16:creationId xmlns:a16="http://schemas.microsoft.com/office/drawing/2014/main" id="{BECE3138-2686-B58E-B90D-722DDAC9AE75}"/>
-              </a:ext>
-            </a:extLst>
-          </p:cNvPr>
-          <p:cNvSpPr txBox="1"/>
-          <p:nvPr/>
-        </p:nvSpPr>
-        <p:spPr>
-          <a:xfrm>
-            <a:off x="6616592" y="3590165"/>
-            <a:ext cx="2329981" cy="1200329"/>
-          </a:xfrm>
-          <a:prstGeom prst="rect">
-            <a:avLst/>
-          </a:prstGeom>
-          <a:solidFill>
-            <a:srgbClr val="92D050">
-              <a:alpha val="74902"/>
-            </a:srgbClr>
-          </a:solidFill>
-        </p:spPr>
-        <p:txBody>
-          <a:bodyPr wrap="square" rtlCol="0">
-            <a:spAutoFit/>
-          </a:bodyPr>
-          <a:lstStyle/>
-          <a:p>
-            <a:pPr algn="ctr"/>
-            <a:r>
-              <a:rPr lang="en-US" b="1" dirty="0"/>
-              <a:t>Question</a:t>
-            </a:r>
-            <a:br>
-              <a:rPr lang="en-US" dirty="0"/>
-            </a:br>
-            <a:r>
-              <a:rPr lang="en-US" dirty="0"/>
-              <a:t>Would it make sense to add a custom </a:t>
-            </a:r>
-            <a:r>
-              <a:rPr lang="en-US" b="1" dirty="0"/>
-              <a:t>default constructor</a:t>
-            </a:r>
-            <a:r>
-              <a:rPr lang="en-US" dirty="0"/>
-              <a:t>?</a:t>
-            </a:r>
-          </a:p>
-        </p:txBody>
-      </p:sp>
-    </p:spTree>
-    <p:extLst>
-      <p:ext uri="{BB962C8B-B14F-4D97-AF65-F5344CB8AC3E}">
-        <p14:creationId xmlns:p14="http://schemas.microsoft.com/office/powerpoint/2010/main" val="1692707590"/>
       </p:ext>
     </p:extLst>
   </p:cSld>
@@ -15561,6 +16134,983 @@
         <p:cNvPr id="1" name="">
           <a:extLst>
             <a:ext uri="{FF2B5EF4-FFF2-40B4-BE49-F238E27FC236}">
+              <a16:creationId xmlns:a16="http://schemas.microsoft.com/office/drawing/2014/main" id="{2883ED0F-B1AD-0D37-43EA-080B5BB74BC9}"/>
+            </a:ext>
+          </a:extLst>
+        </p:cNvPr>
+        <p:cNvGrpSpPr/>
+        <p:nvPr/>
+      </p:nvGrpSpPr>
+      <p:grpSpPr>
+        <a:xfrm>
+          <a:off x="0" y="0"/>
+          <a:ext cx="0" cy="0"/>
+          <a:chOff x="0" y="0"/>
+          <a:chExt cx="0" cy="0"/>
+        </a:xfrm>
+      </p:grpSpPr>
+      <p:sp>
+        <p:nvSpPr>
+          <p:cNvPr id="2" name="Title 1">
+            <a:extLst>
+              <a:ext uri="{FF2B5EF4-FFF2-40B4-BE49-F238E27FC236}">
+                <a16:creationId xmlns:a16="http://schemas.microsoft.com/office/drawing/2014/main" id="{31B74518-F6C1-96C4-93E7-6E2E9A3472AE}"/>
+              </a:ext>
+            </a:extLst>
+          </p:cNvPr>
+          <p:cNvSpPr>
+            <a:spLocks noGrp="1"/>
+          </p:cNvSpPr>
+          <p:nvPr>
+            <p:ph type="title"/>
+          </p:nvPr>
+        </p:nvSpPr>
+        <p:spPr>
+          <a:xfrm>
+            <a:off x="90055" y="10379"/>
+            <a:ext cx="4222173" cy="1325563"/>
+          </a:xfrm>
+        </p:spPr>
+        <p:txBody>
+          <a:bodyPr/>
+          <a:lstStyle/>
+          <a:p>
+            <a:r>
+              <a:rPr lang="en-US" dirty="0"/>
+              <a:t>Segment Objects</a:t>
+            </a:r>
+          </a:p>
+        </p:txBody>
+      </p:sp>
+      <p:sp>
+        <p:nvSpPr>
+          <p:cNvPr id="4" name="TextBox 3">
+            <a:extLst>
+              <a:ext uri="{FF2B5EF4-FFF2-40B4-BE49-F238E27FC236}">
+                <a16:creationId xmlns:a16="http://schemas.microsoft.com/office/drawing/2014/main" id="{5C43963E-1D48-4223-C19B-507D4FADB6C8}"/>
+              </a:ext>
+            </a:extLst>
+          </p:cNvPr>
+          <p:cNvSpPr txBox="1"/>
+          <p:nvPr/>
+        </p:nvSpPr>
+        <p:spPr>
+          <a:xfrm>
+            <a:off x="911323" y="1314420"/>
+            <a:ext cx="5123518" cy="5355312"/>
+          </a:xfrm>
+          <a:prstGeom prst="rect">
+            <a:avLst/>
+          </a:prstGeom>
+          <a:noFill/>
+        </p:spPr>
+        <p:txBody>
+          <a:bodyPr wrap="none" rtlCol="0">
+            <a:spAutoFit/>
+          </a:bodyPr>
+          <a:lstStyle/>
+          <a:p>
+            <a:r>
+              <a:rPr lang="en-CA" dirty="0">
+                <a:latin typeface="Consolas" panose="020B0609020204030204" pitchFamily="49" charset="0"/>
+                <a:cs typeface="Consolas" panose="020B0609020204030204" pitchFamily="49" charset="0"/>
+              </a:rPr>
+              <a:t>struct Segment</a:t>
+            </a:r>
+          </a:p>
+          <a:p>
+            <a:r>
+              <a:rPr lang="en-CA" dirty="0">
+                <a:latin typeface="Consolas" panose="020B0609020204030204" pitchFamily="49" charset="0"/>
+                <a:cs typeface="Consolas" panose="020B0609020204030204" pitchFamily="49" charset="0"/>
+              </a:rPr>
+              <a:t>{</a:t>
+            </a:r>
+          </a:p>
+          <a:p>
+            <a:r>
+              <a:rPr lang="en-CA" dirty="0">
+                <a:latin typeface="Consolas" panose="020B0609020204030204" pitchFamily="49" charset="0"/>
+                <a:cs typeface="Consolas" panose="020B0609020204030204" pitchFamily="49" charset="0"/>
+              </a:rPr>
+              <a:t>  private:</a:t>
+            </a:r>
+          </a:p>
+          <a:p>
+            <a:r>
+              <a:rPr lang="en-CA" dirty="0">
+                <a:latin typeface="Consolas" panose="020B0609020204030204" pitchFamily="49" charset="0"/>
+                <a:cs typeface="Consolas" panose="020B0609020204030204" pitchFamily="49" charset="0"/>
+              </a:rPr>
+              <a:t>    Point start;</a:t>
+            </a:r>
+          </a:p>
+          <a:p>
+            <a:r>
+              <a:rPr lang="en-CA" dirty="0">
+                <a:latin typeface="Consolas" panose="020B0609020204030204" pitchFamily="49" charset="0"/>
+                <a:cs typeface="Consolas" panose="020B0609020204030204" pitchFamily="49" charset="0"/>
+              </a:rPr>
+              <a:t>    Point end;</a:t>
+            </a:r>
+          </a:p>
+          <a:p>
+            <a:endParaRPr lang="en-CA" dirty="0">
+              <a:latin typeface="Consolas" panose="020B0609020204030204" pitchFamily="49" charset="0"/>
+              <a:cs typeface="Consolas" panose="020B0609020204030204" pitchFamily="49" charset="0"/>
+            </a:endParaRPr>
+          </a:p>
+          <a:p>
+            <a:r>
+              <a:rPr lang="en-CA" dirty="0">
+                <a:latin typeface="Consolas" panose="020B0609020204030204" pitchFamily="49" charset="0"/>
+                <a:cs typeface="Consolas" panose="020B0609020204030204" pitchFamily="49" charset="0"/>
+              </a:rPr>
+              <a:t>  public:</a:t>
+            </a:r>
+          </a:p>
+          <a:p>
+            <a:r>
+              <a:rPr lang="en-CA" dirty="0">
+                <a:latin typeface="Consolas" panose="020B0609020204030204" pitchFamily="49" charset="0"/>
+                <a:cs typeface="Consolas" panose="020B0609020204030204" pitchFamily="49" charset="0"/>
+              </a:rPr>
+              <a:t>    // ...</a:t>
+            </a:r>
+          </a:p>
+          <a:p>
+            <a:r>
+              <a:rPr lang="en-CA" dirty="0">
+                <a:latin typeface="Consolas" panose="020B0609020204030204" pitchFamily="49" charset="0"/>
+                <a:cs typeface="Consolas" panose="020B0609020204030204" pitchFamily="49" charset="0"/>
+              </a:rPr>
+              <a:t>    Segment(const Segment&amp; other) {</a:t>
+            </a:r>
+          </a:p>
+          <a:p>
+            <a:r>
+              <a:rPr lang="en-CA" dirty="0">
+                <a:latin typeface="Consolas" panose="020B0609020204030204" pitchFamily="49" charset="0"/>
+                <a:cs typeface="Consolas" panose="020B0609020204030204" pitchFamily="49" charset="0"/>
+              </a:rPr>
+              <a:t>      </a:t>
+            </a:r>
+            <a:r>
+              <a:rPr lang="en-CA" dirty="0" err="1">
+                <a:latin typeface="Consolas" panose="020B0609020204030204" pitchFamily="49" charset="0"/>
+                <a:cs typeface="Consolas" panose="020B0609020204030204" pitchFamily="49" charset="0"/>
+              </a:rPr>
+              <a:t>start.set_x</a:t>
+            </a:r>
+            <a:r>
+              <a:rPr lang="en-CA" dirty="0">
+                <a:latin typeface="Consolas" panose="020B0609020204030204" pitchFamily="49" charset="0"/>
+                <a:cs typeface="Consolas" panose="020B0609020204030204" pitchFamily="49" charset="0"/>
+              </a:rPr>
+              <a:t>(</a:t>
+            </a:r>
+            <a:r>
+              <a:rPr lang="en-CA" dirty="0" err="1">
+                <a:latin typeface="Consolas" panose="020B0609020204030204" pitchFamily="49" charset="0"/>
+                <a:cs typeface="Consolas" panose="020B0609020204030204" pitchFamily="49" charset="0"/>
+              </a:rPr>
+              <a:t>other.start.get_x</a:t>
+            </a:r>
+            <a:r>
+              <a:rPr lang="en-CA" dirty="0">
+                <a:latin typeface="Consolas" panose="020B0609020204030204" pitchFamily="49" charset="0"/>
+                <a:cs typeface="Consolas" panose="020B0609020204030204" pitchFamily="49" charset="0"/>
+              </a:rPr>
+              <a:t>());</a:t>
+            </a:r>
+          </a:p>
+          <a:p>
+            <a:r>
+              <a:rPr lang="en-CA" dirty="0">
+                <a:latin typeface="Consolas" panose="020B0609020204030204" pitchFamily="49" charset="0"/>
+                <a:cs typeface="Consolas" panose="020B0609020204030204" pitchFamily="49" charset="0"/>
+              </a:rPr>
+              <a:t>      </a:t>
+            </a:r>
+            <a:r>
+              <a:rPr lang="en-CA" dirty="0" err="1">
+                <a:latin typeface="Consolas" panose="020B0609020204030204" pitchFamily="49" charset="0"/>
+                <a:cs typeface="Consolas" panose="020B0609020204030204" pitchFamily="49" charset="0"/>
+              </a:rPr>
+              <a:t>start.set_y</a:t>
+            </a:r>
+            <a:r>
+              <a:rPr lang="en-CA" dirty="0">
+                <a:latin typeface="Consolas" panose="020B0609020204030204" pitchFamily="49" charset="0"/>
+                <a:cs typeface="Consolas" panose="020B0609020204030204" pitchFamily="49" charset="0"/>
+              </a:rPr>
+              <a:t>(</a:t>
+            </a:r>
+            <a:r>
+              <a:rPr lang="en-CA" dirty="0" err="1">
+                <a:latin typeface="Consolas" panose="020B0609020204030204" pitchFamily="49" charset="0"/>
+                <a:cs typeface="Consolas" panose="020B0609020204030204" pitchFamily="49" charset="0"/>
+              </a:rPr>
+              <a:t>other.start.get_y</a:t>
+            </a:r>
+            <a:r>
+              <a:rPr lang="en-CA" dirty="0">
+                <a:latin typeface="Consolas" panose="020B0609020204030204" pitchFamily="49" charset="0"/>
+                <a:cs typeface="Consolas" panose="020B0609020204030204" pitchFamily="49" charset="0"/>
+              </a:rPr>
+              <a:t>());</a:t>
+            </a:r>
+          </a:p>
+          <a:p>
+            <a:r>
+              <a:rPr lang="en-CA" dirty="0">
+                <a:latin typeface="Consolas" panose="020B0609020204030204" pitchFamily="49" charset="0"/>
+                <a:cs typeface="Consolas" panose="020B0609020204030204" pitchFamily="49" charset="0"/>
+              </a:rPr>
+              <a:t>      </a:t>
+            </a:r>
+            <a:r>
+              <a:rPr lang="en-CA" dirty="0" err="1">
+                <a:latin typeface="Consolas" panose="020B0609020204030204" pitchFamily="49" charset="0"/>
+                <a:cs typeface="Consolas" panose="020B0609020204030204" pitchFamily="49" charset="0"/>
+              </a:rPr>
+              <a:t>end.set_x</a:t>
+            </a:r>
+            <a:r>
+              <a:rPr lang="en-CA" dirty="0">
+                <a:latin typeface="Consolas" panose="020B0609020204030204" pitchFamily="49" charset="0"/>
+                <a:cs typeface="Consolas" panose="020B0609020204030204" pitchFamily="49" charset="0"/>
+              </a:rPr>
+              <a:t>(</a:t>
+            </a:r>
+            <a:r>
+              <a:rPr lang="en-CA" dirty="0" err="1">
+                <a:latin typeface="Consolas" panose="020B0609020204030204" pitchFamily="49" charset="0"/>
+                <a:cs typeface="Consolas" panose="020B0609020204030204" pitchFamily="49" charset="0"/>
+              </a:rPr>
+              <a:t>other.end.get_x</a:t>
+            </a:r>
+            <a:r>
+              <a:rPr lang="en-CA" dirty="0">
+                <a:latin typeface="Consolas" panose="020B0609020204030204" pitchFamily="49" charset="0"/>
+                <a:cs typeface="Consolas" panose="020B0609020204030204" pitchFamily="49" charset="0"/>
+              </a:rPr>
+              <a:t>());</a:t>
+            </a:r>
+          </a:p>
+          <a:p>
+            <a:r>
+              <a:rPr lang="en-CA" dirty="0">
+                <a:latin typeface="Consolas" panose="020B0609020204030204" pitchFamily="49" charset="0"/>
+                <a:cs typeface="Consolas" panose="020B0609020204030204" pitchFamily="49" charset="0"/>
+              </a:rPr>
+              <a:t>      </a:t>
+            </a:r>
+            <a:r>
+              <a:rPr lang="en-CA" dirty="0" err="1">
+                <a:latin typeface="Consolas" panose="020B0609020204030204" pitchFamily="49" charset="0"/>
+                <a:cs typeface="Consolas" panose="020B0609020204030204" pitchFamily="49" charset="0"/>
+              </a:rPr>
+              <a:t>end.set_y</a:t>
+            </a:r>
+            <a:r>
+              <a:rPr lang="en-CA" dirty="0">
+                <a:latin typeface="Consolas" panose="020B0609020204030204" pitchFamily="49" charset="0"/>
+                <a:cs typeface="Consolas" panose="020B0609020204030204" pitchFamily="49" charset="0"/>
+              </a:rPr>
+              <a:t>(</a:t>
+            </a:r>
+            <a:r>
+              <a:rPr lang="en-CA" dirty="0" err="1">
+                <a:latin typeface="Consolas" panose="020B0609020204030204" pitchFamily="49" charset="0"/>
+                <a:cs typeface="Consolas" panose="020B0609020204030204" pitchFamily="49" charset="0"/>
+              </a:rPr>
+              <a:t>other.end.get_y</a:t>
+            </a:r>
+            <a:r>
+              <a:rPr lang="en-CA" dirty="0">
+                <a:latin typeface="Consolas" panose="020B0609020204030204" pitchFamily="49" charset="0"/>
+                <a:cs typeface="Consolas" panose="020B0609020204030204" pitchFamily="49" charset="0"/>
+              </a:rPr>
+              <a:t>());</a:t>
+            </a:r>
+          </a:p>
+          <a:p>
+            <a:r>
+              <a:rPr lang="en-CA" dirty="0">
+                <a:latin typeface="Consolas" panose="020B0609020204030204" pitchFamily="49" charset="0"/>
+                <a:cs typeface="Consolas" panose="020B0609020204030204" pitchFamily="49" charset="0"/>
+              </a:rPr>
+              <a:t>    }</a:t>
+            </a:r>
+          </a:p>
+          <a:p>
+            <a:endParaRPr lang="en-CA" dirty="0">
+              <a:latin typeface="Consolas" panose="020B0609020204030204" pitchFamily="49" charset="0"/>
+              <a:cs typeface="Consolas" panose="020B0609020204030204" pitchFamily="49" charset="0"/>
+            </a:endParaRPr>
+          </a:p>
+          <a:p>
+            <a:r>
+              <a:rPr lang="en-CA" dirty="0">
+                <a:latin typeface="Consolas" panose="020B0609020204030204" pitchFamily="49" charset="0"/>
+                <a:cs typeface="Consolas" panose="020B0609020204030204" pitchFamily="49" charset="0"/>
+              </a:rPr>
+              <a:t>    // ...</a:t>
+            </a:r>
+          </a:p>
+          <a:p>
+            <a:r>
+              <a:rPr lang="en-CA" dirty="0">
+                <a:latin typeface="Consolas" panose="020B0609020204030204" pitchFamily="49" charset="0"/>
+                <a:cs typeface="Consolas" panose="020B0609020204030204" pitchFamily="49" charset="0"/>
+              </a:rPr>
+              <a:t>}; // struct Segment</a:t>
+            </a:r>
+          </a:p>
+          <a:p>
+            <a:br>
+              <a:rPr lang="en-CA" dirty="0">
+                <a:latin typeface="Consolas" panose="020B0609020204030204" pitchFamily="49" charset="0"/>
+                <a:cs typeface="Consolas" panose="020B0609020204030204" pitchFamily="49" charset="0"/>
+              </a:rPr>
+            </a:br>
+            <a:endParaRPr lang="en-CA" dirty="0">
+              <a:latin typeface="Consolas" panose="020B0609020204030204" pitchFamily="49" charset="0"/>
+              <a:cs typeface="Consolas" panose="020B0609020204030204" pitchFamily="49" charset="0"/>
+            </a:endParaRPr>
+          </a:p>
+        </p:txBody>
+      </p:sp>
+      <p:sp>
+        <p:nvSpPr>
+          <p:cNvPr id="5" name="TextBox 4">
+            <a:extLst>
+              <a:ext uri="{FF2B5EF4-FFF2-40B4-BE49-F238E27FC236}">
+                <a16:creationId xmlns:a16="http://schemas.microsoft.com/office/drawing/2014/main" id="{0CDE8031-B956-D248-72CC-5E6C69BF6192}"/>
+              </a:ext>
+            </a:extLst>
+          </p:cNvPr>
+          <p:cNvSpPr txBox="1"/>
+          <p:nvPr/>
+        </p:nvSpPr>
+        <p:spPr>
+          <a:xfrm>
+            <a:off x="2723851" y="3045504"/>
+            <a:ext cx="2191049" cy="369332"/>
+          </a:xfrm>
+          <a:prstGeom prst="rect">
+            <a:avLst/>
+          </a:prstGeom>
+          <a:solidFill>
+            <a:srgbClr val="FFFC00">
+              <a:alpha val="74902"/>
+            </a:srgbClr>
+          </a:solidFill>
+        </p:spPr>
+        <p:txBody>
+          <a:bodyPr wrap="square" rtlCol="0">
+            <a:spAutoFit/>
+          </a:bodyPr>
+          <a:lstStyle/>
+          <a:p>
+            <a:pPr algn="ctr"/>
+            <a:r>
+              <a:rPr lang="en-US" b="1" dirty="0"/>
+              <a:t>Copy constructor</a:t>
+            </a:r>
+          </a:p>
+        </p:txBody>
+      </p:sp>
+      <p:sp>
+        <p:nvSpPr>
+          <p:cNvPr id="7" name="TextBox 6">
+            <a:extLst>
+              <a:ext uri="{FF2B5EF4-FFF2-40B4-BE49-F238E27FC236}">
+                <a16:creationId xmlns:a16="http://schemas.microsoft.com/office/drawing/2014/main" id="{DB134A15-D74B-6ECC-0BE5-0C93B97F9ED2}"/>
+              </a:ext>
+            </a:extLst>
+          </p:cNvPr>
+          <p:cNvSpPr txBox="1"/>
+          <p:nvPr/>
+        </p:nvSpPr>
+        <p:spPr>
+          <a:xfrm>
+            <a:off x="6616592" y="3590165"/>
+            <a:ext cx="2329981" cy="1200329"/>
+          </a:xfrm>
+          <a:prstGeom prst="rect">
+            <a:avLst/>
+          </a:prstGeom>
+          <a:solidFill>
+            <a:srgbClr val="92D050">
+              <a:alpha val="74902"/>
+            </a:srgbClr>
+          </a:solidFill>
+        </p:spPr>
+        <p:txBody>
+          <a:bodyPr wrap="square" rtlCol="0">
+            <a:spAutoFit/>
+          </a:bodyPr>
+          <a:lstStyle/>
+          <a:p>
+            <a:pPr algn="ctr"/>
+            <a:r>
+              <a:rPr lang="en-US" b="1" dirty="0"/>
+              <a:t>Question</a:t>
+            </a:r>
+            <a:br>
+              <a:rPr lang="en-US" dirty="0"/>
+            </a:br>
+            <a:r>
+              <a:rPr lang="en-US" dirty="0"/>
+              <a:t>Would it make sense to add a custom </a:t>
+            </a:r>
+            <a:r>
+              <a:rPr lang="en-US" b="1" dirty="0"/>
+              <a:t>default constructor</a:t>
+            </a:r>
+            <a:r>
+              <a:rPr lang="en-US" dirty="0"/>
+              <a:t>?</a:t>
+            </a:r>
+          </a:p>
+        </p:txBody>
+      </p:sp>
+    </p:spTree>
+    <p:extLst>
+      <p:ext uri="{BB962C8B-B14F-4D97-AF65-F5344CB8AC3E}">
+        <p14:creationId xmlns:p14="http://schemas.microsoft.com/office/powerpoint/2010/main" val="1552982968"/>
+      </p:ext>
+    </p:extLst>
+  </p:cSld>
+  <p:clrMapOvr>
+    <a:masterClrMapping/>
+  </p:clrMapOvr>
+</p:sld>
+</file>
+
+<file path=ppt/slides/slide31.xml><?xml version="1.0" encoding="utf-8"?>
+<p:sld xmlns:a="http://schemas.openxmlformats.org/drawingml/2006/main" xmlns:r="http://schemas.openxmlformats.org/officeDocument/2006/relationships" xmlns:p="http://schemas.openxmlformats.org/presentationml/2006/main">
+  <p:cSld>
+    <p:spTree>
+      <p:nvGrpSpPr>
+        <p:cNvPr id="1" name="">
+          <a:extLst>
+            <a:ext uri="{FF2B5EF4-FFF2-40B4-BE49-F238E27FC236}">
+              <a16:creationId xmlns:a16="http://schemas.microsoft.com/office/drawing/2014/main" id="{97FE0C12-D844-3FD8-9828-9410367CC4CB}"/>
+            </a:ext>
+          </a:extLst>
+        </p:cNvPr>
+        <p:cNvGrpSpPr/>
+        <p:nvPr/>
+      </p:nvGrpSpPr>
+      <p:grpSpPr>
+        <a:xfrm>
+          <a:off x="0" y="0"/>
+          <a:ext cx="0" cy="0"/>
+          <a:chOff x="0" y="0"/>
+          <a:chExt cx="0" cy="0"/>
+        </a:xfrm>
+      </p:grpSpPr>
+      <p:sp>
+        <p:nvSpPr>
+          <p:cNvPr id="2" name="Title 1">
+            <a:extLst>
+              <a:ext uri="{FF2B5EF4-FFF2-40B4-BE49-F238E27FC236}">
+                <a16:creationId xmlns:a16="http://schemas.microsoft.com/office/drawing/2014/main" id="{496215B1-9869-37F0-E44E-87ED17BD9E8A}"/>
+              </a:ext>
+            </a:extLst>
+          </p:cNvPr>
+          <p:cNvSpPr>
+            <a:spLocks noGrp="1"/>
+          </p:cNvSpPr>
+          <p:nvPr>
+            <p:ph type="title"/>
+          </p:nvPr>
+        </p:nvSpPr>
+        <p:spPr>
+          <a:xfrm>
+            <a:off x="90055" y="10379"/>
+            <a:ext cx="4222173" cy="1325563"/>
+          </a:xfrm>
+        </p:spPr>
+        <p:txBody>
+          <a:bodyPr/>
+          <a:lstStyle/>
+          <a:p>
+            <a:r>
+              <a:rPr lang="en-US" dirty="0"/>
+              <a:t>Segment Objects</a:t>
+            </a:r>
+          </a:p>
+        </p:txBody>
+      </p:sp>
+      <p:sp>
+        <p:nvSpPr>
+          <p:cNvPr id="4" name="TextBox 3">
+            <a:extLst>
+              <a:ext uri="{FF2B5EF4-FFF2-40B4-BE49-F238E27FC236}">
+                <a16:creationId xmlns:a16="http://schemas.microsoft.com/office/drawing/2014/main" id="{E2742D83-5415-45E6-2091-90AEC3064238}"/>
+              </a:ext>
+            </a:extLst>
+          </p:cNvPr>
+          <p:cNvSpPr txBox="1"/>
+          <p:nvPr/>
+        </p:nvSpPr>
+        <p:spPr>
+          <a:xfrm>
+            <a:off x="911323" y="1314420"/>
+            <a:ext cx="5123518" cy="5355312"/>
+          </a:xfrm>
+          <a:prstGeom prst="rect">
+            <a:avLst/>
+          </a:prstGeom>
+          <a:noFill/>
+        </p:spPr>
+        <p:txBody>
+          <a:bodyPr wrap="none" rtlCol="0">
+            <a:spAutoFit/>
+          </a:bodyPr>
+          <a:lstStyle/>
+          <a:p>
+            <a:r>
+              <a:rPr lang="en-CA" dirty="0">
+                <a:latin typeface="Consolas" panose="020B0609020204030204" pitchFamily="49" charset="0"/>
+                <a:cs typeface="Consolas" panose="020B0609020204030204" pitchFamily="49" charset="0"/>
+              </a:rPr>
+              <a:t>struct Segment</a:t>
+            </a:r>
+          </a:p>
+          <a:p>
+            <a:r>
+              <a:rPr lang="en-CA" dirty="0">
+                <a:latin typeface="Consolas" panose="020B0609020204030204" pitchFamily="49" charset="0"/>
+                <a:cs typeface="Consolas" panose="020B0609020204030204" pitchFamily="49" charset="0"/>
+              </a:rPr>
+              <a:t>{</a:t>
+            </a:r>
+          </a:p>
+          <a:p>
+            <a:r>
+              <a:rPr lang="en-CA" dirty="0">
+                <a:latin typeface="Consolas" panose="020B0609020204030204" pitchFamily="49" charset="0"/>
+                <a:cs typeface="Consolas" panose="020B0609020204030204" pitchFamily="49" charset="0"/>
+              </a:rPr>
+              <a:t>  private:</a:t>
+            </a:r>
+          </a:p>
+          <a:p>
+            <a:r>
+              <a:rPr lang="en-CA" dirty="0">
+                <a:latin typeface="Consolas" panose="020B0609020204030204" pitchFamily="49" charset="0"/>
+                <a:cs typeface="Consolas" panose="020B0609020204030204" pitchFamily="49" charset="0"/>
+              </a:rPr>
+              <a:t>    Point start;</a:t>
+            </a:r>
+          </a:p>
+          <a:p>
+            <a:r>
+              <a:rPr lang="en-CA" dirty="0">
+                <a:latin typeface="Consolas" panose="020B0609020204030204" pitchFamily="49" charset="0"/>
+                <a:cs typeface="Consolas" panose="020B0609020204030204" pitchFamily="49" charset="0"/>
+              </a:rPr>
+              <a:t>    Point end;</a:t>
+            </a:r>
+          </a:p>
+          <a:p>
+            <a:endParaRPr lang="en-CA" dirty="0">
+              <a:latin typeface="Consolas" panose="020B0609020204030204" pitchFamily="49" charset="0"/>
+              <a:cs typeface="Consolas" panose="020B0609020204030204" pitchFamily="49" charset="0"/>
+            </a:endParaRPr>
+          </a:p>
+          <a:p>
+            <a:r>
+              <a:rPr lang="en-CA" dirty="0">
+                <a:latin typeface="Consolas" panose="020B0609020204030204" pitchFamily="49" charset="0"/>
+                <a:cs typeface="Consolas" panose="020B0609020204030204" pitchFamily="49" charset="0"/>
+              </a:rPr>
+              <a:t>  public:</a:t>
+            </a:r>
+          </a:p>
+          <a:p>
+            <a:r>
+              <a:rPr lang="en-CA" dirty="0">
+                <a:latin typeface="Consolas" panose="020B0609020204030204" pitchFamily="49" charset="0"/>
+                <a:cs typeface="Consolas" panose="020B0609020204030204" pitchFamily="49" charset="0"/>
+              </a:rPr>
+              <a:t>    // ...</a:t>
+            </a:r>
+          </a:p>
+          <a:p>
+            <a:r>
+              <a:rPr lang="en-CA" dirty="0">
+                <a:latin typeface="Consolas" panose="020B0609020204030204" pitchFamily="49" charset="0"/>
+                <a:cs typeface="Consolas" panose="020B0609020204030204" pitchFamily="49" charset="0"/>
+              </a:rPr>
+              <a:t>    Segment(const Segment&amp; other) {</a:t>
+            </a:r>
+          </a:p>
+          <a:p>
+            <a:r>
+              <a:rPr lang="en-CA" dirty="0">
+                <a:latin typeface="Consolas" panose="020B0609020204030204" pitchFamily="49" charset="0"/>
+                <a:cs typeface="Consolas" panose="020B0609020204030204" pitchFamily="49" charset="0"/>
+              </a:rPr>
+              <a:t>      </a:t>
+            </a:r>
+            <a:r>
+              <a:rPr lang="en-CA" dirty="0" err="1">
+                <a:latin typeface="Consolas" panose="020B0609020204030204" pitchFamily="49" charset="0"/>
+                <a:cs typeface="Consolas" panose="020B0609020204030204" pitchFamily="49" charset="0"/>
+              </a:rPr>
+              <a:t>start.set_x</a:t>
+            </a:r>
+            <a:r>
+              <a:rPr lang="en-CA" dirty="0">
+                <a:latin typeface="Consolas" panose="020B0609020204030204" pitchFamily="49" charset="0"/>
+                <a:cs typeface="Consolas" panose="020B0609020204030204" pitchFamily="49" charset="0"/>
+              </a:rPr>
+              <a:t>(</a:t>
+            </a:r>
+            <a:r>
+              <a:rPr lang="en-CA" dirty="0" err="1">
+                <a:latin typeface="Consolas" panose="020B0609020204030204" pitchFamily="49" charset="0"/>
+                <a:cs typeface="Consolas" panose="020B0609020204030204" pitchFamily="49" charset="0"/>
+              </a:rPr>
+              <a:t>other.start.get_x</a:t>
+            </a:r>
+            <a:r>
+              <a:rPr lang="en-CA" dirty="0">
+                <a:latin typeface="Consolas" panose="020B0609020204030204" pitchFamily="49" charset="0"/>
+                <a:cs typeface="Consolas" panose="020B0609020204030204" pitchFamily="49" charset="0"/>
+              </a:rPr>
+              <a:t>());</a:t>
+            </a:r>
+          </a:p>
+          <a:p>
+            <a:r>
+              <a:rPr lang="en-CA" dirty="0">
+                <a:latin typeface="Consolas" panose="020B0609020204030204" pitchFamily="49" charset="0"/>
+                <a:cs typeface="Consolas" panose="020B0609020204030204" pitchFamily="49" charset="0"/>
+              </a:rPr>
+              <a:t>      </a:t>
+            </a:r>
+            <a:r>
+              <a:rPr lang="en-CA" dirty="0" err="1">
+                <a:latin typeface="Consolas" panose="020B0609020204030204" pitchFamily="49" charset="0"/>
+                <a:cs typeface="Consolas" panose="020B0609020204030204" pitchFamily="49" charset="0"/>
+              </a:rPr>
+              <a:t>start.set_y</a:t>
+            </a:r>
+            <a:r>
+              <a:rPr lang="en-CA" dirty="0">
+                <a:latin typeface="Consolas" panose="020B0609020204030204" pitchFamily="49" charset="0"/>
+                <a:cs typeface="Consolas" panose="020B0609020204030204" pitchFamily="49" charset="0"/>
+              </a:rPr>
+              <a:t>(</a:t>
+            </a:r>
+            <a:r>
+              <a:rPr lang="en-CA" dirty="0" err="1">
+                <a:latin typeface="Consolas" panose="020B0609020204030204" pitchFamily="49" charset="0"/>
+                <a:cs typeface="Consolas" panose="020B0609020204030204" pitchFamily="49" charset="0"/>
+              </a:rPr>
+              <a:t>other.start.get_y</a:t>
+            </a:r>
+            <a:r>
+              <a:rPr lang="en-CA" dirty="0">
+                <a:latin typeface="Consolas" panose="020B0609020204030204" pitchFamily="49" charset="0"/>
+                <a:cs typeface="Consolas" panose="020B0609020204030204" pitchFamily="49" charset="0"/>
+              </a:rPr>
+              <a:t>());</a:t>
+            </a:r>
+          </a:p>
+          <a:p>
+            <a:r>
+              <a:rPr lang="en-CA" dirty="0">
+                <a:latin typeface="Consolas" panose="020B0609020204030204" pitchFamily="49" charset="0"/>
+                <a:cs typeface="Consolas" panose="020B0609020204030204" pitchFamily="49" charset="0"/>
+              </a:rPr>
+              <a:t>      </a:t>
+            </a:r>
+            <a:r>
+              <a:rPr lang="en-CA" dirty="0" err="1">
+                <a:latin typeface="Consolas" panose="020B0609020204030204" pitchFamily="49" charset="0"/>
+                <a:cs typeface="Consolas" panose="020B0609020204030204" pitchFamily="49" charset="0"/>
+              </a:rPr>
+              <a:t>end.set_x</a:t>
+            </a:r>
+            <a:r>
+              <a:rPr lang="en-CA" dirty="0">
+                <a:latin typeface="Consolas" panose="020B0609020204030204" pitchFamily="49" charset="0"/>
+                <a:cs typeface="Consolas" panose="020B0609020204030204" pitchFamily="49" charset="0"/>
+              </a:rPr>
+              <a:t>(</a:t>
+            </a:r>
+            <a:r>
+              <a:rPr lang="en-CA" dirty="0" err="1">
+                <a:latin typeface="Consolas" panose="020B0609020204030204" pitchFamily="49" charset="0"/>
+                <a:cs typeface="Consolas" panose="020B0609020204030204" pitchFamily="49" charset="0"/>
+              </a:rPr>
+              <a:t>other.end.get_x</a:t>
+            </a:r>
+            <a:r>
+              <a:rPr lang="en-CA" dirty="0">
+                <a:latin typeface="Consolas" panose="020B0609020204030204" pitchFamily="49" charset="0"/>
+                <a:cs typeface="Consolas" panose="020B0609020204030204" pitchFamily="49" charset="0"/>
+              </a:rPr>
+              <a:t>());</a:t>
+            </a:r>
+          </a:p>
+          <a:p>
+            <a:r>
+              <a:rPr lang="en-CA" dirty="0">
+                <a:latin typeface="Consolas" panose="020B0609020204030204" pitchFamily="49" charset="0"/>
+                <a:cs typeface="Consolas" panose="020B0609020204030204" pitchFamily="49" charset="0"/>
+              </a:rPr>
+              <a:t>      </a:t>
+            </a:r>
+            <a:r>
+              <a:rPr lang="en-CA" dirty="0" err="1">
+                <a:latin typeface="Consolas" panose="020B0609020204030204" pitchFamily="49" charset="0"/>
+                <a:cs typeface="Consolas" panose="020B0609020204030204" pitchFamily="49" charset="0"/>
+              </a:rPr>
+              <a:t>end.set_y</a:t>
+            </a:r>
+            <a:r>
+              <a:rPr lang="en-CA" dirty="0">
+                <a:latin typeface="Consolas" panose="020B0609020204030204" pitchFamily="49" charset="0"/>
+                <a:cs typeface="Consolas" panose="020B0609020204030204" pitchFamily="49" charset="0"/>
+              </a:rPr>
+              <a:t>(</a:t>
+            </a:r>
+            <a:r>
+              <a:rPr lang="en-CA" dirty="0" err="1">
+                <a:latin typeface="Consolas" panose="020B0609020204030204" pitchFamily="49" charset="0"/>
+                <a:cs typeface="Consolas" panose="020B0609020204030204" pitchFamily="49" charset="0"/>
+              </a:rPr>
+              <a:t>other.end.get_y</a:t>
+            </a:r>
+            <a:r>
+              <a:rPr lang="en-CA" dirty="0">
+                <a:latin typeface="Consolas" panose="020B0609020204030204" pitchFamily="49" charset="0"/>
+                <a:cs typeface="Consolas" panose="020B0609020204030204" pitchFamily="49" charset="0"/>
+              </a:rPr>
+              <a:t>());</a:t>
+            </a:r>
+          </a:p>
+          <a:p>
+            <a:r>
+              <a:rPr lang="en-CA" dirty="0">
+                <a:latin typeface="Consolas" panose="020B0609020204030204" pitchFamily="49" charset="0"/>
+                <a:cs typeface="Consolas" panose="020B0609020204030204" pitchFamily="49" charset="0"/>
+              </a:rPr>
+              <a:t>    }</a:t>
+            </a:r>
+          </a:p>
+          <a:p>
+            <a:endParaRPr lang="en-CA" dirty="0">
+              <a:latin typeface="Consolas" panose="020B0609020204030204" pitchFamily="49" charset="0"/>
+              <a:cs typeface="Consolas" panose="020B0609020204030204" pitchFamily="49" charset="0"/>
+            </a:endParaRPr>
+          </a:p>
+          <a:p>
+            <a:r>
+              <a:rPr lang="en-CA" dirty="0">
+                <a:latin typeface="Consolas" panose="020B0609020204030204" pitchFamily="49" charset="0"/>
+                <a:cs typeface="Consolas" panose="020B0609020204030204" pitchFamily="49" charset="0"/>
+              </a:rPr>
+              <a:t>    // ...</a:t>
+            </a:r>
+          </a:p>
+          <a:p>
+            <a:r>
+              <a:rPr lang="en-CA" dirty="0">
+                <a:latin typeface="Consolas" panose="020B0609020204030204" pitchFamily="49" charset="0"/>
+                <a:cs typeface="Consolas" panose="020B0609020204030204" pitchFamily="49" charset="0"/>
+              </a:rPr>
+              <a:t>}; // struct Segment</a:t>
+            </a:r>
+          </a:p>
+          <a:p>
+            <a:br>
+              <a:rPr lang="en-CA" dirty="0">
+                <a:latin typeface="Consolas" panose="020B0609020204030204" pitchFamily="49" charset="0"/>
+                <a:cs typeface="Consolas" panose="020B0609020204030204" pitchFamily="49" charset="0"/>
+              </a:rPr>
+            </a:br>
+            <a:endParaRPr lang="en-CA" dirty="0">
+              <a:latin typeface="Consolas" panose="020B0609020204030204" pitchFamily="49" charset="0"/>
+              <a:cs typeface="Consolas" panose="020B0609020204030204" pitchFamily="49" charset="0"/>
+            </a:endParaRPr>
+          </a:p>
+        </p:txBody>
+      </p:sp>
+      <p:sp>
+        <p:nvSpPr>
+          <p:cNvPr id="5" name="TextBox 4">
+            <a:extLst>
+              <a:ext uri="{FF2B5EF4-FFF2-40B4-BE49-F238E27FC236}">
+                <a16:creationId xmlns:a16="http://schemas.microsoft.com/office/drawing/2014/main" id="{7C3E8851-8F42-D07C-644B-5CAACD222468}"/>
+              </a:ext>
+            </a:extLst>
+          </p:cNvPr>
+          <p:cNvSpPr txBox="1"/>
+          <p:nvPr/>
+        </p:nvSpPr>
+        <p:spPr>
+          <a:xfrm>
+            <a:off x="2723851" y="3045504"/>
+            <a:ext cx="2191049" cy="369332"/>
+          </a:xfrm>
+          <a:prstGeom prst="rect">
+            <a:avLst/>
+          </a:prstGeom>
+          <a:solidFill>
+            <a:srgbClr val="FFFC00">
+              <a:alpha val="74902"/>
+            </a:srgbClr>
+          </a:solidFill>
+        </p:spPr>
+        <p:txBody>
+          <a:bodyPr wrap="square" rtlCol="0">
+            <a:spAutoFit/>
+          </a:bodyPr>
+          <a:lstStyle/>
+          <a:p>
+            <a:pPr algn="ctr"/>
+            <a:r>
+              <a:rPr lang="en-US" b="1" dirty="0"/>
+              <a:t>Copy constructor</a:t>
+            </a:r>
+          </a:p>
+        </p:txBody>
+      </p:sp>
+      <p:sp>
+        <p:nvSpPr>
+          <p:cNvPr id="3" name="TextBox 2">
+            <a:extLst>
+              <a:ext uri="{FF2B5EF4-FFF2-40B4-BE49-F238E27FC236}">
+                <a16:creationId xmlns:a16="http://schemas.microsoft.com/office/drawing/2014/main" id="{105288A8-78EB-C0E7-067B-2B2C31CF8E64}"/>
+              </a:ext>
+            </a:extLst>
+          </p:cNvPr>
+          <p:cNvSpPr txBox="1"/>
+          <p:nvPr/>
+        </p:nvSpPr>
+        <p:spPr>
+          <a:xfrm>
+            <a:off x="6616592" y="5020647"/>
+            <a:ext cx="2329981" cy="1477328"/>
+          </a:xfrm>
+          <a:prstGeom prst="rect">
+            <a:avLst/>
+          </a:prstGeom>
+          <a:solidFill>
+            <a:srgbClr val="92D050">
+              <a:alpha val="74902"/>
+            </a:srgbClr>
+          </a:solidFill>
+        </p:spPr>
+        <p:txBody>
+          <a:bodyPr wrap="square" rtlCol="0">
+            <a:spAutoFit/>
+          </a:bodyPr>
+          <a:lstStyle/>
+          <a:p>
+            <a:pPr algn="ctr"/>
+            <a:r>
+              <a:rPr lang="en-US" b="1" dirty="0"/>
+              <a:t>Maybe not</a:t>
+            </a:r>
+            <a:r>
+              <a:rPr lang="en-US" dirty="0"/>
+              <a:t>: there doesn’t seem to be a good default line segment. Maybe both ends are (0, 0)?</a:t>
+            </a:r>
+            <a:r>
+              <a:rPr lang="en-US" b="1" dirty="0"/>
+              <a:t> </a:t>
+            </a:r>
+            <a:endParaRPr lang="en-US" dirty="0"/>
+          </a:p>
+        </p:txBody>
+      </p:sp>
+      <p:sp>
+        <p:nvSpPr>
+          <p:cNvPr id="9" name="TextBox 8">
+            <a:extLst>
+              <a:ext uri="{FF2B5EF4-FFF2-40B4-BE49-F238E27FC236}">
+                <a16:creationId xmlns:a16="http://schemas.microsoft.com/office/drawing/2014/main" id="{BECE3138-2686-B58E-B90D-722DDAC9AE75}"/>
+              </a:ext>
+            </a:extLst>
+          </p:cNvPr>
+          <p:cNvSpPr txBox="1"/>
+          <p:nvPr/>
+        </p:nvSpPr>
+        <p:spPr>
+          <a:xfrm>
+            <a:off x="6616592" y="3590165"/>
+            <a:ext cx="2329981" cy="1200329"/>
+          </a:xfrm>
+          <a:prstGeom prst="rect">
+            <a:avLst/>
+          </a:prstGeom>
+          <a:solidFill>
+            <a:srgbClr val="92D050">
+              <a:alpha val="74902"/>
+            </a:srgbClr>
+          </a:solidFill>
+        </p:spPr>
+        <p:txBody>
+          <a:bodyPr wrap="square" rtlCol="0">
+            <a:spAutoFit/>
+          </a:bodyPr>
+          <a:lstStyle/>
+          <a:p>
+            <a:pPr algn="ctr"/>
+            <a:r>
+              <a:rPr lang="en-US" b="1" dirty="0"/>
+              <a:t>Question</a:t>
+            </a:r>
+            <a:br>
+              <a:rPr lang="en-US" dirty="0"/>
+            </a:br>
+            <a:r>
+              <a:rPr lang="en-US" dirty="0"/>
+              <a:t>Would it make sense to add a custom </a:t>
+            </a:r>
+            <a:r>
+              <a:rPr lang="en-US" b="1" dirty="0"/>
+              <a:t>default constructor</a:t>
+            </a:r>
+            <a:r>
+              <a:rPr lang="en-US" dirty="0"/>
+              <a:t>?</a:t>
+            </a:r>
+          </a:p>
+        </p:txBody>
+      </p:sp>
+    </p:spTree>
+    <p:extLst>
+      <p:ext uri="{BB962C8B-B14F-4D97-AF65-F5344CB8AC3E}">
+        <p14:creationId xmlns:p14="http://schemas.microsoft.com/office/powerpoint/2010/main" val="1692707590"/>
+      </p:ext>
+    </p:extLst>
+  </p:cSld>
+  <p:clrMapOvr>
+    <a:masterClrMapping/>
+  </p:clrMapOvr>
+</p:sld>
+</file>
+
+<file path=ppt/slides/slide32.xml><?xml version="1.0" encoding="utf-8"?>
+<p:sld xmlns:a="http://schemas.openxmlformats.org/drawingml/2006/main" xmlns:r="http://schemas.openxmlformats.org/officeDocument/2006/relationships" xmlns:p="http://schemas.openxmlformats.org/presentationml/2006/main">
+  <p:cSld>
+    <p:spTree>
+      <p:nvGrpSpPr>
+        <p:cNvPr id="1" name="">
+          <a:extLst>
+            <a:ext uri="{FF2B5EF4-FFF2-40B4-BE49-F238E27FC236}">
               <a16:creationId xmlns:a16="http://schemas.microsoft.com/office/drawing/2014/main" id="{EC908FFF-59A0-06B2-4385-03302716056F}"/>
             </a:ext>
           </a:extLst>
@@ -16152,7 +17702,7 @@
 </p:sld>
 </file>
 
-<file path=ppt/slides/slide31.xml><?xml version="1.0" encoding="utf-8"?>
+<file path=ppt/slides/slide33.xml><?xml version="1.0" encoding="utf-8"?>
 <p:sld xmlns:a="http://schemas.openxmlformats.org/drawingml/2006/main" xmlns:r="http://schemas.openxmlformats.org/officeDocument/2006/relationships" xmlns:p="http://schemas.openxmlformats.org/presentationml/2006/main">
   <p:cSld>
     <p:spTree>
@@ -16823,7 +18373,7 @@
 </p:sld>
 </file>
 
-<file path=ppt/slides/slide32.xml><?xml version="1.0" encoding="utf-8"?>
+<file path=ppt/slides/slide34.xml><?xml version="1.0" encoding="utf-8"?>
 <p:sld xmlns:a="http://schemas.openxmlformats.org/drawingml/2006/main" xmlns:r="http://schemas.openxmlformats.org/officeDocument/2006/relationships" xmlns:p="http://schemas.openxmlformats.org/presentationml/2006/main">
   <p:cSld>
     <p:spTree>
@@ -17206,7 +18756,7 @@
 </p:sld>
 </file>
 
-<file path=ppt/slides/slide33.xml><?xml version="1.0" encoding="utf-8"?>
+<file path=ppt/slides/slide35.xml><?xml version="1.0" encoding="utf-8"?>
 <p:sld xmlns:a="http://schemas.openxmlformats.org/drawingml/2006/main" xmlns:r="http://schemas.openxmlformats.org/officeDocument/2006/relationships" xmlns:p="http://schemas.openxmlformats.org/presentationml/2006/main">
   <p:cSld>
     <p:spTree>
@@ -17585,7 +19135,7 @@
 </p:sld>
 </file>
 
-<file path=ppt/slides/slide34.xml><?xml version="1.0" encoding="utf-8"?>
+<file path=ppt/slides/slide36.xml><?xml version="1.0" encoding="utf-8"?>
 <p:sld xmlns:a="http://schemas.openxmlformats.org/drawingml/2006/main" xmlns:r="http://schemas.openxmlformats.org/officeDocument/2006/relationships" xmlns:p="http://schemas.openxmlformats.org/presentationml/2006/main">
   <p:cSld>
     <p:spTree>
@@ -17643,113 +19193,6 @@
       </p:sp>
       <p:sp>
         <p:nvSpPr>
-          <p:cNvPr id="4" name="TextBox 3">
-            <a:extLst>
-              <a:ext uri="{FF2B5EF4-FFF2-40B4-BE49-F238E27FC236}">
-                <a16:creationId xmlns:a16="http://schemas.microsoft.com/office/drawing/2014/main" id="{79137222-DF7A-6E01-74B1-1B8526FE1979}"/>
-              </a:ext>
-            </a:extLst>
-          </p:cNvPr>
-          <p:cNvSpPr txBox="1"/>
-          <p:nvPr/>
-        </p:nvSpPr>
-        <p:spPr>
-          <a:xfrm>
-            <a:off x="911323" y="1314420"/>
-            <a:ext cx="6769802" cy="2031325"/>
-          </a:xfrm>
-          <a:prstGeom prst="rect">
-            <a:avLst/>
-          </a:prstGeom>
-          <a:noFill/>
-        </p:spPr>
-        <p:txBody>
-          <a:bodyPr wrap="none" rtlCol="0">
-            <a:spAutoFit/>
-          </a:bodyPr>
-          <a:lstStyle/>
-          <a:p>
-            <a:r>
-              <a:rPr lang="en-CA" dirty="0">
-                <a:latin typeface="Consolas" panose="020B0609020204030204" pitchFamily="49" charset="0"/>
-                <a:cs typeface="Consolas" panose="020B0609020204030204" pitchFamily="49" charset="0"/>
-              </a:rPr>
-              <a:t>vector&lt;Segment&gt; segments = {Segment(1, 2, 3, 4), </a:t>
-            </a:r>
-          </a:p>
-          <a:p>
-            <a:r>
-              <a:rPr lang="en-CA" dirty="0">
-                <a:latin typeface="Consolas" panose="020B0609020204030204" pitchFamily="49" charset="0"/>
-                <a:cs typeface="Consolas" panose="020B0609020204030204" pitchFamily="49" charset="0"/>
-              </a:rPr>
-              <a:t>                            Segment(5, 6, 7, 8), </a:t>
-            </a:r>
-          </a:p>
-          <a:p>
-            <a:r>
-              <a:rPr lang="en-CA" dirty="0">
-                <a:latin typeface="Consolas" panose="020B0609020204030204" pitchFamily="49" charset="0"/>
-                <a:cs typeface="Consolas" panose="020B0609020204030204" pitchFamily="49" charset="0"/>
-              </a:rPr>
-              <a:t>                            Segment(9, 10, 11, 12)};</a:t>
-            </a:r>
-            <a:br>
-              <a:rPr lang="en-CA" dirty="0">
-                <a:latin typeface="Consolas" panose="020B0609020204030204" pitchFamily="49" charset="0"/>
-                <a:cs typeface="Consolas" panose="020B0609020204030204" pitchFamily="49" charset="0"/>
-              </a:rPr>
-            </a:br>
-            <a:endParaRPr lang="en-CA" dirty="0">
-              <a:latin typeface="Consolas" panose="020B0609020204030204" pitchFamily="49" charset="0"/>
-              <a:cs typeface="Consolas" panose="020B0609020204030204" pitchFamily="49" charset="0"/>
-            </a:endParaRPr>
-          </a:p>
-          <a:p>
-            <a:r>
-              <a:rPr lang="en-CA" dirty="0">
-                <a:latin typeface="Consolas" panose="020B0609020204030204" pitchFamily="49" charset="0"/>
-                <a:cs typeface="Consolas" panose="020B0609020204030204" pitchFamily="49" charset="0"/>
-              </a:rPr>
-              <a:t>for (const Segment&amp; s : segments) {</a:t>
-            </a:r>
-          </a:p>
-          <a:p>
-            <a:r>
-              <a:rPr lang="en-CA" dirty="0">
-                <a:latin typeface="Consolas" panose="020B0609020204030204" pitchFamily="49" charset="0"/>
-                <a:cs typeface="Consolas" panose="020B0609020204030204" pitchFamily="49" charset="0"/>
-              </a:rPr>
-              <a:t>  </a:t>
-            </a:r>
-            <a:r>
-              <a:rPr lang="en-CA" dirty="0" err="1">
-                <a:latin typeface="Consolas" panose="020B0609020204030204" pitchFamily="49" charset="0"/>
-                <a:cs typeface="Consolas" panose="020B0609020204030204" pitchFamily="49" charset="0"/>
-              </a:rPr>
-              <a:t>s.println</a:t>
-            </a:r>
-            <a:r>
-              <a:rPr lang="en-CA" dirty="0">
-                <a:latin typeface="Consolas" panose="020B0609020204030204" pitchFamily="49" charset="0"/>
-                <a:cs typeface="Consolas" panose="020B0609020204030204" pitchFamily="49" charset="0"/>
-              </a:rPr>
-              <a:t>();</a:t>
-            </a:r>
-          </a:p>
-          <a:p>
-            <a:r>
-              <a:rPr lang="en-CA" dirty="0">
-                <a:latin typeface="Consolas" panose="020B0609020204030204" pitchFamily="49" charset="0"/>
-                <a:cs typeface="Consolas" panose="020B0609020204030204" pitchFamily="49" charset="0"/>
-              </a:rPr>
-              <a:t>}</a:t>
-            </a:r>
-          </a:p>
-        </p:txBody>
-      </p:sp>
-      <p:sp>
-        <p:nvSpPr>
           <p:cNvPr id="5" name="TextBox 4">
             <a:extLst>
               <a:ext uri="{FF2B5EF4-FFF2-40B4-BE49-F238E27FC236}">
@@ -17810,6 +19253,113 @@
           </a:p>
         </p:txBody>
       </p:sp>
+      <p:sp>
+        <p:nvSpPr>
+          <p:cNvPr id="12" name="TextBox 11">
+            <a:extLst>
+              <a:ext uri="{FF2B5EF4-FFF2-40B4-BE49-F238E27FC236}">
+                <a16:creationId xmlns:a16="http://schemas.microsoft.com/office/drawing/2014/main" id="{B9B96161-CDCA-0258-60D2-8D728047D0AA}"/>
+              </a:ext>
+            </a:extLst>
+          </p:cNvPr>
+          <p:cNvSpPr txBox="1"/>
+          <p:nvPr/>
+        </p:nvSpPr>
+        <p:spPr>
+          <a:xfrm>
+            <a:off x="911323" y="1314420"/>
+            <a:ext cx="8162812" cy="2031325"/>
+          </a:xfrm>
+          <a:prstGeom prst="rect">
+            <a:avLst/>
+          </a:prstGeom>
+          <a:noFill/>
+        </p:spPr>
+        <p:txBody>
+          <a:bodyPr wrap="none" rtlCol="0">
+            <a:spAutoFit/>
+          </a:bodyPr>
+          <a:lstStyle/>
+          <a:p>
+            <a:r>
+              <a:rPr lang="en-CA" dirty="0">
+                <a:latin typeface="Consolas" panose="020B0609020204030204" pitchFamily="49" charset="0"/>
+                <a:cs typeface="Consolas" panose="020B0609020204030204" pitchFamily="49" charset="0"/>
+              </a:rPr>
+              <a:t>vector&lt;Segment&gt; segments = {Segment(1, 2, 3, 4), </a:t>
+            </a:r>
+          </a:p>
+          <a:p>
+            <a:r>
+              <a:rPr lang="en-CA" dirty="0">
+                <a:latin typeface="Consolas" panose="020B0609020204030204" pitchFamily="49" charset="0"/>
+                <a:cs typeface="Consolas" panose="020B0609020204030204" pitchFamily="49" charset="0"/>
+              </a:rPr>
+              <a:t>                            Segment(Point{5, 6}, Point{7, 8}), </a:t>
+            </a:r>
+          </a:p>
+          <a:p>
+            <a:r>
+              <a:rPr lang="en-CA" dirty="0">
+                <a:latin typeface="Consolas" panose="020B0609020204030204" pitchFamily="49" charset="0"/>
+                <a:cs typeface="Consolas" panose="020B0609020204030204" pitchFamily="49" charset="0"/>
+              </a:rPr>
+              <a:t>                            Segment(9, 10, 11, 12)};</a:t>
+            </a:r>
+            <a:br>
+              <a:rPr lang="en-CA" dirty="0">
+                <a:latin typeface="Consolas" panose="020B0609020204030204" pitchFamily="49" charset="0"/>
+                <a:cs typeface="Consolas" panose="020B0609020204030204" pitchFamily="49" charset="0"/>
+              </a:rPr>
+            </a:br>
+            <a:endParaRPr lang="en-CA" dirty="0">
+              <a:latin typeface="Consolas" panose="020B0609020204030204" pitchFamily="49" charset="0"/>
+              <a:cs typeface="Consolas" panose="020B0609020204030204" pitchFamily="49" charset="0"/>
+            </a:endParaRPr>
+          </a:p>
+          <a:p>
+            <a:r>
+              <a:rPr lang="en-CA" dirty="0">
+                <a:latin typeface="Consolas" panose="020B0609020204030204" pitchFamily="49" charset="0"/>
+                <a:cs typeface="Consolas" panose="020B0609020204030204" pitchFamily="49" charset="0"/>
+              </a:rPr>
+              <a:t>for (const Segment&amp; s : segments) {</a:t>
+            </a:r>
+          </a:p>
+          <a:p>
+            <a:r>
+              <a:rPr lang="en-CA" dirty="0">
+                <a:latin typeface="Consolas" panose="020B0609020204030204" pitchFamily="49" charset="0"/>
+                <a:cs typeface="Consolas" panose="020B0609020204030204" pitchFamily="49" charset="0"/>
+              </a:rPr>
+              <a:t>  </a:t>
+            </a:r>
+            <a:r>
+              <a:rPr lang="en-CA" dirty="0" err="1">
+                <a:latin typeface="Consolas" panose="020B0609020204030204" pitchFamily="49" charset="0"/>
+                <a:cs typeface="Consolas" panose="020B0609020204030204" pitchFamily="49" charset="0"/>
+              </a:rPr>
+              <a:t>s.println</a:t>
+            </a:r>
+            <a:r>
+              <a:rPr lang="en-CA" dirty="0">
+                <a:latin typeface="Consolas" panose="020B0609020204030204" pitchFamily="49" charset="0"/>
+                <a:cs typeface="Consolas" panose="020B0609020204030204" pitchFamily="49" charset="0"/>
+              </a:rPr>
+              <a:t>();</a:t>
+            </a:r>
+          </a:p>
+          <a:p>
+            <a:r>
+              <a:rPr lang="en-CA" dirty="0">
+                <a:latin typeface="Consolas" panose="020B0609020204030204" pitchFamily="49" charset="0"/>
+                <a:cs typeface="Consolas" panose="020B0609020204030204" pitchFamily="49" charset="0"/>
+              </a:rPr>
+              <a:t>}</a:t>
+            </a:r>
+          </a:p>
+        </p:txBody>
+      </p:sp>
     </p:spTree>
     <p:extLst>
       <p:ext uri="{BB962C8B-B14F-4D97-AF65-F5344CB8AC3E}">
@@ -17823,7 +19373,7 @@
 </p:sld>
 </file>
 
-<file path=ppt/slides/slide35.xml><?xml version="1.0" encoding="utf-8"?>
+<file path=ppt/slides/slide37.xml><?xml version="1.0" encoding="utf-8"?>
 <p:sld xmlns:a="http://schemas.openxmlformats.org/drawingml/2006/main" xmlns:r="http://schemas.openxmlformats.org/officeDocument/2006/relationships" xmlns:p="http://schemas.openxmlformats.org/presentationml/2006/main">
   <p:cSld>
     <p:spTree>
@@ -17894,7 +19444,7 @@
         <p:spPr>
           <a:xfrm>
             <a:off x="911323" y="1314420"/>
-            <a:ext cx="6769802" cy="2031325"/>
+            <a:ext cx="8162812" cy="2031325"/>
           </a:xfrm>
           <a:prstGeom prst="rect">
             <a:avLst/>
@@ -17921,7 +19471,7 @@
                 <a:latin typeface="Consolas" panose="020B0609020204030204" pitchFamily="49" charset="0"/>
                 <a:cs typeface="Consolas" panose="020B0609020204030204" pitchFamily="49" charset="0"/>
               </a:rPr>
-              <a:t>                            Segment(5, 6, 7, 8), </a:t>
+              <a:t>                            Segment(Point{5, 6}, Point{7, 8}), </a:t>
             </a:r>
           </a:p>
           <a:p>

--- a/notes/week5/week5.pptx
+++ b/notes/week5/week5.pptx
@@ -211,6 +211,7 @@
 <file path=ppt/revisionInfo.xml><?xml version="1.0" encoding="utf-8"?>
 <p1510:revInfo xmlns:a="http://schemas.openxmlformats.org/drawingml/2006/main" xmlns:r="http://schemas.openxmlformats.org/officeDocument/2006/relationships" xmlns:p1510="http://schemas.microsoft.com/office/powerpoint/2015/10/main">
   <p1510:revLst>
+    <p1510:client id="{33A2B773-C530-684B-BED7-41E44C36EABE}" v="1" dt="2026-02-04T21:13:19.500"/>
     <p1510:client id="{ED909D2C-6CEE-DF41-A2B1-994876E71ACE}" v="92" dt="2026-02-04T00:17:50.610"/>
   </p1510:revLst>
 </p1510:revInfo>
@@ -221,7 +222,7 @@
   <pc:docChgLst>
     <pc:chgData name="Toby Donaldson" userId="2e6e5431-bb17-4c41-9985-d39c50d83c73" providerId="ADAL" clId="{F31BC264-820E-54C4-A6D1-F92AF9CC222E}"/>
     <pc:docChg chg="undo redo custSel addSld delSld modSld sldOrd delSection modSection">
-      <pc:chgData name="Toby Donaldson" userId="2e6e5431-bb17-4c41-9985-d39c50d83c73" providerId="ADAL" clId="{F31BC264-820E-54C4-A6D1-F92AF9CC222E}" dt="2026-02-02T20:59:59.566" v="10077"/>
+      <pc:chgData name="Toby Donaldson" userId="2e6e5431-bb17-4c41-9985-d39c50d83c73" providerId="ADAL" clId="{F31BC264-820E-54C4-A6D1-F92AF9CC222E}" dt="2026-02-04T21:13:19.497" v="10078"/>
       <pc:docMkLst>
         <pc:docMk/>
       </pc:docMkLst>
@@ -577,6 +578,291 @@
             <ac:spMk id="4" creationId="{1A47DFCA-26CF-FE52-752D-3BCBFC7613DD}"/>
           </ac:spMkLst>
         </pc:spChg>
+      </pc:sldChg>
+      <pc:sldChg chg="addSp">
+        <pc:chgData name="Toby Donaldson" userId="2e6e5431-bb17-4c41-9985-d39c50d83c73" providerId="ADAL" clId="{F31BC264-820E-54C4-A6D1-F92AF9CC222E}" dt="2026-02-04T21:13:19.497" v="10078"/>
+        <pc:sldMkLst>
+          <pc:docMk/>
+          <pc:sldMk cId="1523822758" sldId="362"/>
+        </pc:sldMkLst>
+        <pc:inkChg chg="add">
+          <ac:chgData name="Toby Donaldson" userId="2e6e5431-bb17-4c41-9985-d39c50d83c73" providerId="ADAL" clId="{F31BC264-820E-54C4-A6D1-F92AF9CC222E}" dt="2026-02-04T21:13:19.497" v="10078"/>
+          <ac:inkMkLst>
+            <pc:docMk/>
+            <pc:sldMk cId="1523822758" sldId="362"/>
+            <ac:inkMk id="3" creationId="{12AADC8E-3DF0-6125-A515-2D5617E39751}"/>
+          </ac:inkMkLst>
+        </pc:inkChg>
+      </pc:sldChg>
+      <pc:sldChg chg="addSp">
+        <pc:chgData name="Toby Donaldson" userId="2e6e5431-bb17-4c41-9985-d39c50d83c73" providerId="ADAL" clId="{F31BC264-820E-54C4-A6D1-F92AF9CC222E}" dt="2026-02-04T21:13:19.497" v="10078"/>
+        <pc:sldMkLst>
+          <pc:docMk/>
+          <pc:sldMk cId="3940455267" sldId="363"/>
+        </pc:sldMkLst>
+        <pc:inkChg chg="add">
+          <ac:chgData name="Toby Donaldson" userId="2e6e5431-bb17-4c41-9985-d39c50d83c73" providerId="ADAL" clId="{F31BC264-820E-54C4-A6D1-F92AF9CC222E}" dt="2026-02-04T21:13:19.497" v="10078"/>
+          <ac:inkMkLst>
+            <pc:docMk/>
+            <pc:sldMk cId="3940455267" sldId="363"/>
+            <ac:inkMk id="5" creationId="{03DF54A1-2B8B-1B4C-84F7-284C95E49959}"/>
+          </ac:inkMkLst>
+        </pc:inkChg>
+      </pc:sldChg>
+      <pc:sldChg chg="addSp">
+        <pc:chgData name="Toby Donaldson" userId="2e6e5431-bb17-4c41-9985-d39c50d83c73" providerId="ADAL" clId="{F31BC264-820E-54C4-A6D1-F92AF9CC222E}" dt="2026-02-04T21:13:19.497" v="10078"/>
+        <pc:sldMkLst>
+          <pc:docMk/>
+          <pc:sldMk cId="737404355" sldId="364"/>
+        </pc:sldMkLst>
+        <pc:inkChg chg="add">
+          <ac:chgData name="Toby Donaldson" userId="2e6e5431-bb17-4c41-9985-d39c50d83c73" providerId="ADAL" clId="{F31BC264-820E-54C4-A6D1-F92AF9CC222E}" dt="2026-02-04T21:13:19.497" v="10078"/>
+          <ac:inkMkLst>
+            <pc:docMk/>
+            <pc:sldMk cId="737404355" sldId="364"/>
+            <ac:inkMk id="3" creationId="{0681E530-8710-BE1A-89B9-9288F11D287F}"/>
+          </ac:inkMkLst>
+        </pc:inkChg>
+      </pc:sldChg>
+      <pc:sldChg chg="addSp">
+        <pc:chgData name="Toby Donaldson" userId="2e6e5431-bb17-4c41-9985-d39c50d83c73" providerId="ADAL" clId="{F31BC264-820E-54C4-A6D1-F92AF9CC222E}" dt="2026-02-04T21:13:19.497" v="10078"/>
+        <pc:sldMkLst>
+          <pc:docMk/>
+          <pc:sldMk cId="4031457995" sldId="365"/>
+        </pc:sldMkLst>
+        <pc:inkChg chg="add">
+          <ac:chgData name="Toby Donaldson" userId="2e6e5431-bb17-4c41-9985-d39c50d83c73" providerId="ADAL" clId="{F31BC264-820E-54C4-A6D1-F92AF9CC222E}" dt="2026-02-04T21:13:19.497" v="10078"/>
+          <ac:inkMkLst>
+            <pc:docMk/>
+            <pc:sldMk cId="4031457995" sldId="365"/>
+            <ac:inkMk id="8" creationId="{BE710084-D6F4-3090-B3BB-C57BC20DE4B2}"/>
+          </ac:inkMkLst>
+        </pc:inkChg>
+      </pc:sldChg>
+      <pc:sldChg chg="addSp">
+        <pc:chgData name="Toby Donaldson" userId="2e6e5431-bb17-4c41-9985-d39c50d83c73" providerId="ADAL" clId="{F31BC264-820E-54C4-A6D1-F92AF9CC222E}" dt="2026-02-04T21:13:19.497" v="10078"/>
+        <pc:sldMkLst>
+          <pc:docMk/>
+          <pc:sldMk cId="1120003227" sldId="366"/>
+        </pc:sldMkLst>
+        <pc:inkChg chg="add">
+          <ac:chgData name="Toby Donaldson" userId="2e6e5431-bb17-4c41-9985-d39c50d83c73" providerId="ADAL" clId="{F31BC264-820E-54C4-A6D1-F92AF9CC222E}" dt="2026-02-04T21:13:19.497" v="10078"/>
+          <ac:inkMkLst>
+            <pc:docMk/>
+            <pc:sldMk cId="1120003227" sldId="366"/>
+            <ac:inkMk id="3" creationId="{6E29C5E8-2A21-AC3E-6FB3-66A65E266211}"/>
+          </ac:inkMkLst>
+        </pc:inkChg>
+      </pc:sldChg>
+      <pc:sldChg chg="addSp">
+        <pc:chgData name="Toby Donaldson" userId="2e6e5431-bb17-4c41-9985-d39c50d83c73" providerId="ADAL" clId="{F31BC264-820E-54C4-A6D1-F92AF9CC222E}" dt="2026-02-04T21:13:19.497" v="10078"/>
+        <pc:sldMkLst>
+          <pc:docMk/>
+          <pc:sldMk cId="3459343660" sldId="367"/>
+        </pc:sldMkLst>
+        <pc:inkChg chg="add">
+          <ac:chgData name="Toby Donaldson" userId="2e6e5431-bb17-4c41-9985-d39c50d83c73" providerId="ADAL" clId="{F31BC264-820E-54C4-A6D1-F92AF9CC222E}" dt="2026-02-04T21:13:19.497" v="10078"/>
+          <ac:inkMkLst>
+            <pc:docMk/>
+            <pc:sldMk cId="3459343660" sldId="367"/>
+            <ac:inkMk id="7" creationId="{45A3617A-F215-CDD3-AADF-606A20D23C4D}"/>
+          </ac:inkMkLst>
+        </pc:inkChg>
+      </pc:sldChg>
+      <pc:sldChg chg="addSp">
+        <pc:chgData name="Toby Donaldson" userId="2e6e5431-bb17-4c41-9985-d39c50d83c73" providerId="ADAL" clId="{F31BC264-820E-54C4-A6D1-F92AF9CC222E}" dt="2026-02-04T21:13:19.497" v="10078"/>
+        <pc:sldMkLst>
+          <pc:docMk/>
+          <pc:sldMk cId="2821027809" sldId="368"/>
+        </pc:sldMkLst>
+        <pc:inkChg chg="add">
+          <ac:chgData name="Toby Donaldson" userId="2e6e5431-bb17-4c41-9985-d39c50d83c73" providerId="ADAL" clId="{F31BC264-820E-54C4-A6D1-F92AF9CC222E}" dt="2026-02-04T21:13:19.497" v="10078"/>
+          <ac:inkMkLst>
+            <pc:docMk/>
+            <pc:sldMk cId="2821027809" sldId="368"/>
+            <ac:inkMk id="3" creationId="{D94A51CC-44BB-AA6D-35BB-8FDACD07F3D3}"/>
+          </ac:inkMkLst>
+        </pc:inkChg>
+      </pc:sldChg>
+      <pc:sldChg chg="addSp">
+        <pc:chgData name="Toby Donaldson" userId="2e6e5431-bb17-4c41-9985-d39c50d83c73" providerId="ADAL" clId="{F31BC264-820E-54C4-A6D1-F92AF9CC222E}" dt="2026-02-04T21:13:19.497" v="10078"/>
+        <pc:sldMkLst>
+          <pc:docMk/>
+          <pc:sldMk cId="2149757194" sldId="369"/>
+        </pc:sldMkLst>
+        <pc:inkChg chg="add">
+          <ac:chgData name="Toby Donaldson" userId="2e6e5431-bb17-4c41-9985-d39c50d83c73" providerId="ADAL" clId="{F31BC264-820E-54C4-A6D1-F92AF9CC222E}" dt="2026-02-04T21:13:19.497" v="10078"/>
+          <ac:inkMkLst>
+            <pc:docMk/>
+            <pc:sldMk cId="2149757194" sldId="369"/>
+            <ac:inkMk id="5" creationId="{504AF155-F49E-69CC-9C50-5955E8C51A18}"/>
+          </ac:inkMkLst>
+        </pc:inkChg>
+      </pc:sldChg>
+      <pc:sldChg chg="addSp">
+        <pc:chgData name="Toby Donaldson" userId="2e6e5431-bb17-4c41-9985-d39c50d83c73" providerId="ADAL" clId="{F31BC264-820E-54C4-A6D1-F92AF9CC222E}" dt="2026-02-04T21:13:19.497" v="10078"/>
+        <pc:sldMkLst>
+          <pc:docMk/>
+          <pc:sldMk cId="748760252" sldId="371"/>
+        </pc:sldMkLst>
+        <pc:inkChg chg="add">
+          <ac:chgData name="Toby Donaldson" userId="2e6e5431-bb17-4c41-9985-d39c50d83c73" providerId="ADAL" clId="{F31BC264-820E-54C4-A6D1-F92AF9CC222E}" dt="2026-02-04T21:13:19.497" v="10078"/>
+          <ac:inkMkLst>
+            <pc:docMk/>
+            <pc:sldMk cId="748760252" sldId="371"/>
+            <ac:inkMk id="4" creationId="{9566BD26-D264-8870-E85F-08AC902A0931}"/>
+          </ac:inkMkLst>
+        </pc:inkChg>
+      </pc:sldChg>
+      <pc:sldChg chg="addSp">
+        <pc:chgData name="Toby Donaldson" userId="2e6e5431-bb17-4c41-9985-d39c50d83c73" providerId="ADAL" clId="{F31BC264-820E-54C4-A6D1-F92AF9CC222E}" dt="2026-02-04T21:13:19.497" v="10078"/>
+        <pc:sldMkLst>
+          <pc:docMk/>
+          <pc:sldMk cId="865974016" sldId="372"/>
+        </pc:sldMkLst>
+        <pc:inkChg chg="add">
+          <ac:chgData name="Toby Donaldson" userId="2e6e5431-bb17-4c41-9985-d39c50d83c73" providerId="ADAL" clId="{F31BC264-820E-54C4-A6D1-F92AF9CC222E}" dt="2026-02-04T21:13:19.497" v="10078"/>
+          <ac:inkMkLst>
+            <pc:docMk/>
+            <pc:sldMk cId="865974016" sldId="372"/>
+            <ac:inkMk id="7" creationId="{598873EE-33C1-6D05-3D84-6EDED3CE2C18}"/>
+          </ac:inkMkLst>
+        </pc:inkChg>
+      </pc:sldChg>
+      <pc:sldChg chg="addSp">
+        <pc:chgData name="Toby Donaldson" userId="2e6e5431-bb17-4c41-9985-d39c50d83c73" providerId="ADAL" clId="{F31BC264-820E-54C4-A6D1-F92AF9CC222E}" dt="2026-02-04T21:13:19.497" v="10078"/>
+        <pc:sldMkLst>
+          <pc:docMk/>
+          <pc:sldMk cId="338792272" sldId="373"/>
+        </pc:sldMkLst>
+        <pc:inkChg chg="add">
+          <ac:chgData name="Toby Donaldson" userId="2e6e5431-bb17-4c41-9985-d39c50d83c73" providerId="ADAL" clId="{F31BC264-820E-54C4-A6D1-F92AF9CC222E}" dt="2026-02-04T21:13:19.497" v="10078"/>
+          <ac:inkMkLst>
+            <pc:docMk/>
+            <pc:sldMk cId="338792272" sldId="373"/>
+            <ac:inkMk id="3" creationId="{981A9EA2-C2B0-F1F4-3A13-3AAF6487CBDE}"/>
+          </ac:inkMkLst>
+        </pc:inkChg>
+      </pc:sldChg>
+      <pc:sldChg chg="addSp">
+        <pc:chgData name="Toby Donaldson" userId="2e6e5431-bb17-4c41-9985-d39c50d83c73" providerId="ADAL" clId="{F31BC264-820E-54C4-A6D1-F92AF9CC222E}" dt="2026-02-04T21:13:19.497" v="10078"/>
+        <pc:sldMkLst>
+          <pc:docMk/>
+          <pc:sldMk cId="1552982968" sldId="374"/>
+        </pc:sldMkLst>
+        <pc:inkChg chg="add">
+          <ac:chgData name="Toby Donaldson" userId="2e6e5431-bb17-4c41-9985-d39c50d83c73" providerId="ADAL" clId="{F31BC264-820E-54C4-A6D1-F92AF9CC222E}" dt="2026-02-04T21:13:19.497" v="10078"/>
+          <ac:inkMkLst>
+            <pc:docMk/>
+            <pc:sldMk cId="1552982968" sldId="374"/>
+            <ac:inkMk id="3" creationId="{B396B79E-FD57-9CEE-9579-1056674AF0D7}"/>
+          </ac:inkMkLst>
+        </pc:inkChg>
+      </pc:sldChg>
+      <pc:sldChg chg="addSp">
+        <pc:chgData name="Toby Donaldson" userId="2e6e5431-bb17-4c41-9985-d39c50d83c73" providerId="ADAL" clId="{F31BC264-820E-54C4-A6D1-F92AF9CC222E}" dt="2026-02-04T21:13:19.497" v="10078"/>
+        <pc:sldMkLst>
+          <pc:docMk/>
+          <pc:sldMk cId="519182463" sldId="376"/>
+        </pc:sldMkLst>
+        <pc:inkChg chg="add">
+          <ac:chgData name="Toby Donaldson" userId="2e6e5431-bb17-4c41-9985-d39c50d83c73" providerId="ADAL" clId="{F31BC264-820E-54C4-A6D1-F92AF9CC222E}" dt="2026-02-04T21:13:19.497" v="10078"/>
+          <ac:inkMkLst>
+            <pc:docMk/>
+            <pc:sldMk cId="519182463" sldId="376"/>
+            <ac:inkMk id="6" creationId="{1F331296-1F33-9BDA-3E63-CE927004A3DC}"/>
+          </ac:inkMkLst>
+        </pc:inkChg>
+      </pc:sldChg>
+      <pc:sldChg chg="addSp">
+        <pc:chgData name="Toby Donaldson" userId="2e6e5431-bb17-4c41-9985-d39c50d83c73" providerId="ADAL" clId="{F31BC264-820E-54C4-A6D1-F92AF9CC222E}" dt="2026-02-04T21:13:19.497" v="10078"/>
+        <pc:sldMkLst>
+          <pc:docMk/>
+          <pc:sldMk cId="2393883371" sldId="377"/>
+        </pc:sldMkLst>
+        <pc:inkChg chg="add">
+          <ac:chgData name="Toby Donaldson" userId="2e6e5431-bb17-4c41-9985-d39c50d83c73" providerId="ADAL" clId="{F31BC264-820E-54C4-A6D1-F92AF9CC222E}" dt="2026-02-04T21:13:19.497" v="10078"/>
+          <ac:inkMkLst>
+            <pc:docMk/>
+            <pc:sldMk cId="2393883371" sldId="377"/>
+            <ac:inkMk id="3" creationId="{4AA9D881-350B-7B0F-0229-4571BF9BD741}"/>
+          </ac:inkMkLst>
+        </pc:inkChg>
+      </pc:sldChg>
+      <pc:sldChg chg="addSp">
+        <pc:chgData name="Toby Donaldson" userId="2e6e5431-bb17-4c41-9985-d39c50d83c73" providerId="ADAL" clId="{F31BC264-820E-54C4-A6D1-F92AF9CC222E}" dt="2026-02-04T21:13:19.497" v="10078"/>
+        <pc:sldMkLst>
+          <pc:docMk/>
+          <pc:sldMk cId="4065328107" sldId="378"/>
+        </pc:sldMkLst>
+        <pc:inkChg chg="add">
+          <ac:chgData name="Toby Donaldson" userId="2e6e5431-bb17-4c41-9985-d39c50d83c73" providerId="ADAL" clId="{F31BC264-820E-54C4-A6D1-F92AF9CC222E}" dt="2026-02-04T21:13:19.497" v="10078"/>
+          <ac:inkMkLst>
+            <pc:docMk/>
+            <pc:sldMk cId="4065328107" sldId="378"/>
+            <ac:inkMk id="6" creationId="{52D74789-0183-317B-BAC4-D45888EF40A4}"/>
+          </ac:inkMkLst>
+        </pc:inkChg>
+      </pc:sldChg>
+      <pc:sldChg chg="addSp">
+        <pc:chgData name="Toby Donaldson" userId="2e6e5431-bb17-4c41-9985-d39c50d83c73" providerId="ADAL" clId="{F31BC264-820E-54C4-A6D1-F92AF9CC222E}" dt="2026-02-04T21:13:19.497" v="10078"/>
+        <pc:sldMkLst>
+          <pc:docMk/>
+          <pc:sldMk cId="3126398943" sldId="379"/>
+        </pc:sldMkLst>
+        <pc:inkChg chg="add">
+          <ac:chgData name="Toby Donaldson" userId="2e6e5431-bb17-4c41-9985-d39c50d83c73" providerId="ADAL" clId="{F31BC264-820E-54C4-A6D1-F92AF9CC222E}" dt="2026-02-04T21:13:19.497" v="10078"/>
+          <ac:inkMkLst>
+            <pc:docMk/>
+            <pc:sldMk cId="3126398943" sldId="379"/>
+            <ac:inkMk id="3" creationId="{B6119314-0208-E69A-B199-4C4E99ABBEEE}"/>
+          </ac:inkMkLst>
+        </pc:inkChg>
+      </pc:sldChg>
+      <pc:sldChg chg="addSp">
+        <pc:chgData name="Toby Donaldson" userId="2e6e5431-bb17-4c41-9985-d39c50d83c73" providerId="ADAL" clId="{F31BC264-820E-54C4-A6D1-F92AF9CC222E}" dt="2026-02-04T21:13:19.497" v="10078"/>
+        <pc:sldMkLst>
+          <pc:docMk/>
+          <pc:sldMk cId="792308464" sldId="380"/>
+        </pc:sldMkLst>
+        <pc:inkChg chg="add">
+          <ac:chgData name="Toby Donaldson" userId="2e6e5431-bb17-4c41-9985-d39c50d83c73" providerId="ADAL" clId="{F31BC264-820E-54C4-A6D1-F92AF9CC222E}" dt="2026-02-04T21:13:19.497" v="10078"/>
+          <ac:inkMkLst>
+            <pc:docMk/>
+            <pc:sldMk cId="792308464" sldId="380"/>
+            <ac:inkMk id="3" creationId="{C730225B-511E-EA42-AC41-F105762E23CE}"/>
+          </ac:inkMkLst>
+        </pc:inkChg>
+      </pc:sldChg>
+      <pc:sldChg chg="addSp">
+        <pc:chgData name="Toby Donaldson" userId="2e6e5431-bb17-4c41-9985-d39c50d83c73" providerId="ADAL" clId="{F31BC264-820E-54C4-A6D1-F92AF9CC222E}" dt="2026-02-04T21:13:19.497" v="10078"/>
+        <pc:sldMkLst>
+          <pc:docMk/>
+          <pc:sldMk cId="3350333952" sldId="381"/>
+        </pc:sldMkLst>
+        <pc:inkChg chg="add">
+          <ac:chgData name="Toby Donaldson" userId="2e6e5431-bb17-4c41-9985-d39c50d83c73" providerId="ADAL" clId="{F31BC264-820E-54C4-A6D1-F92AF9CC222E}" dt="2026-02-04T21:13:19.497" v="10078"/>
+          <ac:inkMkLst>
+            <pc:docMk/>
+            <pc:sldMk cId="3350333952" sldId="381"/>
+            <ac:inkMk id="3" creationId="{F54D6B3D-7E73-C37F-42FB-3AB7ED001DAB}"/>
+          </ac:inkMkLst>
+        </pc:inkChg>
+      </pc:sldChg>
+      <pc:sldChg chg="addSp">
+        <pc:chgData name="Toby Donaldson" userId="2e6e5431-bb17-4c41-9985-d39c50d83c73" providerId="ADAL" clId="{F31BC264-820E-54C4-A6D1-F92AF9CC222E}" dt="2026-02-04T21:13:19.497" v="10078"/>
+        <pc:sldMkLst>
+          <pc:docMk/>
+          <pc:sldMk cId="1739201111" sldId="382"/>
+        </pc:sldMkLst>
+        <pc:inkChg chg="add">
+          <ac:chgData name="Toby Donaldson" userId="2e6e5431-bb17-4c41-9985-d39c50d83c73" providerId="ADAL" clId="{F31BC264-820E-54C4-A6D1-F92AF9CC222E}" dt="2026-02-04T21:13:19.497" v="10078"/>
+          <ac:inkMkLst>
+            <pc:docMk/>
+            <pc:sldMk cId="1739201111" sldId="382"/>
+            <ac:inkMk id="7" creationId="{E4522100-2AD1-8182-706F-1588E5A6B392}"/>
+          </ac:inkMkLst>
+        </pc:inkChg>
       </pc:sldChg>
     </pc:docChg>
   </pc:docChgLst>
@@ -2090,6 +2376,334 @@
 </inkml:ink>
 </file>
 
+<file path=ppt/ink/ink10.xml><?xml version="1.0" encoding="utf-8"?>
+<inkml:ink xmlns:inkml="http://www.w3.org/2003/InkML">
+  <inkml:definitions>
+    <inkml:context xml:id="ctx0">
+      <inkml:inkSource xml:id="inkSrc0">
+        <inkml:traceFormat>
+          <inkml:channel name="X" type="integer" min="-2.14748E9" max="2.14748E9" units="cm"/>
+          <inkml:channel name="Y" type="integer" min="-2.14748E9" max="2.14748E9" units="cm"/>
+          <inkml:channel name="F" type="integer" max="32767" units="dev"/>
+        </inkml:traceFormat>
+        <inkml:channelProperties>
+          <inkml:channelProperty channel="X" name="resolution" value="1000" units="1/cm"/>
+          <inkml:channelProperty channel="Y" name="resolution" value="1000" units="1/cm"/>
+          <inkml:channelProperty channel="F" name="resolution" value="0" units="1/dev"/>
+        </inkml:channelProperties>
+      </inkml:inkSource>
+      <inkml:timestamp xml:id="ts0" timeString="2026-02-04T20:41:22.701"/>
+    </inkml:context>
+    <inkml:brush xml:id="br0">
+      <inkml:brushProperty name="width" value="0.05292" units="cm"/>
+      <inkml:brushProperty name="height" value="0.05292" units="cm"/>
+      <inkml:brushProperty name="color" value="#FF0000"/>
+    </inkml:brush>
+  </inkml:definitions>
+  <inkml:trace contextRef="#ctx0" brushRef="#br0">7691 12153 24575,'35'0'0,"-10"0"0,1 0 0,1 0 0,1 0 0,-1 0 0,1 0 0,3 0 0,-4 0 0,-5 0 0,17 0 0,-19 0 0,15 0 0,-15 0 0,-5 0 0,17 0 0,-9 0 0,2 0 0,1 0 0,9 0 0,-15 0 0,-4 0 0,-1 0 0,7 0 0,7 0 0,12 0 0,7 0 0,0 0 0,-10 0 0,0 0 0,1 0 0,-1 0 0,3 0 0,1 0 0,-2 0 0,-2 0 0,-1 0 0,-2 0 0,-5 0 0,13 0 0,-10-7 0,-1-1 0,3 4 0,-8-5 0,-3 2 0,-8 7 0</inkml:trace>
+  <inkml:trace contextRef="#ctx0" brushRef="#br0" timeOffset="2117">10901 12047 24575,'25'0'0,"1"0"0,1 0 0,1 0 0,7 0 0,0 0 0,-7 0 0,-1 0 0,-1 0 0,-1 0 0,10 0 0,1 0 0,-17 0 0,13 0 0,-29 0 0,29 0 0,-13 0 0,1 0 0,11 0 0,-6 1 0,1-2 0,10-6 0,3-1 0,-4 5 0,4 3 0,1-1 0,6-4 0,1-1 0,-1 1 0,-10 4 0,-1 2 0,-1-1 0,1 0 0,0 0 0,-3 0 0,4 0 0,-5 0 0,8 0 0,-3 0 0,-21 0 0,-15 0 0</inkml:trace>
+  <inkml:trace contextRef="#ctx0" brushRef="#br0" timeOffset="16567">6685 7338 24575,'20'0'0,"-5"0"0,1 0 0,-12 15 0,12-11 0,-16 12 0,0-16 0,0 0 0,0 0 0</inkml:trace>
+  <inkml:trace contextRef="#ctx0" brushRef="#br0" timeOffset="18168">6544 8079 24575,'20'0'0,"-5"0"0,-15 0 0,0 7 0,0-5 0,0 6 0,0-8 0</inkml:trace>
+  <inkml:trace contextRef="#ctx0" brushRef="#br0" timeOffset="20217">9737 12541 24575,'19'0'0,"13"0"0,-13 0 0,17 16 0,-17-12 0,5 27 0,-22-11 0,5-1 0,-7 13 0,0-28 0,0 11 0,0-15 0,0 0 0</inkml:trace>
+  <inkml:trace contextRef="#ctx0" brushRef="#br0" timeOffset="22219">13159 12753 24575,'19'0'0,"-3"0"0</inkml:trace>
+  <inkml:trace contextRef="#ctx0" brushRef="#br0" timeOffset="42498">6438 6826 24575,'35'0'0,"-2"0"0,1 0 0,-6 0 0,3 0 0,15 0 0,8 0 0,-5 0 0,-5 0 0,-2 0 0,-3 0 0,3 0 0,-5 0 0,-6 0 0,-4 0 0,11 0 0,5 0 0,-8 0 0,0 0 0,-15 0 0,11 0 0,-27 0 0,-4 16 0,-4-12 0,-11 12 0,-1-16 0,-4 0 0,-15 0 0,0 0 0,15 0 0,-3 0 0,5 0 0,6 15 0,-35-11 0,24 12 0,-9-7 0,-3-3 0,-4-2 0,4 12 0,3-16 0,44 0 0,-24 0 0,28 0 0</inkml:trace>
+  <inkml:trace contextRef="#ctx0" brushRef="#br0" timeOffset="45633">9666 12541 24575,'26'0'0,"-1"0"0,10 0 0,1 0 0,-11 0 0,1 0 0,7 0 0,-2 0 0,-3 0 0,-9 0 0,-3-15 0,-16 11 0,0-12 0,0 0 0,0 12 0,0-27 0,0 11 0,0-15 0,0 16 0,0-13 0,0 28 0,0-27 0,0 11 0,0 1 0,0-13 0,0 13 0,0-17 0,0 1 0,-16 0 0,12 15 0,-27-11 0,27 27 0,-12-12 0,9 1 0,-11 11 0,5-18 0,-1-3 0,-22 1 0,12-13 0,-3 0 0,0 23 0,-1 2 0,9-9 0,-1 3 0,-27 18 0,43 0 0,-11 0 0,-1 0 0,12 0 0,-12 16 0,1 3 0,11 1 0,-12 3 0,0-5 0,12 10 0,-11-9 0,15 12 0,-8-6 0,0 1 0,4 18 0,-4-3 0,0 0 0,8-2 0,0-6 0,0 1 0,0 5 0,0-13 0,0-1 0,0-6 0,16 13 0,-12-13 0,27 17 0,-11-17 0,0 13 0,-5-28 0,-15 11 0</inkml:trace>
+</inkml:ink>
+</file>
+
+<file path=ppt/ink/ink11.xml><?xml version="1.0" encoding="utf-8"?>
+<inkml:ink xmlns:inkml="http://www.w3.org/2003/InkML">
+  <inkml:definitions>
+    <inkml:context xml:id="ctx0">
+      <inkml:inkSource xml:id="inkSrc0">
+        <inkml:traceFormat>
+          <inkml:channel name="X" type="integer" min="-2.14748E9" max="2.14748E9" units="cm"/>
+          <inkml:channel name="Y" type="integer" min="-2.14748E9" max="2.14748E9" units="cm"/>
+          <inkml:channel name="F" type="integer" max="32767" units="dev"/>
+        </inkml:traceFormat>
+        <inkml:channelProperties>
+          <inkml:channelProperty channel="X" name="resolution" value="1000" units="1/cm"/>
+          <inkml:channelProperty channel="Y" name="resolution" value="1000" units="1/cm"/>
+          <inkml:channelProperty channel="F" name="resolution" value="0" units="1/dev"/>
+        </inkml:channelProperties>
+      </inkml:inkSource>
+      <inkml:timestamp xml:id="ts0" timeString="2026-02-04T20:42:45.334"/>
+    </inkml:context>
+    <inkml:brush xml:id="br0">
+      <inkml:brushProperty name="width" value="0.05292" units="cm"/>
+      <inkml:brushProperty name="height" value="0.05292" units="cm"/>
+      <inkml:brushProperty name="color" value="#FF0000"/>
+    </inkml:brush>
+  </inkml:definitions>
+  <inkml:trace contextRef="#ctx0" brushRef="#br0">9208 12577 24575,'25'0'0,"0"0"0,9 0 0,3 0 0,7 0 0,2 0 0,-11 0 0,1 0 0,-1 0 0,11 0 0,-2 0 0,1 0 0,-4 0 0,-13 0 0,-1 0 0,7 0 0,-1 0 0,14 0 0,-6 7 0,2 1 0,-9-6 0,-1 0 0,2 6 0,0 0 0,0-7 0,-3-2 0,7 1 0,-14 0 0,1 0 0,7 0 0,1 0 0,-5 0 0,1 0 0,6 0 0,-2 0 0,1 0 0,-3 0 0,-13 0 0,6 0 0,1 0 0,14 0 0,-7 0 0,0 0 0,6 0 0,-13 0 0,-1 0 0,3 0 0,5 0 0,-5 0 0,7 0 0,0 0 0,0 0 0,1 0 0,-1 0 0,0 0 0,-10 0 0,1 0 0,2 0 0,-1 0 0,12 0 0,8 0 0,-43 0 0,28 0 0,-29 0 0,13 0 0,0 0 0,-12 0 0,11 0 0,-15 15 0,0-11 0,0 12 0,0-16 0,-15 0 0,11 0 0,-12 16 0,16-12 0,0 27 0,0-27 0,0 27 0,0-27 0,0 12 0,0 0 0,0-12 0,0 11 0,0-15 0,0 0 0,0-15-820,0 11 1,0-12 0,0 16 0</inkml:trace>
+  <inkml:trace contextRef="#ctx0" brushRef="#br0" timeOffset="6483">11977 12612 24575,'25'0'0,"1"0"0,7 0 0,4 0 0,-3 0 0,1 0 0,2 0-667,4 0 0,1 0 0,1 0 667,3 0 0,2 0 0,-1 0 0,-7 0 0,-2 0 0,1 0 120,2 0 0,0 0 0,-3 0-120,4 0 0,-2 0 198,-4 0 1,-1 0-199,-9 0 0,-1 0 0,10 0 0,0 0 1015,1 0-1015,-5 0 0,4 0 0,-1 0 0,2 0 0,0 0 0,12 0 0,2 0 0,-5 0 0,2 0 0,-6 0 0,-10 0 0,-3 0 114,6 0 1,-1 0-115,2 0 0,-15 0 0,-20 0 0,-4 15 0,-12-11 0,16 12 0</inkml:trace>
+  <inkml:trace contextRef="#ctx0" brushRef="#br0" timeOffset="26952">9490 12471 24575,'25'0'0,"1"0"0,13 0 0,-13 0 0,-1 0 0,-6 0 0,-3 0 0,0 0 0,-12 0 0,27 0 0,-27 0 0,43 0 0,-8 0 0,2-8 0,9-4 0,0 0 0,-12 6 0,-1 2 0,1-2 0,0-1 0,2-5 0,-1-2 0,1 0 0,-2 3 0,9 3 0,0 2 0,-8 0 0,-10-2 0,-3 1 0,0 6 0,-1 2 0,10-1 0,-15 0 0,11 0 0,-27 0 0,28 0 0,-13 0 0,5-1 0,3 2 0,0 6 0,1 1 0,18-5 0,2-2 0,-2 7 0,0 0 0,4-7 0,-2-2 0,-11 0 0,-3 2 0,-8 7 0,-1 0 0,1-7 0,-1 1 0,14 14 0,-14-15 0,1-2 0,9 1 0,-15 16 0,-5-12 0,-15 11 0,0-15 0,0 0 0,0 0 0</inkml:trace>
+</inkml:ink>
+</file>
+
+<file path=ppt/ink/ink12.xml><?xml version="1.0" encoding="utf-8"?>
+<inkml:ink xmlns:inkml="http://www.w3.org/2003/InkML">
+  <inkml:definitions>
+    <inkml:context xml:id="ctx0">
+      <inkml:inkSource xml:id="inkSrc0">
+        <inkml:traceFormat>
+          <inkml:channel name="X" type="integer" min="-2.14748E9" max="2.14748E9" units="cm"/>
+          <inkml:channel name="Y" type="integer" min="-2.14748E9" max="2.14748E9" units="cm"/>
+          <inkml:channel name="F" type="integer" max="32767" units="dev"/>
+        </inkml:traceFormat>
+        <inkml:channelProperties>
+          <inkml:channelProperty channel="X" name="resolution" value="1000" units="1/cm"/>
+          <inkml:channelProperty channel="Y" name="resolution" value="1000" units="1/cm"/>
+          <inkml:channelProperty channel="F" name="resolution" value="0" units="1/dev"/>
+        </inkml:channelProperties>
+      </inkml:inkSource>
+      <inkml:timestamp xml:id="ts0" timeString="2026-02-04T20:44:07.817"/>
+    </inkml:context>
+    <inkml:brush xml:id="br0">
+      <inkml:brushProperty name="width" value="0.05292" units="cm"/>
+      <inkml:brushProperty name="height" value="0.05292" units="cm"/>
+      <inkml:brushProperty name="color" value="#FF0000"/>
+    </inkml:brush>
+  </inkml:definitions>
+  <inkml:trace contextRef="#ctx0" brushRef="#br0">19950 11748 24575,'35'0'0,"-3"0"0,2 0 0,3 0 0,1 0 0,3 0 0,0 0 0,3 0 0,-3 0 0,6 0 0,-12 0 0,-4 0 0,-11 0 0,-1 0 0,13 0 0,-8 0 0,3 0 0,2 0 0,1 0 0,6 0 0,-2 0 0,1 0 0,-19 0 0,0 15 0,-12-11 0,11 12 0,-15-16 0,32 0 0,7 0 0,8 0 0,-7 0 0,3 0 0,3 0-553,1 0 0,4 0 1,1 0-1,-2 0 553,-4 0 0,0 0 0,-1 0 0,0 0 0,2 0 0,0 0 0,-1 0 0,-1 0-100,4 0 1,-1 0-1,-4 0 100,3 0 0,-4 0 0,-7 0 0,-5 0 0,-12 0 0,13 0 0,-13 0 1087,5 0 1,3 0-1088,0 0 0,1 0 0,10 1 0,2-2 0,5-7 0,-1 0 167,-11 6 1,0 0-168,10-6 0,-3 1 0,-1 7 0,-14 0 0,1 0 0,9 0 0,-15 0 0,11 0 0,-27 0 0,27 0 0,-43 0 0,24 0 0,-27 0 0</inkml:trace>
+  <inkml:trace contextRef="#ctx0" brushRef="#br0" timeOffset="2217">19950 15028 24575,'40'0'0,"1"0"0,-1 0 0,-1 0 0,-1 0 0,3 0 0,-1 0 0,4 0 0,0 0 0,-2 0-886,6 0 1,-2 0 0,1 0 885,-4 0 0,1 0 0,0 0 0,-2 0 0,1 0 0,-2 0 0,0 0 156,1 0 0,-1 0 0,-2 0-156,7 0 0,-2 0 262,-8 0 0,-2 0-262,-3 0 0,-3 0 0,9 0 0,7 0 1353,-9 16-1353,-10-15 0,1 2 155,1 13 1,1-1-156,6-12 0,2-2 0,0 15 0,-1 0 0,1-14 0,-2-1 0,-6 8 0,-1-2 0,0-8 0,-3 2 0,-4 15 0,11-12 0,-27 11 0,12-15 0,31 0 0,-12 0 0,4 0 0,-3 0 0,1 0 0,0 0 0,13 0 0,-2 0 0,-4 0 0,-4 0 0,7 0 0,-20 0 0,-3 0 0,-4 0 0,11 0 0,1 0 0,3 0 0,-5 0 0,3 0 0,-1 0 0,4 0 0,-2 0 0,2 0 0,-2 0 0,-5 0 0,-3 0 0,9 0 0,-19 0 0,-16 0 0,0 0 0</inkml:trace>
+  <inkml:trace contextRef="#ctx0" brushRef="#br0" timeOffset="26517">9172 12506 24575,'0'20'0,"16"-5"0,-12-15 0,27 0 0,4 0 0,5 0 0,-5 0 0,-4 0 0,-27 0 0,12 0 0,0 0 0,3 0 0,16 16 0,1-12 0,-17 12 0,13-16 0,-28 0 0,11 0 0,1 0 0,4 0 0,15 0 0,-3 0 0,2 0 0,3 0 0,1 0 0,3 0 0,0 0 0,3 0 0,-3 0 0,6 0 0,-6 0 0,0 0 0,2 0 0,-9 0 0,-1 0 0,2 0 0,-15 0 0,11 0 0,-27 0 0,27 0 0,-27 0 0,27 0 0,-11 0 0,0 0 0,-5 0 0,1 0 0,-12 0 0,27 0 0,-27 0 0,28 15 0,-29-11 0,13 12 0,0-16 0,-12 0 0,27 0 0,-27 0 0,27 0 0,-27 0 0,12 0 0,-16 0 0</inkml:trace>
+  <inkml:trace contextRef="#ctx0" brushRef="#br0" timeOffset="29583">12224 12471 24575,'34'0'0,"0"0"0,0 0 0,10 0 0,3 0 0,3 0 0,-12 0 0,2 0 0,1 0 0,1 0 0,1 0-656,2 0 1,1 0-1,1 0 1,0 0 0,1 0 241,-6 0 1,1 0 0,0 0 0,0 0 0,-1 0 0,0 0 413,2 0 0,0 0 0,-1 0 0,-1 0 0,0 0 92,6 0 0,-1 1 1,-1-1-1,-3-1-92,6-4 0,-2-1 0,-3 1 583,6 3 0,-2 0-583,-4-6 0,-2 0 0,-7 8 0,0 0 0,9 0 0,-1 0 1458,-14 0 1,0 0-1459,7 0 0,-5 0 1265,-11 0-1265,8 0 0,6 0 0,-1 0 0,3 0 0,1 0 0,8 1 0,2-1 0,2-1-247,-6-2 0,2-1 1,0-1-1,-3 2 247,-1 1 0,-2 2 0,-2-2 0,-1-3 0,-1-2 0,-4 3 0,-2 4 0,-3 0 0,0 0 0,-1 0 0,10 0 0,-9 0 0,-1 0 0,14 0 0,-3 0 1026,-5 0-1026,-27 0 0,27 0 0,-11 0 0,4-1 0,3 2 0,7 7 0,3 0 0,3-6 0,2 0 0,-8 3 0,2 1 0,-2-2 0,8-3 0,-2-2 0,-4 1 0,-1 0 0,-8 0 0,-3 0 0,-5 0 0,-3 0 0,-1 0 0,-11 0 0,28 0 0,-28 0 0,11 16 0,-15-12 0,0 12 0,0-16 0,0 15 0,0-11 0,0 12 0,0-16 0,0 0 0,0 0 0</inkml:trace>
+  <inkml:trace contextRef="#ctx0" brushRef="#br0" timeOffset="68483">4992 12788 24575,'43'0'0,"0"0"0,5 0 0,2 0 0,-5 0 0,3 0 0,-2 0-527,-5 0 1,-1 0 0,1 0 526,5 0 0,1 0 0,-3 0 0,3 0 0,-4 0 256,-6 0 1,-3 0-257,1 0 65,-19 0 0,-16 0 0,0 0 1</inkml:trace>
+  <inkml:trace contextRef="#ctx0" brushRef="#br0" timeOffset="71617">5186 14852 24575,'19'0'0,"28"0"0,-13 0 0,3 0 0,-3 0 0,2 0 0,4 0-820,0 0 1,4 0 0,1 0 0,-2 0 761,-2 0 1,0 0 0,0 0 0,1 0 57,3 0 0,2 0 0,-1 0 0,0 0 0,-2 0 0,-1 0 0,1 0 0,0 0 0,1 0 0,1 0 0,1 0 0,-1 0 0,-1 0 0,0 0 0,0 0 0,0 0 0,0 0 0,0 0 0,0 0 0,-4 0 238,3 0 0,-2 0 1,-2 0-239,-5 0 0,0 0 0,-3 0 330,4 0 0,-2 0-330,-3 0 0,1 0 0,9 0 0,2 0 0,-3 0 0,3 0 0,-8 0 0,4 0 0,1 0 0,-1 0 0,6 0 0,-1 0 0,0 0 602,-1 0 0,0 0 0,-4 0-602,7 0 0,-9 0 325,-18 0-325,13 0 0,-13 0 0,19 1 0,6-2 0,-3-6 0,5-2 0,-5 5 0,8 1 0,4 0 0,1-1 0,-2-1-172,-5-3 0,0-1 1,0-1-1,1 1 0,2 2 172,-2 1 0,2 3 0,0 0 0,1 0 0,-2 0 0,-3-1 0,6-2 0,-3-1 0,-2 1 0,-1 1 0,4 5 0,-3 1 0,-3-2 0,2-6 0,-2-1 0,1 6 0,0 0 0,-1-6 0,-2 0 0,-6 7 0,-1 2 0,0-1 0,0 0 0,1 0 0,-1 0 0,-7 0 0,-1 0 429,7 2 1,-1-4-430,6-13 0,-13 13 0,-1 0 0,-6-14 0,13 16 0,-28 0 0,11 0 0,1 0 0,11 0 0,5 1 0,5-2 0,3-7 0,2 0 0,-7 6 0,0 2 0,1-2 0,0-3 0,-1-1 0,0 2 0,11 4 0,-2 0 0,-7-8 0,-3 0 0,-8 6 0,-1 0 0,10-14 0,-16 16 0,-3 0 0,-16 0 0,0 0 0,31 0 0,-5 0 0,3 0 0,4 4 0,3 2 0,1 0-233,7 0 0,1 1 1,-1 0 232,-5-1 0,-2 1 0,-1-1 0,15 3 0,-8-2 0,-7-7 0,-21 0 0,-15 16 0,0-12 0,0 11 0,0-15 0</inkml:trace>
+  <inkml:trace contextRef="#ctx0" brushRef="#br0" timeOffset="104050">9737 15628 24575,'49'0'0,"0"0"0,0 0 0,0 0 0,-7 0 0,1 0 0,0 0 0,1 0 0,1 0 0,-3 0 0,1 0 0,1 0 0,0 0 0,-1 0 0,0 0-656,6 0 1,0 0-1,-1 0 1,0 0 0,-3 0 491,2 0 0,-2 0 0,-1 0 0,-2 0 164,9 0 0,-2 0 0,-4 0 609,2 0 1,-3 0-610,0 0 0,-2 0 321,-13 0 1,-3 0-322,9 0 0,-19 0 0,-16 0 0</inkml:trace>
+  <inkml:trace contextRef="#ctx0" brushRef="#br0" timeOffset="119246">10530 12471 24575,'20'0'0,"-4"15"0,-16-11 0,0 12 0,0-16 0,0 16 0,0-12 0,0 11 0,0-15 0,0 16 0,-16-12 0,12 12 0,-12-16 0,16 0 0</inkml:trace>
+  <inkml:trace contextRef="#ctx0" brushRef="#br0" timeOffset="125716">14587 14305 24575,'26'0'0,"1"0"0,9 0 0,-11 8 0,1 0 0,13-4 0,1 10 0,2 3 0,-13-6 0,1-2 0,2-3 0,4 0 0,-2 1 0,3 9 0,0 0 0,-4-9 0,1-2 0,1 2 0,0 4 0,1 1 0,-1 1 0,2-1 0,0 0 0,-1-1 0,6-1 0,-2-1 0,-5 1 0,-5-4 0,-3-6 0,-1 0 0,-1 0 0,-1 0 0,23 0 0,-43 0 0,11 0 0,-15 16 0,16-12 0,-12 11 0,12-15 0,-16 0 0,15 0 0,-11 0 0,27 0 0,-11 16 0,4-13 0,3-2 0,0 6 0,1 2 0,-1-1 0,1-1 0,6-5 0,-2 0 0,8 14 0,-6-7 0,-2-2 0,-8-3 0,23 11 0,-28-15 0,1 0 0,11 0 0,-27 0 0,12 0 0,0 0 0,-28 0 0,8 0 0</inkml:trace>
+  <inkml:trace contextRef="#ctx0" brushRef="#br0" timeOffset="127434">15169 14993 24575,'36'0'0,"-4"0"0,2 0 0,-5 0 0,1 0 0,13 0 0,0 0 0,-14 0 0,-3 0 0,17 0 0,-25 0 0,6 0 0,-5 0 0,5 0 0,3 0 0,0 0 0,1 0 0,6-1 0,3 2 0,0 7 0,4 4 0,-2-1 0,2 1 0,0 0 0,-1 0 0,1 0 0,-4-1 0,-8-2 0,-3-2 0,1-8 0,-3 2 0,-5 15 0,13-13 0,-28 13 0,27-16 0,-11 16 0,15-12 0,0 11 0,-15-15 0,11 16 0,-27-12 0,12 27 0,-16-11 0,0 0 0,0-5 0,0-15 0</inkml:trace>
+  <inkml:trace contextRef="#ctx0" brushRef="#br0" timeOffset="222033">4427 12153 24575,'0'35'0,"0"1"0,0-4 0,0 2 0,0-5 0,0 1 0,0 2 0,0 3 0,0 0 0,0 0 0,0-1 0,0 3-605,0 8 1,0 3-1,0 0 605,0-11 0,0 1 0,0 0 0,0 2-409,0 6 1,0 2 0,0 0 0,0 0 408,0-1 0,0 0 0,0 0 0,0 0 0,0 2 0,0 1 0,0-1 0,0-1 0,0-3 0,0-1 0,0 0 0,0 0-384,0 1 1,0 1 0,0 0-1,0-3 384,0 2 0,0-2 0,0 0-124,0 1 1,0 0 0,0-2 123,0-8 0,0-1 0,0 1 0,0 11 0,0 1 0,0 1 0,0-3 0,0-1 0,0 3 0,0-5 0,0 2 0,0 0 0,0 2 0,0-3 0,0 1 0,0 1 0,0-2 0,0-1 0,0 0 0,0-2 0,0-1 0,0 3 272,0 7 0,0 3 1,0 0-1,0-5-272,0-2 0,0-4 0,0-3 0,0 2 0,0-3 986,0 0 0,0-6-986,0-10 0,0-4 0,0-16 0</inkml:trace>
+</inkml:ink>
+</file>
+
+<file path=ppt/ink/ink13.xml><?xml version="1.0" encoding="utf-8"?>
+<inkml:ink xmlns:inkml="http://www.w3.org/2003/InkML">
+  <inkml:definitions>
+    <inkml:context xml:id="ctx0">
+      <inkml:inkSource xml:id="inkSrc0">
+        <inkml:traceFormat>
+          <inkml:channel name="X" type="integer" min="-2.14748E9" max="2.14748E9" units="cm"/>
+          <inkml:channel name="Y" type="integer" min="-2.14748E9" max="2.14748E9" units="cm"/>
+          <inkml:channel name="F" type="integer" max="32767" units="dev"/>
+        </inkml:traceFormat>
+        <inkml:channelProperties>
+          <inkml:channelProperty channel="X" name="resolution" value="1000" units="1/cm"/>
+          <inkml:channelProperty channel="Y" name="resolution" value="1000" units="1/cm"/>
+          <inkml:channelProperty channel="F" name="resolution" value="0" units="1/dev"/>
+        </inkml:channelProperties>
+      </inkml:inkSource>
+      <inkml:timestamp xml:id="ts0" timeString="2026-02-04T20:48:37.750"/>
+    </inkml:context>
+    <inkml:brush xml:id="br0">
+      <inkml:brushProperty name="width" value="0.05292" units="cm"/>
+      <inkml:brushProperty name="height" value="0.05292" units="cm"/>
+      <inkml:brushProperty name="color" value="#FF0000"/>
+    </inkml:brush>
+  </inkml:definitions>
+  <inkml:trace contextRef="#ctx0" brushRef="#br0">8273 12435 24575,'25'0'0,"1"0"0,7 0 0,4 0 0,5 0 0,4 0 0,3 0-820,-4 0 1,1 0 0,2 0 0,1 0 373,-8 0 1,0 0-1,1 0 1,2 0 0,3 0-1,3 0 446,-8 0 0,3 0 0,3 0 0,1 0 0,2 0 0,1 0 0,-1 0 0,1 0 0,-1 0 0,-2 0 0,-2 0-365,2 0 1,-2 0 0,0 0 0,-2 0 0,1 0 0,0 0 0,1 0 0,1 0 0,2 0 231,-6 0 0,2 0 0,0 0 1,2 0-1,1 0 0,0 0 1,1 0-1,-1 0 0,-1 0 1,0 0-1,-1 0 0,-2 0 0,-2 0 133,6 0 0,-2 0 0,-1 0 0,0 0 0,-2 0 0,0 0 0,-1 0 0,0 0 0,1 0-58,7 0 0,0 0 0,-1 0 0,-1 0 0,1 0 0,-1 0 0,-1 0 58,-1 0 0,-2 0 0,1 0 0,-1 0 0,1 0 0,0 0 0,1 0 0,-1 0 0,1 0 0,1 0 0,0 0 0,0 0 0,-1 0 0,-1 0 0,-2 0 0,3 0 0,-3 0 0,-1 0 0,0 0 0,1 0 0,2 0 0,-1 0 0,3 0 0,1 0 0,-1 0 0,0 0 0,-1 0 0,-3 0-258,4 0 0,-3 0 1,-1 0-1,0 0 1,0 0 257,1 0 0,0 0 0,-1 0 0,1 0 0,0 0 0,1 0 0,0 0 0,1 0 0,-1 0 0,0 0 0,-1 0 0,-1 0 0,0 0 0,0 0 0,-1 0 161,6 1 1,0 0 0,-1-1-1,0-2-161,-5-1 0,0-1 0,-1-1 0,-2 2 1092,4 1 0,-3 2 0,0-2-847,-6-3 0,-1-1 0,-2 1-245,12 4 0,-1 2 0,1-1 0,2 0 0,-7 0 0,2 0 0,0 0 0,1 0 0,1 0 0,6 0 0,-8 0 0,6-1 0,3 1 0,1 0 0,-2 0 0,-3 1 262,-5 2 1,-1 0-1,-2 1 1,1-1-1,3 0-262,4-2 0,3 0 0,1-2 0,0 2 0,-2-1 0,-5 2 0,11 3 0,-4 1 0,-5-2 1135,4-3 0,-6-2-1135,-12 1 0,-3 0 1553,3 0-1553,-7 0 0,3 0 0,5 0 0,4 0 0,2 0-436,-1 3 1,3 2 0,1 0-1,2-2 436,-3-1 0,2-2 0,1 0 0,1 1 0,-2 0 0,0 2 0,0 0 0,0 1 0,-1-1 0,0 0 0,9-2 0,0-1 0,-1-1 0,-4 1 765,-3 0 1,-3 0-1,-2 0-765,8 0 0,-8 0 0,-17 0 0,-5 0 0,-15 0 0,-15 0 0,11 0 0,-12 0 0</inkml:trace>
+  <inkml:trace contextRef="#ctx0" brushRef="#br0" timeOffset="1918">17762 12647 24575,'47'0'0,"0"0"0,0 0 0,1 0 0,-1 0 0,0 0 0,-4 0 0,0 0 0,1 0 0,0 0 0,0 0 0,1 0 0,-1 0 0,3 0 0,1 0 0,1 0 0,-1 0 0,0 0 0,-1 0 0,-1 0-547,4 0 1,-1 0 0,-1 0 0,-1 0 0,-1 0 0,-3 0 339,5 0 0,-2 0 0,-3 0 0,-4 0 841,14-2 0,-12 4-634,-15 14 0,-20-12 0,-14 11 0</inkml:trace>
+  <inkml:trace contextRef="#ctx0" brushRef="#br0" timeOffset="6066">8590 14993 24575,'48'0'0,"0"0"0,0 0 0,0 0 0,-8 0 0,0 0 0,2 0 0,0 0 0,2 0 0,1 0 0,-3 0 0,2 0 0,1 0 0,1 0 0,1 0 0,0 0 0,0 0 0,0 0-410,2 0 0,0 0 1,1 0-1,1 0 1,-1 0-1,0 0 0,1 0 1,-2 0-1,1 0 0,-1 0 1,0 0-1,0 0 1,0 0-1,0 0 0,-1 0 1,-1 0-21,3 0 1,-2 0-1,-1 0 1,1 0-1,-1 0 1,1 0-1,1 0 564,-1 0 1,1 0 0,1 0 0,0 0 0,0 0 0,-1 0-1,-1 0 1,-1 0-135,4 0 0,-1 0 0,0 0 0,-2 0 0,-1 0 0,0 0 0,-3 0 0,1 0 0,-2 0 0,0 0 0,-3 0 0,-4 0 0,14 0 0,-5 0 0,-10 0 1716,-4 0-1716,-11 0 0,13 0 0,8 0 0,3 0 0,4 0 0,-10 0 0,5 1 0,0-1 0,-2-1 0,2-3 0,-1-1 0,6-2 0,-10 3 0,5-1 0,3 0 0,1 0 0,2 0 0,-1-1 0,-1 1-165,-2 0 0,-2-1 0,1 1 1,0 0-1,2-1 0,1 0 1,3 0 164,-6 0 0,1 1 0,1-1 0,2-1 0,1 1 0,1 0 0,0-1 0,2 1 0,0 0 0,0 0 0,1 0 0,-7 2 0,1-1 0,1 1 0,1 0 0,1 0 0,0 0 0,1 0 0,0 0 0,-1 0 0,1 0 0,-1 0 0,-1 0 0,0 0 0,-2-1 0,0 1-261,3-2 1,0 0 0,-1 0-1,0 0 1,-1-1 0,-1 1 0,0-1-1,0 1 1,0 0 0,0 0 0,-1 0-1,1 1 261,3 0 0,1 0 0,0 1 0,1 0 0,-1-1 0,-1 1 0,-1 1 0,-2-1 0,-2 0 0,-4-1 0,-3 1 0,21-4 0,-5 0 0,-8 1 0,-9-1 0,11-8 0,-25 14 0,4 0 0,11-3 0,6-1 0,4 1-343,-2 4 1,3 1 0,2 1 0,1-1 342,-5 0 0,1 0 0,1 0 0,0 0 0,1 0 0,-8 1 0,1-1 0,1 1 0,-1-1 0,-1-1 0,-1 0 0,10-2 0,0-1 0,-2-1 0,-2 2 1092,5 1 0,-1 2 0,-6-2-815,3-5 1,-9-2 2998,-4-7-1182,-19 12-2094,-16-11 0,-16 15 2932,12 0-2932,-12 15 280,16-11-280,0 12 0,-15 0 0,11 3 0,-11 6 0,-2 1 0,-2 14 0,1-11 0,1 0 0,-3 9 0,3-17 0,3 1 0,10 13 0,-12-15 0,16-5 0,0-15 0,0 0 0,0 0 0</inkml:trace>
+</inkml:ink>
+</file>
+
+<file path=ppt/ink/ink14.xml><?xml version="1.0" encoding="utf-8"?>
+<inkml:ink xmlns:inkml="http://www.w3.org/2003/InkML">
+  <inkml:definitions>
+    <inkml:context xml:id="ctx0">
+      <inkml:inkSource xml:id="inkSrc0">
+        <inkml:traceFormat>
+          <inkml:channel name="X" type="integer" min="-2.14748E9" max="2.14748E9" units="cm"/>
+          <inkml:channel name="Y" type="integer" min="-2.14748E9" max="2.14748E9" units="cm"/>
+          <inkml:channel name="F" type="integer" max="32767" units="dev"/>
+        </inkml:traceFormat>
+        <inkml:channelProperties>
+          <inkml:channelProperty channel="X" name="resolution" value="1000" units="1/cm"/>
+          <inkml:channelProperty channel="Y" name="resolution" value="1000" units="1/cm"/>
+          <inkml:channelProperty channel="F" name="resolution" value="0" units="1/dev"/>
+        </inkml:channelProperties>
+      </inkml:inkSource>
+      <inkml:timestamp xml:id="ts0" timeString="2026-02-04T20:49:48.417"/>
+    </inkml:context>
+    <inkml:brush xml:id="br0">
+      <inkml:brushProperty name="width" value="0.05292" units="cm"/>
+      <inkml:brushProperty name="height" value="0.05292" units="cm"/>
+      <inkml:brushProperty name="color" value="#FF0000"/>
+    </inkml:brush>
+  </inkml:definitions>
+  <inkml:trace contextRef="#ctx0" brushRef="#br0">6650 11606 24575,'35'0'0,"0"0"0,1 0 0,-1 0 0,1 0 0,-1 0 0,10 0 0,0 0 0,-5 0 0,-2 0 0,-4 0 0,1 0 0,3 1 0,2-2 0,4-5 0,2-3-457,-7 3 0,3 0 0,-1-2 457,1-3 0,0-2 0,-1 2 0,-4 3 0,-1 2 0,1 0 38,3 1 0,1 0 0,-4 0-38,-7-4 0,-2 2 0,-1 5 0,-3 0 0,8-14 0,11 16 0,-2 0 0,6 0 0,-10 0 0,1 0 0,5 0 0,-6 0 0,3 0 0,3 0 0,-1 0 0,-1 0 0,7 0 0,-1 0 0,0 0 0,0 0 83,-1 0 0,0 0 0,0 0 1,-4 0-84,1 0 0,-3 0 0,-6 0 111,-6 0 1,-5 0-112,13 0 0,-17 0 0,-3 0 0,-8 0 0,25 0 0,3 0 0,6 0 0,-2 0 0,2 0 0,2 0-212,-5 0 0,1 0 1,1 0-1,0 0 212,-1 0 0,1 0 0,-1 0 0,-1 0 0,10 0 0,-2 0 0,-2 0 0,-7 0 0,-3 0 0,-2 0 0,5 0 0,-5 0 0,2 0 0,-19 0 0,-16 16 0,8-12 1548,-6 12-1548,5-16 0,-7 0 0,16 0 0,-12 0 0,27 0 0,-27 0 0,12 0 0,-16 0 0,16 0 0,-12 0 0,11 0 0,-15 0 0,16 0 0,-12 15 0,12-11 0,-16 12 0,0-16 0,15 0 0,-11 16 0,12-13 0,-16 13 0,0-16 0,0 0 0,0 0 0</inkml:trace>
+  <inkml:trace contextRef="#ctx0" brushRef="#br0" timeOffset="5734">6756 14023 24575,'34'0'0,"0"0"0,0 0 0,-1 0 0,1 0 0,1 0 0,1 0 0,0 0 0,-1 0 0,14 0 0,-4 0 0,-16 0 0,-3 0 0,1 0 0,-3 0 0,-4 0 0,-4 0 0,-1 0 0,20 0 0,-1-8 0,3 0 0,0 6 0,0 0 0,0-6 0,-3 1 0,1 7 0,-3 0 0,-28 0 0,27 0 0,-7 0 0,3 0 0,4 0 0,5 0 0,3 0-629,0 0 1,2 0-1,3 0 1,0 0 628,-3 0 0,2 0 0,0 0 0,0 0 0,1 0 0,1 0 0,0 0 0,0 0 0,0 0 0,-2 0 0,8 0 0,-1 0 0,-1 0 0,-3 0-61,4 0 0,-2 0 0,-5 0 61,3-2 0,-5 4 0,-12 5 0,0 1 0,11-5 0,5-2 0,-4 4 0,4 1 0,2-1-698,-1-4 1,2-1 0,2-1 0,2 1 697,-10 0 0,1 0 0,2 0 0,0 0 0,-1 0 0,0 0 0,3 0 0,-1 0 0,0 0 0,0 0 0,0 0 179,0 0 1,1 0-1,0 0 1,-3 0 0,-3 0-180,7 0 0,-3 0 0,-4 0 82,5 0 0,-6 0-82,-5 0 0,-19 0 0,-16 0 2986,0 0-2986,-16 0 359,12 0 1,-12 0-1,16 0 1</inkml:trace>
+  <inkml:trace contextRef="#ctx0" brushRef="#br0" timeOffset="17549">8026 12506 24575,'33'0'0,"0"0"0,6 0 0,5 0 0,11 0 0,-21 0 0,5 0 0,3 0 0,5 0 0,2 0 0,2 0 0,2 0 0,1 0 0,0 0 0,1 0 0,-2 0 0,0 0-219,-7 0 1,0 0-1,1 0 1,0 1-1,1-1 1,0 0-1,0 0 1,1 1-1,0-1 1,0 0 0,1 0-1,0 0 1,1-1-1,0 1 1,1-1 45,-6 0 1,2 0-1,1 0 1,0-1-1,1 1 1,1-1-1,-1 1 1,1-1-1,1 0 1,-1 0-1,0 0 1,0 0 0,-1 0-1,0 0 1,0 1-1,-2-1 1,0 0-1,-1 0 1,-1 1-63,7-1 1,-1 0 0,0 1 0,-1-1 0,0 1 0,-1 0 0,-1-1 0,0 1 0,-1-1 0,-1 1 0,-1-1 0,0 0 0,-2 0 0,-2-1 194,9 0 0,-2-1 0,0 0 0,-2 0 1,-1-1-1,-2 1 0,-2 0 0,-3 0 1,-2 1 39,12-2 0,-4 1 0,-4 0 0,-1 1 884,4 3 1,-2 1-1,1-2-884,3-3 0,1-3 0,-3 2 0,5 4 0,0-1 155,-13-4 0,2-3 0,0 0 1,-1 1-156,5 1 0,-1 1 0,2 0 0,4-1 0,2 1 0,0-1 0,-4-4 0,-1-1 0,0 4-61,-3 5 0,-1 3 0,-2-1 61,5-7 0,-3 0 1638,-4 7 0,-2 2-528,-6-1 1,-5 0-1111,-3 0 0,-4 0 1326,-1 0-1326,5-16 137,4 14 1,3 0-138,-1-5 0,3-1 0,11 6 0,7 3 0,-1 0 0,-7-1 0,-1 0 0,2 0 0,0 0 0,2 0 0,0 0 0,-1 0 0,8 0 0,-2 0 0,-4 0 0,1 0 0,-2 0 0,10 0 0,-6 0 0,-6 0 0,-1-1 0,4 2 0,-6 6 0,0 1 0,-3-6 0,1-2 0,2 2 0,0 5 0,3 2 0,-1 0 0,-2-2 0,1-5 0,-3-2 0,2 2-153,8 2 0,1 1 0,-2 1 153,4 2 0,-2 0 0,-1 2 0,0 0 0,-10-4 0,1 0 0,-1 1 0,11 10 0,-2-2 0,-6-13 0,-5-1 0,2 15 0,-3-16 0,5 0 0,8 0 0,-5 0 0,3 0 0,3 0-625,-6 0 0,3 0 0,2 0 0,1 0 0,0 0 625,2 0 0,2 0 0,0 0 0,0 0 0,1 0 0,-8 0 0,0 0 0,0 0 0,1 0 0,-1 0 0,-1 0 0,8 0 0,-1 0 0,0 0 0,-2 0 0,-3 0 39,0 0 1,-1 0 0,-4 0 0,-2 0-40,14 0 0,-8 0 0,4 0 0,-27 0 0,-1 0 0,13 0 3154,3 0-3154,-9 0 0,3 0 135,5 0 1,3 0-136,5 0 0,2 0 0,0 0 0,2 0 0,-11 0 0,1 0 0,-1 0 0,10 0 0,0 0 0,0 0 0,-4 0 0,-2 0 0,8 0 0,-43 0 0,20 0 0,-7 0 0,11 0 0,7 0 0,-15 0 0,11 16 0,-11-12 0,15 11 0,-15-15 0,-5 0 0,-15 0 0,0 0 0</inkml:trace>
+  <inkml:trace contextRef="#ctx0" brushRef="#br0" timeOffset="35615">8872 14887 24575,'43'0'0,"-10"0"0,3 0 0,5 0 0,0 0 0,5 0 0,-1 0 0,-10 0 0,0 0 0,7 0 0,-2 0 0,-11 0 0,1 0 0,3 0 0,2 0 0,-1 0 0,4 0 0,-1 0 0,6 1 0,0-2 0,-6-6 0,-4-1 0,7 4 0,7-12 0,-43 16 0,27 0 0,-4 0 0,19 1 0,8-2 0,-19-4 0,-1-1 0,3 1-315,0 3 0,3 2 0,1 0 1,-2-2 314,9-2 0,-1-2 0,-1 1 0,-3-1 0,-1 0 0,-2 2 0,-3 3 0,-1 0 0,-3-1 0,5-6 0,-5 0 0,2 8 0,-19 0 0,-16 0 0,0 0 0,0 0 0</inkml:trace>
+  <inkml:trace contextRef="#ctx0" brushRef="#br0" timeOffset="58283">8767 14781 24575,'25'0'0,"0"0"0,2 0 0,1 0 0,6 0 0,4 0 0,0 0 0,-1 0 0,0 0 0,1 0-623,5 0 0,2 0 0,0 0 623,1 0 0,1 0 0,-3 0 0,-6 0 0,-3 0 0,2 0 0,4 0 0,0 0 0,-1 0 301,7 0 1,-4 0-302,-15 0 0,-1 0 309,20 0-309,-43 0 0,27 0 0,-11 0 0,13 0 0,8 0 0,-7 1 0,2-1 0,2-1-126,-2 0 1,2-1 0,2-1 0,-1 2 125,1 0 0,2 1 0,-2 0 0,-2-1 0,1-2 0,-3 0 0,-1 1 0,11 1 0,-10 2 0,-16-1 0,-4 0 0</inkml:trace>
+  <inkml:trace contextRef="#ctx0" brushRef="#br0" timeOffset="63833">14852 11571 24575,'35'0'0,"-10"0"0,1 0 0,8 0 0,3 0 0,7 0 0,2 0 0,-11 0 0,0 0 0,1 0-182,-1 0 1,0 0 0,1 0 181,-1 0 0,1 0 0,-2 0 0,8 0 0,-1 0 67,2 0 0,-2 0-67,6 0 0,-12 0 0,-3 0 0,-28 0 0,11 0 410,1 0-410,19 0 0,6-7 0,4-2 0,2 7 0,1 1 0,-13-4 0,1-2 0,-2 3 0,3 4 0,-3 0 0,0-8 0,-1 0 0,6 4 0,-4-11 0,-4 15 0,-27 0 0,12 0 0</inkml:trace>
+  <inkml:trace contextRef="#ctx0" brushRef="#br0" timeOffset="72849">7902 14852 24575,'39'0'0,"-1"0"0,1 0 0,3 0 0,-2 0 0,-4 0 0,-5 0 0,-12 0 0,-3 0 0,-16 0 0</inkml:trace>
+</inkml:ink>
+</file>
+
+<file path=ppt/ink/ink15.xml><?xml version="1.0" encoding="utf-8"?>
+<inkml:ink xmlns:inkml="http://www.w3.org/2003/InkML">
+  <inkml:definitions>
+    <inkml:context xml:id="ctx0">
+      <inkml:inkSource xml:id="inkSrc0">
+        <inkml:traceFormat>
+          <inkml:channel name="X" type="integer" min="-2.14748E9" max="2.14748E9" units="cm"/>
+          <inkml:channel name="Y" type="integer" min="-2.14748E9" max="2.14748E9" units="cm"/>
+          <inkml:channel name="F" type="integer" max="32767" units="dev"/>
+        </inkml:traceFormat>
+        <inkml:channelProperties>
+          <inkml:channelProperty channel="X" name="resolution" value="1000" units="1/cm"/>
+          <inkml:channelProperty channel="Y" name="resolution" value="1000" units="1/cm"/>
+          <inkml:channelProperty channel="F" name="resolution" value="0" units="1/dev"/>
+        </inkml:channelProperties>
+      </inkml:inkSource>
+      <inkml:timestamp xml:id="ts0" timeString="2026-02-04T20:51:57.300"/>
+    </inkml:context>
+    <inkml:brush xml:id="br0">
+      <inkml:brushProperty name="width" value="0.05292" units="cm"/>
+      <inkml:brushProperty name="height" value="0.05292" units="cm"/>
+      <inkml:brushProperty name="color" value="#FF0000"/>
+    </inkml:brush>
+  </inkml:definitions>
+  <inkml:trace contextRef="#ctx0" brushRef="#br0">5062 11642 24575,'42'0'0,"0"0"0,0 0 0,8 0 0,0 0 0,-7 0 0,1 0 0,-2 0 0,4 0 0,-6 0 0,0 0 0,7 0 0,-28 0 0,5-8 0,3 0 0,0 6 0,1 0 0,7-6 0,1 0 0,-1 7 0,0 2 0,0-1 0,1 0 0,6 0 0,2 0 0,-3 0 0,0 0 0,-7 0 0,1 0 0,0 0 0,15 0 0,-2 0 0,-2 0 0,-2 0 0,-7 0 0,-3 0 0,-9 0 0,1 0 0,12 0 0,6 0 0,-1 0 0,5 0 0,2 0-647,-11 0 0,1 0 1,2 0-1,1 0 0,1 0 647,-2 0 0,2 0 0,0 0 0,1 0 0,0 0 0,0 0 0,-2 0 0,1 0 0,0 0 0,-1 0 0,-1 0 0,0 0 0,3 1 0,0-1 0,-2 1 0,-1-1 0,-1-2-11,1-1 0,0-1 0,-4-1 0,-3 2 11,3 1 0,-6 0 0,15-14 0,-59 16 0,24 0 0,-27 0 3225,-1 0-3225,12 0 53,-12 0-53,16 16 0,0-12 0,0 11 0,16-15 0,27 0 0,-2 7 0,6 2 0,-12-4 0,2 0 0,1 0 0,1 0-469,1-1 0,1 1 1,1 0-1,0 0 469,6 3 0,1 1 0,0 0 0,-3-3 0,-1-4 0,-3-2 0,0 2 0,0 3 0,-1 1 0,-6-2 0,4-4 0,8 0 0,-43 0 0,35 16 0,-14-6 0,3 0 0,18-1 0,6 1 72,-7 0 1,2 2-1,2-3-72,-9-3 0,0-1 0,1-1 0,-1 1 0,9 2 0,0-1 0,-2 1 0,-5-1 0,-1-1 0,-3-1 0,9-3 0,-7-2 0,-1 1 0,8 0 0,-20 0 0,-2 0 0,3 0 829,4 0 0,-1 0-829,-3 0 0,-1 0 0,-1 0 0,-1 0 0,10 0 0,-15 0 0,11 0 0,-27 0 0,12 0 0,-16 0 0,15-15 0,-11 11 0,12-12 0,-16 16 0,0-16 0,0 12 0,0-11 0,16-1 0,-12 12 0,11-11 0,1 15 0,3 0 0,12 0 0,5 0 0,0 0 0,3 0 0,-5 0 0,2 0 0,-1 0 0,12 0 0,-3 0 0,-8 0 0,-2 0 0,-6-1 0,-5 2 0,-3-1 0,-5 0 0,-15 0 0,0 0 0,0 0 0</inkml:trace>
+  <inkml:trace contextRef="#ctx0" brushRef="#br0" timeOffset="2683">11395 11748 24575,'11'0'0,"19"0"0,11 0 0,-8 0 0,3 0 0,4 0 0,4 0-469,-4 0 1,4 0 0,4 0 0,1 0 0,0 0 0,-1 0 0,-3 0-79,1-1 1,-2 2 0,0-1 0,0 0 0,0 0 0,1 0 368,-2 0 1,1 0-1,1 0 1,0 0-1,-1 0 1,-2 0 0,-3 0 726,8 0 0,-2 0 0,-4 0 0,-4 0-549,7 0 0,-6 0 618,-9 0 1,-7 0-619,-6 0 0,-16 0 0</inkml:trace>
+  <inkml:trace contextRef="#ctx0" brushRef="#br0" timeOffset="6350">7938 12577 24575,'43'0'0,"-10"0"0,6 0 0,4 0 0,-6 0 0,2 0 0,2 0 0,2 0 0,1 0-469,-3 0 1,2 0 0,2 0 0,0 0 0,2 0 0,-1 0 0,1 0 58,-4 0 0,2 0 1,0 0-1,0 0 1,0 0-1,1 0 0,-1 0 1,-1 0 114,6 0 0,0 0 1,0 0-1,0 0 1,-1 0-1,-1 0 1,0 0 258,4 0 1,-1 0 0,0 0 0,-1 0 0,-2 0 0,-2 0 35,-2 0 0,-1 0 0,-2 0 0,-1 0 0,0 0 287,5 0 1,-2 0 0,0 0 0,-4 0-288,1 0 0,-4 0 0,2 0 0,5-1 0,1 1 0,6 1 0,-9 0 0,4 1 0,4 1 0,3-1 0,0 1 0,0-1 0,-2 0-410,-7-1 0,0 0 1,-1-1-1,1 0 1,0 1-1,1-1 0,2 0 1,1 1 321,-2 0 0,1 0 1,2 1-1,1 0 1,1-1-1,1 1 0,-1 0 1,1-1-1,-1 1 1,-1-1-1,-1 0-16,1-1 0,-1 0 0,0 0 0,0 0 0,-1 0 0,1-1 0,-1 1 1,0 0-1,0 0 0,0 1 104,0 0 0,0 0 0,-1 1 0,1 0 0,-1-1 0,1 1 0,-1 0 0,0 0 0,-1-1 0,1 0-111,2 0 1,0 0 0,0-1 0,0 0 0,0 0 0,-1 0 0,-1 1-1,1-1 1,-2 1 110,2 1 0,-1 0 0,0 0 0,0 1 0,-1-1 0,-1 0 0,0 0 0,-1-1-118,7 0 0,0-2 0,-1 1 0,-1-1 1,-1 1-1,-1 1 118,1 1 0,-2 1 0,0 1 0,0-1 0,2 1 0,-1-1 0,1-1 0,1 1 0,-1 0 0,0 1 0,-4 0 0,8 4 0,-3 1 0,-1 1 0,3-1 0,-8-3 0,3 0 0,0-1 0,0 1 0,-1 0 0,-2 0 0,8 2 0,-2 1 0,-1 0 0,2 0 0,-6-1 0,1-1 0,0 0 0,0 0 0,1-1 0,0 0 0,2-1 0,-1 0 0,0 0 0,1 2 0,0 1 0,-1 2 0,1 0 0,1 1 0,3-1 0,-10-2 0,3-1 0,1 1 0,1 0 0,0 0 0,0 0 0,-2 0 0,-1 0 0,3 1 0,-1 1 0,-2 0 0,0 0 0,1-1 0,1 1 0,0 0 0,1 0 0,1 0 0,0 0 0,-1 0 0,-1-1 0,-3-1 0,2 0 0,-2-1 0,-2 0 0,0-1 0,0 1 500,6 2 0,0 0 0,0 0 0,0 0-500,-1-1 0,-1 1 0,1 0 0,1 0 0,-5-2 0,0 0 0,1 0 0,0 0 0,0 0 455,-1 0 1,-1 0-1,0 0 1,1 1-1,1-2-455,2 2 0,0-2 0,1 1 0,2 0 0,2 1 0,-9-2 0,3 0 0,1 0 0,1 0 0,0 1 0,0-1 0,-1 1 0,-1 0 0,0 0 0,0 1 0,-2 0 0,1 0 0,0 0 0,0 0 0,3 0 74,0-1 0,3 0 0,0-1 0,1 1 0,0 0 0,-1 0 0,-2-1 0,-1 1-74,3 2 0,-1 0 0,-2 0 0,0-1 0,-1 1 0,1-2 0,1 0 0,-1 0 0,0-1 0,0 0 0,0-1 0,0 0-24,5-1 0,0 0 0,-1-1 0,1 1 0,0 0 24,-8 1 0,1 1 0,-1 0 0,1 0 0,-1-1 0,1-1 0,6-2 0,1-2 0,-1-1 0,0 1 0,0 3 0,0 2 0,-1 1 0,-1 2 0,1-1 0,0-2-49,-2-3 1,0-1-1,0-1 1,0 0 0,-1 1 48,-4 1 0,-1 1 0,-1 1 0,2-1 0,2 1 127,1-2 0,3 1 0,1 0 1,1 0-1,0-1 0,0 0-127,-6-1 0,0 0 0,0-1 0,0 0 0,0 0 0,1 1 0,-1 0 0,6 1 0,1 1 0,-1 0 0,1 0 0,-1 0 0,0-1 224,-2-1 0,2-1 0,-1 0 1,-1-1-1,-2 1 0,-3 0-224,1 0 0,-2 0 0,-3 0 0,1 0 0,9 0 0,-1 0 0,-1 0 781,-6 1 1,-2-1 0,-3-1-782,3-7 0,-3 0 1029,-3 8 1,-5-4-1030,-8-27 1322,13 11-1322,-28 1 0,11 3 0,-15 16 0</inkml:trace>
+  <inkml:trace contextRef="#ctx0" brushRef="#br0" timeOffset="7465">22260 13582 24575,'34'0'0,"0"0"0,0 0 0,2 0 0,0 0 0,2 0 0,8 0 0,2 0 0,-1 0-471,-5 0 1,0 0 0,-1 0 470,1 0 0,-1 0 0,-2 0 0,7 0 0,-2 0 96,3 0 0,0 0-96,-4 0 0,2 0 0,-3 1 0,2-1 0,0-1-441,-2-3 1,0-2 0,3 0 440,0 2 0,2 1 0,1-1 0,0-4 0,-8-3 0,-2-2 0,1-1 0,3-1 0,3 1 0,-7 4 0,2 0 0,2 0 0,2 1 0,1-1 0,0 0 0,1 0 0,-1 0 0,0-1-365,2-1 1,0 0 0,0 0 0,0 0 0,1-1 0,0 1 0,0-1 0,0 1 0,-1 0 132,2 0 0,0 0 1,0 0-1,0 0 0,0 0 1,0 0-1,-1 1 1,0-1-1,-1 1 232,3 0 0,0-1 0,-1 1 0,0 0 0,-1 1 0,-1-1 0,-2 1 0,-2 0-256,7-2 0,-3 1 0,-2 0 0,-1 1 0,1-1 256,0 1 0,-1-1 0,0 1 0,0 0 0,-2 0-200,4 1 1,-1 0-1,-1 1 1,0-1 199,-2 0 0,1 0 0,-2 0 0,-3 1 315,1 0 1,-3 2 0,-1 0-316,10-3 0,-4 2 1638,-14 7 0,-3 0-836,2-3 1,-1-1 452,2 3 0,1 0-1255,7-11 0,1 0 821,-8 10 0,-1 0-821,0-6 0,-3 0 0,-5 8 0,-3 0 0,-16 0 0</inkml:trace>
+</inkml:ink>
+</file>
+
+<file path=ppt/ink/ink16.xml><?xml version="1.0" encoding="utf-8"?>
+<inkml:ink xmlns:inkml="http://www.w3.org/2003/InkML">
+  <inkml:definitions>
+    <inkml:context xml:id="ctx0">
+      <inkml:inkSource xml:id="inkSrc0">
+        <inkml:traceFormat>
+          <inkml:channel name="X" type="integer" min="-2.14748E9" max="2.14748E9" units="cm"/>
+          <inkml:channel name="Y" type="integer" min="-2.14748E9" max="2.14748E9" units="cm"/>
+          <inkml:channel name="F" type="integer" max="32767" units="dev"/>
+        </inkml:traceFormat>
+        <inkml:channelProperties>
+          <inkml:channelProperty channel="X" name="resolution" value="1000" units="1/cm"/>
+          <inkml:channelProperty channel="Y" name="resolution" value="1000" units="1/cm"/>
+          <inkml:channelProperty channel="F" name="resolution" value="0" units="1/dev"/>
+        </inkml:channelProperties>
+      </inkml:inkSource>
+      <inkml:timestamp xml:id="ts0" timeString="2026-02-04T20:53:04.966"/>
+    </inkml:context>
+    <inkml:brush xml:id="br0">
+      <inkml:brushProperty name="width" value="0.05292" units="cm"/>
+      <inkml:brushProperty name="height" value="0.05292" units="cm"/>
+      <inkml:brushProperty name="color" value="#FF0000"/>
+    </inkml:brush>
+  </inkml:definitions>
+  <inkml:trace contextRef="#ctx0" brushRef="#br0">1940 5891 24575,'20'0'0,"-4"0"0,-1 0 0,21 0 0,-10 0 0,2 0 0,7 0 0,1 0 0,-1 0 0,1 0 0,-5 0 0,0 0 0,4 0 0,-1 0 0,-2 0 0,-1 0 0,-4 0 0,0 0 0,-1 0 0,-1 0 0,1 0 0,-1 0 0,15 0 0,-14 0 0,-2 0 0,-4 0 0,11 0 0,-27 0 0,28 0 0,-28 0 0,11 0 0,-15 0 0,16 0 0,19 0 0,-8 0 0,1 0 0,0 0 0,-1 0 0,-1 0 0,-1 0 0,10 0 0,-15 0 0,-4 0 0,-16 0 0</inkml:trace>
+  <inkml:trace contextRef="#ctx0" brushRef="#br0" timeOffset="18100">6297 6967 24575,'20'0'0,"11"0"0,-27 0 0,27 0 0,-27 0 0,28 0 0,-28 0 0,11 0 0</inkml:trace>
+  <inkml:trace contextRef="#ctx0" brushRef="#br0" timeOffset="22017">9490 7073 24575,'-20'-15'0,"-11"11"0,11-12 0,-15 0 0,15-3 0,-11-1 0,27-11 0,-12 27 0,16-12 0,0 16 0,0 0 0</inkml:trace>
+  <inkml:trace contextRef="#ctx0" brushRef="#br0" timeOffset="49600">5574 7761 24575,'35'0'0,"-3"0"0,3 0 0,8 0 0,4 0-632,-7 0 0,3 0 0,-1 0 632,2 0 0,1 0 0,0 0 0,1 0 0,0 0 0,1 0 0,3 0 0,1 0 0,-3 0 0,2 0 0,-2 0 203,-8 0 1,2 0 0,-11 0-204,-7 0 314,23 0-314,-12 0 0,-9 0 0,3 0 0,3 0 0,3 0 0,0 0 0,11 0 0,2 0-151,-5 0 0,1 0 0,-2 0 151,5 0 0,-1 0 0,2 0 0,-2 0 474,-17 0 1,-3 0-475,9 0 0,-19 0 0,-16 0 0,0 0 0</inkml:trace>
+  <inkml:trace contextRef="#ctx0" brushRef="#br0" timeOffset="53100">11642 9137 24575,'35'0'0,"-7"0"0,3 0 0,4 0 0,2 0 0,4 0 0,1 0 0,-9 0 0,2 0 0,-2 0 0,12 0 0,1 0 0,-12 0 0,2 0 0,-1 0 0,1 0 0,0 0 0,-2 0 0,11 0 0,0 0 0,-5 0 0,1 0 0,-4 0 0,-5 0 0,-1 0 0,13 0 0,-6 0 0,-18 0 0,19 0 0,-2 0 0,7 0 0,6 0 0,-15 0 0,0 0 0,5 0 0,2 0 0,4 0 0,4 0 0,0 0 0,-3 0-656,-6 0 1,-1-1-1,-1 1 1,2 0 0,2 1 642,-2 0 1,2 1 0,2 0 0,1 1 0,0-1 0,-2 1-1,-1 0 13,7 0 0,-2 1 0,-1-1 0,1 1 0,2 1 0,-3 0 0,2 1 0,0 0 0,1 0 0,0 0 0,-1 1-526,-3-2 0,1 1 0,-1 0 0,0 0 0,1 0 0,-1 0 526,1 0 0,0 0 0,1 0 0,-1 0 0,1 0 0,-1-1 0,1-1 0,0-1 0,1 0 0,-1 0 0,-1 0 0,-1 1-210,3 1 0,-1 1 1,-2 1-1,3 0 0,2-1 210,-8-1 0,3-1 0,1 0 0,1 0 0,0 0 0,0 1 0,-2-1 0,-1 1 0,4 1 0,-2 1 0,-2 0 0,1 0 0,1-1 0,1 0-290,-5-1 1,1 0 0,1-1-1,1 1 1,-1-1 0,0 0 0,-2 0-1,-1 1 290,10 1 0,-2 2 0,-2-1 0,0-1 0,-1-2 0,-5-2 0,-1-1 0,0-1 0,-1 0 0,0 1 325,5 3 1,0 0 0,-1 1 0,-2-2-326,6-3 0,-2-1 0,1 2 582,-8 2 1,2 1 0,-3 1 0,-3-2-583,3-1 0,-2 0 578,15 7 0,-6-2-578,-17-7 3276,-9 0-3190,-3 0 1140,-16 0-1226,0-16 505,16 12-505,-12-27 0,11 27 0,-15-27 0,0 27 0,0-12 0,16 16 0,-12 0 0,12 0 0</inkml:trace>
+  <inkml:trace contextRef="#ctx0" brushRef="#br0" timeOffset="56550">11977 11359 24575,'33'0'0,"0"0"0,0 0 0,2 0 0,3 0 0,6 0 0,3 0 0,3 0 0,1 0-656,-4 0 1,0 0-1,1 0 1,2 0 0,1 0 186,-6 0 1,1 0 0,1 0 0,2 0 0,-1 0 0,1 0 0,-1 0-1,0 0 1,0 0 0,1 0 0,0 0 0,0 0 0,-1 0 0,2 0 444,-7 1 1,1-1 0,0 0-1,0 0 1,0 0 0,0 0 0,2 0-1,-1-1 24,1 0 0,1 0 0,1-1 0,1 0 0,-1 0 0,0 0 0,-2 0 0,-1 0 0,-2 1 0,5 0 0,-3 0 0,-1 1 0,-1 0 0,0-1 0,0 0 318,3-1 1,2-1 0,0 0 0,-2-1 0,-3 2 0,-5 0-319,4 2 0,-5 0 0,-6 0 0,8 0 0,8 0 3249,-43 0-3249,27 0 0,4 0 0,-5 1 0,5-1 0,2-1 1092,5-3 0,1-3 0,2 2-1022,-6 4 1,1 0 0,1 1 0,-1-1-71,0-3 0,0-1 0,0 1 0,-3 1 0,5 2 0,-3 1 0,-2 1 0,1-1 0,-4 0 0,5 0 0,-39 0 0,0 0 0,0 0 0</inkml:trace>
+  <inkml:trace contextRef="#ctx0" brushRef="#br0" timeOffset="58284">12806 12153 24575,'48'0'0,"1"0"0,-1 0 0,-7 0 0,-1 0 0,4 0 0,-5 0 0,3 0 0,1 0 0,0 0 0,-2 0-669,4 0 1,-1 0 0,-2 0 0,0 0 668,4 0 0,-1 0 0,1 0 0,-7 0 0,1 0 0,-1 0 0,-2 0 250,-2 0 0,-2 0 1,0 0-251,3 0 0,-1 0 0,-4 0 231,-2 0 1,-3 0-232,1 0 0,-3 0 0,-4 0 0,-5 0 1377,-15 0-1377,16 0 82,19 0-82,-2 0 0,5 0 0,-5 0 0,2 0 0,3 0 0,4 0 0,5 0 0,0 0 0,-3 0 0,-1 0 0,-3 0 0,1 0 0,8 0 0,1 0 0,-8 0 0,-14 0 0,-5 0 0,-4 0 0,-3 0 0,-16 0 0,0 0 0</inkml:trace>
+  <inkml:trace contextRef="#ctx0" brushRef="#br0" timeOffset="70866">19350 13988 24575,'0'-20'0,"31"4"0,7 14 0,10 4 0,-10-2 0,5 0 0,4 0 0,1 0 0,0 0-547,-5 0 1,1 0 0,1 0 0,1 0 0,0 0 0,0 0 77,-1 0 1,1 0 0,0 0 0,1 0 0,-1 0 0,0 0 0,-2 0 367,1 0 1,0 0 0,-2 0 0,0 0 0,-2 0 0,-3 0 732,14 0 0,-4 0 1,-3 0-633,6 0 0,-4 0 0,-16 1 0,4-2 0,-1 0 0,5-2 0,4-1 0,3 0 0,0 1 0,-3 0 0,1 1 0,3 0 0,0-1 0,2 1 0,-1-2 0,1 0-302,-2-1 1,2-1-1,0-1 1,0 0 0,0 0-1,1 0 1,-2 1 0,-1 0 301,3 1 0,1 1 0,-1 1 0,-1-1 0,-2 0 0,-1-1 0,-4-1 0,2-3 0,-1-2 0,-4 0 0,-2 1 0,-4 2 0,14 1 0,-7 2 0,-12-4 0,-5 2 3071,-4 7-3071,-3 0 122,15 0-122,7 0 0,11 0 0,-12 1 0,6-1 0,3 1 0,0-2 0,-3 0 704,3-2 1,-1-1-1,0-1 1,1 2-705,-3 2 0,3 2 0,-1-1 0,-3 0 0,-6-4 0,11-12 0,-8 0 0,-12 14 0,-3 0 0,12-13 0,-6 13 0,6 4 0,1-2 0,4 0 0,3 0-641,-2-1 0,2 1 0,2 0 0,2 1 641,-2 1 0,2 1 0,1 1 0,-1 0 0,0-2 0,-3 0 0,-1-2 0,-1 0 0,0 1 0,0 0-191,5 3 1,-1 1-1,-1-1 1,-3-1 190,0-2 0,-2-2 0,-4 1 682,1 0 0,-5 0-682,2 0 0,-3 0 0,-8 0 0,3 0 0,8 0 0,4 0 0,9 0 0,2 0 0,-5 0 0,-2 0 1329,-10 0 1,-3 0-1330,-3 0 0,-3 0 961,-5 0-961,28 0 0,-3 4 0,9 3 0,-1-2 0,-4-3 0,-1-2 0,3 2-234,-7 0 0,4 2 0,1 0 0,-3-1 0,-4-1 234,-1-1 0,-4-1 0,-2-1 0,11 1 0,-8 0 0,-17 0 0,-5 0 0,-15 16 0,0-12 0,-15 12 1170,11-16-1170,-12 0 0,16 0 0,0 7 0,-16-5 0,12 6 0,-11-8 0,15 0 0,0 0 0,0 0 0</inkml:trace>
+  <inkml:trace contextRef="#ctx0" brushRef="#br0" timeOffset="102000">19420 13847 24575,'28'-10'0,"-1"0"0,-1 1 0,-1 2 0,1 6 0,-1 2 0,14-1 0,-5 0 0,-1 0 0,6 0 0,-3 0 0,-21 0 0,-15 0 0</inkml:trace>
+</inkml:ink>
+</file>
+
+<file path=ppt/ink/ink17.xml><?xml version="1.0" encoding="utf-8"?>
+<inkml:ink xmlns:inkml="http://www.w3.org/2003/InkML">
+  <inkml:definitions>
+    <inkml:context xml:id="ctx0">
+      <inkml:inkSource xml:id="inkSrc0">
+        <inkml:traceFormat>
+          <inkml:channel name="X" type="integer" min="-2.14748E9" max="2.14748E9" units="cm"/>
+          <inkml:channel name="Y" type="integer" min="-2.14748E9" max="2.14748E9" units="cm"/>
+          <inkml:channel name="F" type="integer" max="32767" units="dev"/>
+        </inkml:traceFormat>
+        <inkml:channelProperties>
+          <inkml:channelProperty channel="X" name="resolution" value="1000" units="1/cm"/>
+          <inkml:channelProperty channel="Y" name="resolution" value="1000" units="1/cm"/>
+          <inkml:channelProperty channel="F" name="resolution" value="0" units="1/dev"/>
+        </inkml:channelProperties>
+      </inkml:inkSource>
+      <inkml:timestamp xml:id="ts0" timeString="2026-02-04T20:55:49.516"/>
+    </inkml:context>
+    <inkml:brush xml:id="br0">
+      <inkml:brushProperty name="width" value="0.05292" units="cm"/>
+      <inkml:brushProperty name="height" value="0.05292" units="cm"/>
+      <inkml:brushProperty name="color" value="#FF0000"/>
+    </inkml:brush>
+  </inkml:definitions>
+  <inkml:trace contextRef="#ctx0" brushRef="#br0">15575 12912 24575,'41'0'0,"-1"0"0,1 0 0,4 0 0,2 0 0,2 0 0,-7 0 0,2 0 0,0 0 0,2 0-656,-5 0 1,2 0-1,0 0 1,0 0 0,-1 0 370,6 0 1,0 0 0,0 0 0,0 0 284,-7 0 0,2 0 0,0 0 0,-2 0 0,-3 0 400,5 0 1,-3 0 0,-2 0-401,-2 0 0,-1 0 0,-4 0 150,-3 0 1,-5 0-1,-3 0 1,-5 0 0</inkml:trace>
+  <inkml:trace contextRef="#ctx0" brushRef="#br0" timeOffset="2200">27358 11536 24575,'41'0'0,"0"0"0,-3 0 0,3 0 0,0 0 0,4 0 0,-2 0 0,4 0 0,-2 0 0,-4 0 0,-4 0 0,-10 0 0,-3 0 0,12 0 0,-17 0 0,-3 0 0,-16 0 0,16 0 0,-12 0 0,43 0 0,-14 0 0,4 0 0,-3 0 0,3 1 0,2-2-310,7-4 1,2-1 0,-1 1 309,-4 4 0,0 0 0,-4-1 0,9-6 0,-5 1 0,-15 6 0,-5 2 0,-8-1 0</inkml:trace>
+</inkml:ink>
+</file>
+
+<file path=ppt/ink/ink18.xml><?xml version="1.0" encoding="utf-8"?>
+<inkml:ink xmlns:inkml="http://www.w3.org/2003/InkML">
+  <inkml:definitions>
+    <inkml:context xml:id="ctx0">
+      <inkml:inkSource xml:id="inkSrc0">
+        <inkml:traceFormat>
+          <inkml:channel name="X" type="integer" min="-2.14748E9" max="2.14748E9" units="cm"/>
+          <inkml:channel name="Y" type="integer" min="-2.14748E9" max="2.14748E9" units="cm"/>
+          <inkml:channel name="F" type="integer" max="32767" units="dev"/>
+        </inkml:traceFormat>
+        <inkml:channelProperties>
+          <inkml:channelProperty channel="X" name="resolution" value="1000" units="1/cm"/>
+          <inkml:channelProperty channel="Y" name="resolution" value="1000" units="1/cm"/>
+          <inkml:channelProperty channel="F" name="resolution" value="0" units="1/dev"/>
+        </inkml:channelProperties>
+      </inkml:inkSource>
+      <inkml:timestamp xml:id="ts0" timeString="2026-02-04T20:56:13.466"/>
+    </inkml:context>
+    <inkml:brush xml:id="br0">
+      <inkml:brushProperty name="width" value="0.05292" units="cm"/>
+      <inkml:brushProperty name="height" value="0.05292" units="cm"/>
+      <inkml:brushProperty name="color" value="#FF0000"/>
+    </inkml:brush>
+  </inkml:definitions>
+  <inkml:trace contextRef="#ctx0" brushRef="#br0">5256 4745 24575,'34'0'0,"-1"0"0,0 0 0,2 0 0,3 0 0,0 0 0,2 0 0,1 0 0,1 0-409,-1 0 1,1 0 0,0 0 0,-3 0 408,5 0 0,-2 0 0,-2 0 264,4 0 1,-6 0-265,-3 0 271,-15 0-271,-4 0 0,-1 0 0,-11 0 833,35 0-833,3 0 0,11 0 0,-1 0 0,-14 0 0,-1 0 0,1 0 0,2 0-385,3 0 1,3 0 0,2 0 0,-2 0 0,-1 0 384,0 0 0,0 0 0,-3 0 0,-2 0 0,-1 0 0,-3 0 0,-1 0 0,10 0 0,-4 0 0,2 0 0,-10 0 0,-5 0 0,9-1 0,8 2 0,-9 5 0,4 3 0,1 0 0,-1-2 0,7-3 0,-1-3 0,2 2 0,-5 4 0,2 3 0,-2-1 0,-5-4 0,0-4 0,-6-2 0,3 1 0,-19 0 0</inkml:trace>
+</inkml:ink>
+</file>
+
+<file path=ppt/ink/ink19.xml><?xml version="1.0" encoding="utf-8"?>
+<inkml:ink xmlns:inkml="http://www.w3.org/2003/InkML">
+  <inkml:definitions>
+    <inkml:context xml:id="ctx0">
+      <inkml:inkSource xml:id="inkSrc0">
+        <inkml:traceFormat>
+          <inkml:channel name="X" type="integer" min="-2.14748E9" max="2.14748E9" units="cm"/>
+          <inkml:channel name="Y" type="integer" min="-2.14748E9" max="2.14748E9" units="cm"/>
+          <inkml:channel name="F" type="integer" max="32767" units="dev"/>
+        </inkml:traceFormat>
+        <inkml:channelProperties>
+          <inkml:channelProperty channel="X" name="resolution" value="1000" units="1/cm"/>
+          <inkml:channelProperty channel="Y" name="resolution" value="1000" units="1/cm"/>
+          <inkml:channelProperty channel="F" name="resolution" value="0" units="1/dev"/>
+        </inkml:channelProperties>
+      </inkml:inkSource>
+      <inkml:timestamp xml:id="ts0" timeString="2026-02-04T20:58:21.899"/>
+    </inkml:context>
+    <inkml:brush xml:id="br0">
+      <inkml:brushProperty name="width" value="0.05292" units="cm"/>
+      <inkml:brushProperty name="height" value="0.05292" units="cm"/>
+      <inkml:brushProperty name="color" value="#FF0000"/>
+    </inkml:brush>
+  </inkml:definitions>
+  <inkml:trace contextRef="#ctx0" brushRef="#br0">11642 10001 24575,'49'0'0,"0"0"0,-15 0 0,0 0 0,2 0 0,1 0 0,1 0 0,0 0 0,-1 0 0,0 0 0,-1 0 0,0 0 0,0 0 0,-2 0 0,3 0 0,-4 0 0,-6 0 0,-3 0 0,12 0 0,-17 0 0,13 0 0,-29 0 0,29 0 0,0 0 0,2 0 0,13 0 0,-3 0 0,-5 0 0,-20 0 0,-3 0 0,0 0 0,-12-8 0,11 6 0,-15-5 0,0 7 0</inkml:trace>
+  <inkml:trace contextRef="#ctx0" brushRef="#br0" timeOffset="1517">18450 9984 24575,'28'0'0,"-1"0"0,0 0 0,-3 0 0,-4 0 0,-5 0 0</inkml:trace>
+  <inkml:trace contextRef="#ctx0" brushRef="#br0" timeOffset="3417">19420 9984 24575,'-19'7'0,"3"-5"0,16 6 0,-16-8 0,-3 0 0,-1 0 0,5 0 0,-1 0 0,4 0 0,-21-8 0,5 6 0,4-2 0,-3 1 0,1 3 0,-2 0 0,-7-8 0,-1 0 0,0 6 0,1 0 0,7-5 0,2-2 0,-10-6 0,21 11 0,-1-12 0,12 16 0,-12 0 0,1 0 0,-21 0 0,10 0 0,-2 0 0,-7 0 0,-1 0 0,-1 0 0,3 0 0,-5 0 0,-8 0 0,43 0 0,-11 16 0,15-12 0,0 11 0,0-15 0,0 16 0,0-12 0,0 12 0,0-16 0</inkml:trace>
+  <inkml:trace contextRef="#ctx0" brushRef="#br0" timeOffset="27631">4886 10742 24575,'34'0'0,"0"0"0,0 0 0,3 0 0,1 0 0,4 0 0,-4 0 0,3 0 0,4 0 0,0 0 0,-1 0 0,-4 0-820,6 0 1,-4 0 0,1 0 0,3 0 606,-4 0 1,4 0-1,1 0 1,0 0 0,-2 0-1,-6 0 213,8 0 0,-6 0 0,1 0 377,2 0 1,0 0 0,-3 0-378,4 0 0,-2 0 398,-3 0 1,-1 0-399,-3 0 0,-2 0 0,-6 0 0,-1 0 0,0 0 0,-3 0 2391,-4 0-2391,11 0 231,-12 0-231,17 0 0,-17 0 0,-3 0 0</inkml:trace>
+  <inkml:trace contextRef="#ctx0" brushRef="#br0" timeOffset="28763">8308 10813 24575,'0'0'0</inkml:trace>
+  <inkml:trace contextRef="#ctx0" brushRef="#br0" timeOffset="80231">4745 6967 24575,'34'0'0,"0"0"0,0 0 0,11 0 0,2 0 0,2 0 0,-8 0 0,2 0 0,1 0 0,0 0-286,-3 0 0,0 0 0,0 0 0,2 0 0,1 0 286,-1 0 0,2 0 0,1 0 0,0 0 0,-2 0 0,-1 0-419,8 0 0,-3 0 0,0 0 0,1 0 419,-6 0 0,1 0 0,1 0 0,-3 0 0,-5 0 0,1 0 0,-4 0 0,-2 0 364,8 0 1,-1 0-365,-5 0 0,2 0 0,1 0 0,4 0 0,-1 0 0,8 0 0,2 0-267,-14 3 1,3 2 0,1 0 0,-2-2 266,4-2 0,-1-1 0,1 3 0,-5 3 0,1 4 0,0-1 0,-2-3 0,3-3 0,-2-3 0,-1 1 313,5 7 1,-4 0-314,10-8 1610,-43 0-1610,27 0 0,-27 0 0,12 0 1205,15 16-1205,1-14 0,7 0 0,5 7 0,5 3 0,-1-2 0,-8-8 0,-1-2 0,0 2 0,2 3 0,1 1 0,-8-2 0,1-4 0,-35 16 0,-3-12 0,-13 12 0</inkml:trace>
+  <inkml:trace contextRef="#ctx0" brushRef="#br0" timeOffset="81601">4022 7761 24575,'40'0'0,"0"0"0,0 0 0,0 0 0,1 0 0,3 0 0,1 0 0,3 0 0,1 0 0,1 0 0,-8 0 0,0 0 0,2 0 0,1 0 0,1 0 0,1 0 0,1 0 0,0 0 0,1 0-274,-5 0 1,1 0 0,1 0 0,1 0 0,0 0 0,1 0 0,0 0 0,0 0 0,1 0 0,-1 0 0,1 0 0,-1 0 20,-2 0 1,0 0 0,0 0 0,1 0 0,-1 0 0,1 0 0,0 0 0,0 0 0,0 0 0,0 0 0,0 0 0,0 0 0,0 0-1,1 0 1,0 0 0,1 0 0,-1 0 0,1 0 0,0 0 0,-1 0 0,1 0 0,-1 0 0,0 0 0,0 0 0,-1 0 0,-1 0-46,5 0 0,0 0 0,-1 0 0,0 0 0,0 0 0,-1 0 0,0 0 0,0 0 1,-1 0-1,1 0 0,-2 0 221,2 0 0,0 0 1,0 0-1,-1 0 0,0 0 1,-1 0-1,0 0 0,-1 0 1,0 0-1,0 0 77,4 0 0,1 0 0,-1 0 0,-1 0 0,-1 0 0,-1 0 0,-1 0 0,-1 0-15,2 0 0,-2 0 0,-1 0 0,-2 0 0,1 0 1,-2 0 14,6 0 0,1 0 0,-2 0 0,-4 0 0,-5 0 0,5 0 0,-6 0 0,-4 0 0,-1 0 0</inkml:trace>
+  <inkml:trace contextRef="#ctx0" brushRef="#br0" timeOffset="96016">19050 1111 24575,'16'-19'0,"3"3"0,5 14 0,3 4 0,12-2 0,-1-1 0,-1 2 0,4 15 0,-3-16 0,-1 4 0,-17 10 0,-1 3 0,14 0 0,0 1 0,-13 1 0,0 1 0,9 3 0,7 0 0,-3-2 0,-2-1 0,0-1 0,-2-2 0,1 0 0,-2 0 0,-1 5 0,-4-1 0,-3-3 0,-4 2 0,3 23 0,13-8 0,-13 0 0,1 1 0,-4-11 0,-1 0 0,5 15 0,-3 2 0,1-2 0,2-13 0,-10 5 0,-5-1 0,-5-11 0,0-1 0,0 13 0,16 3 0,-12 4 0,12-6 0,-1 1 0,-13-7 0,0 1 0,14 6 0,0 2 0,-14 0 0,0-1 0,6-7 0,-1-1 0,-7 16 0,0-10 0,0-21 0,0 19 0,0-11 0,0 15 0,0 0 0,0 1 0,0-17 0,0 13 0,0-13 0,0 1 0,0 11 0,0 4 0,0 5 0,0-8 0,0 2 0,0-6 0,0-1 0,0 0 0,0 1 0,0 5 0,0 1 0,1-7 0,-2 1 0,-6 0 0,-1-2 0,4 10 0,-12-5 0,16-27 0,0 27 0,-16-27 0,12 28 0,-11-13 0,-1 16 0,12-7 0,-12-10 0,1 5 0,11-3 0,-28 15 0,29-15 0,-13 11 0,0-27 0,12 12 0,-11-1 0,-1 5 0,-4 15 0,-15 0 0,17-9 0,1-1 0,-1-5 0,0-1 0,1 7 0,-1-1 0,-17 11 0,0-1 0,15 0 0,4-15 0,1 11 0,11-27 0,-12 12 0,16-16 0,0 0 0,0 0 0</inkml:trace>
+  <inkml:trace contextRef="#ctx0" brushRef="#br0" timeOffset="103135">25347 2046 24575,'35'0'0,"-10"0"0,1 0 0,1 0 0,1 0 0,7 0 0,1 0 0,-8 0 0,-1 0 0,8 0 0,-19 0 0,-16 0 0,31 0 0,-5 0 0,3 0 0,10 0 0,4 0 0,-9 0 0,1 0 0,0 0 0,14 0 0,0 0 0,-4 0 0,0 0 0,0 0 0,-4 0 0,-12 0 0,-3 0 0,10 0 0,-21 0 0,1-16 0,19 13 0,-9-5 0,3 0 0,6-1 0,1 2 0,-8 6 0,-2-2 0,10-12 0,11 15 0,-21-8 0,3 0 0,16 6 0,8 0-665,-11-4 1,5-4-1,2 1 1,-1 3 664,-1 3 0,1 2 0,1 2 0,3-2 0,-12-1 0,4 0 0,1-1 0,0 0 0,0 1 0,-2-1 0,-3 2 0,7 0 0,-3 1 0,-1 1 0,1-1 0,5 0 0,3 0 0,-4 0 0,-9 0 0,-9 0 0,-5 0 0,1 0 0,-1 0 0,0 0 0,1 0 0,8 0 0,3 0 0,-4 0 0,3 0 0,0 0-159,1 0 1,-1 0 0,1 0 158,4 0 0,1 0 0,-3 0 0,-1 0 0,-2 0 1293,0 0 1,-5 0-1294,-12 0 0,13 0 0,3 0 0,-4 0 0,8 0 0,3 0 273,-17 0 0,1 0-273,17 0 0,0 0 0,-15 0 0,-1 0 0,0 0 0,-3 0 0,-5 0 0,-3 0 0,-16 0 0,0 0 0,16 16 0,3-12 0,17 11 0,-1-15 0,-16 0 0,13 0 0,-28 0 0,11 0 0</inkml:trace>
+  <inkml:trace contextRef="#ctx0" brushRef="#br0" timeOffset="105216">25770 3193 24575,'30'0'0,"-1"0"0,6 0 0,3 0 0,8 0 0,6 0 0,-7 0 0,7 0 0,1 0 0,-3 0 0,-1 0 0,-3 0 0,4 0-622,-8 0 1,3 0 0,1 0 0,-1 0 0,-4 0 621,6 0 0,-3 1 0,-2-2 0,0-4 0,-1-1 0,0 1 156,-3 3 0,0 2 1,0-2-157,-2-3 0,0-1 0,-3 1 312,6 6 1,-3-2-313,-1-6 0,-3-1 0,3 4 0,-16-12 1583,13 16-1583,6 0 0,6 0 0,3 0 0,4 0-312,-13 0 1,4 0 0,1 0 0,-1 0 311,-2 0 0,-1 0 0,1 0 0,-1 0 0,0 0 0,-1 0 0,1 0 0,-2 0-314,11 0 1,-1 0 0,-1 0 313,1 0 0,-1 0 0,-1 0 0,-8 0 0,-1 0 0,0 0 0,4 0 0,1 0 0,0 0 0,-1 1 0,1-1 0,-1-1 0,3-3 0,0-2 0,5 0 0,-5 3 0,6 0 0,1-1 0,-1 0 0,-3-1 0,-1-3 0,-3-2 0,0 1 0,1 1 0,-2 2 0,3 3 0,-1-1 0,-2 1 0,-6-1 0,12-5 0,-8 2 0,-12 7 0,-3 0 0,12 0 0,-1 0 0,0 0 1590,0 0-1590,-7 0 1024,-11 0-1024,7 0 0,-20 16 0,12-12 0,-16 12 0,-16-16 0,12 0 0,-12 0 0,16 0 0</inkml:trace>
+</inkml:ink>
+</file>
+
 <file path=ppt/ink/ink2.xml><?xml version="1.0" encoding="utf-8"?>
 <inkml:ink xmlns:inkml="http://www.w3.org/2003/InkML">
   <inkml:definitions>
@@ -2118,6 +2732,255 @@
   <inkml:trace contextRef="#ctx0" brushRef="#br0" timeOffset="25366">20673 8943 24575,'33'0'0,"0"0"0,11 0 0,3 0 0,-7 0 0,3 0 0,-1 0-683,-3 0 1,-1 0-1,3 0 683,-5 0 0,2 0 0,1 0 0,-1 0 0,7 0 0,0 0 0,2 0-478,-5 0 0,2 0 0,1 0 0,0 0 478,3 0 0,1 1 0,-1-1 0,-1-1 0,-5-2 0,-1-2 0,0 1 0,0 0-44,0 3 1,1 0 0,-1 1 0,-1-2 43,8-3 0,-2-1 0,0 2 0,-2 3 0,0 1 0,1 1 0,2-1 0,0 0 0,0 0 0,-5 0 0,-1 1 0,1-2 0,3-4 0,1-1 0,1 1 0,-7 3 0,2 2 0,0 0 0,-2-2 0,6-2 0,-2-2 0,1 0 0,-5 2 0,2 0 0,-1 0 0,-3 1-63,-1 1 1,-2 2 0,-1-2 62,2-3 0,-1 0 0,0-1 0,10-2 0,0 0 437,-1 7 0,-2-2-437,-14-5 0,-1 1 976,6 6 0,1 2-976,-7-1 0,1 0 630,7 0 0,0 0-630,-7 0 0,-1 0 117,0 0 0,-3 0-117,3 0 0,7 0 0,-23 0 0,5 0 0,0 0 0,19 0 0,-8 0 0,1 0 0,0 0 0,-1 0 0,-1 0 0,-1 0 0,10 0 0,-15 0 0,11 0 0,-27 0 0,12 0 0,-16 0 0,0 0 0</inkml:trace>
   <inkml:trace contextRef="#ctx0" brushRef="#br0" timeOffset="55283">3316 10389 24575,'39'0'0,"1"0"0,-1 0 0,-2 0 0,0 0 0,2 0 0,2 0 0,3 0 0,0 0 0,0 0-820,-4 0 1,0 0 0,0 0 0,1 0 793,2 0 1,2 0 0,0 0 0,-2 0 25,-4 0 0,-1 0 0,0 0 0,0 0 0,1 0 0,-1 0 0,1 0 0,0 0 0,10 0 0,0 0 0,2 0 0,-9 1 0,2-1 0,1 0 0,0-1-356,3-1 1,2-2 0,-1-1 0,0 1 355,-2-1 0,0 0 0,0 0 0,0 0 0,1 0 0,0 1 0,0-1 0,-2-1-15,-6-1 0,-2-2 0,-1 0 0,1 3 15,1 4 0,0 2 0,1 0 0,-1-2 0,0-4 0,-1-3 0,1 0 0,2 2-417,-3 2 1,1 1 0,2 0 0,0 1 0,0-1 416,1 0 0,1 1 0,1-1 0,0 0 0,0 0 0,3-2 0,1-1 0,0-1 0,0 2 0,0 1 0,1 3 0,0 1 0,0 2 0,0-1 0,-2-2 0,-4 0 0,-2-2 0,1 0 0,-1 1 0,0 1 0,1 1 0,0 1 0,1 0 0,-1 0 0,-1 1-16,6-1 1,-1 1 0,-1-1 0,1-1 15,-2-2 0,0-2 0,0 0 0,0 2 0,4 2 0,0 1 0,0 0 0,0-3-46,-1-3 0,0-3 0,0 0 0,1 2 46,-7 2 0,1 2 0,0-1 0,0 1 0,0-2 0,-1-1 0,0-1 0,0 0 0,0-1 0,-1 1 0,9-2 0,0 0 0,0 0 0,0 1 0,-1 0 0,1 2 0,-1-1 0,-1 0 0,-2-1 0,0-1 0,-2 0 0,1 2 12,-6 3 1,1 2-1,-2 0 1,1-2-13,1-3 0,0-2 0,0 0 0,-1 3 0,8 3 0,-2 3 0,0-1 629,-7-4 0,-1-1 0,0 1-629,-1 5 0,0 1 0,-3-2 755,4-7 1,-1 0-756,0 6 0,0 0 1103,8-6 1,1 1-1104,-7 6 0,0 2 655,7-1 1,-2 0-656,5 0 109,-14 0 1,-1 0-110,15 0 0,-13 0 0,3 0 0,5 0 0,2 0-202,-10 0 1,2 0 0,0 0 201,0 0 0,0 0 0,1 0 0,9 0 0,1 0 0,-2 0 0,2 0 0,0 0 0,-8 0 0,1 0 0,-2 0 0,3 0 0,1 0 0,-5 0 0,4 0 0,0 0 0,3 0 0,0 0 0,1 0-485,-6 0 0,1 0 0,1 0 0,0 0 485,6 0 0,1 0 0,1 0 0,-1 0 0,-3 0 0,0 0 0,0 0 0,0 0 0,5-1 0,0 1 0,1 0 0,-2 1 0,-3 2 0,-2 1 0,0 1 0,1-2 0,1-1 0,0-3 0,0 2 0,0 1 0,-2 5 0,0 1 0,0 1 0,0-1 0,0-3 0,1 0 0,-1 0 0,0-1 0,-2 1 0,0 0 0,-1 0 0,2 0 0,4 1 0,1 0 0,0 0 0,-1-1 0,-3 0 0,-1-1 0,-1 0 0,2 1 0,4 1 0,0 1 0,1 0 0,-2 1 0,-6 0 0,0 2 0,-2-1 0,1-1-209,-2-3 1,-1 0 0,1-1 0,-2 1 208,6 5 0,-1 2 0,-1-2 0,-2-3 0,0-1 0,0 0-68,-2 0 1,-1 0 0,0 2 67,10 9 0,0-3 257,-1-12 0,-2 0-257,-6 14 0,-2 0 942,2-14 0,-1 0-942,1 6 0,-1-1 469,-8-7 1,0 0-470,14 8 0,1 0 121,-13-7 0,1 2-121,15 12 0,4 1 0,-6-14 0,2 0-228,-8 7 0,1 4 0,1-4 228,-3-6 0,0-3 0,1 1 0,8 4 0,2 0 0,-2 1 0,-3 0 0,0-1 0,0 0-377,4-3 0,2-2 0,-1 2 377,0 3 0,0 1 0,0-2 0,3-2 0,-1-3 0,1 0 0,-2 1 0,-1 0 0,1 0 0,2 0 0,0 0 0,-1 0 0,-2 0 0,0 0 0,0 0 0,0 0 0,0 0 0,0 0 0,0 0 0,1 0 0,-2 0 0,-1 0 0,-1 0 0,1 0 0,-7 0 0,0 0 0,2 0 0,-1 0-356,-2 0 1,1 0 0,0 0 0,1 0 355,8 0 0,1 0 0,1 0 0,-1 0-449,-2 0 1,-2 0 0,1 0-1,1 0 449,3 0 0,1 0 0,1 0 0,-1 0 0,-2 0 0,0 0 0,0 0 0,2 0-352,-7 0 1,0 0 0,1 0 0,1 0 0,-1 0 351,2 0 0,0 0 0,1 0 0,-1 0 0,0 0 0,-1 0 0,-1 0 0,1 0 0,-1 0 0,2 0 0,-4 0 0,0 0 0,1 0 0,0 0 0,1 0 0,-1 0-329,-1 0 0,1 0 0,0 0 1,0 0-1,0 0 0,1 0 329,-2 0 0,1 0 0,0 0 0,1 0 0,0 0 0,-1 0 0,0 0 0,6 0 0,0 0 0,0 0 0,0 0 0,0 0 0,0 0 0,0 0 0,1 0 0,-1 0 0,1 0 0,-1 0 0,0 0 0,0 0 0,-1 0 0,1 0 0,-1 0 0,0 0 0,0 0 0,-1 0 0,-1 0 0,1 0 0,-1 0 0,0 0 0,0 0-192,1 0 0,0 0 0,0 0 0,0 0 0,0 0 0,-1 0 192,-3 1 0,0-1 0,0 0 0,-1 1 0,0-2 0,0 0-60,5-1 1,-1-1 0,0-1-1,0 0 1,0 2 59,-2 1 0,1 1 0,-1 0 0,-1-1 0,0-1 0,7-5 0,-2-2 0,0 0 0,0 2 177,-1 5 1,-1 2 0,0 0 0,0-2-178,-5-1 0,-1-1 0,0 0 0,-1 0 648,9-2 0,-1 0 0,-1 2-648,1 2 0,-1 2 0,-1-2 0,-11-3 0,-1-1 0,1 1 814,6 4 0,1 2 0,-2-1-814,3 0 0,-2 0 0,-5 0 0,0 0 0,-3 0 1140,-2 0 1,-1 0-1141,5 0 0,-1 0 1618,2 0-1618,-15 0 1016,-5 0-1016,-15-15 196,0 11-196,0-12 0,0 16 0,16 0 0,19-15 0,-9 5 0,3 0 0,13 0 0,2 0 0,1-6 0,0 1 0,1 12 0,-1 2 0,-9-7 0,-2 0 0,-7 8 0,-3 0 0,4 0 0,-11 0 0,7 0 0,-5 0 0,17 0 0,-17 0 0,13 0 0,-29 0 0,13 0 0,0 0 0,19 0 0,-9 0 0,3 0 0,13 0 0,2 0 0,2 0 0,-2 0 0,-6 0 0,-1 0 0,-1 0 0,-6 0 0,-10 0 0,-4 0 0,-16 0 0,0 0 0</inkml:trace>
   <inkml:trace contextRef="#ctx0" brushRef="#br0" timeOffset="69533">7373 12012 24575,'35'0'0,"4"0"0,5 0 0,-10 0 0,3 0 0,1 0-820,0 0 1,2 0 0,1 0 0,1 0 758,3 0 0,1 0 0,0 0 0,1 0-368,-6 0 1,1 0-1,0 0 1,0 0-1,1 0 429,1 0 0,0 0 0,1 0 0,0 0 0,0 0 0,4 0 0,0 0 0,0 0 0,1 0 0,0 0-252,-5 0 1,0 0-1,0 0 1,1 0 0,-1 0-1,0 0 252,-2 0 0,-1 0 0,0 0 0,0 0 0,0 0 0,0 0 0,0 0 0,1 0 0,0 0 0,0 0 0,-1 0 0,-1 0-382,6 0 1,-2 0 0,0 0 0,0 0 0,1 0 381,0 0 0,1 0 0,0 0 0,0 0 0,1 0 0,-5 0 0,1 0 0,0 0 0,0 0 0,1 0 0,0 0-199,1 0 1,0 0 0,0 0-1,0 0 1,1 0 0,0 0 198,1 0 0,0 0 0,0 0 0,1 0 0,-1 0 0,1 0 0,0 0 0,1 0 0,0 0 0,-1 0 0,1 0 0,-2 0 0,-3 0 0,-1 0 0,-1 0 0,1 0 0,-1 0 0,1 0 0,0 0 0,0 0 1,0 0-1,0 0 1,0 0-1,-2 0 0,3 0 0,0 0 0,-2 0 0,0 0 0,1 0 0,-2 0 0,0 0 0,-1 0 0,1 0 0,0 0 0,2 0 0,-1 0 0,1 0 0,0 0 0,1 0 0,3 0 0,2 0 0,-1 0 0,1 0 0,0 0 35,-2 0 0,1-1 0,-1 1 0,1 0 0,0 1-35,-6 1 0,0 0 0,1 1 0,0 0 0,-1 0 0,1 0 0,-2 0 0,0 0 0,0 0 0,1 1 0,-1-1 0,1 0-106,2 1 0,1-1 0,-1 0 0,1 0 0,0 0 0,1 1 106,-5 0 0,0 0 0,1 1 0,-1 0 0,2 0 0,-1-1 0,1 0-86,1 0 1,1-1 0,0 0 0,1-1-1,0 1 1,0-1 0,0 1 85,1 0 0,1-1 0,0 1 0,0-1 0,1 1 0,-1 0 0,2 1-173,-4-1 0,1 1 1,0 1-1,1-1 0,-1 1 1,1-1-1,0-1 0,-1 0 173,-1-2 0,0 0 0,0-1 0,0 0 0,-1 0 0,1 0 0,1 0 0,-1 2 0,-3 0 0,1 1 0,0 1 0,0-1 0,0 1 0,0 0 0,0 0 0,-1 0 0,0-1 0,2 0 0,1 0 0,-2-1 0,1 1 0,-1-1 0,1 0 0,-1 0 0,0 1-74,4 0 0,1-1 1,-1 1-1,0 0 0,0 0 1,0 0-1,0-1 74,-4 1 0,1-1 0,-1 0 0,1 0 0,-1 1 0,1-2 0,-1 1 0,0-1 0,5 0 0,0-1 0,0 0 0,-1 0 0,1-1 0,0 1 0,0 0-70,-5 0 1,0 0 0,1 0 0,-1 0 0,1 0 0,0 0 0,-1 0 0,1 0 69,2 0 0,-1 0 0,1 0 0,0 0 0,0 0 0,0 0 0,0 0 0,0 0-65,0 0 1,0 0-1,0 0 1,0 0-1,1 0 1,-1 0-1,1 0 1,1 0 64,-4 0 0,1 0 0,1 0 0,-1 0 0,1 0 0,0 0 0,-1 0 0,0 0 0,0 0 0,3 0 0,0 0 0,-1 1 0,1-1 0,-1 0 0,0 0 0,0 0 0,1-1 16,0 0 1,0-1-1,0 0 1,0-1 0,1 1-1,-2 0 1,0 0-1,0 0-16,1 1 0,1 1 0,-2 0 0,0-1 0,0 1 0,-1 0 0,1-2 14,-4 1 1,0-1 0,0 0-1,0-1 1,-1 1 0,1-1 0,-1 1-15,1-1 0,0 1 0,0-1 0,0 1 0,0 0 0,-1 0 0,-1 0 134,1 1 0,0 0 0,-1 1 0,-1 0 0,1-1 0,0 0-134,0-1 0,1 0 0,0-1 0,0 0 0,0 0 0,-1 0 0,0 1 0,-1-1 0,0 1 0,0-1 0,1 1 0,0-1 0,3 0 0,0 1 0,0-1 0,1 0 0,1-1 0,-1-1 88,-3-1 1,-1 0-1,1-2 1,0 0-1,1 0 1,0 0 0,0 1-89,3 1 0,1 1 0,1 0 0,-1 0 0,1 0 0,0-1 0,-1-1 0,-1-1 0,1-2 0,-1 0 0,1-1 0,-1 1 0,0 1 0,1 0 0,0 2 0,0 1 0,0 1 0,0 0 0,0 0 0,0 0 0,-2-1 138,3-1 1,0 0 0,-1 0 0,0-1 0,-1 1-1,0 0-138,-3 1 0,0 0 0,0 0 0,-1 0 0,-1 1 0,-1 1 222,4 0 1,-1 2 0,-1 0 0,-1 0 0,-1 0-223,4-2 0,-2-1 0,-1 1 0,0 1 348,-2 2 0,-1 1 0,-1 1 0,-2-1-348,4 0 0,-2 0 0,-1 0 1092,-2 0 0,-1 0 0,-2 0-1029,0 0 1,-4 0 2983,7 0-3047,-5 0 1921,-27 0-1921,12 0 231,-16 16 0,0-12 0,0 12 0</inkml:trace>
+</inkml:ink>
+</file>
+
+<file path=ppt/ink/ink20.xml><?xml version="1.0" encoding="utf-8"?>
+<inkml:ink xmlns:inkml="http://www.w3.org/2003/InkML">
+  <inkml:definitions>
+    <inkml:context xml:id="ctx0">
+      <inkml:inkSource xml:id="inkSrc0">
+        <inkml:traceFormat>
+          <inkml:channel name="X" type="integer" min="-2.14748E9" max="2.14748E9" units="cm"/>
+          <inkml:channel name="Y" type="integer" min="-2.14748E9" max="2.14748E9" units="cm"/>
+          <inkml:channel name="F" type="integer" max="32767" units="dev"/>
+        </inkml:traceFormat>
+        <inkml:channelProperties>
+          <inkml:channelProperty channel="X" name="resolution" value="1000" units="1/cm"/>
+          <inkml:channelProperty channel="Y" name="resolution" value="1000" units="1/cm"/>
+          <inkml:channelProperty channel="F" name="resolution" value="0" units="1/dev"/>
+        </inkml:channelProperties>
+      </inkml:inkSource>
+      <inkml:timestamp xml:id="ts0" timeString="2026-02-04T21:00:25.432"/>
+    </inkml:context>
+    <inkml:brush xml:id="br0">
+      <inkml:brushProperty name="width" value="0.05292" units="cm"/>
+      <inkml:brushProperty name="height" value="0.05292" units="cm"/>
+      <inkml:brushProperty name="color" value="#FF0000"/>
+    </inkml:brush>
+  </inkml:definitions>
+  <inkml:trace contextRef="#ctx0" brushRef="#br0">24553 2223 24575,'41'0'0,"-1"0"0,0 0 0,0 0 0,0 0 0,-2 0 0,6 0 0,-7-1 0,5 1 0,2-1 0,1 1 0,-1 0 0,-4 2-820,6 1 1,-4 1 0,0 1 0,1-2 728,5-2 0,0-1 0,1 0 0,-2 3 91,-6 4 0,0 2 0,-2 0 0,1-3 108,8-4 1,-1-2-1,-1 2-108,-7 7 0,-2 3 0,0-1 0,-2-4 0,0-1 0,-1 0 0,15 4 0,0 0 0,-13-2 0,-1 0 0,0-1 0,11 3 0,-2-2 387,1-2 1,-3 0-388,-14 1 0,-2 2 0,0-1 0,-1-1 0,0-5 0,1 0 0,10 7 0,5 3 0,0-2 0,-1-2 0,1-2 0,3 0-169,-3-1 1,3-1-1,2-1 1,0 1 0,-1 0 168,-4-1 0,-1 1 0,0-1 0,2 0 0,3-1 0,-2 0 0,5-2 0,1 0 0,1 0 0,-1-1 0,-1 1 0,-2-1 0,4 1 0,-3 0 0,-1 0 0,0 0 0,2 0 0,-4 0 0,2 0 0,0 0 0,-1 0 0,-3 0 0,-3 0 84,12 0 0,-6 0 1,-3 0-85,5 0 0,-4 0 0,-15 0 0,-1 0 0,20 0 0,0 0 0,4 0 0,-6 0 0,4 0-236,-9 0 1,4 0 0,1 0-1,-4 0 236,0 0 0,-3-1 0,1 2 0,2 4 0,0 1 0,-2-1 1183,7-4 0,-1 2-1183,-12 6 0,2 4 0,-2-4 0,13-7 0,-1 0 0,0 14 0,0 0 188,-9-14 1,-2 0-189,-7 6 0,-3-1 0,12-7 0,-17 0 1099,13 0-1099,-29 0 230,29 0-230,-5 0 0,5 0 0,5 0 0,3 0 0,2 0 0,-8 0 0,2 0 0,0 0-140,4 0 1,2 0 0,-2 0 139,7 0 0,0 0 0,-13 0 0,2 0 0,-4 0 0,-4 0 0,-2 0 0,1 0 0,-3 0 0,-4 0 0,11 0 0,-11 0 0,-1 0 104,13 0 1,-28 0-1,11 0 1</inkml:trace>
+  <inkml:trace contextRef="#ctx0" brushRef="#br0" timeOffset="2116">24871 3298 24575,'46'0'0,"0"0"0,0 0 0,3 0 0,5 0 0,-9 0 0,3 0 0,2 0 0,1 0 0,2 0-469,-9 0 1,2 0 0,0 0 0,2 0 0,0 0 0,0 0 0,1 0 58,-2 0 0,0 0 1,0 0-1,1 0 1,1 0-1,1 0 0,0 0 1,2 0 152,-6 0 1,1 0-1,2 0 1,1 0 0,0 0-1,1 0 1,-1 0-1,-1 0 1,0 0 0,-2 0-1,-2 0 257,5 0 0,-2 0 0,-2 0 0,0 0 0,-1 0 0,0 0 0,2 0 0,1 0 0,0 0 0,2 0 0,2 0 0,0 0 0,0 0 0,-1 0 0,-3 0 0,-1 0 0,-5 0 419,8 0 0,-5 0 1,-2 0-1,-1 0 0,2 0-419,4 0 0,3 0 0,-2 0 0,0 0 0,-5 0 0,7 0 0,-4 0 0,0 0 0,1 0 0,-1 0 0,-9 0 1532,-2 0-1532,-5 0 0,-27 0 0,43 0 3276,-24 0-2277,3 0 0,-1 0-526,-5 0-473,27 0 0,-15 0 0,5 0 0,4 0-760,0 0 0,4 0 0,2 0 0,2 0 760,-9 0 0,2 0 0,2 0 0,0-1 0,0 2 0,1-1-496,1 2 0,1 1 1,1 0-1,-1 0 1,0 0-1,0-1 496,-3 0 0,0 0 0,0 0 0,-1 0 0,-1 0 0,0 0 0,2 1 0,0 1 0,0 0 0,-3-1 0,-1 1-53,13-1 0,-2 0 0,-6-2 53,2 0 0,-8-2 0,-3 1 0,-21 0 0,-15 0 0</inkml:trace>
+  <inkml:trace contextRef="#ctx0" brushRef="#br0" timeOffset="13116">3193 9525 24575,'0'35'0,"0"-3"0,0 3 0,0 0 0,0 4 0,0 7 0,0 5 0,0-3 0,0 2 0,0 0-389,0-4 0,0 3 0,0-3 389,0-11 0,0-1 0,0 3 0,0 2 0,0 5 0,0 2 0,0 0 0,0-1 0,0 4 0,0-1 0,1 0 0,-2 3-302,-1-11 1,0 3 0,-1 0 0,0 0 0,0-1 0,0-2 301,-1 6 0,-1-2 0,0-1 0,-1-2 0,0 5 0,0-2 0,-1-1-239,-4-2 1,-1 0-1,3-1 239,7-1 0,2 1 0,-2 2-49,-3 3 1,-3 2 0,-1 2-1,0-1 49,0-3 0,0 0 0,0 0 0,1 0 0,2 0 0,1 1 0,0-2 0,-3-1 249,-7 6 0,-3-3 0,4 0-249,11 0 0,4 1 0,-3-2 0,-7-6 0,-3-1 0,2 2 329,8-3 1,2 3 0,1-1 0,-4-2-330,-7 0 0,-2-2 0,3-1 0,6 11 0,2 0 398,-6 3 0,-2-2-398,1-9 0,0-1 113,7 3 1,-1 0-114,-7-3 0,2-1 0,6-8 0,2 0 0,-1 0 0,0-3 795,0-4-795,0 11 0,0-27 0,0 28 0,0-29 0,0 13 0,0-16 0</inkml:trace>
+  <inkml:trace contextRef="#ctx0" brushRef="#br0" timeOffset="48366">9560 9984 24575,'41'0'0,"-1"0"0,1 0 0,7 0 0,1 0 0,3 0 0,-6 0 0,2 0 0,2 0 0,0 0-656,-7 0 1,1 0-1,1 0 1,1 0 0,-1 0 176,4 0 1,0 0 0,1 0 0,0 0 0,-1 0 478,-1 0 0,-2 0 0,1 0 0,1 0 0,2 0 0,-6 0 0,3 0 0,0 0 0,1 0 0,0 0 0,-2 0 0,-2 0 0,3 0 0,-2 0 0,-1 0 0,0 0 0,3 0 0,0 0 0,2 0 0,2 0 0,-2 0 0,-2 0 0,-4 0 30,-2 0 0,-3 0 1,-2 0-1,2 0-30,3 0 0,0 0 0,2 0 0,2 0 0,-4 0 0,2 0 0,1 0 0,1 0 0,0 0 0,0 0 0,-1 0 0,0 0 0,-1 0 0,2 0 0,2 0 0,4 0-298,-8 0 0,3 0 0,2 0 0,2 0 0,2 0 0,0 0 0,0 0 0,0 0 1,-2 0-1,-2 0 0,-2 0 192,4 0 1,-2 0 0,-3 0 0,0 0 0,0 0-1,1 0 1,2 0 0,2 0 105,-7 0 0,1 0 0,2 0 0,2 0 0,0 0 0,0 0 0,0 0 0,0 0 0,0 0 0,-2 0 0,-1 0 0,-3 0 0,9 0 0,-2 0 0,-1 0 0,-2 0 0,0 0 0,0 0 0,1 0 0,1 0-164,-4 0 0,0 0 0,0 0 1,1 0-1,0 0 0,0 0 0,0 0 1,1 0-1,1 0 164,1 0 0,1 0 0,1 0 0,0 1 0,1-1 0,0 0 0,-1 0 0,0 0 0,-2-1 0,-1 1 0,3-2 0,-2 1 0,-1-1 0,-1 0 0,1 0 0,0-1 0,1 1 0,1 0-15,-2 0 0,0 1 0,0-1 0,2 1 1,0-1-1,0 0 0,1 0 0,-1 0 0,1-1 1,-1 0 14,-2 0 0,1-1 0,0-1 0,0 1 0,0-1 0,0 0 0,0 0 0,0 0 0,-1 0 0,-1 0 0,0 0-265,3 1 0,0-1 0,-1 1 0,-1 0 1,0 0-1,0-1 0,1 1 0,0 0 0,2-1 265,-4 1 0,1-1 0,2 1 0,0-1 0,0 0 0,0 0 0,0 0 0,-1 1 0,-1-1 0,-1 1 0,-2-1 0,5 0 0,-2 1 0,-1-1 0,-1 0 0,-1 1 0,0 0 0,-1 0 0,0 0 301,8 0 0,-1 0 1,-1 1-1,0 0 1,-1 0-1,-1 0-301,4 0 0,0-1 0,-2 1 0,-1 0 0,-2 1 233,-1 1 1,-2 1 0,-2 0 0,-2 1-234,4-1 0,-2 0 0,-3 0 930,6 0 0,-2 0-930,-7 0 0,1 0 0,-4 0 0,2 0 0,2 0 1092,6 0 0,2 0 0,3 0-963,-5 0 1,2 0 0,2 0 0,0 0-21,-3-1 0,1 1 0,1-1 1,-1 2-1,0 0-109,-4 1 0,0 1 0,-1 1 0,1 0 0,1-2 0,3-1 0,1-1 0,0 0 0,0 1 0,-1 1 0,4 5 0,-2 2 0,1 0 0,0-2 0,-6-5 0,1-2 0,1-1 0,-1 1 0,0 3 0,-1 1 0,0 3 0,0 0 0,-1 0 0,1-1 0,8-1 0,1-1 0,-1 1 0,-1 1-120,-3 2 0,-1 1 1,0 1-1,-1-2 120,-5-2 0,0-2 0,-1 1 0,-1-1-153,6 2 1,-1-1-1,-1 0 153,-1 1 0,-1-1 0,-1 0 0,-1-4 0,-1-1 0,0 3 0,0 6 0,0 4 0,1-4 0,-1-6 0,1-3 0,-1 1 681,11 7 0,-2 0-681,-8-8 0,-2 0 1131,1 3 1,-3 1-1132,7-2 713,-13 2 0,-1 0-713,10-4 614,1 16-614,-12-14 0,3 0 0,2 5 0,4 2 0,9-3 0,6-1 0,-2-1 0,-10-2 0,0-1 0,1 0-126,1 3 0,2 0 0,-1 1 1,-3-2 125,11-3 0,-4 0 0,-5 0 0,-5 0 0,2 0 0,-3 0 0,-29 0 0,13 0 0,-16 0 0,0 0 0,0 0 0</inkml:trace>
+</inkml:ink>
+</file>
+
+<file path=ppt/ink/ink21.xml><?xml version="1.0" encoding="utf-8"?>
+<inkml:ink xmlns:inkml="http://www.w3.org/2003/InkML">
+  <inkml:definitions>
+    <inkml:context xml:id="ctx0">
+      <inkml:inkSource xml:id="inkSrc0">
+        <inkml:traceFormat>
+          <inkml:channel name="X" type="integer" min="-2.14748E9" max="2.14748E9" units="cm"/>
+          <inkml:channel name="Y" type="integer" min="-2.14748E9" max="2.14748E9" units="cm"/>
+          <inkml:channel name="F" type="integer" max="32767" units="dev"/>
+        </inkml:traceFormat>
+        <inkml:channelProperties>
+          <inkml:channelProperty channel="X" name="resolution" value="1000" units="1/cm"/>
+          <inkml:channelProperty channel="Y" name="resolution" value="1000" units="1/cm"/>
+          <inkml:channelProperty channel="F" name="resolution" value="0" units="1/dev"/>
+        </inkml:channelProperties>
+      </inkml:inkSource>
+      <inkml:timestamp xml:id="ts0" timeString="2026-02-04T21:01:43.765"/>
+    </inkml:context>
+    <inkml:brush xml:id="br0">
+      <inkml:brushProperty name="width" value="0.05292" units="cm"/>
+      <inkml:brushProperty name="height" value="0.05292" units="cm"/>
+      <inkml:brushProperty name="color" value="#FF0000"/>
+    </inkml:brush>
+  </inkml:definitions>
+  <inkml:trace contextRef="#ctx0" brushRef="#br0">7161 10742 24575,'36'0'0,"-1"0"0,7 0 0,2 0 0,1 0 0,0 0 0,-11 0 0,1 0 0,2 0 0,0 0 0,3 0 0,-1 0 0,-2 0 0,-2 0 0,-2 0 0,1 0 0,12 0 0,1 0 0,-7 0 0,7 0 0,-14 0 0,-1 0 0,15 0 0,-13 0 0,3 0 0,-2 0 0,0 0 0,-7 0 0,-1 0 0,6 0 0,1 0 0,-8 0 0,2 0 0,9 0 0,5 0 0,-3 0 0,2 0 0,0 0 0,-2 0 0,1 0 0,-1 0 0,6 0 0,-4 0 0,-11 0 0,-1 0 0,5 0 0,-1 0 0,10 0 0,-6 0 0,-9 0 0,3 0 0,11 0 0,2 0 0,-5 0 0,0 0 0,-5 0 0,1 0 0,-2 0 0,4 0 0,-3 0 0,-6 0 0,-1 0 0,0 0 0,-3 0 0,-5 0 0,13 0 0,-13 0 0,17 0 0,-17 0 0,13 0 0,-13 0 0,16 0 0,-11 0 0,3 0 0,7 0 0,5 0 0,-2 0 0,5 0 0,0 0 0,4 0 0,4 0 0,-5 0 0,-6 0 0,-3 0 0,0 0 0,-1 0 0,-9 0 0,-2 0 0,12 0 0,-11 0 0,1 0 0,1 0 0,1 0 0,-1 0 0,0 0 0,7 0 0,-1 0 0,-6 0 0,1 0 0,7 0 0,1 0 0,-9 0 0,0 0 0,4 0 0,-3 0 0,9 0 0,-9 0 0,-12 0 0,-1 0 0,5 0 0,18 0 0,6 0 0,-6 0 0,3 0-260,2 0 1,5 0 0,-2 0 259,-9 0 0,0 0 0,-2 0 0,1 0 0,0 0 0,-2 0 0,11 0 0,-3 0 0,-14 0 0,-2 0 0,1 0 0,-3 0 0,12 0 0,-11 0 0,1 0 0,21 0 389,-21 0 0,1 0-389,16 0 0,-24 0 0,13 0 0,-28 0 0,11 0 0,1 0 0,14 4 0,12 3 0,0-2 0,-8-3 0,0-2 0,3 2-363,7 1 0,5 2 0,0-1 1,-2-1 362,2-2 0,-2-1 0,-2-1 0,-7 1 0,-2 0 0,-1 0 0,15 0 0,-5 0 0,-18-1 0,-2 2 0,5 7 0,-1 0 0,10-4 0,-3 12 0,-21-16 1451,1 0-1451,4 0 0,9 0 0,8 0 0,5 0 0,6 0 0,-1 0 0,-1 0 0,-1 0 0,2 0 0,-8 0 0,2 0 0,-1 0 0,-4 0 0,12 0 0,-9 0 0,-4 0 0,-19 0 0,-16 0 0,0 0 0</inkml:trace>
+</inkml:ink>
+</file>
+
+<file path=ppt/ink/ink22.xml><?xml version="1.0" encoding="utf-8"?>
+<inkml:ink xmlns:inkml="http://www.w3.org/2003/InkML">
+  <inkml:definitions>
+    <inkml:context xml:id="ctx0">
+      <inkml:inkSource xml:id="inkSrc0">
+        <inkml:traceFormat>
+          <inkml:channel name="X" type="integer" min="-2.14748E9" max="2.14748E9" units="cm"/>
+          <inkml:channel name="Y" type="integer" min="-2.14748E9" max="2.14748E9" units="cm"/>
+          <inkml:channel name="F" type="integer" max="32767" units="dev"/>
+        </inkml:traceFormat>
+        <inkml:channelProperties>
+          <inkml:channelProperty channel="X" name="resolution" value="1000" units="1/cm"/>
+          <inkml:channelProperty channel="Y" name="resolution" value="1000" units="1/cm"/>
+          <inkml:channelProperty channel="F" name="resolution" value="0" units="1/dev"/>
+        </inkml:channelProperties>
+      </inkml:inkSource>
+      <inkml:timestamp xml:id="ts0" timeString="2026-02-04T21:04:43.215"/>
+    </inkml:context>
+    <inkml:brush xml:id="br0">
+      <inkml:brushProperty name="width" value="0.05292" units="cm"/>
+      <inkml:brushProperty name="height" value="0.05292" units="cm"/>
+      <inkml:brushProperty name="color" value="#FF0000"/>
+    </inkml:brush>
+  </inkml:definitions>
+  <inkml:trace contextRef="#ctx0" brushRef="#br0">4198 15381 24575,'27'0'0,"22"0"0,-18 0 0,1 0 0,-3 0 0,1 0 0,4 0 0,-1 0 0,2 0 0,-15 0 0,11 0 0,-27 0 0,11 0 0,-15 0 0,16 0 0,4 0 0,12 0 0,14 0 0,6 0 0,-6 0 0,-1 0 0,-3 0 0,4 0 0,-2 0 0,4 0 0,1 0 0,-1 0 0,-5 0 0,2 0 0,-5 0 0,-2 0 0,4 0 0,-5 0 0,-2 0 0,-4 0 0,-27 0 0,43 0 0,-39 0 0,23 0 0,-15 0 0,-12 0 0,43 0 0,-8 0 0,3-7 0,2-2 0,-13 8 0,-3-1 0,0-7 0,-5 2 0,-7 7 0</inkml:trace>
+  <inkml:trace contextRef="#ctx0" brushRef="#br0" timeOffset="1851">4233 16140 24575,'26'0'0,"8"0"0,6 0 0,5 0 0,4 0-636,-3 0 0,2 0 1,-1 0 635,-4 0 0,-1 0 0,-1 0 0,-4 0 0,-2 0 0,-1 0 307,3 0 1,-4 0-308,-5 0 0,-5 0 315,-3 0-315,11 0 0,-7 0 0,3 0 0,12 0 0,4 0 0,-8 0 0,2 0 0,-1 0 0,2 0 0,1 0 0,-2 0 488,9 0 1,-2 0-489,-7 0 0,-3 0 0,1 0 0,-4 0 0,-27 0 0,12 0 0,0 0 0,19 0 0,4 0 0,-4 0 0,-3 0 0,-28 0 0,11 0 0,-15 0 0</inkml:trace>
+</inkml:ink>
+</file>
+
+<file path=ppt/ink/ink23.xml><?xml version="1.0" encoding="utf-8"?>
+<inkml:ink xmlns:inkml="http://www.w3.org/2003/InkML">
+  <inkml:definitions>
+    <inkml:context xml:id="ctx0">
+      <inkml:inkSource xml:id="inkSrc0">
+        <inkml:traceFormat>
+          <inkml:channel name="X" type="integer" min="-2.14748E9" max="2.14748E9" units="cm"/>
+          <inkml:channel name="Y" type="integer" min="-2.14748E9" max="2.14748E9" units="cm"/>
+          <inkml:channel name="F" type="integer" max="32767" units="dev"/>
+        </inkml:traceFormat>
+        <inkml:channelProperties>
+          <inkml:channelProperty channel="X" name="resolution" value="1000" units="1/cm"/>
+          <inkml:channelProperty channel="Y" name="resolution" value="1000" units="1/cm"/>
+          <inkml:channelProperty channel="F" name="resolution" value="0" units="1/dev"/>
+        </inkml:channelProperties>
+      </inkml:inkSource>
+      <inkml:timestamp xml:id="ts0" timeString="2026-02-04T21:05:08.948"/>
+    </inkml:context>
+    <inkml:brush xml:id="br0">
+      <inkml:brushProperty name="width" value="0.05292" units="cm"/>
+      <inkml:brushProperty name="height" value="0.05292" units="cm"/>
+      <inkml:brushProperty name="color" value="#FF0000"/>
+    </inkml:brush>
+  </inkml:definitions>
+  <inkml:trace contextRef="#ctx0" brushRef="#br0">7761 10001 24575,'20'0'0,"27"0"0,-11 0 0,6 0 0,0 0 0,6 0 0,3 0 0,-2 0 0,-3 0 0,-1 0 0,0 0 0,3 0-547,-7 0 1,1 0 0,2 0 0,0 0 0,-1 0 0,-2 0 458,1 0 0,-1 0 0,-2 0 0,1 0 0,2 0 88,6 0 0,0 0 0,2 0 0,-1 0 0,1 0-326,-7 0 0,-1 0 0,1 0 0,0 0 1,1 0-1,0 0 326,2 0 0,2 1 0,-1-1 0,1 0 0,-1 0 0,-1-1 0,4 0 0,-1-1 0,-1 0 0,0 1 0,0-1 0,1 2 0,0 0 0,0 1 0,-1-2 0,-2-1-361,3-2 1,-2-3 0,-1 0 0,0 2 360,2 3 0,1 2 0,-1-1 0,-1 0 0,-6-2 0,-1-2 0,0 0 0,0 2 0,1 2 0,0 1 0,0 1 0,1-1 0,1 0 0,1 0 0,-1 0 0,1 0 0,-1 0 0,0 0 0,0 0 0,1 0 0,0 1 0,0-1 0,1 1 0,-2-3-176,-3 0 0,0-2 0,-1-1 0,-1 1 176,5-2 0,-1-1 0,-2 0 682,-3 1 0,-2 0 0,-1-2-682,6-8 0,-2 1 1398,-1 13 0,-5 0-1398,-1-13 1888,16 15-1888,-27 0 1077,0 0-1077,27 0 0,-21 0 0,2 0 0,5 0 0,3 0 0,1 0-422,4 0 1,1 0-1,1 0 422,-5-4 0,1 0 0,1-1 0,0 2 0,9 1 0,-1 2 0,0-2 0,-4-3 0,1-1 0,-1 1 0,2 4 0,0 2 0,-3-1-141,1 0 1,-2 0 140,-3 0 0,2 0 0,-3 0 0,0 0 0,-2 0 0,0 0 0,-1 0 0,-9 0 0,-1 0 0,0 0 0,1 0 0,0 0 0,3 0 628,13 0 0,2 0-628,-7 0 0,0 0 150,6 1 0,1-2-150,-5-6 0,0-1 0,5 6 0,0 0 0,-3-14 0,1 0 0,-9 13 0,2 4 0,-2-3 0,5-6 0,-1 1 0,7 6 0,-2 2 0,-13-1 0,-3 0 0,1 0 0,-3 0 0,-4 0 0,11 0 0,-27 0 0,43 0 0,-21 0 0,3 0 0,7-1 0,5 0 0,3 3 0,-4 2 0,4 3 0,1 0 0,0 1 0,-3-3-274,0-2 0,-2-2 1,0 0-1,1 2 274,4 4 0,3 2 0,-3 1 0,-7-5 0,0-4 0,-9-2 0,-10 1 0,-3 0 0,-16 16 0,0-12 0,0 12 0,0-16 1095,16 0-1095,-13 0 0,13 0 0,-16 15 0,0-11 0,16 12 0,-12-16 0,11 15 0,-15-11 0,16 12 0,-12-16 0,12 0 0,-16 0 0,0 0 0</inkml:trace>
+  <inkml:trace contextRef="#ctx0" brushRef="#br0" timeOffset="15450">20955 12188 24575,'0'36'0,"0"-17"0,0 13 0,0 3 0,0-9 0,0 3 0,0 13 0,0 2 0,0-6 0,0-1 0,0-1 0,0-2 0,0-7 0,0-3 0,0 11 0,0-10 0,0 1 0,0 1 0,0 1 0,0 3 0,0 1 0,0 9 0,0 2 0,0 6 0,0 0 0,0-2 0,0 0 0,0-12 0,0-1 0,0-1 0,0 4 0,0-3 0,0-6 0,0-1 0,0-1 0,0-1 0,0 10 0,0 0 0,0 0 0,0 1 0,0-1 0,0-15 0,0-5 0,0-15 0,0 16 0,0 4 0,0 15 0,0 0 0,0-15 0,0 11 0,0-27 0,0 19 0,0-21 0,0 6 0,0-8 0,0 16 0,0-12 0,0 12 0,0-16 0</inkml:trace>
+  <inkml:trace contextRef="#ctx0" brushRef="#br0" timeOffset="18033">7126 14764 24575,'35'0'0,"3"0"0,7 0 0,-7 0 0,4 0 0,3 0-656,-6 0 1,2 0-1,2 0 1,1 0 0,1 0 131,-2 0 1,0 0 0,1 0 0,2 0 0,1 0 0,4 0 523,-7 0 0,3 0 0,2 0 0,2 0 0,1 0 0,0 0 0,0 0 0,-1 0 0,-3 0 0,-2 0 0,5 0 0,-4 0 0,0 0 0,-2 0 0,1 0 0,1 0 0,3 0 0,-6 0 0,3 0 0,2 0 0,0 0 0,1 0 0,0 0 0,-2 0 0,-3 0 0,-2 0 0,-3 0 0,7 0 0,-5 0 0,-3 0 0,0 0 0,2 0 0,1 0 0,0 0 0,1 0 0,-2 0 0,-2 0 435,12 0 1,-3 0 0,-2 0-436,-7 0 0,-1 0 0,-1 0 0,13 0 0,0 0 0,-4 0 0,6 0 0,-17 0 0,5 0 0,4 0 0,1 0 0,-1 0 0,-1 0 0,2 0 0,-1 0 0,0 0 0,2 0 0,2 0-287,-2 0 0,2 0 1,3 0-1,0 0 0,0 0 1,-2 0-1,-2 0 287,-2 0 0,-1 0 0,-1 0 0,-1 0 0,0 0 0,1 0 0,7 0 0,0 0 0,-1 0 0,0 0 0,0 0-303,-4 0 1,-1 0 0,0 0 0,-1 0 0,0 0 302,6 0 0,-1-1 0,0 1 0,1 1 0,-3 0 0,1 0 0,1 0 0,-2 1 0,-1 1 0,0 0 0,-2 2 0,-1 0 0,0-1 0,-1-1 0,-1 0 0,-1 0 0,-2 0 1225,18 3 1,-12 4-1226,-20 5 396,24-11-396,-43 12 3276,12-16-3088,0 0 2128,19 16-2316,1-14 0,6 0 0,-3 7 0,3 3 0,1-2-415,2-7 0,0-3 0,2 1 415,-8 2 0,1 2 0,0 0 0,-2-2 0,0-3 0,-2 0 0,0 0 0,0 0 0,-1 0 0,-5 0 0,10 0 0,-9 0 0</inkml:trace>
+  <inkml:trace contextRef="#ctx0" brushRef="#br0" timeOffset="21099">3739 12330 24575,'0'0'0</inkml:trace>
+  <inkml:trace contextRef="#ctx0" brushRef="#br0" timeOffset="22800">3669 12224 24575,'35'0'0,"-10"0"0,1 0 0,9 0 0,1 0 0,0 0 0,2 0 0,7 0 0,-4 0 0,-1 0 0,-9 0 0,-15 0 0,7 0 0,5 0 0,11 0 0,4 0 0,-8 0 0,2 0 0,-1 0 0,13 0 0,0 0 0,-6 0 0,0 0 0,1 0 0,-2 0 0,-12 0 0,-1 0 0,14 0 0,-4 0 0,-15 0 0,23 0 0,-43 0 0,27 0 0,-11 0 0,3 0 0,5 0 0,5 0 0,4 0 0,-1-1 0,3 1 0,0 1-306,3 3 0,0 1 0,1 1 306,2 1 0,0-1 0,-1 1 0,-7-1 0,-2 1 0,-2 0 0,5 2 0,-5-3 0,2-6 0,-19 0 0,-16 0 0</inkml:trace>
+  <inkml:trace contextRef="#ctx0" brushRef="#br0" timeOffset="24550">9895 12224 24575,'41'0'0,"-1"0"0,1 0 0,0 0 0,1 0 0,0 0 0,5 0 0,1 0 0,-2 0-321,-3 0 1,-1 0 0,-1 0 320,-4 0 0,-1 0 0,-3 0 157,-4 0 1,-3 0-158,5 0 160,-15 0-160,7 0 0,5 0 0,10 0 0,6 0 0,0 0 0,4 0 0,-1 0-189,-6 0 1,-1 0-1,1 0 189,0 0 0,1 0 0,-4 0 236,0 0 0,-5 0-236,2 0 0,-19 0 0,-16 0 0,0 0 0</inkml:trace>
+  <inkml:trace contextRef="#ctx0" brushRef="#br0" timeOffset="26599">9596 9066 24575,'25'0'0,"1"0"0,1 0 0,0 0 0,13 0 0,7 0 0,-43 0 0,27 0 0,-4 0 0,11 0 0,5 0 0,-8 0 0,-15 0 0,11 0 0,-27 0 0,27 0 0,4 0 0,3 0 0,9 0 0,2 0-815,-6 0 0,2 0 0,2 0 1,2 0 814,-7 0 0,3 0 0,1 0 0,1 0 0,0 0 0,0 0-547,3 0 1,-1 0 0,2 0 0,-1 0 0,0 0 0,0 0 519,0 0 1,-1 0 0,1 0 0,-1 0 0,-1 0 0,0 0 26,-3 0 0,-1 0 0,0 0 0,-1 0 0,-1 0 0,-1 0-141,11 1 1,-2-1-1,-2 0 1,-4-1 140,-3-1 0,-3-1 0,-3 1 0,2 1 0,-8 0 0,-9-7 0,-4 8 0</inkml:trace>
+</inkml:ink>
+</file>
+
+<file path=ppt/ink/ink24.xml><?xml version="1.0" encoding="utf-8"?>
+<inkml:ink xmlns:inkml="http://www.w3.org/2003/InkML">
+  <inkml:definitions>
+    <inkml:context xml:id="ctx0">
+      <inkml:inkSource xml:id="inkSrc0">
+        <inkml:traceFormat>
+          <inkml:channel name="X" type="integer" min="-2.14748E9" max="2.14748E9" units="cm"/>
+          <inkml:channel name="Y" type="integer" min="-2.14748E9" max="2.14748E9" units="cm"/>
+          <inkml:channel name="F" type="integer" max="32767" units="dev"/>
+        </inkml:traceFormat>
+        <inkml:channelProperties>
+          <inkml:channelProperty channel="X" name="resolution" value="1000" units="1/cm"/>
+          <inkml:channelProperty channel="Y" name="resolution" value="1000" units="1/cm"/>
+          <inkml:channelProperty channel="F" name="resolution" value="0" units="1/dev"/>
+        </inkml:channelProperties>
+      </inkml:inkSource>
+      <inkml:timestamp xml:id="ts0" timeString="2026-02-04T21:06:46.364"/>
+    </inkml:context>
+    <inkml:brush xml:id="br0">
+      <inkml:brushProperty name="width" value="0.05292" units="cm"/>
+      <inkml:brushProperty name="height" value="0.05292" units="cm"/>
+      <inkml:brushProperty name="color" value="#FF0000"/>
+    </inkml:brush>
+  </inkml:definitions>
+  <inkml:trace contextRef="#ctx0" brushRef="#br0">8061 9843 24575,'35'0'0,"1"0"0,-12 0 0,2 0 0,2 0 0,-1 0 0,1-2 0,-1 4 0,-1 5 0,-1 1 0,1-6 0,-1 0 0,14 14 0,-5-15 0,-1-2 0,6 1 0,-13 0 0,-1 0 0,10 0 0,-15 0 0,-4 0 0,-16 0 0,15 0 0,21 0 0,-11 0 0,5 0 0,3 0 0,5 0 0,0 0-333,-1 0 1,0 0-1,1 0 333,10 0 0,3 0 0,-1 0 0,-3 0 0,0 0 0,0 0 0,-8 0 0,2 0 0,-2 0 0,-1 0 0,1 0 0,-1 0 0,-1 0 0,-2 0 0,-1 0 0,-2 0 0,3 0 0,-3 0 0,-4-1 0,-1 2 0,0 6 0,1 1 0,1-6 0,1 0 0,-4 6 0,1 0 499,4-7 0,0-2-499,-3 1 0,-1 0 0,7 0 0,-1 0 0,6 0 0,-4 0 0,-3 0 0,3 16 0,-2-14 0,4 0 0,7 6 0,3-1 0,-13-5 0,2-3 0,-1 0 0,1 1 0,0 0 0,-2 0 0,12 0 0,-2 0 0,-4 0 0,-1 0 0,-4 0 0,-2 0 0,-1 0 0,-1 0 0,3 0 0,3 0 0,-4 0 0,3-1 0,-3 2 0,-2 7 0,0 0 0,18-7 0,0 2 0,-13 9 0,-1-1 0,2-9 0,0-2 0,-1 4 0,-1 0 0,-8-3 0,-3-2 0,-5 1 0,13 0 0,-28 0 0,27 0 0,4 0 0,2 0 0,5 0 0,-4 0 0,4 0 0,1 0-543,-3 0 1,2 0 0,1 0 0,1 0 542,4 0 0,0 0 0,2 0 0,0 0 0,-8 0 0,0 0 0,1 0 0,0 0 0,-2 0 0,7 0 0,-1-1 0,0 1 0,0 1 0,1 2 0,1 2 0,-1-1 0,-3 0-198,-3-3 1,-3 0-1,1 1 198,5 3 0,1 1 0,-4-1 0,4-5 0,-1 0 0,-12 0 0,1 0 0,4 0 0,0 0 0,3 0 0,3 0 0,0 0 0,-3 0 0,4 0 0,-2 0 0,1 0 0,3 0-353,-8 0 1,3 0 0,1 0-1,1 0 1,-2 0 0,-2 0 352,11 0 0,-3 0 0,-1 0 0,-1 0 0,-4 0 0,-1 0 0,-1 0 0,-2 0 0,5 0 0,-1 0 0,-1 0 0,-1 0 0,1 0 0,-5 0 0,-1 0 0,-3 0 924,2 0 0,0 0-924,-4 0 0,-1 0 291,-2 0 1,1 0-292,9-5 0,4-1 0,-1 1 0,1 3 0,0 0 0,1-3 0,4-1 0,-1 1 0,-3 4 0,-2 2 0,0-1 0,9 0 0,0 0 0,-5 0 0,3 0 0,-5 0 0,-8 0 0,-1 0 1222,15 0 1,4 0-1223,-10 0 0,2 0 0,-1 0 0,-4 0 0,0 0 0,1 0 0,6 0 0,1 0 0,-3 0 0,1 0 0,-4 0 0,-13 0 0,-1 0 0,-1 0 0,-1 0 0,0 0 0,1 0 0,0 0 0,3 0 0,13 0 0,2 0 0,-3 0 0,0 0 0,-7 0 0,1 0 0,0 0 0,14 0 0,0 0-170,-9 0 1,2 0 0,-2 0 169,7 0 0,0 0 0,-13 0 0,1 0 0,-2 0 0,3 0 0,-2 0 0,1 0 0,1 0 0,6 0 0,2 0 0,1 0 0,0 0 0,-4 0 0,0 0 0,-3 0 0,2 0 0,-2 0-318,5 0 1,0 0 317,1 5 0,3 1 0,-1-1 0,-3-3 0,-2-2 0,1 2 0,0 2 0,0 2 0,-1 0 0,0-1 0,0 1 0,-1-2 0,-4-2 0,-1-2 0,0 2 0,14 6 0,0 0 0,-15-7 0,0-2 0,2 1 0,1 0 0,1 0 0,0 0 0,3 0 0,1 0 0,1 0 0,4 0 0,1 0 0,-2 0 0,-8 0 0,-2 0 0,0 0 0,9 0 0,-4 0 0,-13 0 0,-5 0 492,-4 0-492,13 0 0,3 0 0,-9 0 0,3 0 325,2 1 1,1-2-326,2-7 0,0 0 0,13 4 0,-12-11 0,-3 15 0,-28 0 0,27 0 0,-11 0 0,15 0 0,0 0 0,1 0 0,-17 0 0,12 0 0,-11 0 0,15 0 0,1 0 0,-12 0 0,3 0 0,-1 0 0,2 0 0,15 0 0,1 0 0,-15 0 0,1 0 0,13 0 0,-4 0 0,-16 0 0,24 0 0,-43 0 0,12 0 0,-32 0 0,12 0 0,-11 0 0,15 0 0</inkml:trace>
+  <inkml:trace contextRef="#ctx0" brushRef="#br0" timeOffset="8700">10936 10971 24575,'26'0'0,"-1"0"0,8 0 0,5 0 0,-1 0 0,4 0 0,2 0-820,-5 0 1,2 0 0,1 0 0,1 0 636,-3 0 1,0 0 0,2 0 0,1 0-1,1 0-310,0 0 1,3 0 0,1 0 0,0 0-1,0 0 1,-1 0 492,-1 0 0,-1 0 0,0 0 0,0 0 0,0 0 0,2 0 0,2 0 0,2 0 0,0 0 0,1 0 0,-2 0 0,0 0 0,-3 0 0,-2 0 0,-1 0 0,2 0 0,0 0 0,3 0 0,-2 0 0,2 0 0,1 0 0,2 0 0,-1 0 0,0 0 0,-1 0 0,-2 0 0,4 0 0,-2 0 0,-1 0 0,0 0 0,1 0 0,4 0-196,-8 0 0,3 0 0,2 0 0,1 0 0,0 0 0,-1 0 1,0 0-1,-3 0 0,-2 0 196,5 0 0,-2 0 0,-2 0 0,-1 0 0,1 0 0,1 0 0,-4 0 0,1 0 0,0 0 0,0 0 0,0 0 0,0 0 0,-1 0-370,4 0 1,0 0 0,-1 0 0,1 0 0,-1 0-1,1 0 370,1 0 0,0 1 0,1-1 0,-1 0 0,1 0 0,-1-1 0,1 0 0,0 0 0,-1 0 0,1-1 0,1 1 0,-1 0 0,-4 0 0,-1 1 0,1 0 0,0-1 0,0 1 0,1 0 0,0 0-191,2-1 1,0 0 0,1-1 0,0 1 0,0 0 0,0 0 0,0 0 190,-2 0 0,1 1 0,-1 0 0,1 0 0,-1 1 0,1-1 0,0 0 0,-5 0 0,1 0 0,1 0 0,-1 0 0,0 0 0,0 0 0,0 0 0,-1 0 29,2 0 1,1 0 0,-2 0 0,1 0 0,-1 0 0,-1 0-1,-1 0-29,2 0 0,-1 0 0,0 0 0,-2 0 0,0 0 0,-2 0 470,10 0 1,-1 0 0,-3 0 0,-3 0-471,2 0 0,-3 0 0,-6 0 2395,12 0-2395,0 0 0,-43 0 0,12 0 0</inkml:trace>
+  <inkml:trace contextRef="#ctx0" brushRef="#br0" timeOffset="15234">5786 9208 24575,'43'0'0,"0"0"0,2 0 0,0 0 0,-4-1 0,0 2 0,11-1 0,-4 0 0,-21 0 0,-3 0 0,2 0 0,-1 0 0,6 0 0,5 0 0,4 0 0,6 0 0,-7-5 0,3-1 0,2 1-453,-2 3 0,3 3 0,0-2 0,0-1 453,-2-4 0,0-3 0,0 0 0,0 2 0,5 1 0,0 1 0,0 1 0,-2-1 0,-6 0 0,-1 0 0,-1 0 0,-2 0 0,3 0 0,-3 0 0,-1 0 0,9-4 0,-6 2 0,-2 3 0,-17-12 0,28 16 0,-21 0 0,3 0 0,3 0 0,4 0 0,2 0 66,9 0 0,4 0 0,0 0-66,-11 0 0,0 0 0,1 0 0,1 0 0,7 0 0,2 0 0,0 0 0,-3 0 0,4 0 0,-3 0 0,-1 0 0,0 0 0,-1 0 0,-4 0 0,-5 0 0,-6 0 0,3 0 0,-19 0 0</inkml:trace>
+  <inkml:trace contextRef="#ctx0" brushRef="#br0" timeOffset="18385">6121 13018 24575,'35'0'0,"0"0"0,-7 0 0,-1 0 0,7 0 0,-1 0 0,6 0 0,-4 0 0,-3 0 0,-13 0 0,17 0 0,11 0 0,-6 0 0,7 0 0,2 0 0,-1 0 0,-6 0 0,-1 0 0,0 0 0,3 0-282,1 0 0,4 0 1,1 0-1,-3 0 1,-6 0 281,1 0 0,-4 0 0,-3 0 0,9 0 0,-4 0 0,-13 0 0,-5 0 0,-3 0 0,11 0 0,-27 0 0,22 0 0,11 0 0,5 0 0,6 0-472,-12-1 0,4 1 0,2 1 0,1-1 472,2 0 0,2 0 0,1 0 0,0 0 0,-7 0 0,2-1 0,-1 2 0,1-2 0,-3 2 0,5-1 0,-2-1 0,0 2 0,-1-1 0,-2-1 0,1 0 0,-2 1 0,-2 2 422,0 2 1,-1 2 0,-4-1-423,6-4 0,-5 2 0,2 13 0,-19-16 0,0 0 0,-12 0 2028,11 0-2028,-15 0 0,0 0 0,0 15 0,0-11 0,0 12 0,0-16 0,0 0 0,0 0 0</inkml:trace>
+</inkml:ink>
+</file>
+
+<file path=ppt/ink/ink25.xml><?xml version="1.0" encoding="utf-8"?>
+<inkml:ink xmlns:inkml="http://www.w3.org/2003/InkML">
+  <inkml:definitions>
+    <inkml:context xml:id="ctx0">
+      <inkml:inkSource xml:id="inkSrc0">
+        <inkml:traceFormat>
+          <inkml:channel name="X" type="integer" min="-2.14748E9" max="2.14748E9" units="cm"/>
+          <inkml:channel name="Y" type="integer" min="-2.14748E9" max="2.14748E9" units="cm"/>
+          <inkml:channel name="F" type="integer" max="32767" units="dev"/>
+        </inkml:traceFormat>
+        <inkml:channelProperties>
+          <inkml:channelProperty channel="X" name="resolution" value="1000" units="1/cm"/>
+          <inkml:channelProperty channel="Y" name="resolution" value="1000" units="1/cm"/>
+          <inkml:channelProperty channel="F" name="resolution" value="0" units="1/dev"/>
+        </inkml:channelProperties>
+      </inkml:inkSource>
+      <inkml:timestamp xml:id="ts0" timeString="2026-02-04T21:07:18.427"/>
+    </inkml:context>
+    <inkml:brush xml:id="br0">
+      <inkml:brushProperty name="width" value="0.05292" units="cm"/>
+      <inkml:brushProperty name="height" value="0.05292" units="cm"/>
+      <inkml:brushProperty name="color" value="#FF0000"/>
+    </inkml:brush>
+  </inkml:definitions>
+  <inkml:trace contextRef="#ctx0" brushRef="#br0">6297 6967 24575,'33'0'0,"1"0"0,-1 0 0,4 0 0,3 0 0,3 0 0,1 0 0,2 0 0,3 0 0,2 0 0,2 0-410,-10 0 0,3 0 1,2 0-1,0 0 1,2 0-1,0 0 0,0 0 1,1 0 44,-3 0 1,0 0 0,0 0 0,0 0 0,2 0 0,-1 0 0,2 0 0,1 0 0,1 0 111,-10 0 1,3 0 0,1 0 0,0 0 0,2 0 0,-1 0 0,1 0 0,-1 0 0,0 0 0,-1 0 0,-1 0 0,-1 0 0,-3 0 129,12 0 1,-3 0 0,-2 0 0,0 0 0,-1 0 0,-1 0 0,2 0 0,0 0 122,-2 0 0,2 0 0,2 0 0,-1 0 0,0 0 0,-3 0 0,-3 0 0,-3 0 0,-6 0 916,10 0 0,-7 0 0,-4 0-916,2 0 0,-5 0 1654,0 0-1654,-43 0 0,24 0 0,-27 16 819,15-12 0,0 12 0,0-16 0</inkml:trace>
+  <inkml:trace contextRef="#ctx0" brushRef="#br0" timeOffset="2868">12012 9772 24575,'35'0'0,"1"0"0,-17 0 0,13 0 0,-13 0 0,1 0 0,27 0 0,-17 0 0,4 0 0,4 0-820,4 0 1,4 0 0,2 0 0,4 0 750,-7 0 1,3 0-1,2 0 1,1 0 0,1 0-1,2 0-296,-12 0 1,1 0 0,1 0 0,0 0 0,1 0 0,1 0 0,0 0 0,1 0 0,-1 0 135,1 0 1,0 0-1,1 0 1,0 0-1,0 0 1,1 0-1,0 0 1,-1 0-1,1 0 1,-1 0-93,-1 0 1,0 0 0,1 0 0,-1 0 0,1 0 0,-1 0 0,0 0 0,0 0-1,-1 0 1,0 0 320,2 0 0,0 0 0,0-1 0,0 1 0,-1 0 0,0 0 0,-1 0 0,-1 0 0,-1 1-173,5 1 0,-1 0 1,0 0-1,-2 1 0,-1 0 1,-1-1-1,-2 0 173,4-1 0,-2-1 0,-1 0 0,-1 1 0,-2 1 345,7 1 1,-2 2 0,-2-1 0,-5-1-346,1-2 0,-4-2 1638,2-1 0,-11 4-851,-22 14 2489,12-12-1661,-16 12-855,0-16 1,0 0-1,0 0 1</inkml:trace>
+  <inkml:trace contextRef="#ctx0" brushRef="#br0" timeOffset="5969">6544 10918 24575,'33'0'0,"1"0"0,-6 0 0,2 0 0,7 0 0,3 0 0,1 0-645,-2 0 1,-1 0 0,3 0 644,-3 0 0,2 0 0,0 0 0,0 0-297,-1 0 1,-1 0-1,0 0 1,0 0 296,2 1 0,-1 0 0,0-1 0,0-2 0,8-2 0,-1-1 0,2-1 0,-2 1 0,3 0 0,-1 0 0,-3 0 0,-1-1 0,-2-1 0,2 1 0,-1 1 0,2 0 0,2 2 0,0 0 0,2 2 0,0 1 0,0 1 0,0-1 0,-5 0 0,-1 0 0,0 0 0,3 0-261,-5 0 1,1 0 0,2 0 0,0 0 0,-1 0 0,-2 0 260,8 0 0,-2 0 0,-1 0 0,0 0 0,3 0 0,-1 0 0,1 0 0,-1 0-376,-1 0 0,-1 1 0,0-1 0,0-1 376,-2-2 0,1-2 0,-1 1 0,-1 0 242,6 3 0,-1 0 1,0-1-243,-9-1 0,1-2 0,-1 1 0,-4 1 0,6 2 0,-4 2 579,-2-1 1,-3 0-580,-1 0 2348,-27 0-2348,12 0 1950,-8 0-1950,9 0 0,11-16 0,11 13 0,4 2 0,4-15 0,-4 8 0,-4 1 0,-19 3 0,11-12 0,-27 16 0,12 0 0,0 0 0,7 0 0,5 0 0,1 0 0,0 0 0,-1 0 0,-1 0 0,20 0 0,-43 0 0,12 0 0,-16 0 0,16 0 0,-13 0 0,13 0 0,-16 0 0</inkml:trace>
+  <inkml:trace contextRef="#ctx0" brushRef="#br0" timeOffset="10171">10901 14093 24575,'35'0'0,"2"0"0,8 0 0,-10 0 0,3 0 0,4 0 0,2 0 0,1 0-469,-4 0 1,2 0 0,1 0 0,2 0 0,1 0 0,1 0 0,1 0 140,-7 0 0,2 0 0,2 0 1,0 0-1,1 0 0,0 0 1,1 0-1,-1 0 0,0 0 1,-1 0-1,0 0 0,-1 0 0,0 0 1,0 0-1,0 0 0,1 0 1,-1 0-1,-1 0 0,1 0 1,0 0 264,4 0 0,1 0 0,-1 0 0,1 0 0,-1 0 0,0 0 0,-1 0 0,-1 0 0,-1 0 7,6 0 1,-1 0-1,-1 0 1,-1 0 0,0 0-1,-2 0 1,0 0 55,1 1 0,-2-1 0,0 1 0,-1-1 0,0-1 0,-1 0 86,0 0 1,1-2 0,-1 0 0,-1 0-1,-1 0 1,-3 1-87,4 1 0,-3 0 0,-2 0 0,2 0-107,3-3 1,0 0-1,0-1 1,-4 2 106,-2 3 0,-3 1 0,1-2 0,5-3 0,1-3 0,0 3 0,-5 2 0,1 1 0,0 0 0,5-4 0,1 0 0,1-1 0,1 0 0,1 1 0,2 0 667,-7 4 0,1 1 0,0 0 0,2-3-667,3-3 0,2-2 0,0-1 0,2 1 105,-7 3 0,1 1 1,1 0-1,0 1 0,0-1-105,1 1 0,0-1 0,0 0 0,1 0 0,2 0 0,-7 0 0,2-1 0,1-1 0,0 1 0,0 1 0,-2-1 0,-2 2 0,2 2 0,-2 0 0,-2 1 0,0 0 0,1-2 0,4 0 0,1-2 0,0 0 0,-4 1 0,-5 1 936,9 1 1,-6 2-937,-8-1 0,-1 0 323,3 0 1,1 0-324,-4 0 0,0 0 930,4 0 0,1 0-930,6 0 0,2 0 0,1 0 0,0 0 0,-1 0 0,2 0 0,-8 0 0,5 0 0,0 0 0,-2 0 0,5 0 0,-2 0 0,3 0 457,-2 0 1,2 0 0,1 0 0,-4 0-458,5 0 0,-2 0 0,-3 0 0,7 0 0,-4 0 0,-11 0 0,-2 0 0,-6 0 0,-5 0 0,-3 0 0,27 0 0,-13-1 0,7 1 0,1 1 0,-6 2 0,1 1 0,2 1 0,2-2-340,0-1 1,4-1 0,2-2-1,0 1 1,-2 1 0,-3 0 339,0 3 0,-2 1 0,-2-1 0,0-1 0,4-2 0,2-1 0,-4-1 0,-9 1 1150,5 0-1150,-21 0 0,-15 16 0,0 3 0,0 17 0,0-17 0,0-3 0,0-16 0</inkml:trace>
+</inkml:ink>
+</file>
+
+<file path=ppt/ink/ink26.xml><?xml version="1.0" encoding="utf-8"?>
+<inkml:ink xmlns:inkml="http://www.w3.org/2003/InkML">
+  <inkml:definitions>
+    <inkml:context xml:id="ctx0">
+      <inkml:inkSource xml:id="inkSrc0">
+        <inkml:traceFormat>
+          <inkml:channel name="X" type="integer" min="-2.14748E9" max="2.14748E9" units="cm"/>
+          <inkml:channel name="Y" type="integer" min="-2.14748E9" max="2.14748E9" units="cm"/>
+          <inkml:channel name="F" type="integer" max="32767" units="dev"/>
+        </inkml:traceFormat>
+        <inkml:channelProperties>
+          <inkml:channelProperty channel="X" name="resolution" value="1000" units="1/cm"/>
+          <inkml:channelProperty channel="Y" name="resolution" value="1000" units="1/cm"/>
+          <inkml:channelProperty channel="F" name="resolution" value="0" units="1/dev"/>
+        </inkml:channelProperties>
+      </inkml:inkSource>
+      <inkml:timestamp xml:id="ts0" timeString="2026-02-04T21:08:39.415"/>
+    </inkml:context>
+    <inkml:brush xml:id="br0">
+      <inkml:brushProperty name="width" value="0.05292" units="cm"/>
+      <inkml:brushProperty name="height" value="0.05292" units="cm"/>
+      <inkml:brushProperty name="color" value="#FF0000"/>
+    </inkml:brush>
+  </inkml:definitions>
+  <inkml:trace contextRef="#ctx0" brushRef="#br0">2381 7726 24575,'20'0'0,"27"0"0,-24 0 0,9 0 0,3 0 0,-7 0 0,-1 0 0,0 0 0,1 0 0,-3 0 0,1 0 0,0 0 0,-1 0 0,14 0 0,-6 0 0,1 0 0,-7 0 0,0 0 0,1 0 0,-1 0 0,-1 0 0,-1 0 0,11 0 0,-1 0 0,0 0 0,0 0 0,-10 0 0,1 0 0,5 0 0,1 0 0,4 0 0,1 0 0,2 0 0,0 0 0,-11 0 0,-1 0 0,7 0 0,-2 0 0,8 0 0,-7 0 0,0 0 0,6 0 0,-13 0 0,-1 0 0,1 0 0,-1 0 0,15 0 0,-15 0 0,1 0 0,-1 0 0,1 0 0,13 0 0,-14 0 0,1 0 0,9 0 0,-15 0 0,11 0 0,-27 0 0,12 0 0,15 0 0,0 0 0,2 0 0,3 0 0,3 0 0,0 0 0,-2 0 0,1 0 0,-5 0 0,2 0 0,-1 0 0,3 0 0,0 0 0,6 0 0,0 0 0,1 0 0,-1 0 0,-7 0 0,2 0 0,-5 0 0,2 1 0,-1-2 0,11-7 0,0 0 0,4 6 0,0 0 0,-14-3 0,-1-1 0,1 2 0,13 3 0,2 2 0,-10-1 0,2 0 0,-3 0 0,9 0 0,-1 0 0,-13 0 0,1 0 0,-3 0 0,4 0 0,-1 0 0,7-8 0,2 0 0,1 6 0,0 0-209,-8-2 1,2-2 0,-1 0 208,-2 1 0,-1-1 0,2 2 0,6 2 0,1 2 0,-2-2 0,6-6 0,-2 0 0,-7 7 0,2 1 0,-3 1 0,0-1 0,-2 0 0,0 0 0,-1 0 0,-1 1 0,-1-2 0,-6-7 0,0 0 0,16 6 0,1 0 0,-7-6 0,0 1 312,7 6 1,-2 2-313,5-1 0,2 0 0,-37 0 0,20 0 0,-13 0 0,12 0 0,5 0 0,-8 0 0,3 0 0,1-5 0,4-1 0,-3 1 0,5 3 0,-1 0 0,6-6 0,0 0 0,1 7 0,-2 2 0,-4-1 0,-1 0 0,6 0 0,0 0 0,-8 0 0,1 0 0,9 0 0,4 0-393,-15 0 0,2 0 0,2 0 393,9 0 0,4 0 0,-1 0 0,-10 0 0,0 0 0,0 0 0,1 0-383,3 0 0,0-1 0,1 1 1,-1 1 382,-4 2 0,1 1 0,-1 1 0,-1-1 0,-1 1 0,-1 0 0,1 0 0,-2 0-320,11 1 1,-1 0-1,0 1 320,0 4 0,-2 1 0,0-3-62,-7-7 1,0-2 0,-2 2 61,0 3 0,0 1 0,-3-2 507,4-4 1,-1 0-508,7 8 0,2 0 0,0-6 0,2 0 506,-7 3 1,2 1 0,1-1-507,2-4 0,1-2 0,-1 1 0,-6 0 0,-2 0 0,2 0 216,4 0 0,1 0 0,-3 0-216,5 0 0,0 0 0,-1 0 0,2 0 0,2 0-413,-9 0 1,1 0 0,0 0 0,1 0 412,4 0 0,0 0 0,1 0 0,-1 0 0,-3-1 0,1 1 0,-1-1 0,-1 3-1,-2 0 1,-1 2-1,1 1 1,0-1 0,5 1 0,2 0 0,0 0 0,-2 0 0,-5-1 0,-1 1 0,0 0 0,0 0-119,6 3 0,1 1 1,-1 0-1,-4-3 119,7-4 0,-4 0 198,-8 6 1,-4-1-199,5-7 1862,-17 0-1862,-3 0 2,0 0-2,11 0 267,-3 0 1,5 0-268,4 0 0,5 0 0,1 0 0,7 0 0,3 0 0,1 0 0,-6 0 0,1 0 0,1 0 0,-1 0 0,-3 0 0,-1 0 0,-1 0 0,-2 0 0,0 0 0,-3 0 0,-2 0 0,2 0 0,-4 0 0,5 0 0,-17 0 0,12 0 0,-2 0 0,1 0 0,15 0 0,-5-2 0,-5 4 0,-16 14 0,-3-12 0,0 12 0,19-16 0,-2 0 0,9 0 0,4 0 0,-2 0 0,-5 0 0,0 0 0,1 0 0,2 0-363,3 0 0,4 1 1,0-1-1,-1 0 1,-3-1 362,-3-3 0,-1 0 0,-3-1 0,-1 2 0,4 2 0,-3 0 0,-3-1 0,2-6 0,-3 0 0,-7 8 0,-3 0 0,-5 0 0,12 0 0,-27 0 0,12 0 0,-16 0 0,0 0 0</inkml:trace>
+</inkml:ink>
+</file>
+
+<file path=ppt/ink/ink27.xml><?xml version="1.0" encoding="utf-8"?>
+<inkml:ink xmlns:inkml="http://www.w3.org/2003/InkML">
+  <inkml:definitions>
+    <inkml:context xml:id="ctx0">
+      <inkml:inkSource xml:id="inkSrc0">
+        <inkml:traceFormat>
+          <inkml:channel name="X" type="integer" min="-2.14748E9" max="2.14748E9" units="cm"/>
+          <inkml:channel name="Y" type="integer" min="-2.14748E9" max="2.14748E9" units="cm"/>
+          <inkml:channel name="F" type="integer" max="32767" units="dev"/>
+        </inkml:traceFormat>
+        <inkml:channelProperties>
+          <inkml:channelProperty channel="X" name="resolution" value="1000" units="1/cm"/>
+          <inkml:channelProperty channel="Y" name="resolution" value="1000" units="1/cm"/>
+          <inkml:channelProperty channel="F" name="resolution" value="0" units="1/dev"/>
+        </inkml:channelProperties>
+      </inkml:inkSource>
+      <inkml:timestamp xml:id="ts0" timeString="2026-02-04T21:09:16.480"/>
+    </inkml:context>
+    <inkml:brush xml:id="br0">
+      <inkml:brushProperty name="width" value="0.05292" units="cm"/>
+      <inkml:brushProperty name="height" value="0.05292" units="cm"/>
+      <inkml:brushProperty name="color" value="#FF0000"/>
+    </inkml:brush>
+  </inkml:definitions>
+  <inkml:trace contextRef="#ctx0" brushRef="#br0">4427 7761 24575,'20'0'0,"11"0"0,-11 0 0,15 0 0,-9-7 0,-1-2 0,14 6 0,-3-13 0,-5 16 0,-27 0 0,27 0 0,7-8 0,7 0 0,-10 6 0,3 2 0,2-2-492,0-4 0,2-3 0,1 0 0,1 2 492,3 5 0,1 2 0,0 0 0,-1-2 0,-7-5 0,-1-2 0,0 0 0,0 3-93,1 3 0,1 3 0,-2 0 0,-3-1 93,12-8 0,-5 2 0,-7 6 0,-6 2 0,-10-1 0,-4 0 0,-1 0 964,23 0 0,7 0-964,-13 0 0,2 0 137,0 0 0,3 0 1,-6 0-138,12 0 0,-25 0 0,5 0 0,-19 0 0,28 0 0,-7 0 0,1 0 0,17 0 0,-10 0 0,0 0 0,3 0 0,-1 0 0,-15 0 0,-5 0 0,1 0 0,3 0 0,5 7 0,3 2 0,8-7 0,1 0 0,0 6 0,2-1 0,-4-5 0,2-3 0,-4 0 0,-1 1 0,-3 0 0,7 0 0,-3 0 0,3 0 0,-15 0 0,5 0 0,5 0 0,-3 0 0,2 0 0,19 0 0,2 0 0,-5 0 0,1 0 0,-11 0 0,0 0 0,-4 0 0,13 0 0,3 0 0,-32 0 0,5 0 0,24 7 0,10 2 0,-17-7 0,1-2 0,1 2 0,4 3 0,1 1 0,-2-1 0,-6-4 0,-1-2 0,-4 1 0,12 0 0,-25 0 0,5 15 0,-3-11 0,11 4 0,4 0 0,-6-7 0,1-2 0,2 0 0,3 1 0,0 1 0,0 3 0,1 3 0,-1-2 0,11-3 0,2-1 0,0 4 0,4 2 0,-3-3 0,0-3 0,0-2 0,-9 1 0,2 0 0,-3 0 0,3 0 0,-5 0 0,-10 0 0,-1 0 0,17 0 0,-24 0 0,13 0 0,-28 0 0,43 16 0,-21-14 0,3 0 0,6 6 0,4-1 0,-6-5 0,2-3 0,-1 0 0,12 0 0,-2 2 0,-5 7 0,-3 0 0,-8-7 0,-5 2 0,-8 13 0,-15-16 0,0 0 0,16 15 0,-12-11 0,27 12 0,0-22 0,5-4 0,-5 8 0,3 2 0,3-2-365,4-1 0,3-2 1,2 1-1,-3 1 365,5 2 0,-1 1 0,-1 1 0,2-1 0,0 0 0,-6 0 0,-13 0 0,-4 0 0,22 0 0,-58 0 0,22 0 0,-26 0 0,-1 0 0,12 0 0,-12 0 0</inkml:trace>
+  <inkml:trace contextRef="#ctx0" brushRef="#br0" timeOffset="18934">21061 15169 24575,'36'0'0,"1"0"0,0 0 0,0 0 0,2 0 0,2 0 0,0 0 0,6 0 0,0 0 0,2 0 0,0 0-656,-4 0 1,1 0-1,1 0 1,-1 0 0,-2 0 416,2 0 0,0 0 0,-2 0 1,0 0 238,-2 0 0,-1 0 0,0 0 0,0 0-114,-2 1 1,-1-1 0,1 1-1,0-3 114,-2-1 0,1-1 0,0-1 0,1 2 0,8 1 0,1 3 0,1-2 0,-1-1 0,-2-5 0,-1-2 0,0 0 0,0 2 0,-2 5 0,-1 3 0,1-1 0,-3-2 0,8-8 0,-1-2 0,-3 2 263,-4 8 1,-2 3-1,-2-4-263,10-12 0,-2-1 0,1 13 0,-3 2 0,-14-7 0,-2 0 1017,1 9 1,-3-2-1018,12-14 1533,-17 11-1533,13-12 328,3 16-328,-3 0 0,6 0 0,-1 0 0,3 0 0,5 0 0,-4 0 0,5 0 0,2 0 0,1 0 0,-2 0-640,-1 0 0,-1-1 0,0 1 0,1 0 0,2 1 640,-2 1 0,2 0 0,1 2 0,0-1 0,-1 0 0,-2-1 0,0-1 0,-1-2 0,-2 1 0,0 1 0,-1 2-292,5 3 0,-2 2 1,-2 1-1,1-1 292,-6-2 0,-1-2 0,-1 1 0,1 0-119,3-1 1,0 0-1,-1 1 1,-5 1 118,8 11 0,-1-2 0,-2-13 0,3-3 0,-10 3 0,-8 14 2896,23-16-2896,-43 0 0,22 0 0,11 0 0,5 0 0,6 0 71,-11 0 1,3 0-1,4 0 1,3 0-72,-6 0 0,4 0 0,3 0 0,1 0 0,0 0 0,-2 0 0,-2 0-351,4 0 1,-2 0-1,-2 0 1,1 0-1,2 0 351,-3 0 0,3 0 0,1 0 0,-2 0 0,-4 0 0,-5 0 0,1 0 0,-5 0 0,-5 0 0,14 0 0,-25 16 0,-10-12 0,-8 11 958,0 1-958,15-12 2454,21 12-2454,-4-15 0,6-2 0,0 5 0,4 2 0,0-1-401,0-3 1,1-1 0,1 0 400,-5 3 0,1 0 0,0 1 0,-2-2 0,0-2 0,-2-2 0,0 1 0,-1 0 0,-1 0 0,-1 0 0,4 0 0,-4 0 0,6 0 0,8 0 0,-43 0 0,12 0 1201,7-16-1201,15 12 0,-1-10 0,4-3 0,4 7 0,0 0 0,2-7 0,-4-1 0,-13 8 0,-5 1 0,7-7 0,-32 16 0,0 0 0</inkml:trace>
+  <inkml:trace contextRef="#ctx0" brushRef="#br0" timeOffset="22499">30674 13847 24575,'0'19'0,"0"28"0,0-21 0,0 3 0,0 4 0,0 4 0,0-1 0,0 12 0,0-2 0,0-3 0,0 0 0,0-2 0,0 0 0,0-7 0,0 2 0,0 0 0,0 6 0,0 1 0,0 2-515,0 4 0,0 1 1,0 0 514,0-4 0,0 1 0,0-1 0,0-2 0,0 0 0,0 1 0,0 2 0,0 0 0,0 0 0,0 1 0,0-1 0,0-1 0,0-3 0,0-1 0,0-1 104,0-5 1,0-1 0,0 0-105,0 10 0,0-4 0,0-2 0,0 8 0,0-43 0,0 19 1166,0-21-1166,0 6 64,0 24-64,0-7 0,0 4 0,0 13 0,0 7 0,0-10 0,0 5 0,0 1 0,0-5 0,0-3 0,0-3 0,0 1 0,0 11 0,0 3 0,0-11 0,0-2 0,0-5 0,0-27 0,0 27 0,0-7 0,0 3 0,0 16 0,0 4-248,0-9 0,0 2 0,0 0 248,0 1 0,0 1 0,0-2 0,0 11 0,0-4 0,0-10 0,0-3 0,0-7 0,0-3 0,0-5 0,0-3 0,0-16 0</inkml:trace>
+  <inkml:trace contextRef="#ctx0" brushRef="#br0" timeOffset="32182">24836 3228 24575,'0'25'0,"0"1"0,0 4 0,0 3 0,0-1 0,0 3 0,0 1-302,0 6 1,0 1 0,0 6 301,0-9 0,0 4 0,0 3 0,0 1 0,0-1 0,0-3-656,0 0 1,0-3-1,0 0 1,0 1 0,0 2 645,0 2 1,0 3 0,0 1 0,0 0 0,0-2-1,0-3 10,0 4 0,0-2 0,0-2 0,0-2 44,0 7 0,0-2 1,0-1-45,0 0 0,0 0 0,0-4 0,0 4 0,0-3 0,0-7 0,0-4 0,0 2 374,0-3-374,0-28 2734,0 11-2734,0-15 996,0 16-996,0-12 0,0 27 0,0-11 0,0 13 0,0 8 0,-5-4 0,-1 4 0,1 5-547,3-4 1,1 7 0,1 3 0,0 2 0,0-2 0,-1-3 430,-2-2 1,0-2 0,-1-1 0,1 0-1,0 3 116,2 2 0,1 3 0,0 1 0,1-2 0,-1-3 0,0-7 0,0 0 0,0-7 0,0-1 0,0 8 0,0-8 0,0-13 0,0-20 0,0-20 0</inkml:trace>
+  <inkml:trace contextRef="#ctx0" brushRef="#br0" timeOffset="35534">12400 4710 24575,'28'0'0,"-1"0"0,6 0 0,1 0 0,-1 0 0,4 0 0,3 0 0,4 0 0,2 0 0,1 0 0,2 0 0,2 0-740,-3 0 0,3 0 0,0 0 0,-2 0 740,-6 0 0,-2 0 0,-1 0 0,1 0 0,3 0 0,0 0 0,0 0 0,-3 0 31,-3 0 0,-3 0 1,1 0-32,6 0 0,0 0 0,0 0 0,-6 0 0,-1 0 0,2 0 0,6 0 0,2 0 0,0 0 0,-3 0 0,0 0 0,-1 0 0,-4 0 0,-1 0 0,-3 0 0,4 0 0,-3 0 0,-7 0 0,-3 0 0,-5 0 0,13 0 2187,-29 0-2187,29 0 0,-8 0 0,3 0 0,15 0 0,6 0-408,-2 0 0,5 0 1,1 0 407,-9 0 0,2 1 0,0-1 0,0-1 0,2-2 0,0-1 0,0-1 0,0 1 0,1-1 0,1 0 0,-1 0 0,-1 0 0,-2 1 0,-1-1 0,0 0 0,0 0 0,-2-3 0,1-1 0,-1 1 0,-1 1 0,-1 5 0,0 2 0,-1 1 0,1-4-241,2-3 1,0-3 0,0 0 0,-3 2 240,0 5 0,-2 2 0,0-2 0,5-3 0,-1-1 0,-6 1 0,4 5 0,8 0 0,-27 0 901,4 0 1,3 0-902,-1 0 0,3 0 0,16 0 0,4 0 0,-14 0 0,1 0 0,1 0 71,1 0 1,1 0 0,1 0-72,5 0 0,1 0 0,0 0-497,1 0 0,0 0 1,0 0 496,-7 0 0,0 0 0,1 0 0,-1 0 0,0 0 0,0 0 0,1 0 0,-1 0 0,1 0 0,0 0 0,1 0 0,-1 0 0,-2 0 0,1 0 0,0 0 0,-1 0 0,0 1 0,-1-1 0,0 1 0,0-3 0,1-1 0,1-1 0,-1-1 0,0 2 0,9 1 0,-1 2 0,-1-2 0,-4-2 0,0-2 0,-1 0 0,1 1 0,0-1 0,-4 2 0,-3 2 0,-3 0 0,-6-7 0,-3 2 781,0 7-781,-19 0 1554,27 0-1554,10 0 0,11 0 0,0 0 0,-13 0 0,0 0 0,1 0 0,3 0-434,4 0 0,3 0 1,1 0-1,0 0 0,-3 0 434,1 0 0,-2 0 0,-2 0 0,-2 0 0,2 0 0,-3 0 0,-5 0 0,-3 0 0,-5 0 0,2 0 0,-31 0 0</inkml:trace>
+  <inkml:trace contextRef="#ctx0" brushRef="#br0" timeOffset="64600">4568 7479 24575,'42'10'0,"-1"-1"0,4 0 0,4-2 0,-10-5 0,5-2 0,2-1 0,-3 0-639,-3 1 1,-1 0 0,0 0 0,0 0 638,2 0 0,0 0 0,-1 0 0,-3 0 0,15 0 0,-6 0 406,-10 0 1,-5 0-407,-12 0 421,12 0-421,-11 0 0,15 0 0,-2 0 0,1 0 659,-5 0 1,1 0-660,14 0 0,-2 0 0,-3 0 0,-7 0 0</inkml:trace>
+  <inkml:trace contextRef="#ctx0" brushRef="#br0" timeOffset="66634">9137 7620 24575,'-35'0'0,"9"0"0,1 0 0,-14 0 0,-5 0 0,27 0 0,9 16 0,8-12 0,0 11 0,0-15 0,0 0 0,8 0 0,-6 0 0,6 0 0,-8 0 0,0 0 0,15 0-820,-11 0 1,12 0 0,-16 0 0</inkml:trace>
+  <inkml:trace contextRef="#ctx0" brushRef="#br0" timeOffset="86500">3493 8520 24575,'35'0'0,"0"0"0,6 0 0,4 0 0,-1 0 0,3 0 0,-1 0 0,-6 0 0,-1 1 0,0-2 0,7-3 0,0-2 0,-1 0 0,-7 0 0,-1 0 0,-2-2 0,11-9 0,0-1-354,-9 11 1,2 1 0,-1-1 353,-2-3 0,-1-2 0,0 3 0,10 6 0,0 2 173,-1-7 1,-2 0-174,-6 8 0,-1 0 88,-1 0 0,2 0-88,7 0 0,0 0 0,-6 0 0,1 0 0,-5 0 0,3 0 0,-3 0 0,0 0 0,0 0 0,17 0 0,0 0 0,-9 0 0,1 0 179,-4 0 0,3 0 0,1 0-179,-3 0 0,1 0 0,0 0 0,-2 0 0,2 0 0,-1 0 0,0 0 0,2 0 0,0 0 0,-6 0 0,-8 0 0,-3 0 0,2 0 0,-1 0 0,14 0 0,-6 0 0,1 0 0,13 0 0,-21 0 0,1 0 0,3 8 0,-1 0 0,10-4 0,-4 12 0,-19-1 0,-1-11 0,5 12 0,4-14 0,3-4 0,0 1 0,1 2 0,14 7 0,2 0 0,1-6 0,0 0 0,2 6 0,-4-1 0,-14-6 0,-3-2 0,21 1 0,-43 0 0,12 0 0,0 16 0,-12-12 0,11 12 0,-15-16 0,0 15 0,0-11 0,0 12 0,0 0 0,0-13 0,0 29 0,0-28 0,0 11 0</inkml:trace>
+  <inkml:trace contextRef="#ctx0" brushRef="#br0" timeOffset="89150">2187 6297 24575,'0'20'0,"0"9"0,0 4 0,0-4 0,0 1 0,0 7 0,0 5 0,0 1-980,0 3 0,0 1 0,0 1 980,0-9 0,0 0 0,0 1 0,0 3 0,0 1 0,0 3 0,0 1 0,0 0 0,0-4 0,0-3 0,0-1 0,0-2 0,0 2 0,0 5 0,0 2 0,0-2 0,0-6 465,0 0 0,0-8-465,0 5 483,0 11-483,0-8 0,1 1 0,-2 6 0,-2-11 0,-1 2 0,-1 3 0,2 1-654,1-2 1,2 1 0,0 2 0,0 1 0,-2 1 653,-2 1 0,-2 1 0,0 1 0,0 2 0,0-1 0,2 1 0,2-6 0,1 0 0,1 0 0,0 1 0,0 0 0,0 2 0,-1 1 0,0-2 0,-1 3 0,0 2 0,0 1 0,0 0 0,0-1 0,0-1 0,1-2 0,0-3 0,0 4 0,1-3 0,0-2 0,0 0 0,1 1 0,-1 1 0,0 3 0,0 5 0,0 0 0,0 0 0,0-3 0,0-6 0,0-8 632,0 7 0,0-7-632,0 9 0,0-12 0,0-29 0,0 12 0,0-16 0</inkml:trace>
+  <inkml:trace contextRef="#ctx0" brushRef="#br0" timeOffset="121232">31203 14058 24575,'0'26'0,"0"-1"0,0 2 0,0 1 0,0 6 0,0 3 0,0 6 0,0 0 0,0-7 0,0 2 0,0-1 0,0 2 0,0 3 0,0 0 0,0 4 0,0 0 0,0 0 0,0-2 0,0-2 0,0 2 0,0 1-458,0-3 1,0 2 0,0 0-1,0 0 1,0-3 457,0 0 0,0-1 0,0-2 0,0 0 0,0 10 0,0-1 0,0-1-24,0-3 1,0-2-1,0 1 24,0-4 0,0 0 0,0-1 0,0-2 0,0 0 0,0-1 0,0 16 0,0-2-4,0-2 0,0-2 4,0 1 0,0-4 0,0-12 0,0-3 0,0 1 0,0-3 1682,0 12-1682,0-1 674,0-16-674,0-3 10,0-16-10,0 16 0,0-12 0,0 27 0,0-27 0,-15 12 0,11-16 0,-12 15 0,16-11 0,0 12 0,0 0 0,0-12 0,0 11 0,0-15 0,0 0 0,0 0 0</inkml:trace>
 </inkml:ink>
 </file>
 
@@ -2297,6 +3160,37 @@
 </inkml:ink>
 </file>
 
+<file path=ppt/ink/ink9.xml><?xml version="1.0" encoding="utf-8"?>
+<inkml:ink xmlns:inkml="http://www.w3.org/2003/InkML">
+  <inkml:definitions>
+    <inkml:context xml:id="ctx0">
+      <inkml:inkSource xml:id="inkSrc0">
+        <inkml:traceFormat>
+          <inkml:channel name="X" type="integer" min="-2.14748E9" max="2.14748E9" units="cm"/>
+          <inkml:channel name="Y" type="integer" min="-2.14748E9" max="2.14748E9" units="cm"/>
+          <inkml:channel name="F" type="integer" max="32767" units="dev"/>
+        </inkml:traceFormat>
+        <inkml:channelProperties>
+          <inkml:channelProperty channel="X" name="resolution" value="1000" units="1/cm"/>
+          <inkml:channelProperty channel="Y" name="resolution" value="1000" units="1/cm"/>
+          <inkml:channelProperty channel="F" name="resolution" value="0" units="1/dev"/>
+        </inkml:channelProperties>
+      </inkml:inkSource>
+      <inkml:timestamp xml:id="ts0" timeString="2026-02-04T20:38:52.402"/>
+    </inkml:context>
+    <inkml:brush xml:id="br0">
+      <inkml:brushProperty name="width" value="0.05292" units="cm"/>
+      <inkml:brushProperty name="height" value="0.05292" units="cm"/>
+      <inkml:brushProperty name="color" value="#FF0000"/>
+    </inkml:brush>
+  </inkml:definitions>
+  <inkml:trace contextRef="#ctx0" brushRef="#br0">11501 10742 24575,'43'0'0,"0"0"0,-3 0 0,4 0 0,1 0 0,-6 0 0,0 0 0,3 0 0,1 0-656,1 0 1,3 0-1,1 0 1,1 0 0,-2 0 231,-3 0 0,0 0 0,0 0 0,0 0 0,0 0 424,0 0 0,1 0 0,0 0 0,-2 0 0,-1 0 208,0 0 1,-1 0 0,-2 0 0,-2 0-209,3 0 0,-3 0 0,-1 0 517,10 0 1,-5 0-518,-13 0 0,-1 0 0,-2 0 0,1 0 0,7 1 0,0-2 2801,10-15-2801,-10 14 0,1 0 363,-10-5 0,3-1-363,11 2 0,8 1 0,3 0 0,-10 1 0,2 1 0,1-1 0,1 0 0,0 0 0,2-3 0,0 0 0,1-1 0,-1 1 0,-1 0 0,-2 3 0,0 0 0,0 0 0,-3 1 0,-4-1 0,3-2 0,-4 0 0,-4 2 0,-4 3 0,-1 2 0,15-1 0,2 0 0,-3 1 0,1-2 0,5-7 0,0 0 0,-11 7 0,-1-2 0,-7-5 0,-2 1 0,8 7 0,17 0 0,-22 0 0,9 0 0,-17 0 0,13 0 0,-29 0 0,13 0 0,-16 0 0,0 15 0,-16-11 0,13 12 0,-13-16 0</inkml:trace>
+  <inkml:trace contextRef="#ctx0" brushRef="#br0" timeOffset="3332">7038 10319 24575,'8'-20'0,"19"11"0,14 5 0,2 1 0,-5 2 0,1 1 0,2 1 0,2-1 0,2 0 0,3 0 0,1 0 0,-1 0 0,-3 0 0,-1 0 0,-2 0 0,-1 0 0,-3 0 0,5 0 0,-2 0 0,-11 0 0,-11 0 0,-3 0 0,-16 0 0,0 0 0</inkml:trace>
+  <inkml:trace contextRef="#ctx0" brushRef="#br0" timeOffset="37283">5927 11077 24575,'19'0'0,"13"0"0,-28 0 0,43 0 0,-24 0 0,4-7 0,5-1 0,9 5 0,2 2 0,0-7 0,0 0 0,4 7 0,-3 2 0,-17 0 0,-3-2 0,7-15 0,-12 12 0,17-27 0,-17 27 0,13-12 0,-13 16 0,6 0 0,1 0 0,13 0 0,-12 0 0,-3 0 0,-4 0 0,-4 0 0,-16-7 0,0 5 0,15-6 0,-11 8 0,12 0 0,0 0 0,-12-16 0,27 12 0,4-12 0,-8 15 0,1 2 0,0-1 0,-1 0 0,16 0 0,-10 0 0,-5 0 0,7 0 0,-15 0 0,11 0 0,-27 0 0,27 0 0,-11 16 0,15-12 0,1 12 0,-17-16 0,12 0 0,-27 8 0,28-6 0,-13 5 0,17-7 0,-1 0 0,0 0 0,-15 0 0,11 0 0,-11 16 0,-1-12 0,13 12 0,-13-16 0,1 0 0,11 0 0,-11 0 0,-1 0 0,-3 0 0,0 0 0,3 0 0,17 0 0,-1 0 0,-7 0 0,3 0 0,5-1 0,0 2 0,-2 6 0,-1 1 0,-6-6 0,-3 0 0,7 14 0,-27-16 0,27 0 0,-27 0 0,28 0 0,-28 0 0,11 0 0,-15 16 0,0-12 0,0 27 0,0-27 0,0 12 0,0-16 0,0 15 0,0 5 0</inkml:trace>
+  <inkml:trace contextRef="#ctx0" brushRef="#br0" timeOffset="92699">10566 14270 24575,'0'35'0,"0"-11"0,0 3 0,0 15 0,0 2 0,0 2 0,0 2 0,0-10 0,0 4 0,0 1 0,0-5 0,0 13 0,0-2 0,0-7 0,0 1 0,0-2 0,0 3 0,0-2 0,0 2 0,0 2 0,0-7 0,0 2 0,0 0 0,0 1 0,0 0 0,0 0 0,0 0 0,0 1 0,0-3 0,-2 7 0,4-4 0,5-7 0,1-5 0,-4 4 0,12-15 0,0 19 0,3-17 0,17 5 0,-13-10 0,4-3 0,17-10 0,7-4 0,-6 9 0,3 2 0,2 1 0,-8-3 0,1 0 0,1 0 0,-1-1 0,-2-2 0,0 0 0,-1-1 0,-1 2 0,7 3 0,-1 2 0,1-3 0,-8-7 0,0-2 0,1-1 0,-1 0 0,10 1 0,-1 0 0,-1 0 0,-3 0 0,0 0 0,-2 0 0,-3 0 0,-2 0 0,-4 0 0,-3 0 0,-3 0 0,2 0 0,-1 0 0,-1 0 0,-1 0 0,-1 0 0,3 0 0,4 0 0,4 0 0,1 0 0,5 0 0,2 0 0,2 0 0,-4 0 0,2 0 0,0 0 0,-1 0 0,7 0 0,0 0 0,-4 0 0,6 0 0,-4 0 0,-13 0 0,-2 0 0,-7 0 0,1 0 0,6 0 0,4 0 0,-2 0 0,7 0 0,1 0 0,-4 1 0,3 0 0,-3-3 0,-1-5 0,-3-2 0,3 1 0,-4-3 0,-12-6 0,-3-2 0,9 2 0,-6-1 0,-18-17 0,13-8 0,-7 18 0,-2-3 0,-5-17 0,0-4 0,7 8 0,4-1 0,-4-1 0,-6 0 0,-3-1 0,1 2 0,4 5 0,1 2 0,-1 1 0,-5-9 0,0 4 0,0 11 0,0 1 0,0 0 0,0-1 0,0-4 0,0-3 0,0-11 0,0-2 0,-1 1 0,2-2 0,3 11 0,2 0 0,-1 1 0,-3-8 0,0 3 0,6 6 0,0 2 0,-7 5 0,-2 3 0,1-9 0,0 3 0,0 28 0,0-11 0,0-1 0,0 12 0,-16-12 0,12 1 0,-11 11 0,15-12 0,-16 0 0,12 13 0,-27-29 0,27 13 0,-28-17 0,13 1 0,-16 0 0,15 15 0,4 4 0,1 16 0,-21 0 0,-3 0 0,4 0 0,3-15 0,29 11 0,-44-12 0,23 16 0,-1-7 0,-1-1 0,-9 4 0,0-12 0,-1 16 0,11-8 0,-1 0 0,-13 4 0,6-2 0,-1-3 0,-5-7 0,14 15 0,-1-2 0,5-12 0,-1-1 0,-12 5 0,0 2 0,8-1 0,1 0 0,-9 1 0,1 3 0,7 6 0,1 0 0,-2-8 0,-1 0 0,1 6 0,-1 0 0,-5-6 0,0 1 0,5 6 0,1 2 0,-8-9 0,-1 0 0,1 6 0,0 0 0,-1-6 0,1 0 0,-1 7 0,2 2 0,5-1 0,3 0 0,-10 0 0,5 0 0,11 0 0,-7 0 0,-22-8 0,18 6 0,-15-2 0,-6 1 0,6 3 0,-2 0-362,11-3 0,-3-2 0,-1 0 0,2 2 362,-10 1 0,1 2 0,0-2 0,9-1 0,-1-2 0,0 0 0,2 2 0,-8 2 0,2 2 0,1-1-50,6 1 0,1 0 1,1-3 49,-14-5 0,4-1 0,16 6 0,3 0 0,-1-7 0,3 2 0,4 7 0,-11 0 1436,27 0-1436,-12 16 161,16-12-161,0 27 0,0-27 0,0 35 0,0-17 0,0 21 0,0-8 0,0-15 0,16-5 0,-12-15 0,12 16 0,-16-12 0,0 12 0,15-1 0,-11-11 0,12 28 0,-16-13 0,0 16 0,16-15 0,-12-4 0,11-16 0,-15 0 0</inkml:trace>
+</inkml:ink>
+</file>
+
 <file path=ppt/notesMasters/notesMaster1.xml><?xml version="1.0" encoding="utf-8"?>
 <p:notesMaster xmlns:a="http://schemas.openxmlformats.org/drawingml/2006/main" xmlns:r="http://schemas.openxmlformats.org/officeDocument/2006/relationships" xmlns:p="http://schemas.openxmlformats.org/presentationml/2006/main">
   <p:cSld>
@@ -2379,7 +3273,7 @@
           <a:p>
             <a:fld id="{0FE4A08A-2663-6E4C-B1DC-5BBC17F83115}" type="datetimeFigureOut">
               <a:rPr lang="en-US" smtClean="0"/>
-              <a:t>2/2/26</a:t>
+              <a:t>2/4/26</a:t>
             </a:fld>
             <a:endParaRPr lang="en-US"/>
           </a:p>
@@ -2793,7 +3687,7 @@
           <a:p>
             <a:fld id="{68424796-D03B-5E41-81B6-00E7B73B0CFA}" type="datetimeFigureOut">
               <a:rPr lang="en-US" smtClean="0"/>
-              <a:t>2/2/26</a:t>
+              <a:t>2/4/26</a:t>
             </a:fld>
             <a:endParaRPr lang="en-US"/>
           </a:p>
@@ -2991,7 +3885,7 @@
           <a:p>
             <a:fld id="{68424796-D03B-5E41-81B6-00E7B73B0CFA}" type="datetimeFigureOut">
               <a:rPr lang="en-US" smtClean="0"/>
-              <a:t>2/2/26</a:t>
+              <a:t>2/4/26</a:t>
             </a:fld>
             <a:endParaRPr lang="en-US"/>
           </a:p>
@@ -3199,7 +4093,7 @@
           <a:p>
             <a:fld id="{68424796-D03B-5E41-81B6-00E7B73B0CFA}" type="datetimeFigureOut">
               <a:rPr lang="en-US" smtClean="0"/>
-              <a:t>2/2/26</a:t>
+              <a:t>2/4/26</a:t>
             </a:fld>
             <a:endParaRPr lang="en-US"/>
           </a:p>
@@ -3397,7 +4291,7 @@
           <a:p>
             <a:fld id="{68424796-D03B-5E41-81B6-00E7B73B0CFA}" type="datetimeFigureOut">
               <a:rPr lang="en-US" smtClean="0"/>
-              <a:t>2/2/26</a:t>
+              <a:t>2/4/26</a:t>
             </a:fld>
             <a:endParaRPr lang="en-US"/>
           </a:p>
@@ -3672,7 +4566,7 @@
           <a:p>
             <a:fld id="{68424796-D03B-5E41-81B6-00E7B73B0CFA}" type="datetimeFigureOut">
               <a:rPr lang="en-US" smtClean="0"/>
-              <a:t>2/2/26</a:t>
+              <a:t>2/4/26</a:t>
             </a:fld>
             <a:endParaRPr lang="en-US"/>
           </a:p>
@@ -3937,7 +4831,7 @@
           <a:p>
             <a:fld id="{68424796-D03B-5E41-81B6-00E7B73B0CFA}" type="datetimeFigureOut">
               <a:rPr lang="en-US" smtClean="0"/>
-              <a:t>2/2/26</a:t>
+              <a:t>2/4/26</a:t>
             </a:fld>
             <a:endParaRPr lang="en-US"/>
           </a:p>
@@ -4349,7 +5243,7 @@
           <a:p>
             <a:fld id="{68424796-D03B-5E41-81B6-00E7B73B0CFA}" type="datetimeFigureOut">
               <a:rPr lang="en-US" smtClean="0"/>
-              <a:t>2/2/26</a:t>
+              <a:t>2/4/26</a:t>
             </a:fld>
             <a:endParaRPr lang="en-US"/>
           </a:p>
@@ -4490,7 +5384,7 @@
           <a:p>
             <a:fld id="{68424796-D03B-5E41-81B6-00E7B73B0CFA}" type="datetimeFigureOut">
               <a:rPr lang="en-US" smtClean="0"/>
-              <a:t>2/2/26</a:t>
+              <a:t>2/4/26</a:t>
             </a:fld>
             <a:endParaRPr lang="en-US"/>
           </a:p>
@@ -4603,7 +5497,7 @@
           <a:p>
             <a:fld id="{68424796-D03B-5E41-81B6-00E7B73B0CFA}" type="datetimeFigureOut">
               <a:rPr lang="en-US" smtClean="0"/>
-              <a:t>2/2/26</a:t>
+              <a:t>2/4/26</a:t>
             </a:fld>
             <a:endParaRPr lang="en-US"/>
           </a:p>
@@ -4914,7 +5808,7 @@
           <a:p>
             <a:fld id="{68424796-D03B-5E41-81B6-00E7B73B0CFA}" type="datetimeFigureOut">
               <a:rPr lang="en-US" smtClean="0"/>
-              <a:t>2/2/26</a:t>
+              <a:t>2/4/26</a:t>
             </a:fld>
             <a:endParaRPr lang="en-US"/>
           </a:p>
@@ -5202,7 +6096,7 @@
           <a:p>
             <a:fld id="{68424796-D03B-5E41-81B6-00E7B73B0CFA}" type="datetimeFigureOut">
               <a:rPr lang="en-US" smtClean="0"/>
-              <a:t>2/2/26</a:t>
+              <a:t>2/4/26</a:t>
             </a:fld>
             <a:endParaRPr lang="en-US"/>
           </a:p>
@@ -5443,7 +6337,7 @@
           <a:p>
             <a:fld id="{68424796-D03B-5E41-81B6-00E7B73B0CFA}" type="datetimeFigureOut">
               <a:rPr lang="en-US" smtClean="0"/>
-              <a:t>2/2/26</a:t>
+              <a:t>2/4/26</a:t>
             </a:fld>
             <a:endParaRPr lang="en-US"/>
           </a:p>
@@ -10229,6 +11123,57 @@
           </a:fontRef>
         </p:style>
       </p:cxnSp>
+      <mc:AlternateContent xmlns:mc="http://schemas.openxmlformats.org/markup-compatibility/2006">
+        <mc:Choice xmlns:p14="http://schemas.microsoft.com/office/powerpoint/2010/main" Requires="p14">
+          <p:contentPart p14:bwMode="auto" r:id="rId2">
+            <p14:nvContentPartPr>
+              <p14:cNvPr id="3" name="Ink 2">
+                <a:extLst>
+                  <a:ext uri="{FF2B5EF4-FFF2-40B4-BE49-F238E27FC236}">
+                    <a16:creationId xmlns:a16="http://schemas.microsoft.com/office/drawing/2014/main" id="{12AADC8E-3DF0-6125-A515-2D5617E39751}"/>
+                  </a:ext>
+                </a:extLst>
+              </p14:cNvPr>
+              <p14:cNvContentPartPr/>
+              <p14:nvPr/>
+            </p14:nvContentPartPr>
+            <p14:xfrm>
+              <a:off x="2133720" y="3701520"/>
+              <a:ext cx="3175200" cy="2033640"/>
+            </p14:xfrm>
+          </p:contentPart>
+        </mc:Choice>
+        <mc:Fallback>
+          <p:pic>
+            <p:nvPicPr>
+              <p:cNvPr id="3" name="Ink 2">
+                <a:extLst>
+                  <a:ext uri="{FF2B5EF4-FFF2-40B4-BE49-F238E27FC236}">
+                    <a16:creationId xmlns:a16="http://schemas.microsoft.com/office/drawing/2014/main" id="{12AADC8E-3DF0-6125-A515-2D5617E39751}"/>
+                  </a:ext>
+                </a:extLst>
+              </p:cNvPr>
+              <p:cNvPicPr/>
+              <p:nvPr/>
+            </p:nvPicPr>
+            <p:blipFill>
+              <a:blip r:embed="rId3"/>
+              <a:stretch>
+                <a:fillRect/>
+              </a:stretch>
+            </p:blipFill>
+            <p:spPr>
+              <a:xfrm>
+                <a:off x="2124360" y="3692160"/>
+                <a:ext cx="3193920" cy="2052360"/>
+              </a:xfrm>
+              <a:prstGeom prst="rect">
+                <a:avLst/>
+              </a:prstGeom>
+            </p:spPr>
+          </p:pic>
+        </mc:Fallback>
+      </mc:AlternateContent>
     </p:spTree>
     <p:extLst>
       <p:ext uri="{BB962C8B-B14F-4D97-AF65-F5344CB8AC3E}">
@@ -10689,6 +11634,57 @@
           </a:p>
         </p:txBody>
       </p:sp>
+      <mc:AlternateContent xmlns:mc="http://schemas.openxmlformats.org/markup-compatibility/2006">
+        <mc:Choice xmlns:p14="http://schemas.microsoft.com/office/powerpoint/2010/main" Requires="p14">
+          <p:contentPart p14:bwMode="auto" r:id="rId2">
+            <p14:nvContentPartPr>
+              <p14:cNvPr id="5" name="Ink 4">
+                <a:extLst>
+                  <a:ext uri="{FF2B5EF4-FFF2-40B4-BE49-F238E27FC236}">
+                    <a16:creationId xmlns:a16="http://schemas.microsoft.com/office/drawing/2014/main" id="{03DF54A1-2B8B-1B4C-84F7-284C95E49959}"/>
+                  </a:ext>
+                </a:extLst>
+              </p14:cNvPr>
+              <p14:cNvContentPartPr/>
+              <p14:nvPr/>
+            </p14:nvContentPartPr>
+            <p14:xfrm>
+              <a:off x="2317680" y="2457360"/>
+              <a:ext cx="2432520" cy="2134080"/>
+            </p14:xfrm>
+          </p:contentPart>
+        </mc:Choice>
+        <mc:Fallback>
+          <p:pic>
+            <p:nvPicPr>
+              <p:cNvPr id="5" name="Ink 4">
+                <a:extLst>
+                  <a:ext uri="{FF2B5EF4-FFF2-40B4-BE49-F238E27FC236}">
+                    <a16:creationId xmlns:a16="http://schemas.microsoft.com/office/drawing/2014/main" id="{03DF54A1-2B8B-1B4C-84F7-284C95E49959}"/>
+                  </a:ext>
+                </a:extLst>
+              </p:cNvPr>
+              <p:cNvPicPr/>
+              <p:nvPr/>
+            </p:nvPicPr>
+            <p:blipFill>
+              <a:blip r:embed="rId3"/>
+              <a:stretch>
+                <a:fillRect/>
+              </a:stretch>
+            </p:blipFill>
+            <p:spPr>
+              <a:xfrm>
+                <a:off x="2308320" y="2448000"/>
+                <a:ext cx="2451240" cy="2152800"/>
+              </a:xfrm>
+              <a:prstGeom prst="rect">
+                <a:avLst/>
+              </a:prstGeom>
+            </p:spPr>
+          </p:pic>
+        </mc:Fallback>
+      </mc:AlternateContent>
     </p:spTree>
     <p:extLst>
       <p:ext uri="{BB962C8B-B14F-4D97-AF65-F5344CB8AC3E}">
@@ -11112,6 +12108,57 @@
           </a:p>
         </p:txBody>
       </p:sp>
+      <mc:AlternateContent xmlns:mc="http://schemas.openxmlformats.org/markup-compatibility/2006">
+        <mc:Choice xmlns:p14="http://schemas.microsoft.com/office/powerpoint/2010/main" Requires="p14">
+          <p:contentPart p14:bwMode="auto" r:id="rId2">
+            <p14:nvContentPartPr>
+              <p14:cNvPr id="3" name="Ink 2">
+                <a:extLst>
+                  <a:ext uri="{FF2B5EF4-FFF2-40B4-BE49-F238E27FC236}">
+                    <a16:creationId xmlns:a16="http://schemas.microsoft.com/office/drawing/2014/main" id="{0681E530-8710-BE1A-89B9-9288F11D287F}"/>
+                  </a:ext>
+                </a:extLst>
+              </p14:cNvPr>
+              <p14:cNvContentPartPr/>
+              <p14:nvPr/>
+            </p14:nvContentPartPr>
+            <p14:xfrm>
+              <a:off x="3314880" y="4438440"/>
+              <a:ext cx="1582200" cy="165600"/>
+            </p14:xfrm>
+          </p:contentPart>
+        </mc:Choice>
+        <mc:Fallback>
+          <p:pic>
+            <p:nvPicPr>
+              <p:cNvPr id="3" name="Ink 2">
+                <a:extLst>
+                  <a:ext uri="{FF2B5EF4-FFF2-40B4-BE49-F238E27FC236}">
+                    <a16:creationId xmlns:a16="http://schemas.microsoft.com/office/drawing/2014/main" id="{0681E530-8710-BE1A-89B9-9288F11D287F}"/>
+                  </a:ext>
+                </a:extLst>
+              </p:cNvPr>
+              <p:cNvPicPr/>
+              <p:nvPr/>
+            </p:nvPicPr>
+            <p:blipFill>
+              <a:blip r:embed="rId3"/>
+              <a:stretch>
+                <a:fillRect/>
+              </a:stretch>
+            </p:blipFill>
+            <p:spPr>
+              <a:xfrm>
+                <a:off x="3305520" y="4429080"/>
+                <a:ext cx="1600920" cy="184320"/>
+              </a:xfrm>
+              <a:prstGeom prst="rect">
+                <a:avLst/>
+              </a:prstGeom>
+            </p:spPr>
+          </p:pic>
+        </mc:Fallback>
+      </mc:AlternateContent>
     </p:spTree>
     <p:extLst>
       <p:ext uri="{BB962C8B-B14F-4D97-AF65-F5344CB8AC3E}">
@@ -11697,6 +12744,57 @@
           </a:p>
         </p:txBody>
       </p:sp>
+      <mc:AlternateContent xmlns:mc="http://schemas.openxmlformats.org/markup-compatibility/2006">
+        <mc:Choice xmlns:p14="http://schemas.microsoft.com/office/powerpoint/2010/main" Requires="p14">
+          <p:contentPart p14:bwMode="auto" r:id="rId2">
+            <p14:nvContentPartPr>
+              <p14:cNvPr id="8" name="Ink 7">
+                <a:extLst>
+                  <a:ext uri="{FF2B5EF4-FFF2-40B4-BE49-F238E27FC236}">
+                    <a16:creationId xmlns:a16="http://schemas.microsoft.com/office/drawing/2014/main" id="{BE710084-D6F4-3090-B3BB-C57BC20DE4B2}"/>
+                  </a:ext>
+                </a:extLst>
+              </p14:cNvPr>
+              <p14:cNvContentPartPr/>
+              <p14:nvPr/>
+            </p14:nvContentPartPr>
+            <p14:xfrm>
+              <a:off x="1593720" y="4229280"/>
+              <a:ext cx="6585480" cy="1397160"/>
+            </p14:xfrm>
+          </p:contentPart>
+        </mc:Choice>
+        <mc:Fallback>
+          <p:pic>
+            <p:nvPicPr>
+              <p:cNvPr id="8" name="Ink 7">
+                <a:extLst>
+                  <a:ext uri="{FF2B5EF4-FFF2-40B4-BE49-F238E27FC236}">
+                    <a16:creationId xmlns:a16="http://schemas.microsoft.com/office/drawing/2014/main" id="{BE710084-D6F4-3090-B3BB-C57BC20DE4B2}"/>
+                  </a:ext>
+                </a:extLst>
+              </p:cNvPr>
+              <p:cNvPicPr/>
+              <p:nvPr/>
+            </p:nvPicPr>
+            <p:blipFill>
+              <a:blip r:embed="rId3"/>
+              <a:stretch>
+                <a:fillRect/>
+              </a:stretch>
+            </p:blipFill>
+            <p:spPr>
+              <a:xfrm>
+                <a:off x="1584360" y="4219920"/>
+                <a:ext cx="6604200" cy="1415880"/>
+              </a:xfrm>
+              <a:prstGeom prst="rect">
+                <a:avLst/>
+              </a:prstGeom>
+            </p:spPr>
+          </p:pic>
+        </mc:Fallback>
+      </mc:AlternateContent>
     </p:spTree>
     <p:extLst>
       <p:ext uri="{BB962C8B-B14F-4D97-AF65-F5344CB8AC3E}">
@@ -12173,6 +13271,57 @@
           </a:fontRef>
         </p:style>
       </p:cxnSp>
+      <mc:AlternateContent xmlns:mc="http://schemas.openxmlformats.org/markup-compatibility/2006">
+        <mc:Choice xmlns:p14="http://schemas.microsoft.com/office/powerpoint/2010/main" Requires="p14">
+          <p:contentPart p14:bwMode="auto" r:id="rId2">
+            <p14:nvContentPartPr>
+              <p14:cNvPr id="3" name="Ink 2">
+                <a:extLst>
+                  <a:ext uri="{FF2B5EF4-FFF2-40B4-BE49-F238E27FC236}">
+                    <a16:creationId xmlns:a16="http://schemas.microsoft.com/office/drawing/2014/main" id="{6E29C5E8-2A21-AC3E-6FB3-66A65E266211}"/>
+                  </a:ext>
+                </a:extLst>
+              </p14:cNvPr>
+              <p14:cNvContentPartPr/>
+              <p14:nvPr/>
+            </p14:nvContentPartPr>
+            <p14:xfrm>
+              <a:off x="2978280" y="4463640"/>
+              <a:ext cx="3959280" cy="934560"/>
+            </p14:xfrm>
+          </p:contentPart>
+        </mc:Choice>
+        <mc:Fallback>
+          <p:pic>
+            <p:nvPicPr>
+              <p:cNvPr id="3" name="Ink 2">
+                <a:extLst>
+                  <a:ext uri="{FF2B5EF4-FFF2-40B4-BE49-F238E27FC236}">
+                    <a16:creationId xmlns:a16="http://schemas.microsoft.com/office/drawing/2014/main" id="{6E29C5E8-2A21-AC3E-6FB3-66A65E266211}"/>
+                  </a:ext>
+                </a:extLst>
+              </p:cNvPr>
+              <p:cNvPicPr/>
+              <p:nvPr/>
+            </p:nvPicPr>
+            <p:blipFill>
+              <a:blip r:embed="rId3"/>
+              <a:stretch>
+                <a:fillRect/>
+              </a:stretch>
+            </p:blipFill>
+            <p:spPr>
+              <a:xfrm>
+                <a:off x="2968920" y="4454280"/>
+                <a:ext cx="3978000" cy="953280"/>
+              </a:xfrm>
+              <a:prstGeom prst="rect">
+                <a:avLst/>
+              </a:prstGeom>
+            </p:spPr>
+          </p:pic>
+        </mc:Fallback>
+      </mc:AlternateContent>
     </p:spTree>
     <p:extLst>
       <p:ext uri="{BB962C8B-B14F-4D97-AF65-F5344CB8AC3E}">
@@ -12714,6 +13863,57 @@
           </a:fontRef>
         </p:style>
       </p:cxnSp>
+      <mc:AlternateContent xmlns:mc="http://schemas.openxmlformats.org/markup-compatibility/2006">
+        <mc:Choice xmlns:p14="http://schemas.microsoft.com/office/powerpoint/2010/main" Requires="p14">
+          <p:contentPart p14:bwMode="auto" r:id="rId2">
+            <p14:nvContentPartPr>
+              <p14:cNvPr id="7" name="Ink 6">
+                <a:extLst>
+                  <a:ext uri="{FF2B5EF4-FFF2-40B4-BE49-F238E27FC236}">
+                    <a16:creationId xmlns:a16="http://schemas.microsoft.com/office/drawing/2014/main" id="{45A3617A-F215-CDD3-AADF-606A20D23C4D}"/>
+                  </a:ext>
+                </a:extLst>
+              </p14:cNvPr>
+              <p14:cNvContentPartPr/>
+              <p14:nvPr/>
+            </p14:nvContentPartPr>
+            <p14:xfrm>
+              <a:off x="2394000" y="4127400"/>
+              <a:ext cx="3949920" cy="1232640"/>
+            </p14:xfrm>
+          </p:contentPart>
+        </mc:Choice>
+        <mc:Fallback>
+          <p:pic>
+            <p:nvPicPr>
+              <p:cNvPr id="7" name="Ink 6">
+                <a:extLst>
+                  <a:ext uri="{FF2B5EF4-FFF2-40B4-BE49-F238E27FC236}">
+                    <a16:creationId xmlns:a16="http://schemas.microsoft.com/office/drawing/2014/main" id="{45A3617A-F215-CDD3-AADF-606A20D23C4D}"/>
+                  </a:ext>
+                </a:extLst>
+              </p:cNvPr>
+              <p:cNvPicPr/>
+              <p:nvPr/>
+            </p:nvPicPr>
+            <p:blipFill>
+              <a:blip r:embed="rId3"/>
+              <a:stretch>
+                <a:fillRect/>
+              </a:stretch>
+            </p:blipFill>
+            <p:spPr>
+              <a:xfrm>
+                <a:off x="2384640" y="4118040"/>
+                <a:ext cx="3968640" cy="1251360"/>
+              </a:xfrm>
+              <a:prstGeom prst="rect">
+                <a:avLst/>
+              </a:prstGeom>
+            </p:spPr>
+          </p:pic>
+        </mc:Fallback>
+      </mc:AlternateContent>
     </p:spTree>
     <p:extLst>
       <p:ext uri="{BB962C8B-B14F-4D97-AF65-F5344CB8AC3E}">
@@ -13199,6 +14399,57 @@
           </a:fontRef>
         </p:style>
       </p:cxnSp>
+      <mc:AlternateContent xmlns:mc="http://schemas.openxmlformats.org/markup-compatibility/2006">
+        <mc:Choice xmlns:p14="http://schemas.microsoft.com/office/powerpoint/2010/main" Requires="p14">
+          <p:contentPart p14:bwMode="auto" r:id="rId2">
+            <p14:nvContentPartPr>
+              <p14:cNvPr id="3" name="Ink 2">
+                <a:extLst>
+                  <a:ext uri="{FF2B5EF4-FFF2-40B4-BE49-F238E27FC236}">
+                    <a16:creationId xmlns:a16="http://schemas.microsoft.com/office/drawing/2014/main" id="{D94A51CC-44BB-AA6D-35BB-8FDACD07F3D3}"/>
+                  </a:ext>
+                </a:extLst>
+              </p14:cNvPr>
+              <p14:cNvContentPartPr/>
+              <p14:nvPr/>
+            </p14:nvContentPartPr>
+            <p14:xfrm>
+              <a:off x="1822320" y="4165560"/>
+              <a:ext cx="7817400" cy="762840"/>
+            </p14:xfrm>
+          </p:contentPart>
+        </mc:Choice>
+        <mc:Fallback>
+          <p:pic>
+            <p:nvPicPr>
+              <p:cNvPr id="3" name="Ink 2">
+                <a:extLst>
+                  <a:ext uri="{FF2B5EF4-FFF2-40B4-BE49-F238E27FC236}">
+                    <a16:creationId xmlns:a16="http://schemas.microsoft.com/office/drawing/2014/main" id="{D94A51CC-44BB-AA6D-35BB-8FDACD07F3D3}"/>
+                  </a:ext>
+                </a:extLst>
+              </p:cNvPr>
+              <p:cNvPicPr/>
+              <p:nvPr/>
+            </p:nvPicPr>
+            <p:blipFill>
+              <a:blip r:embed="rId3"/>
+              <a:stretch>
+                <a:fillRect/>
+              </a:stretch>
+            </p:blipFill>
+            <p:spPr>
+              <a:xfrm>
+                <a:off x="1812960" y="4156200"/>
+                <a:ext cx="7836120" cy="781560"/>
+              </a:xfrm>
+              <a:prstGeom prst="rect">
+                <a:avLst/>
+              </a:prstGeom>
+            </p:spPr>
+          </p:pic>
+        </mc:Fallback>
+      </mc:AlternateContent>
     </p:spTree>
     <p:extLst>
       <p:ext uri="{BB962C8B-B14F-4D97-AF65-F5344CB8AC3E}">
@@ -13672,6 +14923,57 @@
           </a:p>
         </p:txBody>
       </p:sp>
+      <mc:AlternateContent xmlns:mc="http://schemas.openxmlformats.org/markup-compatibility/2006">
+        <mc:Choice xmlns:p14="http://schemas.microsoft.com/office/powerpoint/2010/main" Requires="p14">
+          <p:contentPart p14:bwMode="auto" r:id="rId2">
+            <p14:nvContentPartPr>
+              <p14:cNvPr id="5" name="Ink 4">
+                <a:extLst>
+                  <a:ext uri="{FF2B5EF4-FFF2-40B4-BE49-F238E27FC236}">
+                    <a16:creationId xmlns:a16="http://schemas.microsoft.com/office/drawing/2014/main" id="{504AF155-F49E-69CC-9C50-5955E8C51A18}"/>
+                  </a:ext>
+                </a:extLst>
+              </p14:cNvPr>
+              <p14:cNvContentPartPr/>
+              <p14:nvPr/>
+            </p14:nvContentPartPr>
+            <p14:xfrm>
+              <a:off x="698400" y="2120760"/>
+              <a:ext cx="8617320" cy="2915280"/>
+            </p14:xfrm>
+          </p:contentPart>
+        </mc:Choice>
+        <mc:Fallback>
+          <p:pic>
+            <p:nvPicPr>
+              <p:cNvPr id="5" name="Ink 4">
+                <a:extLst>
+                  <a:ext uri="{FF2B5EF4-FFF2-40B4-BE49-F238E27FC236}">
+                    <a16:creationId xmlns:a16="http://schemas.microsoft.com/office/drawing/2014/main" id="{504AF155-F49E-69CC-9C50-5955E8C51A18}"/>
+                  </a:ext>
+                </a:extLst>
+              </p:cNvPr>
+              <p:cNvPicPr/>
+              <p:nvPr/>
+            </p:nvPicPr>
+            <p:blipFill>
+              <a:blip r:embed="rId3"/>
+              <a:stretch>
+                <a:fillRect/>
+              </a:stretch>
+            </p:blipFill>
+            <p:spPr>
+              <a:xfrm>
+                <a:off x="689040" y="2111400"/>
+                <a:ext cx="8636040" cy="2934000"/>
+              </a:xfrm>
+              <a:prstGeom prst="rect">
+                <a:avLst/>
+              </a:prstGeom>
+            </p:spPr>
+          </p:pic>
+        </mc:Fallback>
+      </mc:AlternateContent>
     </p:spTree>
     <p:extLst>
       <p:ext uri="{BB962C8B-B14F-4D97-AF65-F5344CB8AC3E}">
@@ -13881,6 +15183,57 @@
           </a:p>
         </p:txBody>
       </p:sp>
+      <mc:AlternateContent xmlns:mc="http://schemas.openxmlformats.org/markup-compatibility/2006">
+        <mc:Choice xmlns:p14="http://schemas.microsoft.com/office/powerpoint/2010/main" Requires="p14">
+          <p:contentPart p14:bwMode="auto" r:id="rId2">
+            <p14:nvContentPartPr>
+              <p14:cNvPr id="4" name="Ink 3">
+                <a:extLst>
+                  <a:ext uri="{FF2B5EF4-FFF2-40B4-BE49-F238E27FC236}">
+                    <a16:creationId xmlns:a16="http://schemas.microsoft.com/office/drawing/2014/main" id="{9566BD26-D264-8870-E85F-08AC902A0931}"/>
+                  </a:ext>
+                </a:extLst>
+              </p14:cNvPr>
+              <p14:cNvContentPartPr/>
+              <p14:nvPr/>
+            </p14:nvContentPartPr>
+            <p14:xfrm>
+              <a:off x="5607000" y="4140000"/>
+              <a:ext cx="4692960" cy="508680"/>
+            </p14:xfrm>
+          </p:contentPart>
+        </mc:Choice>
+        <mc:Fallback>
+          <p:pic>
+            <p:nvPicPr>
+              <p:cNvPr id="4" name="Ink 3">
+                <a:extLst>
+                  <a:ext uri="{FF2B5EF4-FFF2-40B4-BE49-F238E27FC236}">
+                    <a16:creationId xmlns:a16="http://schemas.microsoft.com/office/drawing/2014/main" id="{9566BD26-D264-8870-E85F-08AC902A0931}"/>
+                  </a:ext>
+                </a:extLst>
+              </p:cNvPr>
+              <p:cNvPicPr/>
+              <p:nvPr/>
+            </p:nvPicPr>
+            <p:blipFill>
+              <a:blip r:embed="rId3"/>
+              <a:stretch>
+                <a:fillRect/>
+              </a:stretch>
+            </p:blipFill>
+            <p:spPr>
+              <a:xfrm>
+                <a:off x="5597640" y="4130640"/>
+                <a:ext cx="4711680" cy="527400"/>
+              </a:xfrm>
+              <a:prstGeom prst="rect">
+                <a:avLst/>
+              </a:prstGeom>
+            </p:spPr>
+          </p:pic>
+        </mc:Fallback>
+      </mc:AlternateContent>
     </p:spTree>
     <p:extLst>
       <p:ext uri="{BB962C8B-B14F-4D97-AF65-F5344CB8AC3E}">
@@ -14258,6 +15611,57 @@
           </a:fontRef>
         </p:style>
       </p:cxnSp>
+      <mc:AlternateContent xmlns:mc="http://schemas.openxmlformats.org/markup-compatibility/2006">
+        <mc:Choice xmlns:p14="http://schemas.microsoft.com/office/powerpoint/2010/main" Requires="p14">
+          <p:contentPart p14:bwMode="auto" r:id="rId2">
+            <p14:nvContentPartPr>
+              <p14:cNvPr id="7" name="Ink 6">
+                <a:extLst>
+                  <a:ext uri="{FF2B5EF4-FFF2-40B4-BE49-F238E27FC236}">
+                    <a16:creationId xmlns:a16="http://schemas.microsoft.com/office/drawing/2014/main" id="{598873EE-33C1-6D05-3D84-6EDED3CE2C18}"/>
+                  </a:ext>
+                </a:extLst>
+              </p14:cNvPr>
+              <p14:cNvContentPartPr/>
+              <p14:nvPr/>
+            </p14:nvContentPartPr>
+            <p14:xfrm>
+              <a:off x="1892160" y="1707840"/>
+              <a:ext cx="902160" cy="26280"/>
+            </p14:xfrm>
+          </p:contentPart>
+        </mc:Choice>
+        <mc:Fallback>
+          <p:pic>
+            <p:nvPicPr>
+              <p:cNvPr id="7" name="Ink 6">
+                <a:extLst>
+                  <a:ext uri="{FF2B5EF4-FFF2-40B4-BE49-F238E27FC236}">
+                    <a16:creationId xmlns:a16="http://schemas.microsoft.com/office/drawing/2014/main" id="{598873EE-33C1-6D05-3D84-6EDED3CE2C18}"/>
+                  </a:ext>
+                </a:extLst>
+              </p:cNvPr>
+              <p:cNvPicPr/>
+              <p:nvPr/>
+            </p:nvPicPr>
+            <p:blipFill>
+              <a:blip r:embed="rId3"/>
+              <a:stretch>
+                <a:fillRect/>
+              </a:stretch>
+            </p:blipFill>
+            <p:spPr>
+              <a:xfrm>
+                <a:off x="1882800" y="1698480"/>
+                <a:ext cx="920880" cy="45000"/>
+              </a:xfrm>
+              <a:prstGeom prst="rect">
+                <a:avLst/>
+              </a:prstGeom>
+            </p:spPr>
+          </p:pic>
+        </mc:Fallback>
+      </mc:AlternateContent>
     </p:spTree>
     <p:extLst>
       <p:ext uri="{BB962C8B-B14F-4D97-AF65-F5344CB8AC3E}">
@@ -14985,6 +16389,57 @@
           </a:fontRef>
         </p:style>
       </p:cxnSp>
+      <mc:AlternateContent xmlns:mc="http://schemas.openxmlformats.org/markup-compatibility/2006">
+        <mc:Choice xmlns:p14="http://schemas.microsoft.com/office/powerpoint/2010/main" Requires="p14">
+          <p:contentPart p14:bwMode="auto" r:id="rId2">
+            <p14:nvContentPartPr>
+              <p14:cNvPr id="3" name="Ink 2">
+                <a:extLst>
+                  <a:ext uri="{FF2B5EF4-FFF2-40B4-BE49-F238E27FC236}">
+                    <a16:creationId xmlns:a16="http://schemas.microsoft.com/office/drawing/2014/main" id="{981A9EA2-C2B0-F1F4-3A13-3AAF6487CBDE}"/>
+                  </a:ext>
+                </a:extLst>
+              </p14:cNvPr>
+              <p14:cNvContentPartPr/>
+              <p14:nvPr/>
+            </p14:nvContentPartPr>
+            <p14:xfrm>
+              <a:off x="1447920" y="386640"/>
+              <a:ext cx="9233280" cy="3506400"/>
+            </p14:xfrm>
+          </p:contentPart>
+        </mc:Choice>
+        <mc:Fallback>
+          <p:pic>
+            <p:nvPicPr>
+              <p:cNvPr id="3" name="Ink 2">
+                <a:extLst>
+                  <a:ext uri="{FF2B5EF4-FFF2-40B4-BE49-F238E27FC236}">
+                    <a16:creationId xmlns:a16="http://schemas.microsoft.com/office/drawing/2014/main" id="{981A9EA2-C2B0-F1F4-3A13-3AAF6487CBDE}"/>
+                  </a:ext>
+                </a:extLst>
+              </p:cNvPr>
+              <p:cNvPicPr/>
+              <p:nvPr/>
+            </p:nvPicPr>
+            <p:blipFill>
+              <a:blip r:embed="rId3"/>
+              <a:stretch>
+                <a:fillRect/>
+              </a:stretch>
+            </p:blipFill>
+            <p:spPr>
+              <a:xfrm>
+                <a:off x="1438560" y="377280"/>
+                <a:ext cx="9252000" cy="3525120"/>
+              </a:xfrm>
+              <a:prstGeom prst="rect">
+                <a:avLst/>
+              </a:prstGeom>
+            </p:spPr>
+          </p:pic>
+        </mc:Fallback>
+      </mc:AlternateContent>
     </p:spTree>
     <p:extLst>
       <p:ext uri="{BB962C8B-B14F-4D97-AF65-F5344CB8AC3E}">
@@ -15777,6 +17232,57 @@
           </a:fontRef>
         </p:style>
       </p:cxnSp>
+      <mc:AlternateContent xmlns:mc="http://schemas.openxmlformats.org/markup-compatibility/2006">
+        <mc:Choice xmlns:p14="http://schemas.microsoft.com/office/powerpoint/2010/main" Requires="p14">
+          <p:contentPart p14:bwMode="auto" r:id="rId2">
+            <p14:nvContentPartPr>
+              <p14:cNvPr id="6" name="Ink 5">
+                <a:extLst>
+                  <a:ext uri="{FF2B5EF4-FFF2-40B4-BE49-F238E27FC236}">
+                    <a16:creationId xmlns:a16="http://schemas.microsoft.com/office/drawing/2014/main" id="{1F331296-1F33-9BDA-3E63-CE927004A3DC}"/>
+                  </a:ext>
+                </a:extLst>
+              </p14:cNvPr>
+              <p14:cNvContentPartPr/>
+              <p14:nvPr/>
+            </p14:nvContentPartPr>
+            <p14:xfrm>
+              <a:off x="1022040" y="799560"/>
+              <a:ext cx="9925560" cy="3963240"/>
+            </p14:xfrm>
+          </p:contentPart>
+        </mc:Choice>
+        <mc:Fallback>
+          <p:pic>
+            <p:nvPicPr>
+              <p:cNvPr id="6" name="Ink 5">
+                <a:extLst>
+                  <a:ext uri="{FF2B5EF4-FFF2-40B4-BE49-F238E27FC236}">
+                    <a16:creationId xmlns:a16="http://schemas.microsoft.com/office/drawing/2014/main" id="{1F331296-1F33-9BDA-3E63-CE927004A3DC}"/>
+                  </a:ext>
+                </a:extLst>
+              </p:cNvPr>
+              <p:cNvPicPr/>
+              <p:nvPr/>
+            </p:nvPicPr>
+            <p:blipFill>
+              <a:blip r:embed="rId3"/>
+              <a:stretch>
+                <a:fillRect/>
+              </a:stretch>
+            </p:blipFill>
+            <p:spPr>
+              <a:xfrm>
+                <a:off x="1012680" y="790200"/>
+                <a:ext cx="9944280" cy="3981960"/>
+              </a:xfrm>
+              <a:prstGeom prst="rect">
+                <a:avLst/>
+              </a:prstGeom>
+            </p:spPr>
+          </p:pic>
+        </mc:Fallback>
+      </mc:AlternateContent>
     </p:spTree>
     <p:extLst>
       <p:ext uri="{BB962C8B-B14F-4D97-AF65-F5344CB8AC3E}">
@@ -16577,6 +18083,57 @@
           </a:p>
         </p:txBody>
       </p:sp>
+      <mc:AlternateContent xmlns:mc="http://schemas.openxmlformats.org/markup-compatibility/2006">
+        <mc:Choice xmlns:p14="http://schemas.microsoft.com/office/powerpoint/2010/main" Requires="p14">
+          <p:contentPart p14:bwMode="auto" r:id="rId2">
+            <p14:nvContentPartPr>
+              <p14:cNvPr id="3" name="Ink 2">
+                <a:extLst>
+                  <a:ext uri="{FF2B5EF4-FFF2-40B4-BE49-F238E27FC236}">
+                    <a16:creationId xmlns:a16="http://schemas.microsoft.com/office/drawing/2014/main" id="{B396B79E-FD57-9CEE-9579-1056674AF0D7}"/>
+                  </a:ext>
+                </a:extLst>
+              </p14:cNvPr>
+              <p14:cNvContentPartPr/>
+              <p14:nvPr/>
+            </p14:nvContentPartPr>
+            <p14:xfrm>
+              <a:off x="2577960" y="3867120"/>
+              <a:ext cx="2299320" cy="25920"/>
+            </p14:xfrm>
+          </p:contentPart>
+        </mc:Choice>
+        <mc:Fallback>
+          <p:pic>
+            <p:nvPicPr>
+              <p:cNvPr id="3" name="Ink 2">
+                <a:extLst>
+                  <a:ext uri="{FF2B5EF4-FFF2-40B4-BE49-F238E27FC236}">
+                    <a16:creationId xmlns:a16="http://schemas.microsoft.com/office/drawing/2014/main" id="{B396B79E-FD57-9CEE-9579-1056674AF0D7}"/>
+                  </a:ext>
+                </a:extLst>
+              </p:cNvPr>
+              <p:cNvPicPr/>
+              <p:nvPr/>
+            </p:nvPicPr>
+            <p:blipFill>
+              <a:blip r:embed="rId3"/>
+              <a:stretch>
+                <a:fillRect/>
+              </a:stretch>
+            </p:blipFill>
+            <p:spPr>
+              <a:xfrm>
+                <a:off x="2568600" y="3857760"/>
+                <a:ext cx="2318040" cy="44640"/>
+              </a:xfrm>
+              <a:prstGeom prst="rect">
+                <a:avLst/>
+              </a:prstGeom>
+            </p:spPr>
+          </p:pic>
+        </mc:Fallback>
+      </mc:AlternateContent>
     </p:spTree>
     <p:extLst>
       <p:ext uri="{BB962C8B-B14F-4D97-AF65-F5344CB8AC3E}">
@@ -17689,6 +19246,57 @@
           </a:p>
         </p:txBody>
       </p:sp>
+      <mc:AlternateContent xmlns:mc="http://schemas.openxmlformats.org/markup-compatibility/2006">
+        <mc:Choice xmlns:p14="http://schemas.microsoft.com/office/powerpoint/2010/main" Requires="p14">
+          <p:contentPart p14:bwMode="auto" r:id="rId2">
+            <p14:nvContentPartPr>
+              <p14:cNvPr id="3" name="Ink 2">
+                <a:extLst>
+                  <a:ext uri="{FF2B5EF4-FFF2-40B4-BE49-F238E27FC236}">
+                    <a16:creationId xmlns:a16="http://schemas.microsoft.com/office/drawing/2014/main" id="{4AA9D881-350B-7B0F-0229-4571BF9BD741}"/>
+                  </a:ext>
+                </a:extLst>
+              </p14:cNvPr>
+              <p14:cNvContentPartPr/>
+              <p14:nvPr/>
+            </p14:nvContentPartPr>
+            <p14:xfrm>
+              <a:off x="1511280" y="5524560"/>
+              <a:ext cx="584640" cy="286200"/>
+            </p14:xfrm>
+          </p:contentPart>
+        </mc:Choice>
+        <mc:Fallback>
+          <p:pic>
+            <p:nvPicPr>
+              <p:cNvPr id="3" name="Ink 2">
+                <a:extLst>
+                  <a:ext uri="{FF2B5EF4-FFF2-40B4-BE49-F238E27FC236}">
+                    <a16:creationId xmlns:a16="http://schemas.microsoft.com/office/drawing/2014/main" id="{4AA9D881-350B-7B0F-0229-4571BF9BD741}"/>
+                  </a:ext>
+                </a:extLst>
+              </p:cNvPr>
+              <p:cNvPicPr/>
+              <p:nvPr/>
+            </p:nvPicPr>
+            <p:blipFill>
+              <a:blip r:embed="rId3"/>
+              <a:stretch>
+                <a:fillRect/>
+              </a:stretch>
+            </p:blipFill>
+            <p:spPr>
+              <a:xfrm>
+                <a:off x="1501920" y="5515200"/>
+                <a:ext cx="603360" cy="304920"/>
+              </a:xfrm>
+              <a:prstGeom prst="rect">
+                <a:avLst/>
+              </a:prstGeom>
+            </p:spPr>
+          </p:pic>
+        </mc:Fallback>
+      </mc:AlternateContent>
     </p:spTree>
     <p:extLst>
       <p:ext uri="{BB962C8B-B14F-4D97-AF65-F5344CB8AC3E}">
@@ -18360,6 +19968,57 @@
           </a:p>
         </p:txBody>
       </p:sp>
+      <mc:AlternateContent xmlns:mc="http://schemas.openxmlformats.org/markup-compatibility/2006">
+        <mc:Choice xmlns:p14="http://schemas.microsoft.com/office/powerpoint/2010/main" Requires="p14">
+          <p:contentPart p14:bwMode="auto" r:id="rId2">
+            <p14:nvContentPartPr>
+              <p14:cNvPr id="6" name="Ink 5">
+                <a:extLst>
+                  <a:ext uri="{FF2B5EF4-FFF2-40B4-BE49-F238E27FC236}">
+                    <a16:creationId xmlns:a16="http://schemas.microsoft.com/office/drawing/2014/main" id="{52D74789-0183-317B-BAC4-D45888EF40A4}"/>
+                  </a:ext>
+                </a:extLst>
+              </p14:cNvPr>
+              <p14:cNvContentPartPr/>
+              <p14:nvPr/>
+            </p14:nvContentPartPr>
+            <p14:xfrm>
+              <a:off x="1320840" y="3257640"/>
+              <a:ext cx="6223320" cy="2115000"/>
+            </p14:xfrm>
+          </p:contentPart>
+        </mc:Choice>
+        <mc:Fallback>
+          <p:pic>
+            <p:nvPicPr>
+              <p:cNvPr id="6" name="Ink 5">
+                <a:extLst>
+                  <a:ext uri="{FF2B5EF4-FFF2-40B4-BE49-F238E27FC236}">
+                    <a16:creationId xmlns:a16="http://schemas.microsoft.com/office/drawing/2014/main" id="{52D74789-0183-317B-BAC4-D45888EF40A4}"/>
+                  </a:ext>
+                </a:extLst>
+              </p:cNvPr>
+              <p:cNvPicPr/>
+              <p:nvPr/>
+            </p:nvPicPr>
+            <p:blipFill>
+              <a:blip r:embed="rId3"/>
+              <a:stretch>
+                <a:fillRect/>
+              </a:stretch>
+            </p:blipFill>
+            <p:spPr>
+              <a:xfrm>
+                <a:off x="1311480" y="3248280"/>
+                <a:ext cx="6242040" cy="2133720"/>
+              </a:xfrm>
+              <a:prstGeom prst="rect">
+                <a:avLst/>
+              </a:prstGeom>
+            </p:spPr>
+          </p:pic>
+        </mc:Fallback>
+      </mc:AlternateContent>
     </p:spTree>
     <p:extLst>
       <p:ext uri="{BB962C8B-B14F-4D97-AF65-F5344CB8AC3E}">
@@ -18743,6 +20402,57 @@
           </a:p>
         </p:txBody>
       </p:sp>
+      <mc:AlternateContent xmlns:mc="http://schemas.openxmlformats.org/markup-compatibility/2006">
+        <mc:Choice xmlns:p14="http://schemas.microsoft.com/office/powerpoint/2010/main" Requires="p14">
+          <p:contentPart p14:bwMode="auto" r:id="rId2">
+            <p14:nvContentPartPr>
+              <p14:cNvPr id="3" name="Ink 2">
+                <a:extLst>
+                  <a:ext uri="{FF2B5EF4-FFF2-40B4-BE49-F238E27FC236}">
+                    <a16:creationId xmlns:a16="http://schemas.microsoft.com/office/drawing/2014/main" id="{B6119314-0208-E69A-B199-4C4E99ABBEEE}"/>
+                  </a:ext>
+                </a:extLst>
+              </p14:cNvPr>
+              <p14:cNvContentPartPr/>
+              <p14:nvPr/>
+            </p14:nvContentPartPr>
+            <p14:xfrm>
+              <a:off x="2082960" y="3263760"/>
+              <a:ext cx="5162760" cy="1448280"/>
+            </p14:xfrm>
+          </p:contentPart>
+        </mc:Choice>
+        <mc:Fallback>
+          <p:pic>
+            <p:nvPicPr>
+              <p:cNvPr id="3" name="Ink 2">
+                <a:extLst>
+                  <a:ext uri="{FF2B5EF4-FFF2-40B4-BE49-F238E27FC236}">
+                    <a16:creationId xmlns:a16="http://schemas.microsoft.com/office/drawing/2014/main" id="{B6119314-0208-E69A-B199-4C4E99ABBEEE}"/>
+                  </a:ext>
+                </a:extLst>
+              </p:cNvPr>
+              <p:cNvPicPr/>
+              <p:nvPr/>
+            </p:nvPicPr>
+            <p:blipFill>
+              <a:blip r:embed="rId3"/>
+              <a:stretch>
+                <a:fillRect/>
+              </a:stretch>
+            </p:blipFill>
+            <p:spPr>
+              <a:xfrm>
+                <a:off x="2073600" y="3254400"/>
+                <a:ext cx="5181480" cy="1467000"/>
+              </a:xfrm>
+              <a:prstGeom prst="rect">
+                <a:avLst/>
+              </a:prstGeom>
+            </p:spPr>
+          </p:pic>
+        </mc:Fallback>
+      </mc:AlternateContent>
     </p:spTree>
     <p:extLst>
       <p:ext uri="{BB962C8B-B14F-4D97-AF65-F5344CB8AC3E}">
@@ -19122,6 +20832,57 @@
           </a:p>
         </p:txBody>
       </p:sp>
+      <mc:AlternateContent xmlns:mc="http://schemas.openxmlformats.org/markup-compatibility/2006">
+        <mc:Choice xmlns:p14="http://schemas.microsoft.com/office/powerpoint/2010/main" Requires="p14">
+          <p:contentPart p14:bwMode="auto" r:id="rId2">
+            <p14:nvContentPartPr>
+              <p14:cNvPr id="3" name="Ink 2">
+                <a:extLst>
+                  <a:ext uri="{FF2B5EF4-FFF2-40B4-BE49-F238E27FC236}">
+                    <a16:creationId xmlns:a16="http://schemas.microsoft.com/office/drawing/2014/main" id="{C730225B-511E-EA42-AC41-F105762E23CE}"/>
+                  </a:ext>
+                </a:extLst>
+              </p14:cNvPr>
+              <p14:cNvContentPartPr/>
+              <p14:nvPr/>
+            </p14:nvContentPartPr>
+            <p14:xfrm>
+              <a:off x="2266920" y="2508120"/>
+              <a:ext cx="4464360" cy="2566440"/>
+            </p14:xfrm>
+          </p:contentPart>
+        </mc:Choice>
+        <mc:Fallback>
+          <p:pic>
+            <p:nvPicPr>
+              <p:cNvPr id="3" name="Ink 2">
+                <a:extLst>
+                  <a:ext uri="{FF2B5EF4-FFF2-40B4-BE49-F238E27FC236}">
+                    <a16:creationId xmlns:a16="http://schemas.microsoft.com/office/drawing/2014/main" id="{C730225B-511E-EA42-AC41-F105762E23CE}"/>
+                  </a:ext>
+                </a:extLst>
+              </p:cNvPr>
+              <p:cNvPicPr/>
+              <p:nvPr/>
+            </p:nvPicPr>
+            <p:blipFill>
+              <a:blip r:embed="rId3"/>
+              <a:stretch>
+                <a:fillRect/>
+              </a:stretch>
+            </p:blipFill>
+            <p:spPr>
+              <a:xfrm>
+                <a:off x="2257560" y="2498760"/>
+                <a:ext cx="4483080" cy="2585160"/>
+              </a:xfrm>
+              <a:prstGeom prst="rect">
+                <a:avLst/>
+              </a:prstGeom>
+            </p:spPr>
+          </p:pic>
+        </mc:Fallback>
+      </mc:AlternateContent>
     </p:spTree>
     <p:extLst>
       <p:ext uri="{BB962C8B-B14F-4D97-AF65-F5344CB8AC3E}">
@@ -19360,6 +21121,57 @@
           </a:p>
         </p:txBody>
       </p:sp>
+      <mc:AlternateContent xmlns:mc="http://schemas.openxmlformats.org/markup-compatibility/2006">
+        <mc:Choice xmlns:p14="http://schemas.microsoft.com/office/powerpoint/2010/main" Requires="p14">
+          <p:contentPart p14:bwMode="auto" r:id="rId2">
+            <p14:nvContentPartPr>
+              <p14:cNvPr id="3" name="Ink 2">
+                <a:extLst>
+                  <a:ext uri="{FF2B5EF4-FFF2-40B4-BE49-F238E27FC236}">
+                    <a16:creationId xmlns:a16="http://schemas.microsoft.com/office/drawing/2014/main" id="{F54D6B3D-7E73-C37F-42FB-3AB7ED001DAB}"/>
+                  </a:ext>
+                </a:extLst>
+              </p14:cNvPr>
+              <p14:cNvContentPartPr/>
+              <p14:nvPr/>
+            </p14:nvContentPartPr>
+            <p14:xfrm>
+              <a:off x="857160" y="2717280"/>
+              <a:ext cx="4153320" cy="102960"/>
+            </p14:xfrm>
+          </p:contentPart>
+        </mc:Choice>
+        <mc:Fallback>
+          <p:pic>
+            <p:nvPicPr>
+              <p:cNvPr id="3" name="Ink 2">
+                <a:extLst>
+                  <a:ext uri="{FF2B5EF4-FFF2-40B4-BE49-F238E27FC236}">
+                    <a16:creationId xmlns:a16="http://schemas.microsoft.com/office/drawing/2014/main" id="{F54D6B3D-7E73-C37F-42FB-3AB7ED001DAB}"/>
+                  </a:ext>
+                </a:extLst>
+              </p:cNvPr>
+              <p:cNvPicPr/>
+              <p:nvPr/>
+            </p:nvPicPr>
+            <p:blipFill>
+              <a:blip r:embed="rId3"/>
+              <a:stretch>
+                <a:fillRect/>
+              </a:stretch>
+            </p:blipFill>
+            <p:spPr>
+              <a:xfrm>
+                <a:off x="847800" y="2707920"/>
+                <a:ext cx="4172040" cy="121680"/>
+              </a:xfrm>
+              <a:prstGeom prst="rect">
+                <a:avLst/>
+              </a:prstGeom>
+            </p:spPr>
+          </p:pic>
+        </mc:Fallback>
+      </mc:AlternateContent>
     </p:spTree>
     <p:extLst>
       <p:ext uri="{BB962C8B-B14F-4D97-AF65-F5344CB8AC3E}">
@@ -19855,6 +21667,57 @@
           </a:p>
         </p:txBody>
       </p:sp>
+      <mc:AlternateContent xmlns:mc="http://schemas.openxmlformats.org/markup-compatibility/2006">
+        <mc:Choice xmlns:p14="http://schemas.microsoft.com/office/powerpoint/2010/main" Requires="p14">
+          <p:contentPart p14:bwMode="auto" r:id="rId2">
+            <p14:nvContentPartPr>
+              <p14:cNvPr id="7" name="Ink 6">
+                <a:extLst>
+                  <a:ext uri="{FF2B5EF4-FFF2-40B4-BE49-F238E27FC236}">
+                    <a16:creationId xmlns:a16="http://schemas.microsoft.com/office/drawing/2014/main" id="{E4522100-2AD1-8182-706F-1588E5A6B392}"/>
+                  </a:ext>
+                </a:extLst>
+              </p14:cNvPr>
+              <p14:cNvContentPartPr/>
+              <p14:nvPr/>
+            </p14:nvContentPartPr>
+            <p14:xfrm>
+              <a:off x="761760" y="1162080"/>
+              <a:ext cx="10471680" cy="4972320"/>
+            </p14:xfrm>
+          </p:contentPart>
+        </mc:Choice>
+        <mc:Fallback>
+          <p:pic>
+            <p:nvPicPr>
+              <p:cNvPr id="7" name="Ink 6">
+                <a:extLst>
+                  <a:ext uri="{FF2B5EF4-FFF2-40B4-BE49-F238E27FC236}">
+                    <a16:creationId xmlns:a16="http://schemas.microsoft.com/office/drawing/2014/main" id="{E4522100-2AD1-8182-706F-1588E5A6B392}"/>
+                  </a:ext>
+                </a:extLst>
+              </p:cNvPr>
+              <p:cNvPicPr/>
+              <p:nvPr/>
+            </p:nvPicPr>
+            <p:blipFill>
+              <a:blip r:embed="rId3"/>
+              <a:stretch>
+                <a:fillRect/>
+              </a:stretch>
+            </p:blipFill>
+            <p:spPr>
+              <a:xfrm>
+                <a:off x="752400" y="1152720"/>
+                <a:ext cx="10490400" cy="4991040"/>
+              </a:xfrm>
+              <a:prstGeom prst="rect">
+                <a:avLst/>
+              </a:prstGeom>
+            </p:spPr>
+          </p:pic>
+        </mc:Fallback>
+      </mc:AlternateContent>
     </p:spTree>
     <p:extLst>
       <p:ext uri="{BB962C8B-B14F-4D97-AF65-F5344CB8AC3E}">
